--- a/PPT_Image.pptx
+++ b/PPT_Image.pptx
@@ -6,6 +6,7 @@
   </p:sldMasterIdLst>
   <p:sldIdLst>
     <p:sldId id="256" r:id="rId2"/>
+    <p:sldId id="257" r:id="rId3"/>
   </p:sldIdLst>
   <p:sldSz cx="12192000" cy="6858000"/>
   <p:notesSz cx="6858000" cy="9144000"/>
@@ -104,6 +105,11 @@
       </a:defRPr>
     </a:lvl9pPr>
   </p:defaultTextStyle>
+  <p:extLst>
+    <p:ext uri="{EFAFB233-063F-42B5-8137-9DF3F51BA10A}">
+      <p15:sldGuideLst xmlns:p15="http://schemas.microsoft.com/office/powerpoint/2012/main"/>
+    </p:ext>
+  </p:extLst>
 </p:presentation>
 </file>
 
@@ -238,7 +244,7 @@
           <a:p>
             <a:fld id="{5C3F47B3-2A9D-4524-A859-E9ED1EDC8D04}" type="datetimeFigureOut">
               <a:rPr lang="ko-KR" altLang="en-US" smtClean="0"/>
-              <a:t>2022-09-03</a:t>
+              <a:t>2023-03-17</a:t>
             </a:fld>
             <a:endParaRPr lang="ko-KR" altLang="en-US"/>
           </a:p>
@@ -408,7 +414,7 @@
           <a:p>
             <a:fld id="{5C3F47B3-2A9D-4524-A859-E9ED1EDC8D04}" type="datetimeFigureOut">
               <a:rPr lang="ko-KR" altLang="en-US" smtClean="0"/>
-              <a:t>2022-09-03</a:t>
+              <a:t>2023-03-17</a:t>
             </a:fld>
             <a:endParaRPr lang="ko-KR" altLang="en-US"/>
           </a:p>
@@ -588,7 +594,7 @@
           <a:p>
             <a:fld id="{5C3F47B3-2A9D-4524-A859-E9ED1EDC8D04}" type="datetimeFigureOut">
               <a:rPr lang="ko-KR" altLang="en-US" smtClean="0"/>
-              <a:t>2022-09-03</a:t>
+              <a:t>2023-03-17</a:t>
             </a:fld>
             <a:endParaRPr lang="ko-KR" altLang="en-US"/>
           </a:p>
@@ -758,7 +764,7 @@
           <a:p>
             <a:fld id="{5C3F47B3-2A9D-4524-A859-E9ED1EDC8D04}" type="datetimeFigureOut">
               <a:rPr lang="ko-KR" altLang="en-US" smtClean="0"/>
-              <a:t>2022-09-03</a:t>
+              <a:t>2023-03-17</a:t>
             </a:fld>
             <a:endParaRPr lang="ko-KR" altLang="en-US"/>
           </a:p>
@@ -1004,7 +1010,7 @@
           <a:p>
             <a:fld id="{5C3F47B3-2A9D-4524-A859-E9ED1EDC8D04}" type="datetimeFigureOut">
               <a:rPr lang="ko-KR" altLang="en-US" smtClean="0"/>
-              <a:t>2022-09-03</a:t>
+              <a:t>2023-03-17</a:t>
             </a:fld>
             <a:endParaRPr lang="ko-KR" altLang="en-US"/>
           </a:p>
@@ -1236,7 +1242,7 @@
           <a:p>
             <a:fld id="{5C3F47B3-2A9D-4524-A859-E9ED1EDC8D04}" type="datetimeFigureOut">
               <a:rPr lang="ko-KR" altLang="en-US" smtClean="0"/>
-              <a:t>2022-09-03</a:t>
+              <a:t>2023-03-17</a:t>
             </a:fld>
             <a:endParaRPr lang="ko-KR" altLang="en-US"/>
           </a:p>
@@ -1603,7 +1609,7 @@
           <a:p>
             <a:fld id="{5C3F47B3-2A9D-4524-A859-E9ED1EDC8D04}" type="datetimeFigureOut">
               <a:rPr lang="ko-KR" altLang="en-US" smtClean="0"/>
-              <a:t>2022-09-03</a:t>
+              <a:t>2023-03-17</a:t>
             </a:fld>
             <a:endParaRPr lang="ko-KR" altLang="en-US"/>
           </a:p>
@@ -1721,7 +1727,7 @@
           <a:p>
             <a:fld id="{5C3F47B3-2A9D-4524-A859-E9ED1EDC8D04}" type="datetimeFigureOut">
               <a:rPr lang="ko-KR" altLang="en-US" smtClean="0"/>
-              <a:t>2022-09-03</a:t>
+              <a:t>2023-03-17</a:t>
             </a:fld>
             <a:endParaRPr lang="ko-KR" altLang="en-US"/>
           </a:p>
@@ -1816,7 +1822,7 @@
           <a:p>
             <a:fld id="{5C3F47B3-2A9D-4524-A859-E9ED1EDC8D04}" type="datetimeFigureOut">
               <a:rPr lang="ko-KR" altLang="en-US" smtClean="0"/>
-              <a:t>2022-09-03</a:t>
+              <a:t>2023-03-17</a:t>
             </a:fld>
             <a:endParaRPr lang="ko-KR" altLang="en-US"/>
           </a:p>
@@ -2093,7 +2099,7 @@
           <a:p>
             <a:fld id="{5C3F47B3-2A9D-4524-A859-E9ED1EDC8D04}" type="datetimeFigureOut">
               <a:rPr lang="ko-KR" altLang="en-US" smtClean="0"/>
-              <a:t>2022-09-03</a:t>
+              <a:t>2023-03-17</a:t>
             </a:fld>
             <a:endParaRPr lang="ko-KR" altLang="en-US"/>
           </a:p>
@@ -2346,7 +2352,7 @@
           <a:p>
             <a:fld id="{5C3F47B3-2A9D-4524-A859-E9ED1EDC8D04}" type="datetimeFigureOut">
               <a:rPr lang="ko-KR" altLang="en-US" smtClean="0"/>
-              <a:t>2022-09-03</a:t>
+              <a:t>2023-03-17</a:t>
             </a:fld>
             <a:endParaRPr lang="ko-KR" altLang="en-US"/>
           </a:p>
@@ -2559,7 +2565,7 @@
           <a:p>
             <a:fld id="{5C3F47B3-2A9D-4524-A859-E9ED1EDC8D04}" type="datetimeFigureOut">
               <a:rPr lang="ko-KR" altLang="en-US" smtClean="0"/>
-              <a:t>2022-09-03</a:t>
+              <a:t>2023-03-17</a:t>
             </a:fld>
             <a:endParaRPr lang="ko-KR" altLang="en-US"/>
           </a:p>
@@ -3710,6 +3716,5438 @@
   <p:clrMapOvr>
     <a:masterClrMapping/>
   </p:clrMapOvr>
+  <p:timing>
+    <p:tnLst>
+      <p:par>
+        <p:cTn id="1" dur="indefinite" restart="never" nodeType="tmRoot"/>
+      </p:par>
+    </p:tnLst>
+  </p:timing>
+</p:sld>
+</file>
+
+<file path=ppt/slides/slide2.xml><?xml version="1.0" encoding="utf-8"?>
+<p:sld xmlns:a="http://schemas.openxmlformats.org/drawingml/2006/main" xmlns:r="http://schemas.openxmlformats.org/officeDocument/2006/relationships" xmlns:p="http://schemas.openxmlformats.org/presentationml/2006/main">
+  <p:cSld>
+    <p:spTree>
+      <p:nvGrpSpPr>
+        <p:cNvPr id="1" name=""/>
+        <p:cNvGrpSpPr/>
+        <p:nvPr/>
+      </p:nvGrpSpPr>
+      <p:grpSpPr>
+        <a:xfrm>
+          <a:off x="0" y="0"/>
+          <a:ext cx="0" cy="0"/>
+          <a:chOff x="0" y="0"/>
+          <a:chExt cx="0" cy="0"/>
+        </a:xfrm>
+      </p:grpSpPr>
+      <p:graphicFrame>
+        <p:nvGraphicFramePr>
+          <p:cNvPr id="4" name="표 3"/>
+          <p:cNvGraphicFramePr>
+            <a:graphicFrameLocks noGrp="1"/>
+          </p:cNvGraphicFramePr>
+          <p:nvPr>
+            <p:extLst>
+              <p:ext uri="{D42A27DB-BD31-4B8C-83A1-F6EECF244321}">
+                <p14:modId xmlns:p14="http://schemas.microsoft.com/office/powerpoint/2010/main" val="2919246590"/>
+              </p:ext>
+            </p:extLst>
+          </p:nvPr>
+        </p:nvGraphicFramePr>
+        <p:xfrm>
+          <a:off x="1205712" y="496932"/>
+          <a:ext cx="4140000" cy="1828800"/>
+        </p:xfrm>
+        <a:graphic>
+          <a:graphicData uri="http://schemas.openxmlformats.org/drawingml/2006/table">
+            <a:tbl>
+              <a:tblPr firstRow="1" bandRow="1">
+                <a:tableStyleId>{5C22544A-7EE6-4342-B048-85BDC9FD1C3A}</a:tableStyleId>
+              </a:tblPr>
+              <a:tblGrid>
+                <a:gridCol w="1260000">
+                  <a:extLst>
+                    <a:ext uri="{9D8B030D-6E8A-4147-A177-3AD203B41FA5}">
+                      <a16:colId xmlns:a16="http://schemas.microsoft.com/office/drawing/2014/main" val="2506121986"/>
+                    </a:ext>
+                  </a:extLst>
+                </a:gridCol>
+                <a:gridCol w="1080000">
+                  <a:extLst>
+                    <a:ext uri="{9D8B030D-6E8A-4147-A177-3AD203B41FA5}">
+                      <a16:colId xmlns:a16="http://schemas.microsoft.com/office/drawing/2014/main" val="3463867517"/>
+                    </a:ext>
+                  </a:extLst>
+                </a:gridCol>
+                <a:gridCol w="1800000">
+                  <a:extLst>
+                    <a:ext uri="{9D8B030D-6E8A-4147-A177-3AD203B41FA5}">
+                      <a16:colId xmlns:a16="http://schemas.microsoft.com/office/drawing/2014/main" val="3302509317"/>
+                    </a:ext>
+                  </a:extLst>
+                </a:gridCol>
+              </a:tblGrid>
+              <a:tr h="288000">
+                <a:tc>
+                  <a:txBody>
+                    <a:bodyPr/>
+                    <a:lstStyle/>
+                    <a:p>
+                      <a:pPr algn="ctr" latinLnBrk="1"/>
+                      <a:r>
+                        <a:rPr lang="ko-KR" altLang="en-US" sz="1400" dirty="0" smtClean="0">
+                          <a:latin typeface="삼성긴고딕OTF Bold" panose="020B0600000101010101" pitchFamily="34" charset="-127"/>
+                          <a:ea typeface="삼성긴고딕OTF Bold" panose="020B0600000101010101" pitchFamily="34" charset="-127"/>
+                        </a:rPr>
+                        <a:t>강의 시간</a:t>
+                      </a:r>
+                      <a:endParaRPr lang="ko-KR" altLang="en-US" sz="1400" dirty="0">
+                        <a:latin typeface="삼성긴고딕OTF Bold" panose="020B0600000101010101" pitchFamily="34" charset="-127"/>
+                        <a:ea typeface="삼성긴고딕OTF Bold" panose="020B0600000101010101" pitchFamily="34" charset="-127"/>
+                      </a:endParaRPr>
+                    </a:p>
+                  </a:txBody>
+                  <a:tcPr>
+                    <a:lnL w="9525" cap="flat" cmpd="sng" algn="ctr">
+                      <a:solidFill>
+                        <a:schemeClr val="tx1"/>
+                      </a:solidFill>
+                      <a:prstDash val="solid"/>
+                      <a:round/>
+                      <a:headEnd type="none" w="med" len="med"/>
+                      <a:tailEnd type="none" w="med" len="med"/>
+                    </a:lnL>
+                    <a:lnR w="9525" cap="flat" cmpd="sng" algn="ctr">
+                      <a:solidFill>
+                        <a:schemeClr val="tx1"/>
+                      </a:solidFill>
+                      <a:prstDash val="solid"/>
+                      <a:round/>
+                      <a:headEnd type="none" w="med" len="med"/>
+                      <a:tailEnd type="none" w="med" len="med"/>
+                    </a:lnR>
+                    <a:lnT w="9525" cap="flat" cmpd="sng" algn="ctr">
+                      <a:solidFill>
+                        <a:schemeClr val="tx1"/>
+                      </a:solidFill>
+                      <a:prstDash val="solid"/>
+                      <a:round/>
+                      <a:headEnd type="none" w="med" len="med"/>
+                      <a:tailEnd type="none" w="med" len="med"/>
+                    </a:lnT>
+                    <a:lnB w="9525" cap="flat" cmpd="sng" algn="ctr">
+                      <a:solidFill>
+                        <a:schemeClr val="tx1"/>
+                      </a:solidFill>
+                      <a:prstDash val="solid"/>
+                      <a:round/>
+                      <a:headEnd type="none" w="med" len="med"/>
+                      <a:tailEnd type="none" w="med" len="med"/>
+                    </a:lnB>
+                  </a:tcPr>
+                </a:tc>
+                <a:tc>
+                  <a:txBody>
+                    <a:bodyPr/>
+                    <a:lstStyle/>
+                    <a:p>
+                      <a:pPr algn="ctr" latinLnBrk="1"/>
+                      <a:r>
+                        <a:rPr lang="ko-KR" altLang="en-US" sz="1400" dirty="0" smtClean="0">
+                          <a:latin typeface="삼성긴고딕OTF Bold" panose="020B0600000101010101" pitchFamily="34" charset="-127"/>
+                          <a:ea typeface="삼성긴고딕OTF Bold" panose="020B0600000101010101" pitchFamily="34" charset="-127"/>
+                        </a:rPr>
+                        <a:t>이름</a:t>
+                      </a:r>
+                      <a:endParaRPr lang="ko-KR" altLang="en-US" sz="1400" dirty="0">
+                        <a:latin typeface="삼성긴고딕OTF Bold" panose="020B0600000101010101" pitchFamily="34" charset="-127"/>
+                        <a:ea typeface="삼성긴고딕OTF Bold" panose="020B0600000101010101" pitchFamily="34" charset="-127"/>
+                      </a:endParaRPr>
+                    </a:p>
+                  </a:txBody>
+                  <a:tcPr>
+                    <a:lnL w="9525" cap="flat" cmpd="sng" algn="ctr">
+                      <a:solidFill>
+                        <a:schemeClr val="tx1"/>
+                      </a:solidFill>
+                      <a:prstDash val="solid"/>
+                      <a:round/>
+                      <a:headEnd type="none" w="med" len="med"/>
+                      <a:tailEnd type="none" w="med" len="med"/>
+                    </a:lnL>
+                    <a:lnR w="9525" cap="flat" cmpd="sng" algn="ctr">
+                      <a:solidFill>
+                        <a:schemeClr val="tx1"/>
+                      </a:solidFill>
+                      <a:prstDash val="solid"/>
+                      <a:round/>
+                      <a:headEnd type="none" w="med" len="med"/>
+                      <a:tailEnd type="none" w="med" len="med"/>
+                    </a:lnR>
+                    <a:lnT w="9525" cap="flat" cmpd="sng" algn="ctr">
+                      <a:solidFill>
+                        <a:schemeClr val="tx1"/>
+                      </a:solidFill>
+                      <a:prstDash val="solid"/>
+                      <a:round/>
+                      <a:headEnd type="none" w="med" len="med"/>
+                      <a:tailEnd type="none" w="med" len="med"/>
+                    </a:lnT>
+                    <a:lnB w="9525" cap="flat" cmpd="sng" algn="ctr">
+                      <a:solidFill>
+                        <a:schemeClr val="tx1"/>
+                      </a:solidFill>
+                      <a:prstDash val="solid"/>
+                      <a:round/>
+                      <a:headEnd type="none" w="med" len="med"/>
+                      <a:tailEnd type="none" w="med" len="med"/>
+                    </a:lnB>
+                  </a:tcPr>
+                </a:tc>
+                <a:tc>
+                  <a:txBody>
+                    <a:bodyPr/>
+                    <a:lstStyle/>
+                    <a:p>
+                      <a:pPr algn="ctr" latinLnBrk="1"/>
+                      <a:r>
+                        <a:rPr lang="ko-KR" altLang="en-US" sz="1400" dirty="0" smtClean="0">
+                          <a:latin typeface="삼성긴고딕OTF Bold" panose="020B0600000101010101" pitchFamily="34" charset="-127"/>
+                          <a:ea typeface="삼성긴고딕OTF Bold" panose="020B0600000101010101" pitchFamily="34" charset="-127"/>
+                        </a:rPr>
+                        <a:t>담당 수업</a:t>
+                      </a:r>
+                      <a:endParaRPr lang="ko-KR" altLang="en-US" sz="1400" dirty="0">
+                        <a:latin typeface="삼성긴고딕OTF Bold" panose="020B0600000101010101" pitchFamily="34" charset="-127"/>
+                        <a:ea typeface="삼성긴고딕OTF Bold" panose="020B0600000101010101" pitchFamily="34" charset="-127"/>
+                      </a:endParaRPr>
+                    </a:p>
+                  </a:txBody>
+                  <a:tcPr>
+                    <a:lnL w="9525" cap="flat" cmpd="sng" algn="ctr">
+                      <a:solidFill>
+                        <a:schemeClr val="tx1"/>
+                      </a:solidFill>
+                      <a:prstDash val="solid"/>
+                      <a:round/>
+                      <a:headEnd type="none" w="med" len="med"/>
+                      <a:tailEnd type="none" w="med" len="med"/>
+                    </a:lnL>
+                    <a:lnR w="9525" cap="flat" cmpd="sng" algn="ctr">
+                      <a:solidFill>
+                        <a:schemeClr val="tx1"/>
+                      </a:solidFill>
+                      <a:prstDash val="solid"/>
+                      <a:round/>
+                      <a:headEnd type="none" w="med" len="med"/>
+                      <a:tailEnd type="none" w="med" len="med"/>
+                    </a:lnR>
+                    <a:lnT w="9525" cap="flat" cmpd="sng" algn="ctr">
+                      <a:solidFill>
+                        <a:schemeClr val="tx1"/>
+                      </a:solidFill>
+                      <a:prstDash val="solid"/>
+                      <a:round/>
+                      <a:headEnd type="none" w="med" len="med"/>
+                      <a:tailEnd type="none" w="med" len="med"/>
+                    </a:lnT>
+                    <a:lnB w="9525" cap="flat" cmpd="sng" algn="ctr">
+                      <a:solidFill>
+                        <a:schemeClr val="tx1"/>
+                      </a:solidFill>
+                      <a:prstDash val="solid"/>
+                      <a:round/>
+                      <a:headEnd type="none" w="med" len="med"/>
+                      <a:tailEnd type="none" w="med" len="med"/>
+                    </a:lnB>
+                  </a:tcPr>
+                </a:tc>
+                <a:extLst>
+                  <a:ext uri="{0D108BD9-81ED-4DB2-BD59-A6C34878D82A}">
+                    <a16:rowId xmlns:a16="http://schemas.microsoft.com/office/drawing/2014/main" val="278685539"/>
+                  </a:ext>
+                </a:extLst>
+              </a:tr>
+              <a:tr h="288000">
+                <a:tc>
+                  <a:txBody>
+                    <a:bodyPr/>
+                    <a:lstStyle/>
+                    <a:p>
+                      <a:pPr algn="ctr" latinLnBrk="1"/>
+                      <a:r>
+                        <a:rPr lang="en-US" altLang="ko-KR" sz="1400" dirty="0" smtClean="0">
+                          <a:latin typeface="삼성긴고딕OTF Bold" panose="020B0600000101010101" pitchFamily="34" charset="-127"/>
+                          <a:ea typeface="삼성긴고딕OTF Bold" panose="020B0600000101010101" pitchFamily="34" charset="-127"/>
+                        </a:rPr>
+                        <a:t>1</a:t>
+                      </a:r>
+                      <a:r>
+                        <a:rPr lang="ko-KR" altLang="en-US" sz="1400" dirty="0" smtClean="0">
+                          <a:latin typeface="삼성긴고딕OTF Bold" panose="020B0600000101010101" pitchFamily="34" charset="-127"/>
+                          <a:ea typeface="삼성긴고딕OTF Bold" panose="020B0600000101010101" pitchFamily="34" charset="-127"/>
+                        </a:rPr>
+                        <a:t>교시</a:t>
+                      </a:r>
+                      <a:endParaRPr lang="ko-KR" altLang="en-US" sz="1400" dirty="0">
+                        <a:latin typeface="삼성긴고딕OTF Bold" panose="020B0600000101010101" pitchFamily="34" charset="-127"/>
+                        <a:ea typeface="삼성긴고딕OTF Bold" panose="020B0600000101010101" pitchFamily="34" charset="-127"/>
+                      </a:endParaRPr>
+                    </a:p>
+                  </a:txBody>
+                  <a:tcPr>
+                    <a:lnL w="9525" cap="flat" cmpd="sng" algn="ctr">
+                      <a:solidFill>
+                        <a:schemeClr val="tx1"/>
+                      </a:solidFill>
+                      <a:prstDash val="solid"/>
+                      <a:round/>
+                      <a:headEnd type="none" w="med" len="med"/>
+                      <a:tailEnd type="none" w="med" len="med"/>
+                    </a:lnL>
+                    <a:lnR w="9525" cap="flat" cmpd="sng" algn="ctr">
+                      <a:solidFill>
+                        <a:schemeClr val="tx1"/>
+                      </a:solidFill>
+                      <a:prstDash val="solid"/>
+                      <a:round/>
+                      <a:headEnd type="none" w="med" len="med"/>
+                      <a:tailEnd type="none" w="med" len="med"/>
+                    </a:lnR>
+                    <a:lnT w="9525" cap="flat" cmpd="sng" algn="ctr">
+                      <a:solidFill>
+                        <a:schemeClr val="tx1"/>
+                      </a:solidFill>
+                      <a:prstDash val="solid"/>
+                      <a:round/>
+                      <a:headEnd type="none" w="med" len="med"/>
+                      <a:tailEnd type="none" w="med" len="med"/>
+                    </a:lnT>
+                    <a:lnB w="9525" cap="flat" cmpd="sng" algn="ctr">
+                      <a:solidFill>
+                        <a:schemeClr val="tx1"/>
+                      </a:solidFill>
+                      <a:prstDash val="solid"/>
+                      <a:round/>
+                      <a:headEnd type="none" w="med" len="med"/>
+                      <a:tailEnd type="none" w="med" len="med"/>
+                    </a:lnB>
+                    <a:solidFill>
+                      <a:srgbClr val="EAEFF7"/>
+                    </a:solidFill>
+                  </a:tcPr>
+                </a:tc>
+                <a:tc>
+                  <a:txBody>
+                    <a:bodyPr/>
+                    <a:lstStyle/>
+                    <a:p>
+                      <a:pPr algn="ctr" latinLnBrk="1"/>
+                      <a:r>
+                        <a:rPr lang="ko-KR" altLang="en-US" sz="1400" dirty="0" smtClean="0">
+                          <a:latin typeface="삼성긴고딕OTF Bold" panose="020B0600000101010101" pitchFamily="34" charset="-127"/>
+                          <a:ea typeface="삼성긴고딕OTF Bold" panose="020B0600000101010101" pitchFamily="34" charset="-127"/>
+                        </a:rPr>
+                        <a:t>박시원</a:t>
+                      </a:r>
+                      <a:endParaRPr lang="ko-KR" altLang="en-US" sz="1400" dirty="0">
+                        <a:latin typeface="삼성긴고딕OTF Bold" panose="020B0600000101010101" pitchFamily="34" charset="-127"/>
+                        <a:ea typeface="삼성긴고딕OTF Bold" panose="020B0600000101010101" pitchFamily="34" charset="-127"/>
+                      </a:endParaRPr>
+                    </a:p>
+                  </a:txBody>
+                  <a:tcPr>
+                    <a:lnL w="9525" cap="flat" cmpd="sng" algn="ctr">
+                      <a:solidFill>
+                        <a:schemeClr val="tx1"/>
+                      </a:solidFill>
+                      <a:prstDash val="solid"/>
+                      <a:round/>
+                      <a:headEnd type="none" w="med" len="med"/>
+                      <a:tailEnd type="none" w="med" len="med"/>
+                    </a:lnL>
+                    <a:lnR w="9525" cap="flat" cmpd="sng" algn="ctr">
+                      <a:solidFill>
+                        <a:schemeClr val="tx1"/>
+                      </a:solidFill>
+                      <a:prstDash val="solid"/>
+                      <a:round/>
+                      <a:headEnd type="none" w="med" len="med"/>
+                      <a:tailEnd type="none" w="med" len="med"/>
+                    </a:lnR>
+                    <a:lnT w="9525" cap="flat" cmpd="sng" algn="ctr">
+                      <a:solidFill>
+                        <a:schemeClr val="tx1"/>
+                      </a:solidFill>
+                      <a:prstDash val="solid"/>
+                      <a:round/>
+                      <a:headEnd type="none" w="med" len="med"/>
+                      <a:tailEnd type="none" w="med" len="med"/>
+                    </a:lnT>
+                    <a:lnB w="9525" cap="flat" cmpd="sng" algn="ctr">
+                      <a:solidFill>
+                        <a:schemeClr val="tx1"/>
+                      </a:solidFill>
+                      <a:prstDash val="solid"/>
+                      <a:round/>
+                      <a:headEnd type="none" w="med" len="med"/>
+                      <a:tailEnd type="none" w="med" len="med"/>
+                    </a:lnB>
+                    <a:solidFill>
+                      <a:srgbClr val="EAEFF7"/>
+                    </a:solidFill>
+                  </a:tcPr>
+                </a:tc>
+                <a:tc>
+                  <a:txBody>
+                    <a:bodyPr/>
+                    <a:lstStyle/>
+                    <a:p>
+                      <a:pPr algn="ctr" latinLnBrk="1"/>
+                      <a:r>
+                        <a:rPr lang="ko-KR" altLang="en-US" sz="1400" dirty="0" smtClean="0">
+                          <a:latin typeface="삼성긴고딕OTF Bold" panose="020B0600000101010101" pitchFamily="34" charset="-127"/>
+                          <a:ea typeface="삼성긴고딕OTF Bold" panose="020B0600000101010101" pitchFamily="34" charset="-127"/>
+                        </a:rPr>
+                        <a:t>운영체제</a:t>
+                      </a:r>
+                      <a:endParaRPr lang="ko-KR" altLang="en-US" sz="1400" dirty="0">
+                        <a:latin typeface="삼성긴고딕OTF Bold" panose="020B0600000101010101" pitchFamily="34" charset="-127"/>
+                        <a:ea typeface="삼성긴고딕OTF Bold" panose="020B0600000101010101" pitchFamily="34" charset="-127"/>
+                      </a:endParaRPr>
+                    </a:p>
+                  </a:txBody>
+                  <a:tcPr>
+                    <a:lnL w="9525" cap="flat" cmpd="sng" algn="ctr">
+                      <a:solidFill>
+                        <a:schemeClr val="tx1"/>
+                      </a:solidFill>
+                      <a:prstDash val="solid"/>
+                      <a:round/>
+                      <a:headEnd type="none" w="med" len="med"/>
+                      <a:tailEnd type="none" w="med" len="med"/>
+                    </a:lnL>
+                    <a:lnR w="9525" cap="flat" cmpd="sng" algn="ctr">
+                      <a:solidFill>
+                        <a:schemeClr val="tx1"/>
+                      </a:solidFill>
+                      <a:prstDash val="solid"/>
+                      <a:round/>
+                      <a:headEnd type="none" w="med" len="med"/>
+                      <a:tailEnd type="none" w="med" len="med"/>
+                    </a:lnR>
+                    <a:lnT w="9525" cap="flat" cmpd="sng" algn="ctr">
+                      <a:solidFill>
+                        <a:schemeClr val="tx1"/>
+                      </a:solidFill>
+                      <a:prstDash val="solid"/>
+                      <a:round/>
+                      <a:headEnd type="none" w="med" len="med"/>
+                      <a:tailEnd type="none" w="med" len="med"/>
+                    </a:lnT>
+                    <a:lnB w="9525" cap="flat" cmpd="sng" algn="ctr">
+                      <a:solidFill>
+                        <a:schemeClr val="tx1"/>
+                      </a:solidFill>
+                      <a:prstDash val="solid"/>
+                      <a:round/>
+                      <a:headEnd type="none" w="med" len="med"/>
+                      <a:tailEnd type="none" w="med" len="med"/>
+                    </a:lnB>
+                    <a:solidFill>
+                      <a:srgbClr val="EAEFF7"/>
+                    </a:solidFill>
+                  </a:tcPr>
+                </a:tc>
+                <a:extLst>
+                  <a:ext uri="{0D108BD9-81ED-4DB2-BD59-A6C34878D82A}">
+                    <a16:rowId xmlns:a16="http://schemas.microsoft.com/office/drawing/2014/main" val="4035602949"/>
+                  </a:ext>
+                </a:extLst>
+              </a:tr>
+              <a:tr h="288000">
+                <a:tc>
+                  <a:txBody>
+                    <a:bodyPr/>
+                    <a:lstStyle/>
+                    <a:p>
+                      <a:pPr algn="ctr" latinLnBrk="1"/>
+                      <a:r>
+                        <a:rPr lang="en-US" altLang="ko-KR" sz="1400" dirty="0" smtClean="0">
+                          <a:latin typeface="삼성긴고딕OTF Bold" panose="020B0600000101010101" pitchFamily="34" charset="-127"/>
+                          <a:ea typeface="삼성긴고딕OTF Bold" panose="020B0600000101010101" pitchFamily="34" charset="-127"/>
+                        </a:rPr>
+                        <a:t>2</a:t>
+                      </a:r>
+                      <a:r>
+                        <a:rPr lang="ko-KR" altLang="en-US" sz="1400" dirty="0" smtClean="0">
+                          <a:latin typeface="삼성긴고딕OTF Bold" panose="020B0600000101010101" pitchFamily="34" charset="-127"/>
+                          <a:ea typeface="삼성긴고딕OTF Bold" panose="020B0600000101010101" pitchFamily="34" charset="-127"/>
+                        </a:rPr>
+                        <a:t>교시</a:t>
+                      </a:r>
+                      <a:endParaRPr lang="ko-KR" altLang="en-US" sz="1400" dirty="0">
+                        <a:latin typeface="삼성긴고딕OTF Bold" panose="020B0600000101010101" pitchFamily="34" charset="-127"/>
+                        <a:ea typeface="삼성긴고딕OTF Bold" panose="020B0600000101010101" pitchFamily="34" charset="-127"/>
+                      </a:endParaRPr>
+                    </a:p>
+                  </a:txBody>
+                  <a:tcPr>
+                    <a:lnL w="9525" cap="flat" cmpd="sng" algn="ctr">
+                      <a:solidFill>
+                        <a:schemeClr val="tx1"/>
+                      </a:solidFill>
+                      <a:prstDash val="solid"/>
+                      <a:round/>
+                      <a:headEnd type="none" w="med" len="med"/>
+                      <a:tailEnd type="none" w="med" len="med"/>
+                    </a:lnL>
+                    <a:lnR w="9525" cap="flat" cmpd="sng" algn="ctr">
+                      <a:solidFill>
+                        <a:schemeClr val="tx1"/>
+                      </a:solidFill>
+                      <a:prstDash val="solid"/>
+                      <a:round/>
+                      <a:headEnd type="none" w="med" len="med"/>
+                      <a:tailEnd type="none" w="med" len="med"/>
+                    </a:lnR>
+                    <a:lnT w="9525" cap="flat" cmpd="sng" algn="ctr">
+                      <a:solidFill>
+                        <a:schemeClr val="tx1"/>
+                      </a:solidFill>
+                      <a:prstDash val="solid"/>
+                      <a:round/>
+                      <a:headEnd type="none" w="med" len="med"/>
+                      <a:tailEnd type="none" w="med" len="med"/>
+                    </a:lnT>
+                    <a:lnB w="9525" cap="flat" cmpd="sng" algn="ctr">
+                      <a:solidFill>
+                        <a:schemeClr val="tx1"/>
+                      </a:solidFill>
+                      <a:prstDash val="solid"/>
+                      <a:round/>
+                      <a:headEnd type="none" w="med" len="med"/>
+                      <a:tailEnd type="none" w="med" len="med"/>
+                    </a:lnB>
+                  </a:tcPr>
+                </a:tc>
+                <a:tc>
+                  <a:txBody>
+                    <a:bodyPr/>
+                    <a:lstStyle/>
+                    <a:p>
+                      <a:pPr algn="ctr" latinLnBrk="1"/>
+                      <a:r>
+                        <a:rPr lang="ko-KR" altLang="en-US" sz="1400" dirty="0" smtClean="0">
+                          <a:latin typeface="삼성긴고딕OTF Bold" panose="020B0600000101010101" pitchFamily="34" charset="-127"/>
+                          <a:ea typeface="삼성긴고딕OTF Bold" panose="020B0600000101010101" pitchFamily="34" charset="-127"/>
+                        </a:rPr>
+                        <a:t>박시원</a:t>
+                      </a:r>
+                      <a:endParaRPr lang="ko-KR" altLang="en-US" sz="1400" dirty="0">
+                        <a:latin typeface="삼성긴고딕OTF Bold" panose="020B0600000101010101" pitchFamily="34" charset="-127"/>
+                        <a:ea typeface="삼성긴고딕OTF Bold" panose="020B0600000101010101" pitchFamily="34" charset="-127"/>
+                      </a:endParaRPr>
+                    </a:p>
+                  </a:txBody>
+                  <a:tcPr>
+                    <a:lnL w="9525" cap="flat" cmpd="sng" algn="ctr">
+                      <a:solidFill>
+                        <a:schemeClr val="tx1"/>
+                      </a:solidFill>
+                      <a:prstDash val="solid"/>
+                      <a:round/>
+                      <a:headEnd type="none" w="med" len="med"/>
+                      <a:tailEnd type="none" w="med" len="med"/>
+                    </a:lnL>
+                    <a:lnR w="9525" cap="flat" cmpd="sng" algn="ctr">
+                      <a:solidFill>
+                        <a:schemeClr val="tx1"/>
+                      </a:solidFill>
+                      <a:prstDash val="solid"/>
+                      <a:round/>
+                      <a:headEnd type="none" w="med" len="med"/>
+                      <a:tailEnd type="none" w="med" len="med"/>
+                    </a:lnR>
+                    <a:lnT w="9525" cap="flat" cmpd="sng" algn="ctr">
+                      <a:solidFill>
+                        <a:schemeClr val="tx1"/>
+                      </a:solidFill>
+                      <a:prstDash val="solid"/>
+                      <a:round/>
+                      <a:headEnd type="none" w="med" len="med"/>
+                      <a:tailEnd type="none" w="med" len="med"/>
+                    </a:lnT>
+                    <a:lnB w="9525" cap="flat" cmpd="sng" algn="ctr">
+                      <a:solidFill>
+                        <a:schemeClr val="tx1"/>
+                      </a:solidFill>
+                      <a:prstDash val="solid"/>
+                      <a:round/>
+                      <a:headEnd type="none" w="med" len="med"/>
+                      <a:tailEnd type="none" w="med" len="med"/>
+                    </a:lnB>
+                  </a:tcPr>
+                </a:tc>
+                <a:tc>
+                  <a:txBody>
+                    <a:bodyPr/>
+                    <a:lstStyle/>
+                    <a:p>
+                      <a:pPr algn="ctr" latinLnBrk="1"/>
+                      <a:r>
+                        <a:rPr lang="ko-KR" altLang="en-US" sz="1400" dirty="0" smtClean="0">
+                          <a:latin typeface="삼성긴고딕OTF Bold" panose="020B0600000101010101" pitchFamily="34" charset="-127"/>
+                          <a:ea typeface="삼성긴고딕OTF Bold" panose="020B0600000101010101" pitchFamily="34" charset="-127"/>
+                        </a:rPr>
+                        <a:t>운영체제</a:t>
+                      </a:r>
+                      <a:endParaRPr lang="ko-KR" altLang="en-US" sz="1400" dirty="0">
+                        <a:latin typeface="삼성긴고딕OTF Bold" panose="020B0600000101010101" pitchFamily="34" charset="-127"/>
+                        <a:ea typeface="삼성긴고딕OTF Bold" panose="020B0600000101010101" pitchFamily="34" charset="-127"/>
+                      </a:endParaRPr>
+                    </a:p>
+                  </a:txBody>
+                  <a:tcPr>
+                    <a:lnL w="9525" cap="flat" cmpd="sng" algn="ctr">
+                      <a:solidFill>
+                        <a:schemeClr val="tx1"/>
+                      </a:solidFill>
+                      <a:prstDash val="solid"/>
+                      <a:round/>
+                      <a:headEnd type="none" w="med" len="med"/>
+                      <a:tailEnd type="none" w="med" len="med"/>
+                    </a:lnL>
+                    <a:lnR w="9525" cap="flat" cmpd="sng" algn="ctr">
+                      <a:solidFill>
+                        <a:schemeClr val="tx1"/>
+                      </a:solidFill>
+                      <a:prstDash val="solid"/>
+                      <a:round/>
+                      <a:headEnd type="none" w="med" len="med"/>
+                      <a:tailEnd type="none" w="med" len="med"/>
+                    </a:lnR>
+                    <a:lnT w="9525" cap="flat" cmpd="sng" algn="ctr">
+                      <a:solidFill>
+                        <a:schemeClr val="tx1"/>
+                      </a:solidFill>
+                      <a:prstDash val="solid"/>
+                      <a:round/>
+                      <a:headEnd type="none" w="med" len="med"/>
+                      <a:tailEnd type="none" w="med" len="med"/>
+                    </a:lnT>
+                    <a:lnB w="9525" cap="flat" cmpd="sng" algn="ctr">
+                      <a:solidFill>
+                        <a:schemeClr val="tx1"/>
+                      </a:solidFill>
+                      <a:prstDash val="solid"/>
+                      <a:round/>
+                      <a:headEnd type="none" w="med" len="med"/>
+                      <a:tailEnd type="none" w="med" len="med"/>
+                    </a:lnB>
+                  </a:tcPr>
+                </a:tc>
+                <a:extLst>
+                  <a:ext uri="{0D108BD9-81ED-4DB2-BD59-A6C34878D82A}">
+                    <a16:rowId xmlns:a16="http://schemas.microsoft.com/office/drawing/2014/main" val="1316063722"/>
+                  </a:ext>
+                </a:extLst>
+              </a:tr>
+              <a:tr h="288000">
+                <a:tc>
+                  <a:txBody>
+                    <a:bodyPr/>
+                    <a:lstStyle/>
+                    <a:p>
+                      <a:pPr algn="ctr" latinLnBrk="1"/>
+                      <a:r>
+                        <a:rPr lang="en-US" altLang="ko-KR" sz="1400" dirty="0" smtClean="0">
+                          <a:latin typeface="삼성긴고딕OTF Bold" panose="020B0600000101010101" pitchFamily="34" charset="-127"/>
+                          <a:ea typeface="삼성긴고딕OTF Bold" panose="020B0600000101010101" pitchFamily="34" charset="-127"/>
+                        </a:rPr>
+                        <a:t>3</a:t>
+                      </a:r>
+                      <a:r>
+                        <a:rPr lang="ko-KR" altLang="en-US" sz="1400" dirty="0" smtClean="0">
+                          <a:latin typeface="삼성긴고딕OTF Bold" panose="020B0600000101010101" pitchFamily="34" charset="-127"/>
+                          <a:ea typeface="삼성긴고딕OTF Bold" panose="020B0600000101010101" pitchFamily="34" charset="-127"/>
+                        </a:rPr>
+                        <a:t>교시</a:t>
+                      </a:r>
+                      <a:endParaRPr lang="ko-KR" altLang="en-US" sz="1400" dirty="0">
+                        <a:latin typeface="삼성긴고딕OTF Bold" panose="020B0600000101010101" pitchFamily="34" charset="-127"/>
+                        <a:ea typeface="삼성긴고딕OTF Bold" panose="020B0600000101010101" pitchFamily="34" charset="-127"/>
+                      </a:endParaRPr>
+                    </a:p>
+                  </a:txBody>
+                  <a:tcPr>
+                    <a:lnL w="9525" cap="flat" cmpd="sng" algn="ctr">
+                      <a:solidFill>
+                        <a:schemeClr val="tx1"/>
+                      </a:solidFill>
+                      <a:prstDash val="solid"/>
+                      <a:round/>
+                      <a:headEnd type="none" w="med" len="med"/>
+                      <a:tailEnd type="none" w="med" len="med"/>
+                    </a:lnL>
+                    <a:lnR w="9525" cap="flat" cmpd="sng" algn="ctr">
+                      <a:solidFill>
+                        <a:schemeClr val="tx1"/>
+                      </a:solidFill>
+                      <a:prstDash val="solid"/>
+                      <a:round/>
+                      <a:headEnd type="none" w="med" len="med"/>
+                      <a:tailEnd type="none" w="med" len="med"/>
+                    </a:lnR>
+                    <a:lnT w="9525" cap="flat" cmpd="sng" algn="ctr">
+                      <a:solidFill>
+                        <a:schemeClr val="tx1"/>
+                      </a:solidFill>
+                      <a:prstDash val="solid"/>
+                      <a:round/>
+                      <a:headEnd type="none" w="med" len="med"/>
+                      <a:tailEnd type="none" w="med" len="med"/>
+                    </a:lnT>
+                    <a:lnB w="9525" cap="flat" cmpd="sng" algn="ctr">
+                      <a:solidFill>
+                        <a:schemeClr val="tx1"/>
+                      </a:solidFill>
+                      <a:prstDash val="solid"/>
+                      <a:round/>
+                      <a:headEnd type="none" w="med" len="med"/>
+                      <a:tailEnd type="none" w="med" len="med"/>
+                    </a:lnB>
+                    <a:solidFill>
+                      <a:srgbClr val="EAEFF7"/>
+                    </a:solidFill>
+                  </a:tcPr>
+                </a:tc>
+                <a:tc>
+                  <a:txBody>
+                    <a:bodyPr/>
+                    <a:lstStyle/>
+                    <a:p>
+                      <a:pPr algn="ctr" latinLnBrk="1"/>
+                      <a:r>
+                        <a:rPr lang="ko-KR" altLang="en-US" sz="1400" dirty="0" smtClean="0">
+                          <a:latin typeface="삼성긴고딕OTF Bold" panose="020B0600000101010101" pitchFamily="34" charset="-127"/>
+                          <a:ea typeface="삼성긴고딕OTF Bold" panose="020B0600000101010101" pitchFamily="34" charset="-127"/>
+                        </a:rPr>
+                        <a:t>한윤석</a:t>
+                      </a:r>
+                      <a:endParaRPr lang="ko-KR" altLang="en-US" sz="1400" dirty="0">
+                        <a:latin typeface="삼성긴고딕OTF Bold" panose="020B0600000101010101" pitchFamily="34" charset="-127"/>
+                        <a:ea typeface="삼성긴고딕OTF Bold" panose="020B0600000101010101" pitchFamily="34" charset="-127"/>
+                      </a:endParaRPr>
+                    </a:p>
+                  </a:txBody>
+                  <a:tcPr>
+                    <a:lnL w="9525" cap="flat" cmpd="sng" algn="ctr">
+                      <a:solidFill>
+                        <a:schemeClr val="tx1"/>
+                      </a:solidFill>
+                      <a:prstDash val="solid"/>
+                      <a:round/>
+                      <a:headEnd type="none" w="med" len="med"/>
+                      <a:tailEnd type="none" w="med" len="med"/>
+                    </a:lnL>
+                    <a:lnR w="9525" cap="flat" cmpd="sng" algn="ctr">
+                      <a:solidFill>
+                        <a:schemeClr val="tx1"/>
+                      </a:solidFill>
+                      <a:prstDash val="solid"/>
+                      <a:round/>
+                      <a:headEnd type="none" w="med" len="med"/>
+                      <a:tailEnd type="none" w="med" len="med"/>
+                    </a:lnR>
+                    <a:lnT w="9525" cap="flat" cmpd="sng" algn="ctr">
+                      <a:solidFill>
+                        <a:schemeClr val="tx1"/>
+                      </a:solidFill>
+                      <a:prstDash val="solid"/>
+                      <a:round/>
+                      <a:headEnd type="none" w="med" len="med"/>
+                      <a:tailEnd type="none" w="med" len="med"/>
+                    </a:lnT>
+                    <a:lnB w="9525" cap="flat" cmpd="sng" algn="ctr">
+                      <a:solidFill>
+                        <a:schemeClr val="tx1"/>
+                      </a:solidFill>
+                      <a:prstDash val="solid"/>
+                      <a:round/>
+                      <a:headEnd type="none" w="med" len="med"/>
+                      <a:tailEnd type="none" w="med" len="med"/>
+                    </a:lnB>
+                    <a:solidFill>
+                      <a:srgbClr val="EAEFF7"/>
+                    </a:solidFill>
+                  </a:tcPr>
+                </a:tc>
+                <a:tc>
+                  <a:txBody>
+                    <a:bodyPr/>
+                    <a:lstStyle/>
+                    <a:p>
+                      <a:pPr algn="ctr" latinLnBrk="1"/>
+                      <a:r>
+                        <a:rPr lang="en-US" altLang="ko-KR" sz="1400" dirty="0" smtClean="0">
+                          <a:latin typeface="삼성긴고딕OTF Bold" panose="020B0600000101010101" pitchFamily="34" charset="-127"/>
+                          <a:ea typeface="삼성긴고딕OTF Bold" panose="020B0600000101010101" pitchFamily="34" charset="-127"/>
+                        </a:rPr>
+                        <a:t>JavaScript</a:t>
+                      </a:r>
+                      <a:endParaRPr lang="ko-KR" altLang="en-US" sz="1400" dirty="0">
+                        <a:latin typeface="삼성긴고딕OTF Bold" panose="020B0600000101010101" pitchFamily="34" charset="-127"/>
+                        <a:ea typeface="삼성긴고딕OTF Bold" panose="020B0600000101010101" pitchFamily="34" charset="-127"/>
+                      </a:endParaRPr>
+                    </a:p>
+                  </a:txBody>
+                  <a:tcPr>
+                    <a:lnL w="9525" cap="flat" cmpd="sng" algn="ctr">
+                      <a:solidFill>
+                        <a:schemeClr val="tx1"/>
+                      </a:solidFill>
+                      <a:prstDash val="solid"/>
+                      <a:round/>
+                      <a:headEnd type="none" w="med" len="med"/>
+                      <a:tailEnd type="none" w="med" len="med"/>
+                    </a:lnL>
+                    <a:lnR w="9525" cap="flat" cmpd="sng" algn="ctr">
+                      <a:solidFill>
+                        <a:schemeClr val="tx1"/>
+                      </a:solidFill>
+                      <a:prstDash val="solid"/>
+                      <a:round/>
+                      <a:headEnd type="none" w="med" len="med"/>
+                      <a:tailEnd type="none" w="med" len="med"/>
+                    </a:lnR>
+                    <a:lnT w="9525" cap="flat" cmpd="sng" algn="ctr">
+                      <a:solidFill>
+                        <a:schemeClr val="tx1"/>
+                      </a:solidFill>
+                      <a:prstDash val="solid"/>
+                      <a:round/>
+                      <a:headEnd type="none" w="med" len="med"/>
+                      <a:tailEnd type="none" w="med" len="med"/>
+                    </a:lnT>
+                    <a:lnB w="9525" cap="flat" cmpd="sng" algn="ctr">
+                      <a:solidFill>
+                        <a:schemeClr val="tx1"/>
+                      </a:solidFill>
+                      <a:prstDash val="solid"/>
+                      <a:round/>
+                      <a:headEnd type="none" w="med" len="med"/>
+                      <a:tailEnd type="none" w="med" len="med"/>
+                    </a:lnB>
+                    <a:solidFill>
+                      <a:srgbClr val="EAEFF7"/>
+                    </a:solidFill>
+                  </a:tcPr>
+                </a:tc>
+                <a:extLst>
+                  <a:ext uri="{0D108BD9-81ED-4DB2-BD59-A6C34878D82A}">
+                    <a16:rowId xmlns:a16="http://schemas.microsoft.com/office/drawing/2014/main" val="1134691192"/>
+                  </a:ext>
+                </a:extLst>
+              </a:tr>
+              <a:tr h="288000">
+                <a:tc>
+                  <a:txBody>
+                    <a:bodyPr/>
+                    <a:lstStyle/>
+                    <a:p>
+                      <a:pPr algn="ctr" latinLnBrk="1"/>
+                      <a:r>
+                        <a:rPr lang="en-US" altLang="ko-KR" sz="1400" dirty="0" smtClean="0">
+                          <a:latin typeface="삼성긴고딕OTF Bold" panose="020B0600000101010101" pitchFamily="34" charset="-127"/>
+                          <a:ea typeface="삼성긴고딕OTF Bold" panose="020B0600000101010101" pitchFamily="34" charset="-127"/>
+                        </a:rPr>
+                        <a:t>3</a:t>
+                      </a:r>
+                      <a:r>
+                        <a:rPr lang="ko-KR" altLang="en-US" sz="1400" dirty="0" smtClean="0">
+                          <a:latin typeface="삼성긴고딕OTF Bold" panose="020B0600000101010101" pitchFamily="34" charset="-127"/>
+                          <a:ea typeface="삼성긴고딕OTF Bold" panose="020B0600000101010101" pitchFamily="34" charset="-127"/>
+                        </a:rPr>
+                        <a:t>교시</a:t>
+                      </a:r>
+                      <a:endParaRPr lang="ko-KR" altLang="en-US" sz="1400" dirty="0">
+                        <a:latin typeface="삼성긴고딕OTF Bold" panose="020B0600000101010101" pitchFamily="34" charset="-127"/>
+                        <a:ea typeface="삼성긴고딕OTF Bold" panose="020B0600000101010101" pitchFamily="34" charset="-127"/>
+                      </a:endParaRPr>
+                    </a:p>
+                  </a:txBody>
+                  <a:tcPr>
+                    <a:lnL w="9525" cap="flat" cmpd="sng" algn="ctr">
+                      <a:solidFill>
+                        <a:schemeClr val="tx1"/>
+                      </a:solidFill>
+                      <a:prstDash val="solid"/>
+                      <a:round/>
+                      <a:headEnd type="none" w="med" len="med"/>
+                      <a:tailEnd type="none" w="med" len="med"/>
+                    </a:lnL>
+                    <a:lnR w="9525" cap="flat" cmpd="sng" algn="ctr">
+                      <a:solidFill>
+                        <a:schemeClr val="tx1"/>
+                      </a:solidFill>
+                      <a:prstDash val="solid"/>
+                      <a:round/>
+                      <a:headEnd type="none" w="med" len="med"/>
+                      <a:tailEnd type="none" w="med" len="med"/>
+                    </a:lnR>
+                    <a:lnT w="9525" cap="flat" cmpd="sng" algn="ctr">
+                      <a:solidFill>
+                        <a:schemeClr val="tx1"/>
+                      </a:solidFill>
+                      <a:prstDash val="solid"/>
+                      <a:round/>
+                      <a:headEnd type="none" w="med" len="med"/>
+                      <a:tailEnd type="none" w="med" len="med"/>
+                    </a:lnT>
+                    <a:lnB w="9525" cap="flat" cmpd="sng" algn="ctr">
+                      <a:solidFill>
+                        <a:schemeClr val="tx1"/>
+                      </a:solidFill>
+                      <a:prstDash val="solid"/>
+                      <a:round/>
+                      <a:headEnd type="none" w="med" len="med"/>
+                      <a:tailEnd type="none" w="med" len="med"/>
+                    </a:lnB>
+                    <a:solidFill>
+                      <a:srgbClr val="EAEFF7"/>
+                    </a:solidFill>
+                  </a:tcPr>
+                </a:tc>
+                <a:tc>
+                  <a:txBody>
+                    <a:bodyPr/>
+                    <a:lstStyle/>
+                    <a:p>
+                      <a:pPr algn="ctr" latinLnBrk="1"/>
+                      <a:r>
+                        <a:rPr lang="ko-KR" altLang="en-US" sz="1400" dirty="0" smtClean="0">
+                          <a:latin typeface="삼성긴고딕OTF Bold" panose="020B0600000101010101" pitchFamily="34" charset="-127"/>
+                          <a:ea typeface="삼성긴고딕OTF Bold" panose="020B0600000101010101" pitchFamily="34" charset="-127"/>
+                        </a:rPr>
+                        <a:t>박시원</a:t>
+                      </a:r>
+                      <a:endParaRPr lang="ko-KR" altLang="en-US" sz="1400" dirty="0">
+                        <a:latin typeface="삼성긴고딕OTF Bold" panose="020B0600000101010101" pitchFamily="34" charset="-127"/>
+                        <a:ea typeface="삼성긴고딕OTF Bold" panose="020B0600000101010101" pitchFamily="34" charset="-127"/>
+                      </a:endParaRPr>
+                    </a:p>
+                  </a:txBody>
+                  <a:tcPr>
+                    <a:lnL w="9525" cap="flat" cmpd="sng" algn="ctr">
+                      <a:solidFill>
+                        <a:schemeClr val="tx1"/>
+                      </a:solidFill>
+                      <a:prstDash val="solid"/>
+                      <a:round/>
+                      <a:headEnd type="none" w="med" len="med"/>
+                      <a:tailEnd type="none" w="med" len="med"/>
+                    </a:lnL>
+                    <a:lnR w="9525" cap="flat" cmpd="sng" algn="ctr">
+                      <a:solidFill>
+                        <a:schemeClr val="tx1"/>
+                      </a:solidFill>
+                      <a:prstDash val="solid"/>
+                      <a:round/>
+                      <a:headEnd type="none" w="med" len="med"/>
+                      <a:tailEnd type="none" w="med" len="med"/>
+                    </a:lnR>
+                    <a:lnT w="9525" cap="flat" cmpd="sng" algn="ctr">
+                      <a:solidFill>
+                        <a:schemeClr val="tx1"/>
+                      </a:solidFill>
+                      <a:prstDash val="solid"/>
+                      <a:round/>
+                      <a:headEnd type="none" w="med" len="med"/>
+                      <a:tailEnd type="none" w="med" len="med"/>
+                    </a:lnT>
+                    <a:lnB w="9525" cap="flat" cmpd="sng" algn="ctr">
+                      <a:solidFill>
+                        <a:schemeClr val="tx1"/>
+                      </a:solidFill>
+                      <a:prstDash val="solid"/>
+                      <a:round/>
+                      <a:headEnd type="none" w="med" len="med"/>
+                      <a:tailEnd type="none" w="med" len="med"/>
+                    </a:lnB>
+                    <a:solidFill>
+                      <a:srgbClr val="EAEFF7"/>
+                    </a:solidFill>
+                  </a:tcPr>
+                </a:tc>
+                <a:tc>
+                  <a:txBody>
+                    <a:bodyPr/>
+                    <a:lstStyle/>
+                    <a:p>
+                      <a:pPr algn="ctr" latinLnBrk="1"/>
+                      <a:r>
+                        <a:rPr lang="ko-KR" altLang="en-US" sz="1400" dirty="0" smtClean="0">
+                          <a:latin typeface="삼성긴고딕OTF Bold" panose="020B0600000101010101" pitchFamily="34" charset="-127"/>
+                          <a:ea typeface="삼성긴고딕OTF Bold" panose="020B0600000101010101" pitchFamily="34" charset="-127"/>
+                        </a:rPr>
+                        <a:t>알고리즘</a:t>
+                      </a:r>
+                      <a:endParaRPr lang="ko-KR" altLang="en-US" sz="1400" dirty="0">
+                        <a:latin typeface="삼성긴고딕OTF Bold" panose="020B0600000101010101" pitchFamily="34" charset="-127"/>
+                        <a:ea typeface="삼성긴고딕OTF Bold" panose="020B0600000101010101" pitchFamily="34" charset="-127"/>
+                      </a:endParaRPr>
+                    </a:p>
+                  </a:txBody>
+                  <a:tcPr>
+                    <a:lnL w="9525" cap="flat" cmpd="sng" algn="ctr">
+                      <a:solidFill>
+                        <a:schemeClr val="tx1"/>
+                      </a:solidFill>
+                      <a:prstDash val="solid"/>
+                      <a:round/>
+                      <a:headEnd type="none" w="med" len="med"/>
+                      <a:tailEnd type="none" w="med" len="med"/>
+                    </a:lnL>
+                    <a:lnR w="9525" cap="flat" cmpd="sng" algn="ctr">
+                      <a:solidFill>
+                        <a:schemeClr val="tx1"/>
+                      </a:solidFill>
+                      <a:prstDash val="solid"/>
+                      <a:round/>
+                      <a:headEnd type="none" w="med" len="med"/>
+                      <a:tailEnd type="none" w="med" len="med"/>
+                    </a:lnR>
+                    <a:lnT w="9525" cap="flat" cmpd="sng" algn="ctr">
+                      <a:solidFill>
+                        <a:schemeClr val="tx1"/>
+                      </a:solidFill>
+                      <a:prstDash val="solid"/>
+                      <a:round/>
+                      <a:headEnd type="none" w="med" len="med"/>
+                      <a:tailEnd type="none" w="med" len="med"/>
+                    </a:lnT>
+                    <a:lnB w="9525" cap="flat" cmpd="sng" algn="ctr">
+                      <a:solidFill>
+                        <a:schemeClr val="tx1"/>
+                      </a:solidFill>
+                      <a:prstDash val="solid"/>
+                      <a:round/>
+                      <a:headEnd type="none" w="med" len="med"/>
+                      <a:tailEnd type="none" w="med" len="med"/>
+                    </a:lnB>
+                    <a:solidFill>
+                      <a:srgbClr val="EAEFF7"/>
+                    </a:solidFill>
+                  </a:tcPr>
+                </a:tc>
+                <a:extLst>
+                  <a:ext uri="{0D108BD9-81ED-4DB2-BD59-A6C34878D82A}">
+                    <a16:rowId xmlns:a16="http://schemas.microsoft.com/office/drawing/2014/main" val="4078697995"/>
+                  </a:ext>
+                </a:extLst>
+              </a:tr>
+              <a:tr h="288000">
+                <a:tc>
+                  <a:txBody>
+                    <a:bodyPr/>
+                    <a:lstStyle/>
+                    <a:p>
+                      <a:pPr algn="ctr" latinLnBrk="1"/>
+                      <a:r>
+                        <a:rPr lang="en-US" altLang="ko-KR" sz="1400" dirty="0" smtClean="0">
+                          <a:latin typeface="삼성긴고딕OTF Bold" panose="020B0600000101010101" pitchFamily="34" charset="-127"/>
+                          <a:ea typeface="삼성긴고딕OTF Bold" panose="020B0600000101010101" pitchFamily="34" charset="-127"/>
+                        </a:rPr>
+                        <a:t>3</a:t>
+                      </a:r>
+                      <a:r>
+                        <a:rPr lang="ko-KR" altLang="en-US" sz="1400" dirty="0" smtClean="0">
+                          <a:latin typeface="삼성긴고딕OTF Bold" panose="020B0600000101010101" pitchFamily="34" charset="-127"/>
+                          <a:ea typeface="삼성긴고딕OTF Bold" panose="020B0600000101010101" pitchFamily="34" charset="-127"/>
+                        </a:rPr>
+                        <a:t>교시</a:t>
+                      </a:r>
+                      <a:endParaRPr lang="ko-KR" altLang="en-US" sz="1400" dirty="0">
+                        <a:latin typeface="삼성긴고딕OTF Bold" panose="020B0600000101010101" pitchFamily="34" charset="-127"/>
+                        <a:ea typeface="삼성긴고딕OTF Bold" panose="020B0600000101010101" pitchFamily="34" charset="-127"/>
+                      </a:endParaRPr>
+                    </a:p>
+                  </a:txBody>
+                  <a:tcPr>
+                    <a:lnL w="9525" cap="flat" cmpd="sng" algn="ctr">
+                      <a:solidFill>
+                        <a:schemeClr val="tx1"/>
+                      </a:solidFill>
+                      <a:prstDash val="solid"/>
+                      <a:round/>
+                      <a:headEnd type="none" w="med" len="med"/>
+                      <a:tailEnd type="none" w="med" len="med"/>
+                    </a:lnL>
+                    <a:lnR w="9525" cap="flat" cmpd="sng" algn="ctr">
+                      <a:solidFill>
+                        <a:schemeClr val="tx1"/>
+                      </a:solidFill>
+                      <a:prstDash val="solid"/>
+                      <a:round/>
+                      <a:headEnd type="none" w="med" len="med"/>
+                      <a:tailEnd type="none" w="med" len="med"/>
+                    </a:lnR>
+                    <a:lnT w="9525" cap="flat" cmpd="sng" algn="ctr">
+                      <a:solidFill>
+                        <a:schemeClr val="tx1"/>
+                      </a:solidFill>
+                      <a:prstDash val="solid"/>
+                      <a:round/>
+                      <a:headEnd type="none" w="med" len="med"/>
+                      <a:tailEnd type="none" w="med" len="med"/>
+                    </a:lnT>
+                    <a:lnB w="9525" cap="flat" cmpd="sng" algn="ctr">
+                      <a:solidFill>
+                        <a:schemeClr val="tx1"/>
+                      </a:solidFill>
+                      <a:prstDash val="solid"/>
+                      <a:round/>
+                      <a:headEnd type="none" w="med" len="med"/>
+                      <a:tailEnd type="none" w="med" len="med"/>
+                    </a:lnB>
+                    <a:solidFill>
+                      <a:srgbClr val="EAEFF7"/>
+                    </a:solidFill>
+                  </a:tcPr>
+                </a:tc>
+                <a:tc>
+                  <a:txBody>
+                    <a:bodyPr/>
+                    <a:lstStyle/>
+                    <a:p>
+                      <a:pPr algn="ctr" latinLnBrk="1"/>
+                      <a:r>
+                        <a:rPr lang="ko-KR" altLang="en-US" sz="1400" dirty="0" smtClean="0">
+                          <a:latin typeface="삼성긴고딕OTF Bold" panose="020B0600000101010101" pitchFamily="34" charset="-127"/>
+                          <a:ea typeface="삼성긴고딕OTF Bold" panose="020B0600000101010101" pitchFamily="34" charset="-127"/>
+                        </a:rPr>
+                        <a:t>한윤석</a:t>
+                      </a:r>
+                      <a:endParaRPr lang="ko-KR" altLang="en-US" sz="1400" dirty="0">
+                        <a:latin typeface="삼성긴고딕OTF Bold" panose="020B0600000101010101" pitchFamily="34" charset="-127"/>
+                        <a:ea typeface="삼성긴고딕OTF Bold" panose="020B0600000101010101" pitchFamily="34" charset="-127"/>
+                      </a:endParaRPr>
+                    </a:p>
+                  </a:txBody>
+                  <a:tcPr>
+                    <a:lnL w="9525" cap="flat" cmpd="sng" algn="ctr">
+                      <a:solidFill>
+                        <a:schemeClr val="tx1"/>
+                      </a:solidFill>
+                      <a:prstDash val="solid"/>
+                      <a:round/>
+                      <a:headEnd type="none" w="med" len="med"/>
+                      <a:tailEnd type="none" w="med" len="med"/>
+                    </a:lnL>
+                    <a:lnR w="9525" cap="flat" cmpd="sng" algn="ctr">
+                      <a:solidFill>
+                        <a:schemeClr val="tx1"/>
+                      </a:solidFill>
+                      <a:prstDash val="solid"/>
+                      <a:round/>
+                      <a:headEnd type="none" w="med" len="med"/>
+                      <a:tailEnd type="none" w="med" len="med"/>
+                    </a:lnR>
+                    <a:lnT w="9525" cap="flat" cmpd="sng" algn="ctr">
+                      <a:solidFill>
+                        <a:schemeClr val="tx1"/>
+                      </a:solidFill>
+                      <a:prstDash val="solid"/>
+                      <a:round/>
+                      <a:headEnd type="none" w="med" len="med"/>
+                      <a:tailEnd type="none" w="med" len="med"/>
+                    </a:lnT>
+                    <a:lnB w="9525" cap="flat" cmpd="sng" algn="ctr">
+                      <a:solidFill>
+                        <a:schemeClr val="tx1"/>
+                      </a:solidFill>
+                      <a:prstDash val="solid"/>
+                      <a:round/>
+                      <a:headEnd type="none" w="med" len="med"/>
+                      <a:tailEnd type="none" w="med" len="med"/>
+                    </a:lnB>
+                    <a:solidFill>
+                      <a:srgbClr val="EAEFF7"/>
+                    </a:solidFill>
+                  </a:tcPr>
+                </a:tc>
+                <a:tc>
+                  <a:txBody>
+                    <a:bodyPr/>
+                    <a:lstStyle/>
+                    <a:p>
+                      <a:pPr algn="ctr" latinLnBrk="1"/>
+                      <a:r>
+                        <a:rPr lang="ko-KR" altLang="en-US" sz="1400" dirty="0" smtClean="0">
+                          <a:latin typeface="삼성긴고딕OTF Bold" panose="020B0600000101010101" pitchFamily="34" charset="-127"/>
+                          <a:ea typeface="삼성긴고딕OTF Bold" panose="020B0600000101010101" pitchFamily="34" charset="-127"/>
+                        </a:rPr>
+                        <a:t>데이터베이스</a:t>
+                      </a:r>
+                      <a:endParaRPr lang="ko-KR" altLang="en-US" sz="1400" dirty="0">
+                        <a:latin typeface="삼성긴고딕OTF Bold" panose="020B0600000101010101" pitchFamily="34" charset="-127"/>
+                        <a:ea typeface="삼성긴고딕OTF Bold" panose="020B0600000101010101" pitchFamily="34" charset="-127"/>
+                      </a:endParaRPr>
+                    </a:p>
+                  </a:txBody>
+                  <a:tcPr>
+                    <a:lnL w="9525" cap="flat" cmpd="sng" algn="ctr">
+                      <a:solidFill>
+                        <a:schemeClr val="tx1"/>
+                      </a:solidFill>
+                      <a:prstDash val="solid"/>
+                      <a:round/>
+                      <a:headEnd type="none" w="med" len="med"/>
+                      <a:tailEnd type="none" w="med" len="med"/>
+                    </a:lnL>
+                    <a:lnR w="9525" cap="flat" cmpd="sng" algn="ctr">
+                      <a:solidFill>
+                        <a:schemeClr val="tx1"/>
+                      </a:solidFill>
+                      <a:prstDash val="solid"/>
+                      <a:round/>
+                      <a:headEnd type="none" w="med" len="med"/>
+                      <a:tailEnd type="none" w="med" len="med"/>
+                    </a:lnR>
+                    <a:lnT w="9525" cap="flat" cmpd="sng" algn="ctr">
+                      <a:solidFill>
+                        <a:schemeClr val="tx1"/>
+                      </a:solidFill>
+                      <a:prstDash val="solid"/>
+                      <a:round/>
+                      <a:headEnd type="none" w="med" len="med"/>
+                      <a:tailEnd type="none" w="med" len="med"/>
+                    </a:lnT>
+                    <a:lnB w="9525" cap="flat" cmpd="sng" algn="ctr">
+                      <a:solidFill>
+                        <a:schemeClr val="tx1"/>
+                      </a:solidFill>
+                      <a:prstDash val="solid"/>
+                      <a:round/>
+                      <a:headEnd type="none" w="med" len="med"/>
+                      <a:tailEnd type="none" w="med" len="med"/>
+                    </a:lnB>
+                    <a:solidFill>
+                      <a:srgbClr val="EAEFF7"/>
+                    </a:solidFill>
+                  </a:tcPr>
+                </a:tc>
+                <a:extLst>
+                  <a:ext uri="{0D108BD9-81ED-4DB2-BD59-A6C34878D82A}">
+                    <a16:rowId xmlns:a16="http://schemas.microsoft.com/office/drawing/2014/main" val="3604612137"/>
+                  </a:ext>
+                </a:extLst>
+              </a:tr>
+            </a:tbl>
+          </a:graphicData>
+        </a:graphic>
+      </p:graphicFrame>
+      <p:sp>
+        <p:nvSpPr>
+          <p:cNvPr id="5" name="직사각형 4"/>
+          <p:cNvSpPr/>
+          <p:nvPr/>
+        </p:nvSpPr>
+        <p:spPr>
+          <a:xfrm>
+            <a:off x="1205712" y="67164"/>
+            <a:ext cx="2209706" cy="429768"/>
+          </a:xfrm>
+          <a:prstGeom prst="rect">
+            <a:avLst/>
+          </a:prstGeom>
+          <a:noFill/>
+          <a:ln>
+            <a:noFill/>
+          </a:ln>
+        </p:spPr>
+        <p:style>
+          <a:lnRef idx="2">
+            <a:schemeClr val="accent1">
+              <a:shade val="50000"/>
+            </a:schemeClr>
+          </a:lnRef>
+          <a:fillRef idx="1">
+            <a:schemeClr val="accent1"/>
+          </a:fillRef>
+          <a:effectRef idx="0">
+            <a:schemeClr val="accent1"/>
+          </a:effectRef>
+          <a:fontRef idx="minor">
+            <a:schemeClr val="lt1"/>
+          </a:fontRef>
+        </p:style>
+        <p:txBody>
+          <a:bodyPr rtlCol="0" anchor="ctr"/>
+          <a:lstStyle/>
+          <a:p>
+            <a:r>
+              <a:rPr lang="en-US" altLang="ko-KR" dirty="0" smtClean="0">
+                <a:solidFill>
+                  <a:schemeClr val="tx1"/>
+                </a:solidFill>
+                <a:latin typeface="삼성긴고딕OTF Bold" panose="020B0600000101010101" pitchFamily="34" charset="-127"/>
+                <a:ea typeface="삼성긴고딕OTF Bold" panose="020B0600000101010101" pitchFamily="34" charset="-127"/>
+              </a:rPr>
+              <a:t>&lt;</a:t>
+            </a:r>
+            <a:r>
+              <a:rPr lang="ko-KR" altLang="en-US" dirty="0" smtClean="0">
+                <a:solidFill>
+                  <a:schemeClr val="tx1"/>
+                </a:solidFill>
+                <a:latin typeface="삼성긴고딕OTF Bold" panose="020B0600000101010101" pitchFamily="34" charset="-127"/>
+                <a:ea typeface="삼성긴고딕OTF Bold" panose="020B0600000101010101" pitchFamily="34" charset="-127"/>
+              </a:rPr>
+              <a:t>강사 테이블</a:t>
+            </a:r>
+            <a:r>
+              <a:rPr lang="en-US" altLang="ko-KR" dirty="0" smtClean="0">
+                <a:solidFill>
+                  <a:schemeClr val="tx1"/>
+                </a:solidFill>
+                <a:latin typeface="삼성긴고딕OTF Bold" panose="020B0600000101010101" pitchFamily="34" charset="-127"/>
+                <a:ea typeface="삼성긴고딕OTF Bold" panose="020B0600000101010101" pitchFamily="34" charset="-127"/>
+              </a:rPr>
+              <a:t>&gt;</a:t>
+            </a:r>
+            <a:endParaRPr lang="ko-KR" altLang="en-US" dirty="0">
+              <a:solidFill>
+                <a:schemeClr val="tx1"/>
+              </a:solidFill>
+              <a:latin typeface="삼성긴고딕OTF Bold" panose="020B0600000101010101" pitchFamily="34" charset="-127"/>
+              <a:ea typeface="삼성긴고딕OTF Bold" panose="020B0600000101010101" pitchFamily="34" charset="-127"/>
+            </a:endParaRPr>
+          </a:p>
+        </p:txBody>
+      </p:sp>
+      <p:sp>
+        <p:nvSpPr>
+          <p:cNvPr id="7" name="직사각형 6"/>
+          <p:cNvSpPr/>
+          <p:nvPr/>
+        </p:nvSpPr>
+        <p:spPr>
+          <a:xfrm>
+            <a:off x="6916006" y="67164"/>
+            <a:ext cx="2209706" cy="429768"/>
+          </a:xfrm>
+          <a:prstGeom prst="rect">
+            <a:avLst/>
+          </a:prstGeom>
+          <a:noFill/>
+          <a:ln>
+            <a:noFill/>
+          </a:ln>
+        </p:spPr>
+        <p:style>
+          <a:lnRef idx="2">
+            <a:schemeClr val="accent1">
+              <a:shade val="50000"/>
+            </a:schemeClr>
+          </a:lnRef>
+          <a:fillRef idx="1">
+            <a:schemeClr val="accent1"/>
+          </a:fillRef>
+          <a:effectRef idx="0">
+            <a:schemeClr val="accent1"/>
+          </a:effectRef>
+          <a:fontRef idx="minor">
+            <a:schemeClr val="lt1"/>
+          </a:fontRef>
+        </p:style>
+        <p:txBody>
+          <a:bodyPr rtlCol="0" anchor="ctr"/>
+          <a:lstStyle/>
+          <a:p>
+            <a:r>
+              <a:rPr lang="en-US" altLang="ko-KR" dirty="0" smtClean="0">
+                <a:solidFill>
+                  <a:schemeClr val="tx1"/>
+                </a:solidFill>
+                <a:latin typeface="삼성긴고딕OTF Bold" panose="020B0600000101010101" pitchFamily="34" charset="-127"/>
+                <a:ea typeface="삼성긴고딕OTF Bold" panose="020B0600000101010101" pitchFamily="34" charset="-127"/>
+              </a:rPr>
+              <a:t>&lt;</a:t>
+            </a:r>
+            <a:r>
+              <a:rPr lang="ko-KR" altLang="en-US" dirty="0" smtClean="0">
+                <a:solidFill>
+                  <a:schemeClr val="tx1"/>
+                </a:solidFill>
+                <a:latin typeface="삼성긴고딕OTF Bold" panose="020B0600000101010101" pitchFamily="34" charset="-127"/>
+                <a:ea typeface="삼성긴고딕OTF Bold" panose="020B0600000101010101" pitchFamily="34" charset="-127"/>
+              </a:rPr>
+              <a:t>수업 테이블</a:t>
+            </a:r>
+            <a:r>
+              <a:rPr lang="en-US" altLang="ko-KR" dirty="0" smtClean="0">
+                <a:solidFill>
+                  <a:schemeClr val="tx1"/>
+                </a:solidFill>
+                <a:latin typeface="삼성긴고딕OTF Bold" panose="020B0600000101010101" pitchFamily="34" charset="-127"/>
+                <a:ea typeface="삼성긴고딕OTF Bold" panose="020B0600000101010101" pitchFamily="34" charset="-127"/>
+              </a:rPr>
+              <a:t>&gt;</a:t>
+            </a:r>
+            <a:endParaRPr lang="ko-KR" altLang="en-US" dirty="0">
+              <a:solidFill>
+                <a:schemeClr val="tx1"/>
+              </a:solidFill>
+              <a:latin typeface="삼성긴고딕OTF Bold" panose="020B0600000101010101" pitchFamily="34" charset="-127"/>
+              <a:ea typeface="삼성긴고딕OTF Bold" panose="020B0600000101010101" pitchFamily="34" charset="-127"/>
+            </a:endParaRPr>
+          </a:p>
+        </p:txBody>
+      </p:sp>
+      <p:graphicFrame>
+        <p:nvGraphicFramePr>
+          <p:cNvPr id="9" name="표 8"/>
+          <p:cNvGraphicFramePr>
+            <a:graphicFrameLocks noGrp="1"/>
+          </p:cNvGraphicFramePr>
+          <p:nvPr>
+            <p:extLst>
+              <p:ext uri="{D42A27DB-BD31-4B8C-83A1-F6EECF244321}">
+                <p14:modId xmlns:p14="http://schemas.microsoft.com/office/powerpoint/2010/main" val="1587094123"/>
+              </p:ext>
+            </p:extLst>
+          </p:nvPr>
+        </p:nvGraphicFramePr>
+        <p:xfrm>
+          <a:off x="6916006" y="2602993"/>
+          <a:ext cx="3240000" cy="1524000"/>
+        </p:xfrm>
+        <a:graphic>
+          <a:graphicData uri="http://schemas.openxmlformats.org/drawingml/2006/table">
+            <a:tbl>
+              <a:tblPr firstRow="1" bandRow="1">
+                <a:tableStyleId>{5C22544A-7EE6-4342-B048-85BDC9FD1C3A}</a:tableStyleId>
+              </a:tblPr>
+              <a:tblGrid>
+                <a:gridCol w="1620000">
+                  <a:extLst>
+                    <a:ext uri="{9D8B030D-6E8A-4147-A177-3AD203B41FA5}">
+                      <a16:colId xmlns:a16="http://schemas.microsoft.com/office/drawing/2014/main" val="3463867517"/>
+                    </a:ext>
+                  </a:extLst>
+                </a:gridCol>
+                <a:gridCol w="1620000">
+                  <a:extLst>
+                    <a:ext uri="{9D8B030D-6E8A-4147-A177-3AD203B41FA5}">
+                      <a16:colId xmlns:a16="http://schemas.microsoft.com/office/drawing/2014/main" val="1707558296"/>
+                    </a:ext>
+                  </a:extLst>
+                </a:gridCol>
+              </a:tblGrid>
+              <a:tr h="288000">
+                <a:tc>
+                  <a:txBody>
+                    <a:bodyPr/>
+                    <a:lstStyle/>
+                    <a:p>
+                      <a:pPr algn="ctr" latinLnBrk="1"/>
+                      <a:r>
+                        <a:rPr lang="ko-KR" altLang="en-US" sz="1400" dirty="0" smtClean="0">
+                          <a:latin typeface="삼성긴고딕OTF Bold" panose="020B0600000101010101" pitchFamily="34" charset="-127"/>
+                          <a:ea typeface="삼성긴고딕OTF Bold" panose="020B0600000101010101" pitchFamily="34" charset="-127"/>
+                        </a:rPr>
+                        <a:t>수업 코드</a:t>
+                      </a:r>
+                      <a:endParaRPr lang="ko-KR" altLang="en-US" sz="1400" dirty="0">
+                        <a:latin typeface="삼성긴고딕OTF Bold" panose="020B0600000101010101" pitchFamily="34" charset="-127"/>
+                        <a:ea typeface="삼성긴고딕OTF Bold" panose="020B0600000101010101" pitchFamily="34" charset="-127"/>
+                      </a:endParaRPr>
+                    </a:p>
+                  </a:txBody>
+                  <a:tcPr>
+                    <a:lnL w="9525" cap="flat" cmpd="sng" algn="ctr">
+                      <a:solidFill>
+                        <a:schemeClr val="tx1"/>
+                      </a:solidFill>
+                      <a:prstDash val="solid"/>
+                      <a:round/>
+                      <a:headEnd type="none" w="med" len="med"/>
+                      <a:tailEnd type="none" w="med" len="med"/>
+                    </a:lnL>
+                    <a:lnR w="9525" cap="flat" cmpd="sng" algn="ctr">
+                      <a:solidFill>
+                        <a:schemeClr val="tx1"/>
+                      </a:solidFill>
+                      <a:prstDash val="solid"/>
+                      <a:round/>
+                      <a:headEnd type="none" w="med" len="med"/>
+                      <a:tailEnd type="none" w="med" len="med"/>
+                    </a:lnR>
+                    <a:lnT w="9525" cap="flat" cmpd="sng" algn="ctr">
+                      <a:solidFill>
+                        <a:schemeClr val="tx1"/>
+                      </a:solidFill>
+                      <a:prstDash val="solid"/>
+                      <a:round/>
+                      <a:headEnd type="none" w="med" len="med"/>
+                      <a:tailEnd type="none" w="med" len="med"/>
+                    </a:lnT>
+                    <a:lnB w="9525" cap="flat" cmpd="sng" algn="ctr">
+                      <a:solidFill>
+                        <a:schemeClr val="tx1"/>
+                      </a:solidFill>
+                      <a:prstDash val="solid"/>
+                      <a:round/>
+                      <a:headEnd type="none" w="med" len="med"/>
+                      <a:tailEnd type="none" w="med" len="med"/>
+                    </a:lnB>
+                  </a:tcPr>
+                </a:tc>
+                <a:tc>
+                  <a:txBody>
+                    <a:bodyPr/>
+                    <a:lstStyle/>
+                    <a:p>
+                      <a:pPr algn="ctr" latinLnBrk="1"/>
+                      <a:r>
+                        <a:rPr lang="ko-KR" altLang="en-US" sz="1400" dirty="0" smtClean="0">
+                          <a:latin typeface="삼성긴고딕OTF Bold" panose="020B0600000101010101" pitchFamily="34" charset="-127"/>
+                          <a:ea typeface="삼성긴고딕OTF Bold" panose="020B0600000101010101" pitchFamily="34" charset="-127"/>
+                        </a:rPr>
+                        <a:t>수강료</a:t>
+                      </a:r>
+                      <a:endParaRPr lang="ko-KR" altLang="en-US" sz="1400" dirty="0">
+                        <a:latin typeface="삼성긴고딕OTF Bold" panose="020B0600000101010101" pitchFamily="34" charset="-127"/>
+                        <a:ea typeface="삼성긴고딕OTF Bold" panose="020B0600000101010101" pitchFamily="34" charset="-127"/>
+                      </a:endParaRPr>
+                    </a:p>
+                  </a:txBody>
+                  <a:tcPr>
+                    <a:lnL w="9525" cap="flat" cmpd="sng" algn="ctr">
+                      <a:solidFill>
+                        <a:schemeClr val="tx1"/>
+                      </a:solidFill>
+                      <a:prstDash val="solid"/>
+                      <a:round/>
+                      <a:headEnd type="none" w="med" len="med"/>
+                      <a:tailEnd type="none" w="med" len="med"/>
+                    </a:lnL>
+                    <a:lnR w="9525" cap="flat" cmpd="sng" algn="ctr">
+                      <a:solidFill>
+                        <a:schemeClr val="tx1"/>
+                      </a:solidFill>
+                      <a:prstDash val="solid"/>
+                      <a:round/>
+                      <a:headEnd type="none" w="med" len="med"/>
+                      <a:tailEnd type="none" w="med" len="med"/>
+                    </a:lnR>
+                    <a:lnT w="9525" cap="flat" cmpd="sng" algn="ctr">
+                      <a:solidFill>
+                        <a:schemeClr val="tx1"/>
+                      </a:solidFill>
+                      <a:prstDash val="solid"/>
+                      <a:round/>
+                      <a:headEnd type="none" w="med" len="med"/>
+                      <a:tailEnd type="none" w="med" len="med"/>
+                    </a:lnT>
+                    <a:lnB w="9525" cap="flat" cmpd="sng" algn="ctr">
+                      <a:solidFill>
+                        <a:schemeClr val="tx1"/>
+                      </a:solidFill>
+                      <a:prstDash val="solid"/>
+                      <a:round/>
+                      <a:headEnd type="none" w="med" len="med"/>
+                      <a:tailEnd type="none" w="med" len="med"/>
+                    </a:lnB>
+                  </a:tcPr>
+                </a:tc>
+                <a:extLst>
+                  <a:ext uri="{0D108BD9-81ED-4DB2-BD59-A6C34878D82A}">
+                    <a16:rowId xmlns:a16="http://schemas.microsoft.com/office/drawing/2014/main" val="278685539"/>
+                  </a:ext>
+                </a:extLst>
+              </a:tr>
+              <a:tr h="288000">
+                <a:tc>
+                  <a:txBody>
+                    <a:bodyPr/>
+                    <a:lstStyle/>
+                    <a:p>
+                      <a:pPr algn="ctr" latinLnBrk="1"/>
+                      <a:r>
+                        <a:rPr lang="en-US" altLang="ko-KR" sz="1400" dirty="0" smtClean="0">
+                          <a:latin typeface="삼성긴고딕OTF Bold" panose="020B0600000101010101" pitchFamily="34" charset="-127"/>
+                          <a:ea typeface="삼성긴고딕OTF Bold" panose="020B0600000101010101" pitchFamily="34" charset="-127"/>
+                        </a:rPr>
+                        <a:t>OS-001</a:t>
+                      </a:r>
+                      <a:endParaRPr lang="ko-KR" altLang="en-US" sz="1400" dirty="0">
+                        <a:latin typeface="삼성긴고딕OTF Bold" panose="020B0600000101010101" pitchFamily="34" charset="-127"/>
+                        <a:ea typeface="삼성긴고딕OTF Bold" panose="020B0600000101010101" pitchFamily="34" charset="-127"/>
+                      </a:endParaRPr>
+                    </a:p>
+                  </a:txBody>
+                  <a:tcPr>
+                    <a:lnL w="9525" cap="flat" cmpd="sng" algn="ctr">
+                      <a:solidFill>
+                        <a:schemeClr val="tx1"/>
+                      </a:solidFill>
+                      <a:prstDash val="solid"/>
+                      <a:round/>
+                      <a:headEnd type="none" w="med" len="med"/>
+                      <a:tailEnd type="none" w="med" len="med"/>
+                    </a:lnL>
+                    <a:lnR w="9525" cap="flat" cmpd="sng" algn="ctr">
+                      <a:solidFill>
+                        <a:schemeClr val="tx1"/>
+                      </a:solidFill>
+                      <a:prstDash val="solid"/>
+                      <a:round/>
+                      <a:headEnd type="none" w="med" len="med"/>
+                      <a:tailEnd type="none" w="med" len="med"/>
+                    </a:lnR>
+                    <a:lnT w="9525" cap="flat" cmpd="sng" algn="ctr">
+                      <a:solidFill>
+                        <a:schemeClr val="tx1"/>
+                      </a:solidFill>
+                      <a:prstDash val="solid"/>
+                      <a:round/>
+                      <a:headEnd type="none" w="med" len="med"/>
+                      <a:tailEnd type="none" w="med" len="med"/>
+                    </a:lnT>
+                    <a:lnB w="9525" cap="flat" cmpd="sng" algn="ctr">
+                      <a:solidFill>
+                        <a:schemeClr val="tx1"/>
+                      </a:solidFill>
+                      <a:prstDash val="solid"/>
+                      <a:round/>
+                      <a:headEnd type="none" w="med" len="med"/>
+                      <a:tailEnd type="none" w="med" len="med"/>
+                    </a:lnB>
+                    <a:solidFill>
+                      <a:srgbClr val="EAEFF7"/>
+                    </a:solidFill>
+                  </a:tcPr>
+                </a:tc>
+                <a:tc>
+                  <a:txBody>
+                    <a:bodyPr/>
+                    <a:lstStyle/>
+                    <a:p>
+                      <a:pPr algn="ctr" latinLnBrk="1"/>
+                      <a:r>
+                        <a:rPr lang="en-US" altLang="ko-KR" sz="1400" dirty="0" smtClean="0">
+                          <a:latin typeface="삼성긴고딕OTF Bold" panose="020B0600000101010101" pitchFamily="34" charset="-127"/>
+                          <a:ea typeface="삼성긴고딕OTF Bold" panose="020B0600000101010101" pitchFamily="34" charset="-127"/>
+                        </a:rPr>
+                        <a:t>100,000</a:t>
+                      </a:r>
+                      <a:r>
+                        <a:rPr lang="ko-KR" altLang="en-US" sz="1400" dirty="0" smtClean="0">
+                          <a:latin typeface="삼성긴고딕OTF Bold" panose="020B0600000101010101" pitchFamily="34" charset="-127"/>
+                          <a:ea typeface="삼성긴고딕OTF Bold" panose="020B0600000101010101" pitchFamily="34" charset="-127"/>
+                        </a:rPr>
+                        <a:t>원</a:t>
+                      </a:r>
+                      <a:endParaRPr lang="ko-KR" altLang="en-US" sz="1400" dirty="0">
+                        <a:latin typeface="삼성긴고딕OTF Bold" panose="020B0600000101010101" pitchFamily="34" charset="-127"/>
+                        <a:ea typeface="삼성긴고딕OTF Bold" panose="020B0600000101010101" pitchFamily="34" charset="-127"/>
+                      </a:endParaRPr>
+                    </a:p>
+                  </a:txBody>
+                  <a:tcPr>
+                    <a:lnL w="9525" cap="flat" cmpd="sng" algn="ctr">
+                      <a:solidFill>
+                        <a:schemeClr val="tx1"/>
+                      </a:solidFill>
+                      <a:prstDash val="solid"/>
+                      <a:round/>
+                      <a:headEnd type="none" w="med" len="med"/>
+                      <a:tailEnd type="none" w="med" len="med"/>
+                    </a:lnL>
+                    <a:lnR w="9525" cap="flat" cmpd="sng" algn="ctr">
+                      <a:solidFill>
+                        <a:schemeClr val="tx1"/>
+                      </a:solidFill>
+                      <a:prstDash val="solid"/>
+                      <a:round/>
+                      <a:headEnd type="none" w="med" len="med"/>
+                      <a:tailEnd type="none" w="med" len="med"/>
+                    </a:lnR>
+                    <a:lnT w="9525" cap="flat" cmpd="sng" algn="ctr">
+                      <a:solidFill>
+                        <a:schemeClr val="tx1"/>
+                      </a:solidFill>
+                      <a:prstDash val="solid"/>
+                      <a:round/>
+                      <a:headEnd type="none" w="med" len="med"/>
+                      <a:tailEnd type="none" w="med" len="med"/>
+                    </a:lnT>
+                    <a:lnB w="9525" cap="flat" cmpd="sng" algn="ctr">
+                      <a:solidFill>
+                        <a:schemeClr val="tx1"/>
+                      </a:solidFill>
+                      <a:prstDash val="solid"/>
+                      <a:round/>
+                      <a:headEnd type="none" w="med" len="med"/>
+                      <a:tailEnd type="none" w="med" len="med"/>
+                    </a:lnB>
+                    <a:solidFill>
+                      <a:srgbClr val="EAEFF7"/>
+                    </a:solidFill>
+                  </a:tcPr>
+                </a:tc>
+                <a:extLst>
+                  <a:ext uri="{0D108BD9-81ED-4DB2-BD59-A6C34878D82A}">
+                    <a16:rowId xmlns:a16="http://schemas.microsoft.com/office/drawing/2014/main" val="4035602949"/>
+                  </a:ext>
+                </a:extLst>
+              </a:tr>
+              <a:tr h="288000">
+                <a:tc>
+                  <a:txBody>
+                    <a:bodyPr/>
+                    <a:lstStyle/>
+                    <a:p>
+                      <a:pPr algn="ctr" latinLnBrk="1"/>
+                      <a:r>
+                        <a:rPr lang="en-US" altLang="ko-KR" sz="1400" dirty="0" smtClean="0">
+                          <a:latin typeface="삼성긴고딕OTF Bold" panose="020B0600000101010101" pitchFamily="34" charset="-127"/>
+                          <a:ea typeface="삼성긴고딕OTF Bold" panose="020B0600000101010101" pitchFamily="34" charset="-127"/>
+                        </a:rPr>
+                        <a:t>PL-001</a:t>
+                      </a:r>
+                      <a:endParaRPr lang="ko-KR" altLang="en-US" sz="1400" dirty="0">
+                        <a:latin typeface="삼성긴고딕OTF Bold" panose="020B0600000101010101" pitchFamily="34" charset="-127"/>
+                        <a:ea typeface="삼성긴고딕OTF Bold" panose="020B0600000101010101" pitchFamily="34" charset="-127"/>
+                      </a:endParaRPr>
+                    </a:p>
+                  </a:txBody>
+                  <a:tcPr>
+                    <a:lnL w="9525" cap="flat" cmpd="sng" algn="ctr">
+                      <a:solidFill>
+                        <a:schemeClr val="tx1"/>
+                      </a:solidFill>
+                      <a:prstDash val="solid"/>
+                      <a:round/>
+                      <a:headEnd type="none" w="med" len="med"/>
+                      <a:tailEnd type="none" w="med" len="med"/>
+                    </a:lnL>
+                    <a:lnR w="9525" cap="flat" cmpd="sng" algn="ctr">
+                      <a:solidFill>
+                        <a:schemeClr val="tx1"/>
+                      </a:solidFill>
+                      <a:prstDash val="solid"/>
+                      <a:round/>
+                      <a:headEnd type="none" w="med" len="med"/>
+                      <a:tailEnd type="none" w="med" len="med"/>
+                    </a:lnR>
+                    <a:lnT w="9525" cap="flat" cmpd="sng" algn="ctr">
+                      <a:solidFill>
+                        <a:schemeClr val="tx1"/>
+                      </a:solidFill>
+                      <a:prstDash val="solid"/>
+                      <a:round/>
+                      <a:headEnd type="none" w="med" len="med"/>
+                      <a:tailEnd type="none" w="med" len="med"/>
+                    </a:lnT>
+                    <a:lnB w="9525" cap="flat" cmpd="sng" algn="ctr">
+                      <a:solidFill>
+                        <a:schemeClr val="tx1"/>
+                      </a:solidFill>
+                      <a:prstDash val="solid"/>
+                      <a:round/>
+                      <a:headEnd type="none" w="med" len="med"/>
+                      <a:tailEnd type="none" w="med" len="med"/>
+                    </a:lnB>
+                  </a:tcPr>
+                </a:tc>
+                <a:tc>
+                  <a:txBody>
+                    <a:bodyPr/>
+                    <a:lstStyle/>
+                    <a:p>
+                      <a:pPr algn="ctr" latinLnBrk="1"/>
+                      <a:r>
+                        <a:rPr lang="en-US" altLang="ko-KR" sz="1400" dirty="0" smtClean="0">
+                          <a:latin typeface="삼성긴고딕OTF Bold" panose="020B0600000101010101" pitchFamily="34" charset="-127"/>
+                          <a:ea typeface="삼성긴고딕OTF Bold" panose="020B0600000101010101" pitchFamily="34" charset="-127"/>
+                        </a:rPr>
+                        <a:t>200,000</a:t>
+                      </a:r>
+                      <a:r>
+                        <a:rPr lang="ko-KR" altLang="en-US" sz="1400" dirty="0" smtClean="0">
+                          <a:latin typeface="삼성긴고딕OTF Bold" panose="020B0600000101010101" pitchFamily="34" charset="-127"/>
+                          <a:ea typeface="삼성긴고딕OTF Bold" panose="020B0600000101010101" pitchFamily="34" charset="-127"/>
+                        </a:rPr>
+                        <a:t>원</a:t>
+                      </a:r>
+                      <a:endParaRPr lang="ko-KR" altLang="en-US" sz="1400" dirty="0">
+                        <a:latin typeface="삼성긴고딕OTF Bold" panose="020B0600000101010101" pitchFamily="34" charset="-127"/>
+                        <a:ea typeface="삼성긴고딕OTF Bold" panose="020B0600000101010101" pitchFamily="34" charset="-127"/>
+                      </a:endParaRPr>
+                    </a:p>
+                  </a:txBody>
+                  <a:tcPr>
+                    <a:lnL w="9525" cap="flat" cmpd="sng" algn="ctr">
+                      <a:solidFill>
+                        <a:schemeClr val="tx1"/>
+                      </a:solidFill>
+                      <a:prstDash val="solid"/>
+                      <a:round/>
+                      <a:headEnd type="none" w="med" len="med"/>
+                      <a:tailEnd type="none" w="med" len="med"/>
+                    </a:lnL>
+                    <a:lnR w="9525" cap="flat" cmpd="sng" algn="ctr">
+                      <a:solidFill>
+                        <a:schemeClr val="tx1"/>
+                      </a:solidFill>
+                      <a:prstDash val="solid"/>
+                      <a:round/>
+                      <a:headEnd type="none" w="med" len="med"/>
+                      <a:tailEnd type="none" w="med" len="med"/>
+                    </a:lnR>
+                    <a:lnT w="9525" cap="flat" cmpd="sng" algn="ctr">
+                      <a:solidFill>
+                        <a:schemeClr val="tx1"/>
+                      </a:solidFill>
+                      <a:prstDash val="solid"/>
+                      <a:round/>
+                      <a:headEnd type="none" w="med" len="med"/>
+                      <a:tailEnd type="none" w="med" len="med"/>
+                    </a:lnT>
+                    <a:lnB w="9525" cap="flat" cmpd="sng" algn="ctr">
+                      <a:solidFill>
+                        <a:schemeClr val="tx1"/>
+                      </a:solidFill>
+                      <a:prstDash val="solid"/>
+                      <a:round/>
+                      <a:headEnd type="none" w="med" len="med"/>
+                      <a:tailEnd type="none" w="med" len="med"/>
+                    </a:lnB>
+                  </a:tcPr>
+                </a:tc>
+                <a:extLst>
+                  <a:ext uri="{0D108BD9-81ED-4DB2-BD59-A6C34878D82A}">
+                    <a16:rowId xmlns:a16="http://schemas.microsoft.com/office/drawing/2014/main" val="1316063722"/>
+                  </a:ext>
+                </a:extLst>
+              </a:tr>
+              <a:tr h="288000">
+                <a:tc>
+                  <a:txBody>
+                    <a:bodyPr/>
+                    <a:lstStyle/>
+                    <a:p>
+                      <a:pPr algn="ctr" latinLnBrk="1"/>
+                      <a:r>
+                        <a:rPr lang="en-US" altLang="ko-KR" sz="1400" dirty="0" smtClean="0">
+                          <a:latin typeface="삼성긴고딕OTF Bold" panose="020B0600000101010101" pitchFamily="34" charset="-127"/>
+                          <a:ea typeface="삼성긴고딕OTF Bold" panose="020B0600000101010101" pitchFamily="34" charset="-127"/>
+                        </a:rPr>
+                        <a:t>AL-001</a:t>
+                      </a:r>
+                      <a:endParaRPr lang="ko-KR" altLang="en-US" sz="1400" dirty="0">
+                        <a:latin typeface="삼성긴고딕OTF Bold" panose="020B0600000101010101" pitchFamily="34" charset="-127"/>
+                        <a:ea typeface="삼성긴고딕OTF Bold" panose="020B0600000101010101" pitchFamily="34" charset="-127"/>
+                      </a:endParaRPr>
+                    </a:p>
+                  </a:txBody>
+                  <a:tcPr>
+                    <a:lnL w="9525" cap="flat" cmpd="sng" algn="ctr">
+                      <a:solidFill>
+                        <a:schemeClr val="tx1"/>
+                      </a:solidFill>
+                      <a:prstDash val="solid"/>
+                      <a:round/>
+                      <a:headEnd type="none" w="med" len="med"/>
+                      <a:tailEnd type="none" w="med" len="med"/>
+                    </a:lnL>
+                    <a:lnR w="9525" cap="flat" cmpd="sng" algn="ctr">
+                      <a:solidFill>
+                        <a:schemeClr val="tx1"/>
+                      </a:solidFill>
+                      <a:prstDash val="solid"/>
+                      <a:round/>
+                      <a:headEnd type="none" w="med" len="med"/>
+                      <a:tailEnd type="none" w="med" len="med"/>
+                    </a:lnR>
+                    <a:lnT w="9525" cap="flat" cmpd="sng" algn="ctr">
+                      <a:solidFill>
+                        <a:schemeClr val="tx1"/>
+                      </a:solidFill>
+                      <a:prstDash val="solid"/>
+                      <a:round/>
+                      <a:headEnd type="none" w="med" len="med"/>
+                      <a:tailEnd type="none" w="med" len="med"/>
+                    </a:lnT>
+                    <a:lnB w="9525" cap="flat" cmpd="sng" algn="ctr">
+                      <a:solidFill>
+                        <a:schemeClr val="tx1"/>
+                      </a:solidFill>
+                      <a:prstDash val="solid"/>
+                      <a:round/>
+                      <a:headEnd type="none" w="med" len="med"/>
+                      <a:tailEnd type="none" w="med" len="med"/>
+                    </a:lnB>
+                    <a:solidFill>
+                      <a:srgbClr val="EAEFF7"/>
+                    </a:solidFill>
+                  </a:tcPr>
+                </a:tc>
+                <a:tc>
+                  <a:txBody>
+                    <a:bodyPr/>
+                    <a:lstStyle/>
+                    <a:p>
+                      <a:pPr algn="ctr" latinLnBrk="1"/>
+                      <a:r>
+                        <a:rPr lang="en-US" altLang="ko-KR" sz="1400" dirty="0" smtClean="0">
+                          <a:latin typeface="삼성긴고딕OTF Bold" panose="020B0600000101010101" pitchFamily="34" charset="-127"/>
+                          <a:ea typeface="삼성긴고딕OTF Bold" panose="020B0600000101010101" pitchFamily="34" charset="-127"/>
+                        </a:rPr>
+                        <a:t>150,000</a:t>
+                      </a:r>
+                      <a:r>
+                        <a:rPr lang="ko-KR" altLang="en-US" sz="1400" dirty="0" smtClean="0">
+                          <a:latin typeface="삼성긴고딕OTF Bold" panose="020B0600000101010101" pitchFamily="34" charset="-127"/>
+                          <a:ea typeface="삼성긴고딕OTF Bold" panose="020B0600000101010101" pitchFamily="34" charset="-127"/>
+                        </a:rPr>
+                        <a:t>원</a:t>
+                      </a:r>
+                      <a:endParaRPr lang="ko-KR" altLang="en-US" sz="1400" dirty="0">
+                        <a:latin typeface="삼성긴고딕OTF Bold" panose="020B0600000101010101" pitchFamily="34" charset="-127"/>
+                        <a:ea typeface="삼성긴고딕OTF Bold" panose="020B0600000101010101" pitchFamily="34" charset="-127"/>
+                      </a:endParaRPr>
+                    </a:p>
+                  </a:txBody>
+                  <a:tcPr>
+                    <a:lnL w="9525" cap="flat" cmpd="sng" algn="ctr">
+                      <a:solidFill>
+                        <a:schemeClr val="tx1"/>
+                      </a:solidFill>
+                      <a:prstDash val="solid"/>
+                      <a:round/>
+                      <a:headEnd type="none" w="med" len="med"/>
+                      <a:tailEnd type="none" w="med" len="med"/>
+                    </a:lnL>
+                    <a:lnR w="9525" cap="flat" cmpd="sng" algn="ctr">
+                      <a:solidFill>
+                        <a:schemeClr val="tx1"/>
+                      </a:solidFill>
+                      <a:prstDash val="solid"/>
+                      <a:round/>
+                      <a:headEnd type="none" w="med" len="med"/>
+                      <a:tailEnd type="none" w="med" len="med"/>
+                    </a:lnR>
+                    <a:lnT w="9525" cap="flat" cmpd="sng" algn="ctr">
+                      <a:solidFill>
+                        <a:schemeClr val="tx1"/>
+                      </a:solidFill>
+                      <a:prstDash val="solid"/>
+                      <a:round/>
+                      <a:headEnd type="none" w="med" len="med"/>
+                      <a:tailEnd type="none" w="med" len="med"/>
+                    </a:lnT>
+                    <a:lnB w="9525" cap="flat" cmpd="sng" algn="ctr">
+                      <a:solidFill>
+                        <a:schemeClr val="tx1"/>
+                      </a:solidFill>
+                      <a:prstDash val="solid"/>
+                      <a:round/>
+                      <a:headEnd type="none" w="med" len="med"/>
+                      <a:tailEnd type="none" w="med" len="med"/>
+                    </a:lnB>
+                    <a:solidFill>
+                      <a:srgbClr val="EAEFF7"/>
+                    </a:solidFill>
+                  </a:tcPr>
+                </a:tc>
+                <a:extLst>
+                  <a:ext uri="{0D108BD9-81ED-4DB2-BD59-A6C34878D82A}">
+                    <a16:rowId xmlns:a16="http://schemas.microsoft.com/office/drawing/2014/main" val="1134691192"/>
+                  </a:ext>
+                </a:extLst>
+              </a:tr>
+              <a:tr h="288000">
+                <a:tc>
+                  <a:txBody>
+                    <a:bodyPr/>
+                    <a:lstStyle/>
+                    <a:p>
+                      <a:pPr algn="ctr" latinLnBrk="1"/>
+                      <a:r>
+                        <a:rPr lang="en-US" altLang="ko-KR" sz="1400" dirty="0" smtClean="0">
+                          <a:latin typeface="삼성긴고딕OTF Bold" panose="020B0600000101010101" pitchFamily="34" charset="-127"/>
+                          <a:ea typeface="삼성긴고딕OTF Bold" panose="020B0600000101010101" pitchFamily="34" charset="-127"/>
+                        </a:rPr>
+                        <a:t>DB-001</a:t>
+                      </a:r>
+                      <a:endParaRPr lang="ko-KR" altLang="en-US" sz="1400" dirty="0">
+                        <a:latin typeface="삼성긴고딕OTF Bold" panose="020B0600000101010101" pitchFamily="34" charset="-127"/>
+                        <a:ea typeface="삼성긴고딕OTF Bold" panose="020B0600000101010101" pitchFamily="34" charset="-127"/>
+                      </a:endParaRPr>
+                    </a:p>
+                  </a:txBody>
+                  <a:tcPr>
+                    <a:lnL w="9525" cap="flat" cmpd="sng" algn="ctr">
+                      <a:solidFill>
+                        <a:schemeClr val="tx1"/>
+                      </a:solidFill>
+                      <a:prstDash val="solid"/>
+                      <a:round/>
+                      <a:headEnd type="none" w="med" len="med"/>
+                      <a:tailEnd type="none" w="med" len="med"/>
+                    </a:lnL>
+                    <a:lnR w="9525" cap="flat" cmpd="sng" algn="ctr">
+                      <a:solidFill>
+                        <a:schemeClr val="tx1"/>
+                      </a:solidFill>
+                      <a:prstDash val="solid"/>
+                      <a:round/>
+                      <a:headEnd type="none" w="med" len="med"/>
+                      <a:tailEnd type="none" w="med" len="med"/>
+                    </a:lnR>
+                    <a:lnT w="9525" cap="flat" cmpd="sng" algn="ctr">
+                      <a:solidFill>
+                        <a:schemeClr val="tx1"/>
+                      </a:solidFill>
+                      <a:prstDash val="solid"/>
+                      <a:round/>
+                      <a:headEnd type="none" w="med" len="med"/>
+                      <a:tailEnd type="none" w="med" len="med"/>
+                    </a:lnT>
+                    <a:lnB w="9525" cap="flat" cmpd="sng" algn="ctr">
+                      <a:solidFill>
+                        <a:schemeClr val="tx1"/>
+                      </a:solidFill>
+                      <a:prstDash val="solid"/>
+                      <a:round/>
+                      <a:headEnd type="none" w="med" len="med"/>
+                      <a:tailEnd type="none" w="med" len="med"/>
+                    </a:lnB>
+                    <a:solidFill>
+                      <a:srgbClr val="EAEFF7"/>
+                    </a:solidFill>
+                  </a:tcPr>
+                </a:tc>
+                <a:tc>
+                  <a:txBody>
+                    <a:bodyPr/>
+                    <a:lstStyle/>
+                    <a:p>
+                      <a:pPr algn="ctr" latinLnBrk="1"/>
+                      <a:r>
+                        <a:rPr lang="en-US" altLang="ko-KR" sz="1400" dirty="0" smtClean="0">
+                          <a:latin typeface="삼성긴고딕OTF Bold" panose="020B0600000101010101" pitchFamily="34" charset="-127"/>
+                          <a:ea typeface="삼성긴고딕OTF Bold" panose="020B0600000101010101" pitchFamily="34" charset="-127"/>
+                        </a:rPr>
+                        <a:t>100,000</a:t>
+                      </a:r>
+                      <a:r>
+                        <a:rPr lang="ko-KR" altLang="en-US" sz="1400" dirty="0" smtClean="0">
+                          <a:latin typeface="삼성긴고딕OTF Bold" panose="020B0600000101010101" pitchFamily="34" charset="-127"/>
+                          <a:ea typeface="삼성긴고딕OTF Bold" panose="020B0600000101010101" pitchFamily="34" charset="-127"/>
+                        </a:rPr>
+                        <a:t>원</a:t>
+                      </a:r>
+                      <a:endParaRPr lang="ko-KR" altLang="en-US" sz="1400" dirty="0">
+                        <a:latin typeface="삼성긴고딕OTF Bold" panose="020B0600000101010101" pitchFamily="34" charset="-127"/>
+                        <a:ea typeface="삼성긴고딕OTF Bold" panose="020B0600000101010101" pitchFamily="34" charset="-127"/>
+                      </a:endParaRPr>
+                    </a:p>
+                  </a:txBody>
+                  <a:tcPr>
+                    <a:lnL w="9525" cap="flat" cmpd="sng" algn="ctr">
+                      <a:solidFill>
+                        <a:schemeClr val="tx1"/>
+                      </a:solidFill>
+                      <a:prstDash val="solid"/>
+                      <a:round/>
+                      <a:headEnd type="none" w="med" len="med"/>
+                      <a:tailEnd type="none" w="med" len="med"/>
+                    </a:lnL>
+                    <a:lnR w="9525" cap="flat" cmpd="sng" algn="ctr">
+                      <a:solidFill>
+                        <a:schemeClr val="tx1"/>
+                      </a:solidFill>
+                      <a:prstDash val="solid"/>
+                      <a:round/>
+                      <a:headEnd type="none" w="med" len="med"/>
+                      <a:tailEnd type="none" w="med" len="med"/>
+                    </a:lnR>
+                    <a:lnT w="9525" cap="flat" cmpd="sng" algn="ctr">
+                      <a:solidFill>
+                        <a:schemeClr val="tx1"/>
+                      </a:solidFill>
+                      <a:prstDash val="solid"/>
+                      <a:round/>
+                      <a:headEnd type="none" w="med" len="med"/>
+                      <a:tailEnd type="none" w="med" len="med"/>
+                    </a:lnT>
+                    <a:lnB w="9525" cap="flat" cmpd="sng" algn="ctr">
+                      <a:solidFill>
+                        <a:schemeClr val="tx1"/>
+                      </a:solidFill>
+                      <a:prstDash val="solid"/>
+                      <a:round/>
+                      <a:headEnd type="none" w="med" len="med"/>
+                      <a:tailEnd type="none" w="med" len="med"/>
+                    </a:lnB>
+                    <a:solidFill>
+                      <a:srgbClr val="EAEFF7"/>
+                    </a:solidFill>
+                  </a:tcPr>
+                </a:tc>
+                <a:extLst>
+                  <a:ext uri="{0D108BD9-81ED-4DB2-BD59-A6C34878D82A}">
+                    <a16:rowId xmlns:a16="http://schemas.microsoft.com/office/drawing/2014/main" val="4078697995"/>
+                  </a:ext>
+                </a:extLst>
+              </a:tr>
+            </a:tbl>
+          </a:graphicData>
+        </a:graphic>
+      </p:graphicFrame>
+      <p:sp>
+        <p:nvSpPr>
+          <p:cNvPr id="10" name="직사각형 9"/>
+          <p:cNvSpPr/>
+          <p:nvPr/>
+        </p:nvSpPr>
+        <p:spPr>
+          <a:xfrm>
+            <a:off x="6916006" y="2173225"/>
+            <a:ext cx="2209706" cy="429768"/>
+          </a:xfrm>
+          <a:prstGeom prst="rect">
+            <a:avLst/>
+          </a:prstGeom>
+          <a:noFill/>
+          <a:ln>
+            <a:noFill/>
+          </a:ln>
+        </p:spPr>
+        <p:style>
+          <a:lnRef idx="2">
+            <a:schemeClr val="accent1">
+              <a:shade val="50000"/>
+            </a:schemeClr>
+          </a:lnRef>
+          <a:fillRef idx="1">
+            <a:schemeClr val="accent1"/>
+          </a:fillRef>
+          <a:effectRef idx="0">
+            <a:schemeClr val="accent1"/>
+          </a:effectRef>
+          <a:fontRef idx="minor">
+            <a:schemeClr val="lt1"/>
+          </a:fontRef>
+        </p:style>
+        <p:txBody>
+          <a:bodyPr rtlCol="0" anchor="ctr"/>
+          <a:lstStyle/>
+          <a:p>
+            <a:r>
+              <a:rPr lang="en-US" altLang="ko-KR" dirty="0" smtClean="0">
+                <a:solidFill>
+                  <a:schemeClr val="tx1"/>
+                </a:solidFill>
+                <a:latin typeface="삼성긴고딕OTF Bold" panose="020B0600000101010101" pitchFamily="34" charset="-127"/>
+                <a:ea typeface="삼성긴고딕OTF Bold" panose="020B0600000101010101" pitchFamily="34" charset="-127"/>
+              </a:rPr>
+              <a:t>&lt;</a:t>
+            </a:r>
+            <a:r>
+              <a:rPr lang="ko-KR" altLang="en-US" dirty="0" smtClean="0">
+                <a:solidFill>
+                  <a:schemeClr val="tx1"/>
+                </a:solidFill>
+                <a:latin typeface="삼성긴고딕OTF Bold" panose="020B0600000101010101" pitchFamily="34" charset="-127"/>
+                <a:ea typeface="삼성긴고딕OTF Bold" panose="020B0600000101010101" pitchFamily="34" charset="-127"/>
+              </a:rPr>
+              <a:t>수강료 테이블</a:t>
+            </a:r>
+            <a:r>
+              <a:rPr lang="en-US" altLang="ko-KR" dirty="0" smtClean="0">
+                <a:solidFill>
+                  <a:schemeClr val="tx1"/>
+                </a:solidFill>
+                <a:latin typeface="삼성긴고딕OTF Bold" panose="020B0600000101010101" pitchFamily="34" charset="-127"/>
+                <a:ea typeface="삼성긴고딕OTF Bold" panose="020B0600000101010101" pitchFamily="34" charset="-127"/>
+              </a:rPr>
+              <a:t>&gt;</a:t>
+            </a:r>
+            <a:endParaRPr lang="ko-KR" altLang="en-US" dirty="0">
+              <a:solidFill>
+                <a:schemeClr val="tx1"/>
+              </a:solidFill>
+              <a:latin typeface="삼성긴고딕OTF Bold" panose="020B0600000101010101" pitchFamily="34" charset="-127"/>
+              <a:ea typeface="삼성긴고딕OTF Bold" panose="020B0600000101010101" pitchFamily="34" charset="-127"/>
+            </a:endParaRPr>
+          </a:p>
+        </p:txBody>
+      </p:sp>
+      <p:grpSp>
+        <p:nvGrpSpPr>
+          <p:cNvPr id="42" name="그룹 41"/>
+          <p:cNvGrpSpPr/>
+          <p:nvPr/>
+        </p:nvGrpSpPr>
+        <p:grpSpPr>
+          <a:xfrm>
+            <a:off x="5345712" y="1312848"/>
+            <a:ext cx="1576937" cy="288000"/>
+            <a:chOff x="5345712" y="1312848"/>
+            <a:chExt cx="1576937" cy="288000"/>
+          </a:xfrm>
+        </p:grpSpPr>
+        <p:sp>
+          <p:nvSpPr>
+            <p:cNvPr id="39" name="이등변 삼각형 38"/>
+            <p:cNvSpPr/>
+            <p:nvPr/>
+          </p:nvSpPr>
+          <p:spPr>
+            <a:xfrm rot="16200000">
+              <a:off x="6670649" y="1348848"/>
+              <a:ext cx="288000" cy="216000"/>
+            </a:xfrm>
+            <a:prstGeom prst="triangle">
+              <a:avLst/>
+            </a:prstGeom>
+            <a:solidFill>
+              <a:schemeClr val="bg1"/>
+            </a:solidFill>
+            <a:ln w="19050">
+              <a:solidFill>
+                <a:schemeClr val="tx1"/>
+              </a:solidFill>
+            </a:ln>
+          </p:spPr>
+          <p:style>
+            <a:lnRef idx="2">
+              <a:schemeClr val="accent1">
+                <a:shade val="50000"/>
+              </a:schemeClr>
+            </a:lnRef>
+            <a:fillRef idx="1">
+              <a:schemeClr val="accent1"/>
+            </a:fillRef>
+            <a:effectRef idx="0">
+              <a:schemeClr val="accent1"/>
+            </a:effectRef>
+            <a:fontRef idx="minor">
+              <a:schemeClr val="lt1"/>
+            </a:fontRef>
+          </p:style>
+          <p:txBody>
+            <a:bodyPr rtlCol="0" anchor="ctr"/>
+            <a:lstStyle/>
+            <a:p>
+              <a:pPr algn="ctr"/>
+              <a:endParaRPr lang="ko-KR" altLang="en-US"/>
+            </a:p>
+          </p:txBody>
+        </p:sp>
+        <p:cxnSp>
+          <p:nvCxnSpPr>
+            <p:cNvPr id="12" name="직선 연결선 11"/>
+            <p:cNvCxnSpPr/>
+            <p:nvPr/>
+          </p:nvCxnSpPr>
+          <p:spPr>
+            <a:xfrm>
+              <a:off x="5345712" y="1456848"/>
+              <a:ext cx="1570294" cy="0"/>
+            </a:xfrm>
+            <a:prstGeom prst="line">
+              <a:avLst/>
+            </a:prstGeom>
+            <a:ln w="28575">
+              <a:solidFill>
+                <a:schemeClr val="tx1"/>
+              </a:solidFill>
+            </a:ln>
+          </p:spPr>
+          <p:style>
+            <a:lnRef idx="1">
+              <a:schemeClr val="accent1"/>
+            </a:lnRef>
+            <a:fillRef idx="0">
+              <a:schemeClr val="accent1"/>
+            </a:fillRef>
+            <a:effectRef idx="0">
+              <a:schemeClr val="accent1"/>
+            </a:effectRef>
+            <a:fontRef idx="minor">
+              <a:schemeClr val="tx1"/>
+            </a:fontRef>
+          </p:style>
+        </p:cxnSp>
+        <p:cxnSp>
+          <p:nvCxnSpPr>
+            <p:cNvPr id="21" name="직선 연결선 20"/>
+            <p:cNvCxnSpPr/>
+            <p:nvPr/>
+          </p:nvCxnSpPr>
+          <p:spPr>
+            <a:xfrm flipH="1" flipV="1">
+              <a:off x="6715793" y="1348848"/>
+              <a:ext cx="0" cy="216000"/>
+            </a:xfrm>
+            <a:prstGeom prst="line">
+              <a:avLst/>
+            </a:prstGeom>
+            <a:ln w="19050">
+              <a:solidFill>
+                <a:schemeClr val="tx1"/>
+              </a:solidFill>
+            </a:ln>
+          </p:spPr>
+          <p:style>
+            <a:lnRef idx="1">
+              <a:schemeClr val="accent1"/>
+            </a:lnRef>
+            <a:fillRef idx="0">
+              <a:schemeClr val="accent1"/>
+            </a:fillRef>
+            <a:effectRef idx="0">
+              <a:schemeClr val="accent1"/>
+            </a:effectRef>
+            <a:fontRef idx="minor">
+              <a:schemeClr val="tx1"/>
+            </a:fontRef>
+          </p:style>
+        </p:cxnSp>
+        <p:cxnSp>
+          <p:nvCxnSpPr>
+            <p:cNvPr id="24" name="직선 연결선 23"/>
+            <p:cNvCxnSpPr/>
+            <p:nvPr/>
+          </p:nvCxnSpPr>
+          <p:spPr>
+            <a:xfrm flipH="1" flipV="1">
+              <a:off x="5501687" y="1348848"/>
+              <a:ext cx="0" cy="216000"/>
+            </a:xfrm>
+            <a:prstGeom prst="line">
+              <a:avLst/>
+            </a:prstGeom>
+            <a:ln w="19050">
+              <a:solidFill>
+                <a:schemeClr val="tx1"/>
+              </a:solidFill>
+            </a:ln>
+          </p:spPr>
+          <p:style>
+            <a:lnRef idx="1">
+              <a:schemeClr val="accent1"/>
+            </a:lnRef>
+            <a:fillRef idx="0">
+              <a:schemeClr val="accent1"/>
+            </a:fillRef>
+            <a:effectRef idx="0">
+              <a:schemeClr val="accent1"/>
+            </a:effectRef>
+            <a:fontRef idx="minor">
+              <a:schemeClr val="tx1"/>
+            </a:fontRef>
+          </p:style>
+        </p:cxnSp>
+      </p:grpSp>
+      <p:grpSp>
+        <p:nvGrpSpPr>
+          <p:cNvPr id="35" name="그룹 34"/>
+          <p:cNvGrpSpPr/>
+          <p:nvPr/>
+        </p:nvGrpSpPr>
+        <p:grpSpPr>
+          <a:xfrm>
+            <a:off x="8715587" y="2020932"/>
+            <a:ext cx="180000" cy="576000"/>
+            <a:chOff x="8834459" y="2020932"/>
+            <a:chExt cx="180000" cy="576000"/>
+          </a:xfrm>
+        </p:grpSpPr>
+        <p:cxnSp>
+          <p:nvCxnSpPr>
+            <p:cNvPr id="27" name="직선 연결선 26"/>
+            <p:cNvCxnSpPr/>
+            <p:nvPr/>
+          </p:nvCxnSpPr>
+          <p:spPr>
+            <a:xfrm rot="5400000">
+              <a:off x="8636459" y="2308932"/>
+              <a:ext cx="576000" cy="0"/>
+            </a:xfrm>
+            <a:prstGeom prst="line">
+              <a:avLst/>
+            </a:prstGeom>
+            <a:ln w="28575">
+              <a:solidFill>
+                <a:schemeClr val="tx1"/>
+              </a:solidFill>
+            </a:ln>
+          </p:spPr>
+          <p:style>
+            <a:lnRef idx="1">
+              <a:schemeClr val="accent1"/>
+            </a:lnRef>
+            <a:fillRef idx="0">
+              <a:schemeClr val="accent1"/>
+            </a:fillRef>
+            <a:effectRef idx="0">
+              <a:schemeClr val="accent1"/>
+            </a:effectRef>
+            <a:fontRef idx="minor">
+              <a:schemeClr val="tx1"/>
+            </a:fontRef>
+          </p:style>
+        </p:cxnSp>
+        <p:cxnSp>
+          <p:nvCxnSpPr>
+            <p:cNvPr id="30" name="직선 연결선 29"/>
+            <p:cNvCxnSpPr/>
+            <p:nvPr/>
+          </p:nvCxnSpPr>
+          <p:spPr>
+            <a:xfrm rot="5400000" flipH="1" flipV="1">
+              <a:off x="8924459" y="2423424"/>
+              <a:ext cx="0" cy="180000"/>
+            </a:xfrm>
+            <a:prstGeom prst="line">
+              <a:avLst/>
+            </a:prstGeom>
+            <a:ln w="19050">
+              <a:solidFill>
+                <a:schemeClr val="tx1"/>
+              </a:solidFill>
+            </a:ln>
+          </p:spPr>
+          <p:style>
+            <a:lnRef idx="1">
+              <a:schemeClr val="accent1"/>
+            </a:lnRef>
+            <a:fillRef idx="0">
+              <a:schemeClr val="accent1"/>
+            </a:fillRef>
+            <a:effectRef idx="0">
+              <a:schemeClr val="accent1"/>
+            </a:effectRef>
+            <a:fontRef idx="minor">
+              <a:schemeClr val="tx1"/>
+            </a:fontRef>
+          </p:style>
+        </p:cxnSp>
+        <p:cxnSp>
+          <p:nvCxnSpPr>
+            <p:cNvPr id="31" name="직선 연결선 30"/>
+            <p:cNvCxnSpPr/>
+            <p:nvPr/>
+          </p:nvCxnSpPr>
+          <p:spPr>
+            <a:xfrm rot="5400000" flipH="1" flipV="1">
+              <a:off x="8924459" y="2019805"/>
+              <a:ext cx="0" cy="180000"/>
+            </a:xfrm>
+            <a:prstGeom prst="line">
+              <a:avLst/>
+            </a:prstGeom>
+            <a:ln w="19050">
+              <a:solidFill>
+                <a:schemeClr val="tx1"/>
+              </a:solidFill>
+            </a:ln>
+          </p:spPr>
+          <p:style>
+            <a:lnRef idx="1">
+              <a:schemeClr val="accent1"/>
+            </a:lnRef>
+            <a:fillRef idx="0">
+              <a:schemeClr val="accent1"/>
+            </a:fillRef>
+            <a:effectRef idx="0">
+              <a:schemeClr val="accent1"/>
+            </a:effectRef>
+            <a:fontRef idx="minor">
+              <a:schemeClr val="tx1"/>
+            </a:fontRef>
+          </p:style>
+        </p:cxnSp>
+      </p:grpSp>
+      <p:graphicFrame>
+        <p:nvGraphicFramePr>
+          <p:cNvPr id="33" name="표 32"/>
+          <p:cNvGraphicFramePr>
+            <a:graphicFrameLocks noGrp="1"/>
+          </p:cNvGraphicFramePr>
+          <p:nvPr>
+            <p:extLst>
+              <p:ext uri="{D42A27DB-BD31-4B8C-83A1-F6EECF244321}">
+                <p14:modId xmlns:p14="http://schemas.microsoft.com/office/powerpoint/2010/main" val="1249406516"/>
+              </p:ext>
+            </p:extLst>
+          </p:nvPr>
+        </p:nvGraphicFramePr>
+        <p:xfrm>
+          <a:off x="1205712" y="4718304"/>
+          <a:ext cx="7380000" cy="2042160"/>
+        </p:xfrm>
+        <a:graphic>
+          <a:graphicData uri="http://schemas.openxmlformats.org/drawingml/2006/table">
+            <a:tbl>
+              <a:tblPr firstRow="1" bandRow="1">
+                <a:tableStyleId>{5C22544A-7EE6-4342-B048-85BDC9FD1C3A}</a:tableStyleId>
+              </a:tblPr>
+              <a:tblGrid>
+                <a:gridCol w="1260000">
+                  <a:extLst>
+                    <a:ext uri="{9D8B030D-6E8A-4147-A177-3AD203B41FA5}">
+                      <a16:colId xmlns:a16="http://schemas.microsoft.com/office/drawing/2014/main" val="2506121986"/>
+                    </a:ext>
+                  </a:extLst>
+                </a:gridCol>
+                <a:gridCol w="1080000">
+                  <a:extLst>
+                    <a:ext uri="{9D8B030D-6E8A-4147-A177-3AD203B41FA5}">
+                      <a16:colId xmlns:a16="http://schemas.microsoft.com/office/drawing/2014/main" val="3463867517"/>
+                    </a:ext>
+                  </a:extLst>
+                </a:gridCol>
+                <a:gridCol w="1800000">
+                  <a:extLst>
+                    <a:ext uri="{9D8B030D-6E8A-4147-A177-3AD203B41FA5}">
+                      <a16:colId xmlns:a16="http://schemas.microsoft.com/office/drawing/2014/main" val="3302509317"/>
+                    </a:ext>
+                  </a:extLst>
+                </a:gridCol>
+                <a:gridCol w="1620000">
+                  <a:extLst>
+                    <a:ext uri="{9D8B030D-6E8A-4147-A177-3AD203B41FA5}">
+                      <a16:colId xmlns:a16="http://schemas.microsoft.com/office/drawing/2014/main" val="524061593"/>
+                    </a:ext>
+                  </a:extLst>
+                </a:gridCol>
+                <a:gridCol w="1620000">
+                  <a:extLst>
+                    <a:ext uri="{9D8B030D-6E8A-4147-A177-3AD203B41FA5}">
+                      <a16:colId xmlns:a16="http://schemas.microsoft.com/office/drawing/2014/main" val="2410042222"/>
+                    </a:ext>
+                  </a:extLst>
+                </a:gridCol>
+              </a:tblGrid>
+              <a:tr h="324000">
+                <a:tc>
+                  <a:txBody>
+                    <a:bodyPr/>
+                    <a:lstStyle/>
+                    <a:p>
+                      <a:pPr algn="ctr" latinLnBrk="1"/>
+                      <a:r>
+                        <a:rPr lang="ko-KR" altLang="en-US" dirty="0" smtClean="0">
+                          <a:latin typeface="삼성긴고딕OTF Bold" panose="020B0600000101010101" pitchFamily="34" charset="-127"/>
+                          <a:ea typeface="삼성긴고딕OTF Bold" panose="020B0600000101010101" pitchFamily="34" charset="-127"/>
+                        </a:rPr>
+                        <a:t>강의 시간</a:t>
+                      </a:r>
+                      <a:endParaRPr lang="ko-KR" altLang="en-US" dirty="0">
+                        <a:latin typeface="삼성긴고딕OTF Bold" panose="020B0600000101010101" pitchFamily="34" charset="-127"/>
+                        <a:ea typeface="삼성긴고딕OTF Bold" panose="020B0600000101010101" pitchFamily="34" charset="-127"/>
+                      </a:endParaRPr>
+                    </a:p>
+                  </a:txBody>
+                  <a:tcPr>
+                    <a:lnL w="9525" cap="flat" cmpd="sng" algn="ctr">
+                      <a:solidFill>
+                        <a:schemeClr val="tx1"/>
+                      </a:solidFill>
+                      <a:prstDash val="solid"/>
+                      <a:round/>
+                      <a:headEnd type="none" w="med" len="med"/>
+                      <a:tailEnd type="none" w="med" len="med"/>
+                    </a:lnL>
+                    <a:lnR w="9525" cap="flat" cmpd="sng" algn="ctr">
+                      <a:solidFill>
+                        <a:schemeClr val="tx1"/>
+                      </a:solidFill>
+                      <a:prstDash val="solid"/>
+                      <a:round/>
+                      <a:headEnd type="none" w="med" len="med"/>
+                      <a:tailEnd type="none" w="med" len="med"/>
+                    </a:lnR>
+                    <a:lnT w="9525" cap="flat" cmpd="sng" algn="ctr">
+                      <a:solidFill>
+                        <a:schemeClr val="tx1"/>
+                      </a:solidFill>
+                      <a:prstDash val="solid"/>
+                      <a:round/>
+                      <a:headEnd type="none" w="med" len="med"/>
+                      <a:tailEnd type="none" w="med" len="med"/>
+                    </a:lnT>
+                    <a:lnB w="9525" cap="flat" cmpd="sng" algn="ctr">
+                      <a:solidFill>
+                        <a:schemeClr val="tx1"/>
+                      </a:solidFill>
+                      <a:prstDash val="solid"/>
+                      <a:round/>
+                      <a:headEnd type="none" w="med" len="med"/>
+                      <a:tailEnd type="none" w="med" len="med"/>
+                    </a:lnB>
+                  </a:tcPr>
+                </a:tc>
+                <a:tc>
+                  <a:txBody>
+                    <a:bodyPr/>
+                    <a:lstStyle/>
+                    <a:p>
+                      <a:pPr algn="ctr" latinLnBrk="1"/>
+                      <a:r>
+                        <a:rPr lang="ko-KR" altLang="en-US" dirty="0" smtClean="0">
+                          <a:latin typeface="삼성긴고딕OTF Bold" panose="020B0600000101010101" pitchFamily="34" charset="-127"/>
+                          <a:ea typeface="삼성긴고딕OTF Bold" panose="020B0600000101010101" pitchFamily="34" charset="-127"/>
+                        </a:rPr>
+                        <a:t>이름</a:t>
+                      </a:r>
+                      <a:endParaRPr lang="ko-KR" altLang="en-US" dirty="0">
+                        <a:latin typeface="삼성긴고딕OTF Bold" panose="020B0600000101010101" pitchFamily="34" charset="-127"/>
+                        <a:ea typeface="삼성긴고딕OTF Bold" panose="020B0600000101010101" pitchFamily="34" charset="-127"/>
+                      </a:endParaRPr>
+                    </a:p>
+                  </a:txBody>
+                  <a:tcPr>
+                    <a:lnL w="9525" cap="flat" cmpd="sng" algn="ctr">
+                      <a:solidFill>
+                        <a:schemeClr val="tx1"/>
+                      </a:solidFill>
+                      <a:prstDash val="solid"/>
+                      <a:round/>
+                      <a:headEnd type="none" w="med" len="med"/>
+                      <a:tailEnd type="none" w="med" len="med"/>
+                    </a:lnL>
+                    <a:lnR w="9525" cap="flat" cmpd="sng" algn="ctr">
+                      <a:solidFill>
+                        <a:schemeClr val="tx1"/>
+                      </a:solidFill>
+                      <a:prstDash val="solid"/>
+                      <a:round/>
+                      <a:headEnd type="none" w="med" len="med"/>
+                      <a:tailEnd type="none" w="med" len="med"/>
+                    </a:lnR>
+                    <a:lnT w="9525" cap="flat" cmpd="sng" algn="ctr">
+                      <a:solidFill>
+                        <a:schemeClr val="tx1"/>
+                      </a:solidFill>
+                      <a:prstDash val="solid"/>
+                      <a:round/>
+                      <a:headEnd type="none" w="med" len="med"/>
+                      <a:tailEnd type="none" w="med" len="med"/>
+                    </a:lnT>
+                    <a:lnB w="9525" cap="flat" cmpd="sng" algn="ctr">
+                      <a:solidFill>
+                        <a:schemeClr val="tx1"/>
+                      </a:solidFill>
+                      <a:prstDash val="solid"/>
+                      <a:round/>
+                      <a:headEnd type="none" w="med" len="med"/>
+                      <a:tailEnd type="none" w="med" len="med"/>
+                    </a:lnB>
+                  </a:tcPr>
+                </a:tc>
+                <a:tc>
+                  <a:txBody>
+                    <a:bodyPr/>
+                    <a:lstStyle/>
+                    <a:p>
+                      <a:pPr algn="ctr" latinLnBrk="1"/>
+                      <a:r>
+                        <a:rPr lang="ko-KR" altLang="en-US" dirty="0" smtClean="0">
+                          <a:latin typeface="삼성긴고딕OTF Bold" panose="020B0600000101010101" pitchFamily="34" charset="-127"/>
+                          <a:ea typeface="삼성긴고딕OTF Bold" panose="020B0600000101010101" pitchFamily="34" charset="-127"/>
+                        </a:rPr>
+                        <a:t>담당 수업</a:t>
+                      </a:r>
+                      <a:endParaRPr lang="ko-KR" altLang="en-US" dirty="0">
+                        <a:latin typeface="삼성긴고딕OTF Bold" panose="020B0600000101010101" pitchFamily="34" charset="-127"/>
+                        <a:ea typeface="삼성긴고딕OTF Bold" panose="020B0600000101010101" pitchFamily="34" charset="-127"/>
+                      </a:endParaRPr>
+                    </a:p>
+                  </a:txBody>
+                  <a:tcPr>
+                    <a:lnL w="9525" cap="flat" cmpd="sng" algn="ctr">
+                      <a:solidFill>
+                        <a:schemeClr val="tx1"/>
+                      </a:solidFill>
+                      <a:prstDash val="solid"/>
+                      <a:round/>
+                      <a:headEnd type="none" w="med" len="med"/>
+                      <a:tailEnd type="none" w="med" len="med"/>
+                    </a:lnL>
+                    <a:lnR w="9525" cap="flat" cmpd="sng" algn="ctr">
+                      <a:solidFill>
+                        <a:schemeClr val="tx1"/>
+                      </a:solidFill>
+                      <a:prstDash val="solid"/>
+                      <a:round/>
+                      <a:headEnd type="none" w="med" len="med"/>
+                      <a:tailEnd type="none" w="med" len="med"/>
+                    </a:lnR>
+                    <a:lnT w="9525" cap="flat" cmpd="sng" algn="ctr">
+                      <a:solidFill>
+                        <a:schemeClr val="tx1"/>
+                      </a:solidFill>
+                      <a:prstDash val="solid"/>
+                      <a:round/>
+                      <a:headEnd type="none" w="med" len="med"/>
+                      <a:tailEnd type="none" w="med" len="med"/>
+                    </a:lnT>
+                    <a:lnB w="9525" cap="flat" cmpd="sng" algn="ctr">
+                      <a:solidFill>
+                        <a:schemeClr val="tx1"/>
+                      </a:solidFill>
+                      <a:prstDash val="solid"/>
+                      <a:round/>
+                      <a:headEnd type="none" w="med" len="med"/>
+                      <a:tailEnd type="none" w="med" len="med"/>
+                    </a:lnB>
+                  </a:tcPr>
+                </a:tc>
+                <a:tc>
+                  <a:txBody>
+                    <a:bodyPr/>
+                    <a:lstStyle/>
+                    <a:p>
+                      <a:pPr algn="ctr" latinLnBrk="1"/>
+                      <a:r>
+                        <a:rPr lang="ko-KR" altLang="en-US" dirty="0" smtClean="0">
+                          <a:latin typeface="삼성긴고딕OTF Bold" panose="020B0600000101010101" pitchFamily="34" charset="-127"/>
+                          <a:ea typeface="삼성긴고딕OTF Bold" panose="020B0600000101010101" pitchFamily="34" charset="-127"/>
+                        </a:rPr>
+                        <a:t>수업 코드</a:t>
+                      </a:r>
+                      <a:endParaRPr lang="ko-KR" altLang="en-US" dirty="0">
+                        <a:latin typeface="삼성긴고딕OTF Bold" panose="020B0600000101010101" pitchFamily="34" charset="-127"/>
+                        <a:ea typeface="삼성긴고딕OTF Bold" panose="020B0600000101010101" pitchFamily="34" charset="-127"/>
+                      </a:endParaRPr>
+                    </a:p>
+                  </a:txBody>
+                  <a:tcPr>
+                    <a:lnL w="9525" cap="flat" cmpd="sng" algn="ctr">
+                      <a:solidFill>
+                        <a:schemeClr val="tx1"/>
+                      </a:solidFill>
+                      <a:prstDash val="solid"/>
+                      <a:round/>
+                      <a:headEnd type="none" w="med" len="med"/>
+                      <a:tailEnd type="none" w="med" len="med"/>
+                    </a:lnL>
+                    <a:lnR w="9525" cap="flat" cmpd="sng" algn="ctr">
+                      <a:solidFill>
+                        <a:schemeClr val="tx1"/>
+                      </a:solidFill>
+                      <a:prstDash val="solid"/>
+                      <a:round/>
+                      <a:headEnd type="none" w="med" len="med"/>
+                      <a:tailEnd type="none" w="med" len="med"/>
+                    </a:lnR>
+                    <a:lnT w="9525" cap="flat" cmpd="sng" algn="ctr">
+                      <a:solidFill>
+                        <a:schemeClr val="tx1"/>
+                      </a:solidFill>
+                      <a:prstDash val="solid"/>
+                      <a:round/>
+                      <a:headEnd type="none" w="med" len="med"/>
+                      <a:tailEnd type="none" w="med" len="med"/>
+                    </a:lnT>
+                    <a:lnB w="9525" cap="flat" cmpd="sng" algn="ctr">
+                      <a:solidFill>
+                        <a:schemeClr val="tx1"/>
+                      </a:solidFill>
+                      <a:prstDash val="solid"/>
+                      <a:round/>
+                      <a:headEnd type="none" w="med" len="med"/>
+                      <a:tailEnd type="none" w="med" len="med"/>
+                    </a:lnB>
+                  </a:tcPr>
+                </a:tc>
+                <a:tc>
+                  <a:txBody>
+                    <a:bodyPr/>
+                    <a:lstStyle/>
+                    <a:p>
+                      <a:pPr algn="ctr" latinLnBrk="1"/>
+                      <a:r>
+                        <a:rPr lang="ko-KR" altLang="en-US" dirty="0" smtClean="0">
+                          <a:latin typeface="삼성긴고딕OTF Bold" panose="020B0600000101010101" pitchFamily="34" charset="-127"/>
+                          <a:ea typeface="삼성긴고딕OTF Bold" panose="020B0600000101010101" pitchFamily="34" charset="-127"/>
+                        </a:rPr>
+                        <a:t>수강료</a:t>
+                      </a:r>
+                      <a:endParaRPr lang="ko-KR" altLang="en-US" dirty="0">
+                        <a:latin typeface="삼성긴고딕OTF Bold" panose="020B0600000101010101" pitchFamily="34" charset="-127"/>
+                        <a:ea typeface="삼성긴고딕OTF Bold" panose="020B0600000101010101" pitchFamily="34" charset="-127"/>
+                      </a:endParaRPr>
+                    </a:p>
+                  </a:txBody>
+                  <a:tcPr>
+                    <a:lnL w="9525" cap="flat" cmpd="sng" algn="ctr">
+                      <a:solidFill>
+                        <a:schemeClr val="tx1"/>
+                      </a:solidFill>
+                      <a:prstDash val="solid"/>
+                      <a:round/>
+                      <a:headEnd type="none" w="med" len="med"/>
+                      <a:tailEnd type="none" w="med" len="med"/>
+                    </a:lnL>
+                    <a:lnR w="9525" cap="flat" cmpd="sng" algn="ctr">
+                      <a:solidFill>
+                        <a:schemeClr val="tx1"/>
+                      </a:solidFill>
+                      <a:prstDash val="solid"/>
+                      <a:round/>
+                      <a:headEnd type="none" w="med" len="med"/>
+                      <a:tailEnd type="none" w="med" len="med"/>
+                    </a:lnR>
+                    <a:lnT w="9525" cap="flat" cmpd="sng" algn="ctr">
+                      <a:solidFill>
+                        <a:schemeClr val="tx1"/>
+                      </a:solidFill>
+                      <a:prstDash val="solid"/>
+                      <a:round/>
+                      <a:headEnd type="none" w="med" len="med"/>
+                      <a:tailEnd type="none" w="med" len="med"/>
+                    </a:lnT>
+                    <a:lnB w="9525" cap="flat" cmpd="sng" algn="ctr">
+                      <a:solidFill>
+                        <a:schemeClr val="tx1"/>
+                      </a:solidFill>
+                      <a:prstDash val="solid"/>
+                      <a:round/>
+                      <a:headEnd type="none" w="med" len="med"/>
+                      <a:tailEnd type="none" w="med" len="med"/>
+                    </a:lnB>
+                  </a:tcPr>
+                </a:tc>
+                <a:extLst>
+                  <a:ext uri="{0D108BD9-81ED-4DB2-BD59-A6C34878D82A}">
+                    <a16:rowId xmlns:a16="http://schemas.microsoft.com/office/drawing/2014/main" val="278685539"/>
+                  </a:ext>
+                </a:extLst>
+              </a:tr>
+              <a:tr h="324000">
+                <a:tc>
+                  <a:txBody>
+                    <a:bodyPr/>
+                    <a:lstStyle/>
+                    <a:p>
+                      <a:pPr algn="ctr" latinLnBrk="1"/>
+                      <a:r>
+                        <a:rPr lang="en-US" altLang="ko-KR" sz="1600" dirty="0" smtClean="0">
+                          <a:latin typeface="삼성긴고딕OTF Bold" panose="020B0600000101010101" pitchFamily="34" charset="-127"/>
+                          <a:ea typeface="삼성긴고딕OTF Bold" panose="020B0600000101010101" pitchFamily="34" charset="-127"/>
+                        </a:rPr>
+                        <a:t>1</a:t>
+                      </a:r>
+                      <a:r>
+                        <a:rPr lang="ko-KR" altLang="en-US" sz="1600" dirty="0" smtClean="0">
+                          <a:latin typeface="삼성긴고딕OTF Bold" panose="020B0600000101010101" pitchFamily="34" charset="-127"/>
+                          <a:ea typeface="삼성긴고딕OTF Bold" panose="020B0600000101010101" pitchFamily="34" charset="-127"/>
+                        </a:rPr>
+                        <a:t>교시</a:t>
+                      </a:r>
+                      <a:endParaRPr lang="ko-KR" altLang="en-US" sz="1600" dirty="0">
+                        <a:latin typeface="삼성긴고딕OTF Bold" panose="020B0600000101010101" pitchFamily="34" charset="-127"/>
+                        <a:ea typeface="삼성긴고딕OTF Bold" panose="020B0600000101010101" pitchFamily="34" charset="-127"/>
+                      </a:endParaRPr>
+                    </a:p>
+                  </a:txBody>
+                  <a:tcPr>
+                    <a:lnL w="9525" cap="flat" cmpd="sng" algn="ctr">
+                      <a:solidFill>
+                        <a:schemeClr val="tx1"/>
+                      </a:solidFill>
+                      <a:prstDash val="solid"/>
+                      <a:round/>
+                      <a:headEnd type="none" w="med" len="med"/>
+                      <a:tailEnd type="none" w="med" len="med"/>
+                    </a:lnL>
+                    <a:lnR w="9525" cap="flat" cmpd="sng" algn="ctr">
+                      <a:solidFill>
+                        <a:schemeClr val="tx1"/>
+                      </a:solidFill>
+                      <a:prstDash val="solid"/>
+                      <a:round/>
+                      <a:headEnd type="none" w="med" len="med"/>
+                      <a:tailEnd type="none" w="med" len="med"/>
+                    </a:lnR>
+                    <a:lnT w="9525" cap="flat" cmpd="sng" algn="ctr">
+                      <a:solidFill>
+                        <a:schemeClr val="tx1"/>
+                      </a:solidFill>
+                      <a:prstDash val="solid"/>
+                      <a:round/>
+                      <a:headEnd type="none" w="med" len="med"/>
+                      <a:tailEnd type="none" w="med" len="med"/>
+                    </a:lnT>
+                    <a:lnB w="9525" cap="flat" cmpd="sng" algn="ctr">
+                      <a:solidFill>
+                        <a:schemeClr val="tx1"/>
+                      </a:solidFill>
+                      <a:prstDash val="solid"/>
+                      <a:round/>
+                      <a:headEnd type="none" w="med" len="med"/>
+                      <a:tailEnd type="none" w="med" len="med"/>
+                    </a:lnB>
+                    <a:solidFill>
+                      <a:srgbClr val="EAEFF7"/>
+                    </a:solidFill>
+                  </a:tcPr>
+                </a:tc>
+                <a:tc>
+                  <a:txBody>
+                    <a:bodyPr/>
+                    <a:lstStyle/>
+                    <a:p>
+                      <a:pPr algn="ctr" latinLnBrk="1"/>
+                      <a:r>
+                        <a:rPr lang="ko-KR" altLang="en-US" sz="1600" dirty="0" smtClean="0">
+                          <a:latin typeface="삼성긴고딕OTF Bold" panose="020B0600000101010101" pitchFamily="34" charset="-127"/>
+                          <a:ea typeface="삼성긴고딕OTF Bold" panose="020B0600000101010101" pitchFamily="34" charset="-127"/>
+                        </a:rPr>
+                        <a:t>박시원</a:t>
+                      </a:r>
+                      <a:endParaRPr lang="ko-KR" altLang="en-US" sz="1600" dirty="0">
+                        <a:latin typeface="삼성긴고딕OTF Bold" panose="020B0600000101010101" pitchFamily="34" charset="-127"/>
+                        <a:ea typeface="삼성긴고딕OTF Bold" panose="020B0600000101010101" pitchFamily="34" charset="-127"/>
+                      </a:endParaRPr>
+                    </a:p>
+                  </a:txBody>
+                  <a:tcPr>
+                    <a:lnL w="9525" cap="flat" cmpd="sng" algn="ctr">
+                      <a:solidFill>
+                        <a:schemeClr val="tx1"/>
+                      </a:solidFill>
+                      <a:prstDash val="solid"/>
+                      <a:round/>
+                      <a:headEnd type="none" w="med" len="med"/>
+                      <a:tailEnd type="none" w="med" len="med"/>
+                    </a:lnL>
+                    <a:lnR w="9525" cap="flat" cmpd="sng" algn="ctr">
+                      <a:solidFill>
+                        <a:schemeClr val="tx1"/>
+                      </a:solidFill>
+                      <a:prstDash val="solid"/>
+                      <a:round/>
+                      <a:headEnd type="none" w="med" len="med"/>
+                      <a:tailEnd type="none" w="med" len="med"/>
+                    </a:lnR>
+                    <a:lnT w="9525" cap="flat" cmpd="sng" algn="ctr">
+                      <a:solidFill>
+                        <a:schemeClr val="tx1"/>
+                      </a:solidFill>
+                      <a:prstDash val="solid"/>
+                      <a:round/>
+                      <a:headEnd type="none" w="med" len="med"/>
+                      <a:tailEnd type="none" w="med" len="med"/>
+                    </a:lnT>
+                    <a:lnB w="9525" cap="flat" cmpd="sng" algn="ctr">
+                      <a:solidFill>
+                        <a:schemeClr val="tx1"/>
+                      </a:solidFill>
+                      <a:prstDash val="solid"/>
+                      <a:round/>
+                      <a:headEnd type="none" w="med" len="med"/>
+                      <a:tailEnd type="none" w="med" len="med"/>
+                    </a:lnB>
+                    <a:solidFill>
+                      <a:srgbClr val="EAEFF7"/>
+                    </a:solidFill>
+                  </a:tcPr>
+                </a:tc>
+                <a:tc>
+                  <a:txBody>
+                    <a:bodyPr/>
+                    <a:lstStyle/>
+                    <a:p>
+                      <a:pPr algn="ctr" latinLnBrk="1"/>
+                      <a:r>
+                        <a:rPr lang="ko-KR" altLang="en-US" sz="1600" dirty="0" smtClean="0">
+                          <a:latin typeface="삼성긴고딕OTF Bold" panose="020B0600000101010101" pitchFamily="34" charset="-127"/>
+                          <a:ea typeface="삼성긴고딕OTF Bold" panose="020B0600000101010101" pitchFamily="34" charset="-127"/>
+                        </a:rPr>
+                        <a:t>운영체제</a:t>
+                      </a:r>
+                      <a:endParaRPr lang="ko-KR" altLang="en-US" sz="1600" dirty="0">
+                        <a:latin typeface="삼성긴고딕OTF Bold" panose="020B0600000101010101" pitchFamily="34" charset="-127"/>
+                        <a:ea typeface="삼성긴고딕OTF Bold" panose="020B0600000101010101" pitchFamily="34" charset="-127"/>
+                      </a:endParaRPr>
+                    </a:p>
+                  </a:txBody>
+                  <a:tcPr>
+                    <a:lnL w="9525" cap="flat" cmpd="sng" algn="ctr">
+                      <a:solidFill>
+                        <a:schemeClr val="tx1"/>
+                      </a:solidFill>
+                      <a:prstDash val="solid"/>
+                      <a:round/>
+                      <a:headEnd type="none" w="med" len="med"/>
+                      <a:tailEnd type="none" w="med" len="med"/>
+                    </a:lnL>
+                    <a:lnR w="9525" cap="flat" cmpd="sng" algn="ctr">
+                      <a:solidFill>
+                        <a:schemeClr val="tx1"/>
+                      </a:solidFill>
+                      <a:prstDash val="solid"/>
+                      <a:round/>
+                      <a:headEnd type="none" w="med" len="med"/>
+                      <a:tailEnd type="none" w="med" len="med"/>
+                    </a:lnR>
+                    <a:lnT w="9525" cap="flat" cmpd="sng" algn="ctr">
+                      <a:solidFill>
+                        <a:schemeClr val="tx1"/>
+                      </a:solidFill>
+                      <a:prstDash val="solid"/>
+                      <a:round/>
+                      <a:headEnd type="none" w="med" len="med"/>
+                      <a:tailEnd type="none" w="med" len="med"/>
+                    </a:lnT>
+                    <a:lnB w="9525" cap="flat" cmpd="sng" algn="ctr">
+                      <a:solidFill>
+                        <a:schemeClr val="tx1"/>
+                      </a:solidFill>
+                      <a:prstDash val="solid"/>
+                      <a:round/>
+                      <a:headEnd type="none" w="med" len="med"/>
+                      <a:tailEnd type="none" w="med" len="med"/>
+                    </a:lnB>
+                    <a:solidFill>
+                      <a:srgbClr val="EAEFF7"/>
+                    </a:solidFill>
+                  </a:tcPr>
+                </a:tc>
+                <a:tc>
+                  <a:txBody>
+                    <a:bodyPr/>
+                    <a:lstStyle/>
+                    <a:p>
+                      <a:pPr algn="ctr" latinLnBrk="1"/>
+                      <a:r>
+                        <a:rPr lang="en-US" altLang="ko-KR" sz="1600" dirty="0" smtClean="0">
+                          <a:latin typeface="삼성긴고딕OTF Bold" panose="020B0600000101010101" pitchFamily="34" charset="-127"/>
+                          <a:ea typeface="삼성긴고딕OTF Bold" panose="020B0600000101010101" pitchFamily="34" charset="-127"/>
+                        </a:rPr>
+                        <a:t>OS-001</a:t>
+                      </a:r>
+                      <a:endParaRPr lang="ko-KR" altLang="en-US" sz="1600" dirty="0">
+                        <a:latin typeface="삼성긴고딕OTF Bold" panose="020B0600000101010101" pitchFamily="34" charset="-127"/>
+                        <a:ea typeface="삼성긴고딕OTF Bold" panose="020B0600000101010101" pitchFamily="34" charset="-127"/>
+                      </a:endParaRPr>
+                    </a:p>
+                  </a:txBody>
+                  <a:tcPr>
+                    <a:lnL w="9525" cap="flat" cmpd="sng" algn="ctr">
+                      <a:solidFill>
+                        <a:schemeClr val="tx1"/>
+                      </a:solidFill>
+                      <a:prstDash val="solid"/>
+                      <a:round/>
+                      <a:headEnd type="none" w="med" len="med"/>
+                      <a:tailEnd type="none" w="med" len="med"/>
+                    </a:lnL>
+                    <a:lnR w="9525" cap="flat" cmpd="sng" algn="ctr">
+                      <a:solidFill>
+                        <a:schemeClr val="tx1"/>
+                      </a:solidFill>
+                      <a:prstDash val="solid"/>
+                      <a:round/>
+                      <a:headEnd type="none" w="med" len="med"/>
+                      <a:tailEnd type="none" w="med" len="med"/>
+                    </a:lnR>
+                    <a:lnT w="9525" cap="flat" cmpd="sng" algn="ctr">
+                      <a:solidFill>
+                        <a:schemeClr val="tx1"/>
+                      </a:solidFill>
+                      <a:prstDash val="solid"/>
+                      <a:round/>
+                      <a:headEnd type="none" w="med" len="med"/>
+                      <a:tailEnd type="none" w="med" len="med"/>
+                    </a:lnT>
+                    <a:lnB w="9525" cap="flat" cmpd="sng" algn="ctr">
+                      <a:solidFill>
+                        <a:schemeClr val="tx1"/>
+                      </a:solidFill>
+                      <a:prstDash val="solid"/>
+                      <a:round/>
+                      <a:headEnd type="none" w="med" len="med"/>
+                      <a:tailEnd type="none" w="med" len="med"/>
+                    </a:lnB>
+                    <a:solidFill>
+                      <a:srgbClr val="EAEFF7"/>
+                    </a:solidFill>
+                  </a:tcPr>
+                </a:tc>
+                <a:tc>
+                  <a:txBody>
+                    <a:bodyPr/>
+                    <a:lstStyle/>
+                    <a:p>
+                      <a:pPr algn="ctr" latinLnBrk="1"/>
+                      <a:r>
+                        <a:rPr lang="en-US" altLang="ko-KR" sz="1600" dirty="0" smtClean="0">
+                          <a:latin typeface="삼성긴고딕OTF Bold" panose="020B0600000101010101" pitchFamily="34" charset="-127"/>
+                          <a:ea typeface="삼성긴고딕OTF Bold" panose="020B0600000101010101" pitchFamily="34" charset="-127"/>
+                        </a:rPr>
+                        <a:t>100,000</a:t>
+                      </a:r>
+                      <a:r>
+                        <a:rPr lang="ko-KR" altLang="en-US" sz="1600" dirty="0" smtClean="0">
+                          <a:latin typeface="삼성긴고딕OTF Bold" panose="020B0600000101010101" pitchFamily="34" charset="-127"/>
+                          <a:ea typeface="삼성긴고딕OTF Bold" panose="020B0600000101010101" pitchFamily="34" charset="-127"/>
+                        </a:rPr>
+                        <a:t>원</a:t>
+                      </a:r>
+                      <a:endParaRPr lang="ko-KR" altLang="en-US" sz="1600" dirty="0">
+                        <a:latin typeface="삼성긴고딕OTF Bold" panose="020B0600000101010101" pitchFamily="34" charset="-127"/>
+                        <a:ea typeface="삼성긴고딕OTF Bold" panose="020B0600000101010101" pitchFamily="34" charset="-127"/>
+                      </a:endParaRPr>
+                    </a:p>
+                  </a:txBody>
+                  <a:tcPr>
+                    <a:lnL w="9525" cap="flat" cmpd="sng" algn="ctr">
+                      <a:solidFill>
+                        <a:schemeClr val="tx1"/>
+                      </a:solidFill>
+                      <a:prstDash val="solid"/>
+                      <a:round/>
+                      <a:headEnd type="none" w="med" len="med"/>
+                      <a:tailEnd type="none" w="med" len="med"/>
+                    </a:lnL>
+                    <a:lnR w="9525" cap="flat" cmpd="sng" algn="ctr">
+                      <a:solidFill>
+                        <a:schemeClr val="tx1"/>
+                      </a:solidFill>
+                      <a:prstDash val="solid"/>
+                      <a:round/>
+                      <a:headEnd type="none" w="med" len="med"/>
+                      <a:tailEnd type="none" w="med" len="med"/>
+                    </a:lnR>
+                    <a:lnT w="9525" cap="flat" cmpd="sng" algn="ctr">
+                      <a:solidFill>
+                        <a:schemeClr val="tx1"/>
+                      </a:solidFill>
+                      <a:prstDash val="solid"/>
+                      <a:round/>
+                      <a:headEnd type="none" w="med" len="med"/>
+                      <a:tailEnd type="none" w="med" len="med"/>
+                    </a:lnT>
+                    <a:lnB w="9525" cap="flat" cmpd="sng" algn="ctr">
+                      <a:solidFill>
+                        <a:schemeClr val="tx1"/>
+                      </a:solidFill>
+                      <a:prstDash val="solid"/>
+                      <a:round/>
+                      <a:headEnd type="none" w="med" len="med"/>
+                      <a:tailEnd type="none" w="med" len="med"/>
+                    </a:lnB>
+                    <a:solidFill>
+                      <a:srgbClr val="EAEFF7"/>
+                    </a:solidFill>
+                  </a:tcPr>
+                </a:tc>
+                <a:extLst>
+                  <a:ext uri="{0D108BD9-81ED-4DB2-BD59-A6C34878D82A}">
+                    <a16:rowId xmlns:a16="http://schemas.microsoft.com/office/drawing/2014/main" val="4035602949"/>
+                  </a:ext>
+                </a:extLst>
+              </a:tr>
+              <a:tr h="324000">
+                <a:tc>
+                  <a:txBody>
+                    <a:bodyPr/>
+                    <a:lstStyle/>
+                    <a:p>
+                      <a:pPr algn="ctr" latinLnBrk="1"/>
+                      <a:r>
+                        <a:rPr lang="en-US" altLang="ko-KR" sz="1600" dirty="0" smtClean="0">
+                          <a:latin typeface="삼성긴고딕OTF Bold" panose="020B0600000101010101" pitchFamily="34" charset="-127"/>
+                          <a:ea typeface="삼성긴고딕OTF Bold" panose="020B0600000101010101" pitchFamily="34" charset="-127"/>
+                        </a:rPr>
+                        <a:t>2</a:t>
+                      </a:r>
+                      <a:r>
+                        <a:rPr lang="ko-KR" altLang="en-US" sz="1600" dirty="0" smtClean="0">
+                          <a:latin typeface="삼성긴고딕OTF Bold" panose="020B0600000101010101" pitchFamily="34" charset="-127"/>
+                          <a:ea typeface="삼성긴고딕OTF Bold" panose="020B0600000101010101" pitchFamily="34" charset="-127"/>
+                        </a:rPr>
+                        <a:t>교시</a:t>
+                      </a:r>
+                      <a:endParaRPr lang="ko-KR" altLang="en-US" sz="1600" dirty="0">
+                        <a:latin typeface="삼성긴고딕OTF Bold" panose="020B0600000101010101" pitchFamily="34" charset="-127"/>
+                        <a:ea typeface="삼성긴고딕OTF Bold" panose="020B0600000101010101" pitchFamily="34" charset="-127"/>
+                      </a:endParaRPr>
+                    </a:p>
+                  </a:txBody>
+                  <a:tcPr>
+                    <a:lnL w="9525" cap="flat" cmpd="sng" algn="ctr">
+                      <a:solidFill>
+                        <a:schemeClr val="tx1"/>
+                      </a:solidFill>
+                      <a:prstDash val="solid"/>
+                      <a:round/>
+                      <a:headEnd type="none" w="med" len="med"/>
+                      <a:tailEnd type="none" w="med" len="med"/>
+                    </a:lnL>
+                    <a:lnR w="9525" cap="flat" cmpd="sng" algn="ctr">
+                      <a:solidFill>
+                        <a:schemeClr val="tx1"/>
+                      </a:solidFill>
+                      <a:prstDash val="solid"/>
+                      <a:round/>
+                      <a:headEnd type="none" w="med" len="med"/>
+                      <a:tailEnd type="none" w="med" len="med"/>
+                    </a:lnR>
+                    <a:lnT w="9525" cap="flat" cmpd="sng" algn="ctr">
+                      <a:solidFill>
+                        <a:schemeClr val="tx1"/>
+                      </a:solidFill>
+                      <a:prstDash val="solid"/>
+                      <a:round/>
+                      <a:headEnd type="none" w="med" len="med"/>
+                      <a:tailEnd type="none" w="med" len="med"/>
+                    </a:lnT>
+                    <a:lnB w="9525" cap="flat" cmpd="sng" algn="ctr">
+                      <a:solidFill>
+                        <a:schemeClr val="tx1"/>
+                      </a:solidFill>
+                      <a:prstDash val="solid"/>
+                      <a:round/>
+                      <a:headEnd type="none" w="med" len="med"/>
+                      <a:tailEnd type="none" w="med" len="med"/>
+                    </a:lnB>
+                  </a:tcPr>
+                </a:tc>
+                <a:tc>
+                  <a:txBody>
+                    <a:bodyPr/>
+                    <a:lstStyle/>
+                    <a:p>
+                      <a:pPr algn="ctr" latinLnBrk="1"/>
+                      <a:r>
+                        <a:rPr lang="ko-KR" altLang="en-US" sz="1600" dirty="0" smtClean="0">
+                          <a:latin typeface="삼성긴고딕OTF Bold" panose="020B0600000101010101" pitchFamily="34" charset="-127"/>
+                          <a:ea typeface="삼성긴고딕OTF Bold" panose="020B0600000101010101" pitchFamily="34" charset="-127"/>
+                        </a:rPr>
+                        <a:t>박시원</a:t>
+                      </a:r>
+                      <a:endParaRPr lang="ko-KR" altLang="en-US" sz="1600" dirty="0">
+                        <a:latin typeface="삼성긴고딕OTF Bold" panose="020B0600000101010101" pitchFamily="34" charset="-127"/>
+                        <a:ea typeface="삼성긴고딕OTF Bold" panose="020B0600000101010101" pitchFamily="34" charset="-127"/>
+                      </a:endParaRPr>
+                    </a:p>
+                  </a:txBody>
+                  <a:tcPr>
+                    <a:lnL w="9525" cap="flat" cmpd="sng" algn="ctr">
+                      <a:solidFill>
+                        <a:schemeClr val="tx1"/>
+                      </a:solidFill>
+                      <a:prstDash val="solid"/>
+                      <a:round/>
+                      <a:headEnd type="none" w="med" len="med"/>
+                      <a:tailEnd type="none" w="med" len="med"/>
+                    </a:lnL>
+                    <a:lnR w="9525" cap="flat" cmpd="sng" algn="ctr">
+                      <a:solidFill>
+                        <a:schemeClr val="tx1"/>
+                      </a:solidFill>
+                      <a:prstDash val="solid"/>
+                      <a:round/>
+                      <a:headEnd type="none" w="med" len="med"/>
+                      <a:tailEnd type="none" w="med" len="med"/>
+                    </a:lnR>
+                    <a:lnT w="9525" cap="flat" cmpd="sng" algn="ctr">
+                      <a:solidFill>
+                        <a:schemeClr val="tx1"/>
+                      </a:solidFill>
+                      <a:prstDash val="solid"/>
+                      <a:round/>
+                      <a:headEnd type="none" w="med" len="med"/>
+                      <a:tailEnd type="none" w="med" len="med"/>
+                    </a:lnT>
+                    <a:lnB w="9525" cap="flat" cmpd="sng" algn="ctr">
+                      <a:solidFill>
+                        <a:schemeClr val="tx1"/>
+                      </a:solidFill>
+                      <a:prstDash val="solid"/>
+                      <a:round/>
+                      <a:headEnd type="none" w="med" len="med"/>
+                      <a:tailEnd type="none" w="med" len="med"/>
+                    </a:lnB>
+                  </a:tcPr>
+                </a:tc>
+                <a:tc>
+                  <a:txBody>
+                    <a:bodyPr/>
+                    <a:lstStyle/>
+                    <a:p>
+                      <a:pPr algn="ctr" latinLnBrk="1"/>
+                      <a:r>
+                        <a:rPr lang="ko-KR" altLang="en-US" sz="1600" dirty="0" smtClean="0">
+                          <a:latin typeface="삼성긴고딕OTF Bold" panose="020B0600000101010101" pitchFamily="34" charset="-127"/>
+                          <a:ea typeface="삼성긴고딕OTF Bold" panose="020B0600000101010101" pitchFamily="34" charset="-127"/>
+                        </a:rPr>
+                        <a:t>운영체제</a:t>
+                      </a:r>
+                      <a:endParaRPr lang="ko-KR" altLang="en-US" sz="1600" dirty="0">
+                        <a:latin typeface="삼성긴고딕OTF Bold" panose="020B0600000101010101" pitchFamily="34" charset="-127"/>
+                        <a:ea typeface="삼성긴고딕OTF Bold" panose="020B0600000101010101" pitchFamily="34" charset="-127"/>
+                      </a:endParaRPr>
+                    </a:p>
+                  </a:txBody>
+                  <a:tcPr>
+                    <a:lnL w="9525" cap="flat" cmpd="sng" algn="ctr">
+                      <a:solidFill>
+                        <a:schemeClr val="tx1"/>
+                      </a:solidFill>
+                      <a:prstDash val="solid"/>
+                      <a:round/>
+                      <a:headEnd type="none" w="med" len="med"/>
+                      <a:tailEnd type="none" w="med" len="med"/>
+                    </a:lnL>
+                    <a:lnR w="9525" cap="flat" cmpd="sng" algn="ctr">
+                      <a:solidFill>
+                        <a:schemeClr val="tx1"/>
+                      </a:solidFill>
+                      <a:prstDash val="solid"/>
+                      <a:round/>
+                      <a:headEnd type="none" w="med" len="med"/>
+                      <a:tailEnd type="none" w="med" len="med"/>
+                    </a:lnR>
+                    <a:lnT w="9525" cap="flat" cmpd="sng" algn="ctr">
+                      <a:solidFill>
+                        <a:schemeClr val="tx1"/>
+                      </a:solidFill>
+                      <a:prstDash val="solid"/>
+                      <a:round/>
+                      <a:headEnd type="none" w="med" len="med"/>
+                      <a:tailEnd type="none" w="med" len="med"/>
+                    </a:lnT>
+                    <a:lnB w="9525" cap="flat" cmpd="sng" algn="ctr">
+                      <a:solidFill>
+                        <a:schemeClr val="tx1"/>
+                      </a:solidFill>
+                      <a:prstDash val="solid"/>
+                      <a:round/>
+                      <a:headEnd type="none" w="med" len="med"/>
+                      <a:tailEnd type="none" w="med" len="med"/>
+                    </a:lnB>
+                  </a:tcPr>
+                </a:tc>
+                <a:tc>
+                  <a:txBody>
+                    <a:bodyPr/>
+                    <a:lstStyle/>
+                    <a:p>
+                      <a:pPr algn="ctr" latinLnBrk="1"/>
+                      <a:r>
+                        <a:rPr lang="en-US" altLang="ko-KR" sz="1600" dirty="0" smtClean="0">
+                          <a:latin typeface="삼성긴고딕OTF Bold" panose="020B0600000101010101" pitchFamily="34" charset="-127"/>
+                          <a:ea typeface="삼성긴고딕OTF Bold" panose="020B0600000101010101" pitchFamily="34" charset="-127"/>
+                        </a:rPr>
+                        <a:t>OS-001</a:t>
+                      </a:r>
+                      <a:endParaRPr lang="ko-KR" altLang="en-US" sz="1600" dirty="0">
+                        <a:latin typeface="삼성긴고딕OTF Bold" panose="020B0600000101010101" pitchFamily="34" charset="-127"/>
+                        <a:ea typeface="삼성긴고딕OTF Bold" panose="020B0600000101010101" pitchFamily="34" charset="-127"/>
+                      </a:endParaRPr>
+                    </a:p>
+                  </a:txBody>
+                  <a:tcPr>
+                    <a:lnL w="9525" cap="flat" cmpd="sng" algn="ctr">
+                      <a:solidFill>
+                        <a:schemeClr val="tx1"/>
+                      </a:solidFill>
+                      <a:prstDash val="solid"/>
+                      <a:round/>
+                      <a:headEnd type="none" w="med" len="med"/>
+                      <a:tailEnd type="none" w="med" len="med"/>
+                    </a:lnL>
+                    <a:lnR w="9525" cap="flat" cmpd="sng" algn="ctr">
+                      <a:solidFill>
+                        <a:schemeClr val="tx1"/>
+                      </a:solidFill>
+                      <a:prstDash val="solid"/>
+                      <a:round/>
+                      <a:headEnd type="none" w="med" len="med"/>
+                      <a:tailEnd type="none" w="med" len="med"/>
+                    </a:lnR>
+                    <a:lnT w="9525" cap="flat" cmpd="sng" algn="ctr">
+                      <a:solidFill>
+                        <a:schemeClr val="tx1"/>
+                      </a:solidFill>
+                      <a:prstDash val="solid"/>
+                      <a:round/>
+                      <a:headEnd type="none" w="med" len="med"/>
+                      <a:tailEnd type="none" w="med" len="med"/>
+                    </a:lnT>
+                    <a:lnB w="9525" cap="flat" cmpd="sng" algn="ctr">
+                      <a:solidFill>
+                        <a:schemeClr val="tx1"/>
+                      </a:solidFill>
+                      <a:prstDash val="solid"/>
+                      <a:round/>
+                      <a:headEnd type="none" w="med" len="med"/>
+                      <a:tailEnd type="none" w="med" len="med"/>
+                    </a:lnB>
+                  </a:tcPr>
+                </a:tc>
+                <a:tc>
+                  <a:txBody>
+                    <a:bodyPr/>
+                    <a:lstStyle/>
+                    <a:p>
+                      <a:pPr algn="ctr" latinLnBrk="1"/>
+                      <a:r>
+                        <a:rPr lang="en-US" altLang="ko-KR" sz="1600" dirty="0" smtClean="0">
+                          <a:latin typeface="삼성긴고딕OTF Bold" panose="020B0600000101010101" pitchFamily="34" charset="-127"/>
+                          <a:ea typeface="삼성긴고딕OTF Bold" panose="020B0600000101010101" pitchFamily="34" charset="-127"/>
+                        </a:rPr>
+                        <a:t>100,000</a:t>
+                      </a:r>
+                      <a:r>
+                        <a:rPr lang="ko-KR" altLang="en-US" sz="1600" dirty="0" smtClean="0">
+                          <a:latin typeface="삼성긴고딕OTF Bold" panose="020B0600000101010101" pitchFamily="34" charset="-127"/>
+                          <a:ea typeface="삼성긴고딕OTF Bold" panose="020B0600000101010101" pitchFamily="34" charset="-127"/>
+                        </a:rPr>
+                        <a:t>원</a:t>
+                      </a:r>
+                      <a:endParaRPr lang="ko-KR" altLang="en-US" sz="1600" dirty="0">
+                        <a:latin typeface="삼성긴고딕OTF Bold" panose="020B0600000101010101" pitchFamily="34" charset="-127"/>
+                        <a:ea typeface="삼성긴고딕OTF Bold" panose="020B0600000101010101" pitchFamily="34" charset="-127"/>
+                      </a:endParaRPr>
+                    </a:p>
+                  </a:txBody>
+                  <a:tcPr>
+                    <a:lnL w="9525" cap="flat" cmpd="sng" algn="ctr">
+                      <a:solidFill>
+                        <a:schemeClr val="tx1"/>
+                      </a:solidFill>
+                      <a:prstDash val="solid"/>
+                      <a:round/>
+                      <a:headEnd type="none" w="med" len="med"/>
+                      <a:tailEnd type="none" w="med" len="med"/>
+                    </a:lnL>
+                    <a:lnR w="9525" cap="flat" cmpd="sng" algn="ctr">
+                      <a:solidFill>
+                        <a:schemeClr val="tx1"/>
+                      </a:solidFill>
+                      <a:prstDash val="solid"/>
+                      <a:round/>
+                      <a:headEnd type="none" w="med" len="med"/>
+                      <a:tailEnd type="none" w="med" len="med"/>
+                    </a:lnR>
+                    <a:lnT w="9525" cap="flat" cmpd="sng" algn="ctr">
+                      <a:solidFill>
+                        <a:schemeClr val="tx1"/>
+                      </a:solidFill>
+                      <a:prstDash val="solid"/>
+                      <a:round/>
+                      <a:headEnd type="none" w="med" len="med"/>
+                      <a:tailEnd type="none" w="med" len="med"/>
+                    </a:lnT>
+                    <a:lnB w="9525" cap="flat" cmpd="sng" algn="ctr">
+                      <a:solidFill>
+                        <a:schemeClr val="tx1"/>
+                      </a:solidFill>
+                      <a:prstDash val="solid"/>
+                      <a:round/>
+                      <a:headEnd type="none" w="med" len="med"/>
+                      <a:tailEnd type="none" w="med" len="med"/>
+                    </a:lnB>
+                  </a:tcPr>
+                </a:tc>
+                <a:extLst>
+                  <a:ext uri="{0D108BD9-81ED-4DB2-BD59-A6C34878D82A}">
+                    <a16:rowId xmlns:a16="http://schemas.microsoft.com/office/drawing/2014/main" val="1316063722"/>
+                  </a:ext>
+                </a:extLst>
+              </a:tr>
+              <a:tr h="324000">
+                <a:tc>
+                  <a:txBody>
+                    <a:bodyPr/>
+                    <a:lstStyle/>
+                    <a:p>
+                      <a:pPr algn="ctr" latinLnBrk="1"/>
+                      <a:r>
+                        <a:rPr lang="en-US" altLang="ko-KR" sz="1600" dirty="0" smtClean="0">
+                          <a:latin typeface="삼성긴고딕OTF Bold" panose="020B0600000101010101" pitchFamily="34" charset="-127"/>
+                          <a:ea typeface="삼성긴고딕OTF Bold" panose="020B0600000101010101" pitchFamily="34" charset="-127"/>
+                        </a:rPr>
+                        <a:t>3</a:t>
+                      </a:r>
+                      <a:r>
+                        <a:rPr lang="ko-KR" altLang="en-US" sz="1600" dirty="0" smtClean="0">
+                          <a:latin typeface="삼성긴고딕OTF Bold" panose="020B0600000101010101" pitchFamily="34" charset="-127"/>
+                          <a:ea typeface="삼성긴고딕OTF Bold" panose="020B0600000101010101" pitchFamily="34" charset="-127"/>
+                        </a:rPr>
+                        <a:t>교시</a:t>
+                      </a:r>
+                      <a:endParaRPr lang="ko-KR" altLang="en-US" sz="1600" dirty="0">
+                        <a:latin typeface="삼성긴고딕OTF Bold" panose="020B0600000101010101" pitchFamily="34" charset="-127"/>
+                        <a:ea typeface="삼성긴고딕OTF Bold" panose="020B0600000101010101" pitchFamily="34" charset="-127"/>
+                      </a:endParaRPr>
+                    </a:p>
+                  </a:txBody>
+                  <a:tcPr>
+                    <a:lnL w="9525" cap="flat" cmpd="sng" algn="ctr">
+                      <a:solidFill>
+                        <a:schemeClr val="tx1"/>
+                      </a:solidFill>
+                      <a:prstDash val="solid"/>
+                      <a:round/>
+                      <a:headEnd type="none" w="med" len="med"/>
+                      <a:tailEnd type="none" w="med" len="med"/>
+                    </a:lnL>
+                    <a:lnR w="9525" cap="flat" cmpd="sng" algn="ctr">
+                      <a:solidFill>
+                        <a:schemeClr val="tx1"/>
+                      </a:solidFill>
+                      <a:prstDash val="solid"/>
+                      <a:round/>
+                      <a:headEnd type="none" w="med" len="med"/>
+                      <a:tailEnd type="none" w="med" len="med"/>
+                    </a:lnR>
+                    <a:lnT w="9525" cap="flat" cmpd="sng" algn="ctr">
+                      <a:solidFill>
+                        <a:schemeClr val="tx1"/>
+                      </a:solidFill>
+                      <a:prstDash val="solid"/>
+                      <a:round/>
+                      <a:headEnd type="none" w="med" len="med"/>
+                      <a:tailEnd type="none" w="med" len="med"/>
+                    </a:lnT>
+                    <a:lnB w="9525" cap="flat" cmpd="sng" algn="ctr">
+                      <a:solidFill>
+                        <a:schemeClr val="tx1"/>
+                      </a:solidFill>
+                      <a:prstDash val="solid"/>
+                      <a:round/>
+                      <a:headEnd type="none" w="med" len="med"/>
+                      <a:tailEnd type="none" w="med" len="med"/>
+                    </a:lnB>
+                    <a:solidFill>
+                      <a:srgbClr val="EAEFF7"/>
+                    </a:solidFill>
+                  </a:tcPr>
+                </a:tc>
+                <a:tc>
+                  <a:txBody>
+                    <a:bodyPr/>
+                    <a:lstStyle/>
+                    <a:p>
+                      <a:pPr algn="ctr" latinLnBrk="1"/>
+                      <a:r>
+                        <a:rPr lang="ko-KR" altLang="en-US" sz="1600" dirty="0" smtClean="0">
+                          <a:latin typeface="삼성긴고딕OTF Bold" panose="020B0600000101010101" pitchFamily="34" charset="-127"/>
+                          <a:ea typeface="삼성긴고딕OTF Bold" panose="020B0600000101010101" pitchFamily="34" charset="-127"/>
+                        </a:rPr>
+                        <a:t>한윤석</a:t>
+                      </a:r>
+                      <a:endParaRPr lang="ko-KR" altLang="en-US" sz="1600" dirty="0">
+                        <a:latin typeface="삼성긴고딕OTF Bold" panose="020B0600000101010101" pitchFamily="34" charset="-127"/>
+                        <a:ea typeface="삼성긴고딕OTF Bold" panose="020B0600000101010101" pitchFamily="34" charset="-127"/>
+                      </a:endParaRPr>
+                    </a:p>
+                  </a:txBody>
+                  <a:tcPr>
+                    <a:lnL w="9525" cap="flat" cmpd="sng" algn="ctr">
+                      <a:solidFill>
+                        <a:schemeClr val="tx1"/>
+                      </a:solidFill>
+                      <a:prstDash val="solid"/>
+                      <a:round/>
+                      <a:headEnd type="none" w="med" len="med"/>
+                      <a:tailEnd type="none" w="med" len="med"/>
+                    </a:lnL>
+                    <a:lnR w="9525" cap="flat" cmpd="sng" algn="ctr">
+                      <a:solidFill>
+                        <a:schemeClr val="tx1"/>
+                      </a:solidFill>
+                      <a:prstDash val="solid"/>
+                      <a:round/>
+                      <a:headEnd type="none" w="med" len="med"/>
+                      <a:tailEnd type="none" w="med" len="med"/>
+                    </a:lnR>
+                    <a:lnT w="9525" cap="flat" cmpd="sng" algn="ctr">
+                      <a:solidFill>
+                        <a:schemeClr val="tx1"/>
+                      </a:solidFill>
+                      <a:prstDash val="solid"/>
+                      <a:round/>
+                      <a:headEnd type="none" w="med" len="med"/>
+                      <a:tailEnd type="none" w="med" len="med"/>
+                    </a:lnT>
+                    <a:lnB w="9525" cap="flat" cmpd="sng" algn="ctr">
+                      <a:solidFill>
+                        <a:schemeClr val="tx1"/>
+                      </a:solidFill>
+                      <a:prstDash val="solid"/>
+                      <a:round/>
+                      <a:headEnd type="none" w="med" len="med"/>
+                      <a:tailEnd type="none" w="med" len="med"/>
+                    </a:lnB>
+                    <a:solidFill>
+                      <a:srgbClr val="EAEFF7"/>
+                    </a:solidFill>
+                  </a:tcPr>
+                </a:tc>
+                <a:tc>
+                  <a:txBody>
+                    <a:bodyPr/>
+                    <a:lstStyle/>
+                    <a:p>
+                      <a:pPr algn="ctr" latinLnBrk="1"/>
+                      <a:r>
+                        <a:rPr lang="en-US" altLang="ko-KR" sz="1600" dirty="0" smtClean="0">
+                          <a:latin typeface="삼성긴고딕OTF Bold" panose="020B0600000101010101" pitchFamily="34" charset="-127"/>
+                          <a:ea typeface="삼성긴고딕OTF Bold" panose="020B0600000101010101" pitchFamily="34" charset="-127"/>
+                        </a:rPr>
+                        <a:t>JavaScript</a:t>
+                      </a:r>
+                      <a:endParaRPr lang="ko-KR" altLang="en-US" sz="1600" dirty="0">
+                        <a:latin typeface="삼성긴고딕OTF Bold" panose="020B0600000101010101" pitchFamily="34" charset="-127"/>
+                        <a:ea typeface="삼성긴고딕OTF Bold" panose="020B0600000101010101" pitchFamily="34" charset="-127"/>
+                      </a:endParaRPr>
+                    </a:p>
+                  </a:txBody>
+                  <a:tcPr>
+                    <a:lnL w="9525" cap="flat" cmpd="sng" algn="ctr">
+                      <a:solidFill>
+                        <a:schemeClr val="tx1"/>
+                      </a:solidFill>
+                      <a:prstDash val="solid"/>
+                      <a:round/>
+                      <a:headEnd type="none" w="med" len="med"/>
+                      <a:tailEnd type="none" w="med" len="med"/>
+                    </a:lnL>
+                    <a:lnR w="9525" cap="flat" cmpd="sng" algn="ctr">
+                      <a:solidFill>
+                        <a:schemeClr val="tx1"/>
+                      </a:solidFill>
+                      <a:prstDash val="solid"/>
+                      <a:round/>
+                      <a:headEnd type="none" w="med" len="med"/>
+                      <a:tailEnd type="none" w="med" len="med"/>
+                    </a:lnR>
+                    <a:lnT w="9525" cap="flat" cmpd="sng" algn="ctr">
+                      <a:solidFill>
+                        <a:schemeClr val="tx1"/>
+                      </a:solidFill>
+                      <a:prstDash val="solid"/>
+                      <a:round/>
+                      <a:headEnd type="none" w="med" len="med"/>
+                      <a:tailEnd type="none" w="med" len="med"/>
+                    </a:lnT>
+                    <a:lnB w="9525" cap="flat" cmpd="sng" algn="ctr">
+                      <a:solidFill>
+                        <a:schemeClr val="tx1"/>
+                      </a:solidFill>
+                      <a:prstDash val="solid"/>
+                      <a:round/>
+                      <a:headEnd type="none" w="med" len="med"/>
+                      <a:tailEnd type="none" w="med" len="med"/>
+                    </a:lnB>
+                    <a:solidFill>
+                      <a:srgbClr val="EAEFF7"/>
+                    </a:solidFill>
+                  </a:tcPr>
+                </a:tc>
+                <a:tc>
+                  <a:txBody>
+                    <a:bodyPr/>
+                    <a:lstStyle/>
+                    <a:p>
+                      <a:pPr algn="ctr" latinLnBrk="1"/>
+                      <a:r>
+                        <a:rPr lang="en-US" altLang="ko-KR" sz="1600" dirty="0" smtClean="0">
+                          <a:latin typeface="삼성긴고딕OTF Bold" panose="020B0600000101010101" pitchFamily="34" charset="-127"/>
+                          <a:ea typeface="삼성긴고딕OTF Bold" panose="020B0600000101010101" pitchFamily="34" charset="-127"/>
+                        </a:rPr>
+                        <a:t>PL-001</a:t>
+                      </a:r>
+                      <a:endParaRPr lang="ko-KR" altLang="en-US" sz="1600" dirty="0">
+                        <a:latin typeface="삼성긴고딕OTF Bold" panose="020B0600000101010101" pitchFamily="34" charset="-127"/>
+                        <a:ea typeface="삼성긴고딕OTF Bold" panose="020B0600000101010101" pitchFamily="34" charset="-127"/>
+                      </a:endParaRPr>
+                    </a:p>
+                  </a:txBody>
+                  <a:tcPr>
+                    <a:lnL w="9525" cap="flat" cmpd="sng" algn="ctr">
+                      <a:solidFill>
+                        <a:schemeClr val="tx1"/>
+                      </a:solidFill>
+                      <a:prstDash val="solid"/>
+                      <a:round/>
+                      <a:headEnd type="none" w="med" len="med"/>
+                      <a:tailEnd type="none" w="med" len="med"/>
+                    </a:lnL>
+                    <a:lnR w="9525" cap="flat" cmpd="sng" algn="ctr">
+                      <a:solidFill>
+                        <a:schemeClr val="tx1"/>
+                      </a:solidFill>
+                      <a:prstDash val="solid"/>
+                      <a:round/>
+                      <a:headEnd type="none" w="med" len="med"/>
+                      <a:tailEnd type="none" w="med" len="med"/>
+                    </a:lnR>
+                    <a:lnT w="9525" cap="flat" cmpd="sng" algn="ctr">
+                      <a:solidFill>
+                        <a:schemeClr val="tx1"/>
+                      </a:solidFill>
+                      <a:prstDash val="solid"/>
+                      <a:round/>
+                      <a:headEnd type="none" w="med" len="med"/>
+                      <a:tailEnd type="none" w="med" len="med"/>
+                    </a:lnT>
+                    <a:lnB w="9525" cap="flat" cmpd="sng" algn="ctr">
+                      <a:solidFill>
+                        <a:schemeClr val="tx1"/>
+                      </a:solidFill>
+                      <a:prstDash val="solid"/>
+                      <a:round/>
+                      <a:headEnd type="none" w="med" len="med"/>
+                      <a:tailEnd type="none" w="med" len="med"/>
+                    </a:lnB>
+                    <a:solidFill>
+                      <a:srgbClr val="EAEFF7"/>
+                    </a:solidFill>
+                  </a:tcPr>
+                </a:tc>
+                <a:tc>
+                  <a:txBody>
+                    <a:bodyPr/>
+                    <a:lstStyle/>
+                    <a:p>
+                      <a:pPr algn="ctr" latinLnBrk="1"/>
+                      <a:r>
+                        <a:rPr lang="en-US" altLang="ko-KR" sz="1600" dirty="0" smtClean="0">
+                          <a:latin typeface="삼성긴고딕OTF Bold" panose="020B0600000101010101" pitchFamily="34" charset="-127"/>
+                          <a:ea typeface="삼성긴고딕OTF Bold" panose="020B0600000101010101" pitchFamily="34" charset="-127"/>
+                        </a:rPr>
+                        <a:t>200,000</a:t>
+                      </a:r>
+                      <a:r>
+                        <a:rPr lang="ko-KR" altLang="en-US" sz="1600" dirty="0" smtClean="0">
+                          <a:latin typeface="삼성긴고딕OTF Bold" panose="020B0600000101010101" pitchFamily="34" charset="-127"/>
+                          <a:ea typeface="삼성긴고딕OTF Bold" panose="020B0600000101010101" pitchFamily="34" charset="-127"/>
+                        </a:rPr>
+                        <a:t>원</a:t>
+                      </a:r>
+                      <a:endParaRPr lang="ko-KR" altLang="en-US" sz="1600" dirty="0">
+                        <a:latin typeface="삼성긴고딕OTF Bold" panose="020B0600000101010101" pitchFamily="34" charset="-127"/>
+                        <a:ea typeface="삼성긴고딕OTF Bold" panose="020B0600000101010101" pitchFamily="34" charset="-127"/>
+                      </a:endParaRPr>
+                    </a:p>
+                  </a:txBody>
+                  <a:tcPr>
+                    <a:lnL w="9525" cap="flat" cmpd="sng" algn="ctr">
+                      <a:solidFill>
+                        <a:schemeClr val="tx1"/>
+                      </a:solidFill>
+                      <a:prstDash val="solid"/>
+                      <a:round/>
+                      <a:headEnd type="none" w="med" len="med"/>
+                      <a:tailEnd type="none" w="med" len="med"/>
+                    </a:lnL>
+                    <a:lnR w="9525" cap="flat" cmpd="sng" algn="ctr">
+                      <a:solidFill>
+                        <a:schemeClr val="tx1"/>
+                      </a:solidFill>
+                      <a:prstDash val="solid"/>
+                      <a:round/>
+                      <a:headEnd type="none" w="med" len="med"/>
+                      <a:tailEnd type="none" w="med" len="med"/>
+                    </a:lnR>
+                    <a:lnT w="9525" cap="flat" cmpd="sng" algn="ctr">
+                      <a:solidFill>
+                        <a:schemeClr val="tx1"/>
+                      </a:solidFill>
+                      <a:prstDash val="solid"/>
+                      <a:round/>
+                      <a:headEnd type="none" w="med" len="med"/>
+                      <a:tailEnd type="none" w="med" len="med"/>
+                    </a:lnT>
+                    <a:lnB w="9525" cap="flat" cmpd="sng" algn="ctr">
+                      <a:solidFill>
+                        <a:schemeClr val="tx1"/>
+                      </a:solidFill>
+                      <a:prstDash val="solid"/>
+                      <a:round/>
+                      <a:headEnd type="none" w="med" len="med"/>
+                      <a:tailEnd type="none" w="med" len="med"/>
+                    </a:lnB>
+                    <a:solidFill>
+                      <a:srgbClr val="EAEFF7"/>
+                    </a:solidFill>
+                  </a:tcPr>
+                </a:tc>
+                <a:extLst>
+                  <a:ext uri="{0D108BD9-81ED-4DB2-BD59-A6C34878D82A}">
+                    <a16:rowId xmlns:a16="http://schemas.microsoft.com/office/drawing/2014/main" val="1134691192"/>
+                  </a:ext>
+                </a:extLst>
+              </a:tr>
+              <a:tr h="324000">
+                <a:tc>
+                  <a:txBody>
+                    <a:bodyPr/>
+                    <a:lstStyle/>
+                    <a:p>
+                      <a:pPr algn="ctr" latinLnBrk="1"/>
+                      <a:r>
+                        <a:rPr lang="en-US" altLang="ko-KR" sz="1600" dirty="0" smtClean="0">
+                          <a:latin typeface="삼성긴고딕OTF Bold" panose="020B0600000101010101" pitchFamily="34" charset="-127"/>
+                          <a:ea typeface="삼성긴고딕OTF Bold" panose="020B0600000101010101" pitchFamily="34" charset="-127"/>
+                        </a:rPr>
+                        <a:t>3</a:t>
+                      </a:r>
+                      <a:r>
+                        <a:rPr lang="ko-KR" altLang="en-US" sz="1600" dirty="0" smtClean="0">
+                          <a:latin typeface="삼성긴고딕OTF Bold" panose="020B0600000101010101" pitchFamily="34" charset="-127"/>
+                          <a:ea typeface="삼성긴고딕OTF Bold" panose="020B0600000101010101" pitchFamily="34" charset="-127"/>
+                        </a:rPr>
+                        <a:t>교시</a:t>
+                      </a:r>
+                      <a:endParaRPr lang="ko-KR" altLang="en-US" sz="1600" dirty="0">
+                        <a:latin typeface="삼성긴고딕OTF Bold" panose="020B0600000101010101" pitchFamily="34" charset="-127"/>
+                        <a:ea typeface="삼성긴고딕OTF Bold" panose="020B0600000101010101" pitchFamily="34" charset="-127"/>
+                      </a:endParaRPr>
+                    </a:p>
+                  </a:txBody>
+                  <a:tcPr>
+                    <a:lnL w="9525" cap="flat" cmpd="sng" algn="ctr">
+                      <a:solidFill>
+                        <a:schemeClr val="tx1"/>
+                      </a:solidFill>
+                      <a:prstDash val="solid"/>
+                      <a:round/>
+                      <a:headEnd type="none" w="med" len="med"/>
+                      <a:tailEnd type="none" w="med" len="med"/>
+                    </a:lnL>
+                    <a:lnR w="9525" cap="flat" cmpd="sng" algn="ctr">
+                      <a:solidFill>
+                        <a:schemeClr val="tx1"/>
+                      </a:solidFill>
+                      <a:prstDash val="solid"/>
+                      <a:round/>
+                      <a:headEnd type="none" w="med" len="med"/>
+                      <a:tailEnd type="none" w="med" len="med"/>
+                    </a:lnR>
+                    <a:lnT w="9525" cap="flat" cmpd="sng" algn="ctr">
+                      <a:solidFill>
+                        <a:schemeClr val="tx1"/>
+                      </a:solidFill>
+                      <a:prstDash val="solid"/>
+                      <a:round/>
+                      <a:headEnd type="none" w="med" len="med"/>
+                      <a:tailEnd type="none" w="med" len="med"/>
+                    </a:lnT>
+                    <a:lnB w="9525" cap="flat" cmpd="sng" algn="ctr">
+                      <a:solidFill>
+                        <a:schemeClr val="tx1"/>
+                      </a:solidFill>
+                      <a:prstDash val="solid"/>
+                      <a:round/>
+                      <a:headEnd type="none" w="med" len="med"/>
+                      <a:tailEnd type="none" w="med" len="med"/>
+                    </a:lnB>
+                    <a:solidFill>
+                      <a:srgbClr val="EAEFF7"/>
+                    </a:solidFill>
+                  </a:tcPr>
+                </a:tc>
+                <a:tc>
+                  <a:txBody>
+                    <a:bodyPr/>
+                    <a:lstStyle/>
+                    <a:p>
+                      <a:pPr algn="ctr" latinLnBrk="1"/>
+                      <a:r>
+                        <a:rPr lang="ko-KR" altLang="en-US" sz="1600" dirty="0" smtClean="0">
+                          <a:latin typeface="삼성긴고딕OTF Bold" panose="020B0600000101010101" pitchFamily="34" charset="-127"/>
+                          <a:ea typeface="삼성긴고딕OTF Bold" panose="020B0600000101010101" pitchFamily="34" charset="-127"/>
+                        </a:rPr>
+                        <a:t>박시원</a:t>
+                      </a:r>
+                      <a:endParaRPr lang="ko-KR" altLang="en-US" sz="1600" dirty="0">
+                        <a:latin typeface="삼성긴고딕OTF Bold" panose="020B0600000101010101" pitchFamily="34" charset="-127"/>
+                        <a:ea typeface="삼성긴고딕OTF Bold" panose="020B0600000101010101" pitchFamily="34" charset="-127"/>
+                      </a:endParaRPr>
+                    </a:p>
+                  </a:txBody>
+                  <a:tcPr>
+                    <a:lnL w="9525" cap="flat" cmpd="sng" algn="ctr">
+                      <a:solidFill>
+                        <a:schemeClr val="tx1"/>
+                      </a:solidFill>
+                      <a:prstDash val="solid"/>
+                      <a:round/>
+                      <a:headEnd type="none" w="med" len="med"/>
+                      <a:tailEnd type="none" w="med" len="med"/>
+                    </a:lnL>
+                    <a:lnR w="9525" cap="flat" cmpd="sng" algn="ctr">
+                      <a:solidFill>
+                        <a:schemeClr val="tx1"/>
+                      </a:solidFill>
+                      <a:prstDash val="solid"/>
+                      <a:round/>
+                      <a:headEnd type="none" w="med" len="med"/>
+                      <a:tailEnd type="none" w="med" len="med"/>
+                    </a:lnR>
+                    <a:lnT w="9525" cap="flat" cmpd="sng" algn="ctr">
+                      <a:solidFill>
+                        <a:schemeClr val="tx1"/>
+                      </a:solidFill>
+                      <a:prstDash val="solid"/>
+                      <a:round/>
+                      <a:headEnd type="none" w="med" len="med"/>
+                      <a:tailEnd type="none" w="med" len="med"/>
+                    </a:lnT>
+                    <a:lnB w="9525" cap="flat" cmpd="sng" algn="ctr">
+                      <a:solidFill>
+                        <a:schemeClr val="tx1"/>
+                      </a:solidFill>
+                      <a:prstDash val="solid"/>
+                      <a:round/>
+                      <a:headEnd type="none" w="med" len="med"/>
+                      <a:tailEnd type="none" w="med" len="med"/>
+                    </a:lnB>
+                    <a:solidFill>
+                      <a:srgbClr val="EAEFF7"/>
+                    </a:solidFill>
+                  </a:tcPr>
+                </a:tc>
+                <a:tc>
+                  <a:txBody>
+                    <a:bodyPr/>
+                    <a:lstStyle/>
+                    <a:p>
+                      <a:pPr algn="ctr" latinLnBrk="1"/>
+                      <a:r>
+                        <a:rPr lang="ko-KR" altLang="en-US" sz="1600" dirty="0" smtClean="0">
+                          <a:latin typeface="삼성긴고딕OTF Bold" panose="020B0600000101010101" pitchFamily="34" charset="-127"/>
+                          <a:ea typeface="삼성긴고딕OTF Bold" panose="020B0600000101010101" pitchFamily="34" charset="-127"/>
+                        </a:rPr>
+                        <a:t>알고리즘</a:t>
+                      </a:r>
+                      <a:endParaRPr lang="ko-KR" altLang="en-US" sz="1600" dirty="0">
+                        <a:latin typeface="삼성긴고딕OTF Bold" panose="020B0600000101010101" pitchFamily="34" charset="-127"/>
+                        <a:ea typeface="삼성긴고딕OTF Bold" panose="020B0600000101010101" pitchFamily="34" charset="-127"/>
+                      </a:endParaRPr>
+                    </a:p>
+                  </a:txBody>
+                  <a:tcPr>
+                    <a:lnL w="9525" cap="flat" cmpd="sng" algn="ctr">
+                      <a:solidFill>
+                        <a:schemeClr val="tx1"/>
+                      </a:solidFill>
+                      <a:prstDash val="solid"/>
+                      <a:round/>
+                      <a:headEnd type="none" w="med" len="med"/>
+                      <a:tailEnd type="none" w="med" len="med"/>
+                    </a:lnL>
+                    <a:lnR w="9525" cap="flat" cmpd="sng" algn="ctr">
+                      <a:solidFill>
+                        <a:schemeClr val="tx1"/>
+                      </a:solidFill>
+                      <a:prstDash val="solid"/>
+                      <a:round/>
+                      <a:headEnd type="none" w="med" len="med"/>
+                      <a:tailEnd type="none" w="med" len="med"/>
+                    </a:lnR>
+                    <a:lnT w="9525" cap="flat" cmpd="sng" algn="ctr">
+                      <a:solidFill>
+                        <a:schemeClr val="tx1"/>
+                      </a:solidFill>
+                      <a:prstDash val="solid"/>
+                      <a:round/>
+                      <a:headEnd type="none" w="med" len="med"/>
+                      <a:tailEnd type="none" w="med" len="med"/>
+                    </a:lnT>
+                    <a:lnB w="9525" cap="flat" cmpd="sng" algn="ctr">
+                      <a:solidFill>
+                        <a:schemeClr val="tx1"/>
+                      </a:solidFill>
+                      <a:prstDash val="solid"/>
+                      <a:round/>
+                      <a:headEnd type="none" w="med" len="med"/>
+                      <a:tailEnd type="none" w="med" len="med"/>
+                    </a:lnB>
+                    <a:solidFill>
+                      <a:srgbClr val="EAEFF7"/>
+                    </a:solidFill>
+                  </a:tcPr>
+                </a:tc>
+                <a:tc>
+                  <a:txBody>
+                    <a:bodyPr/>
+                    <a:lstStyle/>
+                    <a:p>
+                      <a:pPr algn="ctr" latinLnBrk="1"/>
+                      <a:r>
+                        <a:rPr lang="en-US" altLang="ko-KR" sz="1600" dirty="0" smtClean="0">
+                          <a:latin typeface="삼성긴고딕OTF Bold" panose="020B0600000101010101" pitchFamily="34" charset="-127"/>
+                          <a:ea typeface="삼성긴고딕OTF Bold" panose="020B0600000101010101" pitchFamily="34" charset="-127"/>
+                        </a:rPr>
+                        <a:t>AL-001</a:t>
+                      </a:r>
+                      <a:endParaRPr lang="ko-KR" altLang="en-US" sz="1600" dirty="0">
+                        <a:latin typeface="삼성긴고딕OTF Bold" panose="020B0600000101010101" pitchFamily="34" charset="-127"/>
+                        <a:ea typeface="삼성긴고딕OTF Bold" panose="020B0600000101010101" pitchFamily="34" charset="-127"/>
+                      </a:endParaRPr>
+                    </a:p>
+                  </a:txBody>
+                  <a:tcPr>
+                    <a:lnL w="9525" cap="flat" cmpd="sng" algn="ctr">
+                      <a:solidFill>
+                        <a:schemeClr val="tx1"/>
+                      </a:solidFill>
+                      <a:prstDash val="solid"/>
+                      <a:round/>
+                      <a:headEnd type="none" w="med" len="med"/>
+                      <a:tailEnd type="none" w="med" len="med"/>
+                    </a:lnL>
+                    <a:lnR w="9525" cap="flat" cmpd="sng" algn="ctr">
+                      <a:solidFill>
+                        <a:schemeClr val="tx1"/>
+                      </a:solidFill>
+                      <a:prstDash val="solid"/>
+                      <a:round/>
+                      <a:headEnd type="none" w="med" len="med"/>
+                      <a:tailEnd type="none" w="med" len="med"/>
+                    </a:lnR>
+                    <a:lnT w="9525" cap="flat" cmpd="sng" algn="ctr">
+                      <a:solidFill>
+                        <a:schemeClr val="tx1"/>
+                      </a:solidFill>
+                      <a:prstDash val="solid"/>
+                      <a:round/>
+                      <a:headEnd type="none" w="med" len="med"/>
+                      <a:tailEnd type="none" w="med" len="med"/>
+                    </a:lnT>
+                    <a:lnB w="9525" cap="flat" cmpd="sng" algn="ctr">
+                      <a:solidFill>
+                        <a:schemeClr val="tx1"/>
+                      </a:solidFill>
+                      <a:prstDash val="solid"/>
+                      <a:round/>
+                      <a:headEnd type="none" w="med" len="med"/>
+                      <a:tailEnd type="none" w="med" len="med"/>
+                    </a:lnB>
+                    <a:solidFill>
+                      <a:srgbClr val="EAEFF7"/>
+                    </a:solidFill>
+                  </a:tcPr>
+                </a:tc>
+                <a:tc>
+                  <a:txBody>
+                    <a:bodyPr/>
+                    <a:lstStyle/>
+                    <a:p>
+                      <a:pPr algn="ctr" latinLnBrk="1"/>
+                      <a:r>
+                        <a:rPr lang="en-US" altLang="ko-KR" sz="1600" dirty="0" smtClean="0">
+                          <a:latin typeface="삼성긴고딕OTF Bold" panose="020B0600000101010101" pitchFamily="34" charset="-127"/>
+                          <a:ea typeface="삼성긴고딕OTF Bold" panose="020B0600000101010101" pitchFamily="34" charset="-127"/>
+                        </a:rPr>
+                        <a:t>150,000</a:t>
+                      </a:r>
+                      <a:r>
+                        <a:rPr lang="ko-KR" altLang="en-US" sz="1600" dirty="0" smtClean="0">
+                          <a:latin typeface="삼성긴고딕OTF Bold" panose="020B0600000101010101" pitchFamily="34" charset="-127"/>
+                          <a:ea typeface="삼성긴고딕OTF Bold" panose="020B0600000101010101" pitchFamily="34" charset="-127"/>
+                        </a:rPr>
+                        <a:t>원</a:t>
+                      </a:r>
+                      <a:endParaRPr lang="ko-KR" altLang="en-US" sz="1600" dirty="0">
+                        <a:latin typeface="삼성긴고딕OTF Bold" panose="020B0600000101010101" pitchFamily="34" charset="-127"/>
+                        <a:ea typeface="삼성긴고딕OTF Bold" panose="020B0600000101010101" pitchFamily="34" charset="-127"/>
+                      </a:endParaRPr>
+                    </a:p>
+                  </a:txBody>
+                  <a:tcPr>
+                    <a:lnL w="9525" cap="flat" cmpd="sng" algn="ctr">
+                      <a:solidFill>
+                        <a:schemeClr val="tx1"/>
+                      </a:solidFill>
+                      <a:prstDash val="solid"/>
+                      <a:round/>
+                      <a:headEnd type="none" w="med" len="med"/>
+                      <a:tailEnd type="none" w="med" len="med"/>
+                    </a:lnL>
+                    <a:lnR w="9525" cap="flat" cmpd="sng" algn="ctr">
+                      <a:solidFill>
+                        <a:schemeClr val="tx1"/>
+                      </a:solidFill>
+                      <a:prstDash val="solid"/>
+                      <a:round/>
+                      <a:headEnd type="none" w="med" len="med"/>
+                      <a:tailEnd type="none" w="med" len="med"/>
+                    </a:lnR>
+                    <a:lnT w="9525" cap="flat" cmpd="sng" algn="ctr">
+                      <a:solidFill>
+                        <a:schemeClr val="tx1"/>
+                      </a:solidFill>
+                      <a:prstDash val="solid"/>
+                      <a:round/>
+                      <a:headEnd type="none" w="med" len="med"/>
+                      <a:tailEnd type="none" w="med" len="med"/>
+                    </a:lnT>
+                    <a:lnB w="9525" cap="flat" cmpd="sng" algn="ctr">
+                      <a:solidFill>
+                        <a:schemeClr val="tx1"/>
+                      </a:solidFill>
+                      <a:prstDash val="solid"/>
+                      <a:round/>
+                      <a:headEnd type="none" w="med" len="med"/>
+                      <a:tailEnd type="none" w="med" len="med"/>
+                    </a:lnB>
+                    <a:solidFill>
+                      <a:srgbClr val="EAEFF7"/>
+                    </a:solidFill>
+                  </a:tcPr>
+                </a:tc>
+                <a:extLst>
+                  <a:ext uri="{0D108BD9-81ED-4DB2-BD59-A6C34878D82A}">
+                    <a16:rowId xmlns:a16="http://schemas.microsoft.com/office/drawing/2014/main" val="4078697995"/>
+                  </a:ext>
+                </a:extLst>
+              </a:tr>
+              <a:tr h="324000">
+                <a:tc>
+                  <a:txBody>
+                    <a:bodyPr/>
+                    <a:lstStyle/>
+                    <a:p>
+                      <a:pPr algn="ctr" latinLnBrk="1"/>
+                      <a:r>
+                        <a:rPr lang="en-US" altLang="ko-KR" sz="1600" dirty="0" smtClean="0">
+                          <a:latin typeface="삼성긴고딕OTF Bold" panose="020B0600000101010101" pitchFamily="34" charset="-127"/>
+                          <a:ea typeface="삼성긴고딕OTF Bold" panose="020B0600000101010101" pitchFamily="34" charset="-127"/>
+                        </a:rPr>
+                        <a:t>3</a:t>
+                      </a:r>
+                      <a:r>
+                        <a:rPr lang="ko-KR" altLang="en-US" sz="1600" dirty="0" smtClean="0">
+                          <a:latin typeface="삼성긴고딕OTF Bold" panose="020B0600000101010101" pitchFamily="34" charset="-127"/>
+                          <a:ea typeface="삼성긴고딕OTF Bold" panose="020B0600000101010101" pitchFamily="34" charset="-127"/>
+                        </a:rPr>
+                        <a:t>교시</a:t>
+                      </a:r>
+                      <a:endParaRPr lang="ko-KR" altLang="en-US" sz="1600" dirty="0">
+                        <a:latin typeface="삼성긴고딕OTF Bold" panose="020B0600000101010101" pitchFamily="34" charset="-127"/>
+                        <a:ea typeface="삼성긴고딕OTF Bold" panose="020B0600000101010101" pitchFamily="34" charset="-127"/>
+                      </a:endParaRPr>
+                    </a:p>
+                  </a:txBody>
+                  <a:tcPr>
+                    <a:lnL w="9525" cap="flat" cmpd="sng" algn="ctr">
+                      <a:solidFill>
+                        <a:schemeClr val="tx1"/>
+                      </a:solidFill>
+                      <a:prstDash val="solid"/>
+                      <a:round/>
+                      <a:headEnd type="none" w="med" len="med"/>
+                      <a:tailEnd type="none" w="med" len="med"/>
+                    </a:lnL>
+                    <a:lnR w="9525" cap="flat" cmpd="sng" algn="ctr">
+                      <a:solidFill>
+                        <a:schemeClr val="tx1"/>
+                      </a:solidFill>
+                      <a:prstDash val="solid"/>
+                      <a:round/>
+                      <a:headEnd type="none" w="med" len="med"/>
+                      <a:tailEnd type="none" w="med" len="med"/>
+                    </a:lnR>
+                    <a:lnT w="9525" cap="flat" cmpd="sng" algn="ctr">
+                      <a:solidFill>
+                        <a:schemeClr val="tx1"/>
+                      </a:solidFill>
+                      <a:prstDash val="solid"/>
+                      <a:round/>
+                      <a:headEnd type="none" w="med" len="med"/>
+                      <a:tailEnd type="none" w="med" len="med"/>
+                    </a:lnT>
+                    <a:lnB w="9525" cap="flat" cmpd="sng" algn="ctr">
+                      <a:solidFill>
+                        <a:schemeClr val="tx1"/>
+                      </a:solidFill>
+                      <a:prstDash val="solid"/>
+                      <a:round/>
+                      <a:headEnd type="none" w="med" len="med"/>
+                      <a:tailEnd type="none" w="med" len="med"/>
+                    </a:lnB>
+                    <a:solidFill>
+                      <a:srgbClr val="EAEFF7"/>
+                    </a:solidFill>
+                  </a:tcPr>
+                </a:tc>
+                <a:tc>
+                  <a:txBody>
+                    <a:bodyPr/>
+                    <a:lstStyle/>
+                    <a:p>
+                      <a:pPr algn="ctr" latinLnBrk="1"/>
+                      <a:r>
+                        <a:rPr lang="ko-KR" altLang="en-US" sz="1600" dirty="0" smtClean="0">
+                          <a:latin typeface="삼성긴고딕OTF Bold" panose="020B0600000101010101" pitchFamily="34" charset="-127"/>
+                          <a:ea typeface="삼성긴고딕OTF Bold" panose="020B0600000101010101" pitchFamily="34" charset="-127"/>
+                        </a:rPr>
+                        <a:t>한윤석</a:t>
+                      </a:r>
+                      <a:endParaRPr lang="ko-KR" altLang="en-US" sz="1600" dirty="0">
+                        <a:latin typeface="삼성긴고딕OTF Bold" panose="020B0600000101010101" pitchFamily="34" charset="-127"/>
+                        <a:ea typeface="삼성긴고딕OTF Bold" panose="020B0600000101010101" pitchFamily="34" charset="-127"/>
+                      </a:endParaRPr>
+                    </a:p>
+                  </a:txBody>
+                  <a:tcPr>
+                    <a:lnL w="9525" cap="flat" cmpd="sng" algn="ctr">
+                      <a:solidFill>
+                        <a:schemeClr val="tx1"/>
+                      </a:solidFill>
+                      <a:prstDash val="solid"/>
+                      <a:round/>
+                      <a:headEnd type="none" w="med" len="med"/>
+                      <a:tailEnd type="none" w="med" len="med"/>
+                    </a:lnL>
+                    <a:lnR w="9525" cap="flat" cmpd="sng" algn="ctr">
+                      <a:solidFill>
+                        <a:schemeClr val="tx1"/>
+                      </a:solidFill>
+                      <a:prstDash val="solid"/>
+                      <a:round/>
+                      <a:headEnd type="none" w="med" len="med"/>
+                      <a:tailEnd type="none" w="med" len="med"/>
+                    </a:lnR>
+                    <a:lnT w="9525" cap="flat" cmpd="sng" algn="ctr">
+                      <a:solidFill>
+                        <a:schemeClr val="tx1"/>
+                      </a:solidFill>
+                      <a:prstDash val="solid"/>
+                      <a:round/>
+                      <a:headEnd type="none" w="med" len="med"/>
+                      <a:tailEnd type="none" w="med" len="med"/>
+                    </a:lnT>
+                    <a:lnB w="9525" cap="flat" cmpd="sng" algn="ctr">
+                      <a:solidFill>
+                        <a:schemeClr val="tx1"/>
+                      </a:solidFill>
+                      <a:prstDash val="solid"/>
+                      <a:round/>
+                      <a:headEnd type="none" w="med" len="med"/>
+                      <a:tailEnd type="none" w="med" len="med"/>
+                    </a:lnB>
+                    <a:solidFill>
+                      <a:srgbClr val="EAEFF7"/>
+                    </a:solidFill>
+                  </a:tcPr>
+                </a:tc>
+                <a:tc>
+                  <a:txBody>
+                    <a:bodyPr/>
+                    <a:lstStyle/>
+                    <a:p>
+                      <a:pPr algn="ctr" latinLnBrk="1"/>
+                      <a:r>
+                        <a:rPr lang="ko-KR" altLang="en-US" sz="1600" dirty="0" smtClean="0">
+                          <a:latin typeface="삼성긴고딕OTF Bold" panose="020B0600000101010101" pitchFamily="34" charset="-127"/>
+                          <a:ea typeface="삼성긴고딕OTF Bold" panose="020B0600000101010101" pitchFamily="34" charset="-127"/>
+                        </a:rPr>
+                        <a:t>데이터베이스</a:t>
+                      </a:r>
+                      <a:endParaRPr lang="ko-KR" altLang="en-US" sz="1600" dirty="0">
+                        <a:latin typeface="삼성긴고딕OTF Bold" panose="020B0600000101010101" pitchFamily="34" charset="-127"/>
+                        <a:ea typeface="삼성긴고딕OTF Bold" panose="020B0600000101010101" pitchFamily="34" charset="-127"/>
+                      </a:endParaRPr>
+                    </a:p>
+                  </a:txBody>
+                  <a:tcPr>
+                    <a:lnL w="9525" cap="flat" cmpd="sng" algn="ctr">
+                      <a:solidFill>
+                        <a:schemeClr val="tx1"/>
+                      </a:solidFill>
+                      <a:prstDash val="solid"/>
+                      <a:round/>
+                      <a:headEnd type="none" w="med" len="med"/>
+                      <a:tailEnd type="none" w="med" len="med"/>
+                    </a:lnL>
+                    <a:lnR w="9525" cap="flat" cmpd="sng" algn="ctr">
+                      <a:solidFill>
+                        <a:schemeClr val="tx1"/>
+                      </a:solidFill>
+                      <a:prstDash val="solid"/>
+                      <a:round/>
+                      <a:headEnd type="none" w="med" len="med"/>
+                      <a:tailEnd type="none" w="med" len="med"/>
+                    </a:lnR>
+                    <a:lnT w="9525" cap="flat" cmpd="sng" algn="ctr">
+                      <a:solidFill>
+                        <a:schemeClr val="tx1"/>
+                      </a:solidFill>
+                      <a:prstDash val="solid"/>
+                      <a:round/>
+                      <a:headEnd type="none" w="med" len="med"/>
+                      <a:tailEnd type="none" w="med" len="med"/>
+                    </a:lnT>
+                    <a:lnB w="9525" cap="flat" cmpd="sng" algn="ctr">
+                      <a:solidFill>
+                        <a:schemeClr val="tx1"/>
+                      </a:solidFill>
+                      <a:prstDash val="solid"/>
+                      <a:round/>
+                      <a:headEnd type="none" w="med" len="med"/>
+                      <a:tailEnd type="none" w="med" len="med"/>
+                    </a:lnB>
+                    <a:solidFill>
+                      <a:srgbClr val="EAEFF7"/>
+                    </a:solidFill>
+                  </a:tcPr>
+                </a:tc>
+                <a:tc>
+                  <a:txBody>
+                    <a:bodyPr/>
+                    <a:lstStyle/>
+                    <a:p>
+                      <a:pPr marL="0" marR="0" indent="0" algn="ctr" defTabSz="914400" rtl="0" eaLnBrk="1" fontAlgn="auto" latinLnBrk="1" hangingPunct="1">
+                        <a:lnSpc>
+                          <a:spcPct val="100000"/>
+                        </a:lnSpc>
+                        <a:spcBef>
+                          <a:spcPts val="0"/>
+                        </a:spcBef>
+                        <a:spcAft>
+                          <a:spcPts val="0"/>
+                        </a:spcAft>
+                        <a:buClrTx/>
+                        <a:buSzTx/>
+                        <a:buFontTx/>
+                        <a:buNone/>
+                        <a:tabLst/>
+                        <a:defRPr/>
+                      </a:pPr>
+                      <a:r>
+                        <a:rPr lang="en-US" altLang="ko-KR" sz="1600" dirty="0" smtClean="0">
+                          <a:latin typeface="삼성긴고딕OTF Bold" panose="020B0600000101010101" pitchFamily="34" charset="-127"/>
+                          <a:ea typeface="삼성긴고딕OTF Bold" panose="020B0600000101010101" pitchFamily="34" charset="-127"/>
+                        </a:rPr>
+                        <a:t>DB-001</a:t>
+                      </a:r>
+                      <a:endParaRPr lang="ko-KR" altLang="en-US" sz="1600" dirty="0" smtClean="0">
+                        <a:latin typeface="삼성긴고딕OTF Bold" panose="020B0600000101010101" pitchFamily="34" charset="-127"/>
+                        <a:ea typeface="삼성긴고딕OTF Bold" panose="020B0600000101010101" pitchFamily="34" charset="-127"/>
+                      </a:endParaRPr>
+                    </a:p>
+                  </a:txBody>
+                  <a:tcPr>
+                    <a:lnL w="9525" cap="flat" cmpd="sng" algn="ctr">
+                      <a:solidFill>
+                        <a:schemeClr val="tx1"/>
+                      </a:solidFill>
+                      <a:prstDash val="solid"/>
+                      <a:round/>
+                      <a:headEnd type="none" w="med" len="med"/>
+                      <a:tailEnd type="none" w="med" len="med"/>
+                    </a:lnL>
+                    <a:lnR w="9525" cap="flat" cmpd="sng" algn="ctr">
+                      <a:solidFill>
+                        <a:schemeClr val="tx1"/>
+                      </a:solidFill>
+                      <a:prstDash val="solid"/>
+                      <a:round/>
+                      <a:headEnd type="none" w="med" len="med"/>
+                      <a:tailEnd type="none" w="med" len="med"/>
+                    </a:lnR>
+                    <a:lnT w="9525" cap="flat" cmpd="sng" algn="ctr">
+                      <a:solidFill>
+                        <a:schemeClr val="tx1"/>
+                      </a:solidFill>
+                      <a:prstDash val="solid"/>
+                      <a:round/>
+                      <a:headEnd type="none" w="med" len="med"/>
+                      <a:tailEnd type="none" w="med" len="med"/>
+                    </a:lnT>
+                    <a:lnB w="9525" cap="flat" cmpd="sng" algn="ctr">
+                      <a:solidFill>
+                        <a:schemeClr val="tx1"/>
+                      </a:solidFill>
+                      <a:prstDash val="solid"/>
+                      <a:round/>
+                      <a:headEnd type="none" w="med" len="med"/>
+                      <a:tailEnd type="none" w="med" len="med"/>
+                    </a:lnB>
+                    <a:solidFill>
+                      <a:srgbClr val="EAEFF7"/>
+                    </a:solidFill>
+                  </a:tcPr>
+                </a:tc>
+                <a:tc>
+                  <a:txBody>
+                    <a:bodyPr/>
+                    <a:lstStyle/>
+                    <a:p>
+                      <a:pPr marL="0" marR="0" indent="0" algn="ctr" defTabSz="914400" rtl="0" eaLnBrk="1" fontAlgn="auto" latinLnBrk="1" hangingPunct="1">
+                        <a:lnSpc>
+                          <a:spcPct val="100000"/>
+                        </a:lnSpc>
+                        <a:spcBef>
+                          <a:spcPts val="0"/>
+                        </a:spcBef>
+                        <a:spcAft>
+                          <a:spcPts val="0"/>
+                        </a:spcAft>
+                        <a:buClrTx/>
+                        <a:buSzTx/>
+                        <a:buFontTx/>
+                        <a:buNone/>
+                        <a:tabLst/>
+                        <a:defRPr/>
+                      </a:pPr>
+                      <a:r>
+                        <a:rPr lang="en-US" altLang="ko-KR" sz="1600" dirty="0" smtClean="0">
+                          <a:latin typeface="삼성긴고딕OTF Bold" panose="020B0600000101010101" pitchFamily="34" charset="-127"/>
+                          <a:ea typeface="삼성긴고딕OTF Bold" panose="020B0600000101010101" pitchFamily="34" charset="-127"/>
+                        </a:rPr>
+                        <a:t>100,000</a:t>
+                      </a:r>
+                      <a:r>
+                        <a:rPr lang="ko-KR" altLang="en-US" sz="1600" dirty="0" smtClean="0">
+                          <a:latin typeface="삼성긴고딕OTF Bold" panose="020B0600000101010101" pitchFamily="34" charset="-127"/>
+                          <a:ea typeface="삼성긴고딕OTF Bold" panose="020B0600000101010101" pitchFamily="34" charset="-127"/>
+                        </a:rPr>
+                        <a:t>원</a:t>
+                      </a:r>
+                    </a:p>
+                  </a:txBody>
+                  <a:tcPr>
+                    <a:lnL w="9525" cap="flat" cmpd="sng" algn="ctr">
+                      <a:solidFill>
+                        <a:schemeClr val="tx1"/>
+                      </a:solidFill>
+                      <a:prstDash val="solid"/>
+                      <a:round/>
+                      <a:headEnd type="none" w="med" len="med"/>
+                      <a:tailEnd type="none" w="med" len="med"/>
+                    </a:lnL>
+                    <a:lnR w="9525" cap="flat" cmpd="sng" algn="ctr">
+                      <a:solidFill>
+                        <a:schemeClr val="tx1"/>
+                      </a:solidFill>
+                      <a:prstDash val="solid"/>
+                      <a:round/>
+                      <a:headEnd type="none" w="med" len="med"/>
+                      <a:tailEnd type="none" w="med" len="med"/>
+                    </a:lnR>
+                    <a:lnT w="9525" cap="flat" cmpd="sng" algn="ctr">
+                      <a:solidFill>
+                        <a:schemeClr val="tx1"/>
+                      </a:solidFill>
+                      <a:prstDash val="solid"/>
+                      <a:round/>
+                      <a:headEnd type="none" w="med" len="med"/>
+                      <a:tailEnd type="none" w="med" len="med"/>
+                    </a:lnT>
+                    <a:lnB w="9525" cap="flat" cmpd="sng" algn="ctr">
+                      <a:solidFill>
+                        <a:schemeClr val="tx1"/>
+                      </a:solidFill>
+                      <a:prstDash val="solid"/>
+                      <a:round/>
+                      <a:headEnd type="none" w="med" len="med"/>
+                      <a:tailEnd type="none" w="med" len="med"/>
+                    </a:lnB>
+                    <a:solidFill>
+                      <a:srgbClr val="EAEFF7"/>
+                    </a:solidFill>
+                  </a:tcPr>
+                </a:tc>
+                <a:extLst>
+                  <a:ext uri="{0D108BD9-81ED-4DB2-BD59-A6C34878D82A}">
+                    <a16:rowId xmlns:a16="http://schemas.microsoft.com/office/drawing/2014/main" val="3604612137"/>
+                  </a:ext>
+                </a:extLst>
+              </a:tr>
+            </a:tbl>
+          </a:graphicData>
+        </a:graphic>
+      </p:graphicFrame>
+      <p:sp>
+        <p:nvSpPr>
+          <p:cNvPr id="34" name="직사각형 33"/>
+          <p:cNvSpPr/>
+          <p:nvPr/>
+        </p:nvSpPr>
+        <p:spPr>
+          <a:xfrm>
+            <a:off x="1205712" y="4288536"/>
+            <a:ext cx="2209706" cy="429768"/>
+          </a:xfrm>
+          <a:prstGeom prst="rect">
+            <a:avLst/>
+          </a:prstGeom>
+          <a:noFill/>
+          <a:ln>
+            <a:noFill/>
+          </a:ln>
+        </p:spPr>
+        <p:style>
+          <a:lnRef idx="2">
+            <a:schemeClr val="accent1">
+              <a:shade val="50000"/>
+            </a:schemeClr>
+          </a:lnRef>
+          <a:fillRef idx="1">
+            <a:schemeClr val="accent1"/>
+          </a:fillRef>
+          <a:effectRef idx="0">
+            <a:schemeClr val="accent1"/>
+          </a:effectRef>
+          <a:fontRef idx="minor">
+            <a:schemeClr val="lt1"/>
+          </a:fontRef>
+        </p:style>
+        <p:txBody>
+          <a:bodyPr rtlCol="0" anchor="ctr"/>
+          <a:lstStyle/>
+          <a:p>
+            <a:r>
+              <a:rPr lang="en-US" altLang="ko-KR" dirty="0" smtClean="0">
+                <a:solidFill>
+                  <a:schemeClr val="tx1"/>
+                </a:solidFill>
+                <a:latin typeface="삼성긴고딕OTF Bold" panose="020B0600000101010101" pitchFamily="34" charset="-127"/>
+                <a:ea typeface="삼성긴고딕OTF Bold" panose="020B0600000101010101" pitchFamily="34" charset="-127"/>
+              </a:rPr>
+              <a:t>&lt;</a:t>
+            </a:r>
+            <a:r>
+              <a:rPr lang="ko-KR" altLang="en-US" dirty="0" smtClean="0">
+                <a:solidFill>
+                  <a:schemeClr val="tx1"/>
+                </a:solidFill>
+                <a:latin typeface="삼성긴고딕OTF Bold" panose="020B0600000101010101" pitchFamily="34" charset="-127"/>
+                <a:ea typeface="삼성긴고딕OTF Bold" panose="020B0600000101010101" pitchFamily="34" charset="-127"/>
+              </a:rPr>
+              <a:t>시간표 테이블</a:t>
+            </a:r>
+            <a:r>
+              <a:rPr lang="en-US" altLang="ko-KR" dirty="0" smtClean="0">
+                <a:solidFill>
+                  <a:schemeClr val="tx1"/>
+                </a:solidFill>
+                <a:latin typeface="삼성긴고딕OTF Bold" panose="020B0600000101010101" pitchFamily="34" charset="-127"/>
+                <a:ea typeface="삼성긴고딕OTF Bold" panose="020B0600000101010101" pitchFamily="34" charset="-127"/>
+              </a:rPr>
+              <a:t>&gt;</a:t>
+            </a:r>
+            <a:endParaRPr lang="ko-KR" altLang="en-US" dirty="0">
+              <a:solidFill>
+                <a:schemeClr val="tx1"/>
+              </a:solidFill>
+              <a:latin typeface="삼성긴고딕OTF Bold" panose="020B0600000101010101" pitchFamily="34" charset="-127"/>
+              <a:ea typeface="삼성긴고딕OTF Bold" panose="020B0600000101010101" pitchFamily="34" charset="-127"/>
+            </a:endParaRPr>
+          </a:p>
+        </p:txBody>
+      </p:sp>
+      <p:graphicFrame>
+        <p:nvGraphicFramePr>
+          <p:cNvPr id="6" name="표 5"/>
+          <p:cNvGraphicFramePr>
+            <a:graphicFrameLocks noGrp="1"/>
+          </p:cNvGraphicFramePr>
+          <p:nvPr>
+            <p:extLst>
+              <p:ext uri="{D42A27DB-BD31-4B8C-83A1-F6EECF244321}">
+                <p14:modId xmlns:p14="http://schemas.microsoft.com/office/powerpoint/2010/main" val="3584435574"/>
+              </p:ext>
+            </p:extLst>
+          </p:nvPr>
+        </p:nvGraphicFramePr>
+        <p:xfrm>
+          <a:off x="6916006" y="496932"/>
+          <a:ext cx="3240000" cy="1524000"/>
+        </p:xfrm>
+        <a:graphic>
+          <a:graphicData uri="http://schemas.openxmlformats.org/drawingml/2006/table">
+            <a:tbl>
+              <a:tblPr firstRow="1" bandRow="1">
+                <a:tableStyleId>{5C22544A-7EE6-4342-B048-85BDC9FD1C3A}</a:tableStyleId>
+              </a:tblPr>
+              <a:tblGrid>
+                <a:gridCol w="1620000">
+                  <a:extLst>
+                    <a:ext uri="{9D8B030D-6E8A-4147-A177-3AD203B41FA5}">
+                      <a16:colId xmlns:a16="http://schemas.microsoft.com/office/drawing/2014/main" val="2506121986"/>
+                    </a:ext>
+                  </a:extLst>
+                </a:gridCol>
+                <a:gridCol w="1620000">
+                  <a:extLst>
+                    <a:ext uri="{9D8B030D-6E8A-4147-A177-3AD203B41FA5}">
+                      <a16:colId xmlns:a16="http://schemas.microsoft.com/office/drawing/2014/main" val="3463867517"/>
+                    </a:ext>
+                  </a:extLst>
+                </a:gridCol>
+              </a:tblGrid>
+              <a:tr h="288000">
+                <a:tc>
+                  <a:txBody>
+                    <a:bodyPr/>
+                    <a:lstStyle/>
+                    <a:p>
+                      <a:pPr algn="ctr" latinLnBrk="1"/>
+                      <a:r>
+                        <a:rPr lang="ko-KR" altLang="en-US" sz="1400" dirty="0" smtClean="0">
+                          <a:latin typeface="삼성긴고딕OTF Bold" panose="020B0600000101010101" pitchFamily="34" charset="-127"/>
+                          <a:ea typeface="삼성긴고딕OTF Bold" panose="020B0600000101010101" pitchFamily="34" charset="-127"/>
+                        </a:rPr>
+                        <a:t>담당 수업</a:t>
+                      </a:r>
+                      <a:endParaRPr lang="ko-KR" altLang="en-US" sz="1400" dirty="0">
+                        <a:latin typeface="삼성긴고딕OTF Bold" panose="020B0600000101010101" pitchFamily="34" charset="-127"/>
+                        <a:ea typeface="삼성긴고딕OTF Bold" panose="020B0600000101010101" pitchFamily="34" charset="-127"/>
+                      </a:endParaRPr>
+                    </a:p>
+                  </a:txBody>
+                  <a:tcPr>
+                    <a:lnL w="9525" cap="flat" cmpd="sng" algn="ctr">
+                      <a:solidFill>
+                        <a:schemeClr val="tx1"/>
+                      </a:solidFill>
+                      <a:prstDash val="solid"/>
+                      <a:round/>
+                      <a:headEnd type="none" w="med" len="med"/>
+                      <a:tailEnd type="none" w="med" len="med"/>
+                    </a:lnL>
+                    <a:lnR w="9525" cap="flat" cmpd="sng" algn="ctr">
+                      <a:solidFill>
+                        <a:schemeClr val="tx1"/>
+                      </a:solidFill>
+                      <a:prstDash val="solid"/>
+                      <a:round/>
+                      <a:headEnd type="none" w="med" len="med"/>
+                      <a:tailEnd type="none" w="med" len="med"/>
+                    </a:lnR>
+                    <a:lnT w="9525" cap="flat" cmpd="sng" algn="ctr">
+                      <a:solidFill>
+                        <a:schemeClr val="tx1"/>
+                      </a:solidFill>
+                      <a:prstDash val="solid"/>
+                      <a:round/>
+                      <a:headEnd type="none" w="med" len="med"/>
+                      <a:tailEnd type="none" w="med" len="med"/>
+                    </a:lnT>
+                    <a:lnB w="9525" cap="flat" cmpd="sng" algn="ctr">
+                      <a:solidFill>
+                        <a:schemeClr val="tx1"/>
+                      </a:solidFill>
+                      <a:prstDash val="solid"/>
+                      <a:round/>
+                      <a:headEnd type="none" w="med" len="med"/>
+                      <a:tailEnd type="none" w="med" len="med"/>
+                    </a:lnB>
+                  </a:tcPr>
+                </a:tc>
+                <a:tc>
+                  <a:txBody>
+                    <a:bodyPr/>
+                    <a:lstStyle/>
+                    <a:p>
+                      <a:pPr algn="ctr" latinLnBrk="1"/>
+                      <a:r>
+                        <a:rPr lang="ko-KR" altLang="en-US" sz="1400" dirty="0" smtClean="0">
+                          <a:latin typeface="삼성긴고딕OTF Bold" panose="020B0600000101010101" pitchFamily="34" charset="-127"/>
+                          <a:ea typeface="삼성긴고딕OTF Bold" panose="020B0600000101010101" pitchFamily="34" charset="-127"/>
+                        </a:rPr>
+                        <a:t>수업 코드</a:t>
+                      </a:r>
+                      <a:endParaRPr lang="ko-KR" altLang="en-US" sz="1400" dirty="0">
+                        <a:latin typeface="삼성긴고딕OTF Bold" panose="020B0600000101010101" pitchFamily="34" charset="-127"/>
+                        <a:ea typeface="삼성긴고딕OTF Bold" panose="020B0600000101010101" pitchFamily="34" charset="-127"/>
+                      </a:endParaRPr>
+                    </a:p>
+                  </a:txBody>
+                  <a:tcPr>
+                    <a:lnL w="9525" cap="flat" cmpd="sng" algn="ctr">
+                      <a:solidFill>
+                        <a:schemeClr val="tx1"/>
+                      </a:solidFill>
+                      <a:prstDash val="solid"/>
+                      <a:round/>
+                      <a:headEnd type="none" w="med" len="med"/>
+                      <a:tailEnd type="none" w="med" len="med"/>
+                    </a:lnL>
+                    <a:lnR w="9525" cap="flat" cmpd="sng" algn="ctr">
+                      <a:solidFill>
+                        <a:schemeClr val="tx1"/>
+                      </a:solidFill>
+                      <a:prstDash val="solid"/>
+                      <a:round/>
+                      <a:headEnd type="none" w="med" len="med"/>
+                      <a:tailEnd type="none" w="med" len="med"/>
+                    </a:lnR>
+                    <a:lnT w="9525" cap="flat" cmpd="sng" algn="ctr">
+                      <a:solidFill>
+                        <a:schemeClr val="tx1"/>
+                      </a:solidFill>
+                      <a:prstDash val="solid"/>
+                      <a:round/>
+                      <a:headEnd type="none" w="med" len="med"/>
+                      <a:tailEnd type="none" w="med" len="med"/>
+                    </a:lnT>
+                    <a:lnB w="9525" cap="flat" cmpd="sng" algn="ctr">
+                      <a:solidFill>
+                        <a:schemeClr val="tx1"/>
+                      </a:solidFill>
+                      <a:prstDash val="solid"/>
+                      <a:round/>
+                      <a:headEnd type="none" w="med" len="med"/>
+                      <a:tailEnd type="none" w="med" len="med"/>
+                    </a:lnB>
+                  </a:tcPr>
+                </a:tc>
+                <a:extLst>
+                  <a:ext uri="{0D108BD9-81ED-4DB2-BD59-A6C34878D82A}">
+                    <a16:rowId xmlns:a16="http://schemas.microsoft.com/office/drawing/2014/main" val="278685539"/>
+                  </a:ext>
+                </a:extLst>
+              </a:tr>
+              <a:tr h="288000">
+                <a:tc>
+                  <a:txBody>
+                    <a:bodyPr/>
+                    <a:lstStyle/>
+                    <a:p>
+                      <a:pPr algn="ctr" latinLnBrk="1"/>
+                      <a:r>
+                        <a:rPr lang="ko-KR" altLang="en-US" sz="1400" dirty="0" smtClean="0">
+                          <a:latin typeface="삼성긴고딕OTF Bold" panose="020B0600000101010101" pitchFamily="34" charset="-127"/>
+                          <a:ea typeface="삼성긴고딕OTF Bold" panose="020B0600000101010101" pitchFamily="34" charset="-127"/>
+                        </a:rPr>
+                        <a:t>운영체제</a:t>
+                      </a:r>
+                      <a:endParaRPr lang="ko-KR" altLang="en-US" sz="1400" dirty="0">
+                        <a:latin typeface="삼성긴고딕OTF Bold" panose="020B0600000101010101" pitchFamily="34" charset="-127"/>
+                        <a:ea typeface="삼성긴고딕OTF Bold" panose="020B0600000101010101" pitchFamily="34" charset="-127"/>
+                      </a:endParaRPr>
+                    </a:p>
+                  </a:txBody>
+                  <a:tcPr>
+                    <a:lnL w="9525" cap="flat" cmpd="sng" algn="ctr">
+                      <a:solidFill>
+                        <a:schemeClr val="tx1"/>
+                      </a:solidFill>
+                      <a:prstDash val="solid"/>
+                      <a:round/>
+                      <a:headEnd type="none" w="med" len="med"/>
+                      <a:tailEnd type="none" w="med" len="med"/>
+                    </a:lnL>
+                    <a:lnR w="9525" cap="flat" cmpd="sng" algn="ctr">
+                      <a:solidFill>
+                        <a:schemeClr val="tx1"/>
+                      </a:solidFill>
+                      <a:prstDash val="solid"/>
+                      <a:round/>
+                      <a:headEnd type="none" w="med" len="med"/>
+                      <a:tailEnd type="none" w="med" len="med"/>
+                    </a:lnR>
+                    <a:lnT w="9525" cap="flat" cmpd="sng" algn="ctr">
+                      <a:solidFill>
+                        <a:schemeClr val="tx1"/>
+                      </a:solidFill>
+                      <a:prstDash val="solid"/>
+                      <a:round/>
+                      <a:headEnd type="none" w="med" len="med"/>
+                      <a:tailEnd type="none" w="med" len="med"/>
+                    </a:lnT>
+                    <a:lnB w="9525" cap="flat" cmpd="sng" algn="ctr">
+                      <a:solidFill>
+                        <a:schemeClr val="tx1"/>
+                      </a:solidFill>
+                      <a:prstDash val="solid"/>
+                      <a:round/>
+                      <a:headEnd type="none" w="med" len="med"/>
+                      <a:tailEnd type="none" w="med" len="med"/>
+                    </a:lnB>
+                    <a:solidFill>
+                      <a:srgbClr val="EAEFF7"/>
+                    </a:solidFill>
+                  </a:tcPr>
+                </a:tc>
+                <a:tc>
+                  <a:txBody>
+                    <a:bodyPr/>
+                    <a:lstStyle/>
+                    <a:p>
+                      <a:pPr algn="ctr" latinLnBrk="1"/>
+                      <a:r>
+                        <a:rPr lang="en-US" altLang="ko-KR" sz="1400" dirty="0" smtClean="0">
+                          <a:latin typeface="삼성긴고딕OTF Bold" panose="020B0600000101010101" pitchFamily="34" charset="-127"/>
+                          <a:ea typeface="삼성긴고딕OTF Bold" panose="020B0600000101010101" pitchFamily="34" charset="-127"/>
+                        </a:rPr>
+                        <a:t>OS-001</a:t>
+                      </a:r>
+                      <a:endParaRPr lang="ko-KR" altLang="en-US" sz="1400" dirty="0">
+                        <a:latin typeface="삼성긴고딕OTF Bold" panose="020B0600000101010101" pitchFamily="34" charset="-127"/>
+                        <a:ea typeface="삼성긴고딕OTF Bold" panose="020B0600000101010101" pitchFamily="34" charset="-127"/>
+                      </a:endParaRPr>
+                    </a:p>
+                  </a:txBody>
+                  <a:tcPr>
+                    <a:lnL w="9525" cap="flat" cmpd="sng" algn="ctr">
+                      <a:solidFill>
+                        <a:schemeClr val="tx1"/>
+                      </a:solidFill>
+                      <a:prstDash val="solid"/>
+                      <a:round/>
+                      <a:headEnd type="none" w="med" len="med"/>
+                      <a:tailEnd type="none" w="med" len="med"/>
+                    </a:lnL>
+                    <a:lnR w="9525" cap="flat" cmpd="sng" algn="ctr">
+                      <a:solidFill>
+                        <a:schemeClr val="tx1"/>
+                      </a:solidFill>
+                      <a:prstDash val="solid"/>
+                      <a:round/>
+                      <a:headEnd type="none" w="med" len="med"/>
+                      <a:tailEnd type="none" w="med" len="med"/>
+                    </a:lnR>
+                    <a:lnT w="9525" cap="flat" cmpd="sng" algn="ctr">
+                      <a:solidFill>
+                        <a:schemeClr val="tx1"/>
+                      </a:solidFill>
+                      <a:prstDash val="solid"/>
+                      <a:round/>
+                      <a:headEnd type="none" w="med" len="med"/>
+                      <a:tailEnd type="none" w="med" len="med"/>
+                    </a:lnT>
+                    <a:lnB w="9525" cap="flat" cmpd="sng" algn="ctr">
+                      <a:solidFill>
+                        <a:schemeClr val="tx1"/>
+                      </a:solidFill>
+                      <a:prstDash val="solid"/>
+                      <a:round/>
+                      <a:headEnd type="none" w="med" len="med"/>
+                      <a:tailEnd type="none" w="med" len="med"/>
+                    </a:lnB>
+                    <a:solidFill>
+                      <a:srgbClr val="EAEFF7"/>
+                    </a:solidFill>
+                  </a:tcPr>
+                </a:tc>
+                <a:extLst>
+                  <a:ext uri="{0D108BD9-81ED-4DB2-BD59-A6C34878D82A}">
+                    <a16:rowId xmlns:a16="http://schemas.microsoft.com/office/drawing/2014/main" val="4035602949"/>
+                  </a:ext>
+                </a:extLst>
+              </a:tr>
+              <a:tr h="288000">
+                <a:tc>
+                  <a:txBody>
+                    <a:bodyPr/>
+                    <a:lstStyle/>
+                    <a:p>
+                      <a:pPr algn="ctr" latinLnBrk="1"/>
+                      <a:r>
+                        <a:rPr lang="en-US" altLang="ko-KR" sz="1400" dirty="0" smtClean="0">
+                          <a:latin typeface="삼성긴고딕OTF Bold" panose="020B0600000101010101" pitchFamily="34" charset="-127"/>
+                          <a:ea typeface="삼성긴고딕OTF Bold" panose="020B0600000101010101" pitchFamily="34" charset="-127"/>
+                        </a:rPr>
+                        <a:t>JavaScript</a:t>
+                      </a:r>
+                      <a:endParaRPr lang="ko-KR" altLang="en-US" sz="1400" dirty="0">
+                        <a:latin typeface="삼성긴고딕OTF Bold" panose="020B0600000101010101" pitchFamily="34" charset="-127"/>
+                        <a:ea typeface="삼성긴고딕OTF Bold" panose="020B0600000101010101" pitchFamily="34" charset="-127"/>
+                      </a:endParaRPr>
+                    </a:p>
+                  </a:txBody>
+                  <a:tcPr>
+                    <a:lnL w="9525" cap="flat" cmpd="sng" algn="ctr">
+                      <a:solidFill>
+                        <a:schemeClr val="tx1"/>
+                      </a:solidFill>
+                      <a:prstDash val="solid"/>
+                      <a:round/>
+                      <a:headEnd type="none" w="med" len="med"/>
+                      <a:tailEnd type="none" w="med" len="med"/>
+                    </a:lnL>
+                    <a:lnR w="9525" cap="flat" cmpd="sng" algn="ctr">
+                      <a:solidFill>
+                        <a:schemeClr val="tx1"/>
+                      </a:solidFill>
+                      <a:prstDash val="solid"/>
+                      <a:round/>
+                      <a:headEnd type="none" w="med" len="med"/>
+                      <a:tailEnd type="none" w="med" len="med"/>
+                    </a:lnR>
+                    <a:lnT w="9525" cap="flat" cmpd="sng" algn="ctr">
+                      <a:solidFill>
+                        <a:schemeClr val="tx1"/>
+                      </a:solidFill>
+                      <a:prstDash val="solid"/>
+                      <a:round/>
+                      <a:headEnd type="none" w="med" len="med"/>
+                      <a:tailEnd type="none" w="med" len="med"/>
+                    </a:lnT>
+                    <a:lnB w="9525" cap="flat" cmpd="sng" algn="ctr">
+                      <a:solidFill>
+                        <a:schemeClr val="tx1"/>
+                      </a:solidFill>
+                      <a:prstDash val="solid"/>
+                      <a:round/>
+                      <a:headEnd type="none" w="med" len="med"/>
+                      <a:tailEnd type="none" w="med" len="med"/>
+                    </a:lnB>
+                  </a:tcPr>
+                </a:tc>
+                <a:tc>
+                  <a:txBody>
+                    <a:bodyPr/>
+                    <a:lstStyle/>
+                    <a:p>
+                      <a:pPr algn="ctr" latinLnBrk="1"/>
+                      <a:r>
+                        <a:rPr lang="en-US" altLang="ko-KR" sz="1400" dirty="0" smtClean="0">
+                          <a:latin typeface="삼성긴고딕OTF Bold" panose="020B0600000101010101" pitchFamily="34" charset="-127"/>
+                          <a:ea typeface="삼성긴고딕OTF Bold" panose="020B0600000101010101" pitchFamily="34" charset="-127"/>
+                        </a:rPr>
+                        <a:t>PL-001</a:t>
+                      </a:r>
+                      <a:endParaRPr lang="ko-KR" altLang="en-US" sz="1400" dirty="0">
+                        <a:latin typeface="삼성긴고딕OTF Bold" panose="020B0600000101010101" pitchFamily="34" charset="-127"/>
+                        <a:ea typeface="삼성긴고딕OTF Bold" panose="020B0600000101010101" pitchFamily="34" charset="-127"/>
+                      </a:endParaRPr>
+                    </a:p>
+                  </a:txBody>
+                  <a:tcPr>
+                    <a:lnL w="9525" cap="flat" cmpd="sng" algn="ctr">
+                      <a:solidFill>
+                        <a:schemeClr val="tx1"/>
+                      </a:solidFill>
+                      <a:prstDash val="solid"/>
+                      <a:round/>
+                      <a:headEnd type="none" w="med" len="med"/>
+                      <a:tailEnd type="none" w="med" len="med"/>
+                    </a:lnL>
+                    <a:lnR w="9525" cap="flat" cmpd="sng" algn="ctr">
+                      <a:solidFill>
+                        <a:schemeClr val="tx1"/>
+                      </a:solidFill>
+                      <a:prstDash val="solid"/>
+                      <a:round/>
+                      <a:headEnd type="none" w="med" len="med"/>
+                      <a:tailEnd type="none" w="med" len="med"/>
+                    </a:lnR>
+                    <a:lnT w="9525" cap="flat" cmpd="sng" algn="ctr">
+                      <a:solidFill>
+                        <a:schemeClr val="tx1"/>
+                      </a:solidFill>
+                      <a:prstDash val="solid"/>
+                      <a:round/>
+                      <a:headEnd type="none" w="med" len="med"/>
+                      <a:tailEnd type="none" w="med" len="med"/>
+                    </a:lnT>
+                    <a:lnB w="9525" cap="flat" cmpd="sng" algn="ctr">
+                      <a:solidFill>
+                        <a:schemeClr val="tx1"/>
+                      </a:solidFill>
+                      <a:prstDash val="solid"/>
+                      <a:round/>
+                      <a:headEnd type="none" w="med" len="med"/>
+                      <a:tailEnd type="none" w="med" len="med"/>
+                    </a:lnB>
+                  </a:tcPr>
+                </a:tc>
+                <a:extLst>
+                  <a:ext uri="{0D108BD9-81ED-4DB2-BD59-A6C34878D82A}">
+                    <a16:rowId xmlns:a16="http://schemas.microsoft.com/office/drawing/2014/main" val="1316063722"/>
+                  </a:ext>
+                </a:extLst>
+              </a:tr>
+              <a:tr h="288000">
+                <a:tc>
+                  <a:txBody>
+                    <a:bodyPr/>
+                    <a:lstStyle/>
+                    <a:p>
+                      <a:pPr algn="ctr" latinLnBrk="1"/>
+                      <a:r>
+                        <a:rPr lang="ko-KR" altLang="en-US" sz="1400" dirty="0" smtClean="0">
+                          <a:latin typeface="삼성긴고딕OTF Bold" panose="020B0600000101010101" pitchFamily="34" charset="-127"/>
+                          <a:ea typeface="삼성긴고딕OTF Bold" panose="020B0600000101010101" pitchFamily="34" charset="-127"/>
+                        </a:rPr>
+                        <a:t>알고리즘</a:t>
+                      </a:r>
+                      <a:endParaRPr lang="ko-KR" altLang="en-US" sz="1400" dirty="0">
+                        <a:latin typeface="삼성긴고딕OTF Bold" panose="020B0600000101010101" pitchFamily="34" charset="-127"/>
+                        <a:ea typeface="삼성긴고딕OTF Bold" panose="020B0600000101010101" pitchFamily="34" charset="-127"/>
+                      </a:endParaRPr>
+                    </a:p>
+                  </a:txBody>
+                  <a:tcPr>
+                    <a:lnL w="9525" cap="flat" cmpd="sng" algn="ctr">
+                      <a:solidFill>
+                        <a:schemeClr val="tx1"/>
+                      </a:solidFill>
+                      <a:prstDash val="solid"/>
+                      <a:round/>
+                      <a:headEnd type="none" w="med" len="med"/>
+                      <a:tailEnd type="none" w="med" len="med"/>
+                    </a:lnL>
+                    <a:lnR w="9525" cap="flat" cmpd="sng" algn="ctr">
+                      <a:solidFill>
+                        <a:schemeClr val="tx1"/>
+                      </a:solidFill>
+                      <a:prstDash val="solid"/>
+                      <a:round/>
+                      <a:headEnd type="none" w="med" len="med"/>
+                      <a:tailEnd type="none" w="med" len="med"/>
+                    </a:lnR>
+                    <a:lnT w="9525" cap="flat" cmpd="sng" algn="ctr">
+                      <a:solidFill>
+                        <a:schemeClr val="tx1"/>
+                      </a:solidFill>
+                      <a:prstDash val="solid"/>
+                      <a:round/>
+                      <a:headEnd type="none" w="med" len="med"/>
+                      <a:tailEnd type="none" w="med" len="med"/>
+                    </a:lnT>
+                    <a:lnB w="9525" cap="flat" cmpd="sng" algn="ctr">
+                      <a:solidFill>
+                        <a:schemeClr val="tx1"/>
+                      </a:solidFill>
+                      <a:prstDash val="solid"/>
+                      <a:round/>
+                      <a:headEnd type="none" w="med" len="med"/>
+                      <a:tailEnd type="none" w="med" len="med"/>
+                    </a:lnB>
+                    <a:solidFill>
+                      <a:srgbClr val="EAEFF7"/>
+                    </a:solidFill>
+                  </a:tcPr>
+                </a:tc>
+                <a:tc>
+                  <a:txBody>
+                    <a:bodyPr/>
+                    <a:lstStyle/>
+                    <a:p>
+                      <a:pPr algn="ctr" latinLnBrk="1"/>
+                      <a:r>
+                        <a:rPr lang="en-US" altLang="ko-KR" sz="1400" dirty="0" smtClean="0">
+                          <a:latin typeface="삼성긴고딕OTF Bold" panose="020B0600000101010101" pitchFamily="34" charset="-127"/>
+                          <a:ea typeface="삼성긴고딕OTF Bold" panose="020B0600000101010101" pitchFamily="34" charset="-127"/>
+                        </a:rPr>
+                        <a:t>AL-001</a:t>
+                      </a:r>
+                      <a:endParaRPr lang="ko-KR" altLang="en-US" sz="1400" dirty="0">
+                        <a:latin typeface="삼성긴고딕OTF Bold" panose="020B0600000101010101" pitchFamily="34" charset="-127"/>
+                        <a:ea typeface="삼성긴고딕OTF Bold" panose="020B0600000101010101" pitchFamily="34" charset="-127"/>
+                      </a:endParaRPr>
+                    </a:p>
+                  </a:txBody>
+                  <a:tcPr>
+                    <a:lnL w="9525" cap="flat" cmpd="sng" algn="ctr">
+                      <a:solidFill>
+                        <a:schemeClr val="tx1"/>
+                      </a:solidFill>
+                      <a:prstDash val="solid"/>
+                      <a:round/>
+                      <a:headEnd type="none" w="med" len="med"/>
+                      <a:tailEnd type="none" w="med" len="med"/>
+                    </a:lnL>
+                    <a:lnR w="9525" cap="flat" cmpd="sng" algn="ctr">
+                      <a:solidFill>
+                        <a:schemeClr val="tx1"/>
+                      </a:solidFill>
+                      <a:prstDash val="solid"/>
+                      <a:round/>
+                      <a:headEnd type="none" w="med" len="med"/>
+                      <a:tailEnd type="none" w="med" len="med"/>
+                    </a:lnR>
+                    <a:lnT w="9525" cap="flat" cmpd="sng" algn="ctr">
+                      <a:solidFill>
+                        <a:schemeClr val="tx1"/>
+                      </a:solidFill>
+                      <a:prstDash val="solid"/>
+                      <a:round/>
+                      <a:headEnd type="none" w="med" len="med"/>
+                      <a:tailEnd type="none" w="med" len="med"/>
+                    </a:lnT>
+                    <a:lnB w="9525" cap="flat" cmpd="sng" algn="ctr">
+                      <a:solidFill>
+                        <a:schemeClr val="tx1"/>
+                      </a:solidFill>
+                      <a:prstDash val="solid"/>
+                      <a:round/>
+                      <a:headEnd type="none" w="med" len="med"/>
+                      <a:tailEnd type="none" w="med" len="med"/>
+                    </a:lnB>
+                    <a:solidFill>
+                      <a:srgbClr val="EAEFF7"/>
+                    </a:solidFill>
+                  </a:tcPr>
+                </a:tc>
+                <a:extLst>
+                  <a:ext uri="{0D108BD9-81ED-4DB2-BD59-A6C34878D82A}">
+                    <a16:rowId xmlns:a16="http://schemas.microsoft.com/office/drawing/2014/main" val="1134691192"/>
+                  </a:ext>
+                </a:extLst>
+              </a:tr>
+              <a:tr h="288000">
+                <a:tc>
+                  <a:txBody>
+                    <a:bodyPr/>
+                    <a:lstStyle/>
+                    <a:p>
+                      <a:pPr algn="ctr" latinLnBrk="1"/>
+                      <a:r>
+                        <a:rPr lang="ko-KR" altLang="en-US" sz="1400" dirty="0" smtClean="0">
+                          <a:latin typeface="삼성긴고딕OTF Bold" panose="020B0600000101010101" pitchFamily="34" charset="-127"/>
+                          <a:ea typeface="삼성긴고딕OTF Bold" panose="020B0600000101010101" pitchFamily="34" charset="-127"/>
+                        </a:rPr>
+                        <a:t>데이터베이스</a:t>
+                      </a:r>
+                      <a:endParaRPr lang="ko-KR" altLang="en-US" sz="1400" dirty="0">
+                        <a:latin typeface="삼성긴고딕OTF Bold" panose="020B0600000101010101" pitchFamily="34" charset="-127"/>
+                        <a:ea typeface="삼성긴고딕OTF Bold" panose="020B0600000101010101" pitchFamily="34" charset="-127"/>
+                      </a:endParaRPr>
+                    </a:p>
+                  </a:txBody>
+                  <a:tcPr>
+                    <a:lnL w="9525" cap="flat" cmpd="sng" algn="ctr">
+                      <a:solidFill>
+                        <a:schemeClr val="tx1"/>
+                      </a:solidFill>
+                      <a:prstDash val="solid"/>
+                      <a:round/>
+                      <a:headEnd type="none" w="med" len="med"/>
+                      <a:tailEnd type="none" w="med" len="med"/>
+                    </a:lnL>
+                    <a:lnR w="9525" cap="flat" cmpd="sng" algn="ctr">
+                      <a:solidFill>
+                        <a:schemeClr val="tx1"/>
+                      </a:solidFill>
+                      <a:prstDash val="solid"/>
+                      <a:round/>
+                      <a:headEnd type="none" w="med" len="med"/>
+                      <a:tailEnd type="none" w="med" len="med"/>
+                    </a:lnR>
+                    <a:lnT w="9525" cap="flat" cmpd="sng" algn="ctr">
+                      <a:solidFill>
+                        <a:schemeClr val="tx1"/>
+                      </a:solidFill>
+                      <a:prstDash val="solid"/>
+                      <a:round/>
+                      <a:headEnd type="none" w="med" len="med"/>
+                      <a:tailEnd type="none" w="med" len="med"/>
+                    </a:lnT>
+                    <a:lnB w="9525" cap="flat" cmpd="sng" algn="ctr">
+                      <a:solidFill>
+                        <a:schemeClr val="tx1"/>
+                      </a:solidFill>
+                      <a:prstDash val="solid"/>
+                      <a:round/>
+                      <a:headEnd type="none" w="med" len="med"/>
+                      <a:tailEnd type="none" w="med" len="med"/>
+                    </a:lnB>
+                    <a:solidFill>
+                      <a:srgbClr val="EAEFF7"/>
+                    </a:solidFill>
+                  </a:tcPr>
+                </a:tc>
+                <a:tc>
+                  <a:txBody>
+                    <a:bodyPr/>
+                    <a:lstStyle/>
+                    <a:p>
+                      <a:pPr algn="ctr" latinLnBrk="1"/>
+                      <a:r>
+                        <a:rPr lang="en-US" altLang="ko-KR" sz="1400" dirty="0" smtClean="0">
+                          <a:latin typeface="삼성긴고딕OTF Bold" panose="020B0600000101010101" pitchFamily="34" charset="-127"/>
+                          <a:ea typeface="삼성긴고딕OTF Bold" panose="020B0600000101010101" pitchFamily="34" charset="-127"/>
+                        </a:rPr>
+                        <a:t>DB-001</a:t>
+                      </a:r>
+                      <a:endParaRPr lang="ko-KR" altLang="en-US" sz="1400" dirty="0">
+                        <a:latin typeface="삼성긴고딕OTF Bold" panose="020B0600000101010101" pitchFamily="34" charset="-127"/>
+                        <a:ea typeface="삼성긴고딕OTF Bold" panose="020B0600000101010101" pitchFamily="34" charset="-127"/>
+                      </a:endParaRPr>
+                    </a:p>
+                  </a:txBody>
+                  <a:tcPr>
+                    <a:lnL w="9525" cap="flat" cmpd="sng" algn="ctr">
+                      <a:solidFill>
+                        <a:schemeClr val="tx1"/>
+                      </a:solidFill>
+                      <a:prstDash val="solid"/>
+                      <a:round/>
+                      <a:headEnd type="none" w="med" len="med"/>
+                      <a:tailEnd type="none" w="med" len="med"/>
+                    </a:lnL>
+                    <a:lnR w="9525" cap="flat" cmpd="sng" algn="ctr">
+                      <a:solidFill>
+                        <a:schemeClr val="tx1"/>
+                      </a:solidFill>
+                      <a:prstDash val="solid"/>
+                      <a:round/>
+                      <a:headEnd type="none" w="med" len="med"/>
+                      <a:tailEnd type="none" w="med" len="med"/>
+                    </a:lnR>
+                    <a:lnT w="9525" cap="flat" cmpd="sng" algn="ctr">
+                      <a:solidFill>
+                        <a:schemeClr val="tx1"/>
+                      </a:solidFill>
+                      <a:prstDash val="solid"/>
+                      <a:round/>
+                      <a:headEnd type="none" w="med" len="med"/>
+                      <a:tailEnd type="none" w="med" len="med"/>
+                    </a:lnT>
+                    <a:lnB w="9525" cap="flat" cmpd="sng" algn="ctr">
+                      <a:solidFill>
+                        <a:schemeClr val="tx1"/>
+                      </a:solidFill>
+                      <a:prstDash val="solid"/>
+                      <a:round/>
+                      <a:headEnd type="none" w="med" len="med"/>
+                      <a:tailEnd type="none" w="med" len="med"/>
+                    </a:lnB>
+                    <a:solidFill>
+                      <a:srgbClr val="EAEFF7"/>
+                    </a:solidFill>
+                  </a:tcPr>
+                </a:tc>
+                <a:extLst>
+                  <a:ext uri="{0D108BD9-81ED-4DB2-BD59-A6C34878D82A}">
+                    <a16:rowId xmlns:a16="http://schemas.microsoft.com/office/drawing/2014/main" val="4078697995"/>
+                  </a:ext>
+                </a:extLst>
+              </a:tr>
+            </a:tbl>
+          </a:graphicData>
+        </a:graphic>
+      </p:graphicFrame>
+      <p:sp>
+        <p:nvSpPr>
+          <p:cNvPr id="43" name="아래쪽 화살표 42"/>
+          <p:cNvSpPr/>
+          <p:nvPr/>
+        </p:nvSpPr>
+        <p:spPr>
+          <a:xfrm>
+            <a:off x="3275712" y="2776782"/>
+            <a:ext cx="540000" cy="1440000"/>
+          </a:xfrm>
+          <a:prstGeom prst="downArrow">
+            <a:avLst/>
+          </a:prstGeom>
+          <a:solidFill>
+            <a:schemeClr val="tx2"/>
+          </a:solidFill>
+          <a:ln>
+            <a:noFill/>
+          </a:ln>
+          <a:effectLst>
+            <a:outerShdw blurRad="50800" dist="38100" dir="2700000" algn="tl" rotWithShape="0">
+              <a:prstClr val="black">
+                <a:alpha val="40000"/>
+              </a:prstClr>
+            </a:outerShdw>
+          </a:effectLst>
+        </p:spPr>
+        <p:style>
+          <a:lnRef idx="2">
+            <a:schemeClr val="accent1">
+              <a:shade val="50000"/>
+            </a:schemeClr>
+          </a:lnRef>
+          <a:fillRef idx="1">
+            <a:schemeClr val="accent1"/>
+          </a:fillRef>
+          <a:effectRef idx="0">
+            <a:schemeClr val="accent1"/>
+          </a:effectRef>
+          <a:fontRef idx="minor">
+            <a:schemeClr val="lt1"/>
+          </a:fontRef>
+        </p:style>
+        <p:txBody>
+          <a:bodyPr rtlCol="0" anchor="ctr"/>
+          <a:lstStyle/>
+          <a:p>
+            <a:pPr algn="ctr"/>
+            <a:endParaRPr lang="ko-KR" altLang="en-US"/>
+          </a:p>
+        </p:txBody>
+      </p:sp>
+      <p:sp>
+        <p:nvSpPr>
+          <p:cNvPr id="44" name="아래쪽 화살표 43"/>
+          <p:cNvSpPr/>
+          <p:nvPr/>
+        </p:nvSpPr>
+        <p:spPr>
+          <a:xfrm rot="10800000">
+            <a:off x="4171824" y="2776782"/>
+            <a:ext cx="540000" cy="1440000"/>
+          </a:xfrm>
+          <a:prstGeom prst="downArrow">
+            <a:avLst/>
+          </a:prstGeom>
+          <a:ln>
+            <a:noFill/>
+          </a:ln>
+          <a:effectLst>
+            <a:outerShdw blurRad="50800" dist="38100" dir="2700000" algn="tl" rotWithShape="0">
+              <a:prstClr val="black">
+                <a:alpha val="40000"/>
+              </a:prstClr>
+            </a:outerShdw>
+          </a:effectLst>
+        </p:spPr>
+        <p:style>
+          <a:lnRef idx="2">
+            <a:schemeClr val="accent1">
+              <a:shade val="50000"/>
+            </a:schemeClr>
+          </a:lnRef>
+          <a:fillRef idx="1">
+            <a:schemeClr val="accent1"/>
+          </a:fillRef>
+          <a:effectRef idx="0">
+            <a:schemeClr val="accent1"/>
+          </a:effectRef>
+          <a:fontRef idx="minor">
+            <a:schemeClr val="lt1"/>
+          </a:fontRef>
+        </p:style>
+        <p:txBody>
+          <a:bodyPr rtlCol="0" anchor="ctr"/>
+          <a:lstStyle/>
+          <a:p>
+            <a:pPr algn="ctr"/>
+            <a:endParaRPr lang="ko-KR" altLang="en-US"/>
+          </a:p>
+        </p:txBody>
+      </p:sp>
+      <p:sp>
+        <p:nvSpPr>
+          <p:cNvPr id="45" name="TextBox 44"/>
+          <p:cNvSpPr txBox="1"/>
+          <p:nvPr/>
+        </p:nvSpPr>
+        <p:spPr>
+          <a:xfrm>
+            <a:off x="2241961" y="3312116"/>
+            <a:ext cx="1104743" cy="369332"/>
+          </a:xfrm>
+          <a:prstGeom prst="rect">
+            <a:avLst/>
+          </a:prstGeom>
+          <a:noFill/>
+        </p:spPr>
+        <p:txBody>
+          <a:bodyPr wrap="square" rtlCol="0">
+            <a:spAutoFit/>
+          </a:bodyPr>
+          <a:lstStyle/>
+          <a:p>
+            <a:pPr algn="ctr"/>
+            <a:r>
+              <a:rPr lang="ko-KR" altLang="en-US" dirty="0" err="1" smtClean="0">
+                <a:solidFill>
+                  <a:schemeClr val="tx2"/>
+                </a:solidFill>
+                <a:latin typeface="삼성긴고딕OTF Bold" panose="020B0600000101010101" pitchFamily="34" charset="-127"/>
+                <a:ea typeface="삼성긴고딕OTF Bold" panose="020B0600000101010101" pitchFamily="34" charset="-127"/>
+              </a:rPr>
+              <a:t>반정규화</a:t>
+            </a:r>
+            <a:endParaRPr lang="ko-KR" altLang="en-US" dirty="0">
+              <a:solidFill>
+                <a:schemeClr val="tx2"/>
+              </a:solidFill>
+              <a:latin typeface="삼성긴고딕OTF Bold" panose="020B0600000101010101" pitchFamily="34" charset="-127"/>
+              <a:ea typeface="삼성긴고딕OTF Bold" panose="020B0600000101010101" pitchFamily="34" charset="-127"/>
+            </a:endParaRPr>
+          </a:p>
+        </p:txBody>
+      </p:sp>
+      <p:sp>
+        <p:nvSpPr>
+          <p:cNvPr id="46" name="TextBox 45"/>
+          <p:cNvSpPr txBox="1"/>
+          <p:nvPr/>
+        </p:nvSpPr>
+        <p:spPr>
+          <a:xfrm>
+            <a:off x="4709171" y="3312116"/>
+            <a:ext cx="1104743" cy="369332"/>
+          </a:xfrm>
+          <a:prstGeom prst="rect">
+            <a:avLst/>
+          </a:prstGeom>
+          <a:noFill/>
+        </p:spPr>
+        <p:txBody>
+          <a:bodyPr wrap="square" rtlCol="0">
+            <a:spAutoFit/>
+          </a:bodyPr>
+          <a:lstStyle/>
+          <a:p>
+            <a:pPr algn="ctr"/>
+            <a:r>
+              <a:rPr lang="ko-KR" altLang="en-US" dirty="0" smtClean="0">
+                <a:solidFill>
+                  <a:schemeClr val="accent1"/>
+                </a:solidFill>
+                <a:latin typeface="삼성긴고딕OTF Bold" panose="020B0600000101010101" pitchFamily="34" charset="-127"/>
+                <a:ea typeface="삼성긴고딕OTF Bold" panose="020B0600000101010101" pitchFamily="34" charset="-127"/>
+              </a:rPr>
+              <a:t>정규화</a:t>
+            </a:r>
+            <a:endParaRPr lang="ko-KR" altLang="en-US" dirty="0">
+              <a:solidFill>
+                <a:schemeClr val="accent1"/>
+              </a:solidFill>
+              <a:latin typeface="삼성긴고딕OTF Bold" panose="020B0600000101010101" pitchFamily="34" charset="-127"/>
+              <a:ea typeface="삼성긴고딕OTF Bold" panose="020B0600000101010101" pitchFamily="34" charset="-127"/>
+            </a:endParaRPr>
+          </a:p>
+        </p:txBody>
+      </p:sp>
+    </p:spTree>
+    <p:extLst>
+      <p:ext uri="{BB962C8B-B14F-4D97-AF65-F5344CB8AC3E}">
+        <p14:creationId xmlns:p14="http://schemas.microsoft.com/office/powerpoint/2010/main" val="4235395140"/>
+      </p:ext>
+    </p:extLst>
+  </p:cSld>
+  <p:clrMapOvr>
+    <a:masterClrMapping/>
+  </p:clrMapOvr>
+  <p:timing>
+    <p:tnLst>
+      <p:par>
+        <p:cTn id="1" dur="indefinite" restart="never" nodeType="tmRoot"/>
+      </p:par>
+    </p:tnLst>
+  </p:timing>
 </p:sld>
 </file>
 

--- a/PPT_Image.pptx
+++ b/PPT_Image.pptx
@@ -7,6 +7,7 @@
   <p:sldIdLst>
     <p:sldId id="256" r:id="rId2"/>
     <p:sldId id="257" r:id="rId3"/>
+    <p:sldId id="258" r:id="rId4"/>
   </p:sldIdLst>
   <p:sldSz cx="12192000" cy="6858000"/>
   <p:notesSz cx="6858000" cy="9144000"/>
@@ -244,7 +245,7 @@
           <a:p>
             <a:fld id="{5C3F47B3-2A9D-4524-A859-E9ED1EDC8D04}" type="datetimeFigureOut">
               <a:rPr lang="ko-KR" altLang="en-US" smtClean="0"/>
-              <a:t>2023-03-17</a:t>
+              <a:t>2023-04-23</a:t>
             </a:fld>
             <a:endParaRPr lang="ko-KR" altLang="en-US"/>
           </a:p>
@@ -414,7 +415,7 @@
           <a:p>
             <a:fld id="{5C3F47B3-2A9D-4524-A859-E9ED1EDC8D04}" type="datetimeFigureOut">
               <a:rPr lang="ko-KR" altLang="en-US" smtClean="0"/>
-              <a:t>2023-03-17</a:t>
+              <a:t>2023-04-23</a:t>
             </a:fld>
             <a:endParaRPr lang="ko-KR" altLang="en-US"/>
           </a:p>
@@ -594,7 +595,7 @@
           <a:p>
             <a:fld id="{5C3F47B3-2A9D-4524-A859-E9ED1EDC8D04}" type="datetimeFigureOut">
               <a:rPr lang="ko-KR" altLang="en-US" smtClean="0"/>
-              <a:t>2023-03-17</a:t>
+              <a:t>2023-04-23</a:t>
             </a:fld>
             <a:endParaRPr lang="ko-KR" altLang="en-US"/>
           </a:p>
@@ -764,7 +765,7 @@
           <a:p>
             <a:fld id="{5C3F47B3-2A9D-4524-A859-E9ED1EDC8D04}" type="datetimeFigureOut">
               <a:rPr lang="ko-KR" altLang="en-US" smtClean="0"/>
-              <a:t>2023-03-17</a:t>
+              <a:t>2023-04-23</a:t>
             </a:fld>
             <a:endParaRPr lang="ko-KR" altLang="en-US"/>
           </a:p>
@@ -1010,7 +1011,7 @@
           <a:p>
             <a:fld id="{5C3F47B3-2A9D-4524-A859-E9ED1EDC8D04}" type="datetimeFigureOut">
               <a:rPr lang="ko-KR" altLang="en-US" smtClean="0"/>
-              <a:t>2023-03-17</a:t>
+              <a:t>2023-04-23</a:t>
             </a:fld>
             <a:endParaRPr lang="ko-KR" altLang="en-US"/>
           </a:p>
@@ -1242,7 +1243,7 @@
           <a:p>
             <a:fld id="{5C3F47B3-2A9D-4524-A859-E9ED1EDC8D04}" type="datetimeFigureOut">
               <a:rPr lang="ko-KR" altLang="en-US" smtClean="0"/>
-              <a:t>2023-03-17</a:t>
+              <a:t>2023-04-23</a:t>
             </a:fld>
             <a:endParaRPr lang="ko-KR" altLang="en-US"/>
           </a:p>
@@ -1609,7 +1610,7 @@
           <a:p>
             <a:fld id="{5C3F47B3-2A9D-4524-A859-E9ED1EDC8D04}" type="datetimeFigureOut">
               <a:rPr lang="ko-KR" altLang="en-US" smtClean="0"/>
-              <a:t>2023-03-17</a:t>
+              <a:t>2023-04-23</a:t>
             </a:fld>
             <a:endParaRPr lang="ko-KR" altLang="en-US"/>
           </a:p>
@@ -1727,7 +1728,7 @@
           <a:p>
             <a:fld id="{5C3F47B3-2A9D-4524-A859-E9ED1EDC8D04}" type="datetimeFigureOut">
               <a:rPr lang="ko-KR" altLang="en-US" smtClean="0"/>
-              <a:t>2023-03-17</a:t>
+              <a:t>2023-04-23</a:t>
             </a:fld>
             <a:endParaRPr lang="ko-KR" altLang="en-US"/>
           </a:p>
@@ -1822,7 +1823,7 @@
           <a:p>
             <a:fld id="{5C3F47B3-2A9D-4524-A859-E9ED1EDC8D04}" type="datetimeFigureOut">
               <a:rPr lang="ko-KR" altLang="en-US" smtClean="0"/>
-              <a:t>2023-03-17</a:t>
+              <a:t>2023-04-23</a:t>
             </a:fld>
             <a:endParaRPr lang="ko-KR" altLang="en-US"/>
           </a:p>
@@ -2099,7 +2100,7 @@
           <a:p>
             <a:fld id="{5C3F47B3-2A9D-4524-A859-E9ED1EDC8D04}" type="datetimeFigureOut">
               <a:rPr lang="ko-KR" altLang="en-US" smtClean="0"/>
-              <a:t>2023-03-17</a:t>
+              <a:t>2023-04-23</a:t>
             </a:fld>
             <a:endParaRPr lang="ko-KR" altLang="en-US"/>
           </a:p>
@@ -2352,7 +2353,7 @@
           <a:p>
             <a:fld id="{5C3F47B3-2A9D-4524-A859-E9ED1EDC8D04}" type="datetimeFigureOut">
               <a:rPr lang="ko-KR" altLang="en-US" smtClean="0"/>
-              <a:t>2023-03-17</a:t>
+              <a:t>2023-04-23</a:t>
             </a:fld>
             <a:endParaRPr lang="ko-KR" altLang="en-US"/>
           </a:p>
@@ -2565,7 +2566,7 @@
           <a:p>
             <a:fld id="{5C3F47B3-2A9D-4524-A859-E9ED1EDC8D04}" type="datetimeFigureOut">
               <a:rPr lang="ko-KR" altLang="en-US" smtClean="0"/>
-              <a:t>2023-03-17</a:t>
+              <a:t>2023-04-23</a:t>
             </a:fld>
             <a:endParaRPr lang="ko-KR" altLang="en-US"/>
           </a:p>
@@ -9151,6 +9152,1558 @@
 </p:sld>
 </file>
 
+<file path=ppt/slides/slide3.xml><?xml version="1.0" encoding="utf-8"?>
+<p:sld xmlns:a="http://schemas.openxmlformats.org/drawingml/2006/main" xmlns:r="http://schemas.openxmlformats.org/officeDocument/2006/relationships" xmlns:p="http://schemas.openxmlformats.org/presentationml/2006/main">
+  <p:cSld>
+    <p:spTree>
+      <p:nvGrpSpPr>
+        <p:cNvPr id="1" name=""/>
+        <p:cNvGrpSpPr/>
+        <p:nvPr/>
+      </p:nvGrpSpPr>
+      <p:grpSpPr>
+        <a:xfrm>
+          <a:off x="0" y="0"/>
+          <a:ext cx="0" cy="0"/>
+          <a:chOff x="0" y="0"/>
+          <a:chExt cx="0" cy="0"/>
+        </a:xfrm>
+      </p:grpSpPr>
+      <p:sp>
+        <p:nvSpPr>
+          <p:cNvPr id="4" name="직사각형 3"/>
+          <p:cNvSpPr/>
+          <p:nvPr/>
+        </p:nvSpPr>
+        <p:spPr>
+          <a:xfrm>
+            <a:off x="477557" y="141938"/>
+            <a:ext cx="1800000" cy="1260000"/>
+          </a:xfrm>
+          <a:prstGeom prst="rect">
+            <a:avLst/>
+          </a:prstGeom>
+          <a:solidFill>
+            <a:schemeClr val="accent4">
+              <a:lumMod val="40000"/>
+              <a:lumOff val="60000"/>
+            </a:schemeClr>
+          </a:solidFill>
+          <a:ln>
+            <a:solidFill>
+              <a:schemeClr val="tx1">
+                <a:lumMod val="65000"/>
+                <a:lumOff val="35000"/>
+              </a:schemeClr>
+            </a:solidFill>
+          </a:ln>
+          <a:effectLst>
+            <a:outerShdw blurRad="50800" dist="38100" dir="2700000" algn="tl" rotWithShape="0">
+              <a:prstClr val="black">
+                <a:alpha val="40000"/>
+              </a:prstClr>
+            </a:outerShdw>
+          </a:effectLst>
+        </p:spPr>
+        <p:style>
+          <a:lnRef idx="2">
+            <a:schemeClr val="accent1">
+              <a:shade val="50000"/>
+            </a:schemeClr>
+          </a:lnRef>
+          <a:fillRef idx="1">
+            <a:schemeClr val="accent1"/>
+          </a:fillRef>
+          <a:effectRef idx="0">
+            <a:schemeClr val="accent1"/>
+          </a:effectRef>
+          <a:fontRef idx="minor">
+            <a:schemeClr val="lt1"/>
+          </a:fontRef>
+        </p:style>
+        <p:txBody>
+          <a:bodyPr rtlCol="0" anchor="ctr"/>
+          <a:lstStyle/>
+          <a:p>
+            <a:pPr algn="ctr"/>
+            <a:r>
+              <a:rPr lang="en-US" altLang="ko-KR" dirty="0" smtClean="0">
+                <a:solidFill>
+                  <a:schemeClr val="tx1"/>
+                </a:solidFill>
+                <a:latin typeface="삼성긴고딕OTF Bold" panose="020B0600000101010101" pitchFamily="34" charset="-127"/>
+                <a:ea typeface="삼성긴고딕OTF Bold" panose="020B0600000101010101" pitchFamily="34" charset="-127"/>
+              </a:rPr>
+              <a:t>Producer</a:t>
+            </a:r>
+            <a:endParaRPr lang="ko-KR" altLang="en-US" dirty="0">
+              <a:solidFill>
+                <a:schemeClr val="tx1"/>
+              </a:solidFill>
+              <a:latin typeface="삼성긴고딕OTF Bold" panose="020B0600000101010101" pitchFamily="34" charset="-127"/>
+              <a:ea typeface="삼성긴고딕OTF Bold" panose="020B0600000101010101" pitchFamily="34" charset="-127"/>
+            </a:endParaRPr>
+          </a:p>
+        </p:txBody>
+      </p:sp>
+      <p:sp>
+        <p:nvSpPr>
+          <p:cNvPr id="9" name="직사각형 8"/>
+          <p:cNvSpPr/>
+          <p:nvPr/>
+        </p:nvSpPr>
+        <p:spPr>
+          <a:xfrm>
+            <a:off x="3344201" y="141938"/>
+            <a:ext cx="1800000" cy="1260000"/>
+          </a:xfrm>
+          <a:prstGeom prst="rect">
+            <a:avLst/>
+          </a:prstGeom>
+          <a:solidFill>
+            <a:schemeClr val="accent6">
+              <a:lumMod val="40000"/>
+              <a:lumOff val="60000"/>
+            </a:schemeClr>
+          </a:solidFill>
+          <a:ln>
+            <a:solidFill>
+              <a:schemeClr val="tx1">
+                <a:lumMod val="65000"/>
+                <a:lumOff val="35000"/>
+              </a:schemeClr>
+            </a:solidFill>
+          </a:ln>
+          <a:effectLst>
+            <a:outerShdw blurRad="50800" dist="38100" dir="2700000" algn="tl" rotWithShape="0">
+              <a:prstClr val="black">
+                <a:alpha val="40000"/>
+              </a:prstClr>
+            </a:outerShdw>
+          </a:effectLst>
+        </p:spPr>
+        <p:style>
+          <a:lnRef idx="2">
+            <a:schemeClr val="accent1">
+              <a:shade val="50000"/>
+            </a:schemeClr>
+          </a:lnRef>
+          <a:fillRef idx="1">
+            <a:schemeClr val="accent1"/>
+          </a:fillRef>
+          <a:effectRef idx="0">
+            <a:schemeClr val="accent1"/>
+          </a:effectRef>
+          <a:fontRef idx="minor">
+            <a:schemeClr val="lt1"/>
+          </a:fontRef>
+        </p:style>
+        <p:txBody>
+          <a:bodyPr rtlCol="0" anchor="ctr"/>
+          <a:lstStyle/>
+          <a:p>
+            <a:pPr algn="ctr">
+              <a:lnSpc>
+                <a:spcPct val="120000"/>
+              </a:lnSpc>
+            </a:pPr>
+            <a:r>
+              <a:rPr lang="en-US" altLang="ko-KR" dirty="0" smtClean="0">
+                <a:solidFill>
+                  <a:schemeClr val="tx1"/>
+                </a:solidFill>
+                <a:latin typeface="삼성긴고딕OTF Bold" panose="020B0600000101010101" pitchFamily="34" charset="-127"/>
+                <a:ea typeface="삼성긴고딕OTF Bold" panose="020B0600000101010101" pitchFamily="34" charset="-127"/>
+              </a:rPr>
+              <a:t>Message Queue</a:t>
+            </a:r>
+            <a:br>
+              <a:rPr lang="en-US" altLang="ko-KR" dirty="0" smtClean="0">
+                <a:solidFill>
+                  <a:schemeClr val="tx1"/>
+                </a:solidFill>
+                <a:latin typeface="삼성긴고딕OTF Bold" panose="020B0600000101010101" pitchFamily="34" charset="-127"/>
+                <a:ea typeface="삼성긴고딕OTF Bold" panose="020B0600000101010101" pitchFamily="34" charset="-127"/>
+              </a:rPr>
+            </a:br>
+            <a:r>
+              <a:rPr lang="en-US" altLang="ko-KR" dirty="0" smtClean="0">
+                <a:solidFill>
+                  <a:schemeClr val="tx1"/>
+                </a:solidFill>
+                <a:latin typeface="삼성긴고딕OTF Bold" panose="020B0600000101010101" pitchFamily="34" charset="-127"/>
+                <a:ea typeface="삼성긴고딕OTF Bold" panose="020B0600000101010101" pitchFamily="34" charset="-127"/>
+              </a:rPr>
+              <a:t>(</a:t>
+            </a:r>
+            <a:r>
+              <a:rPr lang="en-US" altLang="ko-KR" dirty="0" smtClean="0">
+                <a:solidFill>
+                  <a:srgbClr val="FF0000"/>
+                </a:solidFill>
+                <a:latin typeface="삼성긴고딕OTF Bold" panose="020B0600000101010101" pitchFamily="34" charset="-127"/>
+                <a:ea typeface="삼성긴고딕OTF Bold" panose="020B0600000101010101" pitchFamily="34" charset="-127"/>
+              </a:rPr>
+              <a:t>Broker</a:t>
+            </a:r>
+            <a:r>
+              <a:rPr lang="en-US" altLang="ko-KR" dirty="0" smtClean="0">
+                <a:solidFill>
+                  <a:schemeClr val="tx1"/>
+                </a:solidFill>
+                <a:latin typeface="삼성긴고딕OTF Bold" panose="020B0600000101010101" pitchFamily="34" charset="-127"/>
+                <a:ea typeface="삼성긴고딕OTF Bold" panose="020B0600000101010101" pitchFamily="34" charset="-127"/>
+              </a:rPr>
+              <a:t>)</a:t>
+            </a:r>
+            <a:endParaRPr lang="ko-KR" altLang="en-US" dirty="0">
+              <a:solidFill>
+                <a:schemeClr val="tx1"/>
+              </a:solidFill>
+              <a:latin typeface="삼성긴고딕OTF Bold" panose="020B0600000101010101" pitchFamily="34" charset="-127"/>
+              <a:ea typeface="삼성긴고딕OTF Bold" panose="020B0600000101010101" pitchFamily="34" charset="-127"/>
+            </a:endParaRPr>
+          </a:p>
+        </p:txBody>
+      </p:sp>
+      <p:sp>
+        <p:nvSpPr>
+          <p:cNvPr id="10" name="직사각형 9"/>
+          <p:cNvSpPr/>
+          <p:nvPr/>
+        </p:nvSpPr>
+        <p:spPr>
+          <a:xfrm>
+            <a:off x="6210845" y="141938"/>
+            <a:ext cx="1800000" cy="1260000"/>
+          </a:xfrm>
+          <a:prstGeom prst="rect">
+            <a:avLst/>
+          </a:prstGeom>
+          <a:solidFill>
+            <a:schemeClr val="accent1">
+              <a:lumMod val="60000"/>
+              <a:lumOff val="40000"/>
+            </a:schemeClr>
+          </a:solidFill>
+          <a:ln>
+            <a:solidFill>
+              <a:schemeClr val="tx1">
+                <a:lumMod val="65000"/>
+                <a:lumOff val="35000"/>
+              </a:schemeClr>
+            </a:solidFill>
+          </a:ln>
+          <a:effectLst>
+            <a:outerShdw blurRad="50800" dist="38100" dir="2700000" algn="tl" rotWithShape="0">
+              <a:prstClr val="black">
+                <a:alpha val="40000"/>
+              </a:prstClr>
+            </a:outerShdw>
+          </a:effectLst>
+        </p:spPr>
+        <p:style>
+          <a:lnRef idx="2">
+            <a:schemeClr val="accent1">
+              <a:shade val="50000"/>
+            </a:schemeClr>
+          </a:lnRef>
+          <a:fillRef idx="1">
+            <a:schemeClr val="accent1"/>
+          </a:fillRef>
+          <a:effectRef idx="0">
+            <a:schemeClr val="accent1"/>
+          </a:effectRef>
+          <a:fontRef idx="minor">
+            <a:schemeClr val="lt1"/>
+          </a:fontRef>
+        </p:style>
+        <p:txBody>
+          <a:bodyPr rtlCol="0" anchor="ctr"/>
+          <a:lstStyle/>
+          <a:p>
+            <a:pPr algn="ctr"/>
+            <a:r>
+              <a:rPr lang="en-US" altLang="ko-KR" dirty="0" smtClean="0">
+                <a:solidFill>
+                  <a:schemeClr val="tx1"/>
+                </a:solidFill>
+                <a:latin typeface="삼성긴고딕OTF Bold" panose="020B0600000101010101" pitchFamily="34" charset="-127"/>
+                <a:ea typeface="삼성긴고딕OTF Bold" panose="020B0600000101010101" pitchFamily="34" charset="-127"/>
+              </a:rPr>
+              <a:t>Consumer</a:t>
+            </a:r>
+            <a:endParaRPr lang="ko-KR" altLang="en-US" dirty="0">
+              <a:solidFill>
+                <a:schemeClr val="tx1"/>
+              </a:solidFill>
+              <a:latin typeface="삼성긴고딕OTF Bold" panose="020B0600000101010101" pitchFamily="34" charset="-127"/>
+              <a:ea typeface="삼성긴고딕OTF Bold" panose="020B0600000101010101" pitchFamily="34" charset="-127"/>
+            </a:endParaRPr>
+          </a:p>
+        </p:txBody>
+      </p:sp>
+      <p:cxnSp>
+        <p:nvCxnSpPr>
+          <p:cNvPr id="12" name="직선 화살표 연결선 11"/>
+          <p:cNvCxnSpPr>
+            <a:stCxn id="4" idx="3"/>
+            <a:endCxn id="9" idx="1"/>
+          </p:cNvCxnSpPr>
+          <p:nvPr/>
+        </p:nvCxnSpPr>
+        <p:spPr>
+          <a:xfrm>
+            <a:off x="2277557" y="771938"/>
+            <a:ext cx="1066644" cy="0"/>
+          </a:xfrm>
+          <a:prstGeom prst="straightConnector1">
+            <a:avLst/>
+          </a:prstGeom>
+          <a:ln w="19050">
+            <a:solidFill>
+              <a:schemeClr val="tx1"/>
+            </a:solidFill>
+            <a:headEnd type="triangle"/>
+            <a:tailEnd type="triangle"/>
+          </a:ln>
+        </p:spPr>
+        <p:style>
+          <a:lnRef idx="1">
+            <a:schemeClr val="accent1"/>
+          </a:lnRef>
+          <a:fillRef idx="0">
+            <a:schemeClr val="accent1"/>
+          </a:fillRef>
+          <a:effectRef idx="0">
+            <a:schemeClr val="accent1"/>
+          </a:effectRef>
+          <a:fontRef idx="minor">
+            <a:schemeClr val="tx1"/>
+          </a:fontRef>
+        </p:style>
+      </p:cxnSp>
+      <p:cxnSp>
+        <p:nvCxnSpPr>
+          <p:cNvPr id="13" name="직선 화살표 연결선 12"/>
+          <p:cNvCxnSpPr>
+            <a:stCxn id="9" idx="3"/>
+            <a:endCxn id="10" idx="1"/>
+          </p:cNvCxnSpPr>
+          <p:nvPr/>
+        </p:nvCxnSpPr>
+        <p:spPr>
+          <a:xfrm>
+            <a:off x="5144201" y="771938"/>
+            <a:ext cx="1066644" cy="0"/>
+          </a:xfrm>
+          <a:prstGeom prst="straightConnector1">
+            <a:avLst/>
+          </a:prstGeom>
+          <a:ln w="19050">
+            <a:solidFill>
+              <a:schemeClr val="tx1"/>
+            </a:solidFill>
+            <a:headEnd type="triangle"/>
+            <a:tailEnd type="triangle"/>
+          </a:ln>
+        </p:spPr>
+        <p:style>
+          <a:lnRef idx="1">
+            <a:schemeClr val="accent1"/>
+          </a:lnRef>
+          <a:fillRef idx="0">
+            <a:schemeClr val="accent1"/>
+          </a:fillRef>
+          <a:effectRef idx="0">
+            <a:schemeClr val="accent1"/>
+          </a:effectRef>
+          <a:fontRef idx="minor">
+            <a:schemeClr val="tx1"/>
+          </a:fontRef>
+        </p:style>
+      </p:cxnSp>
+      <p:grpSp>
+        <p:nvGrpSpPr>
+          <p:cNvPr id="30" name="그룹 29"/>
+          <p:cNvGrpSpPr/>
+          <p:nvPr/>
+        </p:nvGrpSpPr>
+        <p:grpSpPr>
+          <a:xfrm>
+            <a:off x="258138" y="1608001"/>
+            <a:ext cx="5870981" cy="2430173"/>
+            <a:chOff x="258138" y="2921005"/>
+            <a:chExt cx="5870981" cy="2430173"/>
+          </a:xfrm>
+        </p:grpSpPr>
+        <p:pic>
+          <p:nvPicPr>
+            <p:cNvPr id="1028" name="Picture 4" descr="https://cdn-icons-png.flaticon.com/512/2906/2906274.png"/>
+            <p:cNvPicPr>
+              <a:picLocks noChangeAspect="1" noChangeArrowheads="1"/>
+            </p:cNvPicPr>
+            <p:nvPr/>
+          </p:nvPicPr>
+          <p:blipFill>
+            <a:blip r:embed="rId2" cstate="print">
+              <a:extLst>
+                <a:ext uri="{28A0092B-C50C-407E-A947-70E740481C1C}">
+                  <a14:useLocalDpi xmlns:a14="http://schemas.microsoft.com/office/drawing/2010/main" val="0"/>
+                </a:ext>
+              </a:extLst>
+            </a:blip>
+            <a:srcRect/>
+            <a:stretch>
+              <a:fillRect/>
+            </a:stretch>
+          </p:blipFill>
+          <p:spPr bwMode="auto">
+            <a:xfrm>
+              <a:off x="2500816" y="3145516"/>
+              <a:ext cx="1440000" cy="1440000"/>
+            </a:xfrm>
+            <a:prstGeom prst="rect">
+              <a:avLst/>
+            </a:prstGeom>
+            <a:noFill/>
+            <a:extLst>
+              <a:ext uri="{909E8E84-426E-40DD-AFC4-6F175D3DCCD1}">
+                <a14:hiddenFill xmlns:a14="http://schemas.microsoft.com/office/drawing/2010/main">
+                  <a:solidFill>
+                    <a:srgbClr val="FFFFFF"/>
+                  </a:solidFill>
+                </a14:hiddenFill>
+              </a:ext>
+            </a:extLst>
+          </p:spPr>
+        </p:pic>
+        <p:pic>
+          <p:nvPicPr>
+            <p:cNvPr id="1030" name="Picture 6" descr="https://cdn-icons-png.flaticon.com/512/3126/3126647.png"/>
+            <p:cNvPicPr>
+              <a:picLocks noChangeAspect="1" noChangeArrowheads="1"/>
+            </p:cNvPicPr>
+            <p:nvPr/>
+          </p:nvPicPr>
+          <p:blipFill>
+            <a:blip r:embed="rId3" cstate="print">
+              <a:extLst>
+                <a:ext uri="{28A0092B-C50C-407E-A947-70E740481C1C}">
+                  <a14:useLocalDpi xmlns:a14="http://schemas.microsoft.com/office/drawing/2010/main" val="0"/>
+                </a:ext>
+              </a:extLst>
+            </a:blip>
+            <a:srcRect/>
+            <a:stretch>
+              <a:fillRect/>
+            </a:stretch>
+          </p:blipFill>
+          <p:spPr bwMode="auto">
+            <a:xfrm>
+              <a:off x="5193119" y="3415516"/>
+              <a:ext cx="900000" cy="900000"/>
+            </a:xfrm>
+            <a:prstGeom prst="rect">
+              <a:avLst/>
+            </a:prstGeom>
+            <a:noFill/>
+            <a:extLst>
+              <a:ext uri="{909E8E84-426E-40DD-AFC4-6F175D3DCCD1}">
+                <a14:hiddenFill xmlns:a14="http://schemas.microsoft.com/office/drawing/2010/main">
+                  <a:solidFill>
+                    <a:srgbClr val="FFFFFF"/>
+                  </a:solidFill>
+                </a14:hiddenFill>
+              </a:ext>
+            </a:extLst>
+          </p:spPr>
+        </p:pic>
+        <p:pic>
+          <p:nvPicPr>
+            <p:cNvPr id="1032" name="Picture 8" descr="https://cdn-icons-png.flaticon.com/512/3281/3281345.png"/>
+            <p:cNvPicPr>
+              <a:picLocks noChangeAspect="1" noChangeArrowheads="1"/>
+            </p:cNvPicPr>
+            <p:nvPr/>
+          </p:nvPicPr>
+          <p:blipFill>
+            <a:blip r:embed="rId4" cstate="print">
+              <a:extLst>
+                <a:ext uri="{28A0092B-C50C-407E-A947-70E740481C1C}">
+                  <a14:useLocalDpi xmlns:a14="http://schemas.microsoft.com/office/drawing/2010/main" val="0"/>
+                </a:ext>
+              </a:extLst>
+            </a:blip>
+            <a:srcRect/>
+            <a:stretch>
+              <a:fillRect/>
+            </a:stretch>
+          </p:blipFill>
+          <p:spPr bwMode="auto">
+            <a:xfrm>
+              <a:off x="416094" y="3415516"/>
+              <a:ext cx="900000" cy="900000"/>
+            </a:xfrm>
+            <a:prstGeom prst="rect">
+              <a:avLst/>
+            </a:prstGeom>
+            <a:noFill/>
+            <a:extLst>
+              <a:ext uri="{909E8E84-426E-40DD-AFC4-6F175D3DCCD1}">
+                <a14:hiddenFill xmlns:a14="http://schemas.microsoft.com/office/drawing/2010/main">
+                  <a:solidFill>
+                    <a:srgbClr val="FFFFFF"/>
+                  </a:solidFill>
+                </a14:hiddenFill>
+              </a:ext>
+            </a:extLst>
+          </p:spPr>
+        </p:pic>
+        <p:cxnSp>
+          <p:nvCxnSpPr>
+            <p:cNvPr id="17" name="직선 화살표 연결선 16"/>
+            <p:cNvCxnSpPr>
+              <a:stCxn id="1032" idx="3"/>
+              <a:endCxn id="1028" idx="1"/>
+            </p:cNvCxnSpPr>
+            <p:nvPr/>
+          </p:nvCxnSpPr>
+          <p:spPr>
+            <a:xfrm>
+              <a:off x="1316094" y="3865516"/>
+              <a:ext cx="1184722" cy="0"/>
+            </a:xfrm>
+            <a:prstGeom prst="straightConnector1">
+              <a:avLst/>
+            </a:prstGeom>
+            <a:ln w="76200">
+              <a:solidFill>
+                <a:srgbClr val="FF0000"/>
+              </a:solidFill>
+              <a:tailEnd type="triangle" w="med" len="sm"/>
+            </a:ln>
+          </p:spPr>
+          <p:style>
+            <a:lnRef idx="1">
+              <a:schemeClr val="accent1"/>
+            </a:lnRef>
+            <a:fillRef idx="0">
+              <a:schemeClr val="accent1"/>
+            </a:fillRef>
+            <a:effectRef idx="0">
+              <a:schemeClr val="accent1"/>
+            </a:effectRef>
+            <a:fontRef idx="minor">
+              <a:schemeClr val="tx1"/>
+            </a:fontRef>
+          </p:style>
+        </p:cxnSp>
+        <p:cxnSp>
+          <p:nvCxnSpPr>
+            <p:cNvPr id="23" name="직선 화살표 연결선 22"/>
+            <p:cNvCxnSpPr/>
+            <p:nvPr/>
+          </p:nvCxnSpPr>
+          <p:spPr>
+            <a:xfrm>
+              <a:off x="1284513" y="3415516"/>
+              <a:ext cx="1216303" cy="232754"/>
+            </a:xfrm>
+            <a:prstGeom prst="straightConnector1">
+              <a:avLst/>
+            </a:prstGeom>
+            <a:ln w="76200">
+              <a:solidFill>
+                <a:srgbClr val="FF0000"/>
+              </a:solidFill>
+              <a:tailEnd type="triangle" w="med" len="sm"/>
+            </a:ln>
+          </p:spPr>
+          <p:style>
+            <a:lnRef idx="1">
+              <a:schemeClr val="accent1"/>
+            </a:lnRef>
+            <a:fillRef idx="0">
+              <a:schemeClr val="accent1"/>
+            </a:fillRef>
+            <a:effectRef idx="0">
+              <a:schemeClr val="accent1"/>
+            </a:effectRef>
+            <a:fontRef idx="minor">
+              <a:schemeClr val="tx1"/>
+            </a:fontRef>
+          </p:style>
+        </p:cxnSp>
+        <p:cxnSp>
+          <p:nvCxnSpPr>
+            <p:cNvPr id="26" name="직선 화살표 연결선 25"/>
+            <p:cNvCxnSpPr/>
+            <p:nvPr/>
+          </p:nvCxnSpPr>
+          <p:spPr>
+            <a:xfrm flipV="1">
+              <a:off x="1284513" y="4098443"/>
+              <a:ext cx="1216303" cy="232754"/>
+            </a:xfrm>
+            <a:prstGeom prst="straightConnector1">
+              <a:avLst/>
+            </a:prstGeom>
+            <a:ln w="76200">
+              <a:solidFill>
+                <a:srgbClr val="FF0000"/>
+              </a:solidFill>
+              <a:tailEnd type="triangle" w="med" len="sm"/>
+            </a:ln>
+          </p:spPr>
+          <p:style>
+            <a:lnRef idx="1">
+              <a:schemeClr val="accent1"/>
+            </a:lnRef>
+            <a:fillRef idx="0">
+              <a:schemeClr val="accent1"/>
+            </a:fillRef>
+            <a:effectRef idx="0">
+              <a:schemeClr val="accent1"/>
+            </a:effectRef>
+            <a:fontRef idx="minor">
+              <a:schemeClr val="tx1"/>
+            </a:fontRef>
+          </p:style>
+        </p:cxnSp>
+        <p:cxnSp>
+          <p:nvCxnSpPr>
+            <p:cNvPr id="27" name="직선 화살표 연결선 26"/>
+            <p:cNvCxnSpPr>
+              <a:stCxn id="1028" idx="3"/>
+              <a:endCxn id="1030" idx="1"/>
+            </p:cNvCxnSpPr>
+            <p:nvPr/>
+          </p:nvCxnSpPr>
+          <p:spPr>
+            <a:xfrm>
+              <a:off x="3940816" y="3865516"/>
+              <a:ext cx="1252303" cy="0"/>
+            </a:xfrm>
+            <a:prstGeom prst="straightConnector1">
+              <a:avLst/>
+            </a:prstGeom>
+            <a:ln w="76200">
+              <a:solidFill>
+                <a:srgbClr val="FF0000"/>
+              </a:solidFill>
+              <a:tailEnd type="triangle" w="med" len="sm"/>
+            </a:ln>
+          </p:spPr>
+          <p:style>
+            <a:lnRef idx="1">
+              <a:schemeClr val="accent1"/>
+            </a:lnRef>
+            <a:fillRef idx="0">
+              <a:schemeClr val="accent1"/>
+            </a:fillRef>
+            <a:effectRef idx="0">
+              <a:schemeClr val="accent1"/>
+            </a:effectRef>
+            <a:fontRef idx="minor">
+              <a:schemeClr val="tx1"/>
+            </a:fontRef>
+          </p:style>
+        </p:cxnSp>
+        <p:sp>
+          <p:nvSpPr>
+            <p:cNvPr id="24" name="직사각형 23"/>
+            <p:cNvSpPr/>
+            <p:nvPr/>
+          </p:nvSpPr>
+          <p:spPr>
+            <a:xfrm>
+              <a:off x="380094" y="4515855"/>
+              <a:ext cx="972000" cy="360000"/>
+            </a:xfrm>
+            <a:prstGeom prst="rect">
+              <a:avLst/>
+            </a:prstGeom>
+            <a:noFill/>
+            <a:ln>
+              <a:noFill/>
+            </a:ln>
+          </p:spPr>
+          <p:style>
+            <a:lnRef idx="2">
+              <a:schemeClr val="accent1">
+                <a:shade val="50000"/>
+              </a:schemeClr>
+            </a:lnRef>
+            <a:fillRef idx="1">
+              <a:schemeClr val="accent1"/>
+            </a:fillRef>
+            <a:effectRef idx="0">
+              <a:schemeClr val="accent1"/>
+            </a:effectRef>
+            <a:fontRef idx="minor">
+              <a:schemeClr val="lt1"/>
+            </a:fontRef>
+          </p:style>
+          <p:txBody>
+            <a:bodyPr rtlCol="0" anchor="ctr"/>
+            <a:lstStyle/>
+            <a:p>
+              <a:pPr algn="ctr"/>
+              <a:r>
+                <a:rPr lang="en-US" altLang="ko-KR" dirty="0" smtClean="0">
+                  <a:solidFill>
+                    <a:schemeClr val="tx1"/>
+                  </a:solidFill>
+                  <a:latin typeface="삼성긴고딕OTF Bold" panose="020B0600000101010101" pitchFamily="34" charset="-127"/>
+                  <a:ea typeface="삼성긴고딕OTF Bold" panose="020B0600000101010101" pitchFamily="34" charset="-127"/>
+                </a:rPr>
+                <a:t>Process</a:t>
+              </a:r>
+              <a:endParaRPr lang="ko-KR" altLang="en-US" dirty="0">
+                <a:solidFill>
+                  <a:schemeClr val="tx1"/>
+                </a:solidFill>
+                <a:latin typeface="삼성긴고딕OTF Bold" panose="020B0600000101010101" pitchFamily="34" charset="-127"/>
+                <a:ea typeface="삼성긴고딕OTF Bold" panose="020B0600000101010101" pitchFamily="34" charset="-127"/>
+              </a:endParaRPr>
+            </a:p>
+          </p:txBody>
+        </p:sp>
+        <p:sp>
+          <p:nvSpPr>
+            <p:cNvPr id="32" name="직사각형 31"/>
+            <p:cNvSpPr/>
+            <p:nvPr/>
+          </p:nvSpPr>
+          <p:spPr>
+            <a:xfrm>
+              <a:off x="5157119" y="4417280"/>
+              <a:ext cx="972000" cy="360000"/>
+            </a:xfrm>
+            <a:prstGeom prst="rect">
+              <a:avLst/>
+            </a:prstGeom>
+            <a:noFill/>
+            <a:ln>
+              <a:noFill/>
+            </a:ln>
+          </p:spPr>
+          <p:style>
+            <a:lnRef idx="2">
+              <a:schemeClr val="accent1">
+                <a:shade val="50000"/>
+              </a:schemeClr>
+            </a:lnRef>
+            <a:fillRef idx="1">
+              <a:schemeClr val="accent1"/>
+            </a:fillRef>
+            <a:effectRef idx="0">
+              <a:schemeClr val="accent1"/>
+            </a:effectRef>
+            <a:fontRef idx="minor">
+              <a:schemeClr val="lt1"/>
+            </a:fontRef>
+          </p:style>
+          <p:txBody>
+            <a:bodyPr rtlCol="0" anchor="ctr"/>
+            <a:lstStyle/>
+            <a:p>
+              <a:pPr algn="ctr"/>
+              <a:r>
+                <a:rPr lang="en-US" altLang="ko-KR" dirty="0" smtClean="0">
+                  <a:solidFill>
+                    <a:schemeClr val="tx1"/>
+                  </a:solidFill>
+                  <a:latin typeface="삼성긴고딕OTF Bold" panose="020B0600000101010101" pitchFamily="34" charset="-127"/>
+                  <a:ea typeface="삼성긴고딕OTF Bold" panose="020B0600000101010101" pitchFamily="34" charset="-127"/>
+                </a:rPr>
+                <a:t>Client</a:t>
+              </a:r>
+              <a:endParaRPr lang="ko-KR" altLang="en-US" dirty="0">
+                <a:solidFill>
+                  <a:schemeClr val="tx1"/>
+                </a:solidFill>
+                <a:latin typeface="삼성긴고딕OTF Bold" panose="020B0600000101010101" pitchFamily="34" charset="-127"/>
+                <a:ea typeface="삼성긴고딕OTF Bold" panose="020B0600000101010101" pitchFamily="34" charset="-127"/>
+              </a:endParaRPr>
+            </a:p>
+          </p:txBody>
+        </p:sp>
+        <p:sp>
+          <p:nvSpPr>
+            <p:cNvPr id="33" name="직사각형 32"/>
+            <p:cNvSpPr/>
+            <p:nvPr/>
+          </p:nvSpPr>
+          <p:spPr>
+            <a:xfrm>
+              <a:off x="1528816" y="4991178"/>
+              <a:ext cx="972000" cy="360000"/>
+            </a:xfrm>
+            <a:prstGeom prst="rect">
+              <a:avLst/>
+            </a:prstGeom>
+            <a:noFill/>
+            <a:ln>
+              <a:noFill/>
+            </a:ln>
+          </p:spPr>
+          <p:style>
+            <a:lnRef idx="2">
+              <a:schemeClr val="accent1">
+                <a:shade val="50000"/>
+              </a:schemeClr>
+            </a:lnRef>
+            <a:fillRef idx="1">
+              <a:schemeClr val="accent1"/>
+            </a:fillRef>
+            <a:effectRef idx="0">
+              <a:schemeClr val="accent1"/>
+            </a:effectRef>
+            <a:fontRef idx="minor">
+              <a:schemeClr val="lt1"/>
+            </a:fontRef>
+          </p:style>
+          <p:txBody>
+            <a:bodyPr rtlCol="0" anchor="ctr"/>
+            <a:lstStyle/>
+            <a:p>
+              <a:pPr algn="ctr"/>
+              <a:r>
+                <a:rPr lang="en-US" altLang="ko-KR" dirty="0" smtClean="0">
+                  <a:solidFill>
+                    <a:schemeClr val="tx1"/>
+                  </a:solidFill>
+                  <a:latin typeface="삼성긴고딕OTF Bold" panose="020B0600000101010101" pitchFamily="34" charset="-127"/>
+                  <a:ea typeface="삼성긴고딕OTF Bold" panose="020B0600000101010101" pitchFamily="34" charset="-127"/>
+                </a:rPr>
+                <a:t>Sever</a:t>
+              </a:r>
+              <a:endParaRPr lang="ko-KR" altLang="en-US" dirty="0">
+                <a:solidFill>
+                  <a:schemeClr val="tx1"/>
+                </a:solidFill>
+                <a:latin typeface="삼성긴고딕OTF Bold" panose="020B0600000101010101" pitchFamily="34" charset="-127"/>
+                <a:ea typeface="삼성긴고딕OTF Bold" panose="020B0600000101010101" pitchFamily="34" charset="-127"/>
+              </a:endParaRPr>
+            </a:p>
+          </p:txBody>
+        </p:sp>
+        <p:sp>
+          <p:nvSpPr>
+            <p:cNvPr id="25" name="직사각형 24"/>
+            <p:cNvSpPr/>
+            <p:nvPr/>
+          </p:nvSpPr>
+          <p:spPr>
+            <a:xfrm>
+              <a:off x="258138" y="2921005"/>
+              <a:ext cx="3780000" cy="1980000"/>
+            </a:xfrm>
+            <a:prstGeom prst="rect">
+              <a:avLst/>
+            </a:prstGeom>
+            <a:noFill/>
+            <a:ln w="19050">
+              <a:solidFill>
+                <a:schemeClr val="accent1"/>
+              </a:solidFill>
+              <a:prstDash val="dash"/>
+            </a:ln>
+          </p:spPr>
+          <p:style>
+            <a:lnRef idx="2">
+              <a:schemeClr val="accent1">
+                <a:shade val="50000"/>
+              </a:schemeClr>
+            </a:lnRef>
+            <a:fillRef idx="1">
+              <a:schemeClr val="accent1"/>
+            </a:fillRef>
+            <a:effectRef idx="0">
+              <a:schemeClr val="accent1"/>
+            </a:effectRef>
+            <a:fontRef idx="minor">
+              <a:schemeClr val="lt1"/>
+            </a:fontRef>
+          </p:style>
+          <p:txBody>
+            <a:bodyPr rtlCol="0" anchor="ctr"/>
+            <a:lstStyle/>
+            <a:p>
+              <a:pPr algn="ctr"/>
+              <a:endParaRPr lang="ko-KR" altLang="en-US"/>
+            </a:p>
+          </p:txBody>
+        </p:sp>
+      </p:grpSp>
+      <p:cxnSp>
+        <p:nvCxnSpPr>
+          <p:cNvPr id="94" name="직선 화살표 연결선 93"/>
+          <p:cNvCxnSpPr>
+            <a:stCxn id="90" idx="0"/>
+            <a:endCxn id="61" idx="0"/>
+          </p:cNvCxnSpPr>
+          <p:nvPr/>
+        </p:nvCxnSpPr>
+        <p:spPr>
+          <a:xfrm>
+            <a:off x="11304551" y="4480167"/>
+            <a:ext cx="0" cy="1023057"/>
+          </a:xfrm>
+          <a:prstGeom prst="straightConnector1">
+            <a:avLst/>
+          </a:prstGeom>
+          <a:ln w="76200">
+            <a:solidFill>
+              <a:srgbClr val="00B0F0">
+                <a:alpha val="50000"/>
+              </a:srgbClr>
+            </a:solidFill>
+            <a:tailEnd type="triangle" w="med" len="sm"/>
+          </a:ln>
+        </p:spPr>
+        <p:style>
+          <a:lnRef idx="1">
+            <a:schemeClr val="accent1"/>
+          </a:lnRef>
+          <a:fillRef idx="0">
+            <a:schemeClr val="accent1"/>
+          </a:fillRef>
+          <a:effectRef idx="0">
+            <a:schemeClr val="accent1"/>
+          </a:effectRef>
+          <a:fontRef idx="minor">
+            <a:schemeClr val="tx1"/>
+          </a:fontRef>
+        </p:style>
+      </p:cxnSp>
+      <p:pic>
+        <p:nvPicPr>
+          <p:cNvPr id="60" name="Picture 4" descr="https://cdn-icons-png.flaticon.com/512/2906/2906274.png"/>
+          <p:cNvPicPr>
+            <a:picLocks noChangeAspect="1" noChangeArrowheads="1"/>
+          </p:cNvPicPr>
+          <p:nvPr/>
+        </p:nvPicPr>
+        <p:blipFill>
+          <a:blip r:embed="rId2" cstate="print">
+            <a:extLst>
+              <a:ext uri="{28A0092B-C50C-407E-A947-70E740481C1C}">
+                <a14:useLocalDpi xmlns:a14="http://schemas.microsoft.com/office/drawing/2010/main" val="0"/>
+              </a:ext>
+            </a:extLst>
+          </a:blip>
+          <a:srcRect/>
+          <a:stretch>
+            <a:fillRect/>
+          </a:stretch>
+        </p:blipFill>
+        <p:spPr bwMode="auto">
+          <a:xfrm>
+            <a:off x="8080522" y="4647735"/>
+            <a:ext cx="1440000" cy="1440000"/>
+          </a:xfrm>
+          <a:prstGeom prst="rect">
+            <a:avLst/>
+          </a:prstGeom>
+          <a:noFill/>
+          <a:extLst>
+            <a:ext uri="{909E8E84-426E-40DD-AFC4-6F175D3DCCD1}">
+              <a14:hiddenFill xmlns:a14="http://schemas.microsoft.com/office/drawing/2010/main">
+                <a:solidFill>
+                  <a:srgbClr val="FFFFFF"/>
+                </a:solidFill>
+              </a14:hiddenFill>
+            </a:ext>
+          </a:extLst>
+        </p:spPr>
+      </p:pic>
+      <p:pic>
+        <p:nvPicPr>
+          <p:cNvPr id="61" name="Picture 6" descr="https://cdn-icons-png.flaticon.com/512/3126/3126647.png"/>
+          <p:cNvPicPr>
+            <a:picLocks noChangeAspect="1" noChangeArrowheads="1"/>
+          </p:cNvPicPr>
+          <p:nvPr/>
+        </p:nvPicPr>
+        <p:blipFill>
+          <a:blip r:embed="rId3" cstate="print">
+            <a:extLst>
+              <a:ext uri="{28A0092B-C50C-407E-A947-70E740481C1C}">
+                <a14:useLocalDpi xmlns:a14="http://schemas.microsoft.com/office/drawing/2010/main" val="0"/>
+              </a:ext>
+            </a:extLst>
+          </a:blip>
+          <a:srcRect/>
+          <a:stretch>
+            <a:fillRect/>
+          </a:stretch>
+        </p:blipFill>
+        <p:spPr bwMode="auto">
+          <a:xfrm>
+            <a:off x="10854551" y="5503224"/>
+            <a:ext cx="900000" cy="900000"/>
+          </a:xfrm>
+          <a:prstGeom prst="rect">
+            <a:avLst/>
+          </a:prstGeom>
+          <a:noFill/>
+          <a:extLst>
+            <a:ext uri="{909E8E84-426E-40DD-AFC4-6F175D3DCCD1}">
+              <a14:hiddenFill xmlns:a14="http://schemas.microsoft.com/office/drawing/2010/main">
+                <a:solidFill>
+                  <a:srgbClr val="FFFFFF"/>
+                </a:solidFill>
+              </a14:hiddenFill>
+            </a:ext>
+          </a:extLst>
+        </p:spPr>
+      </p:pic>
+      <p:pic>
+        <p:nvPicPr>
+          <p:cNvPr id="62" name="Picture 8" descr="https://cdn-icons-png.flaticon.com/512/3281/3281345.png"/>
+          <p:cNvPicPr>
+            <a:picLocks noChangeAspect="1" noChangeArrowheads="1"/>
+          </p:cNvPicPr>
+          <p:nvPr/>
+        </p:nvPicPr>
+        <p:blipFill>
+          <a:blip r:embed="rId4" cstate="print">
+            <a:extLst>
+              <a:ext uri="{28A0092B-C50C-407E-A947-70E740481C1C}">
+                <a14:useLocalDpi xmlns:a14="http://schemas.microsoft.com/office/drawing/2010/main" val="0"/>
+              </a:ext>
+            </a:extLst>
+          </a:blip>
+          <a:srcRect/>
+          <a:stretch>
+            <a:fillRect/>
+          </a:stretch>
+        </p:blipFill>
+        <p:spPr bwMode="auto">
+          <a:xfrm>
+            <a:off x="5995800" y="4917735"/>
+            <a:ext cx="900000" cy="900000"/>
+          </a:xfrm>
+          <a:prstGeom prst="rect">
+            <a:avLst/>
+          </a:prstGeom>
+          <a:noFill/>
+          <a:extLst>
+            <a:ext uri="{909E8E84-426E-40DD-AFC4-6F175D3DCCD1}">
+              <a14:hiddenFill xmlns:a14="http://schemas.microsoft.com/office/drawing/2010/main">
+                <a:solidFill>
+                  <a:srgbClr val="FFFFFF"/>
+                </a:solidFill>
+              </a14:hiddenFill>
+            </a:ext>
+          </a:extLst>
+        </p:spPr>
+      </p:pic>
+      <p:cxnSp>
+        <p:nvCxnSpPr>
+          <p:cNvPr id="63" name="직선 화살표 연결선 62"/>
+          <p:cNvCxnSpPr>
+            <a:stCxn id="62" idx="3"/>
+            <a:endCxn id="60" idx="1"/>
+          </p:cNvCxnSpPr>
+          <p:nvPr/>
+        </p:nvCxnSpPr>
+        <p:spPr>
+          <a:xfrm>
+            <a:off x="6895800" y="5367735"/>
+            <a:ext cx="1184722" cy="0"/>
+          </a:xfrm>
+          <a:prstGeom prst="straightConnector1">
+            <a:avLst/>
+          </a:prstGeom>
+          <a:ln w="76200">
+            <a:solidFill>
+              <a:srgbClr val="FF0000"/>
+            </a:solidFill>
+            <a:tailEnd type="triangle" w="med" len="sm"/>
+          </a:ln>
+        </p:spPr>
+        <p:style>
+          <a:lnRef idx="1">
+            <a:schemeClr val="accent1"/>
+          </a:lnRef>
+          <a:fillRef idx="0">
+            <a:schemeClr val="accent1"/>
+          </a:fillRef>
+          <a:effectRef idx="0">
+            <a:schemeClr val="accent1"/>
+          </a:effectRef>
+          <a:fontRef idx="minor">
+            <a:schemeClr val="tx1"/>
+          </a:fontRef>
+        </p:style>
+      </p:cxnSp>
+      <p:cxnSp>
+        <p:nvCxnSpPr>
+          <p:cNvPr id="64" name="직선 화살표 연결선 63"/>
+          <p:cNvCxnSpPr>
+            <a:endCxn id="1034" idx="2"/>
+          </p:cNvCxnSpPr>
+          <p:nvPr/>
+        </p:nvCxnSpPr>
+        <p:spPr>
+          <a:xfrm flipV="1">
+            <a:off x="6931800" y="3978510"/>
+            <a:ext cx="3923465" cy="1130700"/>
+          </a:xfrm>
+          <a:prstGeom prst="straightConnector1">
+            <a:avLst/>
+          </a:prstGeom>
+          <a:ln w="76200">
+            <a:solidFill>
+              <a:srgbClr val="00B0F0">
+                <a:alpha val="60000"/>
+              </a:srgbClr>
+            </a:solidFill>
+            <a:tailEnd type="triangle" w="med" len="sm"/>
+          </a:ln>
+        </p:spPr>
+        <p:style>
+          <a:lnRef idx="1">
+            <a:schemeClr val="accent1"/>
+          </a:lnRef>
+          <a:fillRef idx="0">
+            <a:schemeClr val="accent1"/>
+          </a:fillRef>
+          <a:effectRef idx="0">
+            <a:schemeClr val="accent1"/>
+          </a:effectRef>
+          <a:fontRef idx="minor">
+            <a:schemeClr val="tx1"/>
+          </a:fontRef>
+        </p:style>
+      </p:cxnSp>
+      <p:cxnSp>
+        <p:nvCxnSpPr>
+          <p:cNvPr id="65" name="직선 화살표 연결선 64"/>
+          <p:cNvCxnSpPr/>
+          <p:nvPr/>
+        </p:nvCxnSpPr>
+        <p:spPr>
+          <a:xfrm flipV="1">
+            <a:off x="6864219" y="5600662"/>
+            <a:ext cx="1216303" cy="232754"/>
+          </a:xfrm>
+          <a:prstGeom prst="straightConnector1">
+            <a:avLst/>
+          </a:prstGeom>
+          <a:ln w="76200">
+            <a:solidFill>
+              <a:srgbClr val="FF0000"/>
+            </a:solidFill>
+            <a:tailEnd type="triangle" w="med" len="sm"/>
+          </a:ln>
+        </p:spPr>
+        <p:style>
+          <a:lnRef idx="1">
+            <a:schemeClr val="accent1"/>
+          </a:lnRef>
+          <a:fillRef idx="0">
+            <a:schemeClr val="accent1"/>
+          </a:fillRef>
+          <a:effectRef idx="0">
+            <a:schemeClr val="accent1"/>
+          </a:effectRef>
+          <a:fontRef idx="minor">
+            <a:schemeClr val="tx1"/>
+          </a:fontRef>
+        </p:style>
+      </p:cxnSp>
+      <p:cxnSp>
+        <p:nvCxnSpPr>
+          <p:cNvPr id="66" name="직선 화살표 연결선 65"/>
+          <p:cNvCxnSpPr>
+            <a:stCxn id="60" idx="3"/>
+            <a:endCxn id="61" idx="1"/>
+          </p:cNvCxnSpPr>
+          <p:nvPr/>
+        </p:nvCxnSpPr>
+        <p:spPr>
+          <a:xfrm>
+            <a:off x="9520522" y="5367735"/>
+            <a:ext cx="1334029" cy="585489"/>
+          </a:xfrm>
+          <a:prstGeom prst="straightConnector1">
+            <a:avLst/>
+          </a:prstGeom>
+          <a:ln w="76200">
+            <a:solidFill>
+              <a:srgbClr val="00B050"/>
+            </a:solidFill>
+            <a:tailEnd type="triangle" w="med" len="sm"/>
+          </a:ln>
+        </p:spPr>
+        <p:style>
+          <a:lnRef idx="1">
+            <a:schemeClr val="accent1"/>
+          </a:lnRef>
+          <a:fillRef idx="0">
+            <a:schemeClr val="accent1"/>
+          </a:fillRef>
+          <a:effectRef idx="0">
+            <a:schemeClr val="accent1"/>
+          </a:effectRef>
+          <a:fontRef idx="minor">
+            <a:schemeClr val="tx1"/>
+          </a:fontRef>
+        </p:style>
+      </p:cxnSp>
+      <p:sp>
+        <p:nvSpPr>
+          <p:cNvPr id="67" name="직사각형 66"/>
+          <p:cNvSpPr/>
+          <p:nvPr/>
+        </p:nvSpPr>
+        <p:spPr>
+          <a:xfrm>
+            <a:off x="5959800" y="6018074"/>
+            <a:ext cx="972000" cy="360000"/>
+          </a:xfrm>
+          <a:prstGeom prst="rect">
+            <a:avLst/>
+          </a:prstGeom>
+          <a:noFill/>
+          <a:ln>
+            <a:noFill/>
+          </a:ln>
+        </p:spPr>
+        <p:style>
+          <a:lnRef idx="2">
+            <a:schemeClr val="accent1">
+              <a:shade val="50000"/>
+            </a:schemeClr>
+          </a:lnRef>
+          <a:fillRef idx="1">
+            <a:schemeClr val="accent1"/>
+          </a:fillRef>
+          <a:effectRef idx="0">
+            <a:schemeClr val="accent1"/>
+          </a:effectRef>
+          <a:fontRef idx="minor">
+            <a:schemeClr val="lt1"/>
+          </a:fontRef>
+        </p:style>
+        <p:txBody>
+          <a:bodyPr rtlCol="0" anchor="ctr"/>
+          <a:lstStyle/>
+          <a:p>
+            <a:pPr algn="ctr"/>
+            <a:r>
+              <a:rPr lang="en-US" altLang="ko-KR" dirty="0" smtClean="0">
+                <a:solidFill>
+                  <a:schemeClr val="tx1"/>
+                </a:solidFill>
+                <a:latin typeface="삼성긴고딕OTF Bold" panose="020B0600000101010101" pitchFamily="34" charset="-127"/>
+                <a:ea typeface="삼성긴고딕OTF Bold" panose="020B0600000101010101" pitchFamily="34" charset="-127"/>
+              </a:rPr>
+              <a:t>Process</a:t>
+            </a:r>
+            <a:endParaRPr lang="ko-KR" altLang="en-US" dirty="0">
+              <a:solidFill>
+                <a:schemeClr val="tx1"/>
+              </a:solidFill>
+              <a:latin typeface="삼성긴고딕OTF Bold" panose="020B0600000101010101" pitchFamily="34" charset="-127"/>
+              <a:ea typeface="삼성긴고딕OTF Bold" panose="020B0600000101010101" pitchFamily="34" charset="-127"/>
+            </a:endParaRPr>
+          </a:p>
+        </p:txBody>
+      </p:sp>
+      <p:sp>
+        <p:nvSpPr>
+          <p:cNvPr id="68" name="직사각형 67"/>
+          <p:cNvSpPr/>
+          <p:nvPr/>
+        </p:nvSpPr>
+        <p:spPr>
+          <a:xfrm>
+            <a:off x="10818551" y="6493397"/>
+            <a:ext cx="972000" cy="360000"/>
+          </a:xfrm>
+          <a:prstGeom prst="rect">
+            <a:avLst/>
+          </a:prstGeom>
+          <a:noFill/>
+          <a:ln>
+            <a:noFill/>
+          </a:ln>
+        </p:spPr>
+        <p:style>
+          <a:lnRef idx="2">
+            <a:schemeClr val="accent1">
+              <a:shade val="50000"/>
+            </a:schemeClr>
+          </a:lnRef>
+          <a:fillRef idx="1">
+            <a:schemeClr val="accent1"/>
+          </a:fillRef>
+          <a:effectRef idx="0">
+            <a:schemeClr val="accent1"/>
+          </a:effectRef>
+          <a:fontRef idx="minor">
+            <a:schemeClr val="lt1"/>
+          </a:fontRef>
+        </p:style>
+        <p:txBody>
+          <a:bodyPr rtlCol="0" anchor="ctr"/>
+          <a:lstStyle/>
+          <a:p>
+            <a:pPr algn="ctr"/>
+            <a:r>
+              <a:rPr lang="en-US" altLang="ko-KR" dirty="0" smtClean="0">
+                <a:solidFill>
+                  <a:schemeClr val="tx1"/>
+                </a:solidFill>
+                <a:latin typeface="삼성긴고딕OTF Bold" panose="020B0600000101010101" pitchFamily="34" charset="-127"/>
+                <a:ea typeface="삼성긴고딕OTF Bold" panose="020B0600000101010101" pitchFamily="34" charset="-127"/>
+              </a:rPr>
+              <a:t>Client</a:t>
+            </a:r>
+            <a:endParaRPr lang="ko-KR" altLang="en-US" dirty="0">
+              <a:solidFill>
+                <a:schemeClr val="tx1"/>
+              </a:solidFill>
+              <a:latin typeface="삼성긴고딕OTF Bold" panose="020B0600000101010101" pitchFamily="34" charset="-127"/>
+              <a:ea typeface="삼성긴고딕OTF Bold" panose="020B0600000101010101" pitchFamily="34" charset="-127"/>
+            </a:endParaRPr>
+          </a:p>
+        </p:txBody>
+      </p:sp>
+      <p:sp>
+        <p:nvSpPr>
+          <p:cNvPr id="69" name="직사각형 68"/>
+          <p:cNvSpPr/>
+          <p:nvPr/>
+        </p:nvSpPr>
+        <p:spPr>
+          <a:xfrm>
+            <a:off x="7108522" y="6493397"/>
+            <a:ext cx="972000" cy="360000"/>
+          </a:xfrm>
+          <a:prstGeom prst="rect">
+            <a:avLst/>
+          </a:prstGeom>
+          <a:noFill/>
+          <a:ln>
+            <a:noFill/>
+          </a:ln>
+        </p:spPr>
+        <p:style>
+          <a:lnRef idx="2">
+            <a:schemeClr val="accent1">
+              <a:shade val="50000"/>
+            </a:schemeClr>
+          </a:lnRef>
+          <a:fillRef idx="1">
+            <a:schemeClr val="accent1"/>
+          </a:fillRef>
+          <a:effectRef idx="0">
+            <a:schemeClr val="accent1"/>
+          </a:effectRef>
+          <a:fontRef idx="minor">
+            <a:schemeClr val="lt1"/>
+          </a:fontRef>
+        </p:style>
+        <p:txBody>
+          <a:bodyPr rtlCol="0" anchor="ctr"/>
+          <a:lstStyle/>
+          <a:p>
+            <a:pPr algn="ctr"/>
+            <a:r>
+              <a:rPr lang="en-US" altLang="ko-KR" dirty="0" smtClean="0">
+                <a:solidFill>
+                  <a:schemeClr val="tx1"/>
+                </a:solidFill>
+                <a:latin typeface="삼성긴고딕OTF Bold" panose="020B0600000101010101" pitchFamily="34" charset="-127"/>
+                <a:ea typeface="삼성긴고딕OTF Bold" panose="020B0600000101010101" pitchFamily="34" charset="-127"/>
+              </a:rPr>
+              <a:t>Sever</a:t>
+            </a:r>
+            <a:endParaRPr lang="ko-KR" altLang="en-US" dirty="0">
+              <a:solidFill>
+                <a:schemeClr val="tx1"/>
+              </a:solidFill>
+              <a:latin typeface="삼성긴고딕OTF Bold" panose="020B0600000101010101" pitchFamily="34" charset="-127"/>
+              <a:ea typeface="삼성긴고딕OTF Bold" panose="020B0600000101010101" pitchFamily="34" charset="-127"/>
+            </a:endParaRPr>
+          </a:p>
+        </p:txBody>
+      </p:sp>
+      <p:sp>
+        <p:nvSpPr>
+          <p:cNvPr id="70" name="직사각형 69"/>
+          <p:cNvSpPr/>
+          <p:nvPr/>
+        </p:nvSpPr>
+        <p:spPr>
+          <a:xfrm>
+            <a:off x="5837844" y="4423224"/>
+            <a:ext cx="3780000" cy="1980000"/>
+          </a:xfrm>
+          <a:prstGeom prst="rect">
+            <a:avLst/>
+          </a:prstGeom>
+          <a:noFill/>
+          <a:ln w="19050">
+            <a:solidFill>
+              <a:schemeClr val="accent1"/>
+            </a:solidFill>
+            <a:prstDash val="dash"/>
+          </a:ln>
+        </p:spPr>
+        <p:style>
+          <a:lnRef idx="2">
+            <a:schemeClr val="accent1">
+              <a:shade val="50000"/>
+            </a:schemeClr>
+          </a:lnRef>
+          <a:fillRef idx="1">
+            <a:schemeClr val="accent1"/>
+          </a:fillRef>
+          <a:effectRef idx="0">
+            <a:schemeClr val="accent1"/>
+          </a:effectRef>
+          <a:fontRef idx="minor">
+            <a:schemeClr val="lt1"/>
+          </a:fontRef>
+        </p:style>
+        <p:txBody>
+          <a:bodyPr rtlCol="0" anchor="ctr"/>
+          <a:lstStyle/>
+          <a:p>
+            <a:pPr algn="ctr"/>
+            <a:endParaRPr lang="ko-KR" altLang="en-US"/>
+          </a:p>
+        </p:txBody>
+      </p:sp>
+      <p:pic>
+        <p:nvPicPr>
+          <p:cNvPr id="1034" name="Picture 10" descr="https://cdn-icons-png.flaticon.com/512/3095/3095886.png"/>
+          <p:cNvPicPr>
+            <a:picLocks noChangeAspect="1" noChangeArrowheads="1"/>
+          </p:cNvPicPr>
+          <p:nvPr/>
+        </p:nvPicPr>
+        <p:blipFill>
+          <a:blip r:embed="rId5" cstate="print">
+            <a:extLst>
+              <a:ext uri="{28A0092B-C50C-407E-A947-70E740481C1C}">
+                <a14:useLocalDpi xmlns:a14="http://schemas.microsoft.com/office/drawing/2010/main" val="0"/>
+              </a:ext>
+            </a:extLst>
+          </a:blip>
+          <a:srcRect/>
+          <a:stretch>
+            <a:fillRect/>
+          </a:stretch>
+        </p:blipFill>
+        <p:spPr bwMode="auto">
+          <a:xfrm rot="5400000">
+            <a:off x="10855265" y="3510867"/>
+            <a:ext cx="935286" cy="935286"/>
+          </a:xfrm>
+          <a:prstGeom prst="rect">
+            <a:avLst/>
+          </a:prstGeom>
+          <a:noFill/>
+          <a:extLst>
+            <a:ext uri="{909E8E84-426E-40DD-AFC4-6F175D3DCCD1}">
+              <a14:hiddenFill xmlns:a14="http://schemas.microsoft.com/office/drawing/2010/main">
+                <a:solidFill>
+                  <a:srgbClr val="FFFFFF"/>
+                </a:solidFill>
+              </a14:hiddenFill>
+            </a:ext>
+          </a:extLst>
+        </p:spPr>
+      </p:pic>
+      <p:sp>
+        <p:nvSpPr>
+          <p:cNvPr id="90" name="직사각형 89"/>
+          <p:cNvSpPr/>
+          <p:nvPr/>
+        </p:nvSpPr>
+        <p:spPr>
+          <a:xfrm>
+            <a:off x="10736825" y="4480167"/>
+            <a:ext cx="1135452" cy="360000"/>
+          </a:xfrm>
+          <a:prstGeom prst="rect">
+            <a:avLst/>
+          </a:prstGeom>
+          <a:noFill/>
+          <a:ln>
+            <a:noFill/>
+          </a:ln>
+        </p:spPr>
+        <p:style>
+          <a:lnRef idx="2">
+            <a:schemeClr val="accent1">
+              <a:shade val="50000"/>
+            </a:schemeClr>
+          </a:lnRef>
+          <a:fillRef idx="1">
+            <a:schemeClr val="accent1"/>
+          </a:fillRef>
+          <a:effectRef idx="0">
+            <a:schemeClr val="accent1"/>
+          </a:effectRef>
+          <a:fontRef idx="minor">
+            <a:schemeClr val="lt1"/>
+          </a:fontRef>
+        </p:style>
+        <p:txBody>
+          <a:bodyPr rtlCol="0" anchor="ctr"/>
+          <a:lstStyle/>
+          <a:p>
+            <a:pPr algn="ctr"/>
+            <a:r>
+              <a:rPr lang="en-US" altLang="ko-KR" dirty="0" smtClean="0">
+                <a:solidFill>
+                  <a:schemeClr val="tx1"/>
+                </a:solidFill>
+                <a:latin typeface="삼성긴고딕OTF Bold" panose="020B0600000101010101" pitchFamily="34" charset="-127"/>
+                <a:ea typeface="삼성긴고딕OTF Bold" panose="020B0600000101010101" pitchFamily="34" charset="-127"/>
+              </a:rPr>
+              <a:t>Message Queue</a:t>
+            </a:r>
+            <a:endParaRPr lang="ko-KR" altLang="en-US" dirty="0">
+              <a:solidFill>
+                <a:schemeClr val="tx1"/>
+              </a:solidFill>
+              <a:latin typeface="삼성긴고딕OTF Bold" panose="020B0600000101010101" pitchFamily="34" charset="-127"/>
+              <a:ea typeface="삼성긴고딕OTF Bold" panose="020B0600000101010101" pitchFamily="34" charset="-127"/>
+            </a:endParaRPr>
+          </a:p>
+        </p:txBody>
+      </p:sp>
+    </p:spTree>
+    <p:extLst>
+      <p:ext uri="{BB962C8B-B14F-4D97-AF65-F5344CB8AC3E}">
+        <p14:creationId xmlns:p14="http://schemas.microsoft.com/office/powerpoint/2010/main" val="3750218339"/>
+      </p:ext>
+    </p:extLst>
+  </p:cSld>
+  <p:clrMapOvr>
+    <a:masterClrMapping/>
+  </p:clrMapOvr>
+  <p:timing>
+    <p:tnLst>
+      <p:par>
+        <p:cTn id="1" dur="indefinite" restart="never" nodeType="tmRoot"/>
+      </p:par>
+    </p:tnLst>
+  </p:timing>
+</p:sld>
+</file>
+
 <file path=ppt/theme/theme1.xml><?xml version="1.0" encoding="utf-8"?>
 <a:theme xmlns:a="http://schemas.openxmlformats.org/drawingml/2006/main" name="Office 테마">
   <a:themeElements>

--- a/PPT_Image.pptx
+++ b/PPT_Image.pptx
@@ -8,6 +8,7 @@
     <p:sldId id="256" r:id="rId2"/>
     <p:sldId id="257" r:id="rId3"/>
     <p:sldId id="258" r:id="rId4"/>
+    <p:sldId id="259" r:id="rId5"/>
   </p:sldIdLst>
   <p:sldSz cx="12192000" cy="6858000"/>
   <p:notesSz cx="6858000" cy="9144000"/>
@@ -245,7 +246,7 @@
           <a:p>
             <a:fld id="{5C3F47B3-2A9D-4524-A859-E9ED1EDC8D04}" type="datetimeFigureOut">
               <a:rPr lang="ko-KR" altLang="en-US" smtClean="0"/>
-              <a:t>2023-04-23</a:t>
+              <a:t>2023-05-20</a:t>
             </a:fld>
             <a:endParaRPr lang="ko-KR" altLang="en-US"/>
           </a:p>
@@ -415,7 +416,7 @@
           <a:p>
             <a:fld id="{5C3F47B3-2A9D-4524-A859-E9ED1EDC8D04}" type="datetimeFigureOut">
               <a:rPr lang="ko-KR" altLang="en-US" smtClean="0"/>
-              <a:t>2023-04-23</a:t>
+              <a:t>2023-05-20</a:t>
             </a:fld>
             <a:endParaRPr lang="ko-KR" altLang="en-US"/>
           </a:p>
@@ -595,7 +596,7 @@
           <a:p>
             <a:fld id="{5C3F47B3-2A9D-4524-A859-E9ED1EDC8D04}" type="datetimeFigureOut">
               <a:rPr lang="ko-KR" altLang="en-US" smtClean="0"/>
-              <a:t>2023-04-23</a:t>
+              <a:t>2023-05-20</a:t>
             </a:fld>
             <a:endParaRPr lang="ko-KR" altLang="en-US"/>
           </a:p>
@@ -765,7 +766,7 @@
           <a:p>
             <a:fld id="{5C3F47B3-2A9D-4524-A859-E9ED1EDC8D04}" type="datetimeFigureOut">
               <a:rPr lang="ko-KR" altLang="en-US" smtClean="0"/>
-              <a:t>2023-04-23</a:t>
+              <a:t>2023-05-20</a:t>
             </a:fld>
             <a:endParaRPr lang="ko-KR" altLang="en-US"/>
           </a:p>
@@ -1011,7 +1012,7 @@
           <a:p>
             <a:fld id="{5C3F47B3-2A9D-4524-A859-E9ED1EDC8D04}" type="datetimeFigureOut">
               <a:rPr lang="ko-KR" altLang="en-US" smtClean="0"/>
-              <a:t>2023-04-23</a:t>
+              <a:t>2023-05-20</a:t>
             </a:fld>
             <a:endParaRPr lang="ko-KR" altLang="en-US"/>
           </a:p>
@@ -1243,7 +1244,7 @@
           <a:p>
             <a:fld id="{5C3F47B3-2A9D-4524-A859-E9ED1EDC8D04}" type="datetimeFigureOut">
               <a:rPr lang="ko-KR" altLang="en-US" smtClean="0"/>
-              <a:t>2023-04-23</a:t>
+              <a:t>2023-05-20</a:t>
             </a:fld>
             <a:endParaRPr lang="ko-KR" altLang="en-US"/>
           </a:p>
@@ -1610,7 +1611,7 @@
           <a:p>
             <a:fld id="{5C3F47B3-2A9D-4524-A859-E9ED1EDC8D04}" type="datetimeFigureOut">
               <a:rPr lang="ko-KR" altLang="en-US" smtClean="0"/>
-              <a:t>2023-04-23</a:t>
+              <a:t>2023-05-20</a:t>
             </a:fld>
             <a:endParaRPr lang="ko-KR" altLang="en-US"/>
           </a:p>
@@ -1728,7 +1729,7 @@
           <a:p>
             <a:fld id="{5C3F47B3-2A9D-4524-A859-E9ED1EDC8D04}" type="datetimeFigureOut">
               <a:rPr lang="ko-KR" altLang="en-US" smtClean="0"/>
-              <a:t>2023-04-23</a:t>
+              <a:t>2023-05-20</a:t>
             </a:fld>
             <a:endParaRPr lang="ko-KR" altLang="en-US"/>
           </a:p>
@@ -1823,7 +1824,7 @@
           <a:p>
             <a:fld id="{5C3F47B3-2A9D-4524-A859-E9ED1EDC8D04}" type="datetimeFigureOut">
               <a:rPr lang="ko-KR" altLang="en-US" smtClean="0"/>
-              <a:t>2023-04-23</a:t>
+              <a:t>2023-05-20</a:t>
             </a:fld>
             <a:endParaRPr lang="ko-KR" altLang="en-US"/>
           </a:p>
@@ -2100,7 +2101,7 @@
           <a:p>
             <a:fld id="{5C3F47B3-2A9D-4524-A859-E9ED1EDC8D04}" type="datetimeFigureOut">
               <a:rPr lang="ko-KR" altLang="en-US" smtClean="0"/>
-              <a:t>2023-04-23</a:t>
+              <a:t>2023-05-20</a:t>
             </a:fld>
             <a:endParaRPr lang="ko-KR" altLang="en-US"/>
           </a:p>
@@ -2353,7 +2354,7 @@
           <a:p>
             <a:fld id="{5C3F47B3-2A9D-4524-A859-E9ED1EDC8D04}" type="datetimeFigureOut">
               <a:rPr lang="ko-KR" altLang="en-US" smtClean="0"/>
-              <a:t>2023-04-23</a:t>
+              <a:t>2023-05-20</a:t>
             </a:fld>
             <a:endParaRPr lang="ko-KR" altLang="en-US"/>
           </a:p>
@@ -2566,7 +2567,7 @@
           <a:p>
             <a:fld id="{5C3F47B3-2A9D-4524-A859-E9ED1EDC8D04}" type="datetimeFigureOut">
               <a:rPr lang="ko-KR" altLang="en-US" smtClean="0"/>
-              <a:t>2023-04-23</a:t>
+              <a:t>2023-05-20</a:t>
             </a:fld>
             <a:endParaRPr lang="ko-KR" altLang="en-US"/>
           </a:p>
@@ -10704,6 +10705,2455 @@
 </p:sld>
 </file>
 
+<file path=ppt/slides/slide4.xml><?xml version="1.0" encoding="utf-8"?>
+<p:sld xmlns:a="http://schemas.openxmlformats.org/drawingml/2006/main" xmlns:r="http://schemas.openxmlformats.org/officeDocument/2006/relationships" xmlns:p="http://schemas.openxmlformats.org/presentationml/2006/main">
+  <p:cSld>
+    <p:spTree>
+      <p:nvGrpSpPr>
+        <p:cNvPr id="1" name=""/>
+        <p:cNvGrpSpPr/>
+        <p:nvPr/>
+      </p:nvGrpSpPr>
+      <p:grpSpPr>
+        <a:xfrm>
+          <a:off x="0" y="0"/>
+          <a:ext cx="0" cy="0"/>
+          <a:chOff x="0" y="0"/>
+          <a:chExt cx="0" cy="0"/>
+        </a:xfrm>
+      </p:grpSpPr>
+      <p:grpSp>
+        <p:nvGrpSpPr>
+          <p:cNvPr id="10" name="그룹 9"/>
+          <p:cNvGrpSpPr/>
+          <p:nvPr/>
+        </p:nvGrpSpPr>
+        <p:grpSpPr>
+          <a:xfrm>
+            <a:off x="274320" y="1069848"/>
+            <a:ext cx="1508760" cy="896112"/>
+            <a:chOff x="868680" y="493776"/>
+            <a:chExt cx="1508760" cy="896112"/>
+          </a:xfrm>
+        </p:grpSpPr>
+        <p:sp>
+          <p:nvSpPr>
+            <p:cNvPr id="4" name="직사각형 3"/>
+            <p:cNvSpPr/>
+            <p:nvPr/>
+          </p:nvSpPr>
+          <p:spPr>
+            <a:xfrm>
+              <a:off x="868680" y="941832"/>
+              <a:ext cx="1508760" cy="448056"/>
+            </a:xfrm>
+            <a:prstGeom prst="rect">
+              <a:avLst/>
+            </a:prstGeom>
+            <a:solidFill>
+              <a:schemeClr val="accent4">
+                <a:lumMod val="20000"/>
+                <a:lumOff val="80000"/>
+              </a:schemeClr>
+            </a:solidFill>
+            <a:ln>
+              <a:noFill/>
+            </a:ln>
+            <a:effectLst>
+              <a:outerShdw blurRad="50800" dist="38100" dir="2700000" algn="tl" rotWithShape="0">
+                <a:prstClr val="black">
+                  <a:alpha val="40000"/>
+                </a:prstClr>
+              </a:outerShdw>
+            </a:effectLst>
+          </p:spPr>
+          <p:style>
+            <a:lnRef idx="2">
+              <a:schemeClr val="accent1">
+                <a:shade val="50000"/>
+              </a:schemeClr>
+            </a:lnRef>
+            <a:fillRef idx="1">
+              <a:schemeClr val="accent1"/>
+            </a:fillRef>
+            <a:effectRef idx="0">
+              <a:schemeClr val="accent1"/>
+            </a:effectRef>
+            <a:fontRef idx="minor">
+              <a:schemeClr val="lt1"/>
+            </a:fontRef>
+          </p:style>
+          <p:txBody>
+            <a:bodyPr rtlCol="0" anchor="ctr"/>
+            <a:lstStyle/>
+            <a:p>
+              <a:pPr algn="ctr"/>
+              <a:r>
+                <a:rPr lang="en-US" altLang="ko-KR" dirty="0" smtClean="0">
+                  <a:solidFill>
+                    <a:schemeClr val="tx1"/>
+                  </a:solidFill>
+                  <a:latin typeface="삼성긴고딕OTF Medium" panose="020B0600000101010101" pitchFamily="34" charset="-127"/>
+                  <a:ea typeface="삼성긴고딕OTF Medium" panose="020B0600000101010101" pitchFamily="34" charset="-127"/>
+                </a:rPr>
+                <a:t>null</a:t>
+              </a:r>
+              <a:endParaRPr lang="ko-KR" altLang="en-US" dirty="0">
+                <a:solidFill>
+                  <a:schemeClr val="tx1"/>
+                </a:solidFill>
+                <a:latin typeface="삼성긴고딕OTF Medium" panose="020B0600000101010101" pitchFamily="34" charset="-127"/>
+                <a:ea typeface="삼성긴고딕OTF Medium" panose="020B0600000101010101" pitchFamily="34" charset="-127"/>
+              </a:endParaRPr>
+            </a:p>
+          </p:txBody>
+        </p:sp>
+        <p:sp>
+          <p:nvSpPr>
+            <p:cNvPr id="7" name="직사각형 6"/>
+            <p:cNvSpPr/>
+            <p:nvPr/>
+          </p:nvSpPr>
+          <p:spPr>
+            <a:xfrm>
+              <a:off x="868680" y="493776"/>
+              <a:ext cx="1508760" cy="448056"/>
+            </a:xfrm>
+            <a:prstGeom prst="rect">
+              <a:avLst/>
+            </a:prstGeom>
+            <a:noFill/>
+            <a:ln>
+              <a:noFill/>
+            </a:ln>
+            <a:effectLst/>
+          </p:spPr>
+          <p:style>
+            <a:lnRef idx="2">
+              <a:schemeClr val="accent1">
+                <a:shade val="50000"/>
+              </a:schemeClr>
+            </a:lnRef>
+            <a:fillRef idx="1">
+              <a:schemeClr val="accent1"/>
+            </a:fillRef>
+            <a:effectRef idx="0">
+              <a:schemeClr val="accent1"/>
+            </a:effectRef>
+            <a:fontRef idx="minor">
+              <a:schemeClr val="lt1"/>
+            </a:fontRef>
+          </p:style>
+          <p:txBody>
+            <a:bodyPr lIns="36000" tIns="36000" rIns="36000" bIns="36000" rtlCol="0" anchor="ctr"/>
+            <a:lstStyle/>
+            <a:p>
+              <a:pPr algn="ctr"/>
+              <a:r>
+                <a:rPr lang="en-US" altLang="ko-KR" sz="1600" dirty="0" smtClean="0">
+                  <a:solidFill>
+                    <a:schemeClr val="tx1"/>
+                  </a:solidFill>
+                  <a:latin typeface="삼성긴고딕OTF Light" panose="020B0600000101010101" pitchFamily="34" charset="-127"/>
+                  <a:ea typeface="삼성긴고딕OTF Light" panose="020B0600000101010101" pitchFamily="34" charset="-127"/>
+                </a:rPr>
+                <a:t>pairs[0]</a:t>
+              </a:r>
+              <a:endParaRPr lang="ko-KR" altLang="en-US" sz="1600" dirty="0">
+                <a:solidFill>
+                  <a:schemeClr val="tx1"/>
+                </a:solidFill>
+                <a:latin typeface="삼성긴고딕OTF Light" panose="020B0600000101010101" pitchFamily="34" charset="-127"/>
+                <a:ea typeface="삼성긴고딕OTF Light" panose="020B0600000101010101" pitchFamily="34" charset="-127"/>
+              </a:endParaRPr>
+            </a:p>
+          </p:txBody>
+        </p:sp>
+      </p:grpSp>
+      <p:grpSp>
+        <p:nvGrpSpPr>
+          <p:cNvPr id="11" name="그룹 10"/>
+          <p:cNvGrpSpPr/>
+          <p:nvPr/>
+        </p:nvGrpSpPr>
+        <p:grpSpPr>
+          <a:xfrm>
+            <a:off x="2313432" y="1069848"/>
+            <a:ext cx="1508760" cy="896112"/>
+            <a:chOff x="2907792" y="493776"/>
+            <a:chExt cx="1508760" cy="896112"/>
+          </a:xfrm>
+        </p:grpSpPr>
+        <p:sp>
+          <p:nvSpPr>
+            <p:cNvPr id="5" name="직사각형 4"/>
+            <p:cNvSpPr/>
+            <p:nvPr/>
+          </p:nvSpPr>
+          <p:spPr>
+            <a:xfrm>
+              <a:off x="2907792" y="941832"/>
+              <a:ext cx="1508760" cy="448056"/>
+            </a:xfrm>
+            <a:prstGeom prst="rect">
+              <a:avLst/>
+            </a:prstGeom>
+            <a:solidFill>
+              <a:schemeClr val="accent4">
+                <a:lumMod val="20000"/>
+                <a:lumOff val="80000"/>
+              </a:schemeClr>
+            </a:solidFill>
+            <a:ln>
+              <a:noFill/>
+            </a:ln>
+            <a:effectLst>
+              <a:outerShdw blurRad="50800" dist="38100" dir="2700000" algn="tl" rotWithShape="0">
+                <a:prstClr val="black">
+                  <a:alpha val="40000"/>
+                </a:prstClr>
+              </a:outerShdw>
+            </a:effectLst>
+          </p:spPr>
+          <p:style>
+            <a:lnRef idx="2">
+              <a:schemeClr val="accent1">
+                <a:shade val="50000"/>
+              </a:schemeClr>
+            </a:lnRef>
+            <a:fillRef idx="1">
+              <a:schemeClr val="accent1"/>
+            </a:fillRef>
+            <a:effectRef idx="0">
+              <a:schemeClr val="accent1"/>
+            </a:effectRef>
+            <a:fontRef idx="minor">
+              <a:schemeClr val="lt1"/>
+            </a:fontRef>
+          </p:style>
+          <p:txBody>
+            <a:bodyPr rtlCol="0" anchor="ctr"/>
+            <a:lstStyle/>
+            <a:p>
+              <a:pPr algn="ctr"/>
+              <a:r>
+                <a:rPr lang="en-US" altLang="ko-KR" dirty="0" smtClean="0">
+                  <a:solidFill>
+                    <a:schemeClr val="tx1"/>
+                  </a:solidFill>
+                  <a:latin typeface="삼성긴고딕OTF Medium" panose="020B0600000101010101" pitchFamily="34" charset="-127"/>
+                  <a:ea typeface="삼성긴고딕OTF Medium" panose="020B0600000101010101" pitchFamily="34" charset="-127"/>
+                </a:rPr>
+                <a:t>null</a:t>
+              </a:r>
+              <a:endParaRPr lang="ko-KR" altLang="en-US" dirty="0">
+                <a:solidFill>
+                  <a:schemeClr val="tx1"/>
+                </a:solidFill>
+                <a:latin typeface="삼성긴고딕OTF Medium" panose="020B0600000101010101" pitchFamily="34" charset="-127"/>
+                <a:ea typeface="삼성긴고딕OTF Medium" panose="020B0600000101010101" pitchFamily="34" charset="-127"/>
+              </a:endParaRPr>
+            </a:p>
+          </p:txBody>
+        </p:sp>
+        <p:sp>
+          <p:nvSpPr>
+            <p:cNvPr id="8" name="직사각형 7"/>
+            <p:cNvSpPr/>
+            <p:nvPr/>
+          </p:nvSpPr>
+          <p:spPr>
+            <a:xfrm>
+              <a:off x="2907792" y="493776"/>
+              <a:ext cx="1508760" cy="448056"/>
+            </a:xfrm>
+            <a:prstGeom prst="rect">
+              <a:avLst/>
+            </a:prstGeom>
+            <a:noFill/>
+            <a:ln>
+              <a:noFill/>
+            </a:ln>
+            <a:effectLst/>
+          </p:spPr>
+          <p:style>
+            <a:lnRef idx="2">
+              <a:schemeClr val="accent1">
+                <a:shade val="50000"/>
+              </a:schemeClr>
+            </a:lnRef>
+            <a:fillRef idx="1">
+              <a:schemeClr val="accent1"/>
+            </a:fillRef>
+            <a:effectRef idx="0">
+              <a:schemeClr val="accent1"/>
+            </a:effectRef>
+            <a:fontRef idx="minor">
+              <a:schemeClr val="lt1"/>
+            </a:fontRef>
+          </p:style>
+          <p:txBody>
+            <a:bodyPr lIns="36000" tIns="36000" rIns="36000" bIns="36000" rtlCol="0" anchor="ctr"/>
+            <a:lstStyle/>
+            <a:p>
+              <a:pPr algn="ctr"/>
+              <a:r>
+                <a:rPr lang="en-US" altLang="ko-KR" sz="1600" dirty="0" smtClean="0">
+                  <a:solidFill>
+                    <a:schemeClr val="tx1"/>
+                  </a:solidFill>
+                  <a:latin typeface="삼성긴고딕OTF Light" panose="020B0600000101010101" pitchFamily="34" charset="-127"/>
+                  <a:ea typeface="삼성긴고딕OTF Light" panose="020B0600000101010101" pitchFamily="34" charset="-127"/>
+                </a:rPr>
+                <a:t>pairs[1]</a:t>
+              </a:r>
+              <a:endParaRPr lang="ko-KR" altLang="en-US" sz="1600" dirty="0">
+                <a:solidFill>
+                  <a:schemeClr val="tx1"/>
+                </a:solidFill>
+                <a:latin typeface="삼성긴고딕OTF Light" panose="020B0600000101010101" pitchFamily="34" charset="-127"/>
+                <a:ea typeface="삼성긴고딕OTF Light" panose="020B0600000101010101" pitchFamily="34" charset="-127"/>
+              </a:endParaRPr>
+            </a:p>
+          </p:txBody>
+        </p:sp>
+      </p:grpSp>
+      <p:grpSp>
+        <p:nvGrpSpPr>
+          <p:cNvPr id="12" name="그룹 11"/>
+          <p:cNvGrpSpPr/>
+          <p:nvPr/>
+        </p:nvGrpSpPr>
+        <p:grpSpPr>
+          <a:xfrm>
+            <a:off x="4352544" y="1069848"/>
+            <a:ext cx="1508760" cy="896112"/>
+            <a:chOff x="4946904" y="493776"/>
+            <a:chExt cx="1508760" cy="896112"/>
+          </a:xfrm>
+        </p:grpSpPr>
+        <p:sp>
+          <p:nvSpPr>
+            <p:cNvPr id="6" name="직사각형 5"/>
+            <p:cNvSpPr/>
+            <p:nvPr/>
+          </p:nvSpPr>
+          <p:spPr>
+            <a:xfrm>
+              <a:off x="4946904" y="941832"/>
+              <a:ext cx="1508760" cy="448056"/>
+            </a:xfrm>
+            <a:prstGeom prst="rect">
+              <a:avLst/>
+            </a:prstGeom>
+            <a:solidFill>
+              <a:schemeClr val="accent4">
+                <a:lumMod val="20000"/>
+                <a:lumOff val="80000"/>
+              </a:schemeClr>
+            </a:solidFill>
+            <a:ln>
+              <a:noFill/>
+            </a:ln>
+            <a:effectLst>
+              <a:outerShdw blurRad="50800" dist="38100" dir="2700000" algn="tl" rotWithShape="0">
+                <a:prstClr val="black">
+                  <a:alpha val="40000"/>
+                </a:prstClr>
+              </a:outerShdw>
+            </a:effectLst>
+          </p:spPr>
+          <p:style>
+            <a:lnRef idx="2">
+              <a:schemeClr val="accent1">
+                <a:shade val="50000"/>
+              </a:schemeClr>
+            </a:lnRef>
+            <a:fillRef idx="1">
+              <a:schemeClr val="accent1"/>
+            </a:fillRef>
+            <a:effectRef idx="0">
+              <a:schemeClr val="accent1"/>
+            </a:effectRef>
+            <a:fontRef idx="minor">
+              <a:schemeClr val="lt1"/>
+            </a:fontRef>
+          </p:style>
+          <p:txBody>
+            <a:bodyPr rtlCol="0" anchor="ctr"/>
+            <a:lstStyle/>
+            <a:p>
+              <a:pPr algn="ctr"/>
+              <a:r>
+                <a:rPr lang="en-US" altLang="ko-KR" dirty="0" smtClean="0">
+                  <a:solidFill>
+                    <a:schemeClr val="tx1"/>
+                  </a:solidFill>
+                  <a:latin typeface="삼성긴고딕OTF Medium" panose="020B0600000101010101" pitchFamily="34" charset="-127"/>
+                  <a:ea typeface="삼성긴고딕OTF Medium" panose="020B0600000101010101" pitchFamily="34" charset="-127"/>
+                </a:rPr>
+                <a:t>null</a:t>
+              </a:r>
+              <a:endParaRPr lang="ko-KR" altLang="en-US" dirty="0">
+                <a:solidFill>
+                  <a:schemeClr val="tx1"/>
+                </a:solidFill>
+                <a:latin typeface="삼성긴고딕OTF Medium" panose="020B0600000101010101" pitchFamily="34" charset="-127"/>
+                <a:ea typeface="삼성긴고딕OTF Medium" panose="020B0600000101010101" pitchFamily="34" charset="-127"/>
+              </a:endParaRPr>
+            </a:p>
+          </p:txBody>
+        </p:sp>
+        <p:sp>
+          <p:nvSpPr>
+            <p:cNvPr id="9" name="직사각형 8"/>
+            <p:cNvSpPr/>
+            <p:nvPr/>
+          </p:nvSpPr>
+          <p:spPr>
+            <a:xfrm>
+              <a:off x="4946904" y="493776"/>
+              <a:ext cx="1508760" cy="448056"/>
+            </a:xfrm>
+            <a:prstGeom prst="rect">
+              <a:avLst/>
+            </a:prstGeom>
+            <a:noFill/>
+            <a:ln>
+              <a:noFill/>
+            </a:ln>
+            <a:effectLst/>
+          </p:spPr>
+          <p:style>
+            <a:lnRef idx="2">
+              <a:schemeClr val="accent1">
+                <a:shade val="50000"/>
+              </a:schemeClr>
+            </a:lnRef>
+            <a:fillRef idx="1">
+              <a:schemeClr val="accent1"/>
+            </a:fillRef>
+            <a:effectRef idx="0">
+              <a:schemeClr val="accent1"/>
+            </a:effectRef>
+            <a:fontRef idx="minor">
+              <a:schemeClr val="lt1"/>
+            </a:fontRef>
+          </p:style>
+          <p:txBody>
+            <a:bodyPr lIns="36000" tIns="36000" rIns="36000" bIns="36000" rtlCol="0" anchor="ctr"/>
+            <a:lstStyle/>
+            <a:p>
+              <a:pPr algn="ctr"/>
+              <a:r>
+                <a:rPr lang="en-US" altLang="ko-KR" sz="1600" dirty="0" smtClean="0">
+                  <a:solidFill>
+                    <a:schemeClr val="tx1"/>
+                  </a:solidFill>
+                  <a:latin typeface="삼성긴고딕OTF Light" panose="020B0600000101010101" pitchFamily="34" charset="-127"/>
+                  <a:ea typeface="삼성긴고딕OTF Light" panose="020B0600000101010101" pitchFamily="34" charset="-127"/>
+                </a:rPr>
+                <a:t>pairs[2]</a:t>
+              </a:r>
+              <a:endParaRPr lang="ko-KR" altLang="en-US" sz="1600" dirty="0">
+                <a:solidFill>
+                  <a:schemeClr val="tx1"/>
+                </a:solidFill>
+                <a:latin typeface="삼성긴고딕OTF Light" panose="020B0600000101010101" pitchFamily="34" charset="-127"/>
+                <a:ea typeface="삼성긴고딕OTF Light" panose="020B0600000101010101" pitchFamily="34" charset="-127"/>
+              </a:endParaRPr>
+            </a:p>
+          </p:txBody>
+        </p:sp>
+      </p:grpSp>
+      <p:sp>
+        <p:nvSpPr>
+          <p:cNvPr id="13" name="직사각형 12"/>
+          <p:cNvSpPr/>
+          <p:nvPr/>
+        </p:nvSpPr>
+        <p:spPr>
+          <a:xfrm>
+            <a:off x="274320" y="397764"/>
+            <a:ext cx="3154680" cy="448056"/>
+          </a:xfrm>
+          <a:prstGeom prst="rect">
+            <a:avLst/>
+          </a:prstGeom>
+          <a:noFill/>
+          <a:ln>
+            <a:noFill/>
+          </a:ln>
+          <a:effectLst/>
+        </p:spPr>
+        <p:style>
+          <a:lnRef idx="2">
+            <a:schemeClr val="accent1">
+              <a:shade val="50000"/>
+            </a:schemeClr>
+          </a:lnRef>
+          <a:fillRef idx="1">
+            <a:schemeClr val="accent1"/>
+          </a:fillRef>
+          <a:effectRef idx="0">
+            <a:schemeClr val="accent1"/>
+          </a:effectRef>
+          <a:fontRef idx="minor">
+            <a:schemeClr val="lt1"/>
+          </a:fontRef>
+        </p:style>
+        <p:txBody>
+          <a:bodyPr lIns="90000" tIns="36000" rIns="90000" bIns="36000" rtlCol="0" anchor="ctr"/>
+          <a:lstStyle/>
+          <a:p>
+            <a:r>
+              <a:rPr lang="en-US" altLang="ko-KR" dirty="0" smtClean="0">
+                <a:solidFill>
+                  <a:schemeClr val="tx1"/>
+                </a:solidFill>
+                <a:latin typeface="삼성긴고딕OTF Medium" panose="020B0600000101010101" pitchFamily="34" charset="-127"/>
+                <a:ea typeface="삼성긴고딕OTF Medium" panose="020B0600000101010101" pitchFamily="34" charset="-127"/>
+              </a:rPr>
+              <a:t>Pair[ ] pairs = new Pair[3]</a:t>
+            </a:r>
+            <a:endParaRPr lang="ko-KR" altLang="en-US" dirty="0">
+              <a:solidFill>
+                <a:schemeClr val="tx1"/>
+              </a:solidFill>
+              <a:latin typeface="삼성긴고딕OTF Medium" panose="020B0600000101010101" pitchFamily="34" charset="-127"/>
+              <a:ea typeface="삼성긴고딕OTF Medium" panose="020B0600000101010101" pitchFamily="34" charset="-127"/>
+            </a:endParaRPr>
+          </a:p>
+        </p:txBody>
+      </p:sp>
+      <p:grpSp>
+        <p:nvGrpSpPr>
+          <p:cNvPr id="14" name="그룹 13"/>
+          <p:cNvGrpSpPr/>
+          <p:nvPr/>
+        </p:nvGrpSpPr>
+        <p:grpSpPr>
+          <a:xfrm>
+            <a:off x="274320" y="4343400"/>
+            <a:ext cx="1508760" cy="896112"/>
+            <a:chOff x="868680" y="493776"/>
+            <a:chExt cx="1508760" cy="896112"/>
+          </a:xfrm>
+        </p:grpSpPr>
+        <p:sp>
+          <p:nvSpPr>
+            <p:cNvPr id="15" name="직사각형 14"/>
+            <p:cNvSpPr/>
+            <p:nvPr/>
+          </p:nvSpPr>
+          <p:spPr>
+            <a:xfrm>
+              <a:off x="868680" y="941832"/>
+              <a:ext cx="1508760" cy="448056"/>
+            </a:xfrm>
+            <a:prstGeom prst="rect">
+              <a:avLst/>
+            </a:prstGeom>
+            <a:solidFill>
+              <a:schemeClr val="accent4">
+                <a:lumMod val="20000"/>
+                <a:lumOff val="80000"/>
+              </a:schemeClr>
+            </a:solidFill>
+            <a:ln>
+              <a:noFill/>
+            </a:ln>
+            <a:effectLst>
+              <a:outerShdw blurRad="50800" dist="38100" dir="2700000" algn="tl" rotWithShape="0">
+                <a:prstClr val="black">
+                  <a:alpha val="40000"/>
+                </a:prstClr>
+              </a:outerShdw>
+            </a:effectLst>
+          </p:spPr>
+          <p:style>
+            <a:lnRef idx="2">
+              <a:schemeClr val="accent1">
+                <a:shade val="50000"/>
+              </a:schemeClr>
+            </a:lnRef>
+            <a:fillRef idx="1">
+              <a:schemeClr val="accent1"/>
+            </a:fillRef>
+            <a:effectRef idx="0">
+              <a:schemeClr val="accent1"/>
+            </a:effectRef>
+            <a:fontRef idx="minor">
+              <a:schemeClr val="lt1"/>
+            </a:fontRef>
+          </p:style>
+          <p:txBody>
+            <a:bodyPr rtlCol="0" anchor="ctr"/>
+            <a:lstStyle/>
+            <a:p>
+              <a:pPr algn="ctr"/>
+              <a:r>
+                <a:rPr lang="en-US" altLang="ko-KR" dirty="0" smtClean="0">
+                  <a:solidFill>
+                    <a:schemeClr val="tx1"/>
+                  </a:solidFill>
+                  <a:latin typeface="삼성긴고딕OTF Medium" panose="020B0600000101010101" pitchFamily="34" charset="-127"/>
+                  <a:ea typeface="삼성긴고딕OTF Medium" panose="020B0600000101010101" pitchFamily="34" charset="-127"/>
+                </a:rPr>
+                <a:t>@12abcd34</a:t>
+              </a:r>
+              <a:endParaRPr lang="ko-KR" altLang="en-US" dirty="0">
+                <a:solidFill>
+                  <a:schemeClr val="tx1"/>
+                </a:solidFill>
+                <a:latin typeface="삼성긴고딕OTF Medium" panose="020B0600000101010101" pitchFamily="34" charset="-127"/>
+                <a:ea typeface="삼성긴고딕OTF Medium" panose="020B0600000101010101" pitchFamily="34" charset="-127"/>
+              </a:endParaRPr>
+            </a:p>
+          </p:txBody>
+        </p:sp>
+        <p:sp>
+          <p:nvSpPr>
+            <p:cNvPr id="16" name="직사각형 15"/>
+            <p:cNvSpPr/>
+            <p:nvPr/>
+          </p:nvSpPr>
+          <p:spPr>
+            <a:xfrm>
+              <a:off x="868680" y="493776"/>
+              <a:ext cx="1508760" cy="448056"/>
+            </a:xfrm>
+            <a:prstGeom prst="rect">
+              <a:avLst/>
+            </a:prstGeom>
+            <a:noFill/>
+            <a:ln>
+              <a:noFill/>
+            </a:ln>
+            <a:effectLst/>
+          </p:spPr>
+          <p:style>
+            <a:lnRef idx="2">
+              <a:schemeClr val="accent1">
+                <a:shade val="50000"/>
+              </a:schemeClr>
+            </a:lnRef>
+            <a:fillRef idx="1">
+              <a:schemeClr val="accent1"/>
+            </a:fillRef>
+            <a:effectRef idx="0">
+              <a:schemeClr val="accent1"/>
+            </a:effectRef>
+            <a:fontRef idx="minor">
+              <a:schemeClr val="lt1"/>
+            </a:fontRef>
+          </p:style>
+          <p:txBody>
+            <a:bodyPr lIns="36000" tIns="36000" rIns="36000" bIns="36000" rtlCol="0" anchor="ctr"/>
+            <a:lstStyle/>
+            <a:p>
+              <a:pPr algn="ctr"/>
+              <a:r>
+                <a:rPr lang="en-US" altLang="ko-KR" sz="1600" dirty="0">
+                  <a:solidFill>
+                    <a:schemeClr val="tx1"/>
+                  </a:solidFill>
+                  <a:latin typeface="삼성긴고딕OTF Light" panose="020B0600000101010101" pitchFamily="34" charset="-127"/>
+                  <a:ea typeface="삼성긴고딕OTF Light" panose="020B0600000101010101" pitchFamily="34" charset="-127"/>
+                </a:rPr>
+                <a:t>pairs[0]</a:t>
+              </a:r>
+              <a:endParaRPr lang="ko-KR" altLang="en-US" sz="1600" dirty="0">
+                <a:solidFill>
+                  <a:schemeClr val="tx1"/>
+                </a:solidFill>
+                <a:latin typeface="삼성긴고딕OTF Light" panose="020B0600000101010101" pitchFamily="34" charset="-127"/>
+                <a:ea typeface="삼성긴고딕OTF Light" panose="020B0600000101010101" pitchFamily="34" charset="-127"/>
+              </a:endParaRPr>
+            </a:p>
+          </p:txBody>
+        </p:sp>
+      </p:grpSp>
+      <p:grpSp>
+        <p:nvGrpSpPr>
+          <p:cNvPr id="17" name="그룹 16"/>
+          <p:cNvGrpSpPr/>
+          <p:nvPr/>
+        </p:nvGrpSpPr>
+        <p:grpSpPr>
+          <a:xfrm>
+            <a:off x="2313432" y="4343400"/>
+            <a:ext cx="1508760" cy="896112"/>
+            <a:chOff x="2907792" y="493776"/>
+            <a:chExt cx="1508760" cy="896112"/>
+          </a:xfrm>
+        </p:grpSpPr>
+        <p:sp>
+          <p:nvSpPr>
+            <p:cNvPr id="18" name="직사각형 17"/>
+            <p:cNvSpPr/>
+            <p:nvPr/>
+          </p:nvSpPr>
+          <p:spPr>
+            <a:xfrm>
+              <a:off x="2907792" y="941832"/>
+              <a:ext cx="1508760" cy="448056"/>
+            </a:xfrm>
+            <a:prstGeom prst="rect">
+              <a:avLst/>
+            </a:prstGeom>
+            <a:solidFill>
+              <a:schemeClr val="accent4">
+                <a:lumMod val="20000"/>
+                <a:lumOff val="80000"/>
+              </a:schemeClr>
+            </a:solidFill>
+            <a:ln>
+              <a:noFill/>
+            </a:ln>
+            <a:effectLst>
+              <a:outerShdw blurRad="50800" dist="38100" dir="2700000" algn="tl" rotWithShape="0">
+                <a:prstClr val="black">
+                  <a:alpha val="40000"/>
+                </a:prstClr>
+              </a:outerShdw>
+            </a:effectLst>
+          </p:spPr>
+          <p:style>
+            <a:lnRef idx="2">
+              <a:schemeClr val="accent1">
+                <a:shade val="50000"/>
+              </a:schemeClr>
+            </a:lnRef>
+            <a:fillRef idx="1">
+              <a:schemeClr val="accent1"/>
+            </a:fillRef>
+            <a:effectRef idx="0">
+              <a:schemeClr val="accent1"/>
+            </a:effectRef>
+            <a:fontRef idx="minor">
+              <a:schemeClr val="lt1"/>
+            </a:fontRef>
+          </p:style>
+          <p:txBody>
+            <a:bodyPr rtlCol="0" anchor="ctr"/>
+            <a:lstStyle/>
+            <a:p>
+              <a:pPr algn="ctr"/>
+              <a:r>
+                <a:rPr lang="en-US" altLang="ko-KR" dirty="0" smtClean="0">
+                  <a:solidFill>
+                    <a:schemeClr val="tx1"/>
+                  </a:solidFill>
+                  <a:latin typeface="삼성긴고딕OTF Medium" panose="020B0600000101010101" pitchFamily="34" charset="-127"/>
+                  <a:ea typeface="삼성긴고딕OTF Medium" panose="020B0600000101010101" pitchFamily="34" charset="-127"/>
+                </a:rPr>
+                <a:t>@56efgh78</a:t>
+              </a:r>
+              <a:endParaRPr lang="ko-KR" altLang="en-US" dirty="0">
+                <a:solidFill>
+                  <a:schemeClr val="tx1"/>
+                </a:solidFill>
+                <a:latin typeface="삼성긴고딕OTF Medium" panose="020B0600000101010101" pitchFamily="34" charset="-127"/>
+                <a:ea typeface="삼성긴고딕OTF Medium" panose="020B0600000101010101" pitchFamily="34" charset="-127"/>
+              </a:endParaRPr>
+            </a:p>
+          </p:txBody>
+        </p:sp>
+        <p:sp>
+          <p:nvSpPr>
+            <p:cNvPr id="19" name="직사각형 18"/>
+            <p:cNvSpPr/>
+            <p:nvPr/>
+          </p:nvSpPr>
+          <p:spPr>
+            <a:xfrm>
+              <a:off x="2907792" y="493776"/>
+              <a:ext cx="1508760" cy="448056"/>
+            </a:xfrm>
+            <a:prstGeom prst="rect">
+              <a:avLst/>
+            </a:prstGeom>
+            <a:noFill/>
+            <a:ln>
+              <a:noFill/>
+            </a:ln>
+            <a:effectLst/>
+          </p:spPr>
+          <p:style>
+            <a:lnRef idx="2">
+              <a:schemeClr val="accent1">
+                <a:shade val="50000"/>
+              </a:schemeClr>
+            </a:lnRef>
+            <a:fillRef idx="1">
+              <a:schemeClr val="accent1"/>
+            </a:fillRef>
+            <a:effectRef idx="0">
+              <a:schemeClr val="accent1"/>
+            </a:effectRef>
+            <a:fontRef idx="minor">
+              <a:schemeClr val="lt1"/>
+            </a:fontRef>
+          </p:style>
+          <p:txBody>
+            <a:bodyPr lIns="36000" tIns="36000" rIns="36000" bIns="36000" rtlCol="0" anchor="ctr"/>
+            <a:lstStyle/>
+            <a:p>
+              <a:pPr algn="ctr"/>
+              <a:r>
+                <a:rPr lang="en-US" altLang="ko-KR" sz="1600" dirty="0" smtClean="0">
+                  <a:solidFill>
+                    <a:schemeClr val="tx1"/>
+                  </a:solidFill>
+                  <a:latin typeface="삼성긴고딕OTF Light" panose="020B0600000101010101" pitchFamily="34" charset="-127"/>
+                  <a:ea typeface="삼성긴고딕OTF Light" panose="020B0600000101010101" pitchFamily="34" charset="-127"/>
+                </a:rPr>
+                <a:t>pairs[1]</a:t>
+              </a:r>
+              <a:endParaRPr lang="ko-KR" altLang="en-US" sz="1600" dirty="0">
+                <a:solidFill>
+                  <a:schemeClr val="tx1"/>
+                </a:solidFill>
+                <a:latin typeface="삼성긴고딕OTF Light" panose="020B0600000101010101" pitchFamily="34" charset="-127"/>
+                <a:ea typeface="삼성긴고딕OTF Light" panose="020B0600000101010101" pitchFamily="34" charset="-127"/>
+              </a:endParaRPr>
+            </a:p>
+          </p:txBody>
+        </p:sp>
+      </p:grpSp>
+      <p:grpSp>
+        <p:nvGrpSpPr>
+          <p:cNvPr id="20" name="그룹 19"/>
+          <p:cNvGrpSpPr/>
+          <p:nvPr/>
+        </p:nvGrpSpPr>
+        <p:grpSpPr>
+          <a:xfrm>
+            <a:off x="4352544" y="4343400"/>
+            <a:ext cx="1508760" cy="896112"/>
+            <a:chOff x="4946904" y="493776"/>
+            <a:chExt cx="1508760" cy="896112"/>
+          </a:xfrm>
+        </p:grpSpPr>
+        <p:sp>
+          <p:nvSpPr>
+            <p:cNvPr id="21" name="직사각형 20"/>
+            <p:cNvSpPr/>
+            <p:nvPr/>
+          </p:nvSpPr>
+          <p:spPr>
+            <a:xfrm>
+              <a:off x="4946904" y="941832"/>
+              <a:ext cx="1508760" cy="448056"/>
+            </a:xfrm>
+            <a:prstGeom prst="rect">
+              <a:avLst/>
+            </a:prstGeom>
+            <a:solidFill>
+              <a:schemeClr val="accent4">
+                <a:lumMod val="20000"/>
+                <a:lumOff val="80000"/>
+              </a:schemeClr>
+            </a:solidFill>
+            <a:ln>
+              <a:noFill/>
+            </a:ln>
+            <a:effectLst>
+              <a:outerShdw blurRad="50800" dist="38100" dir="2700000" algn="tl" rotWithShape="0">
+                <a:prstClr val="black">
+                  <a:alpha val="40000"/>
+                </a:prstClr>
+              </a:outerShdw>
+            </a:effectLst>
+          </p:spPr>
+          <p:style>
+            <a:lnRef idx="2">
+              <a:schemeClr val="accent1">
+                <a:shade val="50000"/>
+              </a:schemeClr>
+            </a:lnRef>
+            <a:fillRef idx="1">
+              <a:schemeClr val="accent1"/>
+            </a:fillRef>
+            <a:effectRef idx="0">
+              <a:schemeClr val="accent1"/>
+            </a:effectRef>
+            <a:fontRef idx="minor">
+              <a:schemeClr val="lt1"/>
+            </a:fontRef>
+          </p:style>
+          <p:txBody>
+            <a:bodyPr rtlCol="0" anchor="ctr"/>
+            <a:lstStyle/>
+            <a:p>
+              <a:pPr algn="ctr"/>
+              <a:r>
+                <a:rPr lang="en-US" altLang="ko-KR" dirty="0" smtClean="0">
+                  <a:solidFill>
+                    <a:schemeClr val="tx1"/>
+                  </a:solidFill>
+                  <a:latin typeface="삼성긴고딕OTF Medium" panose="020B0600000101010101" pitchFamily="34" charset="-127"/>
+                  <a:ea typeface="삼성긴고딕OTF Medium" panose="020B0600000101010101" pitchFamily="34" charset="-127"/>
+                </a:rPr>
+                <a:t>@90abce12</a:t>
+              </a:r>
+              <a:endParaRPr lang="ko-KR" altLang="en-US" dirty="0">
+                <a:solidFill>
+                  <a:schemeClr val="tx1"/>
+                </a:solidFill>
+                <a:latin typeface="삼성긴고딕OTF Medium" panose="020B0600000101010101" pitchFamily="34" charset="-127"/>
+                <a:ea typeface="삼성긴고딕OTF Medium" panose="020B0600000101010101" pitchFamily="34" charset="-127"/>
+              </a:endParaRPr>
+            </a:p>
+          </p:txBody>
+        </p:sp>
+        <p:sp>
+          <p:nvSpPr>
+            <p:cNvPr id="22" name="직사각형 21"/>
+            <p:cNvSpPr/>
+            <p:nvPr/>
+          </p:nvSpPr>
+          <p:spPr>
+            <a:xfrm>
+              <a:off x="4946904" y="493776"/>
+              <a:ext cx="1508760" cy="448056"/>
+            </a:xfrm>
+            <a:prstGeom prst="rect">
+              <a:avLst/>
+            </a:prstGeom>
+            <a:noFill/>
+            <a:ln>
+              <a:noFill/>
+            </a:ln>
+            <a:effectLst/>
+          </p:spPr>
+          <p:style>
+            <a:lnRef idx="2">
+              <a:schemeClr val="accent1">
+                <a:shade val="50000"/>
+              </a:schemeClr>
+            </a:lnRef>
+            <a:fillRef idx="1">
+              <a:schemeClr val="accent1"/>
+            </a:fillRef>
+            <a:effectRef idx="0">
+              <a:schemeClr val="accent1"/>
+            </a:effectRef>
+            <a:fontRef idx="minor">
+              <a:schemeClr val="lt1"/>
+            </a:fontRef>
+          </p:style>
+          <p:txBody>
+            <a:bodyPr lIns="36000" tIns="36000" rIns="36000" bIns="36000" rtlCol="0" anchor="ctr"/>
+            <a:lstStyle/>
+            <a:p>
+              <a:pPr algn="ctr"/>
+              <a:r>
+                <a:rPr lang="en-US" altLang="ko-KR" sz="1600" dirty="0" smtClean="0">
+                  <a:solidFill>
+                    <a:schemeClr val="tx1"/>
+                  </a:solidFill>
+                  <a:latin typeface="삼성긴고딕OTF Light" panose="020B0600000101010101" pitchFamily="34" charset="-127"/>
+                  <a:ea typeface="삼성긴고딕OTF Light" panose="020B0600000101010101" pitchFamily="34" charset="-127"/>
+                </a:rPr>
+                <a:t>pairs[2]</a:t>
+              </a:r>
+              <a:endParaRPr lang="ko-KR" altLang="en-US" sz="1600" dirty="0">
+                <a:solidFill>
+                  <a:schemeClr val="tx1"/>
+                </a:solidFill>
+                <a:latin typeface="삼성긴고딕OTF Light" panose="020B0600000101010101" pitchFamily="34" charset="-127"/>
+                <a:ea typeface="삼성긴고딕OTF Light" panose="020B0600000101010101" pitchFamily="34" charset="-127"/>
+              </a:endParaRPr>
+            </a:p>
+          </p:txBody>
+        </p:sp>
+      </p:grpSp>
+      <p:sp>
+        <p:nvSpPr>
+          <p:cNvPr id="23" name="직사각형 22"/>
+          <p:cNvSpPr/>
+          <p:nvPr/>
+        </p:nvSpPr>
+        <p:spPr>
+          <a:xfrm>
+            <a:off x="274320" y="3127248"/>
+            <a:ext cx="3154680" cy="992124"/>
+          </a:xfrm>
+          <a:prstGeom prst="rect">
+            <a:avLst/>
+          </a:prstGeom>
+          <a:noFill/>
+          <a:ln>
+            <a:noFill/>
+          </a:ln>
+          <a:effectLst/>
+        </p:spPr>
+        <p:style>
+          <a:lnRef idx="2">
+            <a:schemeClr val="accent1">
+              <a:shade val="50000"/>
+            </a:schemeClr>
+          </a:lnRef>
+          <a:fillRef idx="1">
+            <a:schemeClr val="accent1"/>
+          </a:fillRef>
+          <a:effectRef idx="0">
+            <a:schemeClr val="accent1"/>
+          </a:effectRef>
+          <a:fontRef idx="minor">
+            <a:schemeClr val="lt1"/>
+          </a:fontRef>
+        </p:style>
+        <p:txBody>
+          <a:bodyPr lIns="90000" tIns="0" rIns="90000" bIns="0" rtlCol="0" anchor="ctr"/>
+          <a:lstStyle/>
+          <a:p>
+            <a:pPr>
+              <a:lnSpc>
+                <a:spcPct val="120000"/>
+              </a:lnSpc>
+            </a:pPr>
+            <a:r>
+              <a:rPr lang="en-US" altLang="ko-KR" dirty="0">
+                <a:solidFill>
+                  <a:schemeClr val="tx1"/>
+                </a:solidFill>
+                <a:latin typeface="삼성긴고딕OTF Medium" panose="020B0600000101010101" pitchFamily="34" charset="-127"/>
+                <a:ea typeface="삼성긴고딕OTF Medium" panose="020B0600000101010101" pitchFamily="34" charset="-127"/>
+              </a:rPr>
+              <a:t>p</a:t>
+            </a:r>
+            <a:r>
+              <a:rPr lang="en-US" altLang="ko-KR" dirty="0" smtClean="0">
+                <a:solidFill>
+                  <a:schemeClr val="tx1"/>
+                </a:solidFill>
+                <a:latin typeface="삼성긴고딕OTF Medium" panose="020B0600000101010101" pitchFamily="34" charset="-127"/>
+                <a:ea typeface="삼성긴고딕OTF Medium" panose="020B0600000101010101" pitchFamily="34" charset="-127"/>
+              </a:rPr>
+              <a:t>airs[1] = new Pair(a, b);</a:t>
+            </a:r>
+            <a:br>
+              <a:rPr lang="en-US" altLang="ko-KR" dirty="0" smtClean="0">
+                <a:solidFill>
+                  <a:schemeClr val="tx1"/>
+                </a:solidFill>
+                <a:latin typeface="삼성긴고딕OTF Medium" panose="020B0600000101010101" pitchFamily="34" charset="-127"/>
+                <a:ea typeface="삼성긴고딕OTF Medium" panose="020B0600000101010101" pitchFamily="34" charset="-127"/>
+              </a:rPr>
+            </a:br>
+            <a:r>
+              <a:rPr lang="en-US" altLang="ko-KR" dirty="0" smtClean="0">
+                <a:solidFill>
+                  <a:schemeClr val="tx1"/>
+                </a:solidFill>
+                <a:latin typeface="삼성긴고딕OTF Medium" panose="020B0600000101010101" pitchFamily="34" charset="-127"/>
+                <a:ea typeface="삼성긴고딕OTF Medium" panose="020B0600000101010101" pitchFamily="34" charset="-127"/>
+              </a:rPr>
+              <a:t>pairs[2] </a:t>
+            </a:r>
+            <a:r>
+              <a:rPr lang="en-US" altLang="ko-KR" dirty="0">
+                <a:solidFill>
+                  <a:schemeClr val="tx1"/>
+                </a:solidFill>
+                <a:latin typeface="삼성긴고딕OTF Medium" panose="020B0600000101010101" pitchFamily="34" charset="-127"/>
+                <a:ea typeface="삼성긴고딕OTF Medium" panose="020B0600000101010101" pitchFamily="34" charset="-127"/>
+              </a:rPr>
+              <a:t>= new </a:t>
+            </a:r>
+            <a:r>
+              <a:rPr lang="en-US" altLang="ko-KR" dirty="0" smtClean="0">
+                <a:solidFill>
+                  <a:schemeClr val="tx1"/>
+                </a:solidFill>
+                <a:latin typeface="삼성긴고딕OTF Medium" panose="020B0600000101010101" pitchFamily="34" charset="-127"/>
+                <a:ea typeface="삼성긴고딕OTF Medium" panose="020B0600000101010101" pitchFamily="34" charset="-127"/>
+              </a:rPr>
+              <a:t>Pair(c, d);</a:t>
+            </a:r>
+            <a:endParaRPr lang="ko-KR" altLang="en-US" dirty="0">
+              <a:solidFill>
+                <a:schemeClr val="tx1"/>
+              </a:solidFill>
+              <a:latin typeface="삼성긴고딕OTF Medium" panose="020B0600000101010101" pitchFamily="34" charset="-127"/>
+              <a:ea typeface="삼성긴고딕OTF Medium" panose="020B0600000101010101" pitchFamily="34" charset="-127"/>
+            </a:endParaRPr>
+          </a:p>
+          <a:p>
+            <a:pPr>
+              <a:lnSpc>
+                <a:spcPct val="120000"/>
+              </a:lnSpc>
+            </a:pPr>
+            <a:r>
+              <a:rPr lang="en-US" altLang="ko-KR" dirty="0" smtClean="0">
+                <a:solidFill>
+                  <a:schemeClr val="tx1"/>
+                </a:solidFill>
+                <a:latin typeface="삼성긴고딕OTF Medium" panose="020B0600000101010101" pitchFamily="34" charset="-127"/>
+                <a:ea typeface="삼성긴고딕OTF Medium" panose="020B0600000101010101" pitchFamily="34" charset="-127"/>
+              </a:rPr>
+              <a:t>pairs[3] </a:t>
+            </a:r>
+            <a:r>
+              <a:rPr lang="en-US" altLang="ko-KR" dirty="0">
+                <a:solidFill>
+                  <a:schemeClr val="tx1"/>
+                </a:solidFill>
+                <a:latin typeface="삼성긴고딕OTF Medium" panose="020B0600000101010101" pitchFamily="34" charset="-127"/>
+                <a:ea typeface="삼성긴고딕OTF Medium" panose="020B0600000101010101" pitchFamily="34" charset="-127"/>
+              </a:rPr>
+              <a:t>= new </a:t>
+            </a:r>
+            <a:r>
+              <a:rPr lang="en-US" altLang="ko-KR" dirty="0" smtClean="0">
+                <a:solidFill>
+                  <a:schemeClr val="tx1"/>
+                </a:solidFill>
+                <a:latin typeface="삼성긴고딕OTF Medium" panose="020B0600000101010101" pitchFamily="34" charset="-127"/>
+                <a:ea typeface="삼성긴고딕OTF Medium" panose="020B0600000101010101" pitchFamily="34" charset="-127"/>
+              </a:rPr>
+              <a:t>Pair(e, f);</a:t>
+            </a:r>
+            <a:endParaRPr lang="ko-KR" altLang="en-US" dirty="0">
+              <a:solidFill>
+                <a:schemeClr val="tx1"/>
+              </a:solidFill>
+              <a:latin typeface="삼성긴고딕OTF Medium" panose="020B0600000101010101" pitchFamily="34" charset="-127"/>
+              <a:ea typeface="삼성긴고딕OTF Medium" panose="020B0600000101010101" pitchFamily="34" charset="-127"/>
+            </a:endParaRPr>
+          </a:p>
+        </p:txBody>
+      </p:sp>
+      <p:sp>
+        <p:nvSpPr>
+          <p:cNvPr id="24" name="사각형 설명선 23"/>
+          <p:cNvSpPr/>
+          <p:nvPr/>
+        </p:nvSpPr>
+        <p:spPr>
+          <a:xfrm>
+            <a:off x="576072" y="5591556"/>
+            <a:ext cx="1207008" cy="731520"/>
+          </a:xfrm>
+          <a:prstGeom prst="wedgeRectCallout">
+            <a:avLst>
+              <a:gd name="adj1" fmla="val -37808"/>
+              <a:gd name="adj2" fmla="val -80000"/>
+            </a:avLst>
+          </a:prstGeom>
+          <a:solidFill>
+            <a:schemeClr val="bg1">
+              <a:lumMod val="95000"/>
+            </a:schemeClr>
+          </a:solidFill>
+          <a:ln>
+            <a:solidFill>
+              <a:schemeClr val="tx1">
+                <a:lumMod val="50000"/>
+                <a:lumOff val="50000"/>
+              </a:schemeClr>
+            </a:solidFill>
+          </a:ln>
+        </p:spPr>
+        <p:style>
+          <a:lnRef idx="2">
+            <a:schemeClr val="accent1">
+              <a:shade val="50000"/>
+            </a:schemeClr>
+          </a:lnRef>
+          <a:fillRef idx="1">
+            <a:schemeClr val="accent1"/>
+          </a:fillRef>
+          <a:effectRef idx="0">
+            <a:schemeClr val="accent1"/>
+          </a:effectRef>
+          <a:fontRef idx="minor">
+            <a:schemeClr val="lt1"/>
+          </a:fontRef>
+        </p:style>
+        <p:txBody>
+          <a:bodyPr rtlCol="0" anchor="ctr"/>
+          <a:lstStyle/>
+          <a:p>
+            <a:r>
+              <a:rPr lang="en-US" altLang="ko-KR" sz="1600" b="1" dirty="0">
+                <a:solidFill>
+                  <a:srgbClr val="7030A0"/>
+                </a:solidFill>
+                <a:latin typeface="삼성긴고딕OTF Light" panose="020B0600000101010101" pitchFamily="34" charset="-127"/>
+                <a:ea typeface="삼성긴고딕OTF Light" panose="020B0600000101010101" pitchFamily="34" charset="-127"/>
+              </a:rPr>
+              <a:t>l</a:t>
+            </a:r>
+            <a:r>
+              <a:rPr lang="en-US" altLang="ko-KR" sz="1600" b="1" dirty="0" smtClean="0">
+                <a:solidFill>
+                  <a:srgbClr val="7030A0"/>
+                </a:solidFill>
+                <a:latin typeface="삼성긴고딕OTF Light" panose="020B0600000101010101" pitchFamily="34" charset="-127"/>
+                <a:ea typeface="삼성긴고딕OTF Light" panose="020B0600000101010101" pitchFamily="34" charset="-127"/>
+              </a:rPr>
+              <a:t>ong</a:t>
+            </a:r>
+            <a:r>
+              <a:rPr lang="en-US" altLang="ko-KR" sz="1600" b="1" dirty="0" smtClean="0">
+                <a:solidFill>
+                  <a:schemeClr val="tx1"/>
+                </a:solidFill>
+                <a:latin typeface="삼성긴고딕OTF Light" panose="020B0600000101010101" pitchFamily="34" charset="-127"/>
+                <a:ea typeface="삼성긴고딕OTF Light" panose="020B0600000101010101" pitchFamily="34" charset="-127"/>
+              </a:rPr>
+              <a:t> a</a:t>
+            </a:r>
+            <a:br>
+              <a:rPr lang="en-US" altLang="ko-KR" sz="1600" b="1" dirty="0" smtClean="0">
+                <a:solidFill>
+                  <a:schemeClr val="tx1"/>
+                </a:solidFill>
+                <a:latin typeface="삼성긴고딕OTF Light" panose="020B0600000101010101" pitchFamily="34" charset="-127"/>
+                <a:ea typeface="삼성긴고딕OTF Light" panose="020B0600000101010101" pitchFamily="34" charset="-127"/>
+              </a:rPr>
+            </a:br>
+            <a:r>
+              <a:rPr lang="en-US" altLang="ko-KR" sz="1600" b="1" dirty="0" smtClean="0">
+                <a:solidFill>
+                  <a:srgbClr val="7030A0"/>
+                </a:solidFill>
+                <a:latin typeface="삼성긴고딕OTF Light" panose="020B0600000101010101" pitchFamily="34" charset="-127"/>
+                <a:ea typeface="삼성긴고딕OTF Light" panose="020B0600000101010101" pitchFamily="34" charset="-127"/>
+              </a:rPr>
+              <a:t>long</a:t>
+            </a:r>
+            <a:r>
+              <a:rPr lang="en-US" altLang="ko-KR" sz="1600" b="1" dirty="0" smtClean="0">
+                <a:solidFill>
+                  <a:schemeClr val="tx1"/>
+                </a:solidFill>
+                <a:latin typeface="삼성긴고딕OTF Light" panose="020B0600000101010101" pitchFamily="34" charset="-127"/>
+                <a:ea typeface="삼성긴고딕OTF Light" panose="020B0600000101010101" pitchFamily="34" charset="-127"/>
+              </a:rPr>
+              <a:t> b</a:t>
+            </a:r>
+            <a:endParaRPr lang="ko-KR" altLang="en-US" sz="1600" b="1" dirty="0">
+              <a:solidFill>
+                <a:schemeClr val="tx1"/>
+              </a:solidFill>
+              <a:latin typeface="삼성긴고딕OTF Light" panose="020B0600000101010101" pitchFamily="34" charset="-127"/>
+              <a:ea typeface="삼성긴고딕OTF Light" panose="020B0600000101010101" pitchFamily="34" charset="-127"/>
+            </a:endParaRPr>
+          </a:p>
+        </p:txBody>
+      </p:sp>
+      <p:grpSp>
+        <p:nvGrpSpPr>
+          <p:cNvPr id="26" name="그룹 25"/>
+          <p:cNvGrpSpPr/>
+          <p:nvPr/>
+        </p:nvGrpSpPr>
+        <p:grpSpPr>
+          <a:xfrm>
+            <a:off x="6391656" y="1069848"/>
+            <a:ext cx="1508760" cy="896112"/>
+            <a:chOff x="868680" y="493776"/>
+            <a:chExt cx="1508760" cy="896112"/>
+          </a:xfrm>
+        </p:grpSpPr>
+        <p:sp>
+          <p:nvSpPr>
+            <p:cNvPr id="27" name="직사각형 26"/>
+            <p:cNvSpPr/>
+            <p:nvPr/>
+          </p:nvSpPr>
+          <p:spPr>
+            <a:xfrm>
+              <a:off x="868680" y="941832"/>
+              <a:ext cx="1508760" cy="448056"/>
+            </a:xfrm>
+            <a:prstGeom prst="rect">
+              <a:avLst/>
+            </a:prstGeom>
+            <a:solidFill>
+              <a:schemeClr val="accent4">
+                <a:lumMod val="20000"/>
+                <a:lumOff val="80000"/>
+              </a:schemeClr>
+            </a:solidFill>
+            <a:ln>
+              <a:noFill/>
+            </a:ln>
+            <a:effectLst>
+              <a:outerShdw blurRad="50800" dist="38100" dir="2700000" algn="tl" rotWithShape="0">
+                <a:prstClr val="black">
+                  <a:alpha val="40000"/>
+                </a:prstClr>
+              </a:outerShdw>
+            </a:effectLst>
+          </p:spPr>
+          <p:style>
+            <a:lnRef idx="2">
+              <a:schemeClr val="accent1">
+                <a:shade val="50000"/>
+              </a:schemeClr>
+            </a:lnRef>
+            <a:fillRef idx="1">
+              <a:schemeClr val="accent1"/>
+            </a:fillRef>
+            <a:effectRef idx="0">
+              <a:schemeClr val="accent1"/>
+            </a:effectRef>
+            <a:fontRef idx="minor">
+              <a:schemeClr val="lt1"/>
+            </a:fontRef>
+          </p:style>
+          <p:txBody>
+            <a:bodyPr rtlCol="0" anchor="ctr"/>
+            <a:lstStyle/>
+            <a:p>
+              <a:pPr algn="ctr"/>
+              <a:r>
+                <a:rPr lang="en-US" altLang="ko-KR" dirty="0" smtClean="0">
+                  <a:solidFill>
+                    <a:schemeClr val="tx1"/>
+                  </a:solidFill>
+                  <a:latin typeface="삼성긴고딕OTF Medium" panose="020B0600000101010101" pitchFamily="34" charset="-127"/>
+                  <a:ea typeface="삼성긴고딕OTF Medium" panose="020B0600000101010101" pitchFamily="34" charset="-127"/>
+                </a:rPr>
+                <a:t>0</a:t>
+              </a:r>
+              <a:endParaRPr lang="ko-KR" altLang="en-US" dirty="0">
+                <a:solidFill>
+                  <a:schemeClr val="tx1"/>
+                </a:solidFill>
+                <a:latin typeface="삼성긴고딕OTF Medium" panose="020B0600000101010101" pitchFamily="34" charset="-127"/>
+                <a:ea typeface="삼성긴고딕OTF Medium" panose="020B0600000101010101" pitchFamily="34" charset="-127"/>
+              </a:endParaRPr>
+            </a:p>
+          </p:txBody>
+        </p:sp>
+        <p:sp>
+          <p:nvSpPr>
+            <p:cNvPr id="28" name="직사각형 27"/>
+            <p:cNvSpPr/>
+            <p:nvPr/>
+          </p:nvSpPr>
+          <p:spPr>
+            <a:xfrm>
+              <a:off x="868680" y="493776"/>
+              <a:ext cx="1508760" cy="448056"/>
+            </a:xfrm>
+            <a:prstGeom prst="rect">
+              <a:avLst/>
+            </a:prstGeom>
+            <a:noFill/>
+            <a:ln>
+              <a:noFill/>
+            </a:ln>
+            <a:effectLst/>
+          </p:spPr>
+          <p:style>
+            <a:lnRef idx="2">
+              <a:schemeClr val="accent1">
+                <a:shade val="50000"/>
+              </a:schemeClr>
+            </a:lnRef>
+            <a:fillRef idx="1">
+              <a:schemeClr val="accent1"/>
+            </a:fillRef>
+            <a:effectRef idx="0">
+              <a:schemeClr val="accent1"/>
+            </a:effectRef>
+            <a:fontRef idx="minor">
+              <a:schemeClr val="lt1"/>
+            </a:fontRef>
+          </p:style>
+          <p:txBody>
+            <a:bodyPr lIns="36000" tIns="36000" rIns="36000" bIns="36000" rtlCol="0" anchor="ctr"/>
+            <a:lstStyle/>
+            <a:p>
+              <a:pPr algn="ctr"/>
+              <a:r>
+                <a:rPr lang="en-US" altLang="ko-KR" sz="1600" dirty="0" err="1" smtClean="0">
+                  <a:solidFill>
+                    <a:schemeClr val="tx1"/>
+                  </a:solidFill>
+                  <a:latin typeface="삼성긴고딕OTF Light" panose="020B0600000101010101" pitchFamily="34" charset="-127"/>
+                  <a:ea typeface="삼성긴고딕OTF Light" panose="020B0600000101010101" pitchFamily="34" charset="-127"/>
+                </a:rPr>
+                <a:t>arr</a:t>
+              </a:r>
+              <a:r>
+                <a:rPr lang="en-US" altLang="ko-KR" sz="1600" dirty="0" smtClean="0">
+                  <a:solidFill>
+                    <a:schemeClr val="tx1"/>
+                  </a:solidFill>
+                  <a:latin typeface="삼성긴고딕OTF Light" panose="020B0600000101010101" pitchFamily="34" charset="-127"/>
+                  <a:ea typeface="삼성긴고딕OTF Light" panose="020B0600000101010101" pitchFamily="34" charset="-127"/>
+                </a:rPr>
+                <a:t>[0]</a:t>
+              </a:r>
+              <a:endParaRPr lang="ko-KR" altLang="en-US" sz="1600" dirty="0">
+                <a:solidFill>
+                  <a:schemeClr val="tx1"/>
+                </a:solidFill>
+                <a:latin typeface="삼성긴고딕OTF Light" panose="020B0600000101010101" pitchFamily="34" charset="-127"/>
+                <a:ea typeface="삼성긴고딕OTF Light" panose="020B0600000101010101" pitchFamily="34" charset="-127"/>
+              </a:endParaRPr>
+            </a:p>
+          </p:txBody>
+        </p:sp>
+      </p:grpSp>
+      <p:grpSp>
+        <p:nvGrpSpPr>
+          <p:cNvPr id="29" name="그룹 28"/>
+          <p:cNvGrpSpPr/>
+          <p:nvPr/>
+        </p:nvGrpSpPr>
+        <p:grpSpPr>
+          <a:xfrm>
+            <a:off x="8430768" y="1069848"/>
+            <a:ext cx="1508760" cy="896112"/>
+            <a:chOff x="2907792" y="493776"/>
+            <a:chExt cx="1508760" cy="896112"/>
+          </a:xfrm>
+        </p:grpSpPr>
+        <p:sp>
+          <p:nvSpPr>
+            <p:cNvPr id="30" name="직사각형 29"/>
+            <p:cNvSpPr/>
+            <p:nvPr/>
+          </p:nvSpPr>
+          <p:spPr>
+            <a:xfrm>
+              <a:off x="2907792" y="941832"/>
+              <a:ext cx="1508760" cy="448056"/>
+            </a:xfrm>
+            <a:prstGeom prst="rect">
+              <a:avLst/>
+            </a:prstGeom>
+            <a:solidFill>
+              <a:schemeClr val="accent4">
+                <a:lumMod val="20000"/>
+                <a:lumOff val="80000"/>
+              </a:schemeClr>
+            </a:solidFill>
+            <a:ln>
+              <a:noFill/>
+            </a:ln>
+            <a:effectLst>
+              <a:outerShdw blurRad="50800" dist="38100" dir="2700000" algn="tl" rotWithShape="0">
+                <a:prstClr val="black">
+                  <a:alpha val="40000"/>
+                </a:prstClr>
+              </a:outerShdw>
+            </a:effectLst>
+          </p:spPr>
+          <p:style>
+            <a:lnRef idx="2">
+              <a:schemeClr val="accent1">
+                <a:shade val="50000"/>
+              </a:schemeClr>
+            </a:lnRef>
+            <a:fillRef idx="1">
+              <a:schemeClr val="accent1"/>
+            </a:fillRef>
+            <a:effectRef idx="0">
+              <a:schemeClr val="accent1"/>
+            </a:effectRef>
+            <a:fontRef idx="minor">
+              <a:schemeClr val="lt1"/>
+            </a:fontRef>
+          </p:style>
+          <p:txBody>
+            <a:bodyPr rtlCol="0" anchor="ctr"/>
+            <a:lstStyle/>
+            <a:p>
+              <a:pPr algn="ctr"/>
+              <a:r>
+                <a:rPr lang="en-US" altLang="ko-KR" dirty="0" smtClean="0">
+                  <a:solidFill>
+                    <a:schemeClr val="tx1"/>
+                  </a:solidFill>
+                  <a:latin typeface="삼성긴고딕OTF Medium" panose="020B0600000101010101" pitchFamily="34" charset="-127"/>
+                  <a:ea typeface="삼성긴고딕OTF Medium" panose="020B0600000101010101" pitchFamily="34" charset="-127"/>
+                </a:rPr>
+                <a:t>0</a:t>
+              </a:r>
+              <a:endParaRPr lang="ko-KR" altLang="en-US" dirty="0">
+                <a:solidFill>
+                  <a:schemeClr val="tx1"/>
+                </a:solidFill>
+                <a:latin typeface="삼성긴고딕OTF Medium" panose="020B0600000101010101" pitchFamily="34" charset="-127"/>
+                <a:ea typeface="삼성긴고딕OTF Medium" panose="020B0600000101010101" pitchFamily="34" charset="-127"/>
+              </a:endParaRPr>
+            </a:p>
+          </p:txBody>
+        </p:sp>
+        <p:sp>
+          <p:nvSpPr>
+            <p:cNvPr id="31" name="직사각형 30"/>
+            <p:cNvSpPr/>
+            <p:nvPr/>
+          </p:nvSpPr>
+          <p:spPr>
+            <a:xfrm>
+              <a:off x="2907792" y="493776"/>
+              <a:ext cx="1508760" cy="448056"/>
+            </a:xfrm>
+            <a:prstGeom prst="rect">
+              <a:avLst/>
+            </a:prstGeom>
+            <a:noFill/>
+            <a:ln>
+              <a:noFill/>
+            </a:ln>
+            <a:effectLst/>
+          </p:spPr>
+          <p:style>
+            <a:lnRef idx="2">
+              <a:schemeClr val="accent1">
+                <a:shade val="50000"/>
+              </a:schemeClr>
+            </a:lnRef>
+            <a:fillRef idx="1">
+              <a:schemeClr val="accent1"/>
+            </a:fillRef>
+            <a:effectRef idx="0">
+              <a:schemeClr val="accent1"/>
+            </a:effectRef>
+            <a:fontRef idx="minor">
+              <a:schemeClr val="lt1"/>
+            </a:fontRef>
+          </p:style>
+          <p:txBody>
+            <a:bodyPr lIns="36000" tIns="36000" rIns="36000" bIns="36000" rtlCol="0" anchor="ctr"/>
+            <a:lstStyle/>
+            <a:p>
+              <a:pPr algn="ctr"/>
+              <a:r>
+                <a:rPr lang="en-US" altLang="ko-KR" sz="1600" dirty="0" err="1" smtClean="0">
+                  <a:solidFill>
+                    <a:schemeClr val="tx1"/>
+                  </a:solidFill>
+                  <a:latin typeface="삼성긴고딕OTF Light" panose="020B0600000101010101" pitchFamily="34" charset="-127"/>
+                  <a:ea typeface="삼성긴고딕OTF Light" panose="020B0600000101010101" pitchFamily="34" charset="-127"/>
+                </a:rPr>
+                <a:t>arr</a:t>
+              </a:r>
+              <a:r>
+                <a:rPr lang="en-US" altLang="ko-KR" sz="1600" dirty="0" smtClean="0">
+                  <a:solidFill>
+                    <a:schemeClr val="tx1"/>
+                  </a:solidFill>
+                  <a:latin typeface="삼성긴고딕OTF Light" panose="020B0600000101010101" pitchFamily="34" charset="-127"/>
+                  <a:ea typeface="삼성긴고딕OTF Light" panose="020B0600000101010101" pitchFamily="34" charset="-127"/>
+                </a:rPr>
+                <a:t>[1]</a:t>
+              </a:r>
+              <a:endParaRPr lang="ko-KR" altLang="en-US" sz="1600" dirty="0">
+                <a:solidFill>
+                  <a:schemeClr val="tx1"/>
+                </a:solidFill>
+                <a:latin typeface="삼성긴고딕OTF Light" panose="020B0600000101010101" pitchFamily="34" charset="-127"/>
+                <a:ea typeface="삼성긴고딕OTF Light" panose="020B0600000101010101" pitchFamily="34" charset="-127"/>
+              </a:endParaRPr>
+            </a:p>
+          </p:txBody>
+        </p:sp>
+      </p:grpSp>
+      <p:grpSp>
+        <p:nvGrpSpPr>
+          <p:cNvPr id="32" name="그룹 31"/>
+          <p:cNvGrpSpPr/>
+          <p:nvPr/>
+        </p:nvGrpSpPr>
+        <p:grpSpPr>
+          <a:xfrm>
+            <a:off x="10469880" y="1069848"/>
+            <a:ext cx="1508760" cy="896112"/>
+            <a:chOff x="4946904" y="493776"/>
+            <a:chExt cx="1508760" cy="896112"/>
+          </a:xfrm>
+        </p:grpSpPr>
+        <p:sp>
+          <p:nvSpPr>
+            <p:cNvPr id="33" name="직사각형 32"/>
+            <p:cNvSpPr/>
+            <p:nvPr/>
+          </p:nvSpPr>
+          <p:spPr>
+            <a:xfrm>
+              <a:off x="4946904" y="941832"/>
+              <a:ext cx="1508760" cy="448056"/>
+            </a:xfrm>
+            <a:prstGeom prst="rect">
+              <a:avLst/>
+            </a:prstGeom>
+            <a:solidFill>
+              <a:schemeClr val="accent4">
+                <a:lumMod val="20000"/>
+                <a:lumOff val="80000"/>
+              </a:schemeClr>
+            </a:solidFill>
+            <a:ln>
+              <a:noFill/>
+            </a:ln>
+            <a:effectLst>
+              <a:outerShdw blurRad="50800" dist="38100" dir="2700000" algn="tl" rotWithShape="0">
+                <a:prstClr val="black">
+                  <a:alpha val="40000"/>
+                </a:prstClr>
+              </a:outerShdw>
+            </a:effectLst>
+          </p:spPr>
+          <p:style>
+            <a:lnRef idx="2">
+              <a:schemeClr val="accent1">
+                <a:shade val="50000"/>
+              </a:schemeClr>
+            </a:lnRef>
+            <a:fillRef idx="1">
+              <a:schemeClr val="accent1"/>
+            </a:fillRef>
+            <a:effectRef idx="0">
+              <a:schemeClr val="accent1"/>
+            </a:effectRef>
+            <a:fontRef idx="minor">
+              <a:schemeClr val="lt1"/>
+            </a:fontRef>
+          </p:style>
+          <p:txBody>
+            <a:bodyPr rtlCol="0" anchor="ctr"/>
+            <a:lstStyle/>
+            <a:p>
+              <a:pPr algn="ctr"/>
+              <a:r>
+                <a:rPr lang="en-US" altLang="ko-KR" dirty="0" smtClean="0">
+                  <a:solidFill>
+                    <a:schemeClr val="tx1"/>
+                  </a:solidFill>
+                  <a:latin typeface="삼성긴고딕OTF Medium" panose="020B0600000101010101" pitchFamily="34" charset="-127"/>
+                  <a:ea typeface="삼성긴고딕OTF Medium" panose="020B0600000101010101" pitchFamily="34" charset="-127"/>
+                </a:rPr>
+                <a:t>0</a:t>
+              </a:r>
+              <a:endParaRPr lang="ko-KR" altLang="en-US" dirty="0">
+                <a:solidFill>
+                  <a:schemeClr val="tx1"/>
+                </a:solidFill>
+                <a:latin typeface="삼성긴고딕OTF Medium" panose="020B0600000101010101" pitchFamily="34" charset="-127"/>
+                <a:ea typeface="삼성긴고딕OTF Medium" panose="020B0600000101010101" pitchFamily="34" charset="-127"/>
+              </a:endParaRPr>
+            </a:p>
+          </p:txBody>
+        </p:sp>
+        <p:sp>
+          <p:nvSpPr>
+            <p:cNvPr id="34" name="직사각형 33"/>
+            <p:cNvSpPr/>
+            <p:nvPr/>
+          </p:nvSpPr>
+          <p:spPr>
+            <a:xfrm>
+              <a:off x="4946904" y="493776"/>
+              <a:ext cx="1508760" cy="448056"/>
+            </a:xfrm>
+            <a:prstGeom prst="rect">
+              <a:avLst/>
+            </a:prstGeom>
+            <a:noFill/>
+            <a:ln>
+              <a:noFill/>
+            </a:ln>
+            <a:effectLst/>
+          </p:spPr>
+          <p:style>
+            <a:lnRef idx="2">
+              <a:schemeClr val="accent1">
+                <a:shade val="50000"/>
+              </a:schemeClr>
+            </a:lnRef>
+            <a:fillRef idx="1">
+              <a:schemeClr val="accent1"/>
+            </a:fillRef>
+            <a:effectRef idx="0">
+              <a:schemeClr val="accent1"/>
+            </a:effectRef>
+            <a:fontRef idx="minor">
+              <a:schemeClr val="lt1"/>
+            </a:fontRef>
+          </p:style>
+          <p:txBody>
+            <a:bodyPr lIns="36000" tIns="36000" rIns="36000" bIns="36000" rtlCol="0" anchor="ctr"/>
+            <a:lstStyle/>
+            <a:p>
+              <a:pPr algn="ctr"/>
+              <a:r>
+                <a:rPr lang="en-US" altLang="ko-KR" sz="1600" dirty="0" err="1" smtClean="0">
+                  <a:solidFill>
+                    <a:schemeClr val="tx1"/>
+                  </a:solidFill>
+                  <a:latin typeface="삼성긴고딕OTF Light" panose="020B0600000101010101" pitchFamily="34" charset="-127"/>
+                  <a:ea typeface="삼성긴고딕OTF Light" panose="020B0600000101010101" pitchFamily="34" charset="-127"/>
+                </a:rPr>
+                <a:t>arr</a:t>
+              </a:r>
+              <a:r>
+                <a:rPr lang="en-US" altLang="ko-KR" sz="1600" dirty="0" smtClean="0">
+                  <a:solidFill>
+                    <a:schemeClr val="tx1"/>
+                  </a:solidFill>
+                  <a:latin typeface="삼성긴고딕OTF Light" panose="020B0600000101010101" pitchFamily="34" charset="-127"/>
+                  <a:ea typeface="삼성긴고딕OTF Light" panose="020B0600000101010101" pitchFamily="34" charset="-127"/>
+                </a:rPr>
+                <a:t>[2]</a:t>
+              </a:r>
+              <a:endParaRPr lang="ko-KR" altLang="en-US" sz="1600" dirty="0">
+                <a:solidFill>
+                  <a:schemeClr val="tx1"/>
+                </a:solidFill>
+                <a:latin typeface="삼성긴고딕OTF Light" panose="020B0600000101010101" pitchFamily="34" charset="-127"/>
+                <a:ea typeface="삼성긴고딕OTF Light" panose="020B0600000101010101" pitchFamily="34" charset="-127"/>
+              </a:endParaRPr>
+            </a:p>
+          </p:txBody>
+        </p:sp>
+      </p:grpSp>
+      <p:sp>
+        <p:nvSpPr>
+          <p:cNvPr id="35" name="직사각형 34"/>
+          <p:cNvSpPr/>
+          <p:nvPr/>
+        </p:nvSpPr>
+        <p:spPr>
+          <a:xfrm>
+            <a:off x="6391656" y="397764"/>
+            <a:ext cx="3154680" cy="448056"/>
+          </a:xfrm>
+          <a:prstGeom prst="rect">
+            <a:avLst/>
+          </a:prstGeom>
+          <a:noFill/>
+          <a:ln>
+            <a:noFill/>
+          </a:ln>
+          <a:effectLst/>
+        </p:spPr>
+        <p:style>
+          <a:lnRef idx="2">
+            <a:schemeClr val="accent1">
+              <a:shade val="50000"/>
+            </a:schemeClr>
+          </a:lnRef>
+          <a:fillRef idx="1">
+            <a:schemeClr val="accent1"/>
+          </a:fillRef>
+          <a:effectRef idx="0">
+            <a:schemeClr val="accent1"/>
+          </a:effectRef>
+          <a:fontRef idx="minor">
+            <a:schemeClr val="lt1"/>
+          </a:fontRef>
+        </p:style>
+        <p:txBody>
+          <a:bodyPr lIns="90000" tIns="36000" rIns="90000" bIns="36000" rtlCol="0" anchor="ctr"/>
+          <a:lstStyle/>
+          <a:p>
+            <a:r>
+              <a:rPr lang="en-US" altLang="ko-KR" dirty="0" smtClean="0">
+                <a:solidFill>
+                  <a:schemeClr val="tx1"/>
+                </a:solidFill>
+                <a:latin typeface="삼성긴고딕OTF Medium" panose="020B0600000101010101" pitchFamily="34" charset="-127"/>
+                <a:ea typeface="삼성긴고딕OTF Medium" panose="020B0600000101010101" pitchFamily="34" charset="-127"/>
+              </a:rPr>
+              <a:t>long[ ] </a:t>
+            </a:r>
+            <a:r>
+              <a:rPr lang="en-US" altLang="ko-KR" dirty="0" err="1" smtClean="0">
+                <a:solidFill>
+                  <a:schemeClr val="tx1"/>
+                </a:solidFill>
+                <a:latin typeface="삼성긴고딕OTF Medium" panose="020B0600000101010101" pitchFamily="34" charset="-127"/>
+                <a:ea typeface="삼성긴고딕OTF Medium" panose="020B0600000101010101" pitchFamily="34" charset="-127"/>
+              </a:rPr>
+              <a:t>arr</a:t>
+            </a:r>
+            <a:r>
+              <a:rPr lang="en-US" altLang="ko-KR" dirty="0" smtClean="0">
+                <a:solidFill>
+                  <a:schemeClr val="tx1"/>
+                </a:solidFill>
+                <a:latin typeface="삼성긴고딕OTF Medium" panose="020B0600000101010101" pitchFamily="34" charset="-127"/>
+                <a:ea typeface="삼성긴고딕OTF Medium" panose="020B0600000101010101" pitchFamily="34" charset="-127"/>
+              </a:rPr>
+              <a:t> = new long[3]</a:t>
+            </a:r>
+            <a:endParaRPr lang="ko-KR" altLang="en-US" dirty="0">
+              <a:solidFill>
+                <a:schemeClr val="tx1"/>
+              </a:solidFill>
+              <a:latin typeface="삼성긴고딕OTF Medium" panose="020B0600000101010101" pitchFamily="34" charset="-127"/>
+              <a:ea typeface="삼성긴고딕OTF Medium" panose="020B0600000101010101" pitchFamily="34" charset="-127"/>
+            </a:endParaRPr>
+          </a:p>
+        </p:txBody>
+      </p:sp>
+      <p:grpSp>
+        <p:nvGrpSpPr>
+          <p:cNvPr id="36" name="그룹 35"/>
+          <p:cNvGrpSpPr/>
+          <p:nvPr/>
+        </p:nvGrpSpPr>
+        <p:grpSpPr>
+          <a:xfrm>
+            <a:off x="6391656" y="4343400"/>
+            <a:ext cx="1508760" cy="896112"/>
+            <a:chOff x="868680" y="493776"/>
+            <a:chExt cx="1508760" cy="896112"/>
+          </a:xfrm>
+        </p:grpSpPr>
+        <p:sp>
+          <p:nvSpPr>
+            <p:cNvPr id="37" name="직사각형 36"/>
+            <p:cNvSpPr/>
+            <p:nvPr/>
+          </p:nvSpPr>
+          <p:spPr>
+            <a:xfrm>
+              <a:off x="868680" y="941832"/>
+              <a:ext cx="1508760" cy="448056"/>
+            </a:xfrm>
+            <a:prstGeom prst="rect">
+              <a:avLst/>
+            </a:prstGeom>
+            <a:solidFill>
+              <a:schemeClr val="accent4">
+                <a:lumMod val="20000"/>
+                <a:lumOff val="80000"/>
+              </a:schemeClr>
+            </a:solidFill>
+            <a:ln>
+              <a:noFill/>
+            </a:ln>
+            <a:effectLst>
+              <a:outerShdw blurRad="50800" dist="38100" dir="2700000" algn="tl" rotWithShape="0">
+                <a:prstClr val="black">
+                  <a:alpha val="40000"/>
+                </a:prstClr>
+              </a:outerShdw>
+            </a:effectLst>
+          </p:spPr>
+          <p:style>
+            <a:lnRef idx="2">
+              <a:schemeClr val="accent1">
+                <a:shade val="50000"/>
+              </a:schemeClr>
+            </a:lnRef>
+            <a:fillRef idx="1">
+              <a:schemeClr val="accent1"/>
+            </a:fillRef>
+            <a:effectRef idx="0">
+              <a:schemeClr val="accent1"/>
+            </a:effectRef>
+            <a:fontRef idx="minor">
+              <a:schemeClr val="lt1"/>
+            </a:fontRef>
+          </p:style>
+          <p:txBody>
+            <a:bodyPr rtlCol="0" anchor="ctr"/>
+            <a:lstStyle/>
+            <a:p>
+              <a:pPr algn="ctr"/>
+              <a:r>
+                <a:rPr lang="en-US" altLang="ko-KR" dirty="0" smtClean="0">
+                  <a:solidFill>
+                    <a:schemeClr val="tx1"/>
+                  </a:solidFill>
+                  <a:latin typeface="삼성긴고딕OTF Medium" panose="020B0600000101010101" pitchFamily="34" charset="-127"/>
+                  <a:ea typeface="삼성긴고딕OTF Medium" panose="020B0600000101010101" pitchFamily="34" charset="-127"/>
+                </a:rPr>
+                <a:t>16</a:t>
+              </a:r>
+              <a:endParaRPr lang="ko-KR" altLang="en-US" dirty="0">
+                <a:solidFill>
+                  <a:schemeClr val="tx1"/>
+                </a:solidFill>
+                <a:latin typeface="삼성긴고딕OTF Medium" panose="020B0600000101010101" pitchFamily="34" charset="-127"/>
+                <a:ea typeface="삼성긴고딕OTF Medium" panose="020B0600000101010101" pitchFamily="34" charset="-127"/>
+              </a:endParaRPr>
+            </a:p>
+          </p:txBody>
+        </p:sp>
+        <p:sp>
+          <p:nvSpPr>
+            <p:cNvPr id="38" name="직사각형 37"/>
+            <p:cNvSpPr/>
+            <p:nvPr/>
+          </p:nvSpPr>
+          <p:spPr>
+            <a:xfrm>
+              <a:off x="868680" y="493776"/>
+              <a:ext cx="1508760" cy="448056"/>
+            </a:xfrm>
+            <a:prstGeom prst="rect">
+              <a:avLst/>
+            </a:prstGeom>
+            <a:noFill/>
+            <a:ln>
+              <a:noFill/>
+            </a:ln>
+            <a:effectLst/>
+          </p:spPr>
+          <p:style>
+            <a:lnRef idx="2">
+              <a:schemeClr val="accent1">
+                <a:shade val="50000"/>
+              </a:schemeClr>
+            </a:lnRef>
+            <a:fillRef idx="1">
+              <a:schemeClr val="accent1"/>
+            </a:fillRef>
+            <a:effectRef idx="0">
+              <a:schemeClr val="accent1"/>
+            </a:effectRef>
+            <a:fontRef idx="minor">
+              <a:schemeClr val="lt1"/>
+            </a:fontRef>
+          </p:style>
+          <p:txBody>
+            <a:bodyPr lIns="36000" tIns="36000" rIns="36000" bIns="36000" rtlCol="0" anchor="ctr"/>
+            <a:lstStyle/>
+            <a:p>
+              <a:pPr algn="ctr"/>
+              <a:r>
+                <a:rPr lang="en-US" altLang="ko-KR" sz="1600" dirty="0" err="1" smtClean="0">
+                  <a:solidFill>
+                    <a:schemeClr val="tx1"/>
+                  </a:solidFill>
+                  <a:latin typeface="삼성긴고딕OTF Light" panose="020B0600000101010101" pitchFamily="34" charset="-127"/>
+                  <a:ea typeface="삼성긴고딕OTF Light" panose="020B0600000101010101" pitchFamily="34" charset="-127"/>
+                </a:rPr>
+                <a:t>arr</a:t>
+              </a:r>
+              <a:r>
+                <a:rPr lang="en-US" altLang="ko-KR" sz="1600" dirty="0" smtClean="0">
+                  <a:solidFill>
+                    <a:schemeClr val="tx1"/>
+                  </a:solidFill>
+                  <a:latin typeface="삼성긴고딕OTF Light" panose="020B0600000101010101" pitchFamily="34" charset="-127"/>
+                  <a:ea typeface="삼성긴고딕OTF Light" panose="020B0600000101010101" pitchFamily="34" charset="-127"/>
+                </a:rPr>
+                <a:t>[0]</a:t>
+              </a:r>
+              <a:endParaRPr lang="ko-KR" altLang="en-US" sz="1600" dirty="0">
+                <a:solidFill>
+                  <a:schemeClr val="tx1"/>
+                </a:solidFill>
+                <a:latin typeface="삼성긴고딕OTF Light" panose="020B0600000101010101" pitchFamily="34" charset="-127"/>
+                <a:ea typeface="삼성긴고딕OTF Light" panose="020B0600000101010101" pitchFamily="34" charset="-127"/>
+              </a:endParaRPr>
+            </a:p>
+          </p:txBody>
+        </p:sp>
+      </p:grpSp>
+      <p:grpSp>
+        <p:nvGrpSpPr>
+          <p:cNvPr id="39" name="그룹 38"/>
+          <p:cNvGrpSpPr/>
+          <p:nvPr/>
+        </p:nvGrpSpPr>
+        <p:grpSpPr>
+          <a:xfrm>
+            <a:off x="8430768" y="4343400"/>
+            <a:ext cx="1508760" cy="896112"/>
+            <a:chOff x="2907792" y="493776"/>
+            <a:chExt cx="1508760" cy="896112"/>
+          </a:xfrm>
+        </p:grpSpPr>
+        <p:sp>
+          <p:nvSpPr>
+            <p:cNvPr id="40" name="직사각형 39"/>
+            <p:cNvSpPr/>
+            <p:nvPr/>
+          </p:nvSpPr>
+          <p:spPr>
+            <a:xfrm>
+              <a:off x="2907792" y="941832"/>
+              <a:ext cx="1508760" cy="448056"/>
+            </a:xfrm>
+            <a:prstGeom prst="rect">
+              <a:avLst/>
+            </a:prstGeom>
+            <a:solidFill>
+              <a:schemeClr val="accent4">
+                <a:lumMod val="20000"/>
+                <a:lumOff val="80000"/>
+              </a:schemeClr>
+            </a:solidFill>
+            <a:ln>
+              <a:noFill/>
+            </a:ln>
+            <a:effectLst>
+              <a:outerShdw blurRad="50800" dist="38100" dir="2700000" algn="tl" rotWithShape="0">
+                <a:prstClr val="black">
+                  <a:alpha val="40000"/>
+                </a:prstClr>
+              </a:outerShdw>
+            </a:effectLst>
+          </p:spPr>
+          <p:style>
+            <a:lnRef idx="2">
+              <a:schemeClr val="accent1">
+                <a:shade val="50000"/>
+              </a:schemeClr>
+            </a:lnRef>
+            <a:fillRef idx="1">
+              <a:schemeClr val="accent1"/>
+            </a:fillRef>
+            <a:effectRef idx="0">
+              <a:schemeClr val="accent1"/>
+            </a:effectRef>
+            <a:fontRef idx="minor">
+              <a:schemeClr val="lt1"/>
+            </a:fontRef>
+          </p:style>
+          <p:txBody>
+            <a:bodyPr rtlCol="0" anchor="ctr"/>
+            <a:lstStyle/>
+            <a:p>
+              <a:pPr algn="ctr"/>
+              <a:r>
+                <a:rPr lang="en-US" altLang="ko-KR" dirty="0" smtClean="0">
+                  <a:solidFill>
+                    <a:schemeClr val="tx1"/>
+                  </a:solidFill>
+                  <a:latin typeface="삼성긴고딕OTF Medium" panose="020B0600000101010101" pitchFamily="34" charset="-127"/>
+                  <a:ea typeface="삼성긴고딕OTF Medium" panose="020B0600000101010101" pitchFamily="34" charset="-127"/>
+                </a:rPr>
+                <a:t>34</a:t>
+              </a:r>
+              <a:endParaRPr lang="ko-KR" altLang="en-US" dirty="0">
+                <a:solidFill>
+                  <a:schemeClr val="tx1"/>
+                </a:solidFill>
+                <a:latin typeface="삼성긴고딕OTF Medium" panose="020B0600000101010101" pitchFamily="34" charset="-127"/>
+                <a:ea typeface="삼성긴고딕OTF Medium" panose="020B0600000101010101" pitchFamily="34" charset="-127"/>
+              </a:endParaRPr>
+            </a:p>
+          </p:txBody>
+        </p:sp>
+        <p:sp>
+          <p:nvSpPr>
+            <p:cNvPr id="41" name="직사각형 40"/>
+            <p:cNvSpPr/>
+            <p:nvPr/>
+          </p:nvSpPr>
+          <p:spPr>
+            <a:xfrm>
+              <a:off x="2907792" y="493776"/>
+              <a:ext cx="1508760" cy="448056"/>
+            </a:xfrm>
+            <a:prstGeom prst="rect">
+              <a:avLst/>
+            </a:prstGeom>
+            <a:noFill/>
+            <a:ln>
+              <a:noFill/>
+            </a:ln>
+            <a:effectLst/>
+          </p:spPr>
+          <p:style>
+            <a:lnRef idx="2">
+              <a:schemeClr val="accent1">
+                <a:shade val="50000"/>
+              </a:schemeClr>
+            </a:lnRef>
+            <a:fillRef idx="1">
+              <a:schemeClr val="accent1"/>
+            </a:fillRef>
+            <a:effectRef idx="0">
+              <a:schemeClr val="accent1"/>
+            </a:effectRef>
+            <a:fontRef idx="minor">
+              <a:schemeClr val="lt1"/>
+            </a:fontRef>
+          </p:style>
+          <p:txBody>
+            <a:bodyPr lIns="36000" tIns="36000" rIns="36000" bIns="36000" rtlCol="0" anchor="ctr"/>
+            <a:lstStyle/>
+            <a:p>
+              <a:pPr algn="ctr"/>
+              <a:r>
+                <a:rPr lang="en-US" altLang="ko-KR" sz="1600" dirty="0" err="1" smtClean="0">
+                  <a:solidFill>
+                    <a:schemeClr val="tx1"/>
+                  </a:solidFill>
+                  <a:latin typeface="삼성긴고딕OTF Light" panose="020B0600000101010101" pitchFamily="34" charset="-127"/>
+                  <a:ea typeface="삼성긴고딕OTF Light" panose="020B0600000101010101" pitchFamily="34" charset="-127"/>
+                </a:rPr>
+                <a:t>arr</a:t>
+              </a:r>
+              <a:r>
+                <a:rPr lang="en-US" altLang="ko-KR" sz="1600" dirty="0" smtClean="0">
+                  <a:solidFill>
+                    <a:schemeClr val="tx1"/>
+                  </a:solidFill>
+                  <a:latin typeface="삼성긴고딕OTF Light" panose="020B0600000101010101" pitchFamily="34" charset="-127"/>
+                  <a:ea typeface="삼성긴고딕OTF Light" panose="020B0600000101010101" pitchFamily="34" charset="-127"/>
+                </a:rPr>
+                <a:t>[1]</a:t>
+              </a:r>
+              <a:endParaRPr lang="ko-KR" altLang="en-US" sz="1600" dirty="0">
+                <a:solidFill>
+                  <a:schemeClr val="tx1"/>
+                </a:solidFill>
+                <a:latin typeface="삼성긴고딕OTF Light" panose="020B0600000101010101" pitchFamily="34" charset="-127"/>
+                <a:ea typeface="삼성긴고딕OTF Light" panose="020B0600000101010101" pitchFamily="34" charset="-127"/>
+              </a:endParaRPr>
+            </a:p>
+          </p:txBody>
+        </p:sp>
+      </p:grpSp>
+      <p:grpSp>
+        <p:nvGrpSpPr>
+          <p:cNvPr id="42" name="그룹 41"/>
+          <p:cNvGrpSpPr/>
+          <p:nvPr/>
+        </p:nvGrpSpPr>
+        <p:grpSpPr>
+          <a:xfrm>
+            <a:off x="10469880" y="4343400"/>
+            <a:ext cx="1508760" cy="896112"/>
+            <a:chOff x="4946904" y="493776"/>
+            <a:chExt cx="1508760" cy="896112"/>
+          </a:xfrm>
+        </p:grpSpPr>
+        <p:sp>
+          <p:nvSpPr>
+            <p:cNvPr id="43" name="직사각형 42"/>
+            <p:cNvSpPr/>
+            <p:nvPr/>
+          </p:nvSpPr>
+          <p:spPr>
+            <a:xfrm>
+              <a:off x="4946904" y="941832"/>
+              <a:ext cx="1508760" cy="448056"/>
+            </a:xfrm>
+            <a:prstGeom prst="rect">
+              <a:avLst/>
+            </a:prstGeom>
+            <a:solidFill>
+              <a:schemeClr val="accent4">
+                <a:lumMod val="20000"/>
+                <a:lumOff val="80000"/>
+              </a:schemeClr>
+            </a:solidFill>
+            <a:ln>
+              <a:noFill/>
+            </a:ln>
+            <a:effectLst>
+              <a:outerShdw blurRad="50800" dist="38100" dir="2700000" algn="tl" rotWithShape="0">
+                <a:prstClr val="black">
+                  <a:alpha val="40000"/>
+                </a:prstClr>
+              </a:outerShdw>
+            </a:effectLst>
+          </p:spPr>
+          <p:style>
+            <a:lnRef idx="2">
+              <a:schemeClr val="accent1">
+                <a:shade val="50000"/>
+              </a:schemeClr>
+            </a:lnRef>
+            <a:fillRef idx="1">
+              <a:schemeClr val="accent1"/>
+            </a:fillRef>
+            <a:effectRef idx="0">
+              <a:schemeClr val="accent1"/>
+            </a:effectRef>
+            <a:fontRef idx="minor">
+              <a:schemeClr val="lt1"/>
+            </a:fontRef>
+          </p:style>
+          <p:txBody>
+            <a:bodyPr rtlCol="0" anchor="ctr"/>
+            <a:lstStyle/>
+            <a:p>
+              <a:pPr algn="ctr"/>
+              <a:r>
+                <a:rPr lang="en-US" altLang="ko-KR" dirty="0" smtClean="0">
+                  <a:solidFill>
+                    <a:schemeClr val="tx1"/>
+                  </a:solidFill>
+                  <a:latin typeface="삼성긴고딕OTF Medium" panose="020B0600000101010101" pitchFamily="34" charset="-127"/>
+                  <a:ea typeface="삼성긴고딕OTF Medium" panose="020B0600000101010101" pitchFamily="34" charset="-127"/>
+                </a:rPr>
+                <a:t>58</a:t>
+              </a:r>
+              <a:endParaRPr lang="ko-KR" altLang="en-US" dirty="0">
+                <a:solidFill>
+                  <a:schemeClr val="tx1"/>
+                </a:solidFill>
+                <a:latin typeface="삼성긴고딕OTF Medium" panose="020B0600000101010101" pitchFamily="34" charset="-127"/>
+                <a:ea typeface="삼성긴고딕OTF Medium" panose="020B0600000101010101" pitchFamily="34" charset="-127"/>
+              </a:endParaRPr>
+            </a:p>
+          </p:txBody>
+        </p:sp>
+        <p:sp>
+          <p:nvSpPr>
+            <p:cNvPr id="44" name="직사각형 43"/>
+            <p:cNvSpPr/>
+            <p:nvPr/>
+          </p:nvSpPr>
+          <p:spPr>
+            <a:xfrm>
+              <a:off x="4946904" y="493776"/>
+              <a:ext cx="1508760" cy="448056"/>
+            </a:xfrm>
+            <a:prstGeom prst="rect">
+              <a:avLst/>
+            </a:prstGeom>
+            <a:noFill/>
+            <a:ln>
+              <a:noFill/>
+            </a:ln>
+            <a:effectLst/>
+          </p:spPr>
+          <p:style>
+            <a:lnRef idx="2">
+              <a:schemeClr val="accent1">
+                <a:shade val="50000"/>
+              </a:schemeClr>
+            </a:lnRef>
+            <a:fillRef idx="1">
+              <a:schemeClr val="accent1"/>
+            </a:fillRef>
+            <a:effectRef idx="0">
+              <a:schemeClr val="accent1"/>
+            </a:effectRef>
+            <a:fontRef idx="minor">
+              <a:schemeClr val="lt1"/>
+            </a:fontRef>
+          </p:style>
+          <p:txBody>
+            <a:bodyPr lIns="36000" tIns="36000" rIns="36000" bIns="36000" rtlCol="0" anchor="ctr"/>
+            <a:lstStyle/>
+            <a:p>
+              <a:pPr algn="ctr"/>
+              <a:r>
+                <a:rPr lang="en-US" altLang="ko-KR" sz="1600" dirty="0" err="1" smtClean="0">
+                  <a:solidFill>
+                    <a:schemeClr val="tx1"/>
+                  </a:solidFill>
+                  <a:latin typeface="삼성긴고딕OTF Light" panose="020B0600000101010101" pitchFamily="34" charset="-127"/>
+                  <a:ea typeface="삼성긴고딕OTF Light" panose="020B0600000101010101" pitchFamily="34" charset="-127"/>
+                </a:rPr>
+                <a:t>arr</a:t>
+              </a:r>
+              <a:r>
+                <a:rPr lang="en-US" altLang="ko-KR" sz="1600" dirty="0" smtClean="0">
+                  <a:solidFill>
+                    <a:schemeClr val="tx1"/>
+                  </a:solidFill>
+                  <a:latin typeface="삼성긴고딕OTF Light" panose="020B0600000101010101" pitchFamily="34" charset="-127"/>
+                  <a:ea typeface="삼성긴고딕OTF Light" panose="020B0600000101010101" pitchFamily="34" charset="-127"/>
+                </a:rPr>
+                <a:t>[2]</a:t>
+              </a:r>
+              <a:endParaRPr lang="ko-KR" altLang="en-US" sz="1600" dirty="0">
+                <a:solidFill>
+                  <a:schemeClr val="tx1"/>
+                </a:solidFill>
+                <a:latin typeface="삼성긴고딕OTF Light" panose="020B0600000101010101" pitchFamily="34" charset="-127"/>
+                <a:ea typeface="삼성긴고딕OTF Light" panose="020B0600000101010101" pitchFamily="34" charset="-127"/>
+              </a:endParaRPr>
+            </a:p>
+          </p:txBody>
+        </p:sp>
+      </p:grpSp>
+      <p:sp>
+        <p:nvSpPr>
+          <p:cNvPr id="46" name="직사각형 45"/>
+          <p:cNvSpPr/>
+          <p:nvPr/>
+        </p:nvSpPr>
+        <p:spPr>
+          <a:xfrm>
+            <a:off x="6391656" y="3127248"/>
+            <a:ext cx="3154680" cy="992124"/>
+          </a:xfrm>
+          <a:prstGeom prst="rect">
+            <a:avLst/>
+          </a:prstGeom>
+          <a:noFill/>
+          <a:ln>
+            <a:noFill/>
+          </a:ln>
+          <a:effectLst/>
+        </p:spPr>
+        <p:style>
+          <a:lnRef idx="2">
+            <a:schemeClr val="accent1">
+              <a:shade val="50000"/>
+            </a:schemeClr>
+          </a:lnRef>
+          <a:fillRef idx="1">
+            <a:schemeClr val="accent1"/>
+          </a:fillRef>
+          <a:effectRef idx="0">
+            <a:schemeClr val="accent1"/>
+          </a:effectRef>
+          <a:fontRef idx="minor">
+            <a:schemeClr val="lt1"/>
+          </a:fontRef>
+        </p:style>
+        <p:txBody>
+          <a:bodyPr lIns="90000" tIns="0" rIns="90000" bIns="0" rtlCol="0" anchor="ctr"/>
+          <a:lstStyle/>
+          <a:p>
+            <a:pPr>
+              <a:lnSpc>
+                <a:spcPct val="120000"/>
+              </a:lnSpc>
+            </a:pPr>
+            <a:r>
+              <a:rPr lang="en-US" altLang="ko-KR" dirty="0" err="1">
+                <a:solidFill>
+                  <a:schemeClr val="tx1"/>
+                </a:solidFill>
+                <a:latin typeface="삼성긴고딕OTF Medium" panose="020B0600000101010101" pitchFamily="34" charset="-127"/>
+                <a:ea typeface="삼성긴고딕OTF Medium" panose="020B0600000101010101" pitchFamily="34" charset="-127"/>
+              </a:rPr>
+              <a:t>arr</a:t>
+            </a:r>
+            <a:r>
+              <a:rPr lang="en-US" altLang="ko-KR" dirty="0" smtClean="0">
+                <a:solidFill>
+                  <a:schemeClr val="tx1"/>
+                </a:solidFill>
+                <a:latin typeface="삼성긴고딕OTF Medium" panose="020B0600000101010101" pitchFamily="34" charset="-127"/>
+                <a:ea typeface="삼성긴고딕OTF Medium" panose="020B0600000101010101" pitchFamily="34" charset="-127"/>
+              </a:rPr>
+              <a:t>[1] = 16;</a:t>
+            </a:r>
+            <a:br>
+              <a:rPr lang="en-US" altLang="ko-KR" dirty="0" smtClean="0">
+                <a:solidFill>
+                  <a:schemeClr val="tx1"/>
+                </a:solidFill>
+                <a:latin typeface="삼성긴고딕OTF Medium" panose="020B0600000101010101" pitchFamily="34" charset="-127"/>
+                <a:ea typeface="삼성긴고딕OTF Medium" panose="020B0600000101010101" pitchFamily="34" charset="-127"/>
+              </a:rPr>
+            </a:br>
+            <a:r>
+              <a:rPr lang="en-US" altLang="ko-KR" dirty="0" err="1">
+                <a:solidFill>
+                  <a:schemeClr val="tx1"/>
+                </a:solidFill>
+                <a:latin typeface="삼성긴고딕OTF Medium" panose="020B0600000101010101" pitchFamily="34" charset="-127"/>
+                <a:ea typeface="삼성긴고딕OTF Medium" panose="020B0600000101010101" pitchFamily="34" charset="-127"/>
+              </a:rPr>
+              <a:t>arr</a:t>
+            </a:r>
+            <a:r>
+              <a:rPr lang="en-US" altLang="ko-KR" dirty="0" smtClean="0">
+                <a:solidFill>
+                  <a:schemeClr val="tx1"/>
+                </a:solidFill>
+                <a:latin typeface="삼성긴고딕OTF Medium" panose="020B0600000101010101" pitchFamily="34" charset="-127"/>
+                <a:ea typeface="삼성긴고딕OTF Medium" panose="020B0600000101010101" pitchFamily="34" charset="-127"/>
+              </a:rPr>
+              <a:t>[2] = 34;</a:t>
+            </a:r>
+            <a:endParaRPr lang="ko-KR" altLang="en-US" dirty="0">
+              <a:solidFill>
+                <a:schemeClr val="tx1"/>
+              </a:solidFill>
+              <a:latin typeface="삼성긴고딕OTF Medium" panose="020B0600000101010101" pitchFamily="34" charset="-127"/>
+              <a:ea typeface="삼성긴고딕OTF Medium" panose="020B0600000101010101" pitchFamily="34" charset="-127"/>
+            </a:endParaRPr>
+          </a:p>
+          <a:p>
+            <a:pPr>
+              <a:lnSpc>
+                <a:spcPct val="120000"/>
+              </a:lnSpc>
+            </a:pPr>
+            <a:r>
+              <a:rPr lang="en-US" altLang="ko-KR" dirty="0" err="1">
+                <a:solidFill>
+                  <a:schemeClr val="tx1"/>
+                </a:solidFill>
+                <a:latin typeface="삼성긴고딕OTF Medium" panose="020B0600000101010101" pitchFamily="34" charset="-127"/>
+                <a:ea typeface="삼성긴고딕OTF Medium" panose="020B0600000101010101" pitchFamily="34" charset="-127"/>
+              </a:rPr>
+              <a:t>arr</a:t>
+            </a:r>
+            <a:r>
+              <a:rPr lang="en-US" altLang="ko-KR" dirty="0" smtClean="0">
+                <a:solidFill>
+                  <a:schemeClr val="tx1"/>
+                </a:solidFill>
+                <a:latin typeface="삼성긴고딕OTF Medium" panose="020B0600000101010101" pitchFamily="34" charset="-127"/>
+                <a:ea typeface="삼성긴고딕OTF Medium" panose="020B0600000101010101" pitchFamily="34" charset="-127"/>
+              </a:rPr>
+              <a:t>[3] </a:t>
+            </a:r>
+            <a:r>
+              <a:rPr lang="en-US" altLang="ko-KR" dirty="0">
+                <a:solidFill>
+                  <a:schemeClr val="tx1"/>
+                </a:solidFill>
+                <a:latin typeface="삼성긴고딕OTF Medium" panose="020B0600000101010101" pitchFamily="34" charset="-127"/>
+                <a:ea typeface="삼성긴고딕OTF Medium" panose="020B0600000101010101" pitchFamily="34" charset="-127"/>
+              </a:rPr>
+              <a:t>= </a:t>
+            </a:r>
+            <a:r>
+              <a:rPr lang="en-US" altLang="ko-KR" dirty="0" smtClean="0">
+                <a:solidFill>
+                  <a:schemeClr val="tx1"/>
+                </a:solidFill>
+                <a:latin typeface="삼성긴고딕OTF Medium" panose="020B0600000101010101" pitchFamily="34" charset="-127"/>
+                <a:ea typeface="삼성긴고딕OTF Medium" panose="020B0600000101010101" pitchFamily="34" charset="-127"/>
+              </a:rPr>
+              <a:t>58;</a:t>
+            </a:r>
+            <a:endParaRPr lang="ko-KR" altLang="en-US" dirty="0">
+              <a:solidFill>
+                <a:schemeClr val="tx1"/>
+              </a:solidFill>
+              <a:latin typeface="삼성긴고딕OTF Medium" panose="020B0600000101010101" pitchFamily="34" charset="-127"/>
+              <a:ea typeface="삼성긴고딕OTF Medium" panose="020B0600000101010101" pitchFamily="34" charset="-127"/>
+            </a:endParaRPr>
+          </a:p>
+        </p:txBody>
+      </p:sp>
+    </p:spTree>
+    <p:extLst>
+      <p:ext uri="{BB962C8B-B14F-4D97-AF65-F5344CB8AC3E}">
+        <p14:creationId xmlns:p14="http://schemas.microsoft.com/office/powerpoint/2010/main" val="97478483"/>
+      </p:ext>
+    </p:extLst>
+  </p:cSld>
+  <p:clrMapOvr>
+    <a:masterClrMapping/>
+  </p:clrMapOvr>
+  <p:timing>
+    <p:tnLst>
+      <p:par>
+        <p:cTn id="1" dur="indefinite" restart="never" nodeType="tmRoot"/>
+      </p:par>
+    </p:tnLst>
+  </p:timing>
+</p:sld>
+</file>
+
 <file path=ppt/theme/theme1.xml><?xml version="1.0" encoding="utf-8"?>
 <a:theme xmlns:a="http://schemas.openxmlformats.org/drawingml/2006/main" name="Office 테마">
   <a:themeElements>

--- a/PPT_Image.pptx
+++ b/PPT_Image.pptx
@@ -9,6 +9,9 @@
     <p:sldId id="257" r:id="rId3"/>
     <p:sldId id="258" r:id="rId4"/>
     <p:sldId id="259" r:id="rId5"/>
+    <p:sldId id="260" r:id="rId6"/>
+    <p:sldId id="261" r:id="rId7"/>
+    <p:sldId id="262" r:id="rId8"/>
   </p:sldIdLst>
   <p:sldSz cx="12192000" cy="6858000"/>
   <p:notesSz cx="6858000" cy="9144000"/>
@@ -246,7 +249,7 @@
           <a:p>
             <a:fld id="{5C3F47B3-2A9D-4524-A859-E9ED1EDC8D04}" type="datetimeFigureOut">
               <a:rPr lang="ko-KR" altLang="en-US" smtClean="0"/>
-              <a:t>2023-05-20</a:t>
+              <a:t>2023-05-29</a:t>
             </a:fld>
             <a:endParaRPr lang="ko-KR" altLang="en-US"/>
           </a:p>
@@ -416,7 +419,7 @@
           <a:p>
             <a:fld id="{5C3F47B3-2A9D-4524-A859-E9ED1EDC8D04}" type="datetimeFigureOut">
               <a:rPr lang="ko-KR" altLang="en-US" smtClean="0"/>
-              <a:t>2023-05-20</a:t>
+              <a:t>2023-05-29</a:t>
             </a:fld>
             <a:endParaRPr lang="ko-KR" altLang="en-US"/>
           </a:p>
@@ -596,7 +599,7 @@
           <a:p>
             <a:fld id="{5C3F47B3-2A9D-4524-A859-E9ED1EDC8D04}" type="datetimeFigureOut">
               <a:rPr lang="ko-KR" altLang="en-US" smtClean="0"/>
-              <a:t>2023-05-20</a:t>
+              <a:t>2023-05-29</a:t>
             </a:fld>
             <a:endParaRPr lang="ko-KR" altLang="en-US"/>
           </a:p>
@@ -766,7 +769,7 @@
           <a:p>
             <a:fld id="{5C3F47B3-2A9D-4524-A859-E9ED1EDC8D04}" type="datetimeFigureOut">
               <a:rPr lang="ko-KR" altLang="en-US" smtClean="0"/>
-              <a:t>2023-05-20</a:t>
+              <a:t>2023-05-29</a:t>
             </a:fld>
             <a:endParaRPr lang="ko-KR" altLang="en-US"/>
           </a:p>
@@ -1012,7 +1015,7 @@
           <a:p>
             <a:fld id="{5C3F47B3-2A9D-4524-A859-E9ED1EDC8D04}" type="datetimeFigureOut">
               <a:rPr lang="ko-KR" altLang="en-US" smtClean="0"/>
-              <a:t>2023-05-20</a:t>
+              <a:t>2023-05-29</a:t>
             </a:fld>
             <a:endParaRPr lang="ko-KR" altLang="en-US"/>
           </a:p>
@@ -1244,7 +1247,7 @@
           <a:p>
             <a:fld id="{5C3F47B3-2A9D-4524-A859-E9ED1EDC8D04}" type="datetimeFigureOut">
               <a:rPr lang="ko-KR" altLang="en-US" smtClean="0"/>
-              <a:t>2023-05-20</a:t>
+              <a:t>2023-05-29</a:t>
             </a:fld>
             <a:endParaRPr lang="ko-KR" altLang="en-US"/>
           </a:p>
@@ -1611,7 +1614,7 @@
           <a:p>
             <a:fld id="{5C3F47B3-2A9D-4524-A859-E9ED1EDC8D04}" type="datetimeFigureOut">
               <a:rPr lang="ko-KR" altLang="en-US" smtClean="0"/>
-              <a:t>2023-05-20</a:t>
+              <a:t>2023-05-29</a:t>
             </a:fld>
             <a:endParaRPr lang="ko-KR" altLang="en-US"/>
           </a:p>
@@ -1729,7 +1732,7 @@
           <a:p>
             <a:fld id="{5C3F47B3-2A9D-4524-A859-E9ED1EDC8D04}" type="datetimeFigureOut">
               <a:rPr lang="ko-KR" altLang="en-US" smtClean="0"/>
-              <a:t>2023-05-20</a:t>
+              <a:t>2023-05-29</a:t>
             </a:fld>
             <a:endParaRPr lang="ko-KR" altLang="en-US"/>
           </a:p>
@@ -1824,7 +1827,7 @@
           <a:p>
             <a:fld id="{5C3F47B3-2A9D-4524-A859-E9ED1EDC8D04}" type="datetimeFigureOut">
               <a:rPr lang="ko-KR" altLang="en-US" smtClean="0"/>
-              <a:t>2023-05-20</a:t>
+              <a:t>2023-05-29</a:t>
             </a:fld>
             <a:endParaRPr lang="ko-KR" altLang="en-US"/>
           </a:p>
@@ -2101,7 +2104,7 @@
           <a:p>
             <a:fld id="{5C3F47B3-2A9D-4524-A859-E9ED1EDC8D04}" type="datetimeFigureOut">
               <a:rPr lang="ko-KR" altLang="en-US" smtClean="0"/>
-              <a:t>2023-05-20</a:t>
+              <a:t>2023-05-29</a:t>
             </a:fld>
             <a:endParaRPr lang="ko-KR" altLang="en-US"/>
           </a:p>
@@ -2354,7 +2357,7 @@
           <a:p>
             <a:fld id="{5C3F47B3-2A9D-4524-A859-E9ED1EDC8D04}" type="datetimeFigureOut">
               <a:rPr lang="ko-KR" altLang="en-US" smtClean="0"/>
-              <a:t>2023-05-20</a:t>
+              <a:t>2023-05-29</a:t>
             </a:fld>
             <a:endParaRPr lang="ko-KR" altLang="en-US"/>
           </a:p>
@@ -2567,7 +2570,7 @@
           <a:p>
             <a:fld id="{5C3F47B3-2A9D-4524-A859-E9ED1EDC8D04}" type="datetimeFigureOut">
               <a:rPr lang="ko-KR" altLang="en-US" smtClean="0"/>
-              <a:t>2023-05-20</a:t>
+              <a:t>2023-05-29</a:t>
             </a:fld>
             <a:endParaRPr lang="ko-KR" altLang="en-US"/>
           </a:p>
@@ -13154,6 +13157,5740 @@
 </p:sld>
 </file>
 
+<file path=ppt/slides/slide5.xml><?xml version="1.0" encoding="utf-8"?>
+<p:sld xmlns:a="http://schemas.openxmlformats.org/drawingml/2006/main" xmlns:r="http://schemas.openxmlformats.org/officeDocument/2006/relationships" xmlns:p="http://schemas.openxmlformats.org/presentationml/2006/main">
+  <p:cSld>
+    <p:spTree>
+      <p:nvGrpSpPr>
+        <p:cNvPr id="1" name=""/>
+        <p:cNvGrpSpPr/>
+        <p:nvPr/>
+      </p:nvGrpSpPr>
+      <p:grpSpPr>
+        <a:xfrm>
+          <a:off x="0" y="0"/>
+          <a:ext cx="0" cy="0"/>
+          <a:chOff x="0" y="0"/>
+          <a:chExt cx="0" cy="0"/>
+        </a:xfrm>
+      </p:grpSpPr>
+      <p:sp>
+        <p:nvSpPr>
+          <p:cNvPr id="4" name="직사각형 3"/>
+          <p:cNvSpPr/>
+          <p:nvPr/>
+        </p:nvSpPr>
+        <p:spPr>
+          <a:xfrm>
+            <a:off x="346703" y="365760"/>
+            <a:ext cx="3600000" cy="900000"/>
+          </a:xfrm>
+          <a:prstGeom prst="rect">
+            <a:avLst/>
+          </a:prstGeom>
+          <a:solidFill>
+            <a:schemeClr val="bg1">
+              <a:lumMod val="95000"/>
+            </a:schemeClr>
+          </a:solidFill>
+          <a:ln>
+            <a:solidFill>
+              <a:schemeClr val="tx1"/>
+            </a:solidFill>
+          </a:ln>
+        </p:spPr>
+        <p:style>
+          <a:lnRef idx="2">
+            <a:schemeClr val="accent1">
+              <a:shade val="50000"/>
+            </a:schemeClr>
+          </a:lnRef>
+          <a:fillRef idx="1">
+            <a:schemeClr val="accent1"/>
+          </a:fillRef>
+          <a:effectRef idx="0">
+            <a:schemeClr val="accent1"/>
+          </a:effectRef>
+          <a:fontRef idx="minor">
+            <a:schemeClr val="lt1"/>
+          </a:fontRef>
+        </p:style>
+        <p:txBody>
+          <a:bodyPr rtlCol="0" anchor="ctr"/>
+          <a:lstStyle/>
+          <a:p>
+            <a:pPr algn="ctr"/>
+            <a:r>
+              <a:rPr lang="ko-KR" altLang="en-US" dirty="0" err="1" smtClean="0">
+                <a:solidFill>
+                  <a:schemeClr val="tx1"/>
+                </a:solidFill>
+                <a:latin typeface="삼성긴고딕OTF Medium" panose="020B0600000101010101" pitchFamily="34" charset="-127"/>
+                <a:ea typeface="삼성긴고딕OTF Medium" panose="020B0600000101010101" pitchFamily="34" charset="-127"/>
+              </a:rPr>
+              <a:t>스태틱</a:t>
+            </a:r>
+            <a:r>
+              <a:rPr lang="en-US" altLang="ko-KR" dirty="0" smtClean="0">
+                <a:solidFill>
+                  <a:schemeClr val="tx1"/>
+                </a:solidFill>
+                <a:latin typeface="삼성긴고딕OTF Medium" panose="020B0600000101010101" pitchFamily="34" charset="-127"/>
+                <a:ea typeface="삼성긴고딕OTF Medium" panose="020B0600000101010101" pitchFamily="34" charset="-127"/>
+              </a:rPr>
+              <a:t>(static)</a:t>
+            </a:r>
+            <a:endParaRPr lang="ko-KR" altLang="en-US" dirty="0">
+              <a:solidFill>
+                <a:schemeClr val="tx1"/>
+              </a:solidFill>
+              <a:latin typeface="삼성긴고딕OTF Medium" panose="020B0600000101010101" pitchFamily="34" charset="-127"/>
+              <a:ea typeface="삼성긴고딕OTF Medium" panose="020B0600000101010101" pitchFamily="34" charset="-127"/>
+            </a:endParaRPr>
+          </a:p>
+        </p:txBody>
+      </p:sp>
+      <p:sp>
+        <p:nvSpPr>
+          <p:cNvPr id="5" name="직사각형 4"/>
+          <p:cNvSpPr/>
+          <p:nvPr/>
+        </p:nvSpPr>
+        <p:spPr>
+          <a:xfrm>
+            <a:off x="346703" y="1265760"/>
+            <a:ext cx="1800000" cy="900000"/>
+          </a:xfrm>
+          <a:prstGeom prst="rect">
+            <a:avLst/>
+          </a:prstGeom>
+          <a:solidFill>
+            <a:schemeClr val="bg1">
+              <a:lumMod val="95000"/>
+            </a:schemeClr>
+          </a:solidFill>
+          <a:ln>
+            <a:solidFill>
+              <a:schemeClr val="tx1"/>
+            </a:solidFill>
+          </a:ln>
+        </p:spPr>
+        <p:style>
+          <a:lnRef idx="2">
+            <a:schemeClr val="accent1">
+              <a:shade val="50000"/>
+            </a:schemeClr>
+          </a:lnRef>
+          <a:fillRef idx="1">
+            <a:schemeClr val="accent1"/>
+          </a:fillRef>
+          <a:effectRef idx="0">
+            <a:schemeClr val="accent1"/>
+          </a:effectRef>
+          <a:fontRef idx="minor">
+            <a:schemeClr val="lt1"/>
+          </a:fontRef>
+        </p:style>
+        <p:txBody>
+          <a:bodyPr rtlCol="0" anchor="ctr"/>
+          <a:lstStyle/>
+          <a:p>
+            <a:pPr algn="ctr"/>
+            <a:r>
+              <a:rPr lang="ko-KR" altLang="en-US" dirty="0" smtClean="0">
+                <a:solidFill>
+                  <a:schemeClr val="tx1"/>
+                </a:solidFill>
+                <a:latin typeface="삼성긴고딕OTF Medium" panose="020B0600000101010101" pitchFamily="34" charset="-127"/>
+                <a:ea typeface="삼성긴고딕OTF Medium" panose="020B0600000101010101" pitchFamily="34" charset="-127"/>
+              </a:rPr>
+              <a:t>스택</a:t>
+            </a:r>
+            <a:r>
+              <a:rPr lang="en-US" altLang="ko-KR" dirty="0" smtClean="0">
+                <a:solidFill>
+                  <a:schemeClr val="tx1"/>
+                </a:solidFill>
+                <a:latin typeface="삼성긴고딕OTF Medium" panose="020B0600000101010101" pitchFamily="34" charset="-127"/>
+                <a:ea typeface="삼성긴고딕OTF Medium" panose="020B0600000101010101" pitchFamily="34" charset="-127"/>
+              </a:rPr>
+              <a:t>(stack)</a:t>
+            </a:r>
+            <a:endParaRPr lang="ko-KR" altLang="en-US" dirty="0">
+              <a:solidFill>
+                <a:schemeClr val="tx1"/>
+              </a:solidFill>
+              <a:latin typeface="삼성긴고딕OTF Medium" panose="020B0600000101010101" pitchFamily="34" charset="-127"/>
+              <a:ea typeface="삼성긴고딕OTF Medium" panose="020B0600000101010101" pitchFamily="34" charset="-127"/>
+            </a:endParaRPr>
+          </a:p>
+        </p:txBody>
+      </p:sp>
+      <p:sp>
+        <p:nvSpPr>
+          <p:cNvPr id="6" name="직사각형 5"/>
+          <p:cNvSpPr/>
+          <p:nvPr/>
+        </p:nvSpPr>
+        <p:spPr>
+          <a:xfrm>
+            <a:off x="2146703" y="1265760"/>
+            <a:ext cx="1800000" cy="900000"/>
+          </a:xfrm>
+          <a:prstGeom prst="rect">
+            <a:avLst/>
+          </a:prstGeom>
+          <a:solidFill>
+            <a:schemeClr val="bg1">
+              <a:lumMod val="95000"/>
+            </a:schemeClr>
+          </a:solidFill>
+          <a:ln>
+            <a:solidFill>
+              <a:schemeClr val="tx1"/>
+            </a:solidFill>
+          </a:ln>
+        </p:spPr>
+        <p:style>
+          <a:lnRef idx="2">
+            <a:schemeClr val="accent1">
+              <a:shade val="50000"/>
+            </a:schemeClr>
+          </a:lnRef>
+          <a:fillRef idx="1">
+            <a:schemeClr val="accent1"/>
+          </a:fillRef>
+          <a:effectRef idx="0">
+            <a:schemeClr val="accent1"/>
+          </a:effectRef>
+          <a:fontRef idx="minor">
+            <a:schemeClr val="lt1"/>
+          </a:fontRef>
+        </p:style>
+        <p:txBody>
+          <a:bodyPr rtlCol="0" anchor="ctr"/>
+          <a:lstStyle/>
+          <a:p>
+            <a:pPr algn="ctr"/>
+            <a:r>
+              <a:rPr lang="ko-KR" altLang="en-US" dirty="0" err="1" smtClean="0">
+                <a:solidFill>
+                  <a:schemeClr val="tx1"/>
+                </a:solidFill>
+                <a:latin typeface="삼성긴고딕OTF Medium" panose="020B0600000101010101" pitchFamily="34" charset="-127"/>
+                <a:ea typeface="삼성긴고딕OTF Medium" panose="020B0600000101010101" pitchFamily="34" charset="-127"/>
+              </a:rPr>
+              <a:t>힙</a:t>
+            </a:r>
+            <a:r>
+              <a:rPr lang="en-US" altLang="ko-KR" dirty="0" smtClean="0">
+                <a:solidFill>
+                  <a:schemeClr val="tx1"/>
+                </a:solidFill>
+                <a:latin typeface="삼성긴고딕OTF Medium" panose="020B0600000101010101" pitchFamily="34" charset="-127"/>
+                <a:ea typeface="삼성긴고딕OTF Medium" panose="020B0600000101010101" pitchFamily="34" charset="-127"/>
+              </a:rPr>
+              <a:t>(heap)</a:t>
+            </a:r>
+            <a:endParaRPr lang="ko-KR" altLang="en-US" dirty="0">
+              <a:solidFill>
+                <a:schemeClr val="tx1"/>
+              </a:solidFill>
+              <a:latin typeface="삼성긴고딕OTF Medium" panose="020B0600000101010101" pitchFamily="34" charset="-127"/>
+              <a:ea typeface="삼성긴고딕OTF Medium" panose="020B0600000101010101" pitchFamily="34" charset="-127"/>
+            </a:endParaRPr>
+          </a:p>
+        </p:txBody>
+      </p:sp>
+      <p:sp>
+        <p:nvSpPr>
+          <p:cNvPr id="7" name="오른쪽 화살표 6"/>
+          <p:cNvSpPr/>
+          <p:nvPr/>
+        </p:nvSpPr>
+        <p:spPr>
+          <a:xfrm>
+            <a:off x="4306703" y="905760"/>
+            <a:ext cx="540000" cy="720000"/>
+          </a:xfrm>
+          <a:prstGeom prst="rightArrow">
+            <a:avLst/>
+          </a:prstGeom>
+          <a:ln>
+            <a:noFill/>
+          </a:ln>
+        </p:spPr>
+        <p:style>
+          <a:lnRef idx="2">
+            <a:schemeClr val="accent1">
+              <a:shade val="50000"/>
+            </a:schemeClr>
+          </a:lnRef>
+          <a:fillRef idx="1">
+            <a:schemeClr val="accent1"/>
+          </a:fillRef>
+          <a:effectRef idx="0">
+            <a:schemeClr val="accent1"/>
+          </a:effectRef>
+          <a:fontRef idx="minor">
+            <a:schemeClr val="lt1"/>
+          </a:fontRef>
+        </p:style>
+        <p:txBody>
+          <a:bodyPr rtlCol="0" anchor="ctr"/>
+          <a:lstStyle/>
+          <a:p>
+            <a:pPr algn="ctr"/>
+            <a:endParaRPr lang="ko-KR" altLang="en-US"/>
+          </a:p>
+        </p:txBody>
+      </p:sp>
+      <p:sp>
+        <p:nvSpPr>
+          <p:cNvPr id="8" name="직사각형 7"/>
+          <p:cNvSpPr/>
+          <p:nvPr/>
+        </p:nvSpPr>
+        <p:spPr>
+          <a:xfrm>
+            <a:off x="5206703" y="365760"/>
+            <a:ext cx="3600000" cy="900000"/>
+          </a:xfrm>
+          <a:prstGeom prst="rect">
+            <a:avLst/>
+          </a:prstGeom>
+          <a:solidFill>
+            <a:schemeClr val="bg1">
+              <a:lumMod val="95000"/>
+            </a:schemeClr>
+          </a:solidFill>
+          <a:ln>
+            <a:solidFill>
+              <a:schemeClr val="tx1"/>
+            </a:solidFill>
+          </a:ln>
+        </p:spPr>
+        <p:style>
+          <a:lnRef idx="2">
+            <a:schemeClr val="accent1">
+              <a:shade val="50000"/>
+            </a:schemeClr>
+          </a:lnRef>
+          <a:fillRef idx="1">
+            <a:schemeClr val="accent1"/>
+          </a:fillRef>
+          <a:effectRef idx="0">
+            <a:schemeClr val="accent1"/>
+          </a:effectRef>
+          <a:fontRef idx="minor">
+            <a:schemeClr val="lt1"/>
+          </a:fontRef>
+        </p:style>
+        <p:txBody>
+          <a:bodyPr rtlCol="0" anchor="ctr"/>
+          <a:lstStyle/>
+          <a:p>
+            <a:pPr algn="ctr"/>
+            <a:r>
+              <a:rPr lang="ko-KR" altLang="en-US" dirty="0" err="1" smtClean="0">
+                <a:solidFill>
+                  <a:schemeClr val="tx1"/>
+                </a:solidFill>
+                <a:latin typeface="삼성긴고딕OTF Medium" panose="020B0600000101010101" pitchFamily="34" charset="-127"/>
+                <a:ea typeface="삼성긴고딕OTF Medium" panose="020B0600000101010101" pitchFamily="34" charset="-127"/>
+              </a:rPr>
+              <a:t>스태틱</a:t>
+            </a:r>
+            <a:r>
+              <a:rPr lang="en-US" altLang="ko-KR" dirty="0" smtClean="0">
+                <a:solidFill>
+                  <a:schemeClr val="tx1"/>
+                </a:solidFill>
+                <a:latin typeface="삼성긴고딕OTF Medium" panose="020B0600000101010101" pitchFamily="34" charset="-127"/>
+                <a:ea typeface="삼성긴고딕OTF Medium" panose="020B0600000101010101" pitchFamily="34" charset="-127"/>
+              </a:rPr>
+              <a:t>(static)</a:t>
+            </a:r>
+            <a:endParaRPr lang="ko-KR" altLang="en-US" dirty="0">
+              <a:solidFill>
+                <a:schemeClr val="tx1"/>
+              </a:solidFill>
+              <a:latin typeface="삼성긴고딕OTF Medium" panose="020B0600000101010101" pitchFamily="34" charset="-127"/>
+              <a:ea typeface="삼성긴고딕OTF Medium" panose="020B0600000101010101" pitchFamily="34" charset="-127"/>
+            </a:endParaRPr>
+          </a:p>
+        </p:txBody>
+      </p:sp>
+      <p:sp>
+        <p:nvSpPr>
+          <p:cNvPr id="9" name="직사각형 8"/>
+          <p:cNvSpPr/>
+          <p:nvPr/>
+        </p:nvSpPr>
+        <p:spPr>
+          <a:xfrm>
+            <a:off x="5206703" y="1265760"/>
+            <a:ext cx="1800000" cy="900000"/>
+          </a:xfrm>
+          <a:prstGeom prst="rect">
+            <a:avLst/>
+          </a:prstGeom>
+          <a:solidFill>
+            <a:schemeClr val="bg1">
+              <a:lumMod val="95000"/>
+            </a:schemeClr>
+          </a:solidFill>
+          <a:ln>
+            <a:solidFill>
+              <a:schemeClr val="tx1"/>
+            </a:solidFill>
+          </a:ln>
+        </p:spPr>
+        <p:style>
+          <a:lnRef idx="2">
+            <a:schemeClr val="accent1">
+              <a:shade val="50000"/>
+            </a:schemeClr>
+          </a:lnRef>
+          <a:fillRef idx="1">
+            <a:schemeClr val="accent1"/>
+          </a:fillRef>
+          <a:effectRef idx="0">
+            <a:schemeClr val="accent1"/>
+          </a:effectRef>
+          <a:fontRef idx="minor">
+            <a:schemeClr val="lt1"/>
+          </a:fontRef>
+        </p:style>
+        <p:txBody>
+          <a:bodyPr rtlCol="0" anchor="ctr"/>
+          <a:lstStyle/>
+          <a:p>
+            <a:pPr algn="ctr"/>
+            <a:r>
+              <a:rPr lang="ko-KR" altLang="en-US" dirty="0" smtClean="0">
+                <a:solidFill>
+                  <a:schemeClr val="tx1"/>
+                </a:solidFill>
+                <a:latin typeface="삼성긴고딕OTF Medium" panose="020B0600000101010101" pitchFamily="34" charset="-127"/>
+                <a:ea typeface="삼성긴고딕OTF Medium" panose="020B0600000101010101" pitchFamily="34" charset="-127"/>
+              </a:rPr>
+              <a:t>스택</a:t>
+            </a:r>
+            <a:r>
+              <a:rPr lang="en-US" altLang="ko-KR" dirty="0" smtClean="0">
+                <a:solidFill>
+                  <a:schemeClr val="tx1"/>
+                </a:solidFill>
+                <a:latin typeface="삼성긴고딕OTF Medium" panose="020B0600000101010101" pitchFamily="34" charset="-127"/>
+                <a:ea typeface="삼성긴고딕OTF Medium" panose="020B0600000101010101" pitchFamily="34" charset="-127"/>
+              </a:rPr>
+              <a:t>(stack)</a:t>
+            </a:r>
+            <a:endParaRPr lang="ko-KR" altLang="en-US" dirty="0">
+              <a:solidFill>
+                <a:schemeClr val="tx1"/>
+              </a:solidFill>
+              <a:latin typeface="삼성긴고딕OTF Medium" panose="020B0600000101010101" pitchFamily="34" charset="-127"/>
+              <a:ea typeface="삼성긴고딕OTF Medium" panose="020B0600000101010101" pitchFamily="34" charset="-127"/>
+            </a:endParaRPr>
+          </a:p>
+        </p:txBody>
+      </p:sp>
+      <p:sp>
+        <p:nvSpPr>
+          <p:cNvPr id="10" name="직사각형 9"/>
+          <p:cNvSpPr/>
+          <p:nvPr/>
+        </p:nvSpPr>
+        <p:spPr>
+          <a:xfrm>
+            <a:off x="7006703" y="1265760"/>
+            <a:ext cx="1800000" cy="900000"/>
+          </a:xfrm>
+          <a:prstGeom prst="rect">
+            <a:avLst/>
+          </a:prstGeom>
+          <a:solidFill>
+            <a:schemeClr val="bg1">
+              <a:lumMod val="95000"/>
+            </a:schemeClr>
+          </a:solidFill>
+          <a:ln>
+            <a:solidFill>
+              <a:schemeClr val="tx1"/>
+            </a:solidFill>
+          </a:ln>
+        </p:spPr>
+        <p:style>
+          <a:lnRef idx="2">
+            <a:schemeClr val="accent1">
+              <a:shade val="50000"/>
+            </a:schemeClr>
+          </a:lnRef>
+          <a:fillRef idx="1">
+            <a:schemeClr val="accent1"/>
+          </a:fillRef>
+          <a:effectRef idx="0">
+            <a:schemeClr val="accent1"/>
+          </a:effectRef>
+          <a:fontRef idx="minor">
+            <a:schemeClr val="lt1"/>
+          </a:fontRef>
+        </p:style>
+        <p:txBody>
+          <a:bodyPr rtlCol="0" anchor="ctr"/>
+          <a:lstStyle/>
+          <a:p>
+            <a:pPr algn="ctr"/>
+            <a:r>
+              <a:rPr lang="ko-KR" altLang="en-US" dirty="0" err="1" smtClean="0">
+                <a:solidFill>
+                  <a:schemeClr val="tx1"/>
+                </a:solidFill>
+                <a:latin typeface="삼성긴고딕OTF Medium" panose="020B0600000101010101" pitchFamily="34" charset="-127"/>
+                <a:ea typeface="삼성긴고딕OTF Medium" panose="020B0600000101010101" pitchFamily="34" charset="-127"/>
+              </a:rPr>
+              <a:t>힙</a:t>
+            </a:r>
+            <a:r>
+              <a:rPr lang="en-US" altLang="ko-KR" dirty="0" smtClean="0">
+                <a:solidFill>
+                  <a:schemeClr val="tx1"/>
+                </a:solidFill>
+                <a:latin typeface="삼성긴고딕OTF Medium" panose="020B0600000101010101" pitchFamily="34" charset="-127"/>
+                <a:ea typeface="삼성긴고딕OTF Medium" panose="020B0600000101010101" pitchFamily="34" charset="-127"/>
+              </a:rPr>
+              <a:t>(heap)</a:t>
+            </a:r>
+            <a:endParaRPr lang="ko-KR" altLang="en-US" dirty="0">
+              <a:solidFill>
+                <a:schemeClr val="tx1"/>
+              </a:solidFill>
+              <a:latin typeface="삼성긴고딕OTF Medium" panose="020B0600000101010101" pitchFamily="34" charset="-127"/>
+              <a:ea typeface="삼성긴고딕OTF Medium" panose="020B0600000101010101" pitchFamily="34" charset="-127"/>
+            </a:endParaRPr>
+          </a:p>
+        </p:txBody>
+      </p:sp>
+      <p:cxnSp>
+        <p:nvCxnSpPr>
+          <p:cNvPr id="12" name="직선 연결선 11"/>
+          <p:cNvCxnSpPr/>
+          <p:nvPr/>
+        </p:nvCxnSpPr>
+        <p:spPr>
+          <a:xfrm>
+            <a:off x="5206703" y="1265760"/>
+            <a:ext cx="3600000" cy="0"/>
+          </a:xfrm>
+          <a:prstGeom prst="line">
+            <a:avLst/>
+          </a:prstGeom>
+          <a:ln w="28575">
+            <a:solidFill>
+              <a:srgbClr val="FF0000"/>
+            </a:solidFill>
+          </a:ln>
+        </p:spPr>
+        <p:style>
+          <a:lnRef idx="1">
+            <a:schemeClr val="accent1"/>
+          </a:lnRef>
+          <a:fillRef idx="0">
+            <a:schemeClr val="accent1"/>
+          </a:fillRef>
+          <a:effectRef idx="0">
+            <a:schemeClr val="accent1"/>
+          </a:effectRef>
+          <a:fontRef idx="minor">
+            <a:schemeClr val="tx1"/>
+          </a:fontRef>
+        </p:style>
+      </p:cxnSp>
+      <p:cxnSp>
+        <p:nvCxnSpPr>
+          <p:cNvPr id="13" name="직선 연결선 12"/>
+          <p:cNvCxnSpPr/>
+          <p:nvPr/>
+        </p:nvCxnSpPr>
+        <p:spPr>
+          <a:xfrm>
+            <a:off x="7006703" y="1265760"/>
+            <a:ext cx="0" cy="900000"/>
+          </a:xfrm>
+          <a:prstGeom prst="line">
+            <a:avLst/>
+          </a:prstGeom>
+          <a:ln w="28575">
+            <a:solidFill>
+              <a:srgbClr val="FF0000"/>
+            </a:solidFill>
+          </a:ln>
+        </p:spPr>
+        <p:style>
+          <a:lnRef idx="1">
+            <a:schemeClr val="accent1"/>
+          </a:lnRef>
+          <a:fillRef idx="0">
+            <a:schemeClr val="accent1"/>
+          </a:fillRef>
+          <a:effectRef idx="0">
+            <a:schemeClr val="accent1"/>
+          </a:effectRef>
+          <a:fontRef idx="minor">
+            <a:schemeClr val="tx1"/>
+          </a:fontRef>
+        </p:style>
+      </p:cxnSp>
+      <p:sp>
+        <p:nvSpPr>
+          <p:cNvPr id="16" name="직사각형 15"/>
+          <p:cNvSpPr/>
+          <p:nvPr/>
+        </p:nvSpPr>
+        <p:spPr>
+          <a:xfrm>
+            <a:off x="8913264" y="769698"/>
+            <a:ext cx="3048000" cy="992124"/>
+          </a:xfrm>
+          <a:prstGeom prst="rect">
+            <a:avLst/>
+          </a:prstGeom>
+          <a:noFill/>
+          <a:ln>
+            <a:noFill/>
+          </a:ln>
+          <a:effectLst/>
+        </p:spPr>
+        <p:style>
+          <a:lnRef idx="2">
+            <a:schemeClr val="accent1">
+              <a:shade val="50000"/>
+            </a:schemeClr>
+          </a:lnRef>
+          <a:fillRef idx="1">
+            <a:schemeClr val="accent1"/>
+          </a:fillRef>
+          <a:effectRef idx="0">
+            <a:schemeClr val="accent1"/>
+          </a:effectRef>
+          <a:fontRef idx="minor">
+            <a:schemeClr val="lt1"/>
+          </a:fontRef>
+        </p:style>
+        <p:txBody>
+          <a:bodyPr lIns="90000" tIns="0" rIns="90000" bIns="0" rtlCol="0" anchor="ctr"/>
+          <a:lstStyle/>
+          <a:p>
+            <a:pPr latinLnBrk="0">
+              <a:lnSpc>
+                <a:spcPct val="120000"/>
+              </a:lnSpc>
+            </a:pPr>
+            <a:r>
+              <a:rPr lang="en-US" altLang="ko-KR" dirty="0" smtClean="0">
+                <a:solidFill>
+                  <a:srgbClr val="FF0000"/>
+                </a:solidFill>
+                <a:latin typeface="삼성긴고딕OTF Medium" panose="020B0600000101010101" pitchFamily="34" charset="-127"/>
+                <a:ea typeface="삼성긴고딕OTF Medium" panose="020B0600000101010101" pitchFamily="34" charset="-127"/>
+              </a:rPr>
+              <a:t>T</a:t>
+            </a:r>
+            <a:r>
+              <a:rPr lang="ko-KR" altLang="en-US" dirty="0" smtClean="0">
+                <a:solidFill>
+                  <a:schemeClr val="tx1"/>
+                </a:solidFill>
+                <a:latin typeface="삼성긴고딕OTF Medium" panose="020B0600000101010101" pitchFamily="34" charset="-127"/>
+                <a:ea typeface="삼성긴고딕OTF Medium" panose="020B0600000101010101" pitchFamily="34" charset="-127"/>
+              </a:rPr>
+              <a:t>자형으로 </a:t>
+            </a:r>
+            <a:r>
+              <a:rPr lang="ko-KR" altLang="en-US" dirty="0" smtClean="0">
+                <a:solidFill>
+                  <a:schemeClr val="tx1"/>
+                </a:solidFill>
+                <a:latin typeface="삼성긴고딕OTF Medium" panose="020B0600000101010101" pitchFamily="34" charset="-127"/>
+                <a:ea typeface="삼성긴고딕OTF Medium" panose="020B0600000101010101" pitchFamily="34" charset="-127"/>
+              </a:rPr>
+              <a:t>영역을 구분했기 때문에 </a:t>
+            </a:r>
+            <a:r>
+              <a:rPr lang="en-US" altLang="ko-KR" dirty="0" smtClean="0">
+                <a:solidFill>
+                  <a:srgbClr val="FF0000"/>
+                </a:solidFill>
+                <a:latin typeface="삼성긴고딕OTF Medium" panose="020B0600000101010101" pitchFamily="34" charset="-127"/>
+                <a:ea typeface="삼성긴고딕OTF Medium" panose="020B0600000101010101" pitchFamily="34" charset="-127"/>
+              </a:rPr>
+              <a:t>T </a:t>
+            </a:r>
+            <a:r>
+              <a:rPr lang="ko-KR" altLang="en-US" dirty="0" smtClean="0">
+                <a:solidFill>
+                  <a:srgbClr val="FF0000"/>
+                </a:solidFill>
+                <a:latin typeface="삼성긴고딕OTF Medium" panose="020B0600000101010101" pitchFamily="34" charset="-127"/>
+                <a:ea typeface="삼성긴고딕OTF Medium" panose="020B0600000101010101" pitchFamily="34" charset="-127"/>
+              </a:rPr>
+              <a:t>메모리 구조</a:t>
+            </a:r>
+            <a:r>
+              <a:rPr lang="ko-KR" altLang="en-US" dirty="0" smtClean="0">
+                <a:solidFill>
+                  <a:schemeClr val="tx1"/>
+                </a:solidFill>
+                <a:latin typeface="삼성긴고딕OTF Medium" panose="020B0600000101010101" pitchFamily="34" charset="-127"/>
+                <a:ea typeface="삼성긴고딕OTF Medium" panose="020B0600000101010101" pitchFamily="34" charset="-127"/>
+              </a:rPr>
+              <a:t>라고 한다</a:t>
+            </a:r>
+            <a:endParaRPr lang="ko-KR" altLang="en-US" dirty="0">
+              <a:solidFill>
+                <a:schemeClr val="tx1"/>
+              </a:solidFill>
+              <a:latin typeface="삼성긴고딕OTF Medium" panose="020B0600000101010101" pitchFamily="34" charset="-127"/>
+              <a:ea typeface="삼성긴고딕OTF Medium" panose="020B0600000101010101" pitchFamily="34" charset="-127"/>
+            </a:endParaRPr>
+          </a:p>
+        </p:txBody>
+      </p:sp>
+      <p:sp>
+        <p:nvSpPr>
+          <p:cNvPr id="14" name="직사각형 13"/>
+          <p:cNvSpPr/>
+          <p:nvPr/>
+        </p:nvSpPr>
+        <p:spPr>
+          <a:xfrm>
+            <a:off x="346703" y="2525760"/>
+            <a:ext cx="3960000" cy="900000"/>
+          </a:xfrm>
+          <a:prstGeom prst="rect">
+            <a:avLst/>
+          </a:prstGeom>
+          <a:solidFill>
+            <a:schemeClr val="bg1">
+              <a:lumMod val="95000"/>
+            </a:schemeClr>
+          </a:solidFill>
+          <a:ln>
+            <a:solidFill>
+              <a:schemeClr val="tx1"/>
+            </a:solidFill>
+          </a:ln>
+        </p:spPr>
+        <p:style>
+          <a:lnRef idx="2">
+            <a:schemeClr val="accent1">
+              <a:shade val="50000"/>
+            </a:schemeClr>
+          </a:lnRef>
+          <a:fillRef idx="1">
+            <a:schemeClr val="accent1"/>
+          </a:fillRef>
+          <a:effectRef idx="0">
+            <a:schemeClr val="accent1"/>
+          </a:effectRef>
+          <a:fontRef idx="minor">
+            <a:schemeClr val="lt1"/>
+          </a:fontRef>
+        </p:style>
+        <p:txBody>
+          <a:bodyPr rtlCol="0" anchor="ctr"/>
+          <a:lstStyle/>
+          <a:p>
+            <a:pPr algn="ctr"/>
+            <a:r>
+              <a:rPr lang="ko-KR" altLang="en-US" dirty="0" err="1" smtClean="0">
+                <a:solidFill>
+                  <a:schemeClr val="tx1"/>
+                </a:solidFill>
+                <a:latin typeface="삼성긴고딕OTF Medium" panose="020B0600000101010101" pitchFamily="34" charset="-127"/>
+                <a:ea typeface="삼성긴고딕OTF Medium" panose="020B0600000101010101" pitchFamily="34" charset="-127"/>
+              </a:rPr>
+              <a:t>스태틱</a:t>
+            </a:r>
+            <a:r>
+              <a:rPr lang="en-US" altLang="ko-KR" dirty="0" smtClean="0">
+                <a:solidFill>
+                  <a:schemeClr val="tx1"/>
+                </a:solidFill>
+                <a:latin typeface="삼성긴고딕OTF Medium" panose="020B0600000101010101" pitchFamily="34" charset="-127"/>
+                <a:ea typeface="삼성긴고딕OTF Medium" panose="020B0600000101010101" pitchFamily="34" charset="-127"/>
+              </a:rPr>
+              <a:t>(static</a:t>
+            </a:r>
+            <a:r>
+              <a:rPr lang="en-US" altLang="ko-KR" dirty="0" smtClean="0">
+                <a:solidFill>
+                  <a:schemeClr val="tx1"/>
+                </a:solidFill>
+                <a:latin typeface="삼성긴고딕OTF Medium" panose="020B0600000101010101" pitchFamily="34" charset="-127"/>
+                <a:ea typeface="삼성긴고딕OTF Medium" panose="020B0600000101010101" pitchFamily="34" charset="-127"/>
+              </a:rPr>
+              <a:t>) </a:t>
+            </a:r>
+            <a:r>
+              <a:rPr lang="ko-KR" altLang="en-US" dirty="0" smtClean="0">
+                <a:solidFill>
+                  <a:schemeClr val="tx1"/>
+                </a:solidFill>
+                <a:latin typeface="삼성긴고딕OTF Medium" panose="020B0600000101010101" pitchFamily="34" charset="-127"/>
+                <a:ea typeface="삼성긴고딕OTF Medium" panose="020B0600000101010101" pitchFamily="34" charset="-127"/>
+              </a:rPr>
+              <a:t>영역</a:t>
+            </a:r>
+            <a:r>
+              <a:rPr lang="en-US" altLang="ko-KR" dirty="0" smtClean="0">
+                <a:solidFill>
+                  <a:schemeClr val="tx1"/>
+                </a:solidFill>
+                <a:latin typeface="삼성긴고딕OTF Medium" panose="020B0600000101010101" pitchFamily="34" charset="-127"/>
+                <a:ea typeface="삼성긴고딕OTF Medium" panose="020B0600000101010101" pitchFamily="34" charset="-127"/>
+              </a:rPr>
+              <a:t/>
+            </a:r>
+            <a:br>
+              <a:rPr lang="en-US" altLang="ko-KR" dirty="0" smtClean="0">
+                <a:solidFill>
+                  <a:schemeClr val="tx1"/>
+                </a:solidFill>
+                <a:latin typeface="삼성긴고딕OTF Medium" panose="020B0600000101010101" pitchFamily="34" charset="-127"/>
+                <a:ea typeface="삼성긴고딕OTF Medium" panose="020B0600000101010101" pitchFamily="34" charset="-127"/>
+              </a:rPr>
+            </a:br>
+            <a:r>
+              <a:rPr lang="en-US" altLang="ko-KR" sz="1600" dirty="0" smtClean="0">
+                <a:solidFill>
+                  <a:srgbClr val="FF0000"/>
+                </a:solidFill>
+                <a:latin typeface="삼성긴고딕OTF Medium" panose="020B0600000101010101" pitchFamily="34" charset="-127"/>
+                <a:ea typeface="삼성긴고딕OTF Medium" panose="020B0600000101010101" pitchFamily="34" charset="-127"/>
+              </a:rPr>
+              <a:t>=&gt; </a:t>
+            </a:r>
+            <a:r>
+              <a:rPr lang="ko-KR" altLang="en-US" sz="1600" dirty="0" smtClean="0">
+                <a:solidFill>
+                  <a:srgbClr val="FF0000"/>
+                </a:solidFill>
+                <a:latin typeface="삼성긴고딕OTF Medium" panose="020B0600000101010101" pitchFamily="34" charset="-127"/>
+                <a:ea typeface="삼성긴고딕OTF Medium" panose="020B0600000101010101" pitchFamily="34" charset="-127"/>
+              </a:rPr>
+              <a:t>클래스들의 놀이터</a:t>
+            </a:r>
+            <a:endParaRPr lang="ko-KR" altLang="en-US" sz="1600" dirty="0">
+              <a:solidFill>
+                <a:srgbClr val="FF0000"/>
+              </a:solidFill>
+              <a:latin typeface="삼성긴고딕OTF Medium" panose="020B0600000101010101" pitchFamily="34" charset="-127"/>
+              <a:ea typeface="삼성긴고딕OTF Medium" panose="020B0600000101010101" pitchFamily="34" charset="-127"/>
+            </a:endParaRPr>
+          </a:p>
+        </p:txBody>
+      </p:sp>
+      <p:sp>
+        <p:nvSpPr>
+          <p:cNvPr id="15" name="직사각형 14"/>
+          <p:cNvSpPr/>
+          <p:nvPr/>
+        </p:nvSpPr>
+        <p:spPr>
+          <a:xfrm>
+            <a:off x="346703" y="3425760"/>
+            <a:ext cx="1980000" cy="900000"/>
+          </a:xfrm>
+          <a:prstGeom prst="rect">
+            <a:avLst/>
+          </a:prstGeom>
+          <a:solidFill>
+            <a:schemeClr val="bg1">
+              <a:lumMod val="95000"/>
+            </a:schemeClr>
+          </a:solidFill>
+          <a:ln>
+            <a:solidFill>
+              <a:schemeClr val="tx1"/>
+            </a:solidFill>
+          </a:ln>
+        </p:spPr>
+        <p:style>
+          <a:lnRef idx="2">
+            <a:schemeClr val="accent1">
+              <a:shade val="50000"/>
+            </a:schemeClr>
+          </a:lnRef>
+          <a:fillRef idx="1">
+            <a:schemeClr val="accent1"/>
+          </a:fillRef>
+          <a:effectRef idx="0">
+            <a:schemeClr val="accent1"/>
+          </a:effectRef>
+          <a:fontRef idx="minor">
+            <a:schemeClr val="lt1"/>
+          </a:fontRef>
+        </p:style>
+        <p:txBody>
+          <a:bodyPr rtlCol="0" anchor="ctr"/>
+          <a:lstStyle/>
+          <a:p>
+            <a:pPr algn="ctr"/>
+            <a:r>
+              <a:rPr lang="ko-KR" altLang="en-US" dirty="0" smtClean="0">
+                <a:solidFill>
+                  <a:schemeClr val="tx1"/>
+                </a:solidFill>
+                <a:latin typeface="삼성긴고딕OTF Medium" panose="020B0600000101010101" pitchFamily="34" charset="-127"/>
+                <a:ea typeface="삼성긴고딕OTF Medium" panose="020B0600000101010101" pitchFamily="34" charset="-127"/>
+              </a:rPr>
+              <a:t>스택</a:t>
+            </a:r>
+            <a:r>
+              <a:rPr lang="en-US" altLang="ko-KR" dirty="0" smtClean="0">
+                <a:solidFill>
+                  <a:schemeClr val="tx1"/>
+                </a:solidFill>
+                <a:latin typeface="삼성긴고딕OTF Medium" panose="020B0600000101010101" pitchFamily="34" charset="-127"/>
+                <a:ea typeface="삼성긴고딕OTF Medium" panose="020B0600000101010101" pitchFamily="34" charset="-127"/>
+              </a:rPr>
+              <a:t>(stack</a:t>
+            </a:r>
+            <a:r>
+              <a:rPr lang="en-US" altLang="ko-KR" dirty="0" smtClean="0">
+                <a:solidFill>
+                  <a:schemeClr val="tx1"/>
+                </a:solidFill>
+                <a:latin typeface="삼성긴고딕OTF Medium" panose="020B0600000101010101" pitchFamily="34" charset="-127"/>
+                <a:ea typeface="삼성긴고딕OTF Medium" panose="020B0600000101010101" pitchFamily="34" charset="-127"/>
+              </a:rPr>
+              <a:t>) </a:t>
+            </a:r>
+            <a:r>
+              <a:rPr lang="ko-KR" altLang="en-US" dirty="0" smtClean="0">
+                <a:solidFill>
+                  <a:schemeClr val="tx1"/>
+                </a:solidFill>
+                <a:latin typeface="삼성긴고딕OTF Medium" panose="020B0600000101010101" pitchFamily="34" charset="-127"/>
+                <a:ea typeface="삼성긴고딕OTF Medium" panose="020B0600000101010101" pitchFamily="34" charset="-127"/>
+              </a:rPr>
+              <a:t>영역</a:t>
+            </a:r>
+            <a:endParaRPr lang="en-US" altLang="ko-KR" dirty="0" smtClean="0">
+              <a:solidFill>
+                <a:schemeClr val="tx1"/>
+              </a:solidFill>
+              <a:latin typeface="삼성긴고딕OTF Medium" panose="020B0600000101010101" pitchFamily="34" charset="-127"/>
+              <a:ea typeface="삼성긴고딕OTF Medium" panose="020B0600000101010101" pitchFamily="34" charset="-127"/>
+            </a:endParaRPr>
+          </a:p>
+          <a:p>
+            <a:pPr algn="ctr"/>
+            <a:r>
+              <a:rPr lang="en-US" altLang="ko-KR" sz="1600" dirty="0" smtClean="0">
+                <a:solidFill>
+                  <a:srgbClr val="FF0000"/>
+                </a:solidFill>
+                <a:latin typeface="삼성긴고딕OTF Medium" panose="020B0600000101010101" pitchFamily="34" charset="-127"/>
+                <a:ea typeface="삼성긴고딕OTF Medium" panose="020B0600000101010101" pitchFamily="34" charset="-127"/>
+              </a:rPr>
+              <a:t>=&gt; </a:t>
+            </a:r>
+            <a:r>
+              <a:rPr lang="ko-KR" altLang="en-US" sz="1600" dirty="0" smtClean="0">
+                <a:solidFill>
+                  <a:srgbClr val="FF0000"/>
+                </a:solidFill>
+                <a:latin typeface="삼성긴고딕OTF Medium" panose="020B0600000101010101" pitchFamily="34" charset="-127"/>
+                <a:ea typeface="삼성긴고딕OTF Medium" panose="020B0600000101010101" pitchFamily="34" charset="-127"/>
+              </a:rPr>
+              <a:t>메서드들의 놀이터</a:t>
+            </a:r>
+            <a:endParaRPr lang="ko-KR" altLang="en-US" sz="1600" dirty="0">
+              <a:solidFill>
+                <a:srgbClr val="FF0000"/>
+              </a:solidFill>
+              <a:latin typeface="삼성긴고딕OTF Medium" panose="020B0600000101010101" pitchFamily="34" charset="-127"/>
+              <a:ea typeface="삼성긴고딕OTF Medium" panose="020B0600000101010101" pitchFamily="34" charset="-127"/>
+            </a:endParaRPr>
+          </a:p>
+        </p:txBody>
+      </p:sp>
+      <p:sp>
+        <p:nvSpPr>
+          <p:cNvPr id="17" name="직사각형 16"/>
+          <p:cNvSpPr/>
+          <p:nvPr/>
+        </p:nvSpPr>
+        <p:spPr>
+          <a:xfrm>
+            <a:off x="2326703" y="3425760"/>
+            <a:ext cx="1980000" cy="900000"/>
+          </a:xfrm>
+          <a:prstGeom prst="rect">
+            <a:avLst/>
+          </a:prstGeom>
+          <a:solidFill>
+            <a:schemeClr val="bg1">
+              <a:lumMod val="95000"/>
+            </a:schemeClr>
+          </a:solidFill>
+          <a:ln>
+            <a:solidFill>
+              <a:schemeClr val="tx1"/>
+            </a:solidFill>
+          </a:ln>
+        </p:spPr>
+        <p:style>
+          <a:lnRef idx="2">
+            <a:schemeClr val="accent1">
+              <a:shade val="50000"/>
+            </a:schemeClr>
+          </a:lnRef>
+          <a:fillRef idx="1">
+            <a:schemeClr val="accent1"/>
+          </a:fillRef>
+          <a:effectRef idx="0">
+            <a:schemeClr val="accent1"/>
+          </a:effectRef>
+          <a:fontRef idx="minor">
+            <a:schemeClr val="lt1"/>
+          </a:fontRef>
+        </p:style>
+        <p:txBody>
+          <a:bodyPr rtlCol="0" anchor="ctr"/>
+          <a:lstStyle/>
+          <a:p>
+            <a:pPr algn="ctr"/>
+            <a:r>
+              <a:rPr lang="ko-KR" altLang="en-US" dirty="0" err="1" smtClean="0">
+                <a:solidFill>
+                  <a:schemeClr val="tx1"/>
+                </a:solidFill>
+                <a:latin typeface="삼성긴고딕OTF Medium" panose="020B0600000101010101" pitchFamily="34" charset="-127"/>
+                <a:ea typeface="삼성긴고딕OTF Medium" panose="020B0600000101010101" pitchFamily="34" charset="-127"/>
+              </a:rPr>
+              <a:t>힙</a:t>
+            </a:r>
+            <a:r>
+              <a:rPr lang="en-US" altLang="ko-KR" dirty="0" smtClean="0">
+                <a:solidFill>
+                  <a:schemeClr val="tx1"/>
+                </a:solidFill>
+                <a:latin typeface="삼성긴고딕OTF Medium" panose="020B0600000101010101" pitchFamily="34" charset="-127"/>
+                <a:ea typeface="삼성긴고딕OTF Medium" panose="020B0600000101010101" pitchFamily="34" charset="-127"/>
+              </a:rPr>
+              <a:t>(heap</a:t>
+            </a:r>
+            <a:r>
+              <a:rPr lang="en-US" altLang="ko-KR" dirty="0" smtClean="0">
+                <a:solidFill>
+                  <a:schemeClr val="tx1"/>
+                </a:solidFill>
+                <a:latin typeface="삼성긴고딕OTF Medium" panose="020B0600000101010101" pitchFamily="34" charset="-127"/>
+                <a:ea typeface="삼성긴고딕OTF Medium" panose="020B0600000101010101" pitchFamily="34" charset="-127"/>
+              </a:rPr>
+              <a:t>) </a:t>
+            </a:r>
+            <a:r>
+              <a:rPr lang="ko-KR" altLang="en-US" dirty="0" smtClean="0">
+                <a:solidFill>
+                  <a:schemeClr val="tx1"/>
+                </a:solidFill>
+                <a:latin typeface="삼성긴고딕OTF Medium" panose="020B0600000101010101" pitchFamily="34" charset="-127"/>
+                <a:ea typeface="삼성긴고딕OTF Medium" panose="020B0600000101010101" pitchFamily="34" charset="-127"/>
+              </a:rPr>
+              <a:t>영역</a:t>
+            </a:r>
+            <a:r>
+              <a:rPr lang="en-US" altLang="ko-KR" dirty="0" smtClean="0">
+                <a:solidFill>
+                  <a:schemeClr val="tx1"/>
+                </a:solidFill>
+                <a:latin typeface="삼성긴고딕OTF Medium" panose="020B0600000101010101" pitchFamily="34" charset="-127"/>
+                <a:ea typeface="삼성긴고딕OTF Medium" panose="020B0600000101010101" pitchFamily="34" charset="-127"/>
+              </a:rPr>
+              <a:t/>
+            </a:r>
+            <a:br>
+              <a:rPr lang="en-US" altLang="ko-KR" dirty="0" smtClean="0">
+                <a:solidFill>
+                  <a:schemeClr val="tx1"/>
+                </a:solidFill>
+                <a:latin typeface="삼성긴고딕OTF Medium" panose="020B0600000101010101" pitchFamily="34" charset="-127"/>
+                <a:ea typeface="삼성긴고딕OTF Medium" panose="020B0600000101010101" pitchFamily="34" charset="-127"/>
+              </a:rPr>
+            </a:br>
+            <a:r>
+              <a:rPr lang="en-US" altLang="ko-KR" sz="1600" dirty="0" smtClean="0">
+                <a:solidFill>
+                  <a:srgbClr val="FF0000"/>
+                </a:solidFill>
+                <a:latin typeface="삼성긴고딕OTF Medium" panose="020B0600000101010101" pitchFamily="34" charset="-127"/>
+                <a:ea typeface="삼성긴고딕OTF Medium" panose="020B0600000101010101" pitchFamily="34" charset="-127"/>
+              </a:rPr>
+              <a:t>=&gt; </a:t>
+            </a:r>
+            <a:r>
+              <a:rPr lang="ko-KR" altLang="en-US" sz="1600" dirty="0" smtClean="0">
+                <a:solidFill>
+                  <a:srgbClr val="FF0000"/>
+                </a:solidFill>
+                <a:latin typeface="삼성긴고딕OTF Medium" panose="020B0600000101010101" pitchFamily="34" charset="-127"/>
+                <a:ea typeface="삼성긴고딕OTF Medium" panose="020B0600000101010101" pitchFamily="34" charset="-127"/>
+              </a:rPr>
+              <a:t>객체들의 놀이터</a:t>
+            </a:r>
+            <a:endParaRPr lang="ko-KR" altLang="en-US" sz="1600" dirty="0">
+              <a:solidFill>
+                <a:srgbClr val="FF0000"/>
+              </a:solidFill>
+              <a:latin typeface="삼성긴고딕OTF Medium" panose="020B0600000101010101" pitchFamily="34" charset="-127"/>
+              <a:ea typeface="삼성긴고딕OTF Medium" panose="020B0600000101010101" pitchFamily="34" charset="-127"/>
+            </a:endParaRPr>
+          </a:p>
+        </p:txBody>
+      </p:sp>
+      <p:sp>
+        <p:nvSpPr>
+          <p:cNvPr id="18" name="직사각형 17"/>
+          <p:cNvSpPr/>
+          <p:nvPr/>
+        </p:nvSpPr>
+        <p:spPr>
+          <a:xfrm>
+            <a:off x="4668318" y="2574374"/>
+            <a:ext cx="3960000" cy="1440000"/>
+          </a:xfrm>
+          <a:prstGeom prst="rect">
+            <a:avLst/>
+          </a:prstGeom>
+          <a:solidFill>
+            <a:schemeClr val="bg1">
+              <a:lumMod val="95000"/>
+            </a:schemeClr>
+          </a:solidFill>
+          <a:ln>
+            <a:solidFill>
+              <a:schemeClr val="tx1"/>
+            </a:solidFill>
+          </a:ln>
+        </p:spPr>
+        <p:style>
+          <a:lnRef idx="2">
+            <a:schemeClr val="accent1">
+              <a:shade val="50000"/>
+            </a:schemeClr>
+          </a:lnRef>
+          <a:fillRef idx="1">
+            <a:schemeClr val="accent1"/>
+          </a:fillRef>
+          <a:effectRef idx="0">
+            <a:schemeClr val="accent1"/>
+          </a:effectRef>
+          <a:fontRef idx="minor">
+            <a:schemeClr val="lt1"/>
+          </a:fontRef>
+        </p:style>
+        <p:txBody>
+          <a:bodyPr rtlCol="0" anchor="t"/>
+          <a:lstStyle/>
+          <a:p>
+            <a:r>
+              <a:rPr lang="ko-KR" altLang="en-US" sz="1400" dirty="0" err="1" smtClean="0">
+                <a:solidFill>
+                  <a:schemeClr val="tx1"/>
+                </a:solidFill>
+                <a:latin typeface="삼성긴고딕OTF Medium" panose="020B0600000101010101" pitchFamily="34" charset="-127"/>
+                <a:ea typeface="삼성긴고딕OTF Medium" panose="020B0600000101010101" pitchFamily="34" charset="-127"/>
+              </a:rPr>
+              <a:t>스태틱</a:t>
+            </a:r>
+            <a:r>
+              <a:rPr lang="en-US" altLang="ko-KR" sz="1400" dirty="0" smtClean="0">
+                <a:solidFill>
+                  <a:schemeClr val="tx1"/>
+                </a:solidFill>
+                <a:latin typeface="삼성긴고딕OTF Medium" panose="020B0600000101010101" pitchFamily="34" charset="-127"/>
+                <a:ea typeface="삼성긴고딕OTF Medium" panose="020B0600000101010101" pitchFamily="34" charset="-127"/>
+              </a:rPr>
+              <a:t>(static</a:t>
+            </a:r>
+            <a:r>
+              <a:rPr lang="en-US" altLang="ko-KR" sz="1400" dirty="0" smtClean="0">
+                <a:solidFill>
+                  <a:schemeClr val="tx1"/>
+                </a:solidFill>
+                <a:latin typeface="삼성긴고딕OTF Medium" panose="020B0600000101010101" pitchFamily="34" charset="-127"/>
+                <a:ea typeface="삼성긴고딕OTF Medium" panose="020B0600000101010101" pitchFamily="34" charset="-127"/>
+              </a:rPr>
+              <a:t>) </a:t>
+            </a:r>
+            <a:r>
+              <a:rPr lang="ko-KR" altLang="en-US" sz="1400" dirty="0" smtClean="0">
+                <a:solidFill>
+                  <a:schemeClr val="tx1"/>
+                </a:solidFill>
+                <a:latin typeface="삼성긴고딕OTF Medium" panose="020B0600000101010101" pitchFamily="34" charset="-127"/>
+                <a:ea typeface="삼성긴고딕OTF Medium" panose="020B0600000101010101" pitchFamily="34" charset="-127"/>
+              </a:rPr>
+              <a:t>영역</a:t>
+            </a:r>
+            <a:endParaRPr lang="ko-KR" altLang="en-US" sz="1200" dirty="0">
+              <a:solidFill>
+                <a:srgbClr val="FF0000"/>
+              </a:solidFill>
+              <a:latin typeface="삼성긴고딕OTF Medium" panose="020B0600000101010101" pitchFamily="34" charset="-127"/>
+              <a:ea typeface="삼성긴고딕OTF Medium" panose="020B0600000101010101" pitchFamily="34" charset="-127"/>
+            </a:endParaRPr>
+          </a:p>
+        </p:txBody>
+      </p:sp>
+      <p:sp>
+        <p:nvSpPr>
+          <p:cNvPr id="19" name="직사각형 18"/>
+          <p:cNvSpPr/>
+          <p:nvPr/>
+        </p:nvSpPr>
+        <p:spPr>
+          <a:xfrm>
+            <a:off x="4668318" y="4014374"/>
+            <a:ext cx="1980000" cy="1440000"/>
+          </a:xfrm>
+          <a:prstGeom prst="rect">
+            <a:avLst/>
+          </a:prstGeom>
+          <a:solidFill>
+            <a:schemeClr val="bg1">
+              <a:lumMod val="95000"/>
+            </a:schemeClr>
+          </a:solidFill>
+          <a:ln>
+            <a:solidFill>
+              <a:schemeClr val="tx1"/>
+            </a:solidFill>
+          </a:ln>
+        </p:spPr>
+        <p:style>
+          <a:lnRef idx="2">
+            <a:schemeClr val="accent1">
+              <a:shade val="50000"/>
+            </a:schemeClr>
+          </a:lnRef>
+          <a:fillRef idx="1">
+            <a:schemeClr val="accent1"/>
+          </a:fillRef>
+          <a:effectRef idx="0">
+            <a:schemeClr val="accent1"/>
+          </a:effectRef>
+          <a:fontRef idx="minor">
+            <a:schemeClr val="lt1"/>
+          </a:fontRef>
+        </p:style>
+        <p:txBody>
+          <a:bodyPr rtlCol="0" anchor="t"/>
+          <a:lstStyle/>
+          <a:p>
+            <a:r>
+              <a:rPr lang="ko-KR" altLang="en-US" sz="1400" dirty="0" smtClean="0">
+                <a:solidFill>
+                  <a:schemeClr val="tx1"/>
+                </a:solidFill>
+                <a:latin typeface="삼성긴고딕OTF Medium" panose="020B0600000101010101" pitchFamily="34" charset="-127"/>
+                <a:ea typeface="삼성긴고딕OTF Medium" panose="020B0600000101010101" pitchFamily="34" charset="-127"/>
+              </a:rPr>
+              <a:t>스택</a:t>
+            </a:r>
+            <a:r>
+              <a:rPr lang="en-US" altLang="ko-KR" sz="1400" dirty="0" smtClean="0">
+                <a:solidFill>
+                  <a:schemeClr val="tx1"/>
+                </a:solidFill>
+                <a:latin typeface="삼성긴고딕OTF Medium" panose="020B0600000101010101" pitchFamily="34" charset="-127"/>
+                <a:ea typeface="삼성긴고딕OTF Medium" panose="020B0600000101010101" pitchFamily="34" charset="-127"/>
+              </a:rPr>
+              <a:t>(stack</a:t>
+            </a:r>
+            <a:r>
+              <a:rPr lang="en-US" altLang="ko-KR" sz="1400" dirty="0" smtClean="0">
+                <a:solidFill>
+                  <a:schemeClr val="tx1"/>
+                </a:solidFill>
+                <a:latin typeface="삼성긴고딕OTF Medium" panose="020B0600000101010101" pitchFamily="34" charset="-127"/>
+                <a:ea typeface="삼성긴고딕OTF Medium" panose="020B0600000101010101" pitchFamily="34" charset="-127"/>
+              </a:rPr>
+              <a:t>) </a:t>
+            </a:r>
+            <a:r>
+              <a:rPr lang="ko-KR" altLang="en-US" sz="1400" dirty="0" smtClean="0">
+                <a:solidFill>
+                  <a:schemeClr val="tx1"/>
+                </a:solidFill>
+                <a:latin typeface="삼성긴고딕OTF Medium" panose="020B0600000101010101" pitchFamily="34" charset="-127"/>
+                <a:ea typeface="삼성긴고딕OTF Medium" panose="020B0600000101010101" pitchFamily="34" charset="-127"/>
+              </a:rPr>
+              <a:t>영역</a:t>
+            </a:r>
+          </a:p>
+        </p:txBody>
+      </p:sp>
+      <p:sp>
+        <p:nvSpPr>
+          <p:cNvPr id="20" name="직사각형 19"/>
+          <p:cNvSpPr/>
+          <p:nvPr/>
+        </p:nvSpPr>
+        <p:spPr>
+          <a:xfrm>
+            <a:off x="6648318" y="4014374"/>
+            <a:ext cx="1980000" cy="1440000"/>
+          </a:xfrm>
+          <a:prstGeom prst="rect">
+            <a:avLst/>
+          </a:prstGeom>
+          <a:solidFill>
+            <a:schemeClr val="bg1">
+              <a:lumMod val="95000"/>
+            </a:schemeClr>
+          </a:solidFill>
+          <a:ln>
+            <a:solidFill>
+              <a:schemeClr val="tx1"/>
+            </a:solidFill>
+          </a:ln>
+        </p:spPr>
+        <p:style>
+          <a:lnRef idx="2">
+            <a:schemeClr val="accent1">
+              <a:shade val="50000"/>
+            </a:schemeClr>
+          </a:lnRef>
+          <a:fillRef idx="1">
+            <a:schemeClr val="accent1"/>
+          </a:fillRef>
+          <a:effectRef idx="0">
+            <a:schemeClr val="accent1"/>
+          </a:effectRef>
+          <a:fontRef idx="minor">
+            <a:schemeClr val="lt1"/>
+          </a:fontRef>
+        </p:style>
+        <p:txBody>
+          <a:bodyPr rtlCol="0" anchor="t"/>
+          <a:lstStyle/>
+          <a:p>
+            <a:r>
+              <a:rPr lang="ko-KR" altLang="en-US" sz="1400" dirty="0" err="1" smtClean="0">
+                <a:solidFill>
+                  <a:schemeClr val="tx1"/>
+                </a:solidFill>
+                <a:latin typeface="삼성긴고딕OTF Medium" panose="020B0600000101010101" pitchFamily="34" charset="-127"/>
+                <a:ea typeface="삼성긴고딕OTF Medium" panose="020B0600000101010101" pitchFamily="34" charset="-127"/>
+              </a:rPr>
+              <a:t>힙</a:t>
+            </a:r>
+            <a:r>
+              <a:rPr lang="en-US" altLang="ko-KR" sz="1400" dirty="0" smtClean="0">
+                <a:solidFill>
+                  <a:schemeClr val="tx1"/>
+                </a:solidFill>
+                <a:latin typeface="삼성긴고딕OTF Medium" panose="020B0600000101010101" pitchFamily="34" charset="-127"/>
+                <a:ea typeface="삼성긴고딕OTF Medium" panose="020B0600000101010101" pitchFamily="34" charset="-127"/>
+              </a:rPr>
+              <a:t>(heap</a:t>
+            </a:r>
+            <a:r>
+              <a:rPr lang="en-US" altLang="ko-KR" sz="1400" dirty="0" smtClean="0">
+                <a:solidFill>
+                  <a:schemeClr val="tx1"/>
+                </a:solidFill>
+                <a:latin typeface="삼성긴고딕OTF Medium" panose="020B0600000101010101" pitchFamily="34" charset="-127"/>
+                <a:ea typeface="삼성긴고딕OTF Medium" panose="020B0600000101010101" pitchFamily="34" charset="-127"/>
+              </a:rPr>
+              <a:t>) </a:t>
+            </a:r>
+            <a:r>
+              <a:rPr lang="ko-KR" altLang="en-US" sz="1400" dirty="0" smtClean="0">
+                <a:solidFill>
+                  <a:schemeClr val="tx1"/>
+                </a:solidFill>
+                <a:latin typeface="삼성긴고딕OTF Medium" panose="020B0600000101010101" pitchFamily="34" charset="-127"/>
+                <a:ea typeface="삼성긴고딕OTF Medium" panose="020B0600000101010101" pitchFamily="34" charset="-127"/>
+              </a:rPr>
+              <a:t>영역</a:t>
+            </a:r>
+            <a:endParaRPr lang="ko-KR" altLang="en-US" sz="1200" dirty="0">
+              <a:solidFill>
+                <a:srgbClr val="FF0000"/>
+              </a:solidFill>
+              <a:latin typeface="삼성긴고딕OTF Medium" panose="020B0600000101010101" pitchFamily="34" charset="-127"/>
+              <a:ea typeface="삼성긴고딕OTF Medium" panose="020B0600000101010101" pitchFamily="34" charset="-127"/>
+            </a:endParaRPr>
+          </a:p>
+        </p:txBody>
+      </p:sp>
+      <p:sp>
+        <p:nvSpPr>
+          <p:cNvPr id="21" name="직사각형 20"/>
+          <p:cNvSpPr/>
+          <p:nvPr/>
+        </p:nvSpPr>
+        <p:spPr>
+          <a:xfrm>
+            <a:off x="4963640" y="2996385"/>
+            <a:ext cx="1027944" cy="360000"/>
+          </a:xfrm>
+          <a:prstGeom prst="rect">
+            <a:avLst/>
+          </a:prstGeom>
+          <a:solidFill>
+            <a:srgbClr val="1D75E5"/>
+          </a:solidFill>
+          <a:ln>
+            <a:noFill/>
+          </a:ln>
+          <a:effectLst>
+            <a:outerShdw blurRad="50800" dist="38100" dir="2700000" algn="tl" rotWithShape="0">
+              <a:prstClr val="black">
+                <a:alpha val="40000"/>
+              </a:prstClr>
+            </a:outerShdw>
+          </a:effectLst>
+        </p:spPr>
+        <p:style>
+          <a:lnRef idx="2">
+            <a:schemeClr val="accent1">
+              <a:shade val="50000"/>
+            </a:schemeClr>
+          </a:lnRef>
+          <a:fillRef idx="1">
+            <a:schemeClr val="accent1"/>
+          </a:fillRef>
+          <a:effectRef idx="0">
+            <a:schemeClr val="accent1"/>
+          </a:effectRef>
+          <a:fontRef idx="minor">
+            <a:schemeClr val="lt1"/>
+          </a:fontRef>
+        </p:style>
+        <p:txBody>
+          <a:bodyPr rtlCol="0" anchor="ctr"/>
+          <a:lstStyle/>
+          <a:p>
+            <a:pPr algn="ctr">
+              <a:lnSpc>
+                <a:spcPct val="120000"/>
+              </a:lnSpc>
+            </a:pPr>
+            <a:r>
+              <a:rPr lang="en-US" altLang="ko-KR" sz="1400" dirty="0" err="1" smtClean="0">
+                <a:solidFill>
+                  <a:schemeClr val="bg1"/>
+                </a:solidFill>
+                <a:latin typeface="삼성긴고딕OTF Bold" panose="020B0600000101010101" pitchFamily="34" charset="-127"/>
+                <a:ea typeface="삼성긴고딕OTF Bold" panose="020B0600000101010101" pitchFamily="34" charset="-127"/>
+              </a:rPr>
+              <a:t>java.lang</a:t>
+            </a:r>
+            <a:endParaRPr lang="ko-KR" altLang="en-US" sz="1400" dirty="0">
+              <a:solidFill>
+                <a:schemeClr val="bg1"/>
+              </a:solidFill>
+              <a:latin typeface="삼성긴고딕OTF Bold" panose="020B0600000101010101" pitchFamily="34" charset="-127"/>
+              <a:ea typeface="삼성긴고딕OTF Bold" panose="020B0600000101010101" pitchFamily="34" charset="-127"/>
+            </a:endParaRPr>
+          </a:p>
+        </p:txBody>
+      </p:sp>
+      <p:sp>
+        <p:nvSpPr>
+          <p:cNvPr id="25" name="직사각형 24"/>
+          <p:cNvSpPr/>
+          <p:nvPr/>
+        </p:nvSpPr>
+        <p:spPr>
+          <a:xfrm>
+            <a:off x="6816698" y="2996385"/>
+            <a:ext cx="1620000" cy="360000"/>
+          </a:xfrm>
+          <a:prstGeom prst="rect">
+            <a:avLst/>
+          </a:prstGeom>
+          <a:solidFill>
+            <a:srgbClr val="1D75E5"/>
+          </a:solidFill>
+          <a:ln>
+            <a:noFill/>
+          </a:ln>
+          <a:effectLst>
+            <a:outerShdw blurRad="50800" dist="38100" dir="2700000" algn="tl" rotWithShape="0">
+              <a:prstClr val="black">
+                <a:alpha val="40000"/>
+              </a:prstClr>
+            </a:outerShdw>
+          </a:effectLst>
+        </p:spPr>
+        <p:style>
+          <a:lnRef idx="2">
+            <a:schemeClr val="accent1">
+              <a:shade val="50000"/>
+            </a:schemeClr>
+          </a:lnRef>
+          <a:fillRef idx="1">
+            <a:schemeClr val="accent1"/>
+          </a:fillRef>
+          <a:effectRef idx="0">
+            <a:schemeClr val="accent1"/>
+          </a:effectRef>
+          <a:fontRef idx="minor">
+            <a:schemeClr val="lt1"/>
+          </a:fontRef>
+        </p:style>
+        <p:txBody>
+          <a:bodyPr rtlCol="0" anchor="ctr"/>
+          <a:lstStyle/>
+          <a:p>
+            <a:pPr algn="ctr">
+              <a:lnSpc>
+                <a:spcPct val="120000"/>
+              </a:lnSpc>
+            </a:pPr>
+            <a:r>
+              <a:rPr lang="en-US" altLang="ko-KR" sz="1400" dirty="0" smtClean="0">
+                <a:solidFill>
+                  <a:schemeClr val="bg1"/>
+                </a:solidFill>
+                <a:latin typeface="삼성긴고딕OTF Bold" panose="020B0600000101010101" pitchFamily="34" charset="-127"/>
+                <a:ea typeface="삼성긴고딕OTF Bold" panose="020B0600000101010101" pitchFamily="34" charset="-127"/>
+              </a:rPr>
+              <a:t>Test</a:t>
+            </a:r>
+            <a:endParaRPr lang="ko-KR" altLang="en-US" sz="1400" dirty="0">
+              <a:solidFill>
+                <a:schemeClr val="bg1"/>
+              </a:solidFill>
+              <a:latin typeface="삼성긴고딕OTF Bold" panose="020B0600000101010101" pitchFamily="34" charset="-127"/>
+              <a:ea typeface="삼성긴고딕OTF Bold" panose="020B0600000101010101" pitchFamily="34" charset="-127"/>
+            </a:endParaRPr>
+          </a:p>
+        </p:txBody>
+      </p:sp>
+      <p:sp>
+        <p:nvSpPr>
+          <p:cNvPr id="26" name="직사각형 25"/>
+          <p:cNvSpPr/>
+          <p:nvPr/>
+        </p:nvSpPr>
+        <p:spPr>
+          <a:xfrm>
+            <a:off x="6816698" y="3408104"/>
+            <a:ext cx="1620000" cy="360000"/>
+          </a:xfrm>
+          <a:prstGeom prst="rect">
+            <a:avLst/>
+          </a:prstGeom>
+          <a:solidFill>
+            <a:srgbClr val="1D75E5"/>
+          </a:solidFill>
+          <a:ln>
+            <a:noFill/>
+          </a:ln>
+          <a:effectLst>
+            <a:outerShdw blurRad="50800" dist="38100" dir="2700000" algn="tl" rotWithShape="0">
+              <a:prstClr val="black">
+                <a:alpha val="40000"/>
+              </a:prstClr>
+            </a:outerShdw>
+          </a:effectLst>
+        </p:spPr>
+        <p:style>
+          <a:lnRef idx="2">
+            <a:schemeClr val="accent1">
+              <a:shade val="50000"/>
+            </a:schemeClr>
+          </a:lnRef>
+          <a:fillRef idx="1">
+            <a:schemeClr val="accent1"/>
+          </a:fillRef>
+          <a:effectRef idx="0">
+            <a:schemeClr val="accent1"/>
+          </a:effectRef>
+          <a:fontRef idx="minor">
+            <a:schemeClr val="lt1"/>
+          </a:fontRef>
+        </p:style>
+        <p:txBody>
+          <a:bodyPr rtlCol="0" anchor="ctr"/>
+          <a:lstStyle/>
+          <a:p>
+            <a:pPr algn="ctr">
+              <a:lnSpc>
+                <a:spcPct val="120000"/>
+              </a:lnSpc>
+            </a:pPr>
+            <a:r>
+              <a:rPr lang="en-US" altLang="ko-KR" sz="1200" dirty="0" smtClean="0">
+                <a:solidFill>
+                  <a:schemeClr val="bg1"/>
+                </a:solidFill>
+                <a:latin typeface="삼성긴고딕OTF Bold" panose="020B0600000101010101" pitchFamily="34" charset="-127"/>
+                <a:ea typeface="삼성긴고딕OTF Bold" panose="020B0600000101010101" pitchFamily="34" charset="-127"/>
+              </a:rPr>
+              <a:t>main(</a:t>
+            </a:r>
+            <a:r>
+              <a:rPr lang="en-US" altLang="ko-KR" sz="1200" dirty="0" err="1" smtClean="0">
+                <a:solidFill>
+                  <a:schemeClr val="bg1"/>
+                </a:solidFill>
+                <a:latin typeface="삼성긴고딕OTF Bold" panose="020B0600000101010101" pitchFamily="34" charset="-127"/>
+                <a:ea typeface="삼성긴고딕OTF Bold" panose="020B0600000101010101" pitchFamily="34" charset="-127"/>
+              </a:rPr>
+              <a:t>args</a:t>
+            </a:r>
+            <a:r>
+              <a:rPr lang="en-US" altLang="ko-KR" sz="1200" dirty="0" smtClean="0">
+                <a:solidFill>
+                  <a:schemeClr val="bg1"/>
+                </a:solidFill>
+                <a:latin typeface="삼성긴고딕OTF Bold" panose="020B0600000101010101" pitchFamily="34" charset="-127"/>
+                <a:ea typeface="삼성긴고딕OTF Bold" panose="020B0600000101010101" pitchFamily="34" charset="-127"/>
+              </a:rPr>
+              <a:t>: String[])</a:t>
+            </a:r>
+            <a:endParaRPr lang="ko-KR" altLang="en-US" sz="1200" dirty="0">
+              <a:solidFill>
+                <a:schemeClr val="bg1"/>
+              </a:solidFill>
+              <a:latin typeface="삼성긴고딕OTF Bold" panose="020B0600000101010101" pitchFamily="34" charset="-127"/>
+              <a:ea typeface="삼성긴고딕OTF Bold" panose="020B0600000101010101" pitchFamily="34" charset="-127"/>
+            </a:endParaRPr>
+          </a:p>
+        </p:txBody>
+      </p:sp>
+      <p:sp>
+        <p:nvSpPr>
+          <p:cNvPr id="33" name="타원 32"/>
+          <p:cNvSpPr/>
+          <p:nvPr/>
+        </p:nvSpPr>
+        <p:spPr>
+          <a:xfrm>
+            <a:off x="2768695" y="5418575"/>
+            <a:ext cx="648000" cy="648000"/>
+          </a:xfrm>
+          <a:prstGeom prst="ellipse">
+            <a:avLst/>
+          </a:prstGeom>
+          <a:solidFill>
+            <a:srgbClr val="15D3B2"/>
+          </a:solidFill>
+          <a:ln>
+            <a:solidFill>
+              <a:srgbClr val="15D3B2"/>
+            </a:solidFill>
+          </a:ln>
+        </p:spPr>
+        <p:style>
+          <a:lnRef idx="2">
+            <a:schemeClr val="accent1">
+              <a:shade val="50000"/>
+            </a:schemeClr>
+          </a:lnRef>
+          <a:fillRef idx="1">
+            <a:schemeClr val="accent1"/>
+          </a:fillRef>
+          <a:effectRef idx="0">
+            <a:schemeClr val="accent1"/>
+          </a:effectRef>
+          <a:fontRef idx="minor">
+            <a:schemeClr val="lt1"/>
+          </a:fontRef>
+        </p:style>
+        <p:txBody>
+          <a:bodyPr lIns="0" tIns="0" rIns="0" bIns="0" rtlCol="0" anchor="ctr"/>
+          <a:lstStyle/>
+          <a:p>
+            <a:pPr algn="ctr"/>
+            <a:r>
+              <a:rPr lang="en-US" altLang="ko-KR" dirty="0" smtClean="0">
+                <a:solidFill>
+                  <a:schemeClr val="bg1"/>
+                </a:solidFill>
+                <a:latin typeface="삼성긴고딕OTF Bold" panose="020B0600000101010101" pitchFamily="34" charset="-127"/>
+                <a:ea typeface="삼성긴고딕OTF Bold" panose="020B0600000101010101" pitchFamily="34" charset="-127"/>
+              </a:rPr>
+              <a:t>g</a:t>
+            </a:r>
+            <a:endParaRPr lang="ko-KR" altLang="en-US" dirty="0">
+              <a:solidFill>
+                <a:schemeClr val="bg1"/>
+              </a:solidFill>
+              <a:latin typeface="삼성긴고딕OTF Bold" panose="020B0600000101010101" pitchFamily="34" charset="-127"/>
+              <a:ea typeface="삼성긴고딕OTF Bold" panose="020B0600000101010101" pitchFamily="34" charset="-127"/>
+            </a:endParaRPr>
+          </a:p>
+        </p:txBody>
+      </p:sp>
+    </p:spTree>
+    <p:extLst>
+      <p:ext uri="{BB962C8B-B14F-4D97-AF65-F5344CB8AC3E}">
+        <p14:creationId xmlns:p14="http://schemas.microsoft.com/office/powerpoint/2010/main" val="2628779886"/>
+      </p:ext>
+    </p:extLst>
+  </p:cSld>
+  <p:clrMapOvr>
+    <a:masterClrMapping/>
+  </p:clrMapOvr>
+  <p:timing>
+    <p:tnLst>
+      <p:par>
+        <p:cTn id="1" dur="indefinite" restart="never" nodeType="tmRoot"/>
+      </p:par>
+    </p:tnLst>
+  </p:timing>
+</p:sld>
+</file>
+
+<file path=ppt/slides/slide6.xml><?xml version="1.0" encoding="utf-8"?>
+<p:sld xmlns:a="http://schemas.openxmlformats.org/drawingml/2006/main" xmlns:r="http://schemas.openxmlformats.org/officeDocument/2006/relationships" xmlns:p="http://schemas.openxmlformats.org/presentationml/2006/main">
+  <p:cSld>
+    <p:spTree>
+      <p:nvGrpSpPr>
+        <p:cNvPr id="1" name=""/>
+        <p:cNvGrpSpPr/>
+        <p:nvPr/>
+      </p:nvGrpSpPr>
+      <p:grpSpPr>
+        <a:xfrm>
+          <a:off x="0" y="0"/>
+          <a:ext cx="0" cy="0"/>
+          <a:chOff x="0" y="0"/>
+          <a:chExt cx="0" cy="0"/>
+        </a:xfrm>
+      </p:grpSpPr>
+      <p:sp>
+        <p:nvSpPr>
+          <p:cNvPr id="18" name="직사각형 17"/>
+          <p:cNvSpPr/>
+          <p:nvPr/>
+        </p:nvSpPr>
+        <p:spPr>
+          <a:xfrm>
+            <a:off x="121955" y="440586"/>
+            <a:ext cx="3960000" cy="1440000"/>
+          </a:xfrm>
+          <a:prstGeom prst="rect">
+            <a:avLst/>
+          </a:prstGeom>
+          <a:solidFill>
+            <a:schemeClr val="bg1">
+              <a:lumMod val="95000"/>
+            </a:schemeClr>
+          </a:solidFill>
+          <a:ln>
+            <a:solidFill>
+              <a:schemeClr val="tx1"/>
+            </a:solidFill>
+          </a:ln>
+        </p:spPr>
+        <p:style>
+          <a:lnRef idx="2">
+            <a:schemeClr val="accent1">
+              <a:shade val="50000"/>
+            </a:schemeClr>
+          </a:lnRef>
+          <a:fillRef idx="1">
+            <a:schemeClr val="accent1"/>
+          </a:fillRef>
+          <a:effectRef idx="0">
+            <a:schemeClr val="accent1"/>
+          </a:effectRef>
+          <a:fontRef idx="minor">
+            <a:schemeClr val="lt1"/>
+          </a:fontRef>
+        </p:style>
+        <p:txBody>
+          <a:bodyPr rtlCol="0" anchor="t"/>
+          <a:lstStyle/>
+          <a:p>
+            <a:r>
+              <a:rPr lang="ko-KR" altLang="en-US" sz="1400" dirty="0" err="1" smtClean="0">
+                <a:solidFill>
+                  <a:schemeClr val="tx1"/>
+                </a:solidFill>
+                <a:latin typeface="삼성긴고딕OTF Medium" panose="020B0600000101010101" pitchFamily="34" charset="-127"/>
+                <a:ea typeface="삼성긴고딕OTF Medium" panose="020B0600000101010101" pitchFamily="34" charset="-127"/>
+              </a:rPr>
+              <a:t>스태틱</a:t>
+            </a:r>
+            <a:r>
+              <a:rPr lang="en-US" altLang="ko-KR" sz="1400" dirty="0" smtClean="0">
+                <a:solidFill>
+                  <a:schemeClr val="tx1"/>
+                </a:solidFill>
+                <a:latin typeface="삼성긴고딕OTF Medium" panose="020B0600000101010101" pitchFamily="34" charset="-127"/>
+                <a:ea typeface="삼성긴고딕OTF Medium" panose="020B0600000101010101" pitchFamily="34" charset="-127"/>
+              </a:rPr>
+              <a:t>(static</a:t>
+            </a:r>
+            <a:r>
+              <a:rPr lang="en-US" altLang="ko-KR" sz="1400" dirty="0" smtClean="0">
+                <a:solidFill>
+                  <a:schemeClr val="tx1"/>
+                </a:solidFill>
+                <a:latin typeface="삼성긴고딕OTF Medium" panose="020B0600000101010101" pitchFamily="34" charset="-127"/>
+                <a:ea typeface="삼성긴고딕OTF Medium" panose="020B0600000101010101" pitchFamily="34" charset="-127"/>
+              </a:rPr>
+              <a:t>) </a:t>
+            </a:r>
+            <a:r>
+              <a:rPr lang="ko-KR" altLang="en-US" sz="1400" dirty="0" smtClean="0">
+                <a:solidFill>
+                  <a:schemeClr val="tx1"/>
+                </a:solidFill>
+                <a:latin typeface="삼성긴고딕OTF Medium" panose="020B0600000101010101" pitchFamily="34" charset="-127"/>
+                <a:ea typeface="삼성긴고딕OTF Medium" panose="020B0600000101010101" pitchFamily="34" charset="-127"/>
+              </a:rPr>
+              <a:t>영역</a:t>
+            </a:r>
+            <a:endParaRPr lang="ko-KR" altLang="en-US" sz="1200" dirty="0">
+              <a:solidFill>
+                <a:srgbClr val="FF0000"/>
+              </a:solidFill>
+              <a:latin typeface="삼성긴고딕OTF Medium" panose="020B0600000101010101" pitchFamily="34" charset="-127"/>
+              <a:ea typeface="삼성긴고딕OTF Medium" panose="020B0600000101010101" pitchFamily="34" charset="-127"/>
+            </a:endParaRPr>
+          </a:p>
+        </p:txBody>
+      </p:sp>
+      <p:sp>
+        <p:nvSpPr>
+          <p:cNvPr id="19" name="직사각형 18"/>
+          <p:cNvSpPr/>
+          <p:nvPr/>
+        </p:nvSpPr>
+        <p:spPr>
+          <a:xfrm>
+            <a:off x="121955" y="1880586"/>
+            <a:ext cx="1980000" cy="1440000"/>
+          </a:xfrm>
+          <a:prstGeom prst="rect">
+            <a:avLst/>
+          </a:prstGeom>
+          <a:solidFill>
+            <a:schemeClr val="bg1">
+              <a:lumMod val="95000"/>
+            </a:schemeClr>
+          </a:solidFill>
+          <a:ln>
+            <a:solidFill>
+              <a:schemeClr val="tx1"/>
+            </a:solidFill>
+          </a:ln>
+        </p:spPr>
+        <p:style>
+          <a:lnRef idx="2">
+            <a:schemeClr val="accent1">
+              <a:shade val="50000"/>
+            </a:schemeClr>
+          </a:lnRef>
+          <a:fillRef idx="1">
+            <a:schemeClr val="accent1"/>
+          </a:fillRef>
+          <a:effectRef idx="0">
+            <a:schemeClr val="accent1"/>
+          </a:effectRef>
+          <a:fontRef idx="minor">
+            <a:schemeClr val="lt1"/>
+          </a:fontRef>
+        </p:style>
+        <p:txBody>
+          <a:bodyPr rtlCol="0" anchor="t"/>
+          <a:lstStyle/>
+          <a:p>
+            <a:r>
+              <a:rPr lang="ko-KR" altLang="en-US" sz="1400" dirty="0" smtClean="0">
+                <a:solidFill>
+                  <a:schemeClr val="tx1"/>
+                </a:solidFill>
+                <a:latin typeface="삼성긴고딕OTF Medium" panose="020B0600000101010101" pitchFamily="34" charset="-127"/>
+                <a:ea typeface="삼성긴고딕OTF Medium" panose="020B0600000101010101" pitchFamily="34" charset="-127"/>
+              </a:rPr>
+              <a:t>스택</a:t>
+            </a:r>
+            <a:r>
+              <a:rPr lang="en-US" altLang="ko-KR" sz="1400" dirty="0" smtClean="0">
+                <a:solidFill>
+                  <a:schemeClr val="tx1"/>
+                </a:solidFill>
+                <a:latin typeface="삼성긴고딕OTF Medium" panose="020B0600000101010101" pitchFamily="34" charset="-127"/>
+                <a:ea typeface="삼성긴고딕OTF Medium" panose="020B0600000101010101" pitchFamily="34" charset="-127"/>
+              </a:rPr>
+              <a:t>(stack</a:t>
+            </a:r>
+            <a:r>
+              <a:rPr lang="en-US" altLang="ko-KR" sz="1400" dirty="0" smtClean="0">
+                <a:solidFill>
+                  <a:schemeClr val="tx1"/>
+                </a:solidFill>
+                <a:latin typeface="삼성긴고딕OTF Medium" panose="020B0600000101010101" pitchFamily="34" charset="-127"/>
+                <a:ea typeface="삼성긴고딕OTF Medium" panose="020B0600000101010101" pitchFamily="34" charset="-127"/>
+              </a:rPr>
+              <a:t>) </a:t>
+            </a:r>
+            <a:r>
+              <a:rPr lang="ko-KR" altLang="en-US" sz="1400" dirty="0" smtClean="0">
+                <a:solidFill>
+                  <a:schemeClr val="tx1"/>
+                </a:solidFill>
+                <a:latin typeface="삼성긴고딕OTF Medium" panose="020B0600000101010101" pitchFamily="34" charset="-127"/>
+                <a:ea typeface="삼성긴고딕OTF Medium" panose="020B0600000101010101" pitchFamily="34" charset="-127"/>
+              </a:rPr>
+              <a:t>영역</a:t>
+            </a:r>
+          </a:p>
+        </p:txBody>
+      </p:sp>
+      <p:sp>
+        <p:nvSpPr>
+          <p:cNvPr id="20" name="직사각형 19"/>
+          <p:cNvSpPr/>
+          <p:nvPr/>
+        </p:nvSpPr>
+        <p:spPr>
+          <a:xfrm>
+            <a:off x="2101955" y="1880586"/>
+            <a:ext cx="1980000" cy="1440000"/>
+          </a:xfrm>
+          <a:prstGeom prst="rect">
+            <a:avLst/>
+          </a:prstGeom>
+          <a:solidFill>
+            <a:schemeClr val="bg1">
+              <a:lumMod val="95000"/>
+            </a:schemeClr>
+          </a:solidFill>
+          <a:ln>
+            <a:solidFill>
+              <a:schemeClr val="tx1"/>
+            </a:solidFill>
+          </a:ln>
+        </p:spPr>
+        <p:style>
+          <a:lnRef idx="2">
+            <a:schemeClr val="accent1">
+              <a:shade val="50000"/>
+            </a:schemeClr>
+          </a:lnRef>
+          <a:fillRef idx="1">
+            <a:schemeClr val="accent1"/>
+          </a:fillRef>
+          <a:effectRef idx="0">
+            <a:schemeClr val="accent1"/>
+          </a:effectRef>
+          <a:fontRef idx="minor">
+            <a:schemeClr val="lt1"/>
+          </a:fontRef>
+        </p:style>
+        <p:txBody>
+          <a:bodyPr rtlCol="0" anchor="t"/>
+          <a:lstStyle/>
+          <a:p>
+            <a:r>
+              <a:rPr lang="ko-KR" altLang="en-US" sz="1400" dirty="0" err="1" smtClean="0">
+                <a:solidFill>
+                  <a:schemeClr val="tx1"/>
+                </a:solidFill>
+                <a:latin typeface="삼성긴고딕OTF Medium" panose="020B0600000101010101" pitchFamily="34" charset="-127"/>
+                <a:ea typeface="삼성긴고딕OTF Medium" panose="020B0600000101010101" pitchFamily="34" charset="-127"/>
+              </a:rPr>
+              <a:t>힙</a:t>
+            </a:r>
+            <a:r>
+              <a:rPr lang="en-US" altLang="ko-KR" sz="1400" dirty="0" smtClean="0">
+                <a:solidFill>
+                  <a:schemeClr val="tx1"/>
+                </a:solidFill>
+                <a:latin typeface="삼성긴고딕OTF Medium" panose="020B0600000101010101" pitchFamily="34" charset="-127"/>
+                <a:ea typeface="삼성긴고딕OTF Medium" panose="020B0600000101010101" pitchFamily="34" charset="-127"/>
+              </a:rPr>
+              <a:t>(heap</a:t>
+            </a:r>
+            <a:r>
+              <a:rPr lang="en-US" altLang="ko-KR" sz="1400" dirty="0" smtClean="0">
+                <a:solidFill>
+                  <a:schemeClr val="tx1"/>
+                </a:solidFill>
+                <a:latin typeface="삼성긴고딕OTF Medium" panose="020B0600000101010101" pitchFamily="34" charset="-127"/>
+                <a:ea typeface="삼성긴고딕OTF Medium" panose="020B0600000101010101" pitchFamily="34" charset="-127"/>
+              </a:rPr>
+              <a:t>) </a:t>
+            </a:r>
+            <a:r>
+              <a:rPr lang="ko-KR" altLang="en-US" sz="1400" dirty="0" smtClean="0">
+                <a:solidFill>
+                  <a:schemeClr val="tx1"/>
+                </a:solidFill>
+                <a:latin typeface="삼성긴고딕OTF Medium" panose="020B0600000101010101" pitchFamily="34" charset="-127"/>
+                <a:ea typeface="삼성긴고딕OTF Medium" panose="020B0600000101010101" pitchFamily="34" charset="-127"/>
+              </a:rPr>
+              <a:t>영역</a:t>
+            </a:r>
+            <a:endParaRPr lang="ko-KR" altLang="en-US" sz="1200" dirty="0">
+              <a:solidFill>
+                <a:srgbClr val="FF0000"/>
+              </a:solidFill>
+              <a:latin typeface="삼성긴고딕OTF Medium" panose="020B0600000101010101" pitchFamily="34" charset="-127"/>
+              <a:ea typeface="삼성긴고딕OTF Medium" panose="020B0600000101010101" pitchFamily="34" charset="-127"/>
+            </a:endParaRPr>
+          </a:p>
+        </p:txBody>
+      </p:sp>
+      <p:sp>
+        <p:nvSpPr>
+          <p:cNvPr id="21" name="직사각형 20"/>
+          <p:cNvSpPr/>
+          <p:nvPr/>
+        </p:nvSpPr>
+        <p:spPr>
+          <a:xfrm>
+            <a:off x="417277" y="862597"/>
+            <a:ext cx="1027944" cy="360000"/>
+          </a:xfrm>
+          <a:prstGeom prst="rect">
+            <a:avLst/>
+          </a:prstGeom>
+          <a:solidFill>
+            <a:srgbClr val="1D75E5"/>
+          </a:solidFill>
+          <a:ln>
+            <a:noFill/>
+          </a:ln>
+          <a:effectLst>
+            <a:outerShdw blurRad="50800" dist="38100" dir="2700000" algn="tl" rotWithShape="0">
+              <a:prstClr val="black">
+                <a:alpha val="40000"/>
+              </a:prstClr>
+            </a:outerShdw>
+          </a:effectLst>
+        </p:spPr>
+        <p:style>
+          <a:lnRef idx="2">
+            <a:schemeClr val="accent1">
+              <a:shade val="50000"/>
+            </a:schemeClr>
+          </a:lnRef>
+          <a:fillRef idx="1">
+            <a:schemeClr val="accent1"/>
+          </a:fillRef>
+          <a:effectRef idx="0">
+            <a:schemeClr val="accent1"/>
+          </a:effectRef>
+          <a:fontRef idx="minor">
+            <a:schemeClr val="lt1"/>
+          </a:fontRef>
+        </p:style>
+        <p:txBody>
+          <a:bodyPr rtlCol="0" anchor="ctr"/>
+          <a:lstStyle/>
+          <a:p>
+            <a:pPr algn="ctr">
+              <a:lnSpc>
+                <a:spcPct val="120000"/>
+              </a:lnSpc>
+            </a:pPr>
+            <a:r>
+              <a:rPr lang="en-US" altLang="ko-KR" sz="1400" dirty="0" err="1" smtClean="0">
+                <a:solidFill>
+                  <a:schemeClr val="bg1"/>
+                </a:solidFill>
+                <a:latin typeface="삼성긴고딕OTF Bold" panose="020B0600000101010101" pitchFamily="34" charset="-127"/>
+                <a:ea typeface="삼성긴고딕OTF Bold" panose="020B0600000101010101" pitchFamily="34" charset="-127"/>
+              </a:rPr>
+              <a:t>java.lang</a:t>
+            </a:r>
+            <a:endParaRPr lang="ko-KR" altLang="en-US" sz="1400" dirty="0">
+              <a:solidFill>
+                <a:schemeClr val="bg1"/>
+              </a:solidFill>
+              <a:latin typeface="삼성긴고딕OTF Bold" panose="020B0600000101010101" pitchFamily="34" charset="-127"/>
+              <a:ea typeface="삼성긴고딕OTF Bold" panose="020B0600000101010101" pitchFamily="34" charset="-127"/>
+            </a:endParaRPr>
+          </a:p>
+        </p:txBody>
+      </p:sp>
+      <p:sp>
+        <p:nvSpPr>
+          <p:cNvPr id="25" name="직사각형 24"/>
+          <p:cNvSpPr/>
+          <p:nvPr/>
+        </p:nvSpPr>
+        <p:spPr>
+          <a:xfrm>
+            <a:off x="2270335" y="862597"/>
+            <a:ext cx="1620000" cy="360000"/>
+          </a:xfrm>
+          <a:prstGeom prst="rect">
+            <a:avLst/>
+          </a:prstGeom>
+          <a:solidFill>
+            <a:srgbClr val="1D75E5"/>
+          </a:solidFill>
+          <a:ln>
+            <a:noFill/>
+          </a:ln>
+          <a:effectLst>
+            <a:outerShdw blurRad="50800" dist="38100" dir="2700000" algn="tl" rotWithShape="0">
+              <a:prstClr val="black">
+                <a:alpha val="40000"/>
+              </a:prstClr>
+            </a:outerShdw>
+          </a:effectLst>
+        </p:spPr>
+        <p:style>
+          <a:lnRef idx="2">
+            <a:schemeClr val="accent1">
+              <a:shade val="50000"/>
+            </a:schemeClr>
+          </a:lnRef>
+          <a:fillRef idx="1">
+            <a:schemeClr val="accent1"/>
+          </a:fillRef>
+          <a:effectRef idx="0">
+            <a:schemeClr val="accent1"/>
+          </a:effectRef>
+          <a:fontRef idx="minor">
+            <a:schemeClr val="lt1"/>
+          </a:fontRef>
+        </p:style>
+        <p:txBody>
+          <a:bodyPr rtlCol="0" anchor="ctr"/>
+          <a:lstStyle/>
+          <a:p>
+            <a:pPr algn="ctr">
+              <a:lnSpc>
+                <a:spcPct val="120000"/>
+              </a:lnSpc>
+            </a:pPr>
+            <a:r>
+              <a:rPr lang="en-US" altLang="ko-KR" sz="1400" dirty="0" smtClean="0">
+                <a:solidFill>
+                  <a:schemeClr val="bg1"/>
+                </a:solidFill>
+                <a:latin typeface="삼성긴고딕OTF Bold" panose="020B0600000101010101" pitchFamily="34" charset="-127"/>
+                <a:ea typeface="삼성긴고딕OTF Bold" panose="020B0600000101010101" pitchFamily="34" charset="-127"/>
+              </a:rPr>
+              <a:t>Test</a:t>
+            </a:r>
+            <a:endParaRPr lang="ko-KR" altLang="en-US" sz="1400" dirty="0">
+              <a:solidFill>
+                <a:schemeClr val="bg1"/>
+              </a:solidFill>
+              <a:latin typeface="삼성긴고딕OTF Bold" panose="020B0600000101010101" pitchFamily="34" charset="-127"/>
+              <a:ea typeface="삼성긴고딕OTF Bold" panose="020B0600000101010101" pitchFamily="34" charset="-127"/>
+            </a:endParaRPr>
+          </a:p>
+        </p:txBody>
+      </p:sp>
+      <p:sp>
+        <p:nvSpPr>
+          <p:cNvPr id="26" name="직사각형 25"/>
+          <p:cNvSpPr/>
+          <p:nvPr/>
+        </p:nvSpPr>
+        <p:spPr>
+          <a:xfrm>
+            <a:off x="2270335" y="1274316"/>
+            <a:ext cx="1620000" cy="360000"/>
+          </a:xfrm>
+          <a:prstGeom prst="rect">
+            <a:avLst/>
+          </a:prstGeom>
+          <a:solidFill>
+            <a:srgbClr val="1D75E5"/>
+          </a:solidFill>
+          <a:ln>
+            <a:noFill/>
+          </a:ln>
+          <a:effectLst>
+            <a:outerShdw blurRad="50800" dist="38100" dir="2700000" algn="tl" rotWithShape="0">
+              <a:prstClr val="black">
+                <a:alpha val="40000"/>
+              </a:prstClr>
+            </a:outerShdw>
+          </a:effectLst>
+        </p:spPr>
+        <p:style>
+          <a:lnRef idx="2">
+            <a:schemeClr val="accent1">
+              <a:shade val="50000"/>
+            </a:schemeClr>
+          </a:lnRef>
+          <a:fillRef idx="1">
+            <a:schemeClr val="accent1"/>
+          </a:fillRef>
+          <a:effectRef idx="0">
+            <a:schemeClr val="accent1"/>
+          </a:effectRef>
+          <a:fontRef idx="minor">
+            <a:schemeClr val="lt1"/>
+          </a:fontRef>
+        </p:style>
+        <p:txBody>
+          <a:bodyPr rtlCol="0" anchor="ctr"/>
+          <a:lstStyle/>
+          <a:p>
+            <a:pPr algn="ctr">
+              <a:lnSpc>
+                <a:spcPct val="120000"/>
+              </a:lnSpc>
+            </a:pPr>
+            <a:r>
+              <a:rPr lang="en-US" altLang="ko-KR" sz="1200" dirty="0" smtClean="0">
+                <a:solidFill>
+                  <a:schemeClr val="bg1"/>
+                </a:solidFill>
+                <a:latin typeface="삼성긴고딕OTF Bold" panose="020B0600000101010101" pitchFamily="34" charset="-127"/>
+                <a:ea typeface="삼성긴고딕OTF Bold" panose="020B0600000101010101" pitchFamily="34" charset="-127"/>
+              </a:rPr>
+              <a:t>main(</a:t>
+            </a:r>
+            <a:r>
+              <a:rPr lang="en-US" altLang="ko-KR" sz="1200" dirty="0" err="1" smtClean="0">
+                <a:solidFill>
+                  <a:schemeClr val="bg1"/>
+                </a:solidFill>
+                <a:latin typeface="삼성긴고딕OTF Bold" panose="020B0600000101010101" pitchFamily="34" charset="-127"/>
+                <a:ea typeface="삼성긴고딕OTF Bold" panose="020B0600000101010101" pitchFamily="34" charset="-127"/>
+              </a:rPr>
+              <a:t>args</a:t>
+            </a:r>
+            <a:r>
+              <a:rPr lang="en-US" altLang="ko-KR" sz="1200" dirty="0" smtClean="0">
+                <a:solidFill>
+                  <a:schemeClr val="bg1"/>
+                </a:solidFill>
+                <a:latin typeface="삼성긴고딕OTF Bold" panose="020B0600000101010101" pitchFamily="34" charset="-127"/>
+                <a:ea typeface="삼성긴고딕OTF Bold" panose="020B0600000101010101" pitchFamily="34" charset="-127"/>
+              </a:rPr>
+              <a:t>: String[])</a:t>
+            </a:r>
+            <a:endParaRPr lang="ko-KR" altLang="en-US" sz="1200" dirty="0">
+              <a:solidFill>
+                <a:schemeClr val="bg1"/>
+              </a:solidFill>
+              <a:latin typeface="삼성긴고딕OTF Bold" panose="020B0600000101010101" pitchFamily="34" charset="-127"/>
+              <a:ea typeface="삼성긴고딕OTF Bold" panose="020B0600000101010101" pitchFamily="34" charset="-127"/>
+            </a:endParaRPr>
+          </a:p>
+        </p:txBody>
+      </p:sp>
+      <p:sp>
+        <p:nvSpPr>
+          <p:cNvPr id="22" name="직사각형 21"/>
+          <p:cNvSpPr/>
+          <p:nvPr/>
+        </p:nvSpPr>
+        <p:spPr>
+          <a:xfrm>
+            <a:off x="301955" y="2276586"/>
+            <a:ext cx="1620000" cy="868266"/>
+          </a:xfrm>
+          <a:prstGeom prst="rect">
+            <a:avLst/>
+          </a:prstGeom>
+          <a:solidFill>
+            <a:schemeClr val="accent4">
+              <a:lumMod val="60000"/>
+              <a:lumOff val="40000"/>
+            </a:schemeClr>
+          </a:solidFill>
+          <a:ln>
+            <a:noFill/>
+          </a:ln>
+          <a:effectLst>
+            <a:outerShdw blurRad="50800" dist="38100" dir="2700000" algn="tl" rotWithShape="0">
+              <a:prstClr val="black">
+                <a:alpha val="40000"/>
+              </a:prstClr>
+            </a:outerShdw>
+          </a:effectLst>
+        </p:spPr>
+        <p:style>
+          <a:lnRef idx="2">
+            <a:schemeClr val="accent1">
+              <a:shade val="50000"/>
+            </a:schemeClr>
+          </a:lnRef>
+          <a:fillRef idx="1">
+            <a:schemeClr val="accent1"/>
+          </a:fillRef>
+          <a:effectRef idx="0">
+            <a:schemeClr val="accent1"/>
+          </a:effectRef>
+          <a:fontRef idx="minor">
+            <a:schemeClr val="lt1"/>
+          </a:fontRef>
+        </p:style>
+        <p:txBody>
+          <a:bodyPr rtlCol="0" anchor="t"/>
+          <a:lstStyle/>
+          <a:p>
+            <a:pPr algn="ctr">
+              <a:lnSpc>
+                <a:spcPct val="120000"/>
+              </a:lnSpc>
+            </a:pPr>
+            <a:r>
+              <a:rPr lang="en-US" altLang="ko-KR" sz="1400" dirty="0" smtClean="0">
+                <a:solidFill>
+                  <a:schemeClr val="bg1"/>
+                </a:solidFill>
+                <a:latin typeface="삼성긴고딕OTF Bold" panose="020B0600000101010101" pitchFamily="34" charset="-127"/>
+                <a:ea typeface="삼성긴고딕OTF Bold" panose="020B0600000101010101" pitchFamily="34" charset="-127"/>
+              </a:rPr>
+              <a:t>main() </a:t>
+            </a:r>
+            <a:r>
+              <a:rPr lang="ko-KR" altLang="en-US" sz="1400" dirty="0" smtClean="0">
+                <a:solidFill>
+                  <a:schemeClr val="bg1"/>
+                </a:solidFill>
+                <a:latin typeface="삼성긴고딕OTF Bold" panose="020B0600000101010101" pitchFamily="34" charset="-127"/>
+                <a:ea typeface="삼성긴고딕OTF Bold" panose="020B0600000101010101" pitchFamily="34" charset="-127"/>
+              </a:rPr>
+              <a:t>스택 프레임</a:t>
+            </a:r>
+            <a:endParaRPr lang="ko-KR" altLang="en-US" sz="1400" dirty="0">
+              <a:solidFill>
+                <a:schemeClr val="bg1"/>
+              </a:solidFill>
+              <a:latin typeface="삼성긴고딕OTF Bold" panose="020B0600000101010101" pitchFamily="34" charset="-127"/>
+              <a:ea typeface="삼성긴고딕OTF Bold" panose="020B0600000101010101" pitchFamily="34" charset="-127"/>
+            </a:endParaRPr>
+          </a:p>
+        </p:txBody>
+      </p:sp>
+      <p:grpSp>
+        <p:nvGrpSpPr>
+          <p:cNvPr id="11" name="그룹 10"/>
+          <p:cNvGrpSpPr/>
+          <p:nvPr/>
+        </p:nvGrpSpPr>
+        <p:grpSpPr>
+          <a:xfrm>
+            <a:off x="391955" y="2662597"/>
+            <a:ext cx="1440000" cy="288000"/>
+            <a:chOff x="726222" y="4281295"/>
+            <a:chExt cx="1440000" cy="288000"/>
+          </a:xfrm>
+        </p:grpSpPr>
+        <p:sp>
+          <p:nvSpPr>
+            <p:cNvPr id="23" name="직사각형 22"/>
+            <p:cNvSpPr/>
+            <p:nvPr/>
+          </p:nvSpPr>
+          <p:spPr>
+            <a:xfrm>
+              <a:off x="726222" y="4281295"/>
+              <a:ext cx="1440000" cy="288000"/>
+            </a:xfrm>
+            <a:prstGeom prst="rect">
+              <a:avLst/>
+            </a:prstGeom>
+            <a:solidFill>
+              <a:schemeClr val="accent4">
+                <a:lumMod val="40000"/>
+                <a:lumOff val="60000"/>
+              </a:schemeClr>
+            </a:solidFill>
+            <a:ln>
+              <a:noFill/>
+            </a:ln>
+            <a:effectLst>
+              <a:outerShdw blurRad="50800" dist="38100" dir="2700000" algn="tl" rotWithShape="0">
+                <a:prstClr val="black">
+                  <a:alpha val="40000"/>
+                </a:prstClr>
+              </a:outerShdw>
+            </a:effectLst>
+          </p:spPr>
+          <p:style>
+            <a:lnRef idx="2">
+              <a:schemeClr val="accent1">
+                <a:shade val="50000"/>
+              </a:schemeClr>
+            </a:lnRef>
+            <a:fillRef idx="1">
+              <a:schemeClr val="accent1"/>
+            </a:fillRef>
+            <a:effectRef idx="0">
+              <a:schemeClr val="accent1"/>
+            </a:effectRef>
+            <a:fontRef idx="minor">
+              <a:schemeClr val="lt1"/>
+            </a:fontRef>
+          </p:style>
+          <p:txBody>
+            <a:bodyPr rtlCol="0" anchor="ctr"/>
+            <a:lstStyle/>
+            <a:p>
+              <a:pPr>
+                <a:lnSpc>
+                  <a:spcPct val="120000"/>
+                </a:lnSpc>
+              </a:pPr>
+              <a:r>
+                <a:rPr lang="en-US" altLang="ko-KR" sz="1200" dirty="0" err="1" smtClean="0">
+                  <a:solidFill>
+                    <a:schemeClr val="bg1"/>
+                  </a:solidFill>
+                  <a:latin typeface="삼성긴고딕OTF Bold" panose="020B0600000101010101" pitchFamily="34" charset="-127"/>
+                  <a:ea typeface="삼성긴고딕OTF Bold" panose="020B0600000101010101" pitchFamily="34" charset="-127"/>
+                </a:rPr>
+                <a:t>args</a:t>
+              </a:r>
+              <a:endParaRPr lang="ko-KR" altLang="en-US" sz="1200" dirty="0">
+                <a:solidFill>
+                  <a:schemeClr val="bg1"/>
+                </a:solidFill>
+                <a:latin typeface="삼성긴고딕OTF Bold" panose="020B0600000101010101" pitchFamily="34" charset="-127"/>
+                <a:ea typeface="삼성긴고딕OTF Bold" panose="020B0600000101010101" pitchFamily="34" charset="-127"/>
+              </a:endParaRPr>
+            </a:p>
+          </p:txBody>
+        </p:sp>
+        <p:sp>
+          <p:nvSpPr>
+            <p:cNvPr id="2" name="직사각형 1"/>
+            <p:cNvSpPr/>
+            <p:nvPr/>
+          </p:nvSpPr>
+          <p:spPr>
+            <a:xfrm>
+              <a:off x="1236117" y="4317295"/>
+              <a:ext cx="720000" cy="216000"/>
+            </a:xfrm>
+            <a:prstGeom prst="rect">
+              <a:avLst/>
+            </a:prstGeom>
+            <a:noFill/>
+            <a:ln>
+              <a:solidFill>
+                <a:schemeClr val="bg1"/>
+              </a:solidFill>
+            </a:ln>
+          </p:spPr>
+          <p:style>
+            <a:lnRef idx="2">
+              <a:schemeClr val="accent1">
+                <a:shade val="50000"/>
+              </a:schemeClr>
+            </a:lnRef>
+            <a:fillRef idx="1">
+              <a:schemeClr val="accent1"/>
+            </a:fillRef>
+            <a:effectRef idx="0">
+              <a:schemeClr val="accent1"/>
+            </a:effectRef>
+            <a:fontRef idx="minor">
+              <a:schemeClr val="lt1"/>
+            </a:fontRef>
+          </p:style>
+          <p:txBody>
+            <a:bodyPr rtlCol="0" anchor="ctr"/>
+            <a:lstStyle/>
+            <a:p>
+              <a:pPr algn="ctr"/>
+              <a:endParaRPr lang="ko-KR" altLang="en-US" dirty="0">
+                <a:latin typeface="삼성긴고딕OTF Medium" panose="020B0600000101010101" pitchFamily="34" charset="-127"/>
+                <a:ea typeface="삼성긴고딕OTF Medium" panose="020B0600000101010101" pitchFamily="34" charset="-127"/>
+              </a:endParaRPr>
+            </a:p>
+          </p:txBody>
+        </p:sp>
+      </p:grpSp>
+      <p:sp>
+        <p:nvSpPr>
+          <p:cNvPr id="40" name="직사각형 39"/>
+          <p:cNvSpPr/>
+          <p:nvPr/>
+        </p:nvSpPr>
+        <p:spPr>
+          <a:xfrm>
+            <a:off x="121714" y="3469479"/>
+            <a:ext cx="3960000" cy="1440000"/>
+          </a:xfrm>
+          <a:prstGeom prst="rect">
+            <a:avLst/>
+          </a:prstGeom>
+          <a:solidFill>
+            <a:schemeClr val="bg1">
+              <a:lumMod val="95000"/>
+            </a:schemeClr>
+          </a:solidFill>
+          <a:ln>
+            <a:solidFill>
+              <a:schemeClr val="tx1"/>
+            </a:solidFill>
+          </a:ln>
+        </p:spPr>
+        <p:style>
+          <a:lnRef idx="2">
+            <a:schemeClr val="accent1">
+              <a:shade val="50000"/>
+            </a:schemeClr>
+          </a:lnRef>
+          <a:fillRef idx="1">
+            <a:schemeClr val="accent1"/>
+          </a:fillRef>
+          <a:effectRef idx="0">
+            <a:schemeClr val="accent1"/>
+          </a:effectRef>
+          <a:fontRef idx="minor">
+            <a:schemeClr val="lt1"/>
+          </a:fontRef>
+        </p:style>
+        <p:txBody>
+          <a:bodyPr rtlCol="0" anchor="t"/>
+          <a:lstStyle/>
+          <a:p>
+            <a:r>
+              <a:rPr lang="ko-KR" altLang="en-US" sz="1400" dirty="0" err="1" smtClean="0">
+                <a:solidFill>
+                  <a:schemeClr val="tx1"/>
+                </a:solidFill>
+                <a:latin typeface="삼성긴고딕OTF Medium" panose="020B0600000101010101" pitchFamily="34" charset="-127"/>
+                <a:ea typeface="삼성긴고딕OTF Medium" panose="020B0600000101010101" pitchFamily="34" charset="-127"/>
+              </a:rPr>
+              <a:t>스태틱</a:t>
+            </a:r>
+            <a:r>
+              <a:rPr lang="en-US" altLang="ko-KR" sz="1400" dirty="0" smtClean="0">
+                <a:solidFill>
+                  <a:schemeClr val="tx1"/>
+                </a:solidFill>
+                <a:latin typeface="삼성긴고딕OTF Medium" panose="020B0600000101010101" pitchFamily="34" charset="-127"/>
+                <a:ea typeface="삼성긴고딕OTF Medium" panose="020B0600000101010101" pitchFamily="34" charset="-127"/>
+              </a:rPr>
+              <a:t>(static</a:t>
+            </a:r>
+            <a:r>
+              <a:rPr lang="en-US" altLang="ko-KR" sz="1400" dirty="0" smtClean="0">
+                <a:solidFill>
+                  <a:schemeClr val="tx1"/>
+                </a:solidFill>
+                <a:latin typeface="삼성긴고딕OTF Medium" panose="020B0600000101010101" pitchFamily="34" charset="-127"/>
+                <a:ea typeface="삼성긴고딕OTF Medium" panose="020B0600000101010101" pitchFamily="34" charset="-127"/>
+              </a:rPr>
+              <a:t>) </a:t>
+            </a:r>
+            <a:r>
+              <a:rPr lang="ko-KR" altLang="en-US" sz="1400" dirty="0" smtClean="0">
+                <a:solidFill>
+                  <a:schemeClr val="tx1"/>
+                </a:solidFill>
+                <a:latin typeface="삼성긴고딕OTF Medium" panose="020B0600000101010101" pitchFamily="34" charset="-127"/>
+                <a:ea typeface="삼성긴고딕OTF Medium" panose="020B0600000101010101" pitchFamily="34" charset="-127"/>
+              </a:rPr>
+              <a:t>영역</a:t>
+            </a:r>
+            <a:endParaRPr lang="ko-KR" altLang="en-US" sz="1200" dirty="0">
+              <a:solidFill>
+                <a:srgbClr val="FF0000"/>
+              </a:solidFill>
+              <a:latin typeface="삼성긴고딕OTF Medium" panose="020B0600000101010101" pitchFamily="34" charset="-127"/>
+              <a:ea typeface="삼성긴고딕OTF Medium" panose="020B0600000101010101" pitchFamily="34" charset="-127"/>
+            </a:endParaRPr>
+          </a:p>
+        </p:txBody>
+      </p:sp>
+      <p:sp>
+        <p:nvSpPr>
+          <p:cNvPr id="41" name="직사각형 40"/>
+          <p:cNvSpPr/>
+          <p:nvPr/>
+        </p:nvSpPr>
+        <p:spPr>
+          <a:xfrm>
+            <a:off x="121714" y="4909479"/>
+            <a:ext cx="1980000" cy="1872000"/>
+          </a:xfrm>
+          <a:prstGeom prst="rect">
+            <a:avLst/>
+          </a:prstGeom>
+          <a:solidFill>
+            <a:schemeClr val="bg1">
+              <a:lumMod val="95000"/>
+            </a:schemeClr>
+          </a:solidFill>
+          <a:ln>
+            <a:solidFill>
+              <a:schemeClr val="tx1"/>
+            </a:solidFill>
+          </a:ln>
+        </p:spPr>
+        <p:style>
+          <a:lnRef idx="2">
+            <a:schemeClr val="accent1">
+              <a:shade val="50000"/>
+            </a:schemeClr>
+          </a:lnRef>
+          <a:fillRef idx="1">
+            <a:schemeClr val="accent1"/>
+          </a:fillRef>
+          <a:effectRef idx="0">
+            <a:schemeClr val="accent1"/>
+          </a:effectRef>
+          <a:fontRef idx="minor">
+            <a:schemeClr val="lt1"/>
+          </a:fontRef>
+        </p:style>
+        <p:txBody>
+          <a:bodyPr rtlCol="0" anchor="t"/>
+          <a:lstStyle/>
+          <a:p>
+            <a:r>
+              <a:rPr lang="ko-KR" altLang="en-US" sz="1400" dirty="0" smtClean="0">
+                <a:solidFill>
+                  <a:schemeClr val="tx1"/>
+                </a:solidFill>
+                <a:latin typeface="삼성긴고딕OTF Medium" panose="020B0600000101010101" pitchFamily="34" charset="-127"/>
+                <a:ea typeface="삼성긴고딕OTF Medium" panose="020B0600000101010101" pitchFamily="34" charset="-127"/>
+              </a:rPr>
+              <a:t>스택</a:t>
+            </a:r>
+            <a:r>
+              <a:rPr lang="en-US" altLang="ko-KR" sz="1400" dirty="0" smtClean="0">
+                <a:solidFill>
+                  <a:schemeClr val="tx1"/>
+                </a:solidFill>
+                <a:latin typeface="삼성긴고딕OTF Medium" panose="020B0600000101010101" pitchFamily="34" charset="-127"/>
+                <a:ea typeface="삼성긴고딕OTF Medium" panose="020B0600000101010101" pitchFamily="34" charset="-127"/>
+              </a:rPr>
+              <a:t>(stack</a:t>
+            </a:r>
+            <a:r>
+              <a:rPr lang="en-US" altLang="ko-KR" sz="1400" dirty="0" smtClean="0">
+                <a:solidFill>
+                  <a:schemeClr val="tx1"/>
+                </a:solidFill>
+                <a:latin typeface="삼성긴고딕OTF Medium" panose="020B0600000101010101" pitchFamily="34" charset="-127"/>
+                <a:ea typeface="삼성긴고딕OTF Medium" panose="020B0600000101010101" pitchFamily="34" charset="-127"/>
+              </a:rPr>
+              <a:t>) </a:t>
+            </a:r>
+            <a:r>
+              <a:rPr lang="ko-KR" altLang="en-US" sz="1400" dirty="0" smtClean="0">
+                <a:solidFill>
+                  <a:schemeClr val="tx1"/>
+                </a:solidFill>
+                <a:latin typeface="삼성긴고딕OTF Medium" panose="020B0600000101010101" pitchFamily="34" charset="-127"/>
+                <a:ea typeface="삼성긴고딕OTF Medium" panose="020B0600000101010101" pitchFamily="34" charset="-127"/>
+              </a:rPr>
+              <a:t>영역</a:t>
+            </a:r>
+          </a:p>
+        </p:txBody>
+      </p:sp>
+      <p:sp>
+        <p:nvSpPr>
+          <p:cNvPr id="42" name="직사각형 41"/>
+          <p:cNvSpPr/>
+          <p:nvPr/>
+        </p:nvSpPr>
+        <p:spPr>
+          <a:xfrm>
+            <a:off x="2101714" y="4909479"/>
+            <a:ext cx="1980000" cy="1872000"/>
+          </a:xfrm>
+          <a:prstGeom prst="rect">
+            <a:avLst/>
+          </a:prstGeom>
+          <a:solidFill>
+            <a:schemeClr val="bg1">
+              <a:lumMod val="95000"/>
+            </a:schemeClr>
+          </a:solidFill>
+          <a:ln>
+            <a:solidFill>
+              <a:schemeClr val="tx1"/>
+            </a:solidFill>
+          </a:ln>
+        </p:spPr>
+        <p:style>
+          <a:lnRef idx="2">
+            <a:schemeClr val="accent1">
+              <a:shade val="50000"/>
+            </a:schemeClr>
+          </a:lnRef>
+          <a:fillRef idx="1">
+            <a:schemeClr val="accent1"/>
+          </a:fillRef>
+          <a:effectRef idx="0">
+            <a:schemeClr val="accent1"/>
+          </a:effectRef>
+          <a:fontRef idx="minor">
+            <a:schemeClr val="lt1"/>
+          </a:fontRef>
+        </p:style>
+        <p:txBody>
+          <a:bodyPr rtlCol="0" anchor="t"/>
+          <a:lstStyle/>
+          <a:p>
+            <a:r>
+              <a:rPr lang="ko-KR" altLang="en-US" sz="1400" dirty="0" err="1" smtClean="0">
+                <a:solidFill>
+                  <a:schemeClr val="tx1"/>
+                </a:solidFill>
+                <a:latin typeface="삼성긴고딕OTF Medium" panose="020B0600000101010101" pitchFamily="34" charset="-127"/>
+                <a:ea typeface="삼성긴고딕OTF Medium" panose="020B0600000101010101" pitchFamily="34" charset="-127"/>
+              </a:rPr>
+              <a:t>힙</a:t>
+            </a:r>
+            <a:r>
+              <a:rPr lang="en-US" altLang="ko-KR" sz="1400" dirty="0" smtClean="0">
+                <a:solidFill>
+                  <a:schemeClr val="tx1"/>
+                </a:solidFill>
+                <a:latin typeface="삼성긴고딕OTF Medium" panose="020B0600000101010101" pitchFamily="34" charset="-127"/>
+                <a:ea typeface="삼성긴고딕OTF Medium" panose="020B0600000101010101" pitchFamily="34" charset="-127"/>
+              </a:rPr>
+              <a:t>(heap</a:t>
+            </a:r>
+            <a:r>
+              <a:rPr lang="en-US" altLang="ko-KR" sz="1400" dirty="0" smtClean="0">
+                <a:solidFill>
+                  <a:schemeClr val="tx1"/>
+                </a:solidFill>
+                <a:latin typeface="삼성긴고딕OTF Medium" panose="020B0600000101010101" pitchFamily="34" charset="-127"/>
+                <a:ea typeface="삼성긴고딕OTF Medium" panose="020B0600000101010101" pitchFamily="34" charset="-127"/>
+              </a:rPr>
+              <a:t>) </a:t>
+            </a:r>
+            <a:r>
+              <a:rPr lang="ko-KR" altLang="en-US" sz="1400" dirty="0" smtClean="0">
+                <a:solidFill>
+                  <a:schemeClr val="tx1"/>
+                </a:solidFill>
+                <a:latin typeface="삼성긴고딕OTF Medium" panose="020B0600000101010101" pitchFamily="34" charset="-127"/>
+                <a:ea typeface="삼성긴고딕OTF Medium" panose="020B0600000101010101" pitchFamily="34" charset="-127"/>
+              </a:rPr>
+              <a:t>영역</a:t>
+            </a:r>
+            <a:endParaRPr lang="ko-KR" altLang="en-US" sz="1200" dirty="0">
+              <a:solidFill>
+                <a:srgbClr val="FF0000"/>
+              </a:solidFill>
+              <a:latin typeface="삼성긴고딕OTF Medium" panose="020B0600000101010101" pitchFamily="34" charset="-127"/>
+              <a:ea typeface="삼성긴고딕OTF Medium" panose="020B0600000101010101" pitchFamily="34" charset="-127"/>
+            </a:endParaRPr>
+          </a:p>
+        </p:txBody>
+      </p:sp>
+      <p:sp>
+        <p:nvSpPr>
+          <p:cNvPr id="43" name="직사각형 42"/>
+          <p:cNvSpPr/>
+          <p:nvPr/>
+        </p:nvSpPr>
+        <p:spPr>
+          <a:xfrm>
+            <a:off x="417036" y="3891490"/>
+            <a:ext cx="1027944" cy="360000"/>
+          </a:xfrm>
+          <a:prstGeom prst="rect">
+            <a:avLst/>
+          </a:prstGeom>
+          <a:solidFill>
+            <a:srgbClr val="1D75E5"/>
+          </a:solidFill>
+          <a:ln>
+            <a:noFill/>
+          </a:ln>
+          <a:effectLst>
+            <a:outerShdw blurRad="50800" dist="38100" dir="2700000" algn="tl" rotWithShape="0">
+              <a:prstClr val="black">
+                <a:alpha val="40000"/>
+              </a:prstClr>
+            </a:outerShdw>
+          </a:effectLst>
+        </p:spPr>
+        <p:style>
+          <a:lnRef idx="2">
+            <a:schemeClr val="accent1">
+              <a:shade val="50000"/>
+            </a:schemeClr>
+          </a:lnRef>
+          <a:fillRef idx="1">
+            <a:schemeClr val="accent1"/>
+          </a:fillRef>
+          <a:effectRef idx="0">
+            <a:schemeClr val="accent1"/>
+          </a:effectRef>
+          <a:fontRef idx="minor">
+            <a:schemeClr val="lt1"/>
+          </a:fontRef>
+        </p:style>
+        <p:txBody>
+          <a:bodyPr rtlCol="0" anchor="ctr"/>
+          <a:lstStyle/>
+          <a:p>
+            <a:pPr algn="ctr">
+              <a:lnSpc>
+                <a:spcPct val="120000"/>
+              </a:lnSpc>
+            </a:pPr>
+            <a:r>
+              <a:rPr lang="en-US" altLang="ko-KR" sz="1400" dirty="0" err="1" smtClean="0">
+                <a:solidFill>
+                  <a:schemeClr val="bg1"/>
+                </a:solidFill>
+                <a:latin typeface="삼성긴고딕OTF Bold" panose="020B0600000101010101" pitchFamily="34" charset="-127"/>
+                <a:ea typeface="삼성긴고딕OTF Bold" panose="020B0600000101010101" pitchFamily="34" charset="-127"/>
+              </a:rPr>
+              <a:t>java.lang</a:t>
+            </a:r>
+            <a:endParaRPr lang="ko-KR" altLang="en-US" sz="1400" dirty="0">
+              <a:solidFill>
+                <a:schemeClr val="bg1"/>
+              </a:solidFill>
+              <a:latin typeface="삼성긴고딕OTF Bold" panose="020B0600000101010101" pitchFamily="34" charset="-127"/>
+              <a:ea typeface="삼성긴고딕OTF Bold" panose="020B0600000101010101" pitchFamily="34" charset="-127"/>
+            </a:endParaRPr>
+          </a:p>
+        </p:txBody>
+      </p:sp>
+      <p:sp>
+        <p:nvSpPr>
+          <p:cNvPr id="44" name="직사각형 43"/>
+          <p:cNvSpPr/>
+          <p:nvPr/>
+        </p:nvSpPr>
+        <p:spPr>
+          <a:xfrm>
+            <a:off x="2270094" y="3891490"/>
+            <a:ext cx="1620000" cy="360000"/>
+          </a:xfrm>
+          <a:prstGeom prst="rect">
+            <a:avLst/>
+          </a:prstGeom>
+          <a:solidFill>
+            <a:srgbClr val="1D75E5"/>
+          </a:solidFill>
+          <a:ln>
+            <a:noFill/>
+          </a:ln>
+          <a:effectLst>
+            <a:outerShdw blurRad="50800" dist="38100" dir="2700000" algn="tl" rotWithShape="0">
+              <a:prstClr val="black">
+                <a:alpha val="40000"/>
+              </a:prstClr>
+            </a:outerShdw>
+          </a:effectLst>
+        </p:spPr>
+        <p:style>
+          <a:lnRef idx="2">
+            <a:schemeClr val="accent1">
+              <a:shade val="50000"/>
+            </a:schemeClr>
+          </a:lnRef>
+          <a:fillRef idx="1">
+            <a:schemeClr val="accent1"/>
+          </a:fillRef>
+          <a:effectRef idx="0">
+            <a:schemeClr val="accent1"/>
+          </a:effectRef>
+          <a:fontRef idx="minor">
+            <a:schemeClr val="lt1"/>
+          </a:fontRef>
+        </p:style>
+        <p:txBody>
+          <a:bodyPr rtlCol="0" anchor="ctr"/>
+          <a:lstStyle/>
+          <a:p>
+            <a:pPr algn="ctr">
+              <a:lnSpc>
+                <a:spcPct val="120000"/>
+              </a:lnSpc>
+            </a:pPr>
+            <a:r>
+              <a:rPr lang="en-US" altLang="ko-KR" sz="1400" dirty="0" smtClean="0">
+                <a:solidFill>
+                  <a:schemeClr val="bg1"/>
+                </a:solidFill>
+                <a:latin typeface="삼성긴고딕OTF Bold" panose="020B0600000101010101" pitchFamily="34" charset="-127"/>
+                <a:ea typeface="삼성긴고딕OTF Bold" panose="020B0600000101010101" pitchFamily="34" charset="-127"/>
+              </a:rPr>
+              <a:t>Test</a:t>
+            </a:r>
+            <a:endParaRPr lang="ko-KR" altLang="en-US" sz="1400" dirty="0">
+              <a:solidFill>
+                <a:schemeClr val="bg1"/>
+              </a:solidFill>
+              <a:latin typeface="삼성긴고딕OTF Bold" panose="020B0600000101010101" pitchFamily="34" charset="-127"/>
+              <a:ea typeface="삼성긴고딕OTF Bold" panose="020B0600000101010101" pitchFamily="34" charset="-127"/>
+            </a:endParaRPr>
+          </a:p>
+        </p:txBody>
+      </p:sp>
+      <p:sp>
+        <p:nvSpPr>
+          <p:cNvPr id="45" name="직사각형 44"/>
+          <p:cNvSpPr/>
+          <p:nvPr/>
+        </p:nvSpPr>
+        <p:spPr>
+          <a:xfrm>
+            <a:off x="2270094" y="4303209"/>
+            <a:ext cx="1620000" cy="360000"/>
+          </a:xfrm>
+          <a:prstGeom prst="rect">
+            <a:avLst/>
+          </a:prstGeom>
+          <a:solidFill>
+            <a:srgbClr val="1D75E5"/>
+          </a:solidFill>
+          <a:ln>
+            <a:noFill/>
+          </a:ln>
+          <a:effectLst>
+            <a:outerShdw blurRad="50800" dist="38100" dir="2700000" algn="tl" rotWithShape="0">
+              <a:prstClr val="black">
+                <a:alpha val="40000"/>
+              </a:prstClr>
+            </a:outerShdw>
+          </a:effectLst>
+        </p:spPr>
+        <p:style>
+          <a:lnRef idx="2">
+            <a:schemeClr val="accent1">
+              <a:shade val="50000"/>
+            </a:schemeClr>
+          </a:lnRef>
+          <a:fillRef idx="1">
+            <a:schemeClr val="accent1"/>
+          </a:fillRef>
+          <a:effectRef idx="0">
+            <a:schemeClr val="accent1"/>
+          </a:effectRef>
+          <a:fontRef idx="minor">
+            <a:schemeClr val="lt1"/>
+          </a:fontRef>
+        </p:style>
+        <p:txBody>
+          <a:bodyPr rtlCol="0" anchor="ctr"/>
+          <a:lstStyle/>
+          <a:p>
+            <a:pPr algn="ctr">
+              <a:lnSpc>
+                <a:spcPct val="120000"/>
+              </a:lnSpc>
+            </a:pPr>
+            <a:r>
+              <a:rPr lang="en-US" altLang="ko-KR" sz="1200" dirty="0" smtClean="0">
+                <a:solidFill>
+                  <a:schemeClr val="bg1"/>
+                </a:solidFill>
+                <a:latin typeface="삼성긴고딕OTF Bold" panose="020B0600000101010101" pitchFamily="34" charset="-127"/>
+                <a:ea typeface="삼성긴고딕OTF Bold" panose="020B0600000101010101" pitchFamily="34" charset="-127"/>
+              </a:rPr>
+              <a:t>main(</a:t>
+            </a:r>
+            <a:r>
+              <a:rPr lang="en-US" altLang="ko-KR" sz="1200" dirty="0" err="1" smtClean="0">
+                <a:solidFill>
+                  <a:schemeClr val="bg1"/>
+                </a:solidFill>
+                <a:latin typeface="삼성긴고딕OTF Bold" panose="020B0600000101010101" pitchFamily="34" charset="-127"/>
+                <a:ea typeface="삼성긴고딕OTF Bold" panose="020B0600000101010101" pitchFamily="34" charset="-127"/>
+              </a:rPr>
+              <a:t>args</a:t>
+            </a:r>
+            <a:r>
+              <a:rPr lang="en-US" altLang="ko-KR" sz="1200" dirty="0" smtClean="0">
+                <a:solidFill>
+                  <a:schemeClr val="bg1"/>
+                </a:solidFill>
+                <a:latin typeface="삼성긴고딕OTF Bold" panose="020B0600000101010101" pitchFamily="34" charset="-127"/>
+                <a:ea typeface="삼성긴고딕OTF Bold" panose="020B0600000101010101" pitchFamily="34" charset="-127"/>
+              </a:rPr>
+              <a:t>: String[])</a:t>
+            </a:r>
+            <a:endParaRPr lang="ko-KR" altLang="en-US" sz="1200" dirty="0">
+              <a:solidFill>
+                <a:schemeClr val="bg1"/>
+              </a:solidFill>
+              <a:latin typeface="삼성긴고딕OTF Bold" panose="020B0600000101010101" pitchFamily="34" charset="-127"/>
+              <a:ea typeface="삼성긴고딕OTF Bold" panose="020B0600000101010101" pitchFamily="34" charset="-127"/>
+            </a:endParaRPr>
+          </a:p>
+        </p:txBody>
+      </p:sp>
+      <p:sp>
+        <p:nvSpPr>
+          <p:cNvPr id="46" name="직사각형 45"/>
+          <p:cNvSpPr/>
+          <p:nvPr/>
+        </p:nvSpPr>
+        <p:spPr>
+          <a:xfrm>
+            <a:off x="301714" y="5305479"/>
+            <a:ext cx="1620000" cy="1295556"/>
+          </a:xfrm>
+          <a:prstGeom prst="rect">
+            <a:avLst/>
+          </a:prstGeom>
+          <a:solidFill>
+            <a:schemeClr val="accent4">
+              <a:lumMod val="60000"/>
+              <a:lumOff val="40000"/>
+            </a:schemeClr>
+          </a:solidFill>
+          <a:ln>
+            <a:noFill/>
+          </a:ln>
+          <a:effectLst>
+            <a:outerShdw blurRad="50800" dist="38100" dir="2700000" algn="tl" rotWithShape="0">
+              <a:prstClr val="black">
+                <a:alpha val="40000"/>
+              </a:prstClr>
+            </a:outerShdw>
+          </a:effectLst>
+        </p:spPr>
+        <p:style>
+          <a:lnRef idx="2">
+            <a:schemeClr val="accent1">
+              <a:shade val="50000"/>
+            </a:schemeClr>
+          </a:lnRef>
+          <a:fillRef idx="1">
+            <a:schemeClr val="accent1"/>
+          </a:fillRef>
+          <a:effectRef idx="0">
+            <a:schemeClr val="accent1"/>
+          </a:effectRef>
+          <a:fontRef idx="minor">
+            <a:schemeClr val="lt1"/>
+          </a:fontRef>
+        </p:style>
+        <p:txBody>
+          <a:bodyPr rtlCol="0" anchor="t"/>
+          <a:lstStyle/>
+          <a:p>
+            <a:pPr algn="ctr">
+              <a:lnSpc>
+                <a:spcPct val="120000"/>
+              </a:lnSpc>
+            </a:pPr>
+            <a:r>
+              <a:rPr lang="en-US" altLang="ko-KR" sz="1400" dirty="0" smtClean="0">
+                <a:solidFill>
+                  <a:schemeClr val="bg1"/>
+                </a:solidFill>
+                <a:latin typeface="삼성긴고딕OTF Bold" panose="020B0600000101010101" pitchFamily="34" charset="-127"/>
+                <a:ea typeface="삼성긴고딕OTF Bold" panose="020B0600000101010101" pitchFamily="34" charset="-127"/>
+              </a:rPr>
+              <a:t>main() </a:t>
+            </a:r>
+            <a:r>
+              <a:rPr lang="ko-KR" altLang="en-US" sz="1400" dirty="0" smtClean="0">
+                <a:solidFill>
+                  <a:schemeClr val="bg1"/>
+                </a:solidFill>
+                <a:latin typeface="삼성긴고딕OTF Bold" panose="020B0600000101010101" pitchFamily="34" charset="-127"/>
+                <a:ea typeface="삼성긴고딕OTF Bold" panose="020B0600000101010101" pitchFamily="34" charset="-127"/>
+              </a:rPr>
+              <a:t>스택 프레임</a:t>
+            </a:r>
+            <a:endParaRPr lang="ko-KR" altLang="en-US" sz="1400" dirty="0">
+              <a:solidFill>
+                <a:schemeClr val="bg1"/>
+              </a:solidFill>
+              <a:latin typeface="삼성긴고딕OTF Bold" panose="020B0600000101010101" pitchFamily="34" charset="-127"/>
+              <a:ea typeface="삼성긴고딕OTF Bold" panose="020B0600000101010101" pitchFamily="34" charset="-127"/>
+            </a:endParaRPr>
+          </a:p>
+        </p:txBody>
+      </p:sp>
+      <p:grpSp>
+        <p:nvGrpSpPr>
+          <p:cNvPr id="47" name="그룹 46"/>
+          <p:cNvGrpSpPr/>
+          <p:nvPr/>
+        </p:nvGrpSpPr>
+        <p:grpSpPr>
+          <a:xfrm>
+            <a:off x="391714" y="6107306"/>
+            <a:ext cx="1440000" cy="288000"/>
+            <a:chOff x="726222" y="4281295"/>
+            <a:chExt cx="1440000" cy="288000"/>
+          </a:xfrm>
+        </p:grpSpPr>
+        <p:sp>
+          <p:nvSpPr>
+            <p:cNvPr id="48" name="직사각형 47"/>
+            <p:cNvSpPr/>
+            <p:nvPr/>
+          </p:nvSpPr>
+          <p:spPr>
+            <a:xfrm>
+              <a:off x="726222" y="4281295"/>
+              <a:ext cx="1440000" cy="288000"/>
+            </a:xfrm>
+            <a:prstGeom prst="rect">
+              <a:avLst/>
+            </a:prstGeom>
+            <a:solidFill>
+              <a:schemeClr val="accent4">
+                <a:lumMod val="40000"/>
+                <a:lumOff val="60000"/>
+              </a:schemeClr>
+            </a:solidFill>
+            <a:ln>
+              <a:noFill/>
+            </a:ln>
+            <a:effectLst>
+              <a:outerShdw blurRad="50800" dist="38100" dir="2700000" algn="tl" rotWithShape="0">
+                <a:prstClr val="black">
+                  <a:alpha val="40000"/>
+                </a:prstClr>
+              </a:outerShdw>
+            </a:effectLst>
+          </p:spPr>
+          <p:style>
+            <a:lnRef idx="2">
+              <a:schemeClr val="accent1">
+                <a:shade val="50000"/>
+              </a:schemeClr>
+            </a:lnRef>
+            <a:fillRef idx="1">
+              <a:schemeClr val="accent1"/>
+            </a:fillRef>
+            <a:effectRef idx="0">
+              <a:schemeClr val="accent1"/>
+            </a:effectRef>
+            <a:fontRef idx="minor">
+              <a:schemeClr val="lt1"/>
+            </a:fontRef>
+          </p:style>
+          <p:txBody>
+            <a:bodyPr rtlCol="0" anchor="ctr"/>
+            <a:lstStyle/>
+            <a:p>
+              <a:pPr>
+                <a:lnSpc>
+                  <a:spcPct val="120000"/>
+                </a:lnSpc>
+              </a:pPr>
+              <a:r>
+                <a:rPr lang="en-US" altLang="ko-KR" sz="1200" dirty="0" err="1" smtClean="0">
+                  <a:solidFill>
+                    <a:schemeClr val="bg1"/>
+                  </a:solidFill>
+                  <a:latin typeface="삼성긴고딕OTF Bold" panose="020B0600000101010101" pitchFamily="34" charset="-127"/>
+                  <a:ea typeface="삼성긴고딕OTF Bold" panose="020B0600000101010101" pitchFamily="34" charset="-127"/>
+                </a:rPr>
+                <a:t>args</a:t>
+              </a:r>
+              <a:endParaRPr lang="ko-KR" altLang="en-US" sz="1200" dirty="0">
+                <a:solidFill>
+                  <a:schemeClr val="bg1"/>
+                </a:solidFill>
+                <a:latin typeface="삼성긴고딕OTF Bold" panose="020B0600000101010101" pitchFamily="34" charset="-127"/>
+                <a:ea typeface="삼성긴고딕OTF Bold" panose="020B0600000101010101" pitchFamily="34" charset="-127"/>
+              </a:endParaRPr>
+            </a:p>
+          </p:txBody>
+        </p:sp>
+        <p:sp>
+          <p:nvSpPr>
+            <p:cNvPr id="49" name="직사각형 48"/>
+            <p:cNvSpPr/>
+            <p:nvPr/>
+          </p:nvSpPr>
+          <p:spPr>
+            <a:xfrm>
+              <a:off x="1236117" y="4317295"/>
+              <a:ext cx="720000" cy="216000"/>
+            </a:xfrm>
+            <a:prstGeom prst="rect">
+              <a:avLst/>
+            </a:prstGeom>
+            <a:noFill/>
+            <a:ln>
+              <a:solidFill>
+                <a:schemeClr val="bg1"/>
+              </a:solidFill>
+            </a:ln>
+          </p:spPr>
+          <p:style>
+            <a:lnRef idx="2">
+              <a:schemeClr val="accent1">
+                <a:shade val="50000"/>
+              </a:schemeClr>
+            </a:lnRef>
+            <a:fillRef idx="1">
+              <a:schemeClr val="accent1"/>
+            </a:fillRef>
+            <a:effectRef idx="0">
+              <a:schemeClr val="accent1"/>
+            </a:effectRef>
+            <a:fontRef idx="minor">
+              <a:schemeClr val="lt1"/>
+            </a:fontRef>
+          </p:style>
+          <p:txBody>
+            <a:bodyPr rtlCol="0" anchor="ctr"/>
+            <a:lstStyle/>
+            <a:p>
+              <a:pPr algn="ctr"/>
+              <a:endParaRPr lang="ko-KR" altLang="en-US" dirty="0">
+                <a:latin typeface="삼성긴고딕OTF Medium" panose="020B0600000101010101" pitchFamily="34" charset="-127"/>
+                <a:ea typeface="삼성긴고딕OTF Medium" panose="020B0600000101010101" pitchFamily="34" charset="-127"/>
+              </a:endParaRPr>
+            </a:p>
+          </p:txBody>
+        </p:sp>
+      </p:grpSp>
+      <p:grpSp>
+        <p:nvGrpSpPr>
+          <p:cNvPr id="50" name="그룹 49"/>
+          <p:cNvGrpSpPr/>
+          <p:nvPr/>
+        </p:nvGrpSpPr>
+        <p:grpSpPr>
+          <a:xfrm>
+            <a:off x="391714" y="5727490"/>
+            <a:ext cx="1440000" cy="288000"/>
+            <a:chOff x="726222" y="4281295"/>
+            <a:chExt cx="1440000" cy="288000"/>
+          </a:xfrm>
+        </p:grpSpPr>
+        <p:sp>
+          <p:nvSpPr>
+            <p:cNvPr id="51" name="직사각형 50"/>
+            <p:cNvSpPr/>
+            <p:nvPr/>
+          </p:nvSpPr>
+          <p:spPr>
+            <a:xfrm>
+              <a:off x="726222" y="4281295"/>
+              <a:ext cx="1440000" cy="288000"/>
+            </a:xfrm>
+            <a:prstGeom prst="rect">
+              <a:avLst/>
+            </a:prstGeom>
+            <a:solidFill>
+              <a:schemeClr val="accent4">
+                <a:lumMod val="40000"/>
+                <a:lumOff val="60000"/>
+              </a:schemeClr>
+            </a:solidFill>
+            <a:ln>
+              <a:noFill/>
+            </a:ln>
+            <a:effectLst>
+              <a:outerShdw blurRad="50800" dist="38100" dir="2700000" algn="tl" rotWithShape="0">
+                <a:prstClr val="black">
+                  <a:alpha val="40000"/>
+                </a:prstClr>
+              </a:outerShdw>
+            </a:effectLst>
+          </p:spPr>
+          <p:style>
+            <a:lnRef idx="2">
+              <a:schemeClr val="accent1">
+                <a:shade val="50000"/>
+              </a:schemeClr>
+            </a:lnRef>
+            <a:fillRef idx="1">
+              <a:schemeClr val="accent1"/>
+            </a:fillRef>
+            <a:effectRef idx="0">
+              <a:schemeClr val="accent1"/>
+            </a:effectRef>
+            <a:fontRef idx="minor">
+              <a:schemeClr val="lt1"/>
+            </a:fontRef>
+          </p:style>
+          <p:txBody>
+            <a:bodyPr rtlCol="0" anchor="ctr"/>
+            <a:lstStyle/>
+            <a:p>
+              <a:pPr>
+                <a:lnSpc>
+                  <a:spcPct val="120000"/>
+                </a:lnSpc>
+              </a:pPr>
+              <a:r>
+                <a:rPr lang="en-US" altLang="ko-KR" sz="1200" dirty="0" err="1" smtClean="0">
+                  <a:solidFill>
+                    <a:schemeClr val="bg1"/>
+                  </a:solidFill>
+                  <a:latin typeface="삼성긴고딕OTF Bold" panose="020B0600000101010101" pitchFamily="34" charset="-127"/>
+                  <a:ea typeface="삼성긴고딕OTF Bold" panose="020B0600000101010101" pitchFamily="34" charset="-127"/>
+                </a:rPr>
+                <a:t>i</a:t>
+              </a:r>
+              <a:endParaRPr lang="ko-KR" altLang="en-US" sz="1200" dirty="0">
+                <a:solidFill>
+                  <a:schemeClr val="bg1"/>
+                </a:solidFill>
+                <a:latin typeface="삼성긴고딕OTF Bold" panose="020B0600000101010101" pitchFamily="34" charset="-127"/>
+                <a:ea typeface="삼성긴고딕OTF Bold" panose="020B0600000101010101" pitchFamily="34" charset="-127"/>
+              </a:endParaRPr>
+            </a:p>
+          </p:txBody>
+        </p:sp>
+        <p:sp>
+          <p:nvSpPr>
+            <p:cNvPr id="52" name="직사각형 51"/>
+            <p:cNvSpPr/>
+            <p:nvPr/>
+          </p:nvSpPr>
+          <p:spPr>
+            <a:xfrm>
+              <a:off x="1236117" y="4317295"/>
+              <a:ext cx="720000" cy="216000"/>
+            </a:xfrm>
+            <a:prstGeom prst="rect">
+              <a:avLst/>
+            </a:prstGeom>
+            <a:noFill/>
+            <a:ln>
+              <a:solidFill>
+                <a:schemeClr val="bg1"/>
+              </a:solidFill>
+            </a:ln>
+          </p:spPr>
+          <p:style>
+            <a:lnRef idx="2">
+              <a:schemeClr val="accent1">
+                <a:shade val="50000"/>
+              </a:schemeClr>
+            </a:lnRef>
+            <a:fillRef idx="1">
+              <a:schemeClr val="accent1"/>
+            </a:fillRef>
+            <a:effectRef idx="0">
+              <a:schemeClr val="accent1"/>
+            </a:effectRef>
+            <a:fontRef idx="minor">
+              <a:schemeClr val="lt1"/>
+            </a:fontRef>
+          </p:style>
+          <p:txBody>
+            <a:bodyPr rtlCol="0" anchor="ctr"/>
+            <a:lstStyle/>
+            <a:p>
+              <a:pPr algn="ctr"/>
+              <a:r>
+                <a:rPr lang="en-US" altLang="ko-KR" sz="1200" dirty="0" smtClean="0">
+                  <a:latin typeface="삼성긴고딕OTF Medium" panose="020B0600000101010101" pitchFamily="34" charset="-127"/>
+                  <a:ea typeface="삼성긴고딕OTF Medium" panose="020B0600000101010101" pitchFamily="34" charset="-127"/>
+                </a:rPr>
+                <a:t>10</a:t>
+              </a:r>
+              <a:endParaRPr lang="ko-KR" altLang="en-US" sz="1200" dirty="0">
+                <a:latin typeface="삼성긴고딕OTF Medium" panose="020B0600000101010101" pitchFamily="34" charset="-127"/>
+                <a:ea typeface="삼성긴고딕OTF Medium" panose="020B0600000101010101" pitchFamily="34" charset="-127"/>
+              </a:endParaRPr>
+            </a:p>
+          </p:txBody>
+        </p:sp>
+      </p:grpSp>
+      <p:sp>
+        <p:nvSpPr>
+          <p:cNvPr id="61" name="직사각형 60"/>
+          <p:cNvSpPr/>
+          <p:nvPr/>
+        </p:nvSpPr>
+        <p:spPr>
+          <a:xfrm>
+            <a:off x="4797489" y="440586"/>
+            <a:ext cx="3960000" cy="1440000"/>
+          </a:xfrm>
+          <a:prstGeom prst="rect">
+            <a:avLst/>
+          </a:prstGeom>
+          <a:solidFill>
+            <a:schemeClr val="bg1">
+              <a:lumMod val="95000"/>
+            </a:schemeClr>
+          </a:solidFill>
+          <a:ln>
+            <a:solidFill>
+              <a:schemeClr val="tx1"/>
+            </a:solidFill>
+          </a:ln>
+        </p:spPr>
+        <p:style>
+          <a:lnRef idx="2">
+            <a:schemeClr val="accent1">
+              <a:shade val="50000"/>
+            </a:schemeClr>
+          </a:lnRef>
+          <a:fillRef idx="1">
+            <a:schemeClr val="accent1"/>
+          </a:fillRef>
+          <a:effectRef idx="0">
+            <a:schemeClr val="accent1"/>
+          </a:effectRef>
+          <a:fontRef idx="minor">
+            <a:schemeClr val="lt1"/>
+          </a:fontRef>
+        </p:style>
+        <p:txBody>
+          <a:bodyPr rtlCol="0" anchor="t"/>
+          <a:lstStyle/>
+          <a:p>
+            <a:r>
+              <a:rPr lang="ko-KR" altLang="en-US" sz="1400" dirty="0" err="1" smtClean="0">
+                <a:solidFill>
+                  <a:schemeClr val="tx1"/>
+                </a:solidFill>
+                <a:latin typeface="삼성긴고딕OTF Medium" panose="020B0600000101010101" pitchFamily="34" charset="-127"/>
+                <a:ea typeface="삼성긴고딕OTF Medium" panose="020B0600000101010101" pitchFamily="34" charset="-127"/>
+              </a:rPr>
+              <a:t>스태틱</a:t>
+            </a:r>
+            <a:r>
+              <a:rPr lang="en-US" altLang="ko-KR" sz="1400" dirty="0" smtClean="0">
+                <a:solidFill>
+                  <a:schemeClr val="tx1"/>
+                </a:solidFill>
+                <a:latin typeface="삼성긴고딕OTF Medium" panose="020B0600000101010101" pitchFamily="34" charset="-127"/>
+                <a:ea typeface="삼성긴고딕OTF Medium" panose="020B0600000101010101" pitchFamily="34" charset="-127"/>
+              </a:rPr>
+              <a:t>(static</a:t>
+            </a:r>
+            <a:r>
+              <a:rPr lang="en-US" altLang="ko-KR" sz="1400" dirty="0" smtClean="0">
+                <a:solidFill>
+                  <a:schemeClr val="tx1"/>
+                </a:solidFill>
+                <a:latin typeface="삼성긴고딕OTF Medium" panose="020B0600000101010101" pitchFamily="34" charset="-127"/>
+                <a:ea typeface="삼성긴고딕OTF Medium" panose="020B0600000101010101" pitchFamily="34" charset="-127"/>
+              </a:rPr>
+              <a:t>) </a:t>
+            </a:r>
+            <a:r>
+              <a:rPr lang="ko-KR" altLang="en-US" sz="1400" dirty="0" smtClean="0">
+                <a:solidFill>
+                  <a:schemeClr val="tx1"/>
+                </a:solidFill>
+                <a:latin typeface="삼성긴고딕OTF Medium" panose="020B0600000101010101" pitchFamily="34" charset="-127"/>
+                <a:ea typeface="삼성긴고딕OTF Medium" panose="020B0600000101010101" pitchFamily="34" charset="-127"/>
+              </a:rPr>
+              <a:t>영역</a:t>
+            </a:r>
+            <a:endParaRPr lang="ko-KR" altLang="en-US" sz="1200" dirty="0">
+              <a:solidFill>
+                <a:srgbClr val="FF0000"/>
+              </a:solidFill>
+              <a:latin typeface="삼성긴고딕OTF Medium" panose="020B0600000101010101" pitchFamily="34" charset="-127"/>
+              <a:ea typeface="삼성긴고딕OTF Medium" panose="020B0600000101010101" pitchFamily="34" charset="-127"/>
+            </a:endParaRPr>
+          </a:p>
+        </p:txBody>
+      </p:sp>
+      <p:sp>
+        <p:nvSpPr>
+          <p:cNvPr id="62" name="직사각형 61"/>
+          <p:cNvSpPr/>
+          <p:nvPr/>
+        </p:nvSpPr>
+        <p:spPr>
+          <a:xfrm>
+            <a:off x="4797489" y="1880586"/>
+            <a:ext cx="1980000" cy="2160000"/>
+          </a:xfrm>
+          <a:prstGeom prst="rect">
+            <a:avLst/>
+          </a:prstGeom>
+          <a:solidFill>
+            <a:schemeClr val="bg1">
+              <a:lumMod val="95000"/>
+            </a:schemeClr>
+          </a:solidFill>
+          <a:ln>
+            <a:solidFill>
+              <a:schemeClr val="tx1"/>
+            </a:solidFill>
+          </a:ln>
+        </p:spPr>
+        <p:style>
+          <a:lnRef idx="2">
+            <a:schemeClr val="accent1">
+              <a:shade val="50000"/>
+            </a:schemeClr>
+          </a:lnRef>
+          <a:fillRef idx="1">
+            <a:schemeClr val="accent1"/>
+          </a:fillRef>
+          <a:effectRef idx="0">
+            <a:schemeClr val="accent1"/>
+          </a:effectRef>
+          <a:fontRef idx="minor">
+            <a:schemeClr val="lt1"/>
+          </a:fontRef>
+        </p:style>
+        <p:txBody>
+          <a:bodyPr rtlCol="0" anchor="t"/>
+          <a:lstStyle/>
+          <a:p>
+            <a:r>
+              <a:rPr lang="ko-KR" altLang="en-US" sz="1400" dirty="0" smtClean="0">
+                <a:solidFill>
+                  <a:schemeClr val="tx1"/>
+                </a:solidFill>
+                <a:latin typeface="삼성긴고딕OTF Medium" panose="020B0600000101010101" pitchFamily="34" charset="-127"/>
+                <a:ea typeface="삼성긴고딕OTF Medium" panose="020B0600000101010101" pitchFamily="34" charset="-127"/>
+              </a:rPr>
+              <a:t>스택</a:t>
+            </a:r>
+            <a:r>
+              <a:rPr lang="en-US" altLang="ko-KR" sz="1400" dirty="0" smtClean="0">
+                <a:solidFill>
+                  <a:schemeClr val="tx1"/>
+                </a:solidFill>
+                <a:latin typeface="삼성긴고딕OTF Medium" panose="020B0600000101010101" pitchFamily="34" charset="-127"/>
+                <a:ea typeface="삼성긴고딕OTF Medium" panose="020B0600000101010101" pitchFamily="34" charset="-127"/>
+              </a:rPr>
+              <a:t>(stack</a:t>
+            </a:r>
+            <a:r>
+              <a:rPr lang="en-US" altLang="ko-KR" sz="1400" dirty="0" smtClean="0">
+                <a:solidFill>
+                  <a:schemeClr val="tx1"/>
+                </a:solidFill>
+                <a:latin typeface="삼성긴고딕OTF Medium" panose="020B0600000101010101" pitchFamily="34" charset="-127"/>
+                <a:ea typeface="삼성긴고딕OTF Medium" panose="020B0600000101010101" pitchFamily="34" charset="-127"/>
+              </a:rPr>
+              <a:t>) </a:t>
+            </a:r>
+            <a:r>
+              <a:rPr lang="ko-KR" altLang="en-US" sz="1400" dirty="0" smtClean="0">
+                <a:solidFill>
+                  <a:schemeClr val="tx1"/>
+                </a:solidFill>
+                <a:latin typeface="삼성긴고딕OTF Medium" panose="020B0600000101010101" pitchFamily="34" charset="-127"/>
+                <a:ea typeface="삼성긴고딕OTF Medium" panose="020B0600000101010101" pitchFamily="34" charset="-127"/>
+              </a:rPr>
+              <a:t>영역</a:t>
+            </a:r>
+          </a:p>
+        </p:txBody>
+      </p:sp>
+      <p:sp>
+        <p:nvSpPr>
+          <p:cNvPr id="63" name="직사각형 62"/>
+          <p:cNvSpPr/>
+          <p:nvPr/>
+        </p:nvSpPr>
+        <p:spPr>
+          <a:xfrm>
+            <a:off x="6777489" y="1880586"/>
+            <a:ext cx="1980000" cy="2160000"/>
+          </a:xfrm>
+          <a:prstGeom prst="rect">
+            <a:avLst/>
+          </a:prstGeom>
+          <a:solidFill>
+            <a:schemeClr val="bg1">
+              <a:lumMod val="95000"/>
+            </a:schemeClr>
+          </a:solidFill>
+          <a:ln>
+            <a:solidFill>
+              <a:schemeClr val="tx1"/>
+            </a:solidFill>
+          </a:ln>
+        </p:spPr>
+        <p:style>
+          <a:lnRef idx="2">
+            <a:schemeClr val="accent1">
+              <a:shade val="50000"/>
+            </a:schemeClr>
+          </a:lnRef>
+          <a:fillRef idx="1">
+            <a:schemeClr val="accent1"/>
+          </a:fillRef>
+          <a:effectRef idx="0">
+            <a:schemeClr val="accent1"/>
+          </a:effectRef>
+          <a:fontRef idx="minor">
+            <a:schemeClr val="lt1"/>
+          </a:fontRef>
+        </p:style>
+        <p:txBody>
+          <a:bodyPr rtlCol="0" anchor="t"/>
+          <a:lstStyle/>
+          <a:p>
+            <a:r>
+              <a:rPr lang="ko-KR" altLang="en-US" sz="1400" dirty="0" err="1" smtClean="0">
+                <a:solidFill>
+                  <a:schemeClr val="tx1"/>
+                </a:solidFill>
+                <a:latin typeface="삼성긴고딕OTF Medium" panose="020B0600000101010101" pitchFamily="34" charset="-127"/>
+                <a:ea typeface="삼성긴고딕OTF Medium" panose="020B0600000101010101" pitchFamily="34" charset="-127"/>
+              </a:rPr>
+              <a:t>힙</a:t>
+            </a:r>
+            <a:r>
+              <a:rPr lang="en-US" altLang="ko-KR" sz="1400" dirty="0" smtClean="0">
+                <a:solidFill>
+                  <a:schemeClr val="tx1"/>
+                </a:solidFill>
+                <a:latin typeface="삼성긴고딕OTF Medium" panose="020B0600000101010101" pitchFamily="34" charset="-127"/>
+                <a:ea typeface="삼성긴고딕OTF Medium" panose="020B0600000101010101" pitchFamily="34" charset="-127"/>
+              </a:rPr>
+              <a:t>(heap</a:t>
+            </a:r>
+            <a:r>
+              <a:rPr lang="en-US" altLang="ko-KR" sz="1400" dirty="0" smtClean="0">
+                <a:solidFill>
+                  <a:schemeClr val="tx1"/>
+                </a:solidFill>
+                <a:latin typeface="삼성긴고딕OTF Medium" panose="020B0600000101010101" pitchFamily="34" charset="-127"/>
+                <a:ea typeface="삼성긴고딕OTF Medium" panose="020B0600000101010101" pitchFamily="34" charset="-127"/>
+              </a:rPr>
+              <a:t>) </a:t>
+            </a:r>
+            <a:r>
+              <a:rPr lang="ko-KR" altLang="en-US" sz="1400" dirty="0" smtClean="0">
+                <a:solidFill>
+                  <a:schemeClr val="tx1"/>
+                </a:solidFill>
+                <a:latin typeface="삼성긴고딕OTF Medium" panose="020B0600000101010101" pitchFamily="34" charset="-127"/>
+                <a:ea typeface="삼성긴고딕OTF Medium" panose="020B0600000101010101" pitchFamily="34" charset="-127"/>
+              </a:rPr>
+              <a:t>영역</a:t>
+            </a:r>
+            <a:endParaRPr lang="ko-KR" altLang="en-US" sz="1200" dirty="0">
+              <a:solidFill>
+                <a:srgbClr val="FF0000"/>
+              </a:solidFill>
+              <a:latin typeface="삼성긴고딕OTF Medium" panose="020B0600000101010101" pitchFamily="34" charset="-127"/>
+              <a:ea typeface="삼성긴고딕OTF Medium" panose="020B0600000101010101" pitchFamily="34" charset="-127"/>
+            </a:endParaRPr>
+          </a:p>
+        </p:txBody>
+      </p:sp>
+      <p:sp>
+        <p:nvSpPr>
+          <p:cNvPr id="64" name="직사각형 63"/>
+          <p:cNvSpPr/>
+          <p:nvPr/>
+        </p:nvSpPr>
+        <p:spPr>
+          <a:xfrm>
+            <a:off x="5092811" y="862597"/>
+            <a:ext cx="1027944" cy="360000"/>
+          </a:xfrm>
+          <a:prstGeom prst="rect">
+            <a:avLst/>
+          </a:prstGeom>
+          <a:solidFill>
+            <a:srgbClr val="1D75E5"/>
+          </a:solidFill>
+          <a:ln>
+            <a:noFill/>
+          </a:ln>
+          <a:effectLst>
+            <a:outerShdw blurRad="50800" dist="38100" dir="2700000" algn="tl" rotWithShape="0">
+              <a:prstClr val="black">
+                <a:alpha val="40000"/>
+              </a:prstClr>
+            </a:outerShdw>
+          </a:effectLst>
+        </p:spPr>
+        <p:style>
+          <a:lnRef idx="2">
+            <a:schemeClr val="accent1">
+              <a:shade val="50000"/>
+            </a:schemeClr>
+          </a:lnRef>
+          <a:fillRef idx="1">
+            <a:schemeClr val="accent1"/>
+          </a:fillRef>
+          <a:effectRef idx="0">
+            <a:schemeClr val="accent1"/>
+          </a:effectRef>
+          <a:fontRef idx="minor">
+            <a:schemeClr val="lt1"/>
+          </a:fontRef>
+        </p:style>
+        <p:txBody>
+          <a:bodyPr rtlCol="0" anchor="ctr"/>
+          <a:lstStyle/>
+          <a:p>
+            <a:pPr algn="ctr">
+              <a:lnSpc>
+                <a:spcPct val="120000"/>
+              </a:lnSpc>
+            </a:pPr>
+            <a:r>
+              <a:rPr lang="en-US" altLang="ko-KR" sz="1400" dirty="0" err="1" smtClean="0">
+                <a:solidFill>
+                  <a:schemeClr val="bg1"/>
+                </a:solidFill>
+                <a:latin typeface="삼성긴고딕OTF Bold" panose="020B0600000101010101" pitchFamily="34" charset="-127"/>
+                <a:ea typeface="삼성긴고딕OTF Bold" panose="020B0600000101010101" pitchFamily="34" charset="-127"/>
+              </a:rPr>
+              <a:t>java.lang</a:t>
+            </a:r>
+            <a:endParaRPr lang="ko-KR" altLang="en-US" sz="1400" dirty="0">
+              <a:solidFill>
+                <a:schemeClr val="bg1"/>
+              </a:solidFill>
+              <a:latin typeface="삼성긴고딕OTF Bold" panose="020B0600000101010101" pitchFamily="34" charset="-127"/>
+              <a:ea typeface="삼성긴고딕OTF Bold" panose="020B0600000101010101" pitchFamily="34" charset="-127"/>
+            </a:endParaRPr>
+          </a:p>
+        </p:txBody>
+      </p:sp>
+      <p:sp>
+        <p:nvSpPr>
+          <p:cNvPr id="65" name="직사각형 64"/>
+          <p:cNvSpPr/>
+          <p:nvPr/>
+        </p:nvSpPr>
+        <p:spPr>
+          <a:xfrm>
+            <a:off x="6945869" y="862597"/>
+            <a:ext cx="1620000" cy="360000"/>
+          </a:xfrm>
+          <a:prstGeom prst="rect">
+            <a:avLst/>
+          </a:prstGeom>
+          <a:solidFill>
+            <a:srgbClr val="1D75E5"/>
+          </a:solidFill>
+          <a:ln>
+            <a:noFill/>
+          </a:ln>
+          <a:effectLst>
+            <a:outerShdw blurRad="50800" dist="38100" dir="2700000" algn="tl" rotWithShape="0">
+              <a:prstClr val="black">
+                <a:alpha val="40000"/>
+              </a:prstClr>
+            </a:outerShdw>
+          </a:effectLst>
+        </p:spPr>
+        <p:style>
+          <a:lnRef idx="2">
+            <a:schemeClr val="accent1">
+              <a:shade val="50000"/>
+            </a:schemeClr>
+          </a:lnRef>
+          <a:fillRef idx="1">
+            <a:schemeClr val="accent1"/>
+          </a:fillRef>
+          <a:effectRef idx="0">
+            <a:schemeClr val="accent1"/>
+          </a:effectRef>
+          <a:fontRef idx="minor">
+            <a:schemeClr val="lt1"/>
+          </a:fontRef>
+        </p:style>
+        <p:txBody>
+          <a:bodyPr rtlCol="0" anchor="ctr"/>
+          <a:lstStyle/>
+          <a:p>
+            <a:pPr algn="ctr">
+              <a:lnSpc>
+                <a:spcPct val="120000"/>
+              </a:lnSpc>
+            </a:pPr>
+            <a:r>
+              <a:rPr lang="en-US" altLang="ko-KR" sz="1400" dirty="0" smtClean="0">
+                <a:solidFill>
+                  <a:schemeClr val="bg1"/>
+                </a:solidFill>
+                <a:latin typeface="삼성긴고딕OTF Bold" panose="020B0600000101010101" pitchFamily="34" charset="-127"/>
+                <a:ea typeface="삼성긴고딕OTF Bold" panose="020B0600000101010101" pitchFamily="34" charset="-127"/>
+              </a:rPr>
+              <a:t>Test</a:t>
+            </a:r>
+            <a:endParaRPr lang="ko-KR" altLang="en-US" sz="1400" dirty="0">
+              <a:solidFill>
+                <a:schemeClr val="bg1"/>
+              </a:solidFill>
+              <a:latin typeface="삼성긴고딕OTF Bold" panose="020B0600000101010101" pitchFamily="34" charset="-127"/>
+              <a:ea typeface="삼성긴고딕OTF Bold" panose="020B0600000101010101" pitchFamily="34" charset="-127"/>
+            </a:endParaRPr>
+          </a:p>
+        </p:txBody>
+      </p:sp>
+      <p:sp>
+        <p:nvSpPr>
+          <p:cNvPr id="66" name="직사각형 65"/>
+          <p:cNvSpPr/>
+          <p:nvPr/>
+        </p:nvSpPr>
+        <p:spPr>
+          <a:xfrm>
+            <a:off x="6945869" y="1274316"/>
+            <a:ext cx="1620000" cy="360000"/>
+          </a:xfrm>
+          <a:prstGeom prst="rect">
+            <a:avLst/>
+          </a:prstGeom>
+          <a:solidFill>
+            <a:srgbClr val="1D75E5"/>
+          </a:solidFill>
+          <a:ln>
+            <a:noFill/>
+          </a:ln>
+          <a:effectLst>
+            <a:outerShdw blurRad="50800" dist="38100" dir="2700000" algn="tl" rotWithShape="0">
+              <a:prstClr val="black">
+                <a:alpha val="40000"/>
+              </a:prstClr>
+            </a:outerShdw>
+          </a:effectLst>
+        </p:spPr>
+        <p:style>
+          <a:lnRef idx="2">
+            <a:schemeClr val="accent1">
+              <a:shade val="50000"/>
+            </a:schemeClr>
+          </a:lnRef>
+          <a:fillRef idx="1">
+            <a:schemeClr val="accent1"/>
+          </a:fillRef>
+          <a:effectRef idx="0">
+            <a:schemeClr val="accent1"/>
+          </a:effectRef>
+          <a:fontRef idx="minor">
+            <a:schemeClr val="lt1"/>
+          </a:fontRef>
+        </p:style>
+        <p:txBody>
+          <a:bodyPr rtlCol="0" anchor="ctr"/>
+          <a:lstStyle/>
+          <a:p>
+            <a:pPr algn="ctr">
+              <a:lnSpc>
+                <a:spcPct val="120000"/>
+              </a:lnSpc>
+            </a:pPr>
+            <a:r>
+              <a:rPr lang="en-US" altLang="ko-KR" sz="1200" dirty="0" smtClean="0">
+                <a:solidFill>
+                  <a:schemeClr val="bg1"/>
+                </a:solidFill>
+                <a:latin typeface="삼성긴고딕OTF Bold" panose="020B0600000101010101" pitchFamily="34" charset="-127"/>
+                <a:ea typeface="삼성긴고딕OTF Bold" panose="020B0600000101010101" pitchFamily="34" charset="-127"/>
+              </a:rPr>
+              <a:t>main(</a:t>
+            </a:r>
+            <a:r>
+              <a:rPr lang="en-US" altLang="ko-KR" sz="1200" dirty="0" err="1" smtClean="0">
+                <a:solidFill>
+                  <a:schemeClr val="bg1"/>
+                </a:solidFill>
+                <a:latin typeface="삼성긴고딕OTF Bold" panose="020B0600000101010101" pitchFamily="34" charset="-127"/>
+                <a:ea typeface="삼성긴고딕OTF Bold" panose="020B0600000101010101" pitchFamily="34" charset="-127"/>
+              </a:rPr>
+              <a:t>args</a:t>
+            </a:r>
+            <a:r>
+              <a:rPr lang="en-US" altLang="ko-KR" sz="1200" dirty="0" smtClean="0">
+                <a:solidFill>
+                  <a:schemeClr val="bg1"/>
+                </a:solidFill>
+                <a:latin typeface="삼성긴고딕OTF Bold" panose="020B0600000101010101" pitchFamily="34" charset="-127"/>
+                <a:ea typeface="삼성긴고딕OTF Bold" panose="020B0600000101010101" pitchFamily="34" charset="-127"/>
+              </a:rPr>
+              <a:t>: String[])</a:t>
+            </a:r>
+            <a:endParaRPr lang="ko-KR" altLang="en-US" sz="1200" dirty="0">
+              <a:solidFill>
+                <a:schemeClr val="bg1"/>
+              </a:solidFill>
+              <a:latin typeface="삼성긴고딕OTF Bold" panose="020B0600000101010101" pitchFamily="34" charset="-127"/>
+              <a:ea typeface="삼성긴고딕OTF Bold" panose="020B0600000101010101" pitchFamily="34" charset="-127"/>
+            </a:endParaRPr>
+          </a:p>
+        </p:txBody>
+      </p:sp>
+      <p:sp>
+        <p:nvSpPr>
+          <p:cNvPr id="67" name="직사각형 66"/>
+          <p:cNvSpPr/>
+          <p:nvPr/>
+        </p:nvSpPr>
+        <p:spPr>
+          <a:xfrm>
+            <a:off x="4977489" y="2276586"/>
+            <a:ext cx="1620000" cy="1620000"/>
+          </a:xfrm>
+          <a:prstGeom prst="rect">
+            <a:avLst/>
+          </a:prstGeom>
+          <a:solidFill>
+            <a:schemeClr val="accent4">
+              <a:lumMod val="60000"/>
+              <a:lumOff val="40000"/>
+            </a:schemeClr>
+          </a:solidFill>
+          <a:ln>
+            <a:noFill/>
+          </a:ln>
+          <a:effectLst>
+            <a:outerShdw blurRad="50800" dist="38100" dir="2700000" algn="tl" rotWithShape="0">
+              <a:prstClr val="black">
+                <a:alpha val="40000"/>
+              </a:prstClr>
+            </a:outerShdw>
+          </a:effectLst>
+        </p:spPr>
+        <p:style>
+          <a:lnRef idx="2">
+            <a:schemeClr val="accent1">
+              <a:shade val="50000"/>
+            </a:schemeClr>
+          </a:lnRef>
+          <a:fillRef idx="1">
+            <a:schemeClr val="accent1"/>
+          </a:fillRef>
+          <a:effectRef idx="0">
+            <a:schemeClr val="accent1"/>
+          </a:effectRef>
+          <a:fontRef idx="minor">
+            <a:schemeClr val="lt1"/>
+          </a:fontRef>
+        </p:style>
+        <p:txBody>
+          <a:bodyPr rtlCol="0" anchor="t"/>
+          <a:lstStyle/>
+          <a:p>
+            <a:pPr algn="ctr">
+              <a:lnSpc>
+                <a:spcPct val="120000"/>
+              </a:lnSpc>
+            </a:pPr>
+            <a:r>
+              <a:rPr lang="en-US" altLang="ko-KR" sz="1400" dirty="0" smtClean="0">
+                <a:solidFill>
+                  <a:schemeClr val="bg1"/>
+                </a:solidFill>
+                <a:latin typeface="삼성긴고딕OTF Bold" panose="020B0600000101010101" pitchFamily="34" charset="-127"/>
+                <a:ea typeface="삼성긴고딕OTF Bold" panose="020B0600000101010101" pitchFamily="34" charset="-127"/>
+              </a:rPr>
+              <a:t>main() </a:t>
+            </a:r>
+            <a:r>
+              <a:rPr lang="ko-KR" altLang="en-US" sz="1400" dirty="0" smtClean="0">
+                <a:solidFill>
+                  <a:schemeClr val="bg1"/>
+                </a:solidFill>
+                <a:latin typeface="삼성긴고딕OTF Bold" panose="020B0600000101010101" pitchFamily="34" charset="-127"/>
+                <a:ea typeface="삼성긴고딕OTF Bold" panose="020B0600000101010101" pitchFamily="34" charset="-127"/>
+              </a:rPr>
+              <a:t>스택 프레임</a:t>
+            </a:r>
+            <a:endParaRPr lang="ko-KR" altLang="en-US" sz="1400" dirty="0">
+              <a:solidFill>
+                <a:schemeClr val="bg1"/>
+              </a:solidFill>
+              <a:latin typeface="삼성긴고딕OTF Bold" panose="020B0600000101010101" pitchFamily="34" charset="-127"/>
+              <a:ea typeface="삼성긴고딕OTF Bold" panose="020B0600000101010101" pitchFamily="34" charset="-127"/>
+            </a:endParaRPr>
+          </a:p>
+        </p:txBody>
+      </p:sp>
+      <p:grpSp>
+        <p:nvGrpSpPr>
+          <p:cNvPr id="68" name="그룹 67"/>
+          <p:cNvGrpSpPr/>
+          <p:nvPr/>
+        </p:nvGrpSpPr>
+        <p:grpSpPr>
+          <a:xfrm>
+            <a:off x="5067489" y="3427122"/>
+            <a:ext cx="1440000" cy="288000"/>
+            <a:chOff x="726222" y="4281295"/>
+            <a:chExt cx="1440000" cy="288000"/>
+          </a:xfrm>
+        </p:grpSpPr>
+        <p:sp>
+          <p:nvSpPr>
+            <p:cNvPr id="69" name="직사각형 68"/>
+            <p:cNvSpPr/>
+            <p:nvPr/>
+          </p:nvSpPr>
+          <p:spPr>
+            <a:xfrm>
+              <a:off x="726222" y="4281295"/>
+              <a:ext cx="1440000" cy="288000"/>
+            </a:xfrm>
+            <a:prstGeom prst="rect">
+              <a:avLst/>
+            </a:prstGeom>
+            <a:solidFill>
+              <a:schemeClr val="accent4">
+                <a:lumMod val="40000"/>
+                <a:lumOff val="60000"/>
+              </a:schemeClr>
+            </a:solidFill>
+            <a:ln>
+              <a:noFill/>
+            </a:ln>
+            <a:effectLst>
+              <a:outerShdw blurRad="50800" dist="38100" dir="2700000" algn="tl" rotWithShape="0">
+                <a:prstClr val="black">
+                  <a:alpha val="40000"/>
+                </a:prstClr>
+              </a:outerShdw>
+            </a:effectLst>
+          </p:spPr>
+          <p:style>
+            <a:lnRef idx="2">
+              <a:schemeClr val="accent1">
+                <a:shade val="50000"/>
+              </a:schemeClr>
+            </a:lnRef>
+            <a:fillRef idx="1">
+              <a:schemeClr val="accent1"/>
+            </a:fillRef>
+            <a:effectRef idx="0">
+              <a:schemeClr val="accent1"/>
+            </a:effectRef>
+            <a:fontRef idx="minor">
+              <a:schemeClr val="lt1"/>
+            </a:fontRef>
+          </p:style>
+          <p:txBody>
+            <a:bodyPr rtlCol="0" anchor="ctr"/>
+            <a:lstStyle/>
+            <a:p>
+              <a:pPr>
+                <a:lnSpc>
+                  <a:spcPct val="120000"/>
+                </a:lnSpc>
+              </a:pPr>
+              <a:r>
+                <a:rPr lang="en-US" altLang="ko-KR" sz="1200" dirty="0" err="1" smtClean="0">
+                  <a:solidFill>
+                    <a:schemeClr val="bg1"/>
+                  </a:solidFill>
+                  <a:latin typeface="삼성긴고딕OTF Bold" panose="020B0600000101010101" pitchFamily="34" charset="-127"/>
+                  <a:ea typeface="삼성긴고딕OTF Bold" panose="020B0600000101010101" pitchFamily="34" charset="-127"/>
+                </a:rPr>
+                <a:t>args</a:t>
+              </a:r>
+              <a:endParaRPr lang="ko-KR" altLang="en-US" sz="1200" dirty="0">
+                <a:solidFill>
+                  <a:schemeClr val="bg1"/>
+                </a:solidFill>
+                <a:latin typeface="삼성긴고딕OTF Bold" panose="020B0600000101010101" pitchFamily="34" charset="-127"/>
+                <a:ea typeface="삼성긴고딕OTF Bold" panose="020B0600000101010101" pitchFamily="34" charset="-127"/>
+              </a:endParaRPr>
+            </a:p>
+          </p:txBody>
+        </p:sp>
+        <p:sp>
+          <p:nvSpPr>
+            <p:cNvPr id="70" name="직사각형 69"/>
+            <p:cNvSpPr/>
+            <p:nvPr/>
+          </p:nvSpPr>
+          <p:spPr>
+            <a:xfrm>
+              <a:off x="1236117" y="4317295"/>
+              <a:ext cx="720000" cy="216000"/>
+            </a:xfrm>
+            <a:prstGeom prst="rect">
+              <a:avLst/>
+            </a:prstGeom>
+            <a:noFill/>
+            <a:ln>
+              <a:solidFill>
+                <a:schemeClr val="bg1"/>
+              </a:solidFill>
+            </a:ln>
+          </p:spPr>
+          <p:style>
+            <a:lnRef idx="2">
+              <a:schemeClr val="accent1">
+                <a:shade val="50000"/>
+              </a:schemeClr>
+            </a:lnRef>
+            <a:fillRef idx="1">
+              <a:schemeClr val="accent1"/>
+            </a:fillRef>
+            <a:effectRef idx="0">
+              <a:schemeClr val="accent1"/>
+            </a:effectRef>
+            <a:fontRef idx="minor">
+              <a:schemeClr val="lt1"/>
+            </a:fontRef>
+          </p:style>
+          <p:txBody>
+            <a:bodyPr rtlCol="0" anchor="ctr"/>
+            <a:lstStyle/>
+            <a:p>
+              <a:pPr algn="ctr"/>
+              <a:endParaRPr lang="ko-KR" altLang="en-US" dirty="0">
+                <a:latin typeface="삼성긴고딕OTF Medium" panose="020B0600000101010101" pitchFamily="34" charset="-127"/>
+                <a:ea typeface="삼성긴고딕OTF Medium" panose="020B0600000101010101" pitchFamily="34" charset="-127"/>
+              </a:endParaRPr>
+            </a:p>
+          </p:txBody>
+        </p:sp>
+      </p:grpSp>
+      <p:grpSp>
+        <p:nvGrpSpPr>
+          <p:cNvPr id="71" name="그룹 70"/>
+          <p:cNvGrpSpPr/>
+          <p:nvPr/>
+        </p:nvGrpSpPr>
+        <p:grpSpPr>
+          <a:xfrm>
+            <a:off x="5067489" y="3047306"/>
+            <a:ext cx="1440000" cy="288000"/>
+            <a:chOff x="726222" y="4281295"/>
+            <a:chExt cx="1440000" cy="288000"/>
+          </a:xfrm>
+        </p:grpSpPr>
+        <p:sp>
+          <p:nvSpPr>
+            <p:cNvPr id="72" name="직사각형 71"/>
+            <p:cNvSpPr/>
+            <p:nvPr/>
+          </p:nvSpPr>
+          <p:spPr>
+            <a:xfrm>
+              <a:off x="726222" y="4281295"/>
+              <a:ext cx="1440000" cy="288000"/>
+            </a:xfrm>
+            <a:prstGeom prst="rect">
+              <a:avLst/>
+            </a:prstGeom>
+            <a:solidFill>
+              <a:schemeClr val="accent4">
+                <a:lumMod val="40000"/>
+                <a:lumOff val="60000"/>
+              </a:schemeClr>
+            </a:solidFill>
+            <a:ln>
+              <a:noFill/>
+            </a:ln>
+            <a:effectLst>
+              <a:outerShdw blurRad="50800" dist="38100" dir="2700000" algn="tl" rotWithShape="0">
+                <a:prstClr val="black">
+                  <a:alpha val="40000"/>
+                </a:prstClr>
+              </a:outerShdw>
+            </a:effectLst>
+          </p:spPr>
+          <p:style>
+            <a:lnRef idx="2">
+              <a:schemeClr val="accent1">
+                <a:shade val="50000"/>
+              </a:schemeClr>
+            </a:lnRef>
+            <a:fillRef idx="1">
+              <a:schemeClr val="accent1"/>
+            </a:fillRef>
+            <a:effectRef idx="0">
+              <a:schemeClr val="accent1"/>
+            </a:effectRef>
+            <a:fontRef idx="minor">
+              <a:schemeClr val="lt1"/>
+            </a:fontRef>
+          </p:style>
+          <p:txBody>
+            <a:bodyPr rtlCol="0" anchor="ctr"/>
+            <a:lstStyle/>
+            <a:p>
+              <a:pPr>
+                <a:lnSpc>
+                  <a:spcPct val="120000"/>
+                </a:lnSpc>
+              </a:pPr>
+              <a:r>
+                <a:rPr lang="en-US" altLang="ko-KR" sz="1200" dirty="0" err="1" smtClean="0">
+                  <a:solidFill>
+                    <a:schemeClr val="bg1"/>
+                  </a:solidFill>
+                  <a:latin typeface="삼성긴고딕OTF Bold" panose="020B0600000101010101" pitchFamily="34" charset="-127"/>
+                  <a:ea typeface="삼성긴고딕OTF Bold" panose="020B0600000101010101" pitchFamily="34" charset="-127"/>
+                </a:rPr>
+                <a:t>i</a:t>
+              </a:r>
+              <a:endParaRPr lang="ko-KR" altLang="en-US" sz="1200" dirty="0">
+                <a:solidFill>
+                  <a:schemeClr val="bg1"/>
+                </a:solidFill>
+                <a:latin typeface="삼성긴고딕OTF Bold" panose="020B0600000101010101" pitchFamily="34" charset="-127"/>
+                <a:ea typeface="삼성긴고딕OTF Bold" panose="020B0600000101010101" pitchFamily="34" charset="-127"/>
+              </a:endParaRPr>
+            </a:p>
+          </p:txBody>
+        </p:sp>
+        <p:sp>
+          <p:nvSpPr>
+            <p:cNvPr id="73" name="직사각형 72"/>
+            <p:cNvSpPr/>
+            <p:nvPr/>
+          </p:nvSpPr>
+          <p:spPr>
+            <a:xfrm>
+              <a:off x="1236117" y="4317295"/>
+              <a:ext cx="720000" cy="216000"/>
+            </a:xfrm>
+            <a:prstGeom prst="rect">
+              <a:avLst/>
+            </a:prstGeom>
+            <a:noFill/>
+            <a:ln>
+              <a:solidFill>
+                <a:schemeClr val="bg1"/>
+              </a:solidFill>
+            </a:ln>
+          </p:spPr>
+          <p:style>
+            <a:lnRef idx="2">
+              <a:schemeClr val="accent1">
+                <a:shade val="50000"/>
+              </a:schemeClr>
+            </a:lnRef>
+            <a:fillRef idx="1">
+              <a:schemeClr val="accent1"/>
+            </a:fillRef>
+            <a:effectRef idx="0">
+              <a:schemeClr val="accent1"/>
+            </a:effectRef>
+            <a:fontRef idx="minor">
+              <a:schemeClr val="lt1"/>
+            </a:fontRef>
+          </p:style>
+          <p:txBody>
+            <a:bodyPr rtlCol="0" anchor="ctr"/>
+            <a:lstStyle/>
+            <a:p>
+              <a:pPr algn="ctr"/>
+              <a:r>
+                <a:rPr lang="en-US" altLang="ko-KR" sz="1200" dirty="0" smtClean="0">
+                  <a:latin typeface="삼성긴고딕OTF Medium" panose="020B0600000101010101" pitchFamily="34" charset="-127"/>
+                  <a:ea typeface="삼성긴고딕OTF Medium" panose="020B0600000101010101" pitchFamily="34" charset="-127"/>
+                </a:rPr>
+                <a:t>10</a:t>
+              </a:r>
+              <a:endParaRPr lang="ko-KR" altLang="en-US" sz="1200" dirty="0">
+                <a:latin typeface="삼성긴고딕OTF Medium" panose="020B0600000101010101" pitchFamily="34" charset="-127"/>
+                <a:ea typeface="삼성긴고딕OTF Medium" panose="020B0600000101010101" pitchFamily="34" charset="-127"/>
+              </a:endParaRPr>
+            </a:p>
+          </p:txBody>
+        </p:sp>
+      </p:grpSp>
+      <p:grpSp>
+        <p:nvGrpSpPr>
+          <p:cNvPr id="74" name="그룹 73"/>
+          <p:cNvGrpSpPr/>
+          <p:nvPr/>
+        </p:nvGrpSpPr>
+        <p:grpSpPr>
+          <a:xfrm>
+            <a:off x="5067489" y="2662597"/>
+            <a:ext cx="1440000" cy="288000"/>
+            <a:chOff x="726222" y="4281295"/>
+            <a:chExt cx="1440000" cy="288000"/>
+          </a:xfrm>
+        </p:grpSpPr>
+        <p:sp>
+          <p:nvSpPr>
+            <p:cNvPr id="75" name="직사각형 74"/>
+            <p:cNvSpPr/>
+            <p:nvPr/>
+          </p:nvSpPr>
+          <p:spPr>
+            <a:xfrm>
+              <a:off x="726222" y="4281295"/>
+              <a:ext cx="1440000" cy="288000"/>
+            </a:xfrm>
+            <a:prstGeom prst="rect">
+              <a:avLst/>
+            </a:prstGeom>
+            <a:solidFill>
+              <a:schemeClr val="accent4">
+                <a:lumMod val="40000"/>
+                <a:lumOff val="60000"/>
+              </a:schemeClr>
+            </a:solidFill>
+            <a:ln>
+              <a:noFill/>
+            </a:ln>
+            <a:effectLst>
+              <a:outerShdw blurRad="50800" dist="38100" dir="2700000" algn="tl" rotWithShape="0">
+                <a:prstClr val="black">
+                  <a:alpha val="40000"/>
+                </a:prstClr>
+              </a:outerShdw>
+            </a:effectLst>
+          </p:spPr>
+          <p:style>
+            <a:lnRef idx="2">
+              <a:schemeClr val="accent1">
+                <a:shade val="50000"/>
+              </a:schemeClr>
+            </a:lnRef>
+            <a:fillRef idx="1">
+              <a:schemeClr val="accent1"/>
+            </a:fillRef>
+            <a:effectRef idx="0">
+              <a:schemeClr val="accent1"/>
+            </a:effectRef>
+            <a:fontRef idx="minor">
+              <a:schemeClr val="lt1"/>
+            </a:fontRef>
+          </p:style>
+          <p:txBody>
+            <a:bodyPr rtlCol="0" anchor="ctr"/>
+            <a:lstStyle/>
+            <a:p>
+              <a:pPr>
+                <a:lnSpc>
+                  <a:spcPct val="120000"/>
+                </a:lnSpc>
+              </a:pPr>
+              <a:r>
+                <a:rPr lang="en-US" altLang="ko-KR" sz="1200" dirty="0" err="1" smtClean="0">
+                  <a:solidFill>
+                    <a:schemeClr val="bg1"/>
+                  </a:solidFill>
+                  <a:latin typeface="삼성긴고딕OTF Bold" panose="020B0600000101010101" pitchFamily="34" charset="-127"/>
+                  <a:ea typeface="삼성긴고딕OTF Bold" panose="020B0600000101010101" pitchFamily="34" charset="-127"/>
+                </a:rPr>
+                <a:t>j</a:t>
+              </a:r>
+              <a:endParaRPr lang="ko-KR" altLang="en-US" sz="1200" dirty="0">
+                <a:solidFill>
+                  <a:schemeClr val="bg1"/>
+                </a:solidFill>
+                <a:latin typeface="삼성긴고딕OTF Bold" panose="020B0600000101010101" pitchFamily="34" charset="-127"/>
+                <a:ea typeface="삼성긴고딕OTF Bold" panose="020B0600000101010101" pitchFamily="34" charset="-127"/>
+              </a:endParaRPr>
+            </a:p>
+          </p:txBody>
+        </p:sp>
+        <p:sp>
+          <p:nvSpPr>
+            <p:cNvPr id="76" name="직사각형 75"/>
+            <p:cNvSpPr/>
+            <p:nvPr/>
+          </p:nvSpPr>
+          <p:spPr>
+            <a:xfrm>
+              <a:off x="1236117" y="4317295"/>
+              <a:ext cx="720000" cy="216000"/>
+            </a:xfrm>
+            <a:prstGeom prst="rect">
+              <a:avLst/>
+            </a:prstGeom>
+            <a:noFill/>
+            <a:ln>
+              <a:solidFill>
+                <a:schemeClr val="bg1"/>
+              </a:solidFill>
+            </a:ln>
+          </p:spPr>
+          <p:style>
+            <a:lnRef idx="2">
+              <a:schemeClr val="accent1">
+                <a:shade val="50000"/>
+              </a:schemeClr>
+            </a:lnRef>
+            <a:fillRef idx="1">
+              <a:schemeClr val="accent1"/>
+            </a:fillRef>
+            <a:effectRef idx="0">
+              <a:schemeClr val="accent1"/>
+            </a:effectRef>
+            <a:fontRef idx="minor">
+              <a:schemeClr val="lt1"/>
+            </a:fontRef>
+          </p:style>
+          <p:txBody>
+            <a:bodyPr rtlCol="0" anchor="ctr"/>
+            <a:lstStyle/>
+            <a:p>
+              <a:pPr algn="ctr"/>
+              <a:r>
+                <a:rPr lang="en-US" altLang="ko-KR" sz="1200" dirty="0">
+                  <a:latin typeface="삼성긴고딕OTF Medium" panose="020B0600000101010101" pitchFamily="34" charset="-127"/>
+                  <a:ea typeface="삼성긴고딕OTF Medium" panose="020B0600000101010101" pitchFamily="34" charset="-127"/>
+                </a:rPr>
+                <a:t>2</a:t>
+              </a:r>
+              <a:r>
+                <a:rPr lang="en-US" altLang="ko-KR" sz="1200" dirty="0" smtClean="0">
+                  <a:latin typeface="삼성긴고딕OTF Medium" panose="020B0600000101010101" pitchFamily="34" charset="-127"/>
+                  <a:ea typeface="삼성긴고딕OTF Medium" panose="020B0600000101010101" pitchFamily="34" charset="-127"/>
+                </a:rPr>
+                <a:t>0</a:t>
+              </a:r>
+              <a:endParaRPr lang="ko-KR" altLang="en-US" sz="1200" dirty="0">
+                <a:latin typeface="삼성긴고딕OTF Medium" panose="020B0600000101010101" pitchFamily="34" charset="-127"/>
+                <a:ea typeface="삼성긴고딕OTF Medium" panose="020B0600000101010101" pitchFamily="34" charset="-127"/>
+              </a:endParaRPr>
+            </a:p>
+          </p:txBody>
+        </p:sp>
+      </p:grpSp>
+    </p:spTree>
+    <p:extLst>
+      <p:ext uri="{BB962C8B-B14F-4D97-AF65-F5344CB8AC3E}">
+        <p14:creationId xmlns:p14="http://schemas.microsoft.com/office/powerpoint/2010/main" val="3161133254"/>
+      </p:ext>
+    </p:extLst>
+  </p:cSld>
+  <p:clrMapOvr>
+    <a:masterClrMapping/>
+  </p:clrMapOvr>
+  <p:timing>
+    <p:tnLst>
+      <p:par>
+        <p:cTn id="1" dur="indefinite" restart="never" nodeType="tmRoot"/>
+      </p:par>
+    </p:tnLst>
+  </p:timing>
+</p:sld>
+</file>
+
+<file path=ppt/slides/slide7.xml><?xml version="1.0" encoding="utf-8"?>
+<p:sld xmlns:a="http://schemas.openxmlformats.org/drawingml/2006/main" xmlns:r="http://schemas.openxmlformats.org/officeDocument/2006/relationships" xmlns:p="http://schemas.openxmlformats.org/presentationml/2006/main">
+  <p:cSld>
+    <p:spTree>
+      <p:nvGrpSpPr>
+        <p:cNvPr id="1" name=""/>
+        <p:cNvGrpSpPr/>
+        <p:nvPr/>
+      </p:nvGrpSpPr>
+      <p:grpSpPr>
+        <a:xfrm>
+          <a:off x="0" y="0"/>
+          <a:ext cx="0" cy="0"/>
+          <a:chOff x="0" y="0"/>
+          <a:chExt cx="0" cy="0"/>
+        </a:xfrm>
+      </p:grpSpPr>
+      <p:sp>
+        <p:nvSpPr>
+          <p:cNvPr id="40" name="직사각형 39"/>
+          <p:cNvSpPr/>
+          <p:nvPr/>
+        </p:nvSpPr>
+        <p:spPr>
+          <a:xfrm>
+            <a:off x="275779" y="440586"/>
+            <a:ext cx="3960000" cy="1440000"/>
+          </a:xfrm>
+          <a:prstGeom prst="rect">
+            <a:avLst/>
+          </a:prstGeom>
+          <a:solidFill>
+            <a:schemeClr val="bg1">
+              <a:lumMod val="95000"/>
+            </a:schemeClr>
+          </a:solidFill>
+          <a:ln>
+            <a:solidFill>
+              <a:schemeClr val="tx1"/>
+            </a:solidFill>
+          </a:ln>
+        </p:spPr>
+        <p:style>
+          <a:lnRef idx="2">
+            <a:schemeClr val="accent1">
+              <a:shade val="50000"/>
+            </a:schemeClr>
+          </a:lnRef>
+          <a:fillRef idx="1">
+            <a:schemeClr val="accent1"/>
+          </a:fillRef>
+          <a:effectRef idx="0">
+            <a:schemeClr val="accent1"/>
+          </a:effectRef>
+          <a:fontRef idx="minor">
+            <a:schemeClr val="lt1"/>
+          </a:fontRef>
+        </p:style>
+        <p:txBody>
+          <a:bodyPr rtlCol="0" anchor="t"/>
+          <a:lstStyle/>
+          <a:p>
+            <a:r>
+              <a:rPr lang="ko-KR" altLang="en-US" sz="1400" dirty="0" err="1" smtClean="0">
+                <a:solidFill>
+                  <a:schemeClr val="tx1"/>
+                </a:solidFill>
+                <a:latin typeface="삼성긴고딕OTF Medium" panose="020B0600000101010101" pitchFamily="34" charset="-127"/>
+                <a:ea typeface="삼성긴고딕OTF Medium" panose="020B0600000101010101" pitchFamily="34" charset="-127"/>
+              </a:rPr>
+              <a:t>스태틱</a:t>
+            </a:r>
+            <a:r>
+              <a:rPr lang="en-US" altLang="ko-KR" sz="1400" dirty="0" smtClean="0">
+                <a:solidFill>
+                  <a:schemeClr val="tx1"/>
+                </a:solidFill>
+                <a:latin typeface="삼성긴고딕OTF Medium" panose="020B0600000101010101" pitchFamily="34" charset="-127"/>
+                <a:ea typeface="삼성긴고딕OTF Medium" panose="020B0600000101010101" pitchFamily="34" charset="-127"/>
+              </a:rPr>
+              <a:t>(static</a:t>
+            </a:r>
+            <a:r>
+              <a:rPr lang="en-US" altLang="ko-KR" sz="1400" dirty="0" smtClean="0">
+                <a:solidFill>
+                  <a:schemeClr val="tx1"/>
+                </a:solidFill>
+                <a:latin typeface="삼성긴고딕OTF Medium" panose="020B0600000101010101" pitchFamily="34" charset="-127"/>
+                <a:ea typeface="삼성긴고딕OTF Medium" panose="020B0600000101010101" pitchFamily="34" charset="-127"/>
+              </a:rPr>
+              <a:t>) </a:t>
+            </a:r>
+            <a:r>
+              <a:rPr lang="ko-KR" altLang="en-US" sz="1400" dirty="0" smtClean="0">
+                <a:solidFill>
+                  <a:schemeClr val="tx1"/>
+                </a:solidFill>
+                <a:latin typeface="삼성긴고딕OTF Medium" panose="020B0600000101010101" pitchFamily="34" charset="-127"/>
+                <a:ea typeface="삼성긴고딕OTF Medium" panose="020B0600000101010101" pitchFamily="34" charset="-127"/>
+              </a:rPr>
+              <a:t>영역</a:t>
+            </a:r>
+            <a:endParaRPr lang="ko-KR" altLang="en-US" sz="1200" dirty="0">
+              <a:solidFill>
+                <a:srgbClr val="FF0000"/>
+              </a:solidFill>
+              <a:latin typeface="삼성긴고딕OTF Medium" panose="020B0600000101010101" pitchFamily="34" charset="-127"/>
+              <a:ea typeface="삼성긴고딕OTF Medium" panose="020B0600000101010101" pitchFamily="34" charset="-127"/>
+            </a:endParaRPr>
+          </a:p>
+        </p:txBody>
+      </p:sp>
+      <p:sp>
+        <p:nvSpPr>
+          <p:cNvPr id="41" name="직사각형 40"/>
+          <p:cNvSpPr/>
+          <p:nvPr/>
+        </p:nvSpPr>
+        <p:spPr>
+          <a:xfrm>
+            <a:off x="275779" y="1880586"/>
+            <a:ext cx="1980000" cy="2880000"/>
+          </a:xfrm>
+          <a:prstGeom prst="rect">
+            <a:avLst/>
+          </a:prstGeom>
+          <a:solidFill>
+            <a:schemeClr val="bg1">
+              <a:lumMod val="95000"/>
+            </a:schemeClr>
+          </a:solidFill>
+          <a:ln>
+            <a:solidFill>
+              <a:schemeClr val="tx1"/>
+            </a:solidFill>
+          </a:ln>
+        </p:spPr>
+        <p:style>
+          <a:lnRef idx="2">
+            <a:schemeClr val="accent1">
+              <a:shade val="50000"/>
+            </a:schemeClr>
+          </a:lnRef>
+          <a:fillRef idx="1">
+            <a:schemeClr val="accent1"/>
+          </a:fillRef>
+          <a:effectRef idx="0">
+            <a:schemeClr val="accent1"/>
+          </a:effectRef>
+          <a:fontRef idx="minor">
+            <a:schemeClr val="lt1"/>
+          </a:fontRef>
+        </p:style>
+        <p:txBody>
+          <a:bodyPr rtlCol="0" anchor="t"/>
+          <a:lstStyle/>
+          <a:p>
+            <a:r>
+              <a:rPr lang="ko-KR" altLang="en-US" sz="1400" dirty="0" smtClean="0">
+                <a:solidFill>
+                  <a:schemeClr val="tx1"/>
+                </a:solidFill>
+                <a:latin typeface="삼성긴고딕OTF Medium" panose="020B0600000101010101" pitchFamily="34" charset="-127"/>
+                <a:ea typeface="삼성긴고딕OTF Medium" panose="020B0600000101010101" pitchFamily="34" charset="-127"/>
+              </a:rPr>
+              <a:t>스택</a:t>
+            </a:r>
+            <a:r>
+              <a:rPr lang="en-US" altLang="ko-KR" sz="1400" dirty="0" smtClean="0">
+                <a:solidFill>
+                  <a:schemeClr val="tx1"/>
+                </a:solidFill>
+                <a:latin typeface="삼성긴고딕OTF Medium" panose="020B0600000101010101" pitchFamily="34" charset="-127"/>
+                <a:ea typeface="삼성긴고딕OTF Medium" panose="020B0600000101010101" pitchFamily="34" charset="-127"/>
+              </a:rPr>
+              <a:t>(stack</a:t>
+            </a:r>
+            <a:r>
+              <a:rPr lang="en-US" altLang="ko-KR" sz="1400" dirty="0" smtClean="0">
+                <a:solidFill>
+                  <a:schemeClr val="tx1"/>
+                </a:solidFill>
+                <a:latin typeface="삼성긴고딕OTF Medium" panose="020B0600000101010101" pitchFamily="34" charset="-127"/>
+                <a:ea typeface="삼성긴고딕OTF Medium" panose="020B0600000101010101" pitchFamily="34" charset="-127"/>
+              </a:rPr>
+              <a:t>) </a:t>
+            </a:r>
+            <a:r>
+              <a:rPr lang="ko-KR" altLang="en-US" sz="1400" dirty="0" smtClean="0">
+                <a:solidFill>
+                  <a:schemeClr val="tx1"/>
+                </a:solidFill>
+                <a:latin typeface="삼성긴고딕OTF Medium" panose="020B0600000101010101" pitchFamily="34" charset="-127"/>
+                <a:ea typeface="삼성긴고딕OTF Medium" panose="020B0600000101010101" pitchFamily="34" charset="-127"/>
+              </a:rPr>
+              <a:t>영역</a:t>
+            </a:r>
+          </a:p>
+        </p:txBody>
+      </p:sp>
+      <p:sp>
+        <p:nvSpPr>
+          <p:cNvPr id="42" name="직사각형 41"/>
+          <p:cNvSpPr/>
+          <p:nvPr/>
+        </p:nvSpPr>
+        <p:spPr>
+          <a:xfrm>
+            <a:off x="2255779" y="1880586"/>
+            <a:ext cx="1980000" cy="2880000"/>
+          </a:xfrm>
+          <a:prstGeom prst="rect">
+            <a:avLst/>
+          </a:prstGeom>
+          <a:solidFill>
+            <a:schemeClr val="bg1">
+              <a:lumMod val="95000"/>
+            </a:schemeClr>
+          </a:solidFill>
+          <a:ln>
+            <a:solidFill>
+              <a:schemeClr val="tx1"/>
+            </a:solidFill>
+          </a:ln>
+        </p:spPr>
+        <p:style>
+          <a:lnRef idx="2">
+            <a:schemeClr val="accent1">
+              <a:shade val="50000"/>
+            </a:schemeClr>
+          </a:lnRef>
+          <a:fillRef idx="1">
+            <a:schemeClr val="accent1"/>
+          </a:fillRef>
+          <a:effectRef idx="0">
+            <a:schemeClr val="accent1"/>
+          </a:effectRef>
+          <a:fontRef idx="minor">
+            <a:schemeClr val="lt1"/>
+          </a:fontRef>
+        </p:style>
+        <p:txBody>
+          <a:bodyPr rtlCol="0" anchor="t"/>
+          <a:lstStyle/>
+          <a:p>
+            <a:r>
+              <a:rPr lang="ko-KR" altLang="en-US" sz="1400" dirty="0" err="1" smtClean="0">
+                <a:solidFill>
+                  <a:schemeClr val="tx1"/>
+                </a:solidFill>
+                <a:latin typeface="삼성긴고딕OTF Medium" panose="020B0600000101010101" pitchFamily="34" charset="-127"/>
+                <a:ea typeface="삼성긴고딕OTF Medium" panose="020B0600000101010101" pitchFamily="34" charset="-127"/>
+              </a:rPr>
+              <a:t>힙</a:t>
+            </a:r>
+            <a:r>
+              <a:rPr lang="en-US" altLang="ko-KR" sz="1400" dirty="0" smtClean="0">
+                <a:solidFill>
+                  <a:schemeClr val="tx1"/>
+                </a:solidFill>
+                <a:latin typeface="삼성긴고딕OTF Medium" panose="020B0600000101010101" pitchFamily="34" charset="-127"/>
+                <a:ea typeface="삼성긴고딕OTF Medium" panose="020B0600000101010101" pitchFamily="34" charset="-127"/>
+              </a:rPr>
+              <a:t>(heap</a:t>
+            </a:r>
+            <a:r>
+              <a:rPr lang="en-US" altLang="ko-KR" sz="1400" dirty="0" smtClean="0">
+                <a:solidFill>
+                  <a:schemeClr val="tx1"/>
+                </a:solidFill>
+                <a:latin typeface="삼성긴고딕OTF Medium" panose="020B0600000101010101" pitchFamily="34" charset="-127"/>
+                <a:ea typeface="삼성긴고딕OTF Medium" panose="020B0600000101010101" pitchFamily="34" charset="-127"/>
+              </a:rPr>
+              <a:t>) </a:t>
+            </a:r>
+            <a:r>
+              <a:rPr lang="ko-KR" altLang="en-US" sz="1400" dirty="0" smtClean="0">
+                <a:solidFill>
+                  <a:schemeClr val="tx1"/>
+                </a:solidFill>
+                <a:latin typeface="삼성긴고딕OTF Medium" panose="020B0600000101010101" pitchFamily="34" charset="-127"/>
+                <a:ea typeface="삼성긴고딕OTF Medium" panose="020B0600000101010101" pitchFamily="34" charset="-127"/>
+              </a:rPr>
+              <a:t>영역</a:t>
+            </a:r>
+            <a:endParaRPr lang="ko-KR" altLang="en-US" sz="1200" dirty="0">
+              <a:solidFill>
+                <a:srgbClr val="FF0000"/>
+              </a:solidFill>
+              <a:latin typeface="삼성긴고딕OTF Medium" panose="020B0600000101010101" pitchFamily="34" charset="-127"/>
+              <a:ea typeface="삼성긴고딕OTF Medium" panose="020B0600000101010101" pitchFamily="34" charset="-127"/>
+            </a:endParaRPr>
+          </a:p>
+        </p:txBody>
+      </p:sp>
+      <p:sp>
+        <p:nvSpPr>
+          <p:cNvPr id="43" name="직사각형 42"/>
+          <p:cNvSpPr/>
+          <p:nvPr/>
+        </p:nvSpPr>
+        <p:spPr>
+          <a:xfrm>
+            <a:off x="571101" y="862597"/>
+            <a:ext cx="1027944" cy="360000"/>
+          </a:xfrm>
+          <a:prstGeom prst="rect">
+            <a:avLst/>
+          </a:prstGeom>
+          <a:solidFill>
+            <a:srgbClr val="1D75E5"/>
+          </a:solidFill>
+          <a:ln>
+            <a:noFill/>
+          </a:ln>
+          <a:effectLst>
+            <a:outerShdw blurRad="50800" dist="38100" dir="2700000" algn="tl" rotWithShape="0">
+              <a:prstClr val="black">
+                <a:alpha val="40000"/>
+              </a:prstClr>
+            </a:outerShdw>
+          </a:effectLst>
+        </p:spPr>
+        <p:style>
+          <a:lnRef idx="2">
+            <a:schemeClr val="accent1">
+              <a:shade val="50000"/>
+            </a:schemeClr>
+          </a:lnRef>
+          <a:fillRef idx="1">
+            <a:schemeClr val="accent1"/>
+          </a:fillRef>
+          <a:effectRef idx="0">
+            <a:schemeClr val="accent1"/>
+          </a:effectRef>
+          <a:fontRef idx="minor">
+            <a:schemeClr val="lt1"/>
+          </a:fontRef>
+        </p:style>
+        <p:txBody>
+          <a:bodyPr rtlCol="0" anchor="ctr"/>
+          <a:lstStyle/>
+          <a:p>
+            <a:pPr algn="ctr">
+              <a:lnSpc>
+                <a:spcPct val="120000"/>
+              </a:lnSpc>
+            </a:pPr>
+            <a:r>
+              <a:rPr lang="en-US" altLang="ko-KR" sz="1400" dirty="0" err="1" smtClean="0">
+                <a:solidFill>
+                  <a:schemeClr val="bg1"/>
+                </a:solidFill>
+                <a:latin typeface="삼성긴고딕OTF Bold" panose="020B0600000101010101" pitchFamily="34" charset="-127"/>
+                <a:ea typeface="삼성긴고딕OTF Bold" panose="020B0600000101010101" pitchFamily="34" charset="-127"/>
+              </a:rPr>
+              <a:t>java.lang</a:t>
+            </a:r>
+            <a:endParaRPr lang="ko-KR" altLang="en-US" sz="1400" dirty="0">
+              <a:solidFill>
+                <a:schemeClr val="bg1"/>
+              </a:solidFill>
+              <a:latin typeface="삼성긴고딕OTF Bold" panose="020B0600000101010101" pitchFamily="34" charset="-127"/>
+              <a:ea typeface="삼성긴고딕OTF Bold" panose="020B0600000101010101" pitchFamily="34" charset="-127"/>
+            </a:endParaRPr>
+          </a:p>
+        </p:txBody>
+      </p:sp>
+      <p:sp>
+        <p:nvSpPr>
+          <p:cNvPr id="44" name="직사각형 43"/>
+          <p:cNvSpPr/>
+          <p:nvPr/>
+        </p:nvSpPr>
+        <p:spPr>
+          <a:xfrm>
+            <a:off x="2424159" y="862597"/>
+            <a:ext cx="1620000" cy="360000"/>
+          </a:xfrm>
+          <a:prstGeom prst="rect">
+            <a:avLst/>
+          </a:prstGeom>
+          <a:solidFill>
+            <a:srgbClr val="1D75E5"/>
+          </a:solidFill>
+          <a:ln>
+            <a:noFill/>
+          </a:ln>
+          <a:effectLst>
+            <a:outerShdw blurRad="50800" dist="38100" dir="2700000" algn="tl" rotWithShape="0">
+              <a:prstClr val="black">
+                <a:alpha val="40000"/>
+              </a:prstClr>
+            </a:outerShdw>
+          </a:effectLst>
+        </p:spPr>
+        <p:style>
+          <a:lnRef idx="2">
+            <a:schemeClr val="accent1">
+              <a:shade val="50000"/>
+            </a:schemeClr>
+          </a:lnRef>
+          <a:fillRef idx="1">
+            <a:schemeClr val="accent1"/>
+          </a:fillRef>
+          <a:effectRef idx="0">
+            <a:schemeClr val="accent1"/>
+          </a:effectRef>
+          <a:fontRef idx="minor">
+            <a:schemeClr val="lt1"/>
+          </a:fontRef>
+        </p:style>
+        <p:txBody>
+          <a:bodyPr rtlCol="0" anchor="ctr"/>
+          <a:lstStyle/>
+          <a:p>
+            <a:pPr algn="ctr">
+              <a:lnSpc>
+                <a:spcPct val="120000"/>
+              </a:lnSpc>
+            </a:pPr>
+            <a:r>
+              <a:rPr lang="en-US" altLang="ko-KR" sz="1400" dirty="0" smtClean="0">
+                <a:solidFill>
+                  <a:schemeClr val="bg1"/>
+                </a:solidFill>
+                <a:latin typeface="삼성긴고딕OTF Bold" panose="020B0600000101010101" pitchFamily="34" charset="-127"/>
+                <a:ea typeface="삼성긴고딕OTF Bold" panose="020B0600000101010101" pitchFamily="34" charset="-127"/>
+              </a:rPr>
+              <a:t>Test</a:t>
+            </a:r>
+            <a:endParaRPr lang="ko-KR" altLang="en-US" sz="1400" dirty="0">
+              <a:solidFill>
+                <a:schemeClr val="bg1"/>
+              </a:solidFill>
+              <a:latin typeface="삼성긴고딕OTF Bold" panose="020B0600000101010101" pitchFamily="34" charset="-127"/>
+              <a:ea typeface="삼성긴고딕OTF Bold" panose="020B0600000101010101" pitchFamily="34" charset="-127"/>
+            </a:endParaRPr>
+          </a:p>
+        </p:txBody>
+      </p:sp>
+      <p:sp>
+        <p:nvSpPr>
+          <p:cNvPr id="45" name="직사각형 44"/>
+          <p:cNvSpPr/>
+          <p:nvPr/>
+        </p:nvSpPr>
+        <p:spPr>
+          <a:xfrm>
+            <a:off x="2424159" y="1274316"/>
+            <a:ext cx="1620000" cy="360000"/>
+          </a:xfrm>
+          <a:prstGeom prst="rect">
+            <a:avLst/>
+          </a:prstGeom>
+          <a:solidFill>
+            <a:srgbClr val="1D75E5"/>
+          </a:solidFill>
+          <a:ln>
+            <a:noFill/>
+          </a:ln>
+          <a:effectLst>
+            <a:outerShdw blurRad="50800" dist="38100" dir="2700000" algn="tl" rotWithShape="0">
+              <a:prstClr val="black">
+                <a:alpha val="40000"/>
+              </a:prstClr>
+            </a:outerShdw>
+          </a:effectLst>
+        </p:spPr>
+        <p:style>
+          <a:lnRef idx="2">
+            <a:schemeClr val="accent1">
+              <a:shade val="50000"/>
+            </a:schemeClr>
+          </a:lnRef>
+          <a:fillRef idx="1">
+            <a:schemeClr val="accent1"/>
+          </a:fillRef>
+          <a:effectRef idx="0">
+            <a:schemeClr val="accent1"/>
+          </a:effectRef>
+          <a:fontRef idx="minor">
+            <a:schemeClr val="lt1"/>
+          </a:fontRef>
+        </p:style>
+        <p:txBody>
+          <a:bodyPr rtlCol="0" anchor="ctr"/>
+          <a:lstStyle/>
+          <a:p>
+            <a:pPr algn="ctr">
+              <a:lnSpc>
+                <a:spcPct val="120000"/>
+              </a:lnSpc>
+            </a:pPr>
+            <a:r>
+              <a:rPr lang="en-US" altLang="ko-KR" sz="1200" dirty="0" smtClean="0">
+                <a:solidFill>
+                  <a:schemeClr val="bg1"/>
+                </a:solidFill>
+                <a:latin typeface="삼성긴고딕OTF Bold" panose="020B0600000101010101" pitchFamily="34" charset="-127"/>
+                <a:ea typeface="삼성긴고딕OTF Bold" panose="020B0600000101010101" pitchFamily="34" charset="-127"/>
+              </a:rPr>
+              <a:t>main(</a:t>
+            </a:r>
+            <a:r>
+              <a:rPr lang="en-US" altLang="ko-KR" sz="1200" dirty="0" err="1" smtClean="0">
+                <a:solidFill>
+                  <a:schemeClr val="bg1"/>
+                </a:solidFill>
+                <a:latin typeface="삼성긴고딕OTF Bold" panose="020B0600000101010101" pitchFamily="34" charset="-127"/>
+                <a:ea typeface="삼성긴고딕OTF Bold" panose="020B0600000101010101" pitchFamily="34" charset="-127"/>
+              </a:rPr>
+              <a:t>args</a:t>
+            </a:r>
+            <a:r>
+              <a:rPr lang="en-US" altLang="ko-KR" sz="1200" dirty="0" smtClean="0">
+                <a:solidFill>
+                  <a:schemeClr val="bg1"/>
+                </a:solidFill>
+                <a:latin typeface="삼성긴고딕OTF Bold" panose="020B0600000101010101" pitchFamily="34" charset="-127"/>
+                <a:ea typeface="삼성긴고딕OTF Bold" panose="020B0600000101010101" pitchFamily="34" charset="-127"/>
+              </a:rPr>
+              <a:t>: String[])</a:t>
+            </a:r>
+            <a:endParaRPr lang="ko-KR" altLang="en-US" sz="1200" dirty="0">
+              <a:solidFill>
+                <a:schemeClr val="bg1"/>
+              </a:solidFill>
+              <a:latin typeface="삼성긴고딕OTF Bold" panose="020B0600000101010101" pitchFamily="34" charset="-127"/>
+              <a:ea typeface="삼성긴고딕OTF Bold" panose="020B0600000101010101" pitchFamily="34" charset="-127"/>
+            </a:endParaRPr>
+          </a:p>
+        </p:txBody>
+      </p:sp>
+      <p:sp>
+        <p:nvSpPr>
+          <p:cNvPr id="46" name="직사각형 45"/>
+          <p:cNvSpPr/>
+          <p:nvPr/>
+        </p:nvSpPr>
+        <p:spPr>
+          <a:xfrm>
+            <a:off x="455779" y="2276586"/>
+            <a:ext cx="1620000" cy="2389418"/>
+          </a:xfrm>
+          <a:prstGeom prst="rect">
+            <a:avLst/>
+          </a:prstGeom>
+          <a:solidFill>
+            <a:schemeClr val="accent4">
+              <a:lumMod val="60000"/>
+              <a:lumOff val="40000"/>
+            </a:schemeClr>
+          </a:solidFill>
+          <a:ln>
+            <a:noFill/>
+          </a:ln>
+          <a:effectLst>
+            <a:outerShdw blurRad="50800" dist="38100" dir="2700000" algn="tl" rotWithShape="0">
+              <a:prstClr val="black">
+                <a:alpha val="40000"/>
+              </a:prstClr>
+            </a:outerShdw>
+          </a:effectLst>
+        </p:spPr>
+        <p:style>
+          <a:lnRef idx="2">
+            <a:schemeClr val="accent1">
+              <a:shade val="50000"/>
+            </a:schemeClr>
+          </a:lnRef>
+          <a:fillRef idx="1">
+            <a:schemeClr val="accent1"/>
+          </a:fillRef>
+          <a:effectRef idx="0">
+            <a:schemeClr val="accent1"/>
+          </a:effectRef>
+          <a:fontRef idx="minor">
+            <a:schemeClr val="lt1"/>
+          </a:fontRef>
+        </p:style>
+        <p:txBody>
+          <a:bodyPr rtlCol="0" anchor="t"/>
+          <a:lstStyle/>
+          <a:p>
+            <a:pPr algn="ctr">
+              <a:lnSpc>
+                <a:spcPct val="120000"/>
+              </a:lnSpc>
+            </a:pPr>
+            <a:r>
+              <a:rPr lang="en-US" altLang="ko-KR" sz="1400" dirty="0" smtClean="0">
+                <a:solidFill>
+                  <a:schemeClr val="bg1"/>
+                </a:solidFill>
+                <a:latin typeface="삼성긴고딕OTF Bold" panose="020B0600000101010101" pitchFamily="34" charset="-127"/>
+                <a:ea typeface="삼성긴고딕OTF Bold" panose="020B0600000101010101" pitchFamily="34" charset="-127"/>
+              </a:rPr>
+              <a:t>main() </a:t>
+            </a:r>
+            <a:r>
+              <a:rPr lang="ko-KR" altLang="en-US" sz="1400" dirty="0" smtClean="0">
+                <a:solidFill>
+                  <a:schemeClr val="bg1"/>
+                </a:solidFill>
+                <a:latin typeface="삼성긴고딕OTF Bold" panose="020B0600000101010101" pitchFamily="34" charset="-127"/>
+                <a:ea typeface="삼성긴고딕OTF Bold" panose="020B0600000101010101" pitchFamily="34" charset="-127"/>
+              </a:rPr>
+              <a:t>스택 프레임</a:t>
+            </a:r>
+            <a:endParaRPr lang="ko-KR" altLang="en-US" sz="1400" dirty="0">
+              <a:solidFill>
+                <a:schemeClr val="bg1"/>
+              </a:solidFill>
+              <a:latin typeface="삼성긴고딕OTF Bold" panose="020B0600000101010101" pitchFamily="34" charset="-127"/>
+              <a:ea typeface="삼성긴고딕OTF Bold" panose="020B0600000101010101" pitchFamily="34" charset="-127"/>
+            </a:endParaRPr>
+          </a:p>
+        </p:txBody>
+      </p:sp>
+      <p:grpSp>
+        <p:nvGrpSpPr>
+          <p:cNvPr id="47" name="그룹 46"/>
+          <p:cNvGrpSpPr/>
+          <p:nvPr/>
+        </p:nvGrpSpPr>
+        <p:grpSpPr>
+          <a:xfrm>
+            <a:off x="545779" y="4281295"/>
+            <a:ext cx="1440000" cy="288000"/>
+            <a:chOff x="726222" y="4281295"/>
+            <a:chExt cx="1440000" cy="288000"/>
+          </a:xfrm>
+        </p:grpSpPr>
+        <p:sp>
+          <p:nvSpPr>
+            <p:cNvPr id="48" name="직사각형 47"/>
+            <p:cNvSpPr/>
+            <p:nvPr/>
+          </p:nvSpPr>
+          <p:spPr>
+            <a:xfrm>
+              <a:off x="726222" y="4281295"/>
+              <a:ext cx="1440000" cy="288000"/>
+            </a:xfrm>
+            <a:prstGeom prst="rect">
+              <a:avLst/>
+            </a:prstGeom>
+            <a:solidFill>
+              <a:schemeClr val="accent4">
+                <a:lumMod val="40000"/>
+                <a:lumOff val="60000"/>
+              </a:schemeClr>
+            </a:solidFill>
+            <a:ln>
+              <a:noFill/>
+            </a:ln>
+            <a:effectLst>
+              <a:outerShdw blurRad="50800" dist="38100" dir="2700000" algn="tl" rotWithShape="0">
+                <a:prstClr val="black">
+                  <a:alpha val="40000"/>
+                </a:prstClr>
+              </a:outerShdw>
+            </a:effectLst>
+          </p:spPr>
+          <p:style>
+            <a:lnRef idx="2">
+              <a:schemeClr val="accent1">
+                <a:shade val="50000"/>
+              </a:schemeClr>
+            </a:lnRef>
+            <a:fillRef idx="1">
+              <a:schemeClr val="accent1"/>
+            </a:fillRef>
+            <a:effectRef idx="0">
+              <a:schemeClr val="accent1"/>
+            </a:effectRef>
+            <a:fontRef idx="minor">
+              <a:schemeClr val="lt1"/>
+            </a:fontRef>
+          </p:style>
+          <p:txBody>
+            <a:bodyPr rtlCol="0" anchor="ctr"/>
+            <a:lstStyle/>
+            <a:p>
+              <a:pPr>
+                <a:lnSpc>
+                  <a:spcPct val="120000"/>
+                </a:lnSpc>
+              </a:pPr>
+              <a:r>
+                <a:rPr lang="en-US" altLang="ko-KR" sz="1200" dirty="0" err="1" smtClean="0">
+                  <a:solidFill>
+                    <a:schemeClr val="bg1"/>
+                  </a:solidFill>
+                  <a:latin typeface="삼성긴고딕OTF Bold" panose="020B0600000101010101" pitchFamily="34" charset="-127"/>
+                  <a:ea typeface="삼성긴고딕OTF Bold" panose="020B0600000101010101" pitchFamily="34" charset="-127"/>
+                </a:rPr>
+                <a:t>args</a:t>
+              </a:r>
+              <a:endParaRPr lang="ko-KR" altLang="en-US" sz="1200" dirty="0">
+                <a:solidFill>
+                  <a:schemeClr val="bg1"/>
+                </a:solidFill>
+                <a:latin typeface="삼성긴고딕OTF Bold" panose="020B0600000101010101" pitchFamily="34" charset="-127"/>
+                <a:ea typeface="삼성긴고딕OTF Bold" panose="020B0600000101010101" pitchFamily="34" charset="-127"/>
+              </a:endParaRPr>
+            </a:p>
+          </p:txBody>
+        </p:sp>
+        <p:sp>
+          <p:nvSpPr>
+            <p:cNvPr id="49" name="직사각형 48"/>
+            <p:cNvSpPr/>
+            <p:nvPr/>
+          </p:nvSpPr>
+          <p:spPr>
+            <a:xfrm>
+              <a:off x="1236117" y="4317295"/>
+              <a:ext cx="720000" cy="216000"/>
+            </a:xfrm>
+            <a:prstGeom prst="rect">
+              <a:avLst/>
+            </a:prstGeom>
+            <a:noFill/>
+            <a:ln>
+              <a:solidFill>
+                <a:schemeClr val="bg1"/>
+              </a:solidFill>
+            </a:ln>
+          </p:spPr>
+          <p:style>
+            <a:lnRef idx="2">
+              <a:schemeClr val="accent1">
+                <a:shade val="50000"/>
+              </a:schemeClr>
+            </a:lnRef>
+            <a:fillRef idx="1">
+              <a:schemeClr val="accent1"/>
+            </a:fillRef>
+            <a:effectRef idx="0">
+              <a:schemeClr val="accent1"/>
+            </a:effectRef>
+            <a:fontRef idx="minor">
+              <a:schemeClr val="lt1"/>
+            </a:fontRef>
+          </p:style>
+          <p:txBody>
+            <a:bodyPr rtlCol="0" anchor="ctr"/>
+            <a:lstStyle/>
+            <a:p>
+              <a:pPr algn="ctr"/>
+              <a:endParaRPr lang="ko-KR" altLang="en-US" dirty="0">
+                <a:latin typeface="삼성긴고딕OTF Medium" panose="020B0600000101010101" pitchFamily="34" charset="-127"/>
+                <a:ea typeface="삼성긴고딕OTF Medium" panose="020B0600000101010101" pitchFamily="34" charset="-127"/>
+              </a:endParaRPr>
+            </a:p>
+          </p:txBody>
+        </p:sp>
+      </p:grpSp>
+      <p:grpSp>
+        <p:nvGrpSpPr>
+          <p:cNvPr id="50" name="그룹 49"/>
+          <p:cNvGrpSpPr/>
+          <p:nvPr/>
+        </p:nvGrpSpPr>
+        <p:grpSpPr>
+          <a:xfrm>
+            <a:off x="545779" y="3901479"/>
+            <a:ext cx="1440000" cy="288000"/>
+            <a:chOff x="726222" y="4281295"/>
+            <a:chExt cx="1440000" cy="288000"/>
+          </a:xfrm>
+        </p:grpSpPr>
+        <p:sp>
+          <p:nvSpPr>
+            <p:cNvPr id="51" name="직사각형 50"/>
+            <p:cNvSpPr/>
+            <p:nvPr/>
+          </p:nvSpPr>
+          <p:spPr>
+            <a:xfrm>
+              <a:off x="726222" y="4281295"/>
+              <a:ext cx="1440000" cy="288000"/>
+            </a:xfrm>
+            <a:prstGeom prst="rect">
+              <a:avLst/>
+            </a:prstGeom>
+            <a:solidFill>
+              <a:schemeClr val="accent4">
+                <a:lumMod val="40000"/>
+                <a:lumOff val="60000"/>
+              </a:schemeClr>
+            </a:solidFill>
+            <a:ln>
+              <a:noFill/>
+            </a:ln>
+            <a:effectLst>
+              <a:outerShdw blurRad="50800" dist="38100" dir="2700000" algn="tl" rotWithShape="0">
+                <a:prstClr val="black">
+                  <a:alpha val="40000"/>
+                </a:prstClr>
+              </a:outerShdw>
+            </a:effectLst>
+          </p:spPr>
+          <p:style>
+            <a:lnRef idx="2">
+              <a:schemeClr val="accent1">
+                <a:shade val="50000"/>
+              </a:schemeClr>
+            </a:lnRef>
+            <a:fillRef idx="1">
+              <a:schemeClr val="accent1"/>
+            </a:fillRef>
+            <a:effectRef idx="0">
+              <a:schemeClr val="accent1"/>
+            </a:effectRef>
+            <a:fontRef idx="minor">
+              <a:schemeClr val="lt1"/>
+            </a:fontRef>
+          </p:style>
+          <p:txBody>
+            <a:bodyPr rtlCol="0" anchor="ctr"/>
+            <a:lstStyle/>
+            <a:p>
+              <a:pPr>
+                <a:lnSpc>
+                  <a:spcPct val="120000"/>
+                </a:lnSpc>
+              </a:pPr>
+              <a:r>
+                <a:rPr lang="en-US" altLang="ko-KR" sz="1200" dirty="0" err="1" smtClean="0">
+                  <a:solidFill>
+                    <a:schemeClr val="bg1"/>
+                  </a:solidFill>
+                  <a:latin typeface="삼성긴고딕OTF Bold" panose="020B0600000101010101" pitchFamily="34" charset="-127"/>
+                  <a:ea typeface="삼성긴고딕OTF Bold" panose="020B0600000101010101" pitchFamily="34" charset="-127"/>
+                </a:rPr>
+                <a:t>i</a:t>
+              </a:r>
+              <a:endParaRPr lang="ko-KR" altLang="en-US" sz="1200" dirty="0">
+                <a:solidFill>
+                  <a:schemeClr val="bg1"/>
+                </a:solidFill>
+                <a:latin typeface="삼성긴고딕OTF Bold" panose="020B0600000101010101" pitchFamily="34" charset="-127"/>
+                <a:ea typeface="삼성긴고딕OTF Bold" panose="020B0600000101010101" pitchFamily="34" charset="-127"/>
+              </a:endParaRPr>
+            </a:p>
+          </p:txBody>
+        </p:sp>
+        <p:sp>
+          <p:nvSpPr>
+            <p:cNvPr id="52" name="직사각형 51"/>
+            <p:cNvSpPr/>
+            <p:nvPr/>
+          </p:nvSpPr>
+          <p:spPr>
+            <a:xfrm>
+              <a:off x="1236117" y="4317295"/>
+              <a:ext cx="720000" cy="216000"/>
+            </a:xfrm>
+            <a:prstGeom prst="rect">
+              <a:avLst/>
+            </a:prstGeom>
+            <a:noFill/>
+            <a:ln>
+              <a:solidFill>
+                <a:schemeClr val="bg1"/>
+              </a:solidFill>
+            </a:ln>
+          </p:spPr>
+          <p:style>
+            <a:lnRef idx="2">
+              <a:schemeClr val="accent1">
+                <a:shade val="50000"/>
+              </a:schemeClr>
+            </a:lnRef>
+            <a:fillRef idx="1">
+              <a:schemeClr val="accent1"/>
+            </a:fillRef>
+            <a:effectRef idx="0">
+              <a:schemeClr val="accent1"/>
+            </a:effectRef>
+            <a:fontRef idx="minor">
+              <a:schemeClr val="lt1"/>
+            </a:fontRef>
+          </p:style>
+          <p:txBody>
+            <a:bodyPr rtlCol="0" anchor="ctr"/>
+            <a:lstStyle/>
+            <a:p>
+              <a:pPr algn="ctr"/>
+              <a:r>
+                <a:rPr lang="en-US" altLang="ko-KR" sz="1200" dirty="0" smtClean="0">
+                  <a:latin typeface="삼성긴고딕OTF Medium" panose="020B0600000101010101" pitchFamily="34" charset="-127"/>
+                  <a:ea typeface="삼성긴고딕OTF Medium" panose="020B0600000101010101" pitchFamily="34" charset="-127"/>
+                </a:rPr>
+                <a:t>10</a:t>
+              </a:r>
+              <a:endParaRPr lang="ko-KR" altLang="en-US" sz="1200" dirty="0">
+                <a:latin typeface="삼성긴고딕OTF Medium" panose="020B0600000101010101" pitchFamily="34" charset="-127"/>
+                <a:ea typeface="삼성긴고딕OTF Medium" panose="020B0600000101010101" pitchFamily="34" charset="-127"/>
+              </a:endParaRPr>
+            </a:p>
+          </p:txBody>
+        </p:sp>
+      </p:grpSp>
+      <p:grpSp>
+        <p:nvGrpSpPr>
+          <p:cNvPr id="53" name="그룹 52"/>
+          <p:cNvGrpSpPr/>
+          <p:nvPr/>
+        </p:nvGrpSpPr>
+        <p:grpSpPr>
+          <a:xfrm>
+            <a:off x="545779" y="3516770"/>
+            <a:ext cx="1440000" cy="288000"/>
+            <a:chOff x="726222" y="4281295"/>
+            <a:chExt cx="1440000" cy="288000"/>
+          </a:xfrm>
+        </p:grpSpPr>
+        <p:sp>
+          <p:nvSpPr>
+            <p:cNvPr id="54" name="직사각형 53"/>
+            <p:cNvSpPr/>
+            <p:nvPr/>
+          </p:nvSpPr>
+          <p:spPr>
+            <a:xfrm>
+              <a:off x="726222" y="4281295"/>
+              <a:ext cx="1440000" cy="288000"/>
+            </a:xfrm>
+            <a:prstGeom prst="rect">
+              <a:avLst/>
+            </a:prstGeom>
+            <a:solidFill>
+              <a:schemeClr val="accent4">
+                <a:lumMod val="40000"/>
+                <a:lumOff val="60000"/>
+              </a:schemeClr>
+            </a:solidFill>
+            <a:ln>
+              <a:noFill/>
+            </a:ln>
+            <a:effectLst>
+              <a:outerShdw blurRad="50800" dist="38100" dir="2700000" algn="tl" rotWithShape="0">
+                <a:prstClr val="black">
+                  <a:alpha val="40000"/>
+                </a:prstClr>
+              </a:outerShdw>
+            </a:effectLst>
+          </p:spPr>
+          <p:style>
+            <a:lnRef idx="2">
+              <a:schemeClr val="accent1">
+                <a:shade val="50000"/>
+              </a:schemeClr>
+            </a:lnRef>
+            <a:fillRef idx="1">
+              <a:schemeClr val="accent1"/>
+            </a:fillRef>
+            <a:effectRef idx="0">
+              <a:schemeClr val="accent1"/>
+            </a:effectRef>
+            <a:fontRef idx="minor">
+              <a:schemeClr val="lt1"/>
+            </a:fontRef>
+          </p:style>
+          <p:txBody>
+            <a:bodyPr rtlCol="0" anchor="ctr"/>
+            <a:lstStyle/>
+            <a:p>
+              <a:pPr>
+                <a:lnSpc>
+                  <a:spcPct val="120000"/>
+                </a:lnSpc>
+              </a:pPr>
+              <a:r>
+                <a:rPr lang="en-US" altLang="ko-KR" sz="1200" dirty="0" err="1" smtClean="0">
+                  <a:solidFill>
+                    <a:schemeClr val="bg1"/>
+                  </a:solidFill>
+                  <a:latin typeface="삼성긴고딕OTF Bold" panose="020B0600000101010101" pitchFamily="34" charset="-127"/>
+                  <a:ea typeface="삼성긴고딕OTF Bold" panose="020B0600000101010101" pitchFamily="34" charset="-127"/>
+                </a:rPr>
+                <a:t>j</a:t>
+              </a:r>
+              <a:endParaRPr lang="ko-KR" altLang="en-US" sz="1200" dirty="0">
+                <a:solidFill>
+                  <a:schemeClr val="bg1"/>
+                </a:solidFill>
+                <a:latin typeface="삼성긴고딕OTF Bold" panose="020B0600000101010101" pitchFamily="34" charset="-127"/>
+                <a:ea typeface="삼성긴고딕OTF Bold" panose="020B0600000101010101" pitchFamily="34" charset="-127"/>
+              </a:endParaRPr>
+            </a:p>
+          </p:txBody>
+        </p:sp>
+        <p:sp>
+          <p:nvSpPr>
+            <p:cNvPr id="55" name="직사각형 54"/>
+            <p:cNvSpPr/>
+            <p:nvPr/>
+          </p:nvSpPr>
+          <p:spPr>
+            <a:xfrm>
+              <a:off x="1236117" y="4317295"/>
+              <a:ext cx="720000" cy="216000"/>
+            </a:xfrm>
+            <a:prstGeom prst="rect">
+              <a:avLst/>
+            </a:prstGeom>
+            <a:noFill/>
+            <a:ln>
+              <a:solidFill>
+                <a:schemeClr val="bg1"/>
+              </a:solidFill>
+            </a:ln>
+          </p:spPr>
+          <p:style>
+            <a:lnRef idx="2">
+              <a:schemeClr val="accent1">
+                <a:shade val="50000"/>
+              </a:schemeClr>
+            </a:lnRef>
+            <a:fillRef idx="1">
+              <a:schemeClr val="accent1"/>
+            </a:fillRef>
+            <a:effectRef idx="0">
+              <a:schemeClr val="accent1"/>
+            </a:effectRef>
+            <a:fontRef idx="minor">
+              <a:schemeClr val="lt1"/>
+            </a:fontRef>
+          </p:style>
+          <p:txBody>
+            <a:bodyPr rtlCol="0" anchor="ctr"/>
+            <a:lstStyle/>
+            <a:p>
+              <a:pPr algn="ctr"/>
+              <a:r>
+                <a:rPr lang="en-US" altLang="ko-KR" sz="1200" dirty="0">
+                  <a:latin typeface="삼성긴고딕OTF Medium" panose="020B0600000101010101" pitchFamily="34" charset="-127"/>
+                  <a:ea typeface="삼성긴고딕OTF Medium" panose="020B0600000101010101" pitchFamily="34" charset="-127"/>
+                </a:rPr>
+                <a:t>2</a:t>
+              </a:r>
+              <a:r>
+                <a:rPr lang="en-US" altLang="ko-KR" sz="1200" dirty="0" smtClean="0">
+                  <a:latin typeface="삼성긴고딕OTF Medium" panose="020B0600000101010101" pitchFamily="34" charset="-127"/>
+                  <a:ea typeface="삼성긴고딕OTF Medium" panose="020B0600000101010101" pitchFamily="34" charset="-127"/>
+                </a:rPr>
+                <a:t>0</a:t>
+              </a:r>
+              <a:endParaRPr lang="ko-KR" altLang="en-US" sz="1200" dirty="0">
+                <a:latin typeface="삼성긴고딕OTF Medium" panose="020B0600000101010101" pitchFamily="34" charset="-127"/>
+                <a:ea typeface="삼성긴고딕OTF Medium" panose="020B0600000101010101" pitchFamily="34" charset="-127"/>
+              </a:endParaRPr>
+            </a:p>
+          </p:txBody>
+        </p:sp>
+      </p:grpSp>
+      <p:sp>
+        <p:nvSpPr>
+          <p:cNvPr id="56" name="직사각형 55"/>
+          <p:cNvSpPr/>
+          <p:nvPr/>
+        </p:nvSpPr>
+        <p:spPr>
+          <a:xfrm>
+            <a:off x="545779" y="2626678"/>
+            <a:ext cx="1440000" cy="792000"/>
+          </a:xfrm>
+          <a:prstGeom prst="rect">
+            <a:avLst/>
+          </a:prstGeom>
+          <a:solidFill>
+            <a:schemeClr val="tx2">
+              <a:lumMod val="60000"/>
+              <a:lumOff val="40000"/>
+            </a:schemeClr>
+          </a:solidFill>
+          <a:ln>
+            <a:noFill/>
+          </a:ln>
+          <a:effectLst>
+            <a:outerShdw blurRad="50800" dist="38100" dir="2700000" algn="tl" rotWithShape="0">
+              <a:prstClr val="black">
+                <a:alpha val="40000"/>
+              </a:prstClr>
+            </a:outerShdw>
+          </a:effectLst>
+        </p:spPr>
+        <p:style>
+          <a:lnRef idx="2">
+            <a:schemeClr val="accent1">
+              <a:shade val="50000"/>
+            </a:schemeClr>
+          </a:lnRef>
+          <a:fillRef idx="1">
+            <a:schemeClr val="accent1"/>
+          </a:fillRef>
+          <a:effectRef idx="0">
+            <a:schemeClr val="accent1"/>
+          </a:effectRef>
+          <a:fontRef idx="minor">
+            <a:schemeClr val="lt1"/>
+          </a:fontRef>
+        </p:style>
+        <p:txBody>
+          <a:bodyPr rtlCol="0" anchor="t"/>
+          <a:lstStyle/>
+          <a:p>
+            <a:pPr algn="ctr">
+              <a:lnSpc>
+                <a:spcPct val="120000"/>
+              </a:lnSpc>
+            </a:pPr>
+            <a:r>
+              <a:rPr lang="en-US" altLang="ko-KR" sz="1200" dirty="0" smtClean="0">
+                <a:solidFill>
+                  <a:schemeClr val="bg1"/>
+                </a:solidFill>
+                <a:latin typeface="삼성긴고딕OTF Bold" panose="020B0600000101010101" pitchFamily="34" charset="-127"/>
+                <a:ea typeface="삼성긴고딕OTF Bold" panose="020B0600000101010101" pitchFamily="34" charset="-127"/>
+              </a:rPr>
+              <a:t>if(true) </a:t>
+            </a:r>
+            <a:r>
+              <a:rPr lang="ko-KR" altLang="en-US" sz="1200" dirty="0" smtClean="0">
+                <a:solidFill>
+                  <a:schemeClr val="bg1"/>
+                </a:solidFill>
+                <a:latin typeface="삼성긴고딕OTF Bold" panose="020B0600000101010101" pitchFamily="34" charset="-127"/>
+                <a:ea typeface="삼성긴고딕OTF Bold" panose="020B0600000101010101" pitchFamily="34" charset="-127"/>
+              </a:rPr>
+              <a:t>스택 프레임</a:t>
+            </a:r>
+            <a:endParaRPr lang="ko-KR" altLang="en-US" sz="1200" dirty="0">
+              <a:solidFill>
+                <a:schemeClr val="bg1"/>
+              </a:solidFill>
+              <a:latin typeface="삼성긴고딕OTF Bold" panose="020B0600000101010101" pitchFamily="34" charset="-127"/>
+              <a:ea typeface="삼성긴고딕OTF Bold" panose="020B0600000101010101" pitchFamily="34" charset="-127"/>
+            </a:endParaRPr>
+          </a:p>
+        </p:txBody>
+      </p:sp>
+      <p:grpSp>
+        <p:nvGrpSpPr>
+          <p:cNvPr id="57" name="그룹 56"/>
+          <p:cNvGrpSpPr/>
+          <p:nvPr/>
+        </p:nvGrpSpPr>
+        <p:grpSpPr>
+          <a:xfrm>
+            <a:off x="635779" y="3032586"/>
+            <a:ext cx="1260000" cy="288000"/>
+            <a:chOff x="726222" y="4281295"/>
+            <a:chExt cx="1260000" cy="288000"/>
+          </a:xfrm>
+          <a:solidFill>
+            <a:schemeClr val="tx2">
+              <a:lumMod val="40000"/>
+              <a:lumOff val="60000"/>
+            </a:schemeClr>
+          </a:solidFill>
+        </p:grpSpPr>
+        <p:sp>
+          <p:nvSpPr>
+            <p:cNvPr id="58" name="직사각형 57"/>
+            <p:cNvSpPr/>
+            <p:nvPr/>
+          </p:nvSpPr>
+          <p:spPr>
+            <a:xfrm>
+              <a:off x="726222" y="4281295"/>
+              <a:ext cx="1260000" cy="288000"/>
+            </a:xfrm>
+            <a:prstGeom prst="rect">
+              <a:avLst/>
+            </a:prstGeom>
+            <a:grpFill/>
+            <a:ln>
+              <a:noFill/>
+            </a:ln>
+            <a:effectLst>
+              <a:outerShdw blurRad="50800" dist="38100" dir="2700000" algn="tl" rotWithShape="0">
+                <a:prstClr val="black">
+                  <a:alpha val="40000"/>
+                </a:prstClr>
+              </a:outerShdw>
+            </a:effectLst>
+          </p:spPr>
+          <p:style>
+            <a:lnRef idx="2">
+              <a:schemeClr val="accent1">
+                <a:shade val="50000"/>
+              </a:schemeClr>
+            </a:lnRef>
+            <a:fillRef idx="1">
+              <a:schemeClr val="accent1"/>
+            </a:fillRef>
+            <a:effectRef idx="0">
+              <a:schemeClr val="accent1"/>
+            </a:effectRef>
+            <a:fontRef idx="minor">
+              <a:schemeClr val="lt1"/>
+            </a:fontRef>
+          </p:style>
+          <p:txBody>
+            <a:bodyPr rtlCol="0" anchor="ctr"/>
+            <a:lstStyle/>
+            <a:p>
+              <a:pPr>
+                <a:lnSpc>
+                  <a:spcPct val="120000"/>
+                </a:lnSpc>
+              </a:pPr>
+              <a:r>
+                <a:rPr lang="en-US" altLang="ko-KR" sz="1200" dirty="0" err="1">
+                  <a:solidFill>
+                    <a:schemeClr val="bg1"/>
+                  </a:solidFill>
+                  <a:latin typeface="삼성긴고딕OTF Bold" panose="020B0600000101010101" pitchFamily="34" charset="-127"/>
+                  <a:ea typeface="삼성긴고딕OTF Bold" panose="020B0600000101010101" pitchFamily="34" charset="-127"/>
+                </a:rPr>
+                <a:t>k</a:t>
+              </a:r>
+              <a:endParaRPr lang="ko-KR" altLang="en-US" sz="1200" dirty="0">
+                <a:solidFill>
+                  <a:schemeClr val="bg1"/>
+                </a:solidFill>
+                <a:latin typeface="삼성긴고딕OTF Bold" panose="020B0600000101010101" pitchFamily="34" charset="-127"/>
+                <a:ea typeface="삼성긴고딕OTF Bold" panose="020B0600000101010101" pitchFamily="34" charset="-127"/>
+              </a:endParaRPr>
+            </a:p>
+          </p:txBody>
+        </p:sp>
+        <p:sp>
+          <p:nvSpPr>
+            <p:cNvPr id="59" name="직사각형 58"/>
+            <p:cNvSpPr/>
+            <p:nvPr/>
+          </p:nvSpPr>
+          <p:spPr>
+            <a:xfrm>
+              <a:off x="1090835" y="4317295"/>
+              <a:ext cx="720000" cy="216000"/>
+            </a:xfrm>
+            <a:prstGeom prst="rect">
+              <a:avLst/>
+            </a:prstGeom>
+            <a:grpFill/>
+            <a:ln>
+              <a:solidFill>
+                <a:schemeClr val="bg1"/>
+              </a:solidFill>
+            </a:ln>
+          </p:spPr>
+          <p:style>
+            <a:lnRef idx="2">
+              <a:schemeClr val="accent1">
+                <a:shade val="50000"/>
+              </a:schemeClr>
+            </a:lnRef>
+            <a:fillRef idx="1">
+              <a:schemeClr val="accent1"/>
+            </a:fillRef>
+            <a:effectRef idx="0">
+              <a:schemeClr val="accent1"/>
+            </a:effectRef>
+            <a:fontRef idx="minor">
+              <a:schemeClr val="lt1"/>
+            </a:fontRef>
+          </p:style>
+          <p:txBody>
+            <a:bodyPr rtlCol="0" anchor="ctr"/>
+            <a:lstStyle/>
+            <a:p>
+              <a:pPr algn="ctr"/>
+              <a:r>
+                <a:rPr lang="en-US" altLang="ko-KR" sz="1200" dirty="0" smtClean="0">
+                  <a:latin typeface="삼성긴고딕OTF Medium" panose="020B0600000101010101" pitchFamily="34" charset="-127"/>
+                  <a:ea typeface="삼성긴고딕OTF Medium" panose="020B0600000101010101" pitchFamily="34" charset="-127"/>
+                </a:rPr>
+                <a:t>2</a:t>
+              </a:r>
+              <a:r>
+                <a:rPr lang="en-US" altLang="ko-KR" sz="1200" dirty="0">
+                  <a:latin typeface="삼성긴고딕OTF Medium" panose="020B0600000101010101" pitchFamily="34" charset="-127"/>
+                  <a:ea typeface="삼성긴고딕OTF Medium" panose="020B0600000101010101" pitchFamily="34" charset="-127"/>
+                </a:rPr>
+                <a:t>5</a:t>
+              </a:r>
+              <a:endParaRPr lang="ko-KR" altLang="en-US" sz="1200" dirty="0">
+                <a:latin typeface="삼성긴고딕OTF Medium" panose="020B0600000101010101" pitchFamily="34" charset="-127"/>
+                <a:ea typeface="삼성긴고딕OTF Medium" panose="020B0600000101010101" pitchFamily="34" charset="-127"/>
+              </a:endParaRPr>
+            </a:p>
+          </p:txBody>
+        </p:sp>
+      </p:grpSp>
+    </p:spTree>
+    <p:extLst>
+      <p:ext uri="{BB962C8B-B14F-4D97-AF65-F5344CB8AC3E}">
+        <p14:creationId xmlns:p14="http://schemas.microsoft.com/office/powerpoint/2010/main" val="3634365811"/>
+      </p:ext>
+    </p:extLst>
+  </p:cSld>
+  <p:clrMapOvr>
+    <a:masterClrMapping/>
+  </p:clrMapOvr>
+  <p:timing>
+    <p:tnLst>
+      <p:par>
+        <p:cTn id="1" dur="indefinite" restart="never" nodeType="tmRoot"/>
+      </p:par>
+    </p:tnLst>
+  </p:timing>
+</p:sld>
+</file>
+
 <file path=ppt/theme/theme1.xml><?xml version="1.0" encoding="utf-8"?>
 <a:theme xmlns:a="http://schemas.openxmlformats.org/drawingml/2006/main" name="Office 테마">
   <a:themeElements>

--- a/PPT_Image.pptx
+++ b/PPT_Image.pptx
@@ -7,11 +7,12 @@
   <p:sldIdLst>
     <p:sldId id="256" r:id="rId2"/>
     <p:sldId id="257" r:id="rId3"/>
-    <p:sldId id="258" r:id="rId4"/>
-    <p:sldId id="259" r:id="rId5"/>
-    <p:sldId id="260" r:id="rId6"/>
-    <p:sldId id="261" r:id="rId7"/>
-    <p:sldId id="262" r:id="rId8"/>
+    <p:sldId id="263" r:id="rId4"/>
+    <p:sldId id="258" r:id="rId5"/>
+    <p:sldId id="259" r:id="rId6"/>
+    <p:sldId id="260" r:id="rId7"/>
+    <p:sldId id="261" r:id="rId8"/>
+    <p:sldId id="262" r:id="rId9"/>
   </p:sldIdLst>
   <p:sldSz cx="12192000" cy="6858000"/>
   <p:notesSz cx="6858000" cy="9144000"/>
@@ -249,7 +250,7 @@
           <a:p>
             <a:fld id="{5C3F47B3-2A9D-4524-A859-E9ED1EDC8D04}" type="datetimeFigureOut">
               <a:rPr lang="ko-KR" altLang="en-US" smtClean="0"/>
-              <a:t>2023-05-29</a:t>
+              <a:t>2023-07-13</a:t>
             </a:fld>
             <a:endParaRPr lang="ko-KR" altLang="en-US"/>
           </a:p>
@@ -419,7 +420,7 @@
           <a:p>
             <a:fld id="{5C3F47B3-2A9D-4524-A859-E9ED1EDC8D04}" type="datetimeFigureOut">
               <a:rPr lang="ko-KR" altLang="en-US" smtClean="0"/>
-              <a:t>2023-05-29</a:t>
+              <a:t>2023-07-13</a:t>
             </a:fld>
             <a:endParaRPr lang="ko-KR" altLang="en-US"/>
           </a:p>
@@ -599,7 +600,7 @@
           <a:p>
             <a:fld id="{5C3F47B3-2A9D-4524-A859-E9ED1EDC8D04}" type="datetimeFigureOut">
               <a:rPr lang="ko-KR" altLang="en-US" smtClean="0"/>
-              <a:t>2023-05-29</a:t>
+              <a:t>2023-07-13</a:t>
             </a:fld>
             <a:endParaRPr lang="ko-KR" altLang="en-US"/>
           </a:p>
@@ -769,7 +770,7 @@
           <a:p>
             <a:fld id="{5C3F47B3-2A9D-4524-A859-E9ED1EDC8D04}" type="datetimeFigureOut">
               <a:rPr lang="ko-KR" altLang="en-US" smtClean="0"/>
-              <a:t>2023-05-29</a:t>
+              <a:t>2023-07-13</a:t>
             </a:fld>
             <a:endParaRPr lang="ko-KR" altLang="en-US"/>
           </a:p>
@@ -1015,7 +1016,7 @@
           <a:p>
             <a:fld id="{5C3F47B3-2A9D-4524-A859-E9ED1EDC8D04}" type="datetimeFigureOut">
               <a:rPr lang="ko-KR" altLang="en-US" smtClean="0"/>
-              <a:t>2023-05-29</a:t>
+              <a:t>2023-07-13</a:t>
             </a:fld>
             <a:endParaRPr lang="ko-KR" altLang="en-US"/>
           </a:p>
@@ -1247,7 +1248,7 @@
           <a:p>
             <a:fld id="{5C3F47B3-2A9D-4524-A859-E9ED1EDC8D04}" type="datetimeFigureOut">
               <a:rPr lang="ko-KR" altLang="en-US" smtClean="0"/>
-              <a:t>2023-05-29</a:t>
+              <a:t>2023-07-13</a:t>
             </a:fld>
             <a:endParaRPr lang="ko-KR" altLang="en-US"/>
           </a:p>
@@ -1614,7 +1615,7 @@
           <a:p>
             <a:fld id="{5C3F47B3-2A9D-4524-A859-E9ED1EDC8D04}" type="datetimeFigureOut">
               <a:rPr lang="ko-KR" altLang="en-US" smtClean="0"/>
-              <a:t>2023-05-29</a:t>
+              <a:t>2023-07-13</a:t>
             </a:fld>
             <a:endParaRPr lang="ko-KR" altLang="en-US"/>
           </a:p>
@@ -1732,7 +1733,7 @@
           <a:p>
             <a:fld id="{5C3F47B3-2A9D-4524-A859-E9ED1EDC8D04}" type="datetimeFigureOut">
               <a:rPr lang="ko-KR" altLang="en-US" smtClean="0"/>
-              <a:t>2023-05-29</a:t>
+              <a:t>2023-07-13</a:t>
             </a:fld>
             <a:endParaRPr lang="ko-KR" altLang="en-US"/>
           </a:p>
@@ -1827,7 +1828,7 @@
           <a:p>
             <a:fld id="{5C3F47B3-2A9D-4524-A859-E9ED1EDC8D04}" type="datetimeFigureOut">
               <a:rPr lang="ko-KR" altLang="en-US" smtClean="0"/>
-              <a:t>2023-05-29</a:t>
+              <a:t>2023-07-13</a:t>
             </a:fld>
             <a:endParaRPr lang="ko-KR" altLang="en-US"/>
           </a:p>
@@ -2104,7 +2105,7 @@
           <a:p>
             <a:fld id="{5C3F47B3-2A9D-4524-A859-E9ED1EDC8D04}" type="datetimeFigureOut">
               <a:rPr lang="ko-KR" altLang="en-US" smtClean="0"/>
-              <a:t>2023-05-29</a:t>
+              <a:t>2023-07-13</a:t>
             </a:fld>
             <a:endParaRPr lang="ko-KR" altLang="en-US"/>
           </a:p>
@@ -2357,7 +2358,7 @@
           <a:p>
             <a:fld id="{5C3F47B3-2A9D-4524-A859-E9ED1EDC8D04}" type="datetimeFigureOut">
               <a:rPr lang="ko-KR" altLang="en-US" smtClean="0"/>
-              <a:t>2023-05-29</a:t>
+              <a:t>2023-07-13</a:t>
             </a:fld>
             <a:endParaRPr lang="ko-KR" altLang="en-US"/>
           </a:p>
@@ -2570,7 +2571,7 @@
           <a:p>
             <a:fld id="{5C3F47B3-2A9D-4524-A859-E9ED1EDC8D04}" type="datetimeFigureOut">
               <a:rPr lang="ko-KR" altLang="en-US" smtClean="0"/>
-              <a:t>2023-05-29</a:t>
+              <a:t>2023-07-13</a:t>
             </a:fld>
             <a:endParaRPr lang="ko-KR" altLang="en-US"/>
           </a:p>
@@ -9157,6 +9158,8723 @@
 </file>
 
 <file path=ppt/slides/slide3.xml><?xml version="1.0" encoding="utf-8"?>
+<p:sld xmlns:a="http://schemas.openxmlformats.org/drawingml/2006/main" xmlns:r="http://schemas.openxmlformats.org/officeDocument/2006/relationships" xmlns:p="http://schemas.openxmlformats.org/presentationml/2006/main">
+  <p:cSld>
+    <p:spTree>
+      <p:nvGrpSpPr>
+        <p:cNvPr id="1" name=""/>
+        <p:cNvGrpSpPr/>
+        <p:nvPr/>
+      </p:nvGrpSpPr>
+      <p:grpSpPr>
+        <a:xfrm>
+          <a:off x="0" y="0"/>
+          <a:ext cx="0" cy="0"/>
+          <a:chOff x="0" y="0"/>
+          <a:chExt cx="0" cy="0"/>
+        </a:xfrm>
+      </p:grpSpPr>
+      <p:graphicFrame>
+        <p:nvGraphicFramePr>
+          <p:cNvPr id="4" name="표 3"/>
+          <p:cNvGraphicFramePr>
+            <a:graphicFrameLocks noGrp="1"/>
+          </p:cNvGraphicFramePr>
+          <p:nvPr>
+            <p:extLst>
+              <p:ext uri="{D42A27DB-BD31-4B8C-83A1-F6EECF244321}">
+                <p14:modId xmlns:p14="http://schemas.microsoft.com/office/powerpoint/2010/main" val="1495856711"/>
+              </p:ext>
+            </p:extLst>
+          </p:nvPr>
+        </p:nvGraphicFramePr>
+        <p:xfrm>
+          <a:off x="175858" y="455918"/>
+          <a:ext cx="4248000" cy="2880000"/>
+        </p:xfrm>
+        <a:graphic>
+          <a:graphicData uri="http://schemas.openxmlformats.org/drawingml/2006/table">
+            <a:tbl>
+              <a:tblPr firstRow="1" bandRow="1">
+                <a:tableStyleId>{5C22544A-7EE6-4342-B048-85BDC9FD1C3A}</a:tableStyleId>
+              </a:tblPr>
+              <a:tblGrid>
+                <a:gridCol w="1548000">
+                  <a:extLst>
+                    <a:ext uri="{9D8B030D-6E8A-4147-A177-3AD203B41FA5}">
+                      <a16:colId xmlns:a16="http://schemas.microsoft.com/office/drawing/2014/main" val="3463867517"/>
+                    </a:ext>
+                  </a:extLst>
+                </a:gridCol>
+                <a:gridCol w="900000">
+                  <a:extLst>
+                    <a:ext uri="{9D8B030D-6E8A-4147-A177-3AD203B41FA5}">
+                      <a16:colId xmlns:a16="http://schemas.microsoft.com/office/drawing/2014/main" val="3302509317"/>
+                    </a:ext>
+                  </a:extLst>
+                </a:gridCol>
+                <a:gridCol w="900000">
+                  <a:extLst>
+                    <a:ext uri="{9D8B030D-6E8A-4147-A177-3AD203B41FA5}">
+                      <a16:colId xmlns:a16="http://schemas.microsoft.com/office/drawing/2014/main" val="524061593"/>
+                    </a:ext>
+                  </a:extLst>
+                </a:gridCol>
+                <a:gridCol w="900000">
+                  <a:extLst>
+                    <a:ext uri="{9D8B030D-6E8A-4147-A177-3AD203B41FA5}">
+                      <a16:colId xmlns:a16="http://schemas.microsoft.com/office/drawing/2014/main" val="2410042222"/>
+                    </a:ext>
+                  </a:extLst>
+                </a:gridCol>
+              </a:tblGrid>
+              <a:tr h="288000">
+                <a:tc>
+                  <a:txBody>
+                    <a:bodyPr/>
+                    <a:lstStyle/>
+                    <a:p>
+                      <a:pPr algn="ctr" latinLnBrk="1"/>
+                      <a:r>
+                        <a:rPr lang="ko-KR" altLang="en-US" sz="1200" b="0" dirty="0" smtClean="0">
+                          <a:latin typeface="삼성긴고딕OTF Medium" panose="020B0600000101010101" pitchFamily="34" charset="-127"/>
+                          <a:ea typeface="삼성긴고딕OTF Medium" panose="020B0600000101010101" pitchFamily="34" charset="-127"/>
+                        </a:rPr>
+                        <a:t>상품명</a:t>
+                      </a:r>
+                      <a:endParaRPr lang="ko-KR" altLang="en-US" sz="1200" b="0" dirty="0">
+                        <a:latin typeface="삼성긴고딕OTF Medium" panose="020B0600000101010101" pitchFamily="34" charset="-127"/>
+                        <a:ea typeface="삼성긴고딕OTF Medium" panose="020B0600000101010101" pitchFamily="34" charset="-127"/>
+                      </a:endParaRPr>
+                    </a:p>
+                  </a:txBody>
+                  <a:tcPr>
+                    <a:lnL w="6350" cap="flat" cmpd="sng" algn="ctr">
+                      <a:solidFill>
+                        <a:schemeClr val="tx1"/>
+                      </a:solidFill>
+                      <a:prstDash val="solid"/>
+                      <a:round/>
+                      <a:headEnd type="none" w="med" len="med"/>
+                      <a:tailEnd type="none" w="med" len="med"/>
+                    </a:lnL>
+                    <a:lnR w="6350" cap="flat" cmpd="sng" algn="ctr">
+                      <a:solidFill>
+                        <a:schemeClr val="tx1"/>
+                      </a:solidFill>
+                      <a:prstDash val="solid"/>
+                      <a:round/>
+                      <a:headEnd type="none" w="med" len="med"/>
+                      <a:tailEnd type="none" w="med" len="med"/>
+                    </a:lnR>
+                    <a:lnT w="6350" cap="flat" cmpd="sng" algn="ctr">
+                      <a:solidFill>
+                        <a:schemeClr val="tx1"/>
+                      </a:solidFill>
+                      <a:prstDash val="solid"/>
+                      <a:round/>
+                      <a:headEnd type="none" w="med" len="med"/>
+                      <a:tailEnd type="none" w="med" len="med"/>
+                    </a:lnT>
+                    <a:lnB w="6350" cap="flat" cmpd="sng" algn="ctr">
+                      <a:solidFill>
+                        <a:schemeClr val="tx1"/>
+                      </a:solidFill>
+                      <a:prstDash val="solid"/>
+                      <a:round/>
+                      <a:headEnd type="none" w="med" len="med"/>
+                      <a:tailEnd type="none" w="med" len="med"/>
+                    </a:lnB>
+                    <a:solidFill>
+                      <a:srgbClr val="1D75E5"/>
+                    </a:solidFill>
+                  </a:tcPr>
+                </a:tc>
+                <a:tc>
+                  <a:txBody>
+                    <a:bodyPr/>
+                    <a:lstStyle/>
+                    <a:p>
+                      <a:pPr algn="ctr" latinLnBrk="1"/>
+                      <a:r>
+                        <a:rPr lang="ko-KR" altLang="en-US" sz="1200" b="0" dirty="0" smtClean="0">
+                          <a:latin typeface="삼성긴고딕OTF Medium" panose="020B0600000101010101" pitchFamily="34" charset="-127"/>
+                          <a:ea typeface="삼성긴고딕OTF Medium" panose="020B0600000101010101" pitchFamily="34" charset="-127"/>
+                        </a:rPr>
+                        <a:t>판매처</a:t>
+                      </a:r>
+                      <a:endParaRPr lang="ko-KR" altLang="en-US" sz="1200" b="0" dirty="0">
+                        <a:latin typeface="삼성긴고딕OTF Medium" panose="020B0600000101010101" pitchFamily="34" charset="-127"/>
+                        <a:ea typeface="삼성긴고딕OTF Medium" panose="020B0600000101010101" pitchFamily="34" charset="-127"/>
+                      </a:endParaRPr>
+                    </a:p>
+                  </a:txBody>
+                  <a:tcPr>
+                    <a:lnL w="6350" cap="flat" cmpd="sng" algn="ctr">
+                      <a:solidFill>
+                        <a:schemeClr val="tx1"/>
+                      </a:solidFill>
+                      <a:prstDash val="solid"/>
+                      <a:round/>
+                      <a:headEnd type="none" w="med" len="med"/>
+                      <a:tailEnd type="none" w="med" len="med"/>
+                    </a:lnL>
+                    <a:lnR w="6350" cap="flat" cmpd="sng" algn="ctr">
+                      <a:solidFill>
+                        <a:schemeClr val="tx1"/>
+                      </a:solidFill>
+                      <a:prstDash val="solid"/>
+                      <a:round/>
+                      <a:headEnd type="none" w="med" len="med"/>
+                      <a:tailEnd type="none" w="med" len="med"/>
+                    </a:lnR>
+                    <a:lnT w="6350" cap="flat" cmpd="sng" algn="ctr">
+                      <a:solidFill>
+                        <a:schemeClr val="tx1"/>
+                      </a:solidFill>
+                      <a:prstDash val="solid"/>
+                      <a:round/>
+                      <a:headEnd type="none" w="med" len="med"/>
+                      <a:tailEnd type="none" w="med" len="med"/>
+                    </a:lnT>
+                    <a:lnB w="6350" cap="flat" cmpd="sng" algn="ctr">
+                      <a:solidFill>
+                        <a:schemeClr val="tx1"/>
+                      </a:solidFill>
+                      <a:prstDash val="solid"/>
+                      <a:round/>
+                      <a:headEnd type="none" w="med" len="med"/>
+                      <a:tailEnd type="none" w="med" len="med"/>
+                    </a:lnB>
+                    <a:solidFill>
+                      <a:srgbClr val="1D75E5"/>
+                    </a:solidFill>
+                  </a:tcPr>
+                </a:tc>
+                <a:tc>
+                  <a:txBody>
+                    <a:bodyPr/>
+                    <a:lstStyle/>
+                    <a:p>
+                      <a:pPr algn="ctr" latinLnBrk="1"/>
+                      <a:r>
+                        <a:rPr lang="ko-KR" altLang="en-US" sz="1200" b="0" dirty="0" smtClean="0">
+                          <a:latin typeface="삼성긴고딕OTF Medium" panose="020B0600000101010101" pitchFamily="34" charset="-127"/>
+                          <a:ea typeface="삼성긴고딕OTF Medium" panose="020B0600000101010101" pitchFamily="34" charset="-127"/>
+                        </a:rPr>
+                        <a:t>가격</a:t>
+                      </a:r>
+                      <a:endParaRPr lang="ko-KR" altLang="en-US" sz="1200" b="0" dirty="0">
+                        <a:latin typeface="삼성긴고딕OTF Medium" panose="020B0600000101010101" pitchFamily="34" charset="-127"/>
+                        <a:ea typeface="삼성긴고딕OTF Medium" panose="020B0600000101010101" pitchFamily="34" charset="-127"/>
+                      </a:endParaRPr>
+                    </a:p>
+                  </a:txBody>
+                  <a:tcPr>
+                    <a:lnL w="6350" cap="flat" cmpd="sng" algn="ctr">
+                      <a:solidFill>
+                        <a:schemeClr val="tx1"/>
+                      </a:solidFill>
+                      <a:prstDash val="solid"/>
+                      <a:round/>
+                      <a:headEnd type="none" w="med" len="med"/>
+                      <a:tailEnd type="none" w="med" len="med"/>
+                    </a:lnL>
+                    <a:lnR w="6350" cap="flat" cmpd="sng" algn="ctr">
+                      <a:solidFill>
+                        <a:schemeClr val="tx1"/>
+                      </a:solidFill>
+                      <a:prstDash val="solid"/>
+                      <a:round/>
+                      <a:headEnd type="none" w="med" len="med"/>
+                      <a:tailEnd type="none" w="med" len="med"/>
+                    </a:lnR>
+                    <a:lnT w="6350" cap="flat" cmpd="sng" algn="ctr">
+                      <a:solidFill>
+                        <a:schemeClr val="tx1"/>
+                      </a:solidFill>
+                      <a:prstDash val="solid"/>
+                      <a:round/>
+                      <a:headEnd type="none" w="med" len="med"/>
+                      <a:tailEnd type="none" w="med" len="med"/>
+                    </a:lnT>
+                    <a:lnB w="6350" cap="flat" cmpd="sng" algn="ctr">
+                      <a:solidFill>
+                        <a:schemeClr val="tx1"/>
+                      </a:solidFill>
+                      <a:prstDash val="solid"/>
+                      <a:round/>
+                      <a:headEnd type="none" w="med" len="med"/>
+                      <a:tailEnd type="none" w="med" len="med"/>
+                    </a:lnB>
+                    <a:solidFill>
+                      <a:srgbClr val="1D75E5"/>
+                    </a:solidFill>
+                  </a:tcPr>
+                </a:tc>
+                <a:tc>
+                  <a:txBody>
+                    <a:bodyPr/>
+                    <a:lstStyle/>
+                    <a:p>
+                      <a:pPr algn="ctr" latinLnBrk="1"/>
+                      <a:r>
+                        <a:rPr lang="ko-KR" altLang="en-US" sz="1200" b="0" dirty="0" smtClean="0">
+                          <a:latin typeface="삼성긴고딕OTF Medium" panose="020B0600000101010101" pitchFamily="34" charset="-127"/>
+                          <a:ea typeface="삼성긴고딕OTF Medium" panose="020B0600000101010101" pitchFamily="34" charset="-127"/>
+                        </a:rPr>
+                        <a:t>할인가</a:t>
+                      </a:r>
+                      <a:endParaRPr lang="ko-KR" altLang="en-US" sz="1200" b="0" dirty="0">
+                        <a:latin typeface="삼성긴고딕OTF Medium" panose="020B0600000101010101" pitchFamily="34" charset="-127"/>
+                        <a:ea typeface="삼성긴고딕OTF Medium" panose="020B0600000101010101" pitchFamily="34" charset="-127"/>
+                      </a:endParaRPr>
+                    </a:p>
+                  </a:txBody>
+                  <a:tcPr>
+                    <a:lnL w="6350" cap="flat" cmpd="sng" algn="ctr">
+                      <a:solidFill>
+                        <a:schemeClr val="tx1"/>
+                      </a:solidFill>
+                      <a:prstDash val="solid"/>
+                      <a:round/>
+                      <a:headEnd type="none" w="med" len="med"/>
+                      <a:tailEnd type="none" w="med" len="med"/>
+                    </a:lnL>
+                    <a:lnR w="6350" cap="flat" cmpd="sng" algn="ctr">
+                      <a:solidFill>
+                        <a:schemeClr val="tx1"/>
+                      </a:solidFill>
+                      <a:prstDash val="solid"/>
+                      <a:round/>
+                      <a:headEnd type="none" w="med" len="med"/>
+                      <a:tailEnd type="none" w="med" len="med"/>
+                    </a:lnR>
+                    <a:lnT w="6350" cap="flat" cmpd="sng" algn="ctr">
+                      <a:solidFill>
+                        <a:schemeClr val="tx1"/>
+                      </a:solidFill>
+                      <a:prstDash val="solid"/>
+                      <a:round/>
+                      <a:headEnd type="none" w="med" len="med"/>
+                      <a:tailEnd type="none" w="med" len="med"/>
+                    </a:lnT>
+                    <a:lnB w="6350" cap="flat" cmpd="sng" algn="ctr">
+                      <a:solidFill>
+                        <a:schemeClr val="tx1"/>
+                      </a:solidFill>
+                      <a:prstDash val="solid"/>
+                      <a:round/>
+                      <a:headEnd type="none" w="med" len="med"/>
+                      <a:tailEnd type="none" w="med" len="med"/>
+                    </a:lnB>
+                    <a:solidFill>
+                      <a:srgbClr val="1D75E5"/>
+                    </a:solidFill>
+                  </a:tcPr>
+                </a:tc>
+                <a:extLst>
+                  <a:ext uri="{0D108BD9-81ED-4DB2-BD59-A6C34878D82A}">
+                    <a16:rowId xmlns:a16="http://schemas.microsoft.com/office/drawing/2014/main" val="278685539"/>
+                  </a:ext>
+                </a:extLst>
+              </a:tr>
+              <a:tr h="288000">
+                <a:tc>
+                  <a:txBody>
+                    <a:bodyPr/>
+                    <a:lstStyle/>
+                    <a:p>
+                      <a:pPr algn="ctr" latinLnBrk="1"/>
+                      <a:r>
+                        <a:rPr lang="ko-KR" altLang="en-US" sz="1100" dirty="0" err="1" smtClean="0">
+                          <a:latin typeface="삼성긴고딕OTF Regular" panose="020B0600000101010101" pitchFamily="34" charset="-127"/>
+                          <a:ea typeface="삼성긴고딕OTF Regular" panose="020B0600000101010101" pitchFamily="34" charset="-127"/>
+                        </a:rPr>
+                        <a:t>이펙티브</a:t>
+                      </a:r>
+                      <a:r>
+                        <a:rPr lang="ko-KR" altLang="en-US" sz="1100" dirty="0" smtClean="0">
+                          <a:latin typeface="삼성긴고딕OTF Regular" panose="020B0600000101010101" pitchFamily="34" charset="-127"/>
+                          <a:ea typeface="삼성긴고딕OTF Regular" panose="020B0600000101010101" pitchFamily="34" charset="-127"/>
+                        </a:rPr>
+                        <a:t> 자바</a:t>
+                      </a:r>
+                      <a:endParaRPr lang="ko-KR" altLang="en-US" sz="1100" dirty="0">
+                        <a:latin typeface="삼성긴고딕OTF Regular" panose="020B0600000101010101" pitchFamily="34" charset="-127"/>
+                        <a:ea typeface="삼성긴고딕OTF Regular" panose="020B0600000101010101" pitchFamily="34" charset="-127"/>
+                      </a:endParaRPr>
+                    </a:p>
+                  </a:txBody>
+                  <a:tcPr>
+                    <a:lnL w="6350" cap="flat" cmpd="sng" algn="ctr">
+                      <a:solidFill>
+                        <a:schemeClr val="tx1"/>
+                      </a:solidFill>
+                      <a:prstDash val="solid"/>
+                      <a:round/>
+                      <a:headEnd type="none" w="med" len="med"/>
+                      <a:tailEnd type="none" w="med" len="med"/>
+                    </a:lnL>
+                    <a:lnR w="6350" cap="flat" cmpd="sng" algn="ctr">
+                      <a:solidFill>
+                        <a:schemeClr val="tx1"/>
+                      </a:solidFill>
+                      <a:prstDash val="solid"/>
+                      <a:round/>
+                      <a:headEnd type="none" w="med" len="med"/>
+                      <a:tailEnd type="none" w="med" len="med"/>
+                    </a:lnR>
+                    <a:lnT w="6350" cap="flat" cmpd="sng" algn="ctr">
+                      <a:solidFill>
+                        <a:schemeClr val="tx1"/>
+                      </a:solidFill>
+                      <a:prstDash val="solid"/>
+                      <a:round/>
+                      <a:headEnd type="none" w="med" len="med"/>
+                      <a:tailEnd type="none" w="med" len="med"/>
+                    </a:lnT>
+                    <a:lnB w="6350" cap="flat" cmpd="sng" algn="ctr">
+                      <a:solidFill>
+                        <a:schemeClr val="tx1"/>
+                      </a:solidFill>
+                      <a:prstDash val="solid"/>
+                      <a:round/>
+                      <a:headEnd type="none" w="med" len="med"/>
+                      <a:tailEnd type="none" w="med" len="med"/>
+                    </a:lnB>
+                    <a:solidFill>
+                      <a:srgbClr val="F6F8FC"/>
+                    </a:solidFill>
+                  </a:tcPr>
+                </a:tc>
+                <a:tc>
+                  <a:txBody>
+                    <a:bodyPr/>
+                    <a:lstStyle/>
+                    <a:p>
+                      <a:pPr algn="ctr" latinLnBrk="1"/>
+                      <a:r>
+                        <a:rPr lang="ko-KR" altLang="en-US" sz="1100" dirty="0" err="1" smtClean="0">
+                          <a:latin typeface="삼성긴고딕OTF Regular" panose="020B0600000101010101" pitchFamily="34" charset="-127"/>
+                          <a:ea typeface="삼성긴고딕OTF Regular" panose="020B0600000101010101" pitchFamily="34" charset="-127"/>
+                        </a:rPr>
+                        <a:t>교보문고</a:t>
+                      </a:r>
+                      <a:endParaRPr lang="ko-KR" altLang="en-US" sz="1100" dirty="0">
+                        <a:latin typeface="삼성긴고딕OTF Regular" panose="020B0600000101010101" pitchFamily="34" charset="-127"/>
+                        <a:ea typeface="삼성긴고딕OTF Regular" panose="020B0600000101010101" pitchFamily="34" charset="-127"/>
+                      </a:endParaRPr>
+                    </a:p>
+                  </a:txBody>
+                  <a:tcPr>
+                    <a:lnL w="6350" cap="flat" cmpd="sng" algn="ctr">
+                      <a:solidFill>
+                        <a:schemeClr val="tx1"/>
+                      </a:solidFill>
+                      <a:prstDash val="solid"/>
+                      <a:round/>
+                      <a:headEnd type="none" w="med" len="med"/>
+                      <a:tailEnd type="none" w="med" len="med"/>
+                    </a:lnL>
+                    <a:lnR w="6350" cap="flat" cmpd="sng" algn="ctr">
+                      <a:solidFill>
+                        <a:schemeClr val="tx1"/>
+                      </a:solidFill>
+                      <a:prstDash val="solid"/>
+                      <a:round/>
+                      <a:headEnd type="none" w="med" len="med"/>
+                      <a:tailEnd type="none" w="med" len="med"/>
+                    </a:lnR>
+                    <a:lnT w="6350" cap="flat" cmpd="sng" algn="ctr">
+                      <a:solidFill>
+                        <a:schemeClr val="tx1"/>
+                      </a:solidFill>
+                      <a:prstDash val="solid"/>
+                      <a:round/>
+                      <a:headEnd type="none" w="med" len="med"/>
+                      <a:tailEnd type="none" w="med" len="med"/>
+                    </a:lnT>
+                    <a:lnB w="6350" cap="flat" cmpd="sng" algn="ctr">
+                      <a:solidFill>
+                        <a:schemeClr val="tx1"/>
+                      </a:solidFill>
+                      <a:prstDash val="solid"/>
+                      <a:round/>
+                      <a:headEnd type="none" w="med" len="med"/>
+                      <a:tailEnd type="none" w="med" len="med"/>
+                    </a:lnB>
+                    <a:solidFill>
+                      <a:srgbClr val="F6F8FC"/>
+                    </a:solidFill>
+                  </a:tcPr>
+                </a:tc>
+                <a:tc>
+                  <a:txBody>
+                    <a:bodyPr/>
+                    <a:lstStyle/>
+                    <a:p>
+                      <a:pPr algn="ctr" latinLnBrk="1"/>
+                      <a:r>
+                        <a:rPr lang="en-US" altLang="ko-KR" sz="1100" dirty="0" smtClean="0">
+                          <a:latin typeface="삼성긴고딕OTF Regular" panose="020B0600000101010101" pitchFamily="34" charset="-127"/>
+                          <a:ea typeface="삼성긴고딕OTF Regular" panose="020B0600000101010101" pitchFamily="34" charset="-127"/>
+                        </a:rPr>
+                        <a:t>36,000</a:t>
+                      </a:r>
+                      <a:r>
+                        <a:rPr lang="ko-KR" altLang="en-US" sz="1100" dirty="0" smtClean="0">
+                          <a:latin typeface="삼성긴고딕OTF Regular" panose="020B0600000101010101" pitchFamily="34" charset="-127"/>
+                          <a:ea typeface="삼성긴고딕OTF Regular" panose="020B0600000101010101" pitchFamily="34" charset="-127"/>
+                        </a:rPr>
+                        <a:t>원</a:t>
+                      </a:r>
+                      <a:endParaRPr lang="ko-KR" altLang="en-US" sz="1100" dirty="0">
+                        <a:latin typeface="삼성긴고딕OTF Regular" panose="020B0600000101010101" pitchFamily="34" charset="-127"/>
+                        <a:ea typeface="삼성긴고딕OTF Regular" panose="020B0600000101010101" pitchFamily="34" charset="-127"/>
+                      </a:endParaRPr>
+                    </a:p>
+                  </a:txBody>
+                  <a:tcPr>
+                    <a:lnL w="6350" cap="flat" cmpd="sng" algn="ctr">
+                      <a:solidFill>
+                        <a:schemeClr val="tx1"/>
+                      </a:solidFill>
+                      <a:prstDash val="solid"/>
+                      <a:round/>
+                      <a:headEnd type="none" w="med" len="med"/>
+                      <a:tailEnd type="none" w="med" len="med"/>
+                    </a:lnL>
+                    <a:lnR w="6350" cap="flat" cmpd="sng" algn="ctr">
+                      <a:solidFill>
+                        <a:schemeClr val="tx1"/>
+                      </a:solidFill>
+                      <a:prstDash val="solid"/>
+                      <a:round/>
+                      <a:headEnd type="none" w="med" len="med"/>
+                      <a:tailEnd type="none" w="med" len="med"/>
+                    </a:lnR>
+                    <a:lnT w="6350" cap="flat" cmpd="sng" algn="ctr">
+                      <a:solidFill>
+                        <a:schemeClr val="tx1"/>
+                      </a:solidFill>
+                      <a:prstDash val="solid"/>
+                      <a:round/>
+                      <a:headEnd type="none" w="med" len="med"/>
+                      <a:tailEnd type="none" w="med" len="med"/>
+                    </a:lnT>
+                    <a:lnB w="6350" cap="flat" cmpd="sng" algn="ctr">
+                      <a:solidFill>
+                        <a:schemeClr val="tx1"/>
+                      </a:solidFill>
+                      <a:prstDash val="solid"/>
+                      <a:round/>
+                      <a:headEnd type="none" w="med" len="med"/>
+                      <a:tailEnd type="none" w="med" len="med"/>
+                    </a:lnB>
+                    <a:solidFill>
+                      <a:srgbClr val="F6F8FC"/>
+                    </a:solidFill>
+                  </a:tcPr>
+                </a:tc>
+                <a:tc>
+                  <a:txBody>
+                    <a:bodyPr/>
+                    <a:lstStyle/>
+                    <a:p>
+                      <a:pPr algn="ctr" latinLnBrk="1"/>
+                      <a:r>
+                        <a:rPr lang="en-US" altLang="ko-KR" sz="1100" dirty="0" smtClean="0">
+                          <a:latin typeface="삼성긴고딕OTF Regular" panose="020B0600000101010101" pitchFamily="34" charset="-127"/>
+                          <a:ea typeface="삼성긴고딕OTF Regular" panose="020B0600000101010101" pitchFamily="34" charset="-127"/>
+                        </a:rPr>
+                        <a:t>32,400</a:t>
+                      </a:r>
+                      <a:r>
+                        <a:rPr lang="ko-KR" altLang="en-US" sz="1100" dirty="0" smtClean="0">
+                          <a:latin typeface="삼성긴고딕OTF Regular" panose="020B0600000101010101" pitchFamily="34" charset="-127"/>
+                          <a:ea typeface="삼성긴고딕OTF Regular" panose="020B0600000101010101" pitchFamily="34" charset="-127"/>
+                        </a:rPr>
+                        <a:t>원</a:t>
+                      </a:r>
+                      <a:endParaRPr lang="ko-KR" altLang="en-US" sz="1100" dirty="0">
+                        <a:latin typeface="삼성긴고딕OTF Regular" panose="020B0600000101010101" pitchFamily="34" charset="-127"/>
+                        <a:ea typeface="삼성긴고딕OTF Regular" panose="020B0600000101010101" pitchFamily="34" charset="-127"/>
+                      </a:endParaRPr>
+                    </a:p>
+                  </a:txBody>
+                  <a:tcPr>
+                    <a:lnL w="6350" cap="flat" cmpd="sng" algn="ctr">
+                      <a:solidFill>
+                        <a:schemeClr val="tx1"/>
+                      </a:solidFill>
+                      <a:prstDash val="solid"/>
+                      <a:round/>
+                      <a:headEnd type="none" w="med" len="med"/>
+                      <a:tailEnd type="none" w="med" len="med"/>
+                    </a:lnL>
+                    <a:lnR w="6350" cap="flat" cmpd="sng" algn="ctr">
+                      <a:solidFill>
+                        <a:schemeClr val="tx1"/>
+                      </a:solidFill>
+                      <a:prstDash val="solid"/>
+                      <a:round/>
+                      <a:headEnd type="none" w="med" len="med"/>
+                      <a:tailEnd type="none" w="med" len="med"/>
+                    </a:lnR>
+                    <a:lnT w="6350" cap="flat" cmpd="sng" algn="ctr">
+                      <a:solidFill>
+                        <a:schemeClr val="tx1"/>
+                      </a:solidFill>
+                      <a:prstDash val="solid"/>
+                      <a:round/>
+                      <a:headEnd type="none" w="med" len="med"/>
+                      <a:tailEnd type="none" w="med" len="med"/>
+                    </a:lnT>
+                    <a:lnB w="6350" cap="flat" cmpd="sng" algn="ctr">
+                      <a:solidFill>
+                        <a:schemeClr val="tx1"/>
+                      </a:solidFill>
+                      <a:prstDash val="solid"/>
+                      <a:round/>
+                      <a:headEnd type="none" w="med" len="med"/>
+                      <a:tailEnd type="none" w="med" len="med"/>
+                    </a:lnB>
+                    <a:solidFill>
+                      <a:srgbClr val="F6F8FC"/>
+                    </a:solidFill>
+                  </a:tcPr>
+                </a:tc>
+                <a:extLst>
+                  <a:ext uri="{0D108BD9-81ED-4DB2-BD59-A6C34878D82A}">
+                    <a16:rowId xmlns:a16="http://schemas.microsoft.com/office/drawing/2014/main" val="4035602949"/>
+                  </a:ext>
+                </a:extLst>
+              </a:tr>
+              <a:tr h="288000">
+                <a:tc>
+                  <a:txBody>
+                    <a:bodyPr/>
+                    <a:lstStyle/>
+                    <a:p>
+                      <a:pPr algn="ctr" latinLnBrk="1"/>
+                      <a:r>
+                        <a:rPr lang="ko-KR" altLang="en-US" sz="1100" dirty="0" err="1" smtClean="0">
+                          <a:latin typeface="삼성긴고딕OTF Regular" panose="020B0600000101010101" pitchFamily="34" charset="-127"/>
+                          <a:ea typeface="삼성긴고딕OTF Regular" panose="020B0600000101010101" pitchFamily="34" charset="-127"/>
+                        </a:rPr>
+                        <a:t>이펙티브</a:t>
+                      </a:r>
+                      <a:r>
+                        <a:rPr lang="ko-KR" altLang="en-US" sz="1100" dirty="0" smtClean="0">
+                          <a:latin typeface="삼성긴고딕OTF Regular" panose="020B0600000101010101" pitchFamily="34" charset="-127"/>
+                          <a:ea typeface="삼성긴고딕OTF Regular" panose="020B0600000101010101" pitchFamily="34" charset="-127"/>
+                        </a:rPr>
+                        <a:t> 자바</a:t>
+                      </a:r>
+                      <a:endParaRPr lang="ko-KR" altLang="en-US" sz="1100" dirty="0">
+                        <a:latin typeface="삼성긴고딕OTF Regular" panose="020B0600000101010101" pitchFamily="34" charset="-127"/>
+                        <a:ea typeface="삼성긴고딕OTF Regular" panose="020B0600000101010101" pitchFamily="34" charset="-127"/>
+                      </a:endParaRPr>
+                    </a:p>
+                  </a:txBody>
+                  <a:tcPr>
+                    <a:lnL w="6350" cap="flat" cmpd="sng" algn="ctr">
+                      <a:solidFill>
+                        <a:schemeClr val="tx1"/>
+                      </a:solidFill>
+                      <a:prstDash val="solid"/>
+                      <a:round/>
+                      <a:headEnd type="none" w="med" len="med"/>
+                      <a:tailEnd type="none" w="med" len="med"/>
+                    </a:lnL>
+                    <a:lnR w="6350" cap="flat" cmpd="sng" algn="ctr">
+                      <a:solidFill>
+                        <a:schemeClr val="tx1"/>
+                      </a:solidFill>
+                      <a:prstDash val="solid"/>
+                      <a:round/>
+                      <a:headEnd type="none" w="med" len="med"/>
+                      <a:tailEnd type="none" w="med" len="med"/>
+                    </a:lnR>
+                    <a:lnT w="6350" cap="flat" cmpd="sng" algn="ctr">
+                      <a:solidFill>
+                        <a:schemeClr val="tx1"/>
+                      </a:solidFill>
+                      <a:prstDash val="solid"/>
+                      <a:round/>
+                      <a:headEnd type="none" w="med" len="med"/>
+                      <a:tailEnd type="none" w="med" len="med"/>
+                    </a:lnT>
+                    <a:lnB w="6350" cap="flat" cmpd="sng" algn="ctr">
+                      <a:solidFill>
+                        <a:schemeClr val="tx1"/>
+                      </a:solidFill>
+                      <a:prstDash val="solid"/>
+                      <a:round/>
+                      <a:headEnd type="none" w="med" len="med"/>
+                      <a:tailEnd type="none" w="med" len="med"/>
+                    </a:lnB>
+                    <a:solidFill>
+                      <a:srgbClr val="F6F8FC"/>
+                    </a:solidFill>
+                  </a:tcPr>
+                </a:tc>
+                <a:tc>
+                  <a:txBody>
+                    <a:bodyPr/>
+                    <a:lstStyle/>
+                    <a:p>
+                      <a:pPr algn="ctr" latinLnBrk="1"/>
+                      <a:r>
+                        <a:rPr lang="en-US" altLang="ko-KR" sz="1100" dirty="0" smtClean="0">
+                          <a:latin typeface="삼성긴고딕OTF Regular" panose="020B0600000101010101" pitchFamily="34" charset="-127"/>
+                          <a:ea typeface="삼성긴고딕OTF Regular" panose="020B0600000101010101" pitchFamily="34" charset="-127"/>
+                        </a:rPr>
+                        <a:t>YES</a:t>
+                      </a:r>
+                      <a:r>
+                        <a:rPr lang="en-US" altLang="ko-KR" sz="1100" baseline="0" dirty="0" smtClean="0">
+                          <a:latin typeface="삼성긴고딕OTF Regular" panose="020B0600000101010101" pitchFamily="34" charset="-127"/>
+                          <a:ea typeface="삼성긴고딕OTF Regular" panose="020B0600000101010101" pitchFamily="34" charset="-127"/>
+                        </a:rPr>
+                        <a:t> 24</a:t>
+                      </a:r>
+                      <a:endParaRPr lang="ko-KR" altLang="en-US" sz="1100" dirty="0">
+                        <a:latin typeface="삼성긴고딕OTF Regular" panose="020B0600000101010101" pitchFamily="34" charset="-127"/>
+                        <a:ea typeface="삼성긴고딕OTF Regular" panose="020B0600000101010101" pitchFamily="34" charset="-127"/>
+                      </a:endParaRPr>
+                    </a:p>
+                  </a:txBody>
+                  <a:tcPr>
+                    <a:lnL w="6350" cap="flat" cmpd="sng" algn="ctr">
+                      <a:solidFill>
+                        <a:schemeClr val="tx1"/>
+                      </a:solidFill>
+                      <a:prstDash val="solid"/>
+                      <a:round/>
+                      <a:headEnd type="none" w="med" len="med"/>
+                      <a:tailEnd type="none" w="med" len="med"/>
+                    </a:lnL>
+                    <a:lnR w="6350" cap="flat" cmpd="sng" algn="ctr">
+                      <a:solidFill>
+                        <a:schemeClr val="tx1"/>
+                      </a:solidFill>
+                      <a:prstDash val="solid"/>
+                      <a:round/>
+                      <a:headEnd type="none" w="med" len="med"/>
+                      <a:tailEnd type="none" w="med" len="med"/>
+                    </a:lnR>
+                    <a:lnT w="6350" cap="flat" cmpd="sng" algn="ctr">
+                      <a:solidFill>
+                        <a:schemeClr val="tx1"/>
+                      </a:solidFill>
+                      <a:prstDash val="solid"/>
+                      <a:round/>
+                      <a:headEnd type="none" w="med" len="med"/>
+                      <a:tailEnd type="none" w="med" len="med"/>
+                    </a:lnT>
+                    <a:lnB w="6350" cap="flat" cmpd="sng" algn="ctr">
+                      <a:solidFill>
+                        <a:schemeClr val="tx1"/>
+                      </a:solidFill>
+                      <a:prstDash val="solid"/>
+                      <a:round/>
+                      <a:headEnd type="none" w="med" len="med"/>
+                      <a:tailEnd type="none" w="med" len="med"/>
+                    </a:lnB>
+                    <a:solidFill>
+                      <a:srgbClr val="F6F8FC"/>
+                    </a:solidFill>
+                  </a:tcPr>
+                </a:tc>
+                <a:tc>
+                  <a:txBody>
+                    <a:bodyPr/>
+                    <a:lstStyle/>
+                    <a:p>
+                      <a:pPr algn="ctr" latinLnBrk="1"/>
+                      <a:r>
+                        <a:rPr lang="en-US" altLang="ko-KR" sz="1100" dirty="0" smtClean="0">
+                          <a:latin typeface="삼성긴고딕OTF Regular" panose="020B0600000101010101" pitchFamily="34" charset="-127"/>
+                          <a:ea typeface="삼성긴고딕OTF Regular" panose="020B0600000101010101" pitchFamily="34" charset="-127"/>
+                        </a:rPr>
+                        <a:t>36,000</a:t>
+                      </a:r>
+                      <a:r>
+                        <a:rPr lang="ko-KR" altLang="en-US" sz="1100" dirty="0" smtClean="0">
+                          <a:latin typeface="삼성긴고딕OTF Regular" panose="020B0600000101010101" pitchFamily="34" charset="-127"/>
+                          <a:ea typeface="삼성긴고딕OTF Regular" panose="020B0600000101010101" pitchFamily="34" charset="-127"/>
+                        </a:rPr>
+                        <a:t>원</a:t>
+                      </a:r>
+                      <a:endParaRPr lang="ko-KR" altLang="en-US" sz="1100" dirty="0">
+                        <a:latin typeface="삼성긴고딕OTF Regular" panose="020B0600000101010101" pitchFamily="34" charset="-127"/>
+                        <a:ea typeface="삼성긴고딕OTF Regular" panose="020B0600000101010101" pitchFamily="34" charset="-127"/>
+                      </a:endParaRPr>
+                    </a:p>
+                  </a:txBody>
+                  <a:tcPr>
+                    <a:lnL w="6350" cap="flat" cmpd="sng" algn="ctr">
+                      <a:solidFill>
+                        <a:schemeClr val="tx1"/>
+                      </a:solidFill>
+                      <a:prstDash val="solid"/>
+                      <a:round/>
+                      <a:headEnd type="none" w="med" len="med"/>
+                      <a:tailEnd type="none" w="med" len="med"/>
+                    </a:lnL>
+                    <a:lnR w="6350" cap="flat" cmpd="sng" algn="ctr">
+                      <a:solidFill>
+                        <a:schemeClr val="tx1"/>
+                      </a:solidFill>
+                      <a:prstDash val="solid"/>
+                      <a:round/>
+                      <a:headEnd type="none" w="med" len="med"/>
+                      <a:tailEnd type="none" w="med" len="med"/>
+                    </a:lnR>
+                    <a:lnT w="6350" cap="flat" cmpd="sng" algn="ctr">
+                      <a:solidFill>
+                        <a:schemeClr val="tx1"/>
+                      </a:solidFill>
+                      <a:prstDash val="solid"/>
+                      <a:round/>
+                      <a:headEnd type="none" w="med" len="med"/>
+                      <a:tailEnd type="none" w="med" len="med"/>
+                    </a:lnT>
+                    <a:lnB w="6350" cap="flat" cmpd="sng" algn="ctr">
+                      <a:solidFill>
+                        <a:schemeClr val="tx1"/>
+                      </a:solidFill>
+                      <a:prstDash val="solid"/>
+                      <a:round/>
+                      <a:headEnd type="none" w="med" len="med"/>
+                      <a:tailEnd type="none" w="med" len="med"/>
+                    </a:lnB>
+                    <a:solidFill>
+                      <a:srgbClr val="F6F8FC"/>
+                    </a:solidFill>
+                  </a:tcPr>
+                </a:tc>
+                <a:tc>
+                  <a:txBody>
+                    <a:bodyPr/>
+                    <a:lstStyle/>
+                    <a:p>
+                      <a:pPr algn="ctr" latinLnBrk="1"/>
+                      <a:r>
+                        <a:rPr lang="en-US" altLang="ko-KR" sz="1100" dirty="0" smtClean="0">
+                          <a:latin typeface="삼성긴고딕OTF Regular" panose="020B0600000101010101" pitchFamily="34" charset="-127"/>
+                          <a:ea typeface="삼성긴고딕OTF Regular" panose="020B0600000101010101" pitchFamily="34" charset="-127"/>
+                        </a:rPr>
+                        <a:t>32,000</a:t>
+                      </a:r>
+                      <a:r>
+                        <a:rPr lang="ko-KR" altLang="en-US" sz="1100" dirty="0" smtClean="0">
+                          <a:latin typeface="삼성긴고딕OTF Regular" panose="020B0600000101010101" pitchFamily="34" charset="-127"/>
+                          <a:ea typeface="삼성긴고딕OTF Regular" panose="020B0600000101010101" pitchFamily="34" charset="-127"/>
+                        </a:rPr>
+                        <a:t>원</a:t>
+                      </a:r>
+                      <a:endParaRPr lang="ko-KR" altLang="en-US" sz="1100" dirty="0">
+                        <a:latin typeface="삼성긴고딕OTF Regular" panose="020B0600000101010101" pitchFamily="34" charset="-127"/>
+                        <a:ea typeface="삼성긴고딕OTF Regular" panose="020B0600000101010101" pitchFamily="34" charset="-127"/>
+                      </a:endParaRPr>
+                    </a:p>
+                  </a:txBody>
+                  <a:tcPr>
+                    <a:lnL w="6350" cap="flat" cmpd="sng" algn="ctr">
+                      <a:solidFill>
+                        <a:schemeClr val="tx1"/>
+                      </a:solidFill>
+                      <a:prstDash val="solid"/>
+                      <a:round/>
+                      <a:headEnd type="none" w="med" len="med"/>
+                      <a:tailEnd type="none" w="med" len="med"/>
+                    </a:lnL>
+                    <a:lnR w="6350" cap="flat" cmpd="sng" algn="ctr">
+                      <a:solidFill>
+                        <a:schemeClr val="tx1"/>
+                      </a:solidFill>
+                      <a:prstDash val="solid"/>
+                      <a:round/>
+                      <a:headEnd type="none" w="med" len="med"/>
+                      <a:tailEnd type="none" w="med" len="med"/>
+                    </a:lnR>
+                    <a:lnT w="6350" cap="flat" cmpd="sng" algn="ctr">
+                      <a:solidFill>
+                        <a:schemeClr val="tx1"/>
+                      </a:solidFill>
+                      <a:prstDash val="solid"/>
+                      <a:round/>
+                      <a:headEnd type="none" w="med" len="med"/>
+                      <a:tailEnd type="none" w="med" len="med"/>
+                    </a:lnT>
+                    <a:lnB w="6350" cap="flat" cmpd="sng" algn="ctr">
+                      <a:solidFill>
+                        <a:schemeClr val="tx1"/>
+                      </a:solidFill>
+                      <a:prstDash val="solid"/>
+                      <a:round/>
+                      <a:headEnd type="none" w="med" len="med"/>
+                      <a:tailEnd type="none" w="med" len="med"/>
+                    </a:lnB>
+                    <a:solidFill>
+                      <a:srgbClr val="F6F8FC"/>
+                    </a:solidFill>
+                  </a:tcPr>
+                </a:tc>
+                <a:extLst>
+                  <a:ext uri="{0D108BD9-81ED-4DB2-BD59-A6C34878D82A}">
+                    <a16:rowId xmlns:a16="http://schemas.microsoft.com/office/drawing/2014/main" val="1316063722"/>
+                  </a:ext>
+                </a:extLst>
+              </a:tr>
+              <a:tr h="288000">
+                <a:tc>
+                  <a:txBody>
+                    <a:bodyPr/>
+                    <a:lstStyle/>
+                    <a:p>
+                      <a:pPr marL="0" marR="0" indent="0" algn="ctr" defTabSz="914400" rtl="0" eaLnBrk="1" fontAlgn="auto" latinLnBrk="1" hangingPunct="1">
+                        <a:lnSpc>
+                          <a:spcPct val="100000"/>
+                        </a:lnSpc>
+                        <a:spcBef>
+                          <a:spcPts val="0"/>
+                        </a:spcBef>
+                        <a:spcAft>
+                          <a:spcPts val="0"/>
+                        </a:spcAft>
+                        <a:buClrTx/>
+                        <a:buSzTx/>
+                        <a:buFontTx/>
+                        <a:buNone/>
+                        <a:tabLst/>
+                        <a:defRPr/>
+                      </a:pPr>
+                      <a:r>
+                        <a:rPr lang="ko-KR" altLang="en-US" sz="1100" dirty="0" err="1" smtClean="0">
+                          <a:latin typeface="삼성긴고딕OTF Regular" panose="020B0600000101010101" pitchFamily="34" charset="-127"/>
+                          <a:ea typeface="삼성긴고딕OTF Regular" panose="020B0600000101010101" pitchFamily="34" charset="-127"/>
+                        </a:rPr>
+                        <a:t>이펙티브</a:t>
+                      </a:r>
+                      <a:r>
+                        <a:rPr lang="ko-KR" altLang="en-US" sz="1100" dirty="0" smtClean="0">
+                          <a:latin typeface="삼성긴고딕OTF Regular" panose="020B0600000101010101" pitchFamily="34" charset="-127"/>
+                          <a:ea typeface="삼성긴고딕OTF Regular" panose="020B0600000101010101" pitchFamily="34" charset="-127"/>
+                        </a:rPr>
+                        <a:t> 자바</a:t>
+                      </a:r>
+                    </a:p>
+                  </a:txBody>
+                  <a:tcPr>
+                    <a:lnL w="6350" cap="flat" cmpd="sng" algn="ctr">
+                      <a:solidFill>
+                        <a:schemeClr val="tx1"/>
+                      </a:solidFill>
+                      <a:prstDash val="solid"/>
+                      <a:round/>
+                      <a:headEnd type="none" w="med" len="med"/>
+                      <a:tailEnd type="none" w="med" len="med"/>
+                    </a:lnL>
+                    <a:lnR w="6350" cap="flat" cmpd="sng" algn="ctr">
+                      <a:solidFill>
+                        <a:schemeClr val="tx1"/>
+                      </a:solidFill>
+                      <a:prstDash val="solid"/>
+                      <a:round/>
+                      <a:headEnd type="none" w="med" len="med"/>
+                      <a:tailEnd type="none" w="med" len="med"/>
+                    </a:lnR>
+                    <a:lnT w="6350" cap="flat" cmpd="sng" algn="ctr">
+                      <a:solidFill>
+                        <a:schemeClr val="tx1"/>
+                      </a:solidFill>
+                      <a:prstDash val="solid"/>
+                      <a:round/>
+                      <a:headEnd type="none" w="med" len="med"/>
+                      <a:tailEnd type="none" w="med" len="med"/>
+                    </a:lnT>
+                    <a:lnB w="6350" cap="flat" cmpd="sng" algn="ctr">
+                      <a:solidFill>
+                        <a:schemeClr val="tx1"/>
+                      </a:solidFill>
+                      <a:prstDash val="solid"/>
+                      <a:round/>
+                      <a:headEnd type="none" w="med" len="med"/>
+                      <a:tailEnd type="none" w="med" len="med"/>
+                    </a:lnB>
+                    <a:solidFill>
+                      <a:srgbClr val="F6F8FC"/>
+                    </a:solidFill>
+                  </a:tcPr>
+                </a:tc>
+                <a:tc>
+                  <a:txBody>
+                    <a:bodyPr/>
+                    <a:lstStyle/>
+                    <a:p>
+                      <a:pPr algn="ctr" latinLnBrk="1"/>
+                      <a:r>
+                        <a:rPr lang="ko-KR" altLang="en-US" sz="1100" dirty="0" smtClean="0">
+                          <a:latin typeface="삼성긴고딕OTF Regular" panose="020B0600000101010101" pitchFamily="34" charset="-127"/>
+                          <a:ea typeface="삼성긴고딕OTF Regular" panose="020B0600000101010101" pitchFamily="34" charset="-127"/>
+                        </a:rPr>
+                        <a:t>알라딘</a:t>
+                      </a:r>
+                      <a:endParaRPr lang="ko-KR" altLang="en-US" sz="1100" dirty="0">
+                        <a:latin typeface="삼성긴고딕OTF Regular" panose="020B0600000101010101" pitchFamily="34" charset="-127"/>
+                        <a:ea typeface="삼성긴고딕OTF Regular" panose="020B0600000101010101" pitchFamily="34" charset="-127"/>
+                      </a:endParaRPr>
+                    </a:p>
+                  </a:txBody>
+                  <a:tcPr>
+                    <a:lnL w="6350" cap="flat" cmpd="sng" algn="ctr">
+                      <a:solidFill>
+                        <a:schemeClr val="tx1"/>
+                      </a:solidFill>
+                      <a:prstDash val="solid"/>
+                      <a:round/>
+                      <a:headEnd type="none" w="med" len="med"/>
+                      <a:tailEnd type="none" w="med" len="med"/>
+                    </a:lnL>
+                    <a:lnR w="6350" cap="flat" cmpd="sng" algn="ctr">
+                      <a:solidFill>
+                        <a:schemeClr val="tx1"/>
+                      </a:solidFill>
+                      <a:prstDash val="solid"/>
+                      <a:round/>
+                      <a:headEnd type="none" w="med" len="med"/>
+                      <a:tailEnd type="none" w="med" len="med"/>
+                    </a:lnR>
+                    <a:lnT w="6350" cap="flat" cmpd="sng" algn="ctr">
+                      <a:solidFill>
+                        <a:schemeClr val="tx1"/>
+                      </a:solidFill>
+                      <a:prstDash val="solid"/>
+                      <a:round/>
+                      <a:headEnd type="none" w="med" len="med"/>
+                      <a:tailEnd type="none" w="med" len="med"/>
+                    </a:lnT>
+                    <a:lnB w="6350" cap="flat" cmpd="sng" algn="ctr">
+                      <a:solidFill>
+                        <a:schemeClr val="tx1"/>
+                      </a:solidFill>
+                      <a:prstDash val="solid"/>
+                      <a:round/>
+                      <a:headEnd type="none" w="med" len="med"/>
+                      <a:tailEnd type="none" w="med" len="med"/>
+                    </a:lnB>
+                    <a:solidFill>
+                      <a:srgbClr val="F6F8FC"/>
+                    </a:solidFill>
+                  </a:tcPr>
+                </a:tc>
+                <a:tc>
+                  <a:txBody>
+                    <a:bodyPr/>
+                    <a:lstStyle/>
+                    <a:p>
+                      <a:pPr algn="ctr" latinLnBrk="1"/>
+                      <a:r>
+                        <a:rPr lang="en-US" altLang="ko-KR" sz="1100" dirty="0" smtClean="0">
+                          <a:latin typeface="삼성긴고딕OTF Regular" panose="020B0600000101010101" pitchFamily="34" charset="-127"/>
+                          <a:ea typeface="삼성긴고딕OTF Regular" panose="020B0600000101010101" pitchFamily="34" charset="-127"/>
+                        </a:rPr>
+                        <a:t>36,000</a:t>
+                      </a:r>
+                      <a:r>
+                        <a:rPr lang="ko-KR" altLang="en-US" sz="1100" dirty="0" smtClean="0">
+                          <a:latin typeface="삼성긴고딕OTF Regular" panose="020B0600000101010101" pitchFamily="34" charset="-127"/>
+                          <a:ea typeface="삼성긴고딕OTF Regular" panose="020B0600000101010101" pitchFamily="34" charset="-127"/>
+                        </a:rPr>
+                        <a:t>원</a:t>
+                      </a:r>
+                      <a:endParaRPr lang="ko-KR" altLang="en-US" sz="1100" dirty="0">
+                        <a:latin typeface="삼성긴고딕OTF Regular" panose="020B0600000101010101" pitchFamily="34" charset="-127"/>
+                        <a:ea typeface="삼성긴고딕OTF Regular" panose="020B0600000101010101" pitchFamily="34" charset="-127"/>
+                      </a:endParaRPr>
+                    </a:p>
+                  </a:txBody>
+                  <a:tcPr>
+                    <a:lnL w="6350" cap="flat" cmpd="sng" algn="ctr">
+                      <a:solidFill>
+                        <a:schemeClr val="tx1"/>
+                      </a:solidFill>
+                      <a:prstDash val="solid"/>
+                      <a:round/>
+                      <a:headEnd type="none" w="med" len="med"/>
+                      <a:tailEnd type="none" w="med" len="med"/>
+                    </a:lnL>
+                    <a:lnR w="6350" cap="flat" cmpd="sng" algn="ctr">
+                      <a:solidFill>
+                        <a:schemeClr val="tx1"/>
+                      </a:solidFill>
+                      <a:prstDash val="solid"/>
+                      <a:round/>
+                      <a:headEnd type="none" w="med" len="med"/>
+                      <a:tailEnd type="none" w="med" len="med"/>
+                    </a:lnR>
+                    <a:lnT w="6350" cap="flat" cmpd="sng" algn="ctr">
+                      <a:solidFill>
+                        <a:schemeClr val="tx1"/>
+                      </a:solidFill>
+                      <a:prstDash val="solid"/>
+                      <a:round/>
+                      <a:headEnd type="none" w="med" len="med"/>
+                      <a:tailEnd type="none" w="med" len="med"/>
+                    </a:lnT>
+                    <a:lnB w="6350" cap="flat" cmpd="sng" algn="ctr">
+                      <a:solidFill>
+                        <a:schemeClr val="tx1"/>
+                      </a:solidFill>
+                      <a:prstDash val="solid"/>
+                      <a:round/>
+                      <a:headEnd type="none" w="med" len="med"/>
+                      <a:tailEnd type="none" w="med" len="med"/>
+                    </a:lnB>
+                    <a:solidFill>
+                      <a:srgbClr val="F6F8FC"/>
+                    </a:solidFill>
+                  </a:tcPr>
+                </a:tc>
+                <a:tc>
+                  <a:txBody>
+                    <a:bodyPr/>
+                    <a:lstStyle/>
+                    <a:p>
+                      <a:pPr algn="ctr" latinLnBrk="1"/>
+                      <a:r>
+                        <a:rPr lang="en-US" altLang="ko-KR" sz="1100" dirty="0" smtClean="0">
+                          <a:latin typeface="삼성긴고딕OTF Regular" panose="020B0600000101010101" pitchFamily="34" charset="-127"/>
+                          <a:ea typeface="삼성긴고딕OTF Regular" panose="020B0600000101010101" pitchFamily="34" charset="-127"/>
+                        </a:rPr>
+                        <a:t>33,000</a:t>
+                      </a:r>
+                      <a:r>
+                        <a:rPr lang="ko-KR" altLang="en-US" sz="1100" dirty="0" smtClean="0">
+                          <a:latin typeface="삼성긴고딕OTF Regular" panose="020B0600000101010101" pitchFamily="34" charset="-127"/>
+                          <a:ea typeface="삼성긴고딕OTF Regular" panose="020B0600000101010101" pitchFamily="34" charset="-127"/>
+                        </a:rPr>
+                        <a:t>원</a:t>
+                      </a:r>
+                      <a:endParaRPr lang="ko-KR" altLang="en-US" sz="1100" dirty="0">
+                        <a:latin typeface="삼성긴고딕OTF Regular" panose="020B0600000101010101" pitchFamily="34" charset="-127"/>
+                        <a:ea typeface="삼성긴고딕OTF Regular" panose="020B0600000101010101" pitchFamily="34" charset="-127"/>
+                      </a:endParaRPr>
+                    </a:p>
+                  </a:txBody>
+                  <a:tcPr>
+                    <a:lnL w="6350" cap="flat" cmpd="sng" algn="ctr">
+                      <a:solidFill>
+                        <a:schemeClr val="tx1"/>
+                      </a:solidFill>
+                      <a:prstDash val="solid"/>
+                      <a:round/>
+                      <a:headEnd type="none" w="med" len="med"/>
+                      <a:tailEnd type="none" w="med" len="med"/>
+                    </a:lnL>
+                    <a:lnR w="6350" cap="flat" cmpd="sng" algn="ctr">
+                      <a:solidFill>
+                        <a:schemeClr val="tx1"/>
+                      </a:solidFill>
+                      <a:prstDash val="solid"/>
+                      <a:round/>
+                      <a:headEnd type="none" w="med" len="med"/>
+                      <a:tailEnd type="none" w="med" len="med"/>
+                    </a:lnR>
+                    <a:lnT w="6350" cap="flat" cmpd="sng" algn="ctr">
+                      <a:solidFill>
+                        <a:schemeClr val="tx1"/>
+                      </a:solidFill>
+                      <a:prstDash val="solid"/>
+                      <a:round/>
+                      <a:headEnd type="none" w="med" len="med"/>
+                      <a:tailEnd type="none" w="med" len="med"/>
+                    </a:lnT>
+                    <a:lnB w="6350" cap="flat" cmpd="sng" algn="ctr">
+                      <a:solidFill>
+                        <a:schemeClr val="tx1"/>
+                      </a:solidFill>
+                      <a:prstDash val="solid"/>
+                      <a:round/>
+                      <a:headEnd type="none" w="med" len="med"/>
+                      <a:tailEnd type="none" w="med" len="med"/>
+                    </a:lnB>
+                    <a:solidFill>
+                      <a:srgbClr val="F6F8FC"/>
+                    </a:solidFill>
+                  </a:tcPr>
+                </a:tc>
+                <a:extLst>
+                  <a:ext uri="{0D108BD9-81ED-4DB2-BD59-A6C34878D82A}">
+                    <a16:rowId xmlns:a16="http://schemas.microsoft.com/office/drawing/2014/main" val="322647196"/>
+                  </a:ext>
+                </a:extLst>
+              </a:tr>
+              <a:tr h="288000">
+                <a:tc>
+                  <a:txBody>
+                    <a:bodyPr/>
+                    <a:lstStyle/>
+                    <a:p>
+                      <a:pPr algn="ctr" latinLnBrk="1"/>
+                      <a:r>
+                        <a:rPr lang="ko-KR" altLang="en-US" sz="1100" dirty="0" smtClean="0">
+                          <a:latin typeface="삼성긴고딕OTF Regular" panose="020B0600000101010101" pitchFamily="34" charset="-127"/>
+                          <a:ea typeface="삼성긴고딕OTF Regular" panose="020B0600000101010101" pitchFamily="34" charset="-127"/>
+                        </a:rPr>
+                        <a:t>모던 자바 인 액션</a:t>
+                      </a:r>
+                      <a:endParaRPr lang="ko-KR" altLang="en-US" sz="1100" dirty="0">
+                        <a:latin typeface="삼성긴고딕OTF Regular" panose="020B0600000101010101" pitchFamily="34" charset="-127"/>
+                        <a:ea typeface="삼성긴고딕OTF Regular" panose="020B0600000101010101" pitchFamily="34" charset="-127"/>
+                      </a:endParaRPr>
+                    </a:p>
+                  </a:txBody>
+                  <a:tcPr>
+                    <a:lnL w="6350" cap="flat" cmpd="sng" algn="ctr">
+                      <a:solidFill>
+                        <a:schemeClr val="tx1"/>
+                      </a:solidFill>
+                      <a:prstDash val="solid"/>
+                      <a:round/>
+                      <a:headEnd type="none" w="med" len="med"/>
+                      <a:tailEnd type="none" w="med" len="med"/>
+                    </a:lnL>
+                    <a:lnR w="6350" cap="flat" cmpd="sng" algn="ctr">
+                      <a:solidFill>
+                        <a:schemeClr val="tx1"/>
+                      </a:solidFill>
+                      <a:prstDash val="solid"/>
+                      <a:round/>
+                      <a:headEnd type="none" w="med" len="med"/>
+                      <a:tailEnd type="none" w="med" len="med"/>
+                    </a:lnR>
+                    <a:lnT w="6350" cap="flat" cmpd="sng" algn="ctr">
+                      <a:solidFill>
+                        <a:schemeClr val="tx1"/>
+                      </a:solidFill>
+                      <a:prstDash val="solid"/>
+                      <a:round/>
+                      <a:headEnd type="none" w="med" len="med"/>
+                      <a:tailEnd type="none" w="med" len="med"/>
+                    </a:lnT>
+                    <a:lnB w="6350" cap="flat" cmpd="sng" algn="ctr">
+                      <a:solidFill>
+                        <a:schemeClr val="tx1"/>
+                      </a:solidFill>
+                      <a:prstDash val="solid"/>
+                      <a:round/>
+                      <a:headEnd type="none" w="med" len="med"/>
+                      <a:tailEnd type="none" w="med" len="med"/>
+                    </a:lnB>
+                    <a:solidFill>
+                      <a:srgbClr val="F6F8FC"/>
+                    </a:solidFill>
+                  </a:tcPr>
+                </a:tc>
+                <a:tc>
+                  <a:txBody>
+                    <a:bodyPr/>
+                    <a:lstStyle/>
+                    <a:p>
+                      <a:pPr algn="ctr" latinLnBrk="1"/>
+                      <a:r>
+                        <a:rPr lang="ko-KR" altLang="en-US" sz="1100" dirty="0" err="1" smtClean="0">
+                          <a:latin typeface="삼성긴고딕OTF Regular" panose="020B0600000101010101" pitchFamily="34" charset="-127"/>
+                          <a:ea typeface="삼성긴고딕OTF Regular" panose="020B0600000101010101" pitchFamily="34" charset="-127"/>
+                        </a:rPr>
+                        <a:t>교보문고</a:t>
+                      </a:r>
+                      <a:endParaRPr lang="ko-KR" altLang="en-US" sz="1100" dirty="0">
+                        <a:latin typeface="삼성긴고딕OTF Regular" panose="020B0600000101010101" pitchFamily="34" charset="-127"/>
+                        <a:ea typeface="삼성긴고딕OTF Regular" panose="020B0600000101010101" pitchFamily="34" charset="-127"/>
+                      </a:endParaRPr>
+                    </a:p>
+                  </a:txBody>
+                  <a:tcPr>
+                    <a:lnL w="6350" cap="flat" cmpd="sng" algn="ctr">
+                      <a:solidFill>
+                        <a:schemeClr val="tx1"/>
+                      </a:solidFill>
+                      <a:prstDash val="solid"/>
+                      <a:round/>
+                      <a:headEnd type="none" w="med" len="med"/>
+                      <a:tailEnd type="none" w="med" len="med"/>
+                    </a:lnL>
+                    <a:lnR w="6350" cap="flat" cmpd="sng" algn="ctr">
+                      <a:solidFill>
+                        <a:schemeClr val="tx1"/>
+                      </a:solidFill>
+                      <a:prstDash val="solid"/>
+                      <a:round/>
+                      <a:headEnd type="none" w="med" len="med"/>
+                      <a:tailEnd type="none" w="med" len="med"/>
+                    </a:lnR>
+                    <a:lnT w="6350" cap="flat" cmpd="sng" algn="ctr">
+                      <a:solidFill>
+                        <a:schemeClr val="tx1"/>
+                      </a:solidFill>
+                      <a:prstDash val="solid"/>
+                      <a:round/>
+                      <a:headEnd type="none" w="med" len="med"/>
+                      <a:tailEnd type="none" w="med" len="med"/>
+                    </a:lnT>
+                    <a:lnB w="6350" cap="flat" cmpd="sng" algn="ctr">
+                      <a:solidFill>
+                        <a:schemeClr val="tx1"/>
+                      </a:solidFill>
+                      <a:prstDash val="solid"/>
+                      <a:round/>
+                      <a:headEnd type="none" w="med" len="med"/>
+                      <a:tailEnd type="none" w="med" len="med"/>
+                    </a:lnB>
+                    <a:solidFill>
+                      <a:srgbClr val="F6F8FC"/>
+                    </a:solidFill>
+                  </a:tcPr>
+                </a:tc>
+                <a:tc>
+                  <a:txBody>
+                    <a:bodyPr/>
+                    <a:lstStyle/>
+                    <a:p>
+                      <a:pPr algn="ctr" latinLnBrk="1"/>
+                      <a:r>
+                        <a:rPr lang="en-US" altLang="ko-KR" sz="1100" dirty="0" smtClean="0">
+                          <a:latin typeface="삼성긴고딕OTF Regular" panose="020B0600000101010101" pitchFamily="34" charset="-127"/>
+                          <a:ea typeface="삼성긴고딕OTF Regular" panose="020B0600000101010101" pitchFamily="34" charset="-127"/>
+                        </a:rPr>
+                        <a:t>33,000</a:t>
+                      </a:r>
+                      <a:r>
+                        <a:rPr lang="ko-KR" altLang="en-US" sz="1100" dirty="0" smtClean="0">
+                          <a:latin typeface="삼성긴고딕OTF Regular" panose="020B0600000101010101" pitchFamily="34" charset="-127"/>
+                          <a:ea typeface="삼성긴고딕OTF Regular" panose="020B0600000101010101" pitchFamily="34" charset="-127"/>
+                        </a:rPr>
+                        <a:t>원</a:t>
+                      </a:r>
+                      <a:endParaRPr lang="ko-KR" altLang="en-US" sz="1100" dirty="0">
+                        <a:latin typeface="삼성긴고딕OTF Regular" panose="020B0600000101010101" pitchFamily="34" charset="-127"/>
+                        <a:ea typeface="삼성긴고딕OTF Regular" panose="020B0600000101010101" pitchFamily="34" charset="-127"/>
+                      </a:endParaRPr>
+                    </a:p>
+                  </a:txBody>
+                  <a:tcPr>
+                    <a:lnL w="6350" cap="flat" cmpd="sng" algn="ctr">
+                      <a:solidFill>
+                        <a:schemeClr val="tx1"/>
+                      </a:solidFill>
+                      <a:prstDash val="solid"/>
+                      <a:round/>
+                      <a:headEnd type="none" w="med" len="med"/>
+                      <a:tailEnd type="none" w="med" len="med"/>
+                    </a:lnL>
+                    <a:lnR w="6350" cap="flat" cmpd="sng" algn="ctr">
+                      <a:solidFill>
+                        <a:schemeClr val="tx1"/>
+                      </a:solidFill>
+                      <a:prstDash val="solid"/>
+                      <a:round/>
+                      <a:headEnd type="none" w="med" len="med"/>
+                      <a:tailEnd type="none" w="med" len="med"/>
+                    </a:lnR>
+                    <a:lnT w="6350" cap="flat" cmpd="sng" algn="ctr">
+                      <a:solidFill>
+                        <a:schemeClr val="tx1"/>
+                      </a:solidFill>
+                      <a:prstDash val="solid"/>
+                      <a:round/>
+                      <a:headEnd type="none" w="med" len="med"/>
+                      <a:tailEnd type="none" w="med" len="med"/>
+                    </a:lnT>
+                    <a:lnB w="6350" cap="flat" cmpd="sng" algn="ctr">
+                      <a:solidFill>
+                        <a:schemeClr val="tx1"/>
+                      </a:solidFill>
+                      <a:prstDash val="solid"/>
+                      <a:round/>
+                      <a:headEnd type="none" w="med" len="med"/>
+                      <a:tailEnd type="none" w="med" len="med"/>
+                    </a:lnB>
+                    <a:solidFill>
+                      <a:srgbClr val="F6F8FC"/>
+                    </a:solidFill>
+                  </a:tcPr>
+                </a:tc>
+                <a:tc>
+                  <a:txBody>
+                    <a:bodyPr/>
+                    <a:lstStyle/>
+                    <a:p>
+                      <a:pPr algn="ctr" latinLnBrk="1"/>
+                      <a:r>
+                        <a:rPr lang="en-US" altLang="ko-KR" sz="1100" dirty="0" smtClean="0">
+                          <a:latin typeface="삼성긴고딕OTF Regular" panose="020B0600000101010101" pitchFamily="34" charset="-127"/>
+                          <a:ea typeface="삼성긴고딕OTF Regular" panose="020B0600000101010101" pitchFamily="34" charset="-127"/>
+                        </a:rPr>
+                        <a:t>30,200</a:t>
+                      </a:r>
+                      <a:r>
+                        <a:rPr lang="ko-KR" altLang="en-US" sz="1100" dirty="0" smtClean="0">
+                          <a:latin typeface="삼성긴고딕OTF Regular" panose="020B0600000101010101" pitchFamily="34" charset="-127"/>
+                          <a:ea typeface="삼성긴고딕OTF Regular" panose="020B0600000101010101" pitchFamily="34" charset="-127"/>
+                        </a:rPr>
+                        <a:t>원</a:t>
+                      </a:r>
+                      <a:endParaRPr lang="ko-KR" altLang="en-US" sz="1100" dirty="0">
+                        <a:latin typeface="삼성긴고딕OTF Regular" panose="020B0600000101010101" pitchFamily="34" charset="-127"/>
+                        <a:ea typeface="삼성긴고딕OTF Regular" panose="020B0600000101010101" pitchFamily="34" charset="-127"/>
+                      </a:endParaRPr>
+                    </a:p>
+                  </a:txBody>
+                  <a:tcPr>
+                    <a:lnL w="6350" cap="flat" cmpd="sng" algn="ctr">
+                      <a:solidFill>
+                        <a:schemeClr val="tx1"/>
+                      </a:solidFill>
+                      <a:prstDash val="solid"/>
+                      <a:round/>
+                      <a:headEnd type="none" w="med" len="med"/>
+                      <a:tailEnd type="none" w="med" len="med"/>
+                    </a:lnL>
+                    <a:lnR w="6350" cap="flat" cmpd="sng" algn="ctr">
+                      <a:solidFill>
+                        <a:schemeClr val="tx1"/>
+                      </a:solidFill>
+                      <a:prstDash val="solid"/>
+                      <a:round/>
+                      <a:headEnd type="none" w="med" len="med"/>
+                      <a:tailEnd type="none" w="med" len="med"/>
+                    </a:lnR>
+                    <a:lnT w="6350" cap="flat" cmpd="sng" algn="ctr">
+                      <a:solidFill>
+                        <a:schemeClr val="tx1"/>
+                      </a:solidFill>
+                      <a:prstDash val="solid"/>
+                      <a:round/>
+                      <a:headEnd type="none" w="med" len="med"/>
+                      <a:tailEnd type="none" w="med" len="med"/>
+                    </a:lnT>
+                    <a:lnB w="6350" cap="flat" cmpd="sng" algn="ctr">
+                      <a:solidFill>
+                        <a:schemeClr val="tx1"/>
+                      </a:solidFill>
+                      <a:prstDash val="solid"/>
+                      <a:round/>
+                      <a:headEnd type="none" w="med" len="med"/>
+                      <a:tailEnd type="none" w="med" len="med"/>
+                    </a:lnB>
+                    <a:solidFill>
+                      <a:srgbClr val="F6F8FC"/>
+                    </a:solidFill>
+                  </a:tcPr>
+                </a:tc>
+                <a:extLst>
+                  <a:ext uri="{0D108BD9-81ED-4DB2-BD59-A6C34878D82A}">
+                    <a16:rowId xmlns:a16="http://schemas.microsoft.com/office/drawing/2014/main" val="2287395797"/>
+                  </a:ext>
+                </a:extLst>
+              </a:tr>
+              <a:tr h="288000">
+                <a:tc>
+                  <a:txBody>
+                    <a:bodyPr/>
+                    <a:lstStyle/>
+                    <a:p>
+                      <a:pPr algn="ctr" latinLnBrk="1"/>
+                      <a:r>
+                        <a:rPr lang="ko-KR" altLang="en-US" sz="1100" dirty="0" smtClean="0">
+                          <a:latin typeface="삼성긴고딕OTF Regular" panose="020B0600000101010101" pitchFamily="34" charset="-127"/>
+                          <a:ea typeface="삼성긴고딕OTF Regular" panose="020B0600000101010101" pitchFamily="34" charset="-127"/>
+                        </a:rPr>
+                        <a:t>모던 자바 인 액션</a:t>
+                      </a:r>
+                      <a:endParaRPr lang="ko-KR" altLang="en-US" sz="1100" dirty="0">
+                        <a:latin typeface="삼성긴고딕OTF Regular" panose="020B0600000101010101" pitchFamily="34" charset="-127"/>
+                        <a:ea typeface="삼성긴고딕OTF Regular" panose="020B0600000101010101" pitchFamily="34" charset="-127"/>
+                      </a:endParaRPr>
+                    </a:p>
+                  </a:txBody>
+                  <a:tcPr>
+                    <a:lnL w="6350" cap="flat" cmpd="sng" algn="ctr">
+                      <a:solidFill>
+                        <a:schemeClr val="tx1"/>
+                      </a:solidFill>
+                      <a:prstDash val="solid"/>
+                      <a:round/>
+                      <a:headEnd type="none" w="med" len="med"/>
+                      <a:tailEnd type="none" w="med" len="med"/>
+                    </a:lnL>
+                    <a:lnR w="6350" cap="flat" cmpd="sng" algn="ctr">
+                      <a:solidFill>
+                        <a:schemeClr val="tx1"/>
+                      </a:solidFill>
+                      <a:prstDash val="solid"/>
+                      <a:round/>
+                      <a:headEnd type="none" w="med" len="med"/>
+                      <a:tailEnd type="none" w="med" len="med"/>
+                    </a:lnR>
+                    <a:lnT w="6350" cap="flat" cmpd="sng" algn="ctr">
+                      <a:solidFill>
+                        <a:schemeClr val="tx1"/>
+                      </a:solidFill>
+                      <a:prstDash val="solid"/>
+                      <a:round/>
+                      <a:headEnd type="none" w="med" len="med"/>
+                      <a:tailEnd type="none" w="med" len="med"/>
+                    </a:lnT>
+                    <a:lnB w="6350" cap="flat" cmpd="sng" algn="ctr">
+                      <a:solidFill>
+                        <a:schemeClr val="tx1"/>
+                      </a:solidFill>
+                      <a:prstDash val="solid"/>
+                      <a:round/>
+                      <a:headEnd type="none" w="med" len="med"/>
+                      <a:tailEnd type="none" w="med" len="med"/>
+                    </a:lnB>
+                    <a:solidFill>
+                      <a:srgbClr val="F6F8FC"/>
+                    </a:solidFill>
+                  </a:tcPr>
+                </a:tc>
+                <a:tc>
+                  <a:txBody>
+                    <a:bodyPr/>
+                    <a:lstStyle/>
+                    <a:p>
+                      <a:pPr algn="ctr" latinLnBrk="1"/>
+                      <a:r>
+                        <a:rPr lang="en-US" altLang="ko-KR" sz="1100" dirty="0" smtClean="0">
+                          <a:latin typeface="삼성긴고딕OTF Regular" panose="020B0600000101010101" pitchFamily="34" charset="-127"/>
+                          <a:ea typeface="삼성긴고딕OTF Regular" panose="020B0600000101010101" pitchFamily="34" charset="-127"/>
+                        </a:rPr>
+                        <a:t>YES 24</a:t>
+                      </a:r>
+                      <a:endParaRPr lang="ko-KR" altLang="en-US" sz="1100" dirty="0">
+                        <a:latin typeface="삼성긴고딕OTF Regular" panose="020B0600000101010101" pitchFamily="34" charset="-127"/>
+                        <a:ea typeface="삼성긴고딕OTF Regular" panose="020B0600000101010101" pitchFamily="34" charset="-127"/>
+                      </a:endParaRPr>
+                    </a:p>
+                  </a:txBody>
+                  <a:tcPr>
+                    <a:lnL w="6350" cap="flat" cmpd="sng" algn="ctr">
+                      <a:solidFill>
+                        <a:schemeClr val="tx1"/>
+                      </a:solidFill>
+                      <a:prstDash val="solid"/>
+                      <a:round/>
+                      <a:headEnd type="none" w="med" len="med"/>
+                      <a:tailEnd type="none" w="med" len="med"/>
+                    </a:lnL>
+                    <a:lnR w="6350" cap="flat" cmpd="sng" algn="ctr">
+                      <a:solidFill>
+                        <a:schemeClr val="tx1"/>
+                      </a:solidFill>
+                      <a:prstDash val="solid"/>
+                      <a:round/>
+                      <a:headEnd type="none" w="med" len="med"/>
+                      <a:tailEnd type="none" w="med" len="med"/>
+                    </a:lnR>
+                    <a:lnT w="6350" cap="flat" cmpd="sng" algn="ctr">
+                      <a:solidFill>
+                        <a:schemeClr val="tx1"/>
+                      </a:solidFill>
+                      <a:prstDash val="solid"/>
+                      <a:round/>
+                      <a:headEnd type="none" w="med" len="med"/>
+                      <a:tailEnd type="none" w="med" len="med"/>
+                    </a:lnT>
+                    <a:lnB w="6350" cap="flat" cmpd="sng" algn="ctr">
+                      <a:solidFill>
+                        <a:schemeClr val="tx1"/>
+                      </a:solidFill>
+                      <a:prstDash val="solid"/>
+                      <a:round/>
+                      <a:headEnd type="none" w="med" len="med"/>
+                      <a:tailEnd type="none" w="med" len="med"/>
+                    </a:lnB>
+                    <a:solidFill>
+                      <a:srgbClr val="F6F8FC"/>
+                    </a:solidFill>
+                  </a:tcPr>
+                </a:tc>
+                <a:tc>
+                  <a:txBody>
+                    <a:bodyPr/>
+                    <a:lstStyle/>
+                    <a:p>
+                      <a:pPr algn="ctr" latinLnBrk="1"/>
+                      <a:r>
+                        <a:rPr lang="en-US" altLang="ko-KR" sz="1100" dirty="0" smtClean="0">
+                          <a:latin typeface="삼성긴고딕OTF Regular" panose="020B0600000101010101" pitchFamily="34" charset="-127"/>
+                          <a:ea typeface="삼성긴고딕OTF Regular" panose="020B0600000101010101" pitchFamily="34" charset="-127"/>
+                        </a:rPr>
+                        <a:t>33,000</a:t>
+                      </a:r>
+                      <a:r>
+                        <a:rPr lang="ko-KR" altLang="en-US" sz="1100" dirty="0" smtClean="0">
+                          <a:latin typeface="삼성긴고딕OTF Regular" panose="020B0600000101010101" pitchFamily="34" charset="-127"/>
+                          <a:ea typeface="삼성긴고딕OTF Regular" panose="020B0600000101010101" pitchFamily="34" charset="-127"/>
+                        </a:rPr>
+                        <a:t>원</a:t>
+                      </a:r>
+                      <a:endParaRPr lang="ko-KR" altLang="en-US" sz="1100" dirty="0">
+                        <a:latin typeface="삼성긴고딕OTF Regular" panose="020B0600000101010101" pitchFamily="34" charset="-127"/>
+                        <a:ea typeface="삼성긴고딕OTF Regular" panose="020B0600000101010101" pitchFamily="34" charset="-127"/>
+                      </a:endParaRPr>
+                    </a:p>
+                  </a:txBody>
+                  <a:tcPr>
+                    <a:lnL w="6350" cap="flat" cmpd="sng" algn="ctr">
+                      <a:solidFill>
+                        <a:schemeClr val="tx1"/>
+                      </a:solidFill>
+                      <a:prstDash val="solid"/>
+                      <a:round/>
+                      <a:headEnd type="none" w="med" len="med"/>
+                      <a:tailEnd type="none" w="med" len="med"/>
+                    </a:lnL>
+                    <a:lnR w="6350" cap="flat" cmpd="sng" algn="ctr">
+                      <a:solidFill>
+                        <a:schemeClr val="tx1"/>
+                      </a:solidFill>
+                      <a:prstDash val="solid"/>
+                      <a:round/>
+                      <a:headEnd type="none" w="med" len="med"/>
+                      <a:tailEnd type="none" w="med" len="med"/>
+                    </a:lnR>
+                    <a:lnT w="6350" cap="flat" cmpd="sng" algn="ctr">
+                      <a:solidFill>
+                        <a:schemeClr val="tx1"/>
+                      </a:solidFill>
+                      <a:prstDash val="solid"/>
+                      <a:round/>
+                      <a:headEnd type="none" w="med" len="med"/>
+                      <a:tailEnd type="none" w="med" len="med"/>
+                    </a:lnT>
+                    <a:lnB w="6350" cap="flat" cmpd="sng" algn="ctr">
+                      <a:solidFill>
+                        <a:schemeClr val="tx1"/>
+                      </a:solidFill>
+                      <a:prstDash val="solid"/>
+                      <a:round/>
+                      <a:headEnd type="none" w="med" len="med"/>
+                      <a:tailEnd type="none" w="med" len="med"/>
+                    </a:lnB>
+                    <a:solidFill>
+                      <a:srgbClr val="F6F8FC"/>
+                    </a:solidFill>
+                  </a:tcPr>
+                </a:tc>
+                <a:tc>
+                  <a:txBody>
+                    <a:bodyPr/>
+                    <a:lstStyle/>
+                    <a:p>
+                      <a:pPr algn="ctr" latinLnBrk="1"/>
+                      <a:r>
+                        <a:rPr lang="en-US" altLang="ko-KR" sz="1100" dirty="0" smtClean="0">
+                          <a:latin typeface="삼성긴고딕OTF Regular" panose="020B0600000101010101" pitchFamily="34" charset="-127"/>
+                          <a:ea typeface="삼성긴고딕OTF Regular" panose="020B0600000101010101" pitchFamily="34" charset="-127"/>
+                        </a:rPr>
+                        <a:t>30,000</a:t>
+                      </a:r>
+                      <a:r>
+                        <a:rPr lang="ko-KR" altLang="en-US" sz="1100" dirty="0" smtClean="0">
+                          <a:latin typeface="삼성긴고딕OTF Regular" panose="020B0600000101010101" pitchFamily="34" charset="-127"/>
+                          <a:ea typeface="삼성긴고딕OTF Regular" panose="020B0600000101010101" pitchFamily="34" charset="-127"/>
+                        </a:rPr>
+                        <a:t>원</a:t>
+                      </a:r>
+                      <a:endParaRPr lang="ko-KR" altLang="en-US" sz="1100" dirty="0">
+                        <a:latin typeface="삼성긴고딕OTF Regular" panose="020B0600000101010101" pitchFamily="34" charset="-127"/>
+                        <a:ea typeface="삼성긴고딕OTF Regular" panose="020B0600000101010101" pitchFamily="34" charset="-127"/>
+                      </a:endParaRPr>
+                    </a:p>
+                  </a:txBody>
+                  <a:tcPr>
+                    <a:lnL w="6350" cap="flat" cmpd="sng" algn="ctr">
+                      <a:solidFill>
+                        <a:schemeClr val="tx1"/>
+                      </a:solidFill>
+                      <a:prstDash val="solid"/>
+                      <a:round/>
+                      <a:headEnd type="none" w="med" len="med"/>
+                      <a:tailEnd type="none" w="med" len="med"/>
+                    </a:lnL>
+                    <a:lnR w="6350" cap="flat" cmpd="sng" algn="ctr">
+                      <a:solidFill>
+                        <a:schemeClr val="tx1"/>
+                      </a:solidFill>
+                      <a:prstDash val="solid"/>
+                      <a:round/>
+                      <a:headEnd type="none" w="med" len="med"/>
+                      <a:tailEnd type="none" w="med" len="med"/>
+                    </a:lnR>
+                    <a:lnT w="6350" cap="flat" cmpd="sng" algn="ctr">
+                      <a:solidFill>
+                        <a:schemeClr val="tx1"/>
+                      </a:solidFill>
+                      <a:prstDash val="solid"/>
+                      <a:round/>
+                      <a:headEnd type="none" w="med" len="med"/>
+                      <a:tailEnd type="none" w="med" len="med"/>
+                    </a:lnT>
+                    <a:lnB w="6350" cap="flat" cmpd="sng" algn="ctr">
+                      <a:solidFill>
+                        <a:schemeClr val="tx1"/>
+                      </a:solidFill>
+                      <a:prstDash val="solid"/>
+                      <a:round/>
+                      <a:headEnd type="none" w="med" len="med"/>
+                      <a:tailEnd type="none" w="med" len="med"/>
+                    </a:lnB>
+                    <a:solidFill>
+                      <a:srgbClr val="F6F8FC"/>
+                    </a:solidFill>
+                  </a:tcPr>
+                </a:tc>
+                <a:extLst>
+                  <a:ext uri="{0D108BD9-81ED-4DB2-BD59-A6C34878D82A}">
+                    <a16:rowId xmlns:a16="http://schemas.microsoft.com/office/drawing/2014/main" val="595393080"/>
+                  </a:ext>
+                </a:extLst>
+              </a:tr>
+              <a:tr h="288000">
+                <a:tc>
+                  <a:txBody>
+                    <a:bodyPr/>
+                    <a:lstStyle/>
+                    <a:p>
+                      <a:pPr algn="ctr" latinLnBrk="1"/>
+                      <a:r>
+                        <a:rPr lang="ko-KR" altLang="en-US" sz="1100" dirty="0" smtClean="0">
+                          <a:latin typeface="삼성긴고딕OTF Regular" panose="020B0600000101010101" pitchFamily="34" charset="-127"/>
+                          <a:ea typeface="삼성긴고딕OTF Regular" panose="020B0600000101010101" pitchFamily="34" charset="-127"/>
+                        </a:rPr>
+                        <a:t>모던 자바 인 액션</a:t>
+                      </a:r>
+                      <a:endParaRPr lang="ko-KR" altLang="en-US" sz="1100" dirty="0">
+                        <a:latin typeface="삼성긴고딕OTF Regular" panose="020B0600000101010101" pitchFamily="34" charset="-127"/>
+                        <a:ea typeface="삼성긴고딕OTF Regular" panose="020B0600000101010101" pitchFamily="34" charset="-127"/>
+                      </a:endParaRPr>
+                    </a:p>
+                  </a:txBody>
+                  <a:tcPr>
+                    <a:lnL w="6350" cap="flat" cmpd="sng" algn="ctr">
+                      <a:solidFill>
+                        <a:schemeClr val="tx1"/>
+                      </a:solidFill>
+                      <a:prstDash val="solid"/>
+                      <a:round/>
+                      <a:headEnd type="none" w="med" len="med"/>
+                      <a:tailEnd type="none" w="med" len="med"/>
+                    </a:lnL>
+                    <a:lnR w="6350" cap="flat" cmpd="sng" algn="ctr">
+                      <a:solidFill>
+                        <a:schemeClr val="tx1"/>
+                      </a:solidFill>
+                      <a:prstDash val="solid"/>
+                      <a:round/>
+                      <a:headEnd type="none" w="med" len="med"/>
+                      <a:tailEnd type="none" w="med" len="med"/>
+                    </a:lnR>
+                    <a:lnT w="6350" cap="flat" cmpd="sng" algn="ctr">
+                      <a:solidFill>
+                        <a:schemeClr val="tx1"/>
+                      </a:solidFill>
+                      <a:prstDash val="solid"/>
+                      <a:round/>
+                      <a:headEnd type="none" w="med" len="med"/>
+                      <a:tailEnd type="none" w="med" len="med"/>
+                    </a:lnT>
+                    <a:lnB w="6350" cap="flat" cmpd="sng" algn="ctr">
+                      <a:solidFill>
+                        <a:schemeClr val="tx1"/>
+                      </a:solidFill>
+                      <a:prstDash val="solid"/>
+                      <a:round/>
+                      <a:headEnd type="none" w="med" len="med"/>
+                      <a:tailEnd type="none" w="med" len="med"/>
+                    </a:lnB>
+                    <a:solidFill>
+                      <a:srgbClr val="F6F8FC"/>
+                    </a:solidFill>
+                  </a:tcPr>
+                </a:tc>
+                <a:tc>
+                  <a:txBody>
+                    <a:bodyPr/>
+                    <a:lstStyle/>
+                    <a:p>
+                      <a:pPr algn="ctr" latinLnBrk="1"/>
+                      <a:r>
+                        <a:rPr lang="ko-KR" altLang="en-US" sz="1100" dirty="0" smtClean="0">
+                          <a:latin typeface="삼성긴고딕OTF Regular" panose="020B0600000101010101" pitchFamily="34" charset="-127"/>
+                          <a:ea typeface="삼성긴고딕OTF Regular" panose="020B0600000101010101" pitchFamily="34" charset="-127"/>
+                        </a:rPr>
+                        <a:t>알라딘</a:t>
+                      </a:r>
+                      <a:endParaRPr lang="ko-KR" altLang="en-US" sz="1100" dirty="0">
+                        <a:latin typeface="삼성긴고딕OTF Regular" panose="020B0600000101010101" pitchFamily="34" charset="-127"/>
+                        <a:ea typeface="삼성긴고딕OTF Regular" panose="020B0600000101010101" pitchFamily="34" charset="-127"/>
+                      </a:endParaRPr>
+                    </a:p>
+                  </a:txBody>
+                  <a:tcPr>
+                    <a:lnL w="6350" cap="flat" cmpd="sng" algn="ctr">
+                      <a:solidFill>
+                        <a:schemeClr val="tx1"/>
+                      </a:solidFill>
+                      <a:prstDash val="solid"/>
+                      <a:round/>
+                      <a:headEnd type="none" w="med" len="med"/>
+                      <a:tailEnd type="none" w="med" len="med"/>
+                    </a:lnL>
+                    <a:lnR w="6350" cap="flat" cmpd="sng" algn="ctr">
+                      <a:solidFill>
+                        <a:schemeClr val="tx1"/>
+                      </a:solidFill>
+                      <a:prstDash val="solid"/>
+                      <a:round/>
+                      <a:headEnd type="none" w="med" len="med"/>
+                      <a:tailEnd type="none" w="med" len="med"/>
+                    </a:lnR>
+                    <a:lnT w="6350" cap="flat" cmpd="sng" algn="ctr">
+                      <a:solidFill>
+                        <a:schemeClr val="tx1"/>
+                      </a:solidFill>
+                      <a:prstDash val="solid"/>
+                      <a:round/>
+                      <a:headEnd type="none" w="med" len="med"/>
+                      <a:tailEnd type="none" w="med" len="med"/>
+                    </a:lnT>
+                    <a:lnB w="6350" cap="flat" cmpd="sng" algn="ctr">
+                      <a:solidFill>
+                        <a:schemeClr val="tx1"/>
+                      </a:solidFill>
+                      <a:prstDash val="solid"/>
+                      <a:round/>
+                      <a:headEnd type="none" w="med" len="med"/>
+                      <a:tailEnd type="none" w="med" len="med"/>
+                    </a:lnB>
+                    <a:solidFill>
+                      <a:srgbClr val="F6F8FC"/>
+                    </a:solidFill>
+                  </a:tcPr>
+                </a:tc>
+                <a:tc>
+                  <a:txBody>
+                    <a:bodyPr/>
+                    <a:lstStyle/>
+                    <a:p>
+                      <a:pPr algn="ctr" latinLnBrk="1"/>
+                      <a:r>
+                        <a:rPr lang="en-US" altLang="ko-KR" sz="1100" dirty="0" smtClean="0">
+                          <a:latin typeface="삼성긴고딕OTF Regular" panose="020B0600000101010101" pitchFamily="34" charset="-127"/>
+                          <a:ea typeface="삼성긴고딕OTF Regular" panose="020B0600000101010101" pitchFamily="34" charset="-127"/>
+                        </a:rPr>
+                        <a:t>33,000</a:t>
+                      </a:r>
+                      <a:r>
+                        <a:rPr lang="ko-KR" altLang="en-US" sz="1100" dirty="0" smtClean="0">
+                          <a:latin typeface="삼성긴고딕OTF Regular" panose="020B0600000101010101" pitchFamily="34" charset="-127"/>
+                          <a:ea typeface="삼성긴고딕OTF Regular" panose="020B0600000101010101" pitchFamily="34" charset="-127"/>
+                        </a:rPr>
+                        <a:t>원</a:t>
+                      </a:r>
+                      <a:endParaRPr lang="ko-KR" altLang="en-US" sz="1100" dirty="0">
+                        <a:latin typeface="삼성긴고딕OTF Regular" panose="020B0600000101010101" pitchFamily="34" charset="-127"/>
+                        <a:ea typeface="삼성긴고딕OTF Regular" panose="020B0600000101010101" pitchFamily="34" charset="-127"/>
+                      </a:endParaRPr>
+                    </a:p>
+                  </a:txBody>
+                  <a:tcPr>
+                    <a:lnL w="6350" cap="flat" cmpd="sng" algn="ctr">
+                      <a:solidFill>
+                        <a:schemeClr val="tx1"/>
+                      </a:solidFill>
+                      <a:prstDash val="solid"/>
+                      <a:round/>
+                      <a:headEnd type="none" w="med" len="med"/>
+                      <a:tailEnd type="none" w="med" len="med"/>
+                    </a:lnL>
+                    <a:lnR w="6350" cap="flat" cmpd="sng" algn="ctr">
+                      <a:solidFill>
+                        <a:schemeClr val="tx1"/>
+                      </a:solidFill>
+                      <a:prstDash val="solid"/>
+                      <a:round/>
+                      <a:headEnd type="none" w="med" len="med"/>
+                      <a:tailEnd type="none" w="med" len="med"/>
+                    </a:lnR>
+                    <a:lnT w="6350" cap="flat" cmpd="sng" algn="ctr">
+                      <a:solidFill>
+                        <a:schemeClr val="tx1"/>
+                      </a:solidFill>
+                      <a:prstDash val="solid"/>
+                      <a:round/>
+                      <a:headEnd type="none" w="med" len="med"/>
+                      <a:tailEnd type="none" w="med" len="med"/>
+                    </a:lnT>
+                    <a:lnB w="6350" cap="flat" cmpd="sng" algn="ctr">
+                      <a:solidFill>
+                        <a:schemeClr val="tx1"/>
+                      </a:solidFill>
+                      <a:prstDash val="solid"/>
+                      <a:round/>
+                      <a:headEnd type="none" w="med" len="med"/>
+                      <a:tailEnd type="none" w="med" len="med"/>
+                    </a:lnB>
+                    <a:solidFill>
+                      <a:srgbClr val="F6F8FC"/>
+                    </a:solidFill>
+                  </a:tcPr>
+                </a:tc>
+                <a:tc>
+                  <a:txBody>
+                    <a:bodyPr/>
+                    <a:lstStyle/>
+                    <a:p>
+                      <a:pPr algn="ctr" latinLnBrk="1"/>
+                      <a:r>
+                        <a:rPr lang="en-US" altLang="ko-KR" sz="1100" dirty="0" smtClean="0">
+                          <a:latin typeface="삼성긴고딕OTF Regular" panose="020B0600000101010101" pitchFamily="34" charset="-127"/>
+                          <a:ea typeface="삼성긴고딕OTF Regular" panose="020B0600000101010101" pitchFamily="34" charset="-127"/>
+                        </a:rPr>
+                        <a:t>31,200</a:t>
+                      </a:r>
+                      <a:r>
+                        <a:rPr lang="ko-KR" altLang="en-US" sz="1100" dirty="0" smtClean="0">
+                          <a:latin typeface="삼성긴고딕OTF Regular" panose="020B0600000101010101" pitchFamily="34" charset="-127"/>
+                          <a:ea typeface="삼성긴고딕OTF Regular" panose="020B0600000101010101" pitchFamily="34" charset="-127"/>
+                        </a:rPr>
+                        <a:t>원</a:t>
+                      </a:r>
+                      <a:endParaRPr lang="ko-KR" altLang="en-US" sz="1100" dirty="0">
+                        <a:latin typeface="삼성긴고딕OTF Regular" panose="020B0600000101010101" pitchFamily="34" charset="-127"/>
+                        <a:ea typeface="삼성긴고딕OTF Regular" panose="020B0600000101010101" pitchFamily="34" charset="-127"/>
+                      </a:endParaRPr>
+                    </a:p>
+                  </a:txBody>
+                  <a:tcPr>
+                    <a:lnL w="6350" cap="flat" cmpd="sng" algn="ctr">
+                      <a:solidFill>
+                        <a:schemeClr val="tx1"/>
+                      </a:solidFill>
+                      <a:prstDash val="solid"/>
+                      <a:round/>
+                      <a:headEnd type="none" w="med" len="med"/>
+                      <a:tailEnd type="none" w="med" len="med"/>
+                    </a:lnL>
+                    <a:lnR w="6350" cap="flat" cmpd="sng" algn="ctr">
+                      <a:solidFill>
+                        <a:schemeClr val="tx1"/>
+                      </a:solidFill>
+                      <a:prstDash val="solid"/>
+                      <a:round/>
+                      <a:headEnd type="none" w="med" len="med"/>
+                      <a:tailEnd type="none" w="med" len="med"/>
+                    </a:lnR>
+                    <a:lnT w="6350" cap="flat" cmpd="sng" algn="ctr">
+                      <a:solidFill>
+                        <a:schemeClr val="tx1"/>
+                      </a:solidFill>
+                      <a:prstDash val="solid"/>
+                      <a:round/>
+                      <a:headEnd type="none" w="med" len="med"/>
+                      <a:tailEnd type="none" w="med" len="med"/>
+                    </a:lnT>
+                    <a:lnB w="6350" cap="flat" cmpd="sng" algn="ctr">
+                      <a:solidFill>
+                        <a:schemeClr val="tx1"/>
+                      </a:solidFill>
+                      <a:prstDash val="solid"/>
+                      <a:round/>
+                      <a:headEnd type="none" w="med" len="med"/>
+                      <a:tailEnd type="none" w="med" len="med"/>
+                    </a:lnB>
+                    <a:solidFill>
+                      <a:srgbClr val="F6F8FC"/>
+                    </a:solidFill>
+                  </a:tcPr>
+                </a:tc>
+                <a:extLst>
+                  <a:ext uri="{0D108BD9-81ED-4DB2-BD59-A6C34878D82A}">
+                    <a16:rowId xmlns:a16="http://schemas.microsoft.com/office/drawing/2014/main" val="412800240"/>
+                  </a:ext>
+                </a:extLst>
+              </a:tr>
+              <a:tr h="288000">
+                <a:tc>
+                  <a:txBody>
+                    <a:bodyPr/>
+                    <a:lstStyle/>
+                    <a:p>
+                      <a:pPr algn="ctr" latinLnBrk="1"/>
+                      <a:r>
+                        <a:rPr lang="ko-KR" altLang="en-US" sz="1100" dirty="0" smtClean="0">
+                          <a:latin typeface="삼성긴고딕OTF Regular" panose="020B0600000101010101" pitchFamily="34" charset="-127"/>
+                          <a:ea typeface="삼성긴고딕OTF Regular" panose="020B0600000101010101" pitchFamily="34" charset="-127"/>
+                        </a:rPr>
+                        <a:t>알고리즘 문제 해결 전략</a:t>
+                      </a:r>
+                      <a:endParaRPr lang="ko-KR" altLang="en-US" sz="1100" dirty="0">
+                        <a:latin typeface="삼성긴고딕OTF Regular" panose="020B0600000101010101" pitchFamily="34" charset="-127"/>
+                        <a:ea typeface="삼성긴고딕OTF Regular" panose="020B0600000101010101" pitchFamily="34" charset="-127"/>
+                      </a:endParaRPr>
+                    </a:p>
+                  </a:txBody>
+                  <a:tcPr>
+                    <a:lnL w="6350" cap="flat" cmpd="sng" algn="ctr">
+                      <a:solidFill>
+                        <a:schemeClr val="tx1"/>
+                      </a:solidFill>
+                      <a:prstDash val="solid"/>
+                      <a:round/>
+                      <a:headEnd type="none" w="med" len="med"/>
+                      <a:tailEnd type="none" w="med" len="med"/>
+                    </a:lnL>
+                    <a:lnR w="6350" cap="flat" cmpd="sng" algn="ctr">
+                      <a:solidFill>
+                        <a:schemeClr val="tx1"/>
+                      </a:solidFill>
+                      <a:prstDash val="solid"/>
+                      <a:round/>
+                      <a:headEnd type="none" w="med" len="med"/>
+                      <a:tailEnd type="none" w="med" len="med"/>
+                    </a:lnR>
+                    <a:lnT w="6350" cap="flat" cmpd="sng" algn="ctr">
+                      <a:solidFill>
+                        <a:schemeClr val="tx1"/>
+                      </a:solidFill>
+                      <a:prstDash val="solid"/>
+                      <a:round/>
+                      <a:headEnd type="none" w="med" len="med"/>
+                      <a:tailEnd type="none" w="med" len="med"/>
+                    </a:lnT>
+                    <a:lnB w="6350" cap="flat" cmpd="sng" algn="ctr">
+                      <a:solidFill>
+                        <a:schemeClr val="tx1"/>
+                      </a:solidFill>
+                      <a:prstDash val="solid"/>
+                      <a:round/>
+                      <a:headEnd type="none" w="med" len="med"/>
+                      <a:tailEnd type="none" w="med" len="med"/>
+                    </a:lnB>
+                    <a:solidFill>
+                      <a:srgbClr val="F6F8FC"/>
+                    </a:solidFill>
+                  </a:tcPr>
+                </a:tc>
+                <a:tc>
+                  <a:txBody>
+                    <a:bodyPr/>
+                    <a:lstStyle/>
+                    <a:p>
+                      <a:pPr algn="ctr" latinLnBrk="1"/>
+                      <a:r>
+                        <a:rPr lang="ko-KR" altLang="en-US" sz="1100" dirty="0" err="1" smtClean="0">
+                          <a:latin typeface="삼성긴고딕OTF Regular" panose="020B0600000101010101" pitchFamily="34" charset="-127"/>
+                          <a:ea typeface="삼성긴고딕OTF Regular" panose="020B0600000101010101" pitchFamily="34" charset="-127"/>
+                        </a:rPr>
+                        <a:t>교보문고</a:t>
+                      </a:r>
+                      <a:endParaRPr lang="ko-KR" altLang="en-US" sz="1100" dirty="0">
+                        <a:latin typeface="삼성긴고딕OTF Regular" panose="020B0600000101010101" pitchFamily="34" charset="-127"/>
+                        <a:ea typeface="삼성긴고딕OTF Regular" panose="020B0600000101010101" pitchFamily="34" charset="-127"/>
+                      </a:endParaRPr>
+                    </a:p>
+                  </a:txBody>
+                  <a:tcPr>
+                    <a:lnL w="6350" cap="flat" cmpd="sng" algn="ctr">
+                      <a:solidFill>
+                        <a:schemeClr val="tx1"/>
+                      </a:solidFill>
+                      <a:prstDash val="solid"/>
+                      <a:round/>
+                      <a:headEnd type="none" w="med" len="med"/>
+                      <a:tailEnd type="none" w="med" len="med"/>
+                    </a:lnL>
+                    <a:lnR w="6350" cap="flat" cmpd="sng" algn="ctr">
+                      <a:solidFill>
+                        <a:schemeClr val="tx1"/>
+                      </a:solidFill>
+                      <a:prstDash val="solid"/>
+                      <a:round/>
+                      <a:headEnd type="none" w="med" len="med"/>
+                      <a:tailEnd type="none" w="med" len="med"/>
+                    </a:lnR>
+                    <a:lnT w="6350" cap="flat" cmpd="sng" algn="ctr">
+                      <a:solidFill>
+                        <a:schemeClr val="tx1"/>
+                      </a:solidFill>
+                      <a:prstDash val="solid"/>
+                      <a:round/>
+                      <a:headEnd type="none" w="med" len="med"/>
+                      <a:tailEnd type="none" w="med" len="med"/>
+                    </a:lnT>
+                    <a:lnB w="6350" cap="flat" cmpd="sng" algn="ctr">
+                      <a:solidFill>
+                        <a:schemeClr val="tx1"/>
+                      </a:solidFill>
+                      <a:prstDash val="solid"/>
+                      <a:round/>
+                      <a:headEnd type="none" w="med" len="med"/>
+                      <a:tailEnd type="none" w="med" len="med"/>
+                    </a:lnB>
+                    <a:solidFill>
+                      <a:srgbClr val="F6F8FC"/>
+                    </a:solidFill>
+                  </a:tcPr>
+                </a:tc>
+                <a:tc>
+                  <a:txBody>
+                    <a:bodyPr/>
+                    <a:lstStyle/>
+                    <a:p>
+                      <a:pPr algn="ctr" latinLnBrk="1"/>
+                      <a:r>
+                        <a:rPr lang="en-US" altLang="ko-KR" sz="1100" dirty="0" smtClean="0">
+                          <a:latin typeface="삼성긴고딕OTF Regular" panose="020B0600000101010101" pitchFamily="34" charset="-127"/>
+                          <a:ea typeface="삼성긴고딕OTF Regular" panose="020B0600000101010101" pitchFamily="34" charset="-127"/>
+                        </a:rPr>
+                        <a:t>35,000</a:t>
+                      </a:r>
+                      <a:r>
+                        <a:rPr lang="ko-KR" altLang="en-US" sz="1100" dirty="0" smtClean="0">
+                          <a:latin typeface="삼성긴고딕OTF Regular" panose="020B0600000101010101" pitchFamily="34" charset="-127"/>
+                          <a:ea typeface="삼성긴고딕OTF Regular" panose="020B0600000101010101" pitchFamily="34" charset="-127"/>
+                        </a:rPr>
+                        <a:t>원</a:t>
+                      </a:r>
+                      <a:endParaRPr lang="ko-KR" altLang="en-US" sz="1100" dirty="0">
+                        <a:latin typeface="삼성긴고딕OTF Regular" panose="020B0600000101010101" pitchFamily="34" charset="-127"/>
+                        <a:ea typeface="삼성긴고딕OTF Regular" panose="020B0600000101010101" pitchFamily="34" charset="-127"/>
+                      </a:endParaRPr>
+                    </a:p>
+                  </a:txBody>
+                  <a:tcPr>
+                    <a:lnL w="6350" cap="flat" cmpd="sng" algn="ctr">
+                      <a:solidFill>
+                        <a:schemeClr val="tx1"/>
+                      </a:solidFill>
+                      <a:prstDash val="solid"/>
+                      <a:round/>
+                      <a:headEnd type="none" w="med" len="med"/>
+                      <a:tailEnd type="none" w="med" len="med"/>
+                    </a:lnL>
+                    <a:lnR w="6350" cap="flat" cmpd="sng" algn="ctr">
+                      <a:solidFill>
+                        <a:schemeClr val="tx1"/>
+                      </a:solidFill>
+                      <a:prstDash val="solid"/>
+                      <a:round/>
+                      <a:headEnd type="none" w="med" len="med"/>
+                      <a:tailEnd type="none" w="med" len="med"/>
+                    </a:lnR>
+                    <a:lnT w="6350" cap="flat" cmpd="sng" algn="ctr">
+                      <a:solidFill>
+                        <a:schemeClr val="tx1"/>
+                      </a:solidFill>
+                      <a:prstDash val="solid"/>
+                      <a:round/>
+                      <a:headEnd type="none" w="med" len="med"/>
+                      <a:tailEnd type="none" w="med" len="med"/>
+                    </a:lnT>
+                    <a:lnB w="6350" cap="flat" cmpd="sng" algn="ctr">
+                      <a:solidFill>
+                        <a:schemeClr val="tx1"/>
+                      </a:solidFill>
+                      <a:prstDash val="solid"/>
+                      <a:round/>
+                      <a:headEnd type="none" w="med" len="med"/>
+                      <a:tailEnd type="none" w="med" len="med"/>
+                    </a:lnB>
+                    <a:solidFill>
+                      <a:srgbClr val="F6F8FC"/>
+                    </a:solidFill>
+                  </a:tcPr>
+                </a:tc>
+                <a:tc>
+                  <a:txBody>
+                    <a:bodyPr/>
+                    <a:lstStyle/>
+                    <a:p>
+                      <a:pPr algn="ctr" latinLnBrk="1"/>
+                      <a:r>
+                        <a:rPr lang="en-US" altLang="ko-KR" sz="1100" dirty="0" smtClean="0">
+                          <a:latin typeface="삼성긴고딕OTF Regular" panose="020B0600000101010101" pitchFamily="34" charset="-127"/>
+                          <a:ea typeface="삼성긴고딕OTF Regular" panose="020B0600000101010101" pitchFamily="34" charset="-127"/>
+                        </a:rPr>
+                        <a:t>29,800</a:t>
+                      </a:r>
+                      <a:r>
+                        <a:rPr lang="ko-KR" altLang="en-US" sz="1100" dirty="0" smtClean="0">
+                          <a:latin typeface="삼성긴고딕OTF Regular" panose="020B0600000101010101" pitchFamily="34" charset="-127"/>
+                          <a:ea typeface="삼성긴고딕OTF Regular" panose="020B0600000101010101" pitchFamily="34" charset="-127"/>
+                        </a:rPr>
+                        <a:t>원</a:t>
+                      </a:r>
+                      <a:endParaRPr lang="ko-KR" altLang="en-US" sz="1100" dirty="0">
+                        <a:latin typeface="삼성긴고딕OTF Regular" panose="020B0600000101010101" pitchFamily="34" charset="-127"/>
+                        <a:ea typeface="삼성긴고딕OTF Regular" panose="020B0600000101010101" pitchFamily="34" charset="-127"/>
+                      </a:endParaRPr>
+                    </a:p>
+                  </a:txBody>
+                  <a:tcPr>
+                    <a:lnL w="6350" cap="flat" cmpd="sng" algn="ctr">
+                      <a:solidFill>
+                        <a:schemeClr val="tx1"/>
+                      </a:solidFill>
+                      <a:prstDash val="solid"/>
+                      <a:round/>
+                      <a:headEnd type="none" w="med" len="med"/>
+                      <a:tailEnd type="none" w="med" len="med"/>
+                    </a:lnL>
+                    <a:lnR w="6350" cap="flat" cmpd="sng" algn="ctr">
+                      <a:solidFill>
+                        <a:schemeClr val="tx1"/>
+                      </a:solidFill>
+                      <a:prstDash val="solid"/>
+                      <a:round/>
+                      <a:headEnd type="none" w="med" len="med"/>
+                      <a:tailEnd type="none" w="med" len="med"/>
+                    </a:lnR>
+                    <a:lnT w="6350" cap="flat" cmpd="sng" algn="ctr">
+                      <a:solidFill>
+                        <a:schemeClr val="tx1"/>
+                      </a:solidFill>
+                      <a:prstDash val="solid"/>
+                      <a:round/>
+                      <a:headEnd type="none" w="med" len="med"/>
+                      <a:tailEnd type="none" w="med" len="med"/>
+                    </a:lnT>
+                    <a:lnB w="6350" cap="flat" cmpd="sng" algn="ctr">
+                      <a:solidFill>
+                        <a:schemeClr val="tx1"/>
+                      </a:solidFill>
+                      <a:prstDash val="solid"/>
+                      <a:round/>
+                      <a:headEnd type="none" w="med" len="med"/>
+                      <a:tailEnd type="none" w="med" len="med"/>
+                    </a:lnB>
+                    <a:solidFill>
+                      <a:srgbClr val="F6F8FC"/>
+                    </a:solidFill>
+                  </a:tcPr>
+                </a:tc>
+                <a:extLst>
+                  <a:ext uri="{0D108BD9-81ED-4DB2-BD59-A6C34878D82A}">
+                    <a16:rowId xmlns:a16="http://schemas.microsoft.com/office/drawing/2014/main" val="2689796579"/>
+                  </a:ext>
+                </a:extLst>
+              </a:tr>
+              <a:tr h="288000">
+                <a:tc>
+                  <a:txBody>
+                    <a:bodyPr/>
+                    <a:lstStyle/>
+                    <a:p>
+                      <a:pPr algn="ctr" latinLnBrk="1"/>
+                      <a:r>
+                        <a:rPr lang="ko-KR" altLang="en-US" sz="1100" dirty="0" smtClean="0">
+                          <a:latin typeface="삼성긴고딕OTF Regular" panose="020B0600000101010101" pitchFamily="34" charset="-127"/>
+                          <a:ea typeface="삼성긴고딕OTF Regular" panose="020B0600000101010101" pitchFamily="34" charset="-127"/>
+                        </a:rPr>
+                        <a:t>알고리즘 문제 해결 전략</a:t>
+                      </a:r>
+                      <a:endParaRPr lang="ko-KR" altLang="en-US" sz="1100" dirty="0">
+                        <a:latin typeface="삼성긴고딕OTF Regular" panose="020B0600000101010101" pitchFamily="34" charset="-127"/>
+                        <a:ea typeface="삼성긴고딕OTF Regular" panose="020B0600000101010101" pitchFamily="34" charset="-127"/>
+                      </a:endParaRPr>
+                    </a:p>
+                  </a:txBody>
+                  <a:tcPr>
+                    <a:lnL w="6350" cap="flat" cmpd="sng" algn="ctr">
+                      <a:solidFill>
+                        <a:schemeClr val="tx1"/>
+                      </a:solidFill>
+                      <a:prstDash val="solid"/>
+                      <a:round/>
+                      <a:headEnd type="none" w="med" len="med"/>
+                      <a:tailEnd type="none" w="med" len="med"/>
+                    </a:lnL>
+                    <a:lnR w="6350" cap="flat" cmpd="sng" algn="ctr">
+                      <a:solidFill>
+                        <a:schemeClr val="tx1"/>
+                      </a:solidFill>
+                      <a:prstDash val="solid"/>
+                      <a:round/>
+                      <a:headEnd type="none" w="med" len="med"/>
+                      <a:tailEnd type="none" w="med" len="med"/>
+                    </a:lnR>
+                    <a:lnT w="6350" cap="flat" cmpd="sng" algn="ctr">
+                      <a:solidFill>
+                        <a:schemeClr val="tx1"/>
+                      </a:solidFill>
+                      <a:prstDash val="solid"/>
+                      <a:round/>
+                      <a:headEnd type="none" w="med" len="med"/>
+                      <a:tailEnd type="none" w="med" len="med"/>
+                    </a:lnT>
+                    <a:lnB w="6350" cap="flat" cmpd="sng" algn="ctr">
+                      <a:solidFill>
+                        <a:schemeClr val="tx1"/>
+                      </a:solidFill>
+                      <a:prstDash val="solid"/>
+                      <a:round/>
+                      <a:headEnd type="none" w="med" len="med"/>
+                      <a:tailEnd type="none" w="med" len="med"/>
+                    </a:lnB>
+                    <a:solidFill>
+                      <a:srgbClr val="F6F8FC"/>
+                    </a:solidFill>
+                  </a:tcPr>
+                </a:tc>
+                <a:tc>
+                  <a:txBody>
+                    <a:bodyPr/>
+                    <a:lstStyle/>
+                    <a:p>
+                      <a:pPr algn="ctr" latinLnBrk="1"/>
+                      <a:r>
+                        <a:rPr lang="en-US" altLang="ko-KR" sz="1100" dirty="0" smtClean="0">
+                          <a:latin typeface="삼성긴고딕OTF Regular" panose="020B0600000101010101" pitchFamily="34" charset="-127"/>
+                          <a:ea typeface="삼성긴고딕OTF Regular" panose="020B0600000101010101" pitchFamily="34" charset="-127"/>
+                        </a:rPr>
+                        <a:t>YES</a:t>
+                      </a:r>
+                      <a:r>
+                        <a:rPr lang="en-US" altLang="ko-KR" sz="1100" baseline="0" dirty="0" smtClean="0">
+                          <a:latin typeface="삼성긴고딕OTF Regular" panose="020B0600000101010101" pitchFamily="34" charset="-127"/>
+                          <a:ea typeface="삼성긴고딕OTF Regular" panose="020B0600000101010101" pitchFamily="34" charset="-127"/>
+                        </a:rPr>
+                        <a:t> 24</a:t>
+                      </a:r>
+                      <a:endParaRPr lang="ko-KR" altLang="en-US" sz="1100" dirty="0">
+                        <a:latin typeface="삼성긴고딕OTF Regular" panose="020B0600000101010101" pitchFamily="34" charset="-127"/>
+                        <a:ea typeface="삼성긴고딕OTF Regular" panose="020B0600000101010101" pitchFamily="34" charset="-127"/>
+                      </a:endParaRPr>
+                    </a:p>
+                  </a:txBody>
+                  <a:tcPr>
+                    <a:lnL w="6350" cap="flat" cmpd="sng" algn="ctr">
+                      <a:solidFill>
+                        <a:schemeClr val="tx1"/>
+                      </a:solidFill>
+                      <a:prstDash val="solid"/>
+                      <a:round/>
+                      <a:headEnd type="none" w="med" len="med"/>
+                      <a:tailEnd type="none" w="med" len="med"/>
+                    </a:lnL>
+                    <a:lnR w="6350" cap="flat" cmpd="sng" algn="ctr">
+                      <a:solidFill>
+                        <a:schemeClr val="tx1"/>
+                      </a:solidFill>
+                      <a:prstDash val="solid"/>
+                      <a:round/>
+                      <a:headEnd type="none" w="med" len="med"/>
+                      <a:tailEnd type="none" w="med" len="med"/>
+                    </a:lnR>
+                    <a:lnT w="6350" cap="flat" cmpd="sng" algn="ctr">
+                      <a:solidFill>
+                        <a:schemeClr val="tx1"/>
+                      </a:solidFill>
+                      <a:prstDash val="solid"/>
+                      <a:round/>
+                      <a:headEnd type="none" w="med" len="med"/>
+                      <a:tailEnd type="none" w="med" len="med"/>
+                    </a:lnT>
+                    <a:lnB w="6350" cap="flat" cmpd="sng" algn="ctr">
+                      <a:solidFill>
+                        <a:schemeClr val="tx1"/>
+                      </a:solidFill>
+                      <a:prstDash val="solid"/>
+                      <a:round/>
+                      <a:headEnd type="none" w="med" len="med"/>
+                      <a:tailEnd type="none" w="med" len="med"/>
+                    </a:lnB>
+                    <a:solidFill>
+                      <a:srgbClr val="F6F8FC"/>
+                    </a:solidFill>
+                  </a:tcPr>
+                </a:tc>
+                <a:tc>
+                  <a:txBody>
+                    <a:bodyPr/>
+                    <a:lstStyle/>
+                    <a:p>
+                      <a:pPr algn="ctr" latinLnBrk="1"/>
+                      <a:r>
+                        <a:rPr lang="en-US" altLang="ko-KR" sz="1100" dirty="0" smtClean="0">
+                          <a:latin typeface="삼성긴고딕OTF Regular" panose="020B0600000101010101" pitchFamily="34" charset="-127"/>
+                          <a:ea typeface="삼성긴고딕OTF Regular" panose="020B0600000101010101" pitchFamily="34" charset="-127"/>
+                        </a:rPr>
+                        <a:t>35,000</a:t>
+                      </a:r>
+                      <a:r>
+                        <a:rPr lang="ko-KR" altLang="en-US" sz="1100" dirty="0" smtClean="0">
+                          <a:latin typeface="삼성긴고딕OTF Regular" panose="020B0600000101010101" pitchFamily="34" charset="-127"/>
+                          <a:ea typeface="삼성긴고딕OTF Regular" panose="020B0600000101010101" pitchFamily="34" charset="-127"/>
+                        </a:rPr>
+                        <a:t>원</a:t>
+                      </a:r>
+                      <a:endParaRPr lang="ko-KR" altLang="en-US" sz="1100" dirty="0">
+                        <a:latin typeface="삼성긴고딕OTF Regular" panose="020B0600000101010101" pitchFamily="34" charset="-127"/>
+                        <a:ea typeface="삼성긴고딕OTF Regular" panose="020B0600000101010101" pitchFamily="34" charset="-127"/>
+                      </a:endParaRPr>
+                    </a:p>
+                  </a:txBody>
+                  <a:tcPr>
+                    <a:lnL w="6350" cap="flat" cmpd="sng" algn="ctr">
+                      <a:solidFill>
+                        <a:schemeClr val="tx1"/>
+                      </a:solidFill>
+                      <a:prstDash val="solid"/>
+                      <a:round/>
+                      <a:headEnd type="none" w="med" len="med"/>
+                      <a:tailEnd type="none" w="med" len="med"/>
+                    </a:lnL>
+                    <a:lnR w="6350" cap="flat" cmpd="sng" algn="ctr">
+                      <a:solidFill>
+                        <a:schemeClr val="tx1"/>
+                      </a:solidFill>
+                      <a:prstDash val="solid"/>
+                      <a:round/>
+                      <a:headEnd type="none" w="med" len="med"/>
+                      <a:tailEnd type="none" w="med" len="med"/>
+                    </a:lnR>
+                    <a:lnT w="6350" cap="flat" cmpd="sng" algn="ctr">
+                      <a:solidFill>
+                        <a:schemeClr val="tx1"/>
+                      </a:solidFill>
+                      <a:prstDash val="solid"/>
+                      <a:round/>
+                      <a:headEnd type="none" w="med" len="med"/>
+                      <a:tailEnd type="none" w="med" len="med"/>
+                    </a:lnT>
+                    <a:lnB w="6350" cap="flat" cmpd="sng" algn="ctr">
+                      <a:solidFill>
+                        <a:schemeClr val="tx1"/>
+                      </a:solidFill>
+                      <a:prstDash val="solid"/>
+                      <a:round/>
+                      <a:headEnd type="none" w="med" len="med"/>
+                      <a:tailEnd type="none" w="med" len="med"/>
+                    </a:lnB>
+                    <a:solidFill>
+                      <a:srgbClr val="F6F8FC"/>
+                    </a:solidFill>
+                  </a:tcPr>
+                </a:tc>
+                <a:tc>
+                  <a:txBody>
+                    <a:bodyPr/>
+                    <a:lstStyle/>
+                    <a:p>
+                      <a:pPr algn="ctr" latinLnBrk="1"/>
+                      <a:r>
+                        <a:rPr lang="en-US" altLang="ko-KR" sz="1100" dirty="0" smtClean="0">
+                          <a:latin typeface="삼성긴고딕OTF Regular" panose="020B0600000101010101" pitchFamily="34" charset="-127"/>
+                          <a:ea typeface="삼성긴고딕OTF Regular" panose="020B0600000101010101" pitchFamily="34" charset="-127"/>
+                        </a:rPr>
+                        <a:t>32,500</a:t>
+                      </a:r>
+                      <a:r>
+                        <a:rPr lang="ko-KR" altLang="en-US" sz="1100" dirty="0" smtClean="0">
+                          <a:latin typeface="삼성긴고딕OTF Regular" panose="020B0600000101010101" pitchFamily="34" charset="-127"/>
+                          <a:ea typeface="삼성긴고딕OTF Regular" panose="020B0600000101010101" pitchFamily="34" charset="-127"/>
+                        </a:rPr>
+                        <a:t>원</a:t>
+                      </a:r>
+                      <a:endParaRPr lang="ko-KR" altLang="en-US" sz="1100" dirty="0">
+                        <a:latin typeface="삼성긴고딕OTF Regular" panose="020B0600000101010101" pitchFamily="34" charset="-127"/>
+                        <a:ea typeface="삼성긴고딕OTF Regular" panose="020B0600000101010101" pitchFamily="34" charset="-127"/>
+                      </a:endParaRPr>
+                    </a:p>
+                  </a:txBody>
+                  <a:tcPr>
+                    <a:lnL w="6350" cap="flat" cmpd="sng" algn="ctr">
+                      <a:solidFill>
+                        <a:schemeClr val="tx1"/>
+                      </a:solidFill>
+                      <a:prstDash val="solid"/>
+                      <a:round/>
+                      <a:headEnd type="none" w="med" len="med"/>
+                      <a:tailEnd type="none" w="med" len="med"/>
+                    </a:lnL>
+                    <a:lnR w="6350" cap="flat" cmpd="sng" algn="ctr">
+                      <a:solidFill>
+                        <a:schemeClr val="tx1"/>
+                      </a:solidFill>
+                      <a:prstDash val="solid"/>
+                      <a:round/>
+                      <a:headEnd type="none" w="med" len="med"/>
+                      <a:tailEnd type="none" w="med" len="med"/>
+                    </a:lnR>
+                    <a:lnT w="6350" cap="flat" cmpd="sng" algn="ctr">
+                      <a:solidFill>
+                        <a:schemeClr val="tx1"/>
+                      </a:solidFill>
+                      <a:prstDash val="solid"/>
+                      <a:round/>
+                      <a:headEnd type="none" w="med" len="med"/>
+                      <a:tailEnd type="none" w="med" len="med"/>
+                    </a:lnT>
+                    <a:lnB w="6350" cap="flat" cmpd="sng" algn="ctr">
+                      <a:solidFill>
+                        <a:schemeClr val="tx1"/>
+                      </a:solidFill>
+                      <a:prstDash val="solid"/>
+                      <a:round/>
+                      <a:headEnd type="none" w="med" len="med"/>
+                      <a:tailEnd type="none" w="med" len="med"/>
+                    </a:lnB>
+                    <a:solidFill>
+                      <a:srgbClr val="F6F8FC"/>
+                    </a:solidFill>
+                  </a:tcPr>
+                </a:tc>
+                <a:extLst>
+                  <a:ext uri="{0D108BD9-81ED-4DB2-BD59-A6C34878D82A}">
+                    <a16:rowId xmlns:a16="http://schemas.microsoft.com/office/drawing/2014/main" val="1134691192"/>
+                  </a:ext>
+                </a:extLst>
+              </a:tr>
+              <a:tr h="288000">
+                <a:tc>
+                  <a:txBody>
+                    <a:bodyPr/>
+                    <a:lstStyle/>
+                    <a:p>
+                      <a:pPr algn="ctr" latinLnBrk="1"/>
+                      <a:r>
+                        <a:rPr lang="ko-KR" altLang="en-US" sz="1100" dirty="0" smtClean="0">
+                          <a:latin typeface="삼성긴고딕OTF Regular" panose="020B0600000101010101" pitchFamily="34" charset="-127"/>
+                          <a:ea typeface="삼성긴고딕OTF Regular" panose="020B0600000101010101" pitchFamily="34" charset="-127"/>
+                        </a:rPr>
+                        <a:t>알고리즘 문제 해결 전략</a:t>
+                      </a:r>
+                      <a:endParaRPr lang="ko-KR" altLang="en-US" sz="1100" dirty="0">
+                        <a:latin typeface="삼성긴고딕OTF Regular" panose="020B0600000101010101" pitchFamily="34" charset="-127"/>
+                        <a:ea typeface="삼성긴고딕OTF Regular" panose="020B0600000101010101" pitchFamily="34" charset="-127"/>
+                      </a:endParaRPr>
+                    </a:p>
+                  </a:txBody>
+                  <a:tcPr>
+                    <a:lnL w="6350" cap="flat" cmpd="sng" algn="ctr">
+                      <a:solidFill>
+                        <a:schemeClr val="tx1"/>
+                      </a:solidFill>
+                      <a:prstDash val="solid"/>
+                      <a:round/>
+                      <a:headEnd type="none" w="med" len="med"/>
+                      <a:tailEnd type="none" w="med" len="med"/>
+                    </a:lnL>
+                    <a:lnR w="6350" cap="flat" cmpd="sng" algn="ctr">
+                      <a:solidFill>
+                        <a:schemeClr val="tx1"/>
+                      </a:solidFill>
+                      <a:prstDash val="solid"/>
+                      <a:round/>
+                      <a:headEnd type="none" w="med" len="med"/>
+                      <a:tailEnd type="none" w="med" len="med"/>
+                    </a:lnR>
+                    <a:lnT w="6350" cap="flat" cmpd="sng" algn="ctr">
+                      <a:solidFill>
+                        <a:schemeClr val="tx1"/>
+                      </a:solidFill>
+                      <a:prstDash val="solid"/>
+                      <a:round/>
+                      <a:headEnd type="none" w="med" len="med"/>
+                      <a:tailEnd type="none" w="med" len="med"/>
+                    </a:lnT>
+                    <a:lnB w="6350" cap="flat" cmpd="sng" algn="ctr">
+                      <a:solidFill>
+                        <a:schemeClr val="tx1"/>
+                      </a:solidFill>
+                      <a:prstDash val="solid"/>
+                      <a:round/>
+                      <a:headEnd type="none" w="med" len="med"/>
+                      <a:tailEnd type="none" w="med" len="med"/>
+                    </a:lnB>
+                    <a:solidFill>
+                      <a:srgbClr val="F6F8FC"/>
+                    </a:solidFill>
+                  </a:tcPr>
+                </a:tc>
+                <a:tc>
+                  <a:txBody>
+                    <a:bodyPr/>
+                    <a:lstStyle/>
+                    <a:p>
+                      <a:pPr algn="ctr" latinLnBrk="1"/>
+                      <a:r>
+                        <a:rPr lang="ko-KR" altLang="en-US" sz="1100" dirty="0" smtClean="0">
+                          <a:latin typeface="삼성긴고딕OTF Regular" panose="020B0600000101010101" pitchFamily="34" charset="-127"/>
+                          <a:ea typeface="삼성긴고딕OTF Regular" panose="020B0600000101010101" pitchFamily="34" charset="-127"/>
+                        </a:rPr>
+                        <a:t>알라딘</a:t>
+                      </a:r>
+                      <a:endParaRPr lang="ko-KR" altLang="en-US" sz="1100" dirty="0">
+                        <a:latin typeface="삼성긴고딕OTF Regular" panose="020B0600000101010101" pitchFamily="34" charset="-127"/>
+                        <a:ea typeface="삼성긴고딕OTF Regular" panose="020B0600000101010101" pitchFamily="34" charset="-127"/>
+                      </a:endParaRPr>
+                    </a:p>
+                  </a:txBody>
+                  <a:tcPr>
+                    <a:lnL w="6350" cap="flat" cmpd="sng" algn="ctr">
+                      <a:solidFill>
+                        <a:schemeClr val="tx1"/>
+                      </a:solidFill>
+                      <a:prstDash val="solid"/>
+                      <a:round/>
+                      <a:headEnd type="none" w="med" len="med"/>
+                      <a:tailEnd type="none" w="med" len="med"/>
+                    </a:lnL>
+                    <a:lnR w="6350" cap="flat" cmpd="sng" algn="ctr">
+                      <a:solidFill>
+                        <a:schemeClr val="tx1"/>
+                      </a:solidFill>
+                      <a:prstDash val="solid"/>
+                      <a:round/>
+                      <a:headEnd type="none" w="med" len="med"/>
+                      <a:tailEnd type="none" w="med" len="med"/>
+                    </a:lnR>
+                    <a:lnT w="6350" cap="flat" cmpd="sng" algn="ctr">
+                      <a:solidFill>
+                        <a:schemeClr val="tx1"/>
+                      </a:solidFill>
+                      <a:prstDash val="solid"/>
+                      <a:round/>
+                      <a:headEnd type="none" w="med" len="med"/>
+                      <a:tailEnd type="none" w="med" len="med"/>
+                    </a:lnT>
+                    <a:lnB w="6350" cap="flat" cmpd="sng" algn="ctr">
+                      <a:solidFill>
+                        <a:schemeClr val="tx1"/>
+                      </a:solidFill>
+                      <a:prstDash val="solid"/>
+                      <a:round/>
+                      <a:headEnd type="none" w="med" len="med"/>
+                      <a:tailEnd type="none" w="med" len="med"/>
+                    </a:lnB>
+                    <a:solidFill>
+                      <a:srgbClr val="F6F8FC"/>
+                    </a:solidFill>
+                  </a:tcPr>
+                </a:tc>
+                <a:tc>
+                  <a:txBody>
+                    <a:bodyPr/>
+                    <a:lstStyle/>
+                    <a:p>
+                      <a:pPr algn="ctr" latinLnBrk="1"/>
+                      <a:r>
+                        <a:rPr lang="en-US" altLang="ko-KR" sz="1100" dirty="0" smtClean="0">
+                          <a:latin typeface="삼성긴고딕OTF Regular" panose="020B0600000101010101" pitchFamily="34" charset="-127"/>
+                          <a:ea typeface="삼성긴고딕OTF Regular" panose="020B0600000101010101" pitchFamily="34" charset="-127"/>
+                        </a:rPr>
+                        <a:t>35,000</a:t>
+                      </a:r>
+                      <a:r>
+                        <a:rPr lang="ko-KR" altLang="en-US" sz="1100" dirty="0" smtClean="0">
+                          <a:latin typeface="삼성긴고딕OTF Regular" panose="020B0600000101010101" pitchFamily="34" charset="-127"/>
+                          <a:ea typeface="삼성긴고딕OTF Regular" panose="020B0600000101010101" pitchFamily="34" charset="-127"/>
+                        </a:rPr>
+                        <a:t>원</a:t>
+                      </a:r>
+                      <a:endParaRPr lang="ko-KR" altLang="en-US" sz="1100" dirty="0">
+                        <a:latin typeface="삼성긴고딕OTF Regular" panose="020B0600000101010101" pitchFamily="34" charset="-127"/>
+                        <a:ea typeface="삼성긴고딕OTF Regular" panose="020B0600000101010101" pitchFamily="34" charset="-127"/>
+                      </a:endParaRPr>
+                    </a:p>
+                  </a:txBody>
+                  <a:tcPr>
+                    <a:lnL w="6350" cap="flat" cmpd="sng" algn="ctr">
+                      <a:solidFill>
+                        <a:schemeClr val="tx1"/>
+                      </a:solidFill>
+                      <a:prstDash val="solid"/>
+                      <a:round/>
+                      <a:headEnd type="none" w="med" len="med"/>
+                      <a:tailEnd type="none" w="med" len="med"/>
+                    </a:lnL>
+                    <a:lnR w="6350" cap="flat" cmpd="sng" algn="ctr">
+                      <a:solidFill>
+                        <a:schemeClr val="tx1"/>
+                      </a:solidFill>
+                      <a:prstDash val="solid"/>
+                      <a:round/>
+                      <a:headEnd type="none" w="med" len="med"/>
+                      <a:tailEnd type="none" w="med" len="med"/>
+                    </a:lnR>
+                    <a:lnT w="6350" cap="flat" cmpd="sng" algn="ctr">
+                      <a:solidFill>
+                        <a:schemeClr val="tx1"/>
+                      </a:solidFill>
+                      <a:prstDash val="solid"/>
+                      <a:round/>
+                      <a:headEnd type="none" w="med" len="med"/>
+                      <a:tailEnd type="none" w="med" len="med"/>
+                    </a:lnT>
+                    <a:lnB w="6350" cap="flat" cmpd="sng" algn="ctr">
+                      <a:solidFill>
+                        <a:schemeClr val="tx1"/>
+                      </a:solidFill>
+                      <a:prstDash val="solid"/>
+                      <a:round/>
+                      <a:headEnd type="none" w="med" len="med"/>
+                      <a:tailEnd type="none" w="med" len="med"/>
+                    </a:lnB>
+                    <a:solidFill>
+                      <a:srgbClr val="F6F8FC"/>
+                    </a:solidFill>
+                  </a:tcPr>
+                </a:tc>
+                <a:tc>
+                  <a:txBody>
+                    <a:bodyPr/>
+                    <a:lstStyle/>
+                    <a:p>
+                      <a:pPr algn="ctr" latinLnBrk="1"/>
+                      <a:r>
+                        <a:rPr lang="en-US" altLang="ko-KR" sz="1100" dirty="0" smtClean="0">
+                          <a:latin typeface="삼성긴고딕OTF Regular" panose="020B0600000101010101" pitchFamily="34" charset="-127"/>
+                          <a:ea typeface="삼성긴고딕OTF Regular" panose="020B0600000101010101" pitchFamily="34" charset="-127"/>
+                        </a:rPr>
+                        <a:t>28,500</a:t>
+                      </a:r>
+                      <a:r>
+                        <a:rPr lang="ko-KR" altLang="en-US" sz="1100" dirty="0" smtClean="0">
+                          <a:latin typeface="삼성긴고딕OTF Regular" panose="020B0600000101010101" pitchFamily="34" charset="-127"/>
+                          <a:ea typeface="삼성긴고딕OTF Regular" panose="020B0600000101010101" pitchFamily="34" charset="-127"/>
+                        </a:rPr>
+                        <a:t>원</a:t>
+                      </a:r>
+                      <a:endParaRPr lang="ko-KR" altLang="en-US" sz="1100" dirty="0">
+                        <a:latin typeface="삼성긴고딕OTF Regular" panose="020B0600000101010101" pitchFamily="34" charset="-127"/>
+                        <a:ea typeface="삼성긴고딕OTF Regular" panose="020B0600000101010101" pitchFamily="34" charset="-127"/>
+                      </a:endParaRPr>
+                    </a:p>
+                  </a:txBody>
+                  <a:tcPr>
+                    <a:lnL w="6350" cap="flat" cmpd="sng" algn="ctr">
+                      <a:solidFill>
+                        <a:schemeClr val="tx1"/>
+                      </a:solidFill>
+                      <a:prstDash val="solid"/>
+                      <a:round/>
+                      <a:headEnd type="none" w="med" len="med"/>
+                      <a:tailEnd type="none" w="med" len="med"/>
+                    </a:lnL>
+                    <a:lnR w="6350" cap="flat" cmpd="sng" algn="ctr">
+                      <a:solidFill>
+                        <a:schemeClr val="tx1"/>
+                      </a:solidFill>
+                      <a:prstDash val="solid"/>
+                      <a:round/>
+                      <a:headEnd type="none" w="med" len="med"/>
+                      <a:tailEnd type="none" w="med" len="med"/>
+                    </a:lnR>
+                    <a:lnT w="6350" cap="flat" cmpd="sng" algn="ctr">
+                      <a:solidFill>
+                        <a:schemeClr val="tx1"/>
+                      </a:solidFill>
+                      <a:prstDash val="solid"/>
+                      <a:round/>
+                      <a:headEnd type="none" w="med" len="med"/>
+                      <a:tailEnd type="none" w="med" len="med"/>
+                    </a:lnT>
+                    <a:lnB w="6350" cap="flat" cmpd="sng" algn="ctr">
+                      <a:solidFill>
+                        <a:schemeClr val="tx1"/>
+                      </a:solidFill>
+                      <a:prstDash val="solid"/>
+                      <a:round/>
+                      <a:headEnd type="none" w="med" len="med"/>
+                      <a:tailEnd type="none" w="med" len="med"/>
+                    </a:lnB>
+                    <a:solidFill>
+                      <a:srgbClr val="F6F8FC"/>
+                    </a:solidFill>
+                  </a:tcPr>
+                </a:tc>
+                <a:extLst>
+                  <a:ext uri="{0D108BD9-81ED-4DB2-BD59-A6C34878D82A}">
+                    <a16:rowId xmlns:a16="http://schemas.microsoft.com/office/drawing/2014/main" val="4078697995"/>
+                  </a:ext>
+                </a:extLst>
+              </a:tr>
+            </a:tbl>
+          </a:graphicData>
+        </a:graphic>
+      </p:graphicFrame>
+      <p:graphicFrame>
+        <p:nvGraphicFramePr>
+          <p:cNvPr id="8" name="표 7"/>
+          <p:cNvGraphicFramePr>
+            <a:graphicFrameLocks noGrp="1"/>
+          </p:cNvGraphicFramePr>
+          <p:nvPr>
+            <p:extLst>
+              <p:ext uri="{D42A27DB-BD31-4B8C-83A1-F6EECF244321}">
+                <p14:modId xmlns:p14="http://schemas.microsoft.com/office/powerpoint/2010/main" val="1888851907"/>
+              </p:ext>
+            </p:extLst>
+          </p:nvPr>
+        </p:nvGraphicFramePr>
+        <p:xfrm>
+          <a:off x="175858" y="3728958"/>
+          <a:ext cx="4248000" cy="2880000"/>
+        </p:xfrm>
+        <a:graphic>
+          <a:graphicData uri="http://schemas.openxmlformats.org/drawingml/2006/table">
+            <a:tbl>
+              <a:tblPr firstRow="1" bandRow="1">
+                <a:tableStyleId>{5C22544A-7EE6-4342-B048-85BDC9FD1C3A}</a:tableStyleId>
+              </a:tblPr>
+              <a:tblGrid>
+                <a:gridCol w="1548000">
+                  <a:extLst>
+                    <a:ext uri="{9D8B030D-6E8A-4147-A177-3AD203B41FA5}">
+                      <a16:colId xmlns:a16="http://schemas.microsoft.com/office/drawing/2014/main" val="3463867517"/>
+                    </a:ext>
+                  </a:extLst>
+                </a:gridCol>
+                <a:gridCol w="900000">
+                  <a:extLst>
+                    <a:ext uri="{9D8B030D-6E8A-4147-A177-3AD203B41FA5}">
+                      <a16:colId xmlns:a16="http://schemas.microsoft.com/office/drawing/2014/main" val="3302509317"/>
+                    </a:ext>
+                  </a:extLst>
+                </a:gridCol>
+                <a:gridCol w="900000">
+                  <a:extLst>
+                    <a:ext uri="{9D8B030D-6E8A-4147-A177-3AD203B41FA5}">
+                      <a16:colId xmlns:a16="http://schemas.microsoft.com/office/drawing/2014/main" val="524061593"/>
+                    </a:ext>
+                  </a:extLst>
+                </a:gridCol>
+                <a:gridCol w="900000">
+                  <a:extLst>
+                    <a:ext uri="{9D8B030D-6E8A-4147-A177-3AD203B41FA5}">
+                      <a16:colId xmlns:a16="http://schemas.microsoft.com/office/drawing/2014/main" val="2410042222"/>
+                    </a:ext>
+                  </a:extLst>
+                </a:gridCol>
+              </a:tblGrid>
+              <a:tr h="288000">
+                <a:tc>
+                  <a:txBody>
+                    <a:bodyPr/>
+                    <a:lstStyle/>
+                    <a:p>
+                      <a:pPr algn="ctr" latinLnBrk="1"/>
+                      <a:r>
+                        <a:rPr lang="ko-KR" altLang="en-US" sz="1200" b="0" dirty="0" smtClean="0">
+                          <a:latin typeface="삼성긴고딕OTF Medium" panose="020B0600000101010101" pitchFamily="34" charset="-127"/>
+                          <a:ea typeface="삼성긴고딕OTF Medium" panose="020B0600000101010101" pitchFamily="34" charset="-127"/>
+                        </a:rPr>
+                        <a:t>상품명</a:t>
+                      </a:r>
+                      <a:endParaRPr lang="ko-KR" altLang="en-US" sz="1200" b="0" dirty="0">
+                        <a:latin typeface="삼성긴고딕OTF Medium" panose="020B0600000101010101" pitchFamily="34" charset="-127"/>
+                        <a:ea typeface="삼성긴고딕OTF Medium" panose="020B0600000101010101" pitchFamily="34" charset="-127"/>
+                      </a:endParaRPr>
+                    </a:p>
+                  </a:txBody>
+                  <a:tcPr>
+                    <a:lnL w="6350" cap="flat" cmpd="sng" algn="ctr">
+                      <a:solidFill>
+                        <a:schemeClr val="tx1"/>
+                      </a:solidFill>
+                      <a:prstDash val="solid"/>
+                      <a:round/>
+                      <a:headEnd type="none" w="med" len="med"/>
+                      <a:tailEnd type="none" w="med" len="med"/>
+                    </a:lnL>
+                    <a:lnR w="6350" cap="flat" cmpd="sng" algn="ctr">
+                      <a:solidFill>
+                        <a:schemeClr val="tx1"/>
+                      </a:solidFill>
+                      <a:prstDash val="solid"/>
+                      <a:round/>
+                      <a:headEnd type="none" w="med" len="med"/>
+                      <a:tailEnd type="none" w="med" len="med"/>
+                    </a:lnR>
+                    <a:lnT w="6350" cap="flat" cmpd="sng" algn="ctr">
+                      <a:solidFill>
+                        <a:schemeClr val="tx1"/>
+                      </a:solidFill>
+                      <a:prstDash val="solid"/>
+                      <a:round/>
+                      <a:headEnd type="none" w="med" len="med"/>
+                      <a:tailEnd type="none" w="med" len="med"/>
+                    </a:lnT>
+                    <a:lnB w="6350" cap="flat" cmpd="sng" algn="ctr">
+                      <a:solidFill>
+                        <a:schemeClr val="tx1"/>
+                      </a:solidFill>
+                      <a:prstDash val="solid"/>
+                      <a:round/>
+                      <a:headEnd type="none" w="med" len="med"/>
+                      <a:tailEnd type="none" w="med" len="med"/>
+                    </a:lnB>
+                    <a:solidFill>
+                      <a:srgbClr val="15D3B2"/>
+                    </a:solidFill>
+                  </a:tcPr>
+                </a:tc>
+                <a:tc>
+                  <a:txBody>
+                    <a:bodyPr/>
+                    <a:lstStyle/>
+                    <a:p>
+                      <a:pPr algn="ctr" latinLnBrk="1"/>
+                      <a:r>
+                        <a:rPr lang="ko-KR" altLang="en-US" sz="1200" b="0" dirty="0" smtClean="0">
+                          <a:latin typeface="삼성긴고딕OTF Medium" panose="020B0600000101010101" pitchFamily="34" charset="-127"/>
+                          <a:ea typeface="삼성긴고딕OTF Medium" panose="020B0600000101010101" pitchFamily="34" charset="-127"/>
+                        </a:rPr>
+                        <a:t>판매처</a:t>
+                      </a:r>
+                      <a:endParaRPr lang="ko-KR" altLang="en-US" sz="1200" b="0" dirty="0">
+                        <a:latin typeface="삼성긴고딕OTF Medium" panose="020B0600000101010101" pitchFamily="34" charset="-127"/>
+                        <a:ea typeface="삼성긴고딕OTF Medium" panose="020B0600000101010101" pitchFamily="34" charset="-127"/>
+                      </a:endParaRPr>
+                    </a:p>
+                  </a:txBody>
+                  <a:tcPr>
+                    <a:lnL w="6350" cap="flat" cmpd="sng" algn="ctr">
+                      <a:solidFill>
+                        <a:schemeClr val="tx1"/>
+                      </a:solidFill>
+                      <a:prstDash val="solid"/>
+                      <a:round/>
+                      <a:headEnd type="none" w="med" len="med"/>
+                      <a:tailEnd type="none" w="med" len="med"/>
+                    </a:lnL>
+                    <a:lnR w="6350" cap="flat" cmpd="sng" algn="ctr">
+                      <a:solidFill>
+                        <a:schemeClr val="tx1"/>
+                      </a:solidFill>
+                      <a:prstDash val="solid"/>
+                      <a:round/>
+                      <a:headEnd type="none" w="med" len="med"/>
+                      <a:tailEnd type="none" w="med" len="med"/>
+                    </a:lnR>
+                    <a:lnT w="6350" cap="flat" cmpd="sng" algn="ctr">
+                      <a:solidFill>
+                        <a:schemeClr val="tx1"/>
+                      </a:solidFill>
+                      <a:prstDash val="solid"/>
+                      <a:round/>
+                      <a:headEnd type="none" w="med" len="med"/>
+                      <a:tailEnd type="none" w="med" len="med"/>
+                    </a:lnT>
+                    <a:lnB w="6350" cap="flat" cmpd="sng" algn="ctr">
+                      <a:solidFill>
+                        <a:schemeClr val="tx1"/>
+                      </a:solidFill>
+                      <a:prstDash val="solid"/>
+                      <a:round/>
+                      <a:headEnd type="none" w="med" len="med"/>
+                      <a:tailEnd type="none" w="med" len="med"/>
+                    </a:lnB>
+                    <a:solidFill>
+                      <a:srgbClr val="15D3B2"/>
+                    </a:solidFill>
+                  </a:tcPr>
+                </a:tc>
+                <a:tc>
+                  <a:txBody>
+                    <a:bodyPr/>
+                    <a:lstStyle/>
+                    <a:p>
+                      <a:pPr algn="ctr" latinLnBrk="1"/>
+                      <a:r>
+                        <a:rPr lang="ko-KR" altLang="en-US" sz="1200" b="0" dirty="0" smtClean="0">
+                          <a:latin typeface="삼성긴고딕OTF Medium" panose="020B0600000101010101" pitchFamily="34" charset="-127"/>
+                          <a:ea typeface="삼성긴고딕OTF Medium" panose="020B0600000101010101" pitchFamily="34" charset="-127"/>
+                        </a:rPr>
+                        <a:t>가격</a:t>
+                      </a:r>
+                      <a:endParaRPr lang="ko-KR" altLang="en-US" sz="1200" b="0" dirty="0">
+                        <a:latin typeface="삼성긴고딕OTF Medium" panose="020B0600000101010101" pitchFamily="34" charset="-127"/>
+                        <a:ea typeface="삼성긴고딕OTF Medium" panose="020B0600000101010101" pitchFamily="34" charset="-127"/>
+                      </a:endParaRPr>
+                    </a:p>
+                  </a:txBody>
+                  <a:tcPr>
+                    <a:lnL w="6350" cap="flat" cmpd="sng" algn="ctr">
+                      <a:solidFill>
+                        <a:schemeClr val="tx1"/>
+                      </a:solidFill>
+                      <a:prstDash val="solid"/>
+                      <a:round/>
+                      <a:headEnd type="none" w="med" len="med"/>
+                      <a:tailEnd type="none" w="med" len="med"/>
+                    </a:lnL>
+                    <a:lnR w="6350" cap="flat" cmpd="sng" algn="ctr">
+                      <a:solidFill>
+                        <a:schemeClr val="tx1"/>
+                      </a:solidFill>
+                      <a:prstDash val="solid"/>
+                      <a:round/>
+                      <a:headEnd type="none" w="med" len="med"/>
+                      <a:tailEnd type="none" w="med" len="med"/>
+                    </a:lnR>
+                    <a:lnT w="6350" cap="flat" cmpd="sng" algn="ctr">
+                      <a:solidFill>
+                        <a:schemeClr val="tx1"/>
+                      </a:solidFill>
+                      <a:prstDash val="solid"/>
+                      <a:round/>
+                      <a:headEnd type="none" w="med" len="med"/>
+                      <a:tailEnd type="none" w="med" len="med"/>
+                    </a:lnT>
+                    <a:lnB w="6350" cap="flat" cmpd="sng" algn="ctr">
+                      <a:solidFill>
+                        <a:schemeClr val="tx1"/>
+                      </a:solidFill>
+                      <a:prstDash val="solid"/>
+                      <a:round/>
+                      <a:headEnd type="none" w="med" len="med"/>
+                      <a:tailEnd type="none" w="med" len="med"/>
+                    </a:lnB>
+                    <a:solidFill>
+                      <a:srgbClr val="15D3B2"/>
+                    </a:solidFill>
+                  </a:tcPr>
+                </a:tc>
+                <a:tc>
+                  <a:txBody>
+                    <a:bodyPr/>
+                    <a:lstStyle/>
+                    <a:p>
+                      <a:pPr algn="ctr" latinLnBrk="1"/>
+                      <a:r>
+                        <a:rPr lang="ko-KR" altLang="en-US" sz="1200" b="0" dirty="0" smtClean="0">
+                          <a:latin typeface="삼성긴고딕OTF Medium" panose="020B0600000101010101" pitchFamily="34" charset="-127"/>
+                          <a:ea typeface="삼성긴고딕OTF Medium" panose="020B0600000101010101" pitchFamily="34" charset="-127"/>
+                        </a:rPr>
+                        <a:t>할인가</a:t>
+                      </a:r>
+                      <a:endParaRPr lang="ko-KR" altLang="en-US" sz="1200" b="0" dirty="0">
+                        <a:latin typeface="삼성긴고딕OTF Medium" panose="020B0600000101010101" pitchFamily="34" charset="-127"/>
+                        <a:ea typeface="삼성긴고딕OTF Medium" panose="020B0600000101010101" pitchFamily="34" charset="-127"/>
+                      </a:endParaRPr>
+                    </a:p>
+                  </a:txBody>
+                  <a:tcPr>
+                    <a:lnL w="6350" cap="flat" cmpd="sng" algn="ctr">
+                      <a:solidFill>
+                        <a:schemeClr val="tx1"/>
+                      </a:solidFill>
+                      <a:prstDash val="solid"/>
+                      <a:round/>
+                      <a:headEnd type="none" w="med" len="med"/>
+                      <a:tailEnd type="none" w="med" len="med"/>
+                    </a:lnL>
+                    <a:lnR w="6350" cap="flat" cmpd="sng" algn="ctr">
+                      <a:solidFill>
+                        <a:schemeClr val="tx1"/>
+                      </a:solidFill>
+                      <a:prstDash val="solid"/>
+                      <a:round/>
+                      <a:headEnd type="none" w="med" len="med"/>
+                      <a:tailEnd type="none" w="med" len="med"/>
+                    </a:lnR>
+                    <a:lnT w="6350" cap="flat" cmpd="sng" algn="ctr">
+                      <a:solidFill>
+                        <a:schemeClr val="tx1"/>
+                      </a:solidFill>
+                      <a:prstDash val="solid"/>
+                      <a:round/>
+                      <a:headEnd type="none" w="med" len="med"/>
+                      <a:tailEnd type="none" w="med" len="med"/>
+                    </a:lnT>
+                    <a:lnB w="6350" cap="flat" cmpd="sng" algn="ctr">
+                      <a:solidFill>
+                        <a:schemeClr val="tx1"/>
+                      </a:solidFill>
+                      <a:prstDash val="solid"/>
+                      <a:round/>
+                      <a:headEnd type="none" w="med" len="med"/>
+                      <a:tailEnd type="none" w="med" len="med"/>
+                    </a:lnB>
+                    <a:solidFill>
+                      <a:srgbClr val="15D3B2"/>
+                    </a:solidFill>
+                  </a:tcPr>
+                </a:tc>
+                <a:extLst>
+                  <a:ext uri="{0D108BD9-81ED-4DB2-BD59-A6C34878D82A}">
+                    <a16:rowId xmlns:a16="http://schemas.microsoft.com/office/drawing/2014/main" val="278685539"/>
+                  </a:ext>
+                </a:extLst>
+              </a:tr>
+              <a:tr h="288000">
+                <a:tc>
+                  <a:txBody>
+                    <a:bodyPr/>
+                    <a:lstStyle/>
+                    <a:p>
+                      <a:pPr algn="ctr" latinLnBrk="1"/>
+                      <a:r>
+                        <a:rPr lang="ko-KR" altLang="en-US" sz="1100" dirty="0" err="1" smtClean="0">
+                          <a:latin typeface="삼성긴고딕OTF Regular" panose="020B0600000101010101" pitchFamily="34" charset="-127"/>
+                          <a:ea typeface="삼성긴고딕OTF Regular" panose="020B0600000101010101" pitchFamily="34" charset="-127"/>
+                        </a:rPr>
+                        <a:t>이펙티브</a:t>
+                      </a:r>
+                      <a:r>
+                        <a:rPr lang="ko-KR" altLang="en-US" sz="1100" dirty="0" smtClean="0">
+                          <a:latin typeface="삼성긴고딕OTF Regular" panose="020B0600000101010101" pitchFamily="34" charset="-127"/>
+                          <a:ea typeface="삼성긴고딕OTF Regular" panose="020B0600000101010101" pitchFamily="34" charset="-127"/>
+                        </a:rPr>
+                        <a:t> 자바</a:t>
+                      </a:r>
+                      <a:endParaRPr lang="ko-KR" altLang="en-US" sz="1100" dirty="0">
+                        <a:latin typeface="삼성긴고딕OTF Regular" panose="020B0600000101010101" pitchFamily="34" charset="-127"/>
+                        <a:ea typeface="삼성긴고딕OTF Regular" panose="020B0600000101010101" pitchFamily="34" charset="-127"/>
+                      </a:endParaRPr>
+                    </a:p>
+                  </a:txBody>
+                  <a:tcPr>
+                    <a:lnL w="6350" cap="flat" cmpd="sng" algn="ctr">
+                      <a:solidFill>
+                        <a:schemeClr val="tx1"/>
+                      </a:solidFill>
+                      <a:prstDash val="solid"/>
+                      <a:round/>
+                      <a:headEnd type="none" w="med" len="med"/>
+                      <a:tailEnd type="none" w="med" len="med"/>
+                    </a:lnL>
+                    <a:lnR w="6350" cap="flat" cmpd="sng" algn="ctr">
+                      <a:solidFill>
+                        <a:schemeClr val="tx1"/>
+                      </a:solidFill>
+                      <a:prstDash val="solid"/>
+                      <a:round/>
+                      <a:headEnd type="none" w="med" len="med"/>
+                      <a:tailEnd type="none" w="med" len="med"/>
+                    </a:lnR>
+                    <a:lnT w="6350" cap="flat" cmpd="sng" algn="ctr">
+                      <a:solidFill>
+                        <a:schemeClr val="tx1"/>
+                      </a:solidFill>
+                      <a:prstDash val="solid"/>
+                      <a:round/>
+                      <a:headEnd type="none" w="med" len="med"/>
+                      <a:tailEnd type="none" w="med" len="med"/>
+                    </a:lnT>
+                    <a:lnB w="6350" cap="flat" cmpd="sng" algn="ctr">
+                      <a:solidFill>
+                        <a:schemeClr val="tx1"/>
+                      </a:solidFill>
+                      <a:prstDash val="solid"/>
+                      <a:round/>
+                      <a:headEnd type="none" w="med" len="med"/>
+                      <a:tailEnd type="none" w="med" len="med"/>
+                    </a:lnB>
+                    <a:solidFill>
+                      <a:srgbClr val="F6F8FC"/>
+                    </a:solidFill>
+                  </a:tcPr>
+                </a:tc>
+                <a:tc>
+                  <a:txBody>
+                    <a:bodyPr/>
+                    <a:lstStyle/>
+                    <a:p>
+                      <a:pPr algn="ctr" latinLnBrk="1"/>
+                      <a:r>
+                        <a:rPr lang="ko-KR" altLang="en-US" sz="1100" dirty="0" err="1" smtClean="0">
+                          <a:latin typeface="삼성긴고딕OTF Regular" panose="020B0600000101010101" pitchFamily="34" charset="-127"/>
+                          <a:ea typeface="삼성긴고딕OTF Regular" panose="020B0600000101010101" pitchFamily="34" charset="-127"/>
+                        </a:rPr>
+                        <a:t>교보문고</a:t>
+                      </a:r>
+                      <a:endParaRPr lang="ko-KR" altLang="en-US" sz="1100" dirty="0">
+                        <a:latin typeface="삼성긴고딕OTF Regular" panose="020B0600000101010101" pitchFamily="34" charset="-127"/>
+                        <a:ea typeface="삼성긴고딕OTF Regular" panose="020B0600000101010101" pitchFamily="34" charset="-127"/>
+                      </a:endParaRPr>
+                    </a:p>
+                  </a:txBody>
+                  <a:tcPr>
+                    <a:lnL w="6350" cap="flat" cmpd="sng" algn="ctr">
+                      <a:solidFill>
+                        <a:schemeClr val="tx1"/>
+                      </a:solidFill>
+                      <a:prstDash val="solid"/>
+                      <a:round/>
+                      <a:headEnd type="none" w="med" len="med"/>
+                      <a:tailEnd type="none" w="med" len="med"/>
+                    </a:lnL>
+                    <a:lnR w="6350" cap="flat" cmpd="sng" algn="ctr">
+                      <a:solidFill>
+                        <a:schemeClr val="tx1"/>
+                      </a:solidFill>
+                      <a:prstDash val="solid"/>
+                      <a:round/>
+                      <a:headEnd type="none" w="med" len="med"/>
+                      <a:tailEnd type="none" w="med" len="med"/>
+                    </a:lnR>
+                    <a:lnT w="6350" cap="flat" cmpd="sng" algn="ctr">
+                      <a:solidFill>
+                        <a:schemeClr val="tx1"/>
+                      </a:solidFill>
+                      <a:prstDash val="solid"/>
+                      <a:round/>
+                      <a:headEnd type="none" w="med" len="med"/>
+                      <a:tailEnd type="none" w="med" len="med"/>
+                    </a:lnT>
+                    <a:lnB w="6350" cap="flat" cmpd="sng" algn="ctr">
+                      <a:solidFill>
+                        <a:schemeClr val="tx1"/>
+                      </a:solidFill>
+                      <a:prstDash val="solid"/>
+                      <a:round/>
+                      <a:headEnd type="none" w="med" len="med"/>
+                      <a:tailEnd type="none" w="med" len="med"/>
+                    </a:lnB>
+                    <a:solidFill>
+                      <a:srgbClr val="F6F8FC"/>
+                    </a:solidFill>
+                  </a:tcPr>
+                </a:tc>
+                <a:tc>
+                  <a:txBody>
+                    <a:bodyPr/>
+                    <a:lstStyle/>
+                    <a:p>
+                      <a:pPr algn="ctr" latinLnBrk="1"/>
+                      <a:r>
+                        <a:rPr lang="en-US" altLang="ko-KR" sz="1100" dirty="0" smtClean="0">
+                          <a:latin typeface="삼성긴고딕OTF Regular" panose="020B0600000101010101" pitchFamily="34" charset="-127"/>
+                          <a:ea typeface="삼성긴고딕OTF Regular" panose="020B0600000101010101" pitchFamily="34" charset="-127"/>
+                        </a:rPr>
+                        <a:t>36,000</a:t>
+                      </a:r>
+                      <a:r>
+                        <a:rPr lang="ko-KR" altLang="en-US" sz="1100" dirty="0" smtClean="0">
+                          <a:latin typeface="삼성긴고딕OTF Regular" panose="020B0600000101010101" pitchFamily="34" charset="-127"/>
+                          <a:ea typeface="삼성긴고딕OTF Regular" panose="020B0600000101010101" pitchFamily="34" charset="-127"/>
+                        </a:rPr>
+                        <a:t>원</a:t>
+                      </a:r>
+                      <a:endParaRPr lang="ko-KR" altLang="en-US" sz="1100" dirty="0">
+                        <a:latin typeface="삼성긴고딕OTF Regular" panose="020B0600000101010101" pitchFamily="34" charset="-127"/>
+                        <a:ea typeface="삼성긴고딕OTF Regular" panose="020B0600000101010101" pitchFamily="34" charset="-127"/>
+                      </a:endParaRPr>
+                    </a:p>
+                  </a:txBody>
+                  <a:tcPr>
+                    <a:lnL w="6350" cap="flat" cmpd="sng" algn="ctr">
+                      <a:solidFill>
+                        <a:schemeClr val="tx1"/>
+                      </a:solidFill>
+                      <a:prstDash val="solid"/>
+                      <a:round/>
+                      <a:headEnd type="none" w="med" len="med"/>
+                      <a:tailEnd type="none" w="med" len="med"/>
+                    </a:lnL>
+                    <a:lnR w="6350" cap="flat" cmpd="sng" algn="ctr">
+                      <a:solidFill>
+                        <a:schemeClr val="tx1"/>
+                      </a:solidFill>
+                      <a:prstDash val="solid"/>
+                      <a:round/>
+                      <a:headEnd type="none" w="med" len="med"/>
+                      <a:tailEnd type="none" w="med" len="med"/>
+                    </a:lnR>
+                    <a:lnT w="6350" cap="flat" cmpd="sng" algn="ctr">
+                      <a:solidFill>
+                        <a:schemeClr val="tx1"/>
+                      </a:solidFill>
+                      <a:prstDash val="solid"/>
+                      <a:round/>
+                      <a:headEnd type="none" w="med" len="med"/>
+                      <a:tailEnd type="none" w="med" len="med"/>
+                    </a:lnT>
+                    <a:lnB w="6350" cap="flat" cmpd="sng" algn="ctr">
+                      <a:solidFill>
+                        <a:schemeClr val="tx1"/>
+                      </a:solidFill>
+                      <a:prstDash val="solid"/>
+                      <a:round/>
+                      <a:headEnd type="none" w="med" len="med"/>
+                      <a:tailEnd type="none" w="med" len="med"/>
+                    </a:lnB>
+                    <a:solidFill>
+                      <a:srgbClr val="F6F8FC"/>
+                    </a:solidFill>
+                  </a:tcPr>
+                </a:tc>
+                <a:tc>
+                  <a:txBody>
+                    <a:bodyPr/>
+                    <a:lstStyle/>
+                    <a:p>
+                      <a:pPr algn="ctr" latinLnBrk="1"/>
+                      <a:r>
+                        <a:rPr lang="en-US" altLang="ko-KR" sz="1100" dirty="0" smtClean="0">
+                          <a:latin typeface="삼성긴고딕OTF Regular" panose="020B0600000101010101" pitchFamily="34" charset="-127"/>
+                          <a:ea typeface="삼성긴고딕OTF Regular" panose="020B0600000101010101" pitchFamily="34" charset="-127"/>
+                        </a:rPr>
+                        <a:t>32,400</a:t>
+                      </a:r>
+                      <a:r>
+                        <a:rPr lang="ko-KR" altLang="en-US" sz="1100" dirty="0" smtClean="0">
+                          <a:latin typeface="삼성긴고딕OTF Regular" panose="020B0600000101010101" pitchFamily="34" charset="-127"/>
+                          <a:ea typeface="삼성긴고딕OTF Regular" panose="020B0600000101010101" pitchFamily="34" charset="-127"/>
+                        </a:rPr>
+                        <a:t>원</a:t>
+                      </a:r>
+                      <a:endParaRPr lang="ko-KR" altLang="en-US" sz="1100" dirty="0">
+                        <a:latin typeface="삼성긴고딕OTF Regular" panose="020B0600000101010101" pitchFamily="34" charset="-127"/>
+                        <a:ea typeface="삼성긴고딕OTF Regular" panose="020B0600000101010101" pitchFamily="34" charset="-127"/>
+                      </a:endParaRPr>
+                    </a:p>
+                  </a:txBody>
+                  <a:tcPr>
+                    <a:lnL w="6350" cap="flat" cmpd="sng" algn="ctr">
+                      <a:solidFill>
+                        <a:schemeClr val="tx1"/>
+                      </a:solidFill>
+                      <a:prstDash val="solid"/>
+                      <a:round/>
+                      <a:headEnd type="none" w="med" len="med"/>
+                      <a:tailEnd type="none" w="med" len="med"/>
+                    </a:lnL>
+                    <a:lnR w="6350" cap="flat" cmpd="sng" algn="ctr">
+                      <a:solidFill>
+                        <a:schemeClr val="tx1"/>
+                      </a:solidFill>
+                      <a:prstDash val="solid"/>
+                      <a:round/>
+                      <a:headEnd type="none" w="med" len="med"/>
+                      <a:tailEnd type="none" w="med" len="med"/>
+                    </a:lnR>
+                    <a:lnT w="6350" cap="flat" cmpd="sng" algn="ctr">
+                      <a:solidFill>
+                        <a:schemeClr val="tx1"/>
+                      </a:solidFill>
+                      <a:prstDash val="solid"/>
+                      <a:round/>
+                      <a:headEnd type="none" w="med" len="med"/>
+                      <a:tailEnd type="none" w="med" len="med"/>
+                    </a:lnT>
+                    <a:lnB w="6350" cap="flat" cmpd="sng" algn="ctr">
+                      <a:solidFill>
+                        <a:schemeClr val="tx1"/>
+                      </a:solidFill>
+                      <a:prstDash val="solid"/>
+                      <a:round/>
+                      <a:headEnd type="none" w="med" len="med"/>
+                      <a:tailEnd type="none" w="med" len="med"/>
+                    </a:lnB>
+                    <a:solidFill>
+                      <a:srgbClr val="F6F8FC"/>
+                    </a:solidFill>
+                  </a:tcPr>
+                </a:tc>
+                <a:extLst>
+                  <a:ext uri="{0D108BD9-81ED-4DB2-BD59-A6C34878D82A}">
+                    <a16:rowId xmlns:a16="http://schemas.microsoft.com/office/drawing/2014/main" val="4035602949"/>
+                  </a:ext>
+                </a:extLst>
+              </a:tr>
+              <a:tr h="288000">
+                <a:tc>
+                  <a:txBody>
+                    <a:bodyPr/>
+                    <a:lstStyle/>
+                    <a:p>
+                      <a:pPr algn="ctr" latinLnBrk="1"/>
+                      <a:r>
+                        <a:rPr lang="ko-KR" altLang="en-US" sz="1100" dirty="0" err="1" smtClean="0">
+                          <a:latin typeface="삼성긴고딕OTF Regular" panose="020B0600000101010101" pitchFamily="34" charset="-127"/>
+                          <a:ea typeface="삼성긴고딕OTF Regular" panose="020B0600000101010101" pitchFamily="34" charset="-127"/>
+                        </a:rPr>
+                        <a:t>이펙티브</a:t>
+                      </a:r>
+                      <a:r>
+                        <a:rPr lang="ko-KR" altLang="en-US" sz="1100" dirty="0" smtClean="0">
+                          <a:latin typeface="삼성긴고딕OTF Regular" panose="020B0600000101010101" pitchFamily="34" charset="-127"/>
+                          <a:ea typeface="삼성긴고딕OTF Regular" panose="020B0600000101010101" pitchFamily="34" charset="-127"/>
+                        </a:rPr>
+                        <a:t> 자바</a:t>
+                      </a:r>
+                      <a:endParaRPr lang="ko-KR" altLang="en-US" sz="1100" dirty="0">
+                        <a:latin typeface="삼성긴고딕OTF Regular" panose="020B0600000101010101" pitchFamily="34" charset="-127"/>
+                        <a:ea typeface="삼성긴고딕OTF Regular" panose="020B0600000101010101" pitchFamily="34" charset="-127"/>
+                      </a:endParaRPr>
+                    </a:p>
+                  </a:txBody>
+                  <a:tcPr>
+                    <a:lnL w="6350" cap="flat" cmpd="sng" algn="ctr">
+                      <a:solidFill>
+                        <a:schemeClr val="tx1"/>
+                      </a:solidFill>
+                      <a:prstDash val="solid"/>
+                      <a:round/>
+                      <a:headEnd type="none" w="med" len="med"/>
+                      <a:tailEnd type="none" w="med" len="med"/>
+                    </a:lnL>
+                    <a:lnR w="6350" cap="flat" cmpd="sng" algn="ctr">
+                      <a:solidFill>
+                        <a:schemeClr val="tx1"/>
+                      </a:solidFill>
+                      <a:prstDash val="solid"/>
+                      <a:round/>
+                      <a:headEnd type="none" w="med" len="med"/>
+                      <a:tailEnd type="none" w="med" len="med"/>
+                    </a:lnR>
+                    <a:lnT w="6350" cap="flat" cmpd="sng" algn="ctr">
+                      <a:solidFill>
+                        <a:schemeClr val="tx1"/>
+                      </a:solidFill>
+                      <a:prstDash val="solid"/>
+                      <a:round/>
+                      <a:headEnd type="none" w="med" len="med"/>
+                      <a:tailEnd type="none" w="med" len="med"/>
+                    </a:lnT>
+                    <a:lnB w="6350" cap="flat" cmpd="sng" algn="ctr">
+                      <a:solidFill>
+                        <a:schemeClr val="tx1"/>
+                      </a:solidFill>
+                      <a:prstDash val="solid"/>
+                      <a:round/>
+                      <a:headEnd type="none" w="med" len="med"/>
+                      <a:tailEnd type="none" w="med" len="med"/>
+                    </a:lnB>
+                    <a:solidFill>
+                      <a:srgbClr val="F6F8FC"/>
+                    </a:solidFill>
+                  </a:tcPr>
+                </a:tc>
+                <a:tc>
+                  <a:txBody>
+                    <a:bodyPr/>
+                    <a:lstStyle/>
+                    <a:p>
+                      <a:pPr algn="ctr" latinLnBrk="1"/>
+                      <a:r>
+                        <a:rPr lang="en-US" altLang="ko-KR" sz="1100" dirty="0" smtClean="0">
+                          <a:latin typeface="삼성긴고딕OTF Regular" panose="020B0600000101010101" pitchFamily="34" charset="-127"/>
+                          <a:ea typeface="삼성긴고딕OTF Regular" panose="020B0600000101010101" pitchFamily="34" charset="-127"/>
+                        </a:rPr>
+                        <a:t>YES</a:t>
+                      </a:r>
+                      <a:r>
+                        <a:rPr lang="en-US" altLang="ko-KR" sz="1100" baseline="0" dirty="0" smtClean="0">
+                          <a:latin typeface="삼성긴고딕OTF Regular" panose="020B0600000101010101" pitchFamily="34" charset="-127"/>
+                          <a:ea typeface="삼성긴고딕OTF Regular" panose="020B0600000101010101" pitchFamily="34" charset="-127"/>
+                        </a:rPr>
+                        <a:t> 24</a:t>
+                      </a:r>
+                      <a:endParaRPr lang="ko-KR" altLang="en-US" sz="1100" dirty="0">
+                        <a:latin typeface="삼성긴고딕OTF Regular" panose="020B0600000101010101" pitchFamily="34" charset="-127"/>
+                        <a:ea typeface="삼성긴고딕OTF Regular" panose="020B0600000101010101" pitchFamily="34" charset="-127"/>
+                      </a:endParaRPr>
+                    </a:p>
+                  </a:txBody>
+                  <a:tcPr>
+                    <a:lnL w="6350" cap="flat" cmpd="sng" algn="ctr">
+                      <a:solidFill>
+                        <a:schemeClr val="tx1"/>
+                      </a:solidFill>
+                      <a:prstDash val="solid"/>
+                      <a:round/>
+                      <a:headEnd type="none" w="med" len="med"/>
+                      <a:tailEnd type="none" w="med" len="med"/>
+                    </a:lnL>
+                    <a:lnR w="6350" cap="flat" cmpd="sng" algn="ctr">
+                      <a:solidFill>
+                        <a:schemeClr val="tx1"/>
+                      </a:solidFill>
+                      <a:prstDash val="solid"/>
+                      <a:round/>
+                      <a:headEnd type="none" w="med" len="med"/>
+                      <a:tailEnd type="none" w="med" len="med"/>
+                    </a:lnR>
+                    <a:lnT w="6350" cap="flat" cmpd="sng" algn="ctr">
+                      <a:solidFill>
+                        <a:schemeClr val="tx1"/>
+                      </a:solidFill>
+                      <a:prstDash val="solid"/>
+                      <a:round/>
+                      <a:headEnd type="none" w="med" len="med"/>
+                      <a:tailEnd type="none" w="med" len="med"/>
+                    </a:lnT>
+                    <a:lnB w="6350" cap="flat" cmpd="sng" algn="ctr">
+                      <a:solidFill>
+                        <a:schemeClr val="tx1"/>
+                      </a:solidFill>
+                      <a:prstDash val="solid"/>
+                      <a:round/>
+                      <a:headEnd type="none" w="med" len="med"/>
+                      <a:tailEnd type="none" w="med" len="med"/>
+                    </a:lnB>
+                    <a:solidFill>
+                      <a:srgbClr val="F6F8FC"/>
+                    </a:solidFill>
+                  </a:tcPr>
+                </a:tc>
+                <a:tc>
+                  <a:txBody>
+                    <a:bodyPr/>
+                    <a:lstStyle/>
+                    <a:p>
+                      <a:pPr algn="ctr" latinLnBrk="1"/>
+                      <a:r>
+                        <a:rPr lang="en-US" altLang="ko-KR" sz="1100" dirty="0" smtClean="0">
+                          <a:latin typeface="삼성긴고딕OTF Regular" panose="020B0600000101010101" pitchFamily="34" charset="-127"/>
+                          <a:ea typeface="삼성긴고딕OTF Regular" panose="020B0600000101010101" pitchFamily="34" charset="-127"/>
+                        </a:rPr>
+                        <a:t>36,000</a:t>
+                      </a:r>
+                      <a:r>
+                        <a:rPr lang="ko-KR" altLang="en-US" sz="1100" dirty="0" smtClean="0">
+                          <a:latin typeface="삼성긴고딕OTF Regular" panose="020B0600000101010101" pitchFamily="34" charset="-127"/>
+                          <a:ea typeface="삼성긴고딕OTF Regular" panose="020B0600000101010101" pitchFamily="34" charset="-127"/>
+                        </a:rPr>
+                        <a:t>원</a:t>
+                      </a:r>
+                      <a:endParaRPr lang="ko-KR" altLang="en-US" sz="1100" dirty="0">
+                        <a:latin typeface="삼성긴고딕OTF Regular" panose="020B0600000101010101" pitchFamily="34" charset="-127"/>
+                        <a:ea typeface="삼성긴고딕OTF Regular" panose="020B0600000101010101" pitchFamily="34" charset="-127"/>
+                      </a:endParaRPr>
+                    </a:p>
+                  </a:txBody>
+                  <a:tcPr>
+                    <a:lnL w="6350" cap="flat" cmpd="sng" algn="ctr">
+                      <a:solidFill>
+                        <a:schemeClr val="tx1"/>
+                      </a:solidFill>
+                      <a:prstDash val="solid"/>
+                      <a:round/>
+                      <a:headEnd type="none" w="med" len="med"/>
+                      <a:tailEnd type="none" w="med" len="med"/>
+                    </a:lnL>
+                    <a:lnR w="6350" cap="flat" cmpd="sng" algn="ctr">
+                      <a:solidFill>
+                        <a:schemeClr val="tx1"/>
+                      </a:solidFill>
+                      <a:prstDash val="solid"/>
+                      <a:round/>
+                      <a:headEnd type="none" w="med" len="med"/>
+                      <a:tailEnd type="none" w="med" len="med"/>
+                    </a:lnR>
+                    <a:lnT w="6350" cap="flat" cmpd="sng" algn="ctr">
+                      <a:solidFill>
+                        <a:schemeClr val="tx1"/>
+                      </a:solidFill>
+                      <a:prstDash val="solid"/>
+                      <a:round/>
+                      <a:headEnd type="none" w="med" len="med"/>
+                      <a:tailEnd type="none" w="med" len="med"/>
+                    </a:lnT>
+                    <a:lnB w="6350" cap="flat" cmpd="sng" algn="ctr">
+                      <a:solidFill>
+                        <a:schemeClr val="tx1"/>
+                      </a:solidFill>
+                      <a:prstDash val="solid"/>
+                      <a:round/>
+                      <a:headEnd type="none" w="med" len="med"/>
+                      <a:tailEnd type="none" w="med" len="med"/>
+                    </a:lnB>
+                    <a:solidFill>
+                      <a:srgbClr val="F6F8FC"/>
+                    </a:solidFill>
+                  </a:tcPr>
+                </a:tc>
+                <a:tc>
+                  <a:txBody>
+                    <a:bodyPr/>
+                    <a:lstStyle/>
+                    <a:p>
+                      <a:pPr algn="ctr" latinLnBrk="1"/>
+                      <a:r>
+                        <a:rPr lang="en-US" altLang="ko-KR" sz="1100" dirty="0" smtClean="0">
+                          <a:latin typeface="삼성긴고딕OTF Regular" panose="020B0600000101010101" pitchFamily="34" charset="-127"/>
+                          <a:ea typeface="삼성긴고딕OTF Regular" panose="020B0600000101010101" pitchFamily="34" charset="-127"/>
+                        </a:rPr>
+                        <a:t>32,000</a:t>
+                      </a:r>
+                      <a:r>
+                        <a:rPr lang="ko-KR" altLang="en-US" sz="1100" dirty="0" smtClean="0">
+                          <a:latin typeface="삼성긴고딕OTF Regular" panose="020B0600000101010101" pitchFamily="34" charset="-127"/>
+                          <a:ea typeface="삼성긴고딕OTF Regular" panose="020B0600000101010101" pitchFamily="34" charset="-127"/>
+                        </a:rPr>
+                        <a:t>원</a:t>
+                      </a:r>
+                      <a:endParaRPr lang="ko-KR" altLang="en-US" sz="1100" dirty="0">
+                        <a:latin typeface="삼성긴고딕OTF Regular" panose="020B0600000101010101" pitchFamily="34" charset="-127"/>
+                        <a:ea typeface="삼성긴고딕OTF Regular" panose="020B0600000101010101" pitchFamily="34" charset="-127"/>
+                      </a:endParaRPr>
+                    </a:p>
+                  </a:txBody>
+                  <a:tcPr>
+                    <a:lnL w="6350" cap="flat" cmpd="sng" algn="ctr">
+                      <a:solidFill>
+                        <a:schemeClr val="tx1"/>
+                      </a:solidFill>
+                      <a:prstDash val="solid"/>
+                      <a:round/>
+                      <a:headEnd type="none" w="med" len="med"/>
+                      <a:tailEnd type="none" w="med" len="med"/>
+                    </a:lnL>
+                    <a:lnR w="6350" cap="flat" cmpd="sng" algn="ctr">
+                      <a:solidFill>
+                        <a:schemeClr val="tx1"/>
+                      </a:solidFill>
+                      <a:prstDash val="solid"/>
+                      <a:round/>
+                      <a:headEnd type="none" w="med" len="med"/>
+                      <a:tailEnd type="none" w="med" len="med"/>
+                    </a:lnR>
+                    <a:lnT w="6350" cap="flat" cmpd="sng" algn="ctr">
+                      <a:solidFill>
+                        <a:schemeClr val="tx1"/>
+                      </a:solidFill>
+                      <a:prstDash val="solid"/>
+                      <a:round/>
+                      <a:headEnd type="none" w="med" len="med"/>
+                      <a:tailEnd type="none" w="med" len="med"/>
+                    </a:lnT>
+                    <a:lnB w="6350" cap="flat" cmpd="sng" algn="ctr">
+                      <a:solidFill>
+                        <a:schemeClr val="tx1"/>
+                      </a:solidFill>
+                      <a:prstDash val="solid"/>
+                      <a:round/>
+                      <a:headEnd type="none" w="med" len="med"/>
+                      <a:tailEnd type="none" w="med" len="med"/>
+                    </a:lnB>
+                    <a:solidFill>
+                      <a:srgbClr val="F6F8FC"/>
+                    </a:solidFill>
+                  </a:tcPr>
+                </a:tc>
+                <a:extLst>
+                  <a:ext uri="{0D108BD9-81ED-4DB2-BD59-A6C34878D82A}">
+                    <a16:rowId xmlns:a16="http://schemas.microsoft.com/office/drawing/2014/main" val="1316063722"/>
+                  </a:ext>
+                </a:extLst>
+              </a:tr>
+              <a:tr h="288000">
+                <a:tc>
+                  <a:txBody>
+                    <a:bodyPr/>
+                    <a:lstStyle/>
+                    <a:p>
+                      <a:pPr marL="0" marR="0" indent="0" algn="ctr" defTabSz="914400" rtl="0" eaLnBrk="1" fontAlgn="auto" latinLnBrk="1" hangingPunct="1">
+                        <a:lnSpc>
+                          <a:spcPct val="100000"/>
+                        </a:lnSpc>
+                        <a:spcBef>
+                          <a:spcPts val="0"/>
+                        </a:spcBef>
+                        <a:spcAft>
+                          <a:spcPts val="0"/>
+                        </a:spcAft>
+                        <a:buClrTx/>
+                        <a:buSzTx/>
+                        <a:buFontTx/>
+                        <a:buNone/>
+                        <a:tabLst/>
+                        <a:defRPr/>
+                      </a:pPr>
+                      <a:r>
+                        <a:rPr lang="ko-KR" altLang="en-US" sz="1100" dirty="0" err="1" smtClean="0">
+                          <a:latin typeface="삼성긴고딕OTF Regular" panose="020B0600000101010101" pitchFamily="34" charset="-127"/>
+                          <a:ea typeface="삼성긴고딕OTF Regular" panose="020B0600000101010101" pitchFamily="34" charset="-127"/>
+                        </a:rPr>
+                        <a:t>이펙티브</a:t>
+                      </a:r>
+                      <a:r>
+                        <a:rPr lang="ko-KR" altLang="en-US" sz="1100" dirty="0" smtClean="0">
+                          <a:latin typeface="삼성긴고딕OTF Regular" panose="020B0600000101010101" pitchFamily="34" charset="-127"/>
+                          <a:ea typeface="삼성긴고딕OTF Regular" panose="020B0600000101010101" pitchFamily="34" charset="-127"/>
+                        </a:rPr>
+                        <a:t> 자바</a:t>
+                      </a:r>
+                    </a:p>
+                  </a:txBody>
+                  <a:tcPr>
+                    <a:lnL w="6350" cap="flat" cmpd="sng" algn="ctr">
+                      <a:solidFill>
+                        <a:schemeClr val="tx1"/>
+                      </a:solidFill>
+                      <a:prstDash val="solid"/>
+                      <a:round/>
+                      <a:headEnd type="none" w="med" len="med"/>
+                      <a:tailEnd type="none" w="med" len="med"/>
+                    </a:lnL>
+                    <a:lnR w="6350" cap="flat" cmpd="sng" algn="ctr">
+                      <a:solidFill>
+                        <a:schemeClr val="tx1"/>
+                      </a:solidFill>
+                      <a:prstDash val="solid"/>
+                      <a:round/>
+                      <a:headEnd type="none" w="med" len="med"/>
+                      <a:tailEnd type="none" w="med" len="med"/>
+                    </a:lnR>
+                    <a:lnT w="6350" cap="flat" cmpd="sng" algn="ctr">
+                      <a:solidFill>
+                        <a:schemeClr val="tx1"/>
+                      </a:solidFill>
+                      <a:prstDash val="solid"/>
+                      <a:round/>
+                      <a:headEnd type="none" w="med" len="med"/>
+                      <a:tailEnd type="none" w="med" len="med"/>
+                    </a:lnT>
+                    <a:lnB w="6350" cap="flat" cmpd="sng" algn="ctr">
+                      <a:solidFill>
+                        <a:schemeClr val="tx1"/>
+                      </a:solidFill>
+                      <a:prstDash val="solid"/>
+                      <a:round/>
+                      <a:headEnd type="none" w="med" len="med"/>
+                      <a:tailEnd type="none" w="med" len="med"/>
+                    </a:lnB>
+                    <a:solidFill>
+                      <a:srgbClr val="F6F8FC"/>
+                    </a:solidFill>
+                  </a:tcPr>
+                </a:tc>
+                <a:tc>
+                  <a:txBody>
+                    <a:bodyPr/>
+                    <a:lstStyle/>
+                    <a:p>
+                      <a:pPr algn="ctr" latinLnBrk="1"/>
+                      <a:r>
+                        <a:rPr lang="ko-KR" altLang="en-US" sz="1100" dirty="0" smtClean="0">
+                          <a:latin typeface="삼성긴고딕OTF Regular" panose="020B0600000101010101" pitchFamily="34" charset="-127"/>
+                          <a:ea typeface="삼성긴고딕OTF Regular" panose="020B0600000101010101" pitchFamily="34" charset="-127"/>
+                        </a:rPr>
+                        <a:t>알라딘</a:t>
+                      </a:r>
+                      <a:endParaRPr lang="ko-KR" altLang="en-US" sz="1100" dirty="0">
+                        <a:latin typeface="삼성긴고딕OTF Regular" panose="020B0600000101010101" pitchFamily="34" charset="-127"/>
+                        <a:ea typeface="삼성긴고딕OTF Regular" panose="020B0600000101010101" pitchFamily="34" charset="-127"/>
+                      </a:endParaRPr>
+                    </a:p>
+                  </a:txBody>
+                  <a:tcPr>
+                    <a:lnL w="6350" cap="flat" cmpd="sng" algn="ctr">
+                      <a:solidFill>
+                        <a:schemeClr val="tx1"/>
+                      </a:solidFill>
+                      <a:prstDash val="solid"/>
+                      <a:round/>
+                      <a:headEnd type="none" w="med" len="med"/>
+                      <a:tailEnd type="none" w="med" len="med"/>
+                    </a:lnL>
+                    <a:lnR w="6350" cap="flat" cmpd="sng" algn="ctr">
+                      <a:solidFill>
+                        <a:schemeClr val="tx1"/>
+                      </a:solidFill>
+                      <a:prstDash val="solid"/>
+                      <a:round/>
+                      <a:headEnd type="none" w="med" len="med"/>
+                      <a:tailEnd type="none" w="med" len="med"/>
+                    </a:lnR>
+                    <a:lnT w="6350" cap="flat" cmpd="sng" algn="ctr">
+                      <a:solidFill>
+                        <a:schemeClr val="tx1"/>
+                      </a:solidFill>
+                      <a:prstDash val="solid"/>
+                      <a:round/>
+                      <a:headEnd type="none" w="med" len="med"/>
+                      <a:tailEnd type="none" w="med" len="med"/>
+                    </a:lnT>
+                    <a:lnB w="6350" cap="flat" cmpd="sng" algn="ctr">
+                      <a:solidFill>
+                        <a:schemeClr val="tx1"/>
+                      </a:solidFill>
+                      <a:prstDash val="solid"/>
+                      <a:round/>
+                      <a:headEnd type="none" w="med" len="med"/>
+                      <a:tailEnd type="none" w="med" len="med"/>
+                    </a:lnB>
+                    <a:solidFill>
+                      <a:srgbClr val="F6F8FC"/>
+                    </a:solidFill>
+                  </a:tcPr>
+                </a:tc>
+                <a:tc>
+                  <a:txBody>
+                    <a:bodyPr/>
+                    <a:lstStyle/>
+                    <a:p>
+                      <a:pPr algn="ctr" latinLnBrk="1"/>
+                      <a:r>
+                        <a:rPr lang="en-US" altLang="ko-KR" sz="1100" dirty="0" smtClean="0">
+                          <a:latin typeface="삼성긴고딕OTF Regular" panose="020B0600000101010101" pitchFamily="34" charset="-127"/>
+                          <a:ea typeface="삼성긴고딕OTF Regular" panose="020B0600000101010101" pitchFamily="34" charset="-127"/>
+                        </a:rPr>
+                        <a:t>36,000</a:t>
+                      </a:r>
+                      <a:r>
+                        <a:rPr lang="ko-KR" altLang="en-US" sz="1100" dirty="0" smtClean="0">
+                          <a:latin typeface="삼성긴고딕OTF Regular" panose="020B0600000101010101" pitchFamily="34" charset="-127"/>
+                          <a:ea typeface="삼성긴고딕OTF Regular" panose="020B0600000101010101" pitchFamily="34" charset="-127"/>
+                        </a:rPr>
+                        <a:t>원</a:t>
+                      </a:r>
+                      <a:endParaRPr lang="ko-KR" altLang="en-US" sz="1100" dirty="0">
+                        <a:latin typeface="삼성긴고딕OTF Regular" panose="020B0600000101010101" pitchFamily="34" charset="-127"/>
+                        <a:ea typeface="삼성긴고딕OTF Regular" panose="020B0600000101010101" pitchFamily="34" charset="-127"/>
+                      </a:endParaRPr>
+                    </a:p>
+                  </a:txBody>
+                  <a:tcPr>
+                    <a:lnL w="6350" cap="flat" cmpd="sng" algn="ctr">
+                      <a:solidFill>
+                        <a:schemeClr val="tx1"/>
+                      </a:solidFill>
+                      <a:prstDash val="solid"/>
+                      <a:round/>
+                      <a:headEnd type="none" w="med" len="med"/>
+                      <a:tailEnd type="none" w="med" len="med"/>
+                    </a:lnL>
+                    <a:lnR w="6350" cap="flat" cmpd="sng" algn="ctr">
+                      <a:solidFill>
+                        <a:schemeClr val="tx1"/>
+                      </a:solidFill>
+                      <a:prstDash val="solid"/>
+                      <a:round/>
+                      <a:headEnd type="none" w="med" len="med"/>
+                      <a:tailEnd type="none" w="med" len="med"/>
+                    </a:lnR>
+                    <a:lnT w="6350" cap="flat" cmpd="sng" algn="ctr">
+                      <a:solidFill>
+                        <a:schemeClr val="tx1"/>
+                      </a:solidFill>
+                      <a:prstDash val="solid"/>
+                      <a:round/>
+                      <a:headEnd type="none" w="med" len="med"/>
+                      <a:tailEnd type="none" w="med" len="med"/>
+                    </a:lnT>
+                    <a:lnB w="6350" cap="flat" cmpd="sng" algn="ctr">
+                      <a:solidFill>
+                        <a:schemeClr val="tx1"/>
+                      </a:solidFill>
+                      <a:prstDash val="solid"/>
+                      <a:round/>
+                      <a:headEnd type="none" w="med" len="med"/>
+                      <a:tailEnd type="none" w="med" len="med"/>
+                    </a:lnB>
+                    <a:solidFill>
+                      <a:srgbClr val="F6F8FC"/>
+                    </a:solidFill>
+                  </a:tcPr>
+                </a:tc>
+                <a:tc>
+                  <a:txBody>
+                    <a:bodyPr/>
+                    <a:lstStyle/>
+                    <a:p>
+                      <a:pPr algn="ctr" latinLnBrk="1"/>
+                      <a:r>
+                        <a:rPr lang="en-US" altLang="ko-KR" sz="1100" dirty="0" smtClean="0">
+                          <a:latin typeface="삼성긴고딕OTF Regular" panose="020B0600000101010101" pitchFamily="34" charset="-127"/>
+                          <a:ea typeface="삼성긴고딕OTF Regular" panose="020B0600000101010101" pitchFamily="34" charset="-127"/>
+                        </a:rPr>
+                        <a:t>33,000</a:t>
+                      </a:r>
+                      <a:r>
+                        <a:rPr lang="ko-KR" altLang="en-US" sz="1100" dirty="0" smtClean="0">
+                          <a:latin typeface="삼성긴고딕OTF Regular" panose="020B0600000101010101" pitchFamily="34" charset="-127"/>
+                          <a:ea typeface="삼성긴고딕OTF Regular" panose="020B0600000101010101" pitchFamily="34" charset="-127"/>
+                        </a:rPr>
+                        <a:t>원</a:t>
+                      </a:r>
+                      <a:endParaRPr lang="ko-KR" altLang="en-US" sz="1100" dirty="0">
+                        <a:latin typeface="삼성긴고딕OTF Regular" panose="020B0600000101010101" pitchFamily="34" charset="-127"/>
+                        <a:ea typeface="삼성긴고딕OTF Regular" panose="020B0600000101010101" pitchFamily="34" charset="-127"/>
+                      </a:endParaRPr>
+                    </a:p>
+                  </a:txBody>
+                  <a:tcPr>
+                    <a:lnL w="6350" cap="flat" cmpd="sng" algn="ctr">
+                      <a:solidFill>
+                        <a:schemeClr val="tx1"/>
+                      </a:solidFill>
+                      <a:prstDash val="solid"/>
+                      <a:round/>
+                      <a:headEnd type="none" w="med" len="med"/>
+                      <a:tailEnd type="none" w="med" len="med"/>
+                    </a:lnL>
+                    <a:lnR w="6350" cap="flat" cmpd="sng" algn="ctr">
+                      <a:solidFill>
+                        <a:schemeClr val="tx1"/>
+                      </a:solidFill>
+                      <a:prstDash val="solid"/>
+                      <a:round/>
+                      <a:headEnd type="none" w="med" len="med"/>
+                      <a:tailEnd type="none" w="med" len="med"/>
+                    </a:lnR>
+                    <a:lnT w="6350" cap="flat" cmpd="sng" algn="ctr">
+                      <a:solidFill>
+                        <a:schemeClr val="tx1"/>
+                      </a:solidFill>
+                      <a:prstDash val="solid"/>
+                      <a:round/>
+                      <a:headEnd type="none" w="med" len="med"/>
+                      <a:tailEnd type="none" w="med" len="med"/>
+                    </a:lnT>
+                    <a:lnB w="6350" cap="flat" cmpd="sng" algn="ctr">
+                      <a:solidFill>
+                        <a:schemeClr val="tx1"/>
+                      </a:solidFill>
+                      <a:prstDash val="solid"/>
+                      <a:round/>
+                      <a:headEnd type="none" w="med" len="med"/>
+                      <a:tailEnd type="none" w="med" len="med"/>
+                    </a:lnB>
+                    <a:solidFill>
+                      <a:srgbClr val="F6F8FC"/>
+                    </a:solidFill>
+                  </a:tcPr>
+                </a:tc>
+                <a:extLst>
+                  <a:ext uri="{0D108BD9-81ED-4DB2-BD59-A6C34878D82A}">
+                    <a16:rowId xmlns:a16="http://schemas.microsoft.com/office/drawing/2014/main" val="322647196"/>
+                  </a:ext>
+                </a:extLst>
+              </a:tr>
+              <a:tr h="288000">
+                <a:tc>
+                  <a:txBody>
+                    <a:bodyPr/>
+                    <a:lstStyle/>
+                    <a:p>
+                      <a:pPr algn="ctr" latinLnBrk="1"/>
+                      <a:r>
+                        <a:rPr lang="ko-KR" altLang="en-US" sz="1100" dirty="0" smtClean="0">
+                          <a:latin typeface="삼성긴고딕OTF Regular" panose="020B0600000101010101" pitchFamily="34" charset="-127"/>
+                          <a:ea typeface="삼성긴고딕OTF Regular" panose="020B0600000101010101" pitchFamily="34" charset="-127"/>
+                        </a:rPr>
+                        <a:t>모던 자바 인 액션</a:t>
+                      </a:r>
+                      <a:endParaRPr lang="ko-KR" altLang="en-US" sz="1100" dirty="0">
+                        <a:latin typeface="삼성긴고딕OTF Regular" panose="020B0600000101010101" pitchFamily="34" charset="-127"/>
+                        <a:ea typeface="삼성긴고딕OTF Regular" panose="020B0600000101010101" pitchFamily="34" charset="-127"/>
+                      </a:endParaRPr>
+                    </a:p>
+                  </a:txBody>
+                  <a:tcPr>
+                    <a:lnL w="6350" cap="flat" cmpd="sng" algn="ctr">
+                      <a:solidFill>
+                        <a:schemeClr val="tx1"/>
+                      </a:solidFill>
+                      <a:prstDash val="solid"/>
+                      <a:round/>
+                      <a:headEnd type="none" w="med" len="med"/>
+                      <a:tailEnd type="none" w="med" len="med"/>
+                    </a:lnL>
+                    <a:lnR w="6350" cap="flat" cmpd="sng" algn="ctr">
+                      <a:solidFill>
+                        <a:schemeClr val="tx1"/>
+                      </a:solidFill>
+                      <a:prstDash val="solid"/>
+                      <a:round/>
+                      <a:headEnd type="none" w="med" len="med"/>
+                      <a:tailEnd type="none" w="med" len="med"/>
+                    </a:lnR>
+                    <a:lnT w="6350" cap="flat" cmpd="sng" algn="ctr">
+                      <a:solidFill>
+                        <a:schemeClr val="tx1"/>
+                      </a:solidFill>
+                      <a:prstDash val="solid"/>
+                      <a:round/>
+                      <a:headEnd type="none" w="med" len="med"/>
+                      <a:tailEnd type="none" w="med" len="med"/>
+                    </a:lnT>
+                    <a:lnB w="6350" cap="flat" cmpd="sng" algn="ctr">
+                      <a:solidFill>
+                        <a:schemeClr val="tx1"/>
+                      </a:solidFill>
+                      <a:prstDash val="solid"/>
+                      <a:round/>
+                      <a:headEnd type="none" w="med" len="med"/>
+                      <a:tailEnd type="none" w="med" len="med"/>
+                    </a:lnB>
+                    <a:solidFill>
+                      <a:srgbClr val="F6F8FC"/>
+                    </a:solidFill>
+                  </a:tcPr>
+                </a:tc>
+                <a:tc>
+                  <a:txBody>
+                    <a:bodyPr/>
+                    <a:lstStyle/>
+                    <a:p>
+                      <a:pPr algn="ctr" latinLnBrk="1"/>
+                      <a:r>
+                        <a:rPr lang="ko-KR" altLang="en-US" sz="1100" dirty="0" err="1" smtClean="0">
+                          <a:latin typeface="삼성긴고딕OTF Regular" panose="020B0600000101010101" pitchFamily="34" charset="-127"/>
+                          <a:ea typeface="삼성긴고딕OTF Regular" panose="020B0600000101010101" pitchFamily="34" charset="-127"/>
+                        </a:rPr>
+                        <a:t>교보문고</a:t>
+                      </a:r>
+                      <a:endParaRPr lang="ko-KR" altLang="en-US" sz="1100" dirty="0">
+                        <a:latin typeface="삼성긴고딕OTF Regular" panose="020B0600000101010101" pitchFamily="34" charset="-127"/>
+                        <a:ea typeface="삼성긴고딕OTF Regular" panose="020B0600000101010101" pitchFamily="34" charset="-127"/>
+                      </a:endParaRPr>
+                    </a:p>
+                  </a:txBody>
+                  <a:tcPr>
+                    <a:lnL w="6350" cap="flat" cmpd="sng" algn="ctr">
+                      <a:solidFill>
+                        <a:schemeClr val="tx1"/>
+                      </a:solidFill>
+                      <a:prstDash val="solid"/>
+                      <a:round/>
+                      <a:headEnd type="none" w="med" len="med"/>
+                      <a:tailEnd type="none" w="med" len="med"/>
+                    </a:lnL>
+                    <a:lnR w="6350" cap="flat" cmpd="sng" algn="ctr">
+                      <a:solidFill>
+                        <a:schemeClr val="tx1"/>
+                      </a:solidFill>
+                      <a:prstDash val="solid"/>
+                      <a:round/>
+                      <a:headEnd type="none" w="med" len="med"/>
+                      <a:tailEnd type="none" w="med" len="med"/>
+                    </a:lnR>
+                    <a:lnT w="6350" cap="flat" cmpd="sng" algn="ctr">
+                      <a:solidFill>
+                        <a:schemeClr val="tx1"/>
+                      </a:solidFill>
+                      <a:prstDash val="solid"/>
+                      <a:round/>
+                      <a:headEnd type="none" w="med" len="med"/>
+                      <a:tailEnd type="none" w="med" len="med"/>
+                    </a:lnT>
+                    <a:lnB w="6350" cap="flat" cmpd="sng" algn="ctr">
+                      <a:solidFill>
+                        <a:schemeClr val="tx1"/>
+                      </a:solidFill>
+                      <a:prstDash val="solid"/>
+                      <a:round/>
+                      <a:headEnd type="none" w="med" len="med"/>
+                      <a:tailEnd type="none" w="med" len="med"/>
+                    </a:lnB>
+                    <a:solidFill>
+                      <a:srgbClr val="F6F8FC"/>
+                    </a:solidFill>
+                  </a:tcPr>
+                </a:tc>
+                <a:tc>
+                  <a:txBody>
+                    <a:bodyPr/>
+                    <a:lstStyle/>
+                    <a:p>
+                      <a:pPr algn="ctr" latinLnBrk="1"/>
+                      <a:r>
+                        <a:rPr lang="en-US" altLang="ko-KR" sz="1100" dirty="0" smtClean="0">
+                          <a:latin typeface="삼성긴고딕OTF Regular" panose="020B0600000101010101" pitchFamily="34" charset="-127"/>
+                          <a:ea typeface="삼성긴고딕OTF Regular" panose="020B0600000101010101" pitchFamily="34" charset="-127"/>
+                        </a:rPr>
+                        <a:t>33,000</a:t>
+                      </a:r>
+                      <a:r>
+                        <a:rPr lang="ko-KR" altLang="en-US" sz="1100" dirty="0" smtClean="0">
+                          <a:latin typeface="삼성긴고딕OTF Regular" panose="020B0600000101010101" pitchFamily="34" charset="-127"/>
+                          <a:ea typeface="삼성긴고딕OTF Regular" panose="020B0600000101010101" pitchFamily="34" charset="-127"/>
+                        </a:rPr>
+                        <a:t>원</a:t>
+                      </a:r>
+                      <a:endParaRPr lang="ko-KR" altLang="en-US" sz="1100" dirty="0">
+                        <a:latin typeface="삼성긴고딕OTF Regular" panose="020B0600000101010101" pitchFamily="34" charset="-127"/>
+                        <a:ea typeface="삼성긴고딕OTF Regular" panose="020B0600000101010101" pitchFamily="34" charset="-127"/>
+                      </a:endParaRPr>
+                    </a:p>
+                  </a:txBody>
+                  <a:tcPr>
+                    <a:lnL w="6350" cap="flat" cmpd="sng" algn="ctr">
+                      <a:solidFill>
+                        <a:schemeClr val="tx1"/>
+                      </a:solidFill>
+                      <a:prstDash val="solid"/>
+                      <a:round/>
+                      <a:headEnd type="none" w="med" len="med"/>
+                      <a:tailEnd type="none" w="med" len="med"/>
+                    </a:lnL>
+                    <a:lnR w="6350" cap="flat" cmpd="sng" algn="ctr">
+                      <a:solidFill>
+                        <a:schemeClr val="tx1"/>
+                      </a:solidFill>
+                      <a:prstDash val="solid"/>
+                      <a:round/>
+                      <a:headEnd type="none" w="med" len="med"/>
+                      <a:tailEnd type="none" w="med" len="med"/>
+                    </a:lnR>
+                    <a:lnT w="6350" cap="flat" cmpd="sng" algn="ctr">
+                      <a:solidFill>
+                        <a:schemeClr val="tx1"/>
+                      </a:solidFill>
+                      <a:prstDash val="solid"/>
+                      <a:round/>
+                      <a:headEnd type="none" w="med" len="med"/>
+                      <a:tailEnd type="none" w="med" len="med"/>
+                    </a:lnT>
+                    <a:lnB w="6350" cap="flat" cmpd="sng" algn="ctr">
+                      <a:solidFill>
+                        <a:schemeClr val="tx1"/>
+                      </a:solidFill>
+                      <a:prstDash val="solid"/>
+                      <a:round/>
+                      <a:headEnd type="none" w="med" len="med"/>
+                      <a:tailEnd type="none" w="med" len="med"/>
+                    </a:lnB>
+                    <a:solidFill>
+                      <a:srgbClr val="F6F8FC"/>
+                    </a:solidFill>
+                  </a:tcPr>
+                </a:tc>
+                <a:tc>
+                  <a:txBody>
+                    <a:bodyPr/>
+                    <a:lstStyle/>
+                    <a:p>
+                      <a:pPr algn="ctr" latinLnBrk="1"/>
+                      <a:r>
+                        <a:rPr lang="en-US" altLang="ko-KR" sz="1100" dirty="0" smtClean="0">
+                          <a:latin typeface="삼성긴고딕OTF Regular" panose="020B0600000101010101" pitchFamily="34" charset="-127"/>
+                          <a:ea typeface="삼성긴고딕OTF Regular" panose="020B0600000101010101" pitchFamily="34" charset="-127"/>
+                        </a:rPr>
+                        <a:t>30,200</a:t>
+                      </a:r>
+                      <a:r>
+                        <a:rPr lang="ko-KR" altLang="en-US" sz="1100" dirty="0" smtClean="0">
+                          <a:latin typeface="삼성긴고딕OTF Regular" panose="020B0600000101010101" pitchFamily="34" charset="-127"/>
+                          <a:ea typeface="삼성긴고딕OTF Regular" panose="020B0600000101010101" pitchFamily="34" charset="-127"/>
+                        </a:rPr>
+                        <a:t>원</a:t>
+                      </a:r>
+                      <a:endParaRPr lang="ko-KR" altLang="en-US" sz="1100" dirty="0">
+                        <a:latin typeface="삼성긴고딕OTF Regular" panose="020B0600000101010101" pitchFamily="34" charset="-127"/>
+                        <a:ea typeface="삼성긴고딕OTF Regular" panose="020B0600000101010101" pitchFamily="34" charset="-127"/>
+                      </a:endParaRPr>
+                    </a:p>
+                  </a:txBody>
+                  <a:tcPr>
+                    <a:lnL w="6350" cap="flat" cmpd="sng" algn="ctr">
+                      <a:solidFill>
+                        <a:schemeClr val="tx1"/>
+                      </a:solidFill>
+                      <a:prstDash val="solid"/>
+                      <a:round/>
+                      <a:headEnd type="none" w="med" len="med"/>
+                      <a:tailEnd type="none" w="med" len="med"/>
+                    </a:lnL>
+                    <a:lnR w="6350" cap="flat" cmpd="sng" algn="ctr">
+                      <a:solidFill>
+                        <a:schemeClr val="tx1"/>
+                      </a:solidFill>
+                      <a:prstDash val="solid"/>
+                      <a:round/>
+                      <a:headEnd type="none" w="med" len="med"/>
+                      <a:tailEnd type="none" w="med" len="med"/>
+                    </a:lnR>
+                    <a:lnT w="6350" cap="flat" cmpd="sng" algn="ctr">
+                      <a:solidFill>
+                        <a:schemeClr val="tx1"/>
+                      </a:solidFill>
+                      <a:prstDash val="solid"/>
+                      <a:round/>
+                      <a:headEnd type="none" w="med" len="med"/>
+                      <a:tailEnd type="none" w="med" len="med"/>
+                    </a:lnT>
+                    <a:lnB w="6350" cap="flat" cmpd="sng" algn="ctr">
+                      <a:solidFill>
+                        <a:schemeClr val="tx1"/>
+                      </a:solidFill>
+                      <a:prstDash val="solid"/>
+                      <a:round/>
+                      <a:headEnd type="none" w="med" len="med"/>
+                      <a:tailEnd type="none" w="med" len="med"/>
+                    </a:lnB>
+                    <a:solidFill>
+                      <a:srgbClr val="F6F8FC"/>
+                    </a:solidFill>
+                  </a:tcPr>
+                </a:tc>
+                <a:extLst>
+                  <a:ext uri="{0D108BD9-81ED-4DB2-BD59-A6C34878D82A}">
+                    <a16:rowId xmlns:a16="http://schemas.microsoft.com/office/drawing/2014/main" val="2287395797"/>
+                  </a:ext>
+                </a:extLst>
+              </a:tr>
+              <a:tr h="288000">
+                <a:tc>
+                  <a:txBody>
+                    <a:bodyPr/>
+                    <a:lstStyle/>
+                    <a:p>
+                      <a:pPr algn="ctr" latinLnBrk="1"/>
+                      <a:r>
+                        <a:rPr lang="ko-KR" altLang="en-US" sz="1100" dirty="0" smtClean="0">
+                          <a:latin typeface="삼성긴고딕OTF Regular" panose="020B0600000101010101" pitchFamily="34" charset="-127"/>
+                          <a:ea typeface="삼성긴고딕OTF Regular" panose="020B0600000101010101" pitchFamily="34" charset="-127"/>
+                        </a:rPr>
+                        <a:t>모던 자바 인 액션</a:t>
+                      </a:r>
+                      <a:endParaRPr lang="ko-KR" altLang="en-US" sz="1100" dirty="0">
+                        <a:latin typeface="삼성긴고딕OTF Regular" panose="020B0600000101010101" pitchFamily="34" charset="-127"/>
+                        <a:ea typeface="삼성긴고딕OTF Regular" panose="020B0600000101010101" pitchFamily="34" charset="-127"/>
+                      </a:endParaRPr>
+                    </a:p>
+                  </a:txBody>
+                  <a:tcPr>
+                    <a:lnL w="6350" cap="flat" cmpd="sng" algn="ctr">
+                      <a:solidFill>
+                        <a:schemeClr val="tx1"/>
+                      </a:solidFill>
+                      <a:prstDash val="solid"/>
+                      <a:round/>
+                      <a:headEnd type="none" w="med" len="med"/>
+                      <a:tailEnd type="none" w="med" len="med"/>
+                    </a:lnL>
+                    <a:lnR w="6350" cap="flat" cmpd="sng" algn="ctr">
+                      <a:solidFill>
+                        <a:schemeClr val="tx1"/>
+                      </a:solidFill>
+                      <a:prstDash val="solid"/>
+                      <a:round/>
+                      <a:headEnd type="none" w="med" len="med"/>
+                      <a:tailEnd type="none" w="med" len="med"/>
+                    </a:lnR>
+                    <a:lnT w="6350" cap="flat" cmpd="sng" algn="ctr">
+                      <a:solidFill>
+                        <a:schemeClr val="tx1"/>
+                      </a:solidFill>
+                      <a:prstDash val="solid"/>
+                      <a:round/>
+                      <a:headEnd type="none" w="med" len="med"/>
+                      <a:tailEnd type="none" w="med" len="med"/>
+                    </a:lnT>
+                    <a:lnB w="6350" cap="flat" cmpd="sng" algn="ctr">
+                      <a:solidFill>
+                        <a:schemeClr val="tx1"/>
+                      </a:solidFill>
+                      <a:prstDash val="solid"/>
+                      <a:round/>
+                      <a:headEnd type="none" w="med" len="med"/>
+                      <a:tailEnd type="none" w="med" len="med"/>
+                    </a:lnB>
+                    <a:solidFill>
+                      <a:srgbClr val="F6F8FC"/>
+                    </a:solidFill>
+                  </a:tcPr>
+                </a:tc>
+                <a:tc>
+                  <a:txBody>
+                    <a:bodyPr/>
+                    <a:lstStyle/>
+                    <a:p>
+                      <a:pPr algn="ctr" latinLnBrk="1"/>
+                      <a:r>
+                        <a:rPr lang="en-US" altLang="ko-KR" sz="1100" dirty="0" smtClean="0">
+                          <a:latin typeface="삼성긴고딕OTF Regular" panose="020B0600000101010101" pitchFamily="34" charset="-127"/>
+                          <a:ea typeface="삼성긴고딕OTF Regular" panose="020B0600000101010101" pitchFamily="34" charset="-127"/>
+                        </a:rPr>
+                        <a:t>YES 24</a:t>
+                      </a:r>
+                      <a:endParaRPr lang="ko-KR" altLang="en-US" sz="1100" dirty="0">
+                        <a:latin typeface="삼성긴고딕OTF Regular" panose="020B0600000101010101" pitchFamily="34" charset="-127"/>
+                        <a:ea typeface="삼성긴고딕OTF Regular" panose="020B0600000101010101" pitchFamily="34" charset="-127"/>
+                      </a:endParaRPr>
+                    </a:p>
+                  </a:txBody>
+                  <a:tcPr>
+                    <a:lnL w="6350" cap="flat" cmpd="sng" algn="ctr">
+                      <a:solidFill>
+                        <a:schemeClr val="tx1"/>
+                      </a:solidFill>
+                      <a:prstDash val="solid"/>
+                      <a:round/>
+                      <a:headEnd type="none" w="med" len="med"/>
+                      <a:tailEnd type="none" w="med" len="med"/>
+                    </a:lnL>
+                    <a:lnR w="6350" cap="flat" cmpd="sng" algn="ctr">
+                      <a:solidFill>
+                        <a:schemeClr val="tx1"/>
+                      </a:solidFill>
+                      <a:prstDash val="solid"/>
+                      <a:round/>
+                      <a:headEnd type="none" w="med" len="med"/>
+                      <a:tailEnd type="none" w="med" len="med"/>
+                    </a:lnR>
+                    <a:lnT w="6350" cap="flat" cmpd="sng" algn="ctr">
+                      <a:solidFill>
+                        <a:schemeClr val="tx1"/>
+                      </a:solidFill>
+                      <a:prstDash val="solid"/>
+                      <a:round/>
+                      <a:headEnd type="none" w="med" len="med"/>
+                      <a:tailEnd type="none" w="med" len="med"/>
+                    </a:lnT>
+                    <a:lnB w="6350" cap="flat" cmpd="sng" algn="ctr">
+                      <a:solidFill>
+                        <a:schemeClr val="tx1"/>
+                      </a:solidFill>
+                      <a:prstDash val="solid"/>
+                      <a:round/>
+                      <a:headEnd type="none" w="med" len="med"/>
+                      <a:tailEnd type="none" w="med" len="med"/>
+                    </a:lnB>
+                    <a:solidFill>
+                      <a:srgbClr val="F6F8FC"/>
+                    </a:solidFill>
+                  </a:tcPr>
+                </a:tc>
+                <a:tc>
+                  <a:txBody>
+                    <a:bodyPr/>
+                    <a:lstStyle/>
+                    <a:p>
+                      <a:pPr algn="ctr" latinLnBrk="1"/>
+                      <a:r>
+                        <a:rPr lang="en-US" altLang="ko-KR" sz="1100" dirty="0" smtClean="0">
+                          <a:latin typeface="삼성긴고딕OTF Regular" panose="020B0600000101010101" pitchFamily="34" charset="-127"/>
+                          <a:ea typeface="삼성긴고딕OTF Regular" panose="020B0600000101010101" pitchFamily="34" charset="-127"/>
+                        </a:rPr>
+                        <a:t>33,000</a:t>
+                      </a:r>
+                      <a:r>
+                        <a:rPr lang="ko-KR" altLang="en-US" sz="1100" dirty="0" smtClean="0">
+                          <a:latin typeface="삼성긴고딕OTF Regular" panose="020B0600000101010101" pitchFamily="34" charset="-127"/>
+                          <a:ea typeface="삼성긴고딕OTF Regular" panose="020B0600000101010101" pitchFamily="34" charset="-127"/>
+                        </a:rPr>
+                        <a:t>원</a:t>
+                      </a:r>
+                      <a:endParaRPr lang="ko-KR" altLang="en-US" sz="1100" dirty="0">
+                        <a:latin typeface="삼성긴고딕OTF Regular" panose="020B0600000101010101" pitchFamily="34" charset="-127"/>
+                        <a:ea typeface="삼성긴고딕OTF Regular" panose="020B0600000101010101" pitchFamily="34" charset="-127"/>
+                      </a:endParaRPr>
+                    </a:p>
+                  </a:txBody>
+                  <a:tcPr>
+                    <a:lnL w="6350" cap="flat" cmpd="sng" algn="ctr">
+                      <a:solidFill>
+                        <a:schemeClr val="tx1"/>
+                      </a:solidFill>
+                      <a:prstDash val="solid"/>
+                      <a:round/>
+                      <a:headEnd type="none" w="med" len="med"/>
+                      <a:tailEnd type="none" w="med" len="med"/>
+                    </a:lnL>
+                    <a:lnR w="6350" cap="flat" cmpd="sng" algn="ctr">
+                      <a:solidFill>
+                        <a:schemeClr val="tx1"/>
+                      </a:solidFill>
+                      <a:prstDash val="solid"/>
+                      <a:round/>
+                      <a:headEnd type="none" w="med" len="med"/>
+                      <a:tailEnd type="none" w="med" len="med"/>
+                    </a:lnR>
+                    <a:lnT w="6350" cap="flat" cmpd="sng" algn="ctr">
+                      <a:solidFill>
+                        <a:schemeClr val="tx1"/>
+                      </a:solidFill>
+                      <a:prstDash val="solid"/>
+                      <a:round/>
+                      <a:headEnd type="none" w="med" len="med"/>
+                      <a:tailEnd type="none" w="med" len="med"/>
+                    </a:lnT>
+                    <a:lnB w="6350" cap="flat" cmpd="sng" algn="ctr">
+                      <a:solidFill>
+                        <a:schemeClr val="tx1"/>
+                      </a:solidFill>
+                      <a:prstDash val="solid"/>
+                      <a:round/>
+                      <a:headEnd type="none" w="med" len="med"/>
+                      <a:tailEnd type="none" w="med" len="med"/>
+                    </a:lnB>
+                    <a:solidFill>
+                      <a:srgbClr val="F6F8FC"/>
+                    </a:solidFill>
+                  </a:tcPr>
+                </a:tc>
+                <a:tc>
+                  <a:txBody>
+                    <a:bodyPr/>
+                    <a:lstStyle/>
+                    <a:p>
+                      <a:pPr algn="ctr" latinLnBrk="1"/>
+                      <a:r>
+                        <a:rPr lang="en-US" altLang="ko-KR" sz="1100" dirty="0" smtClean="0">
+                          <a:latin typeface="삼성긴고딕OTF Regular" panose="020B0600000101010101" pitchFamily="34" charset="-127"/>
+                          <a:ea typeface="삼성긴고딕OTF Regular" panose="020B0600000101010101" pitchFamily="34" charset="-127"/>
+                        </a:rPr>
+                        <a:t>30,000</a:t>
+                      </a:r>
+                      <a:r>
+                        <a:rPr lang="ko-KR" altLang="en-US" sz="1100" dirty="0" smtClean="0">
+                          <a:latin typeface="삼성긴고딕OTF Regular" panose="020B0600000101010101" pitchFamily="34" charset="-127"/>
+                          <a:ea typeface="삼성긴고딕OTF Regular" panose="020B0600000101010101" pitchFamily="34" charset="-127"/>
+                        </a:rPr>
+                        <a:t>원</a:t>
+                      </a:r>
+                      <a:endParaRPr lang="ko-KR" altLang="en-US" sz="1100" dirty="0">
+                        <a:latin typeface="삼성긴고딕OTF Regular" panose="020B0600000101010101" pitchFamily="34" charset="-127"/>
+                        <a:ea typeface="삼성긴고딕OTF Regular" panose="020B0600000101010101" pitchFamily="34" charset="-127"/>
+                      </a:endParaRPr>
+                    </a:p>
+                  </a:txBody>
+                  <a:tcPr>
+                    <a:lnL w="6350" cap="flat" cmpd="sng" algn="ctr">
+                      <a:solidFill>
+                        <a:schemeClr val="tx1"/>
+                      </a:solidFill>
+                      <a:prstDash val="solid"/>
+                      <a:round/>
+                      <a:headEnd type="none" w="med" len="med"/>
+                      <a:tailEnd type="none" w="med" len="med"/>
+                    </a:lnL>
+                    <a:lnR w="6350" cap="flat" cmpd="sng" algn="ctr">
+                      <a:solidFill>
+                        <a:schemeClr val="tx1"/>
+                      </a:solidFill>
+                      <a:prstDash val="solid"/>
+                      <a:round/>
+                      <a:headEnd type="none" w="med" len="med"/>
+                      <a:tailEnd type="none" w="med" len="med"/>
+                    </a:lnR>
+                    <a:lnT w="6350" cap="flat" cmpd="sng" algn="ctr">
+                      <a:solidFill>
+                        <a:schemeClr val="tx1"/>
+                      </a:solidFill>
+                      <a:prstDash val="solid"/>
+                      <a:round/>
+                      <a:headEnd type="none" w="med" len="med"/>
+                      <a:tailEnd type="none" w="med" len="med"/>
+                    </a:lnT>
+                    <a:lnB w="6350" cap="flat" cmpd="sng" algn="ctr">
+                      <a:solidFill>
+                        <a:schemeClr val="tx1"/>
+                      </a:solidFill>
+                      <a:prstDash val="solid"/>
+                      <a:round/>
+                      <a:headEnd type="none" w="med" len="med"/>
+                      <a:tailEnd type="none" w="med" len="med"/>
+                    </a:lnB>
+                    <a:solidFill>
+                      <a:srgbClr val="F6F8FC"/>
+                    </a:solidFill>
+                  </a:tcPr>
+                </a:tc>
+                <a:extLst>
+                  <a:ext uri="{0D108BD9-81ED-4DB2-BD59-A6C34878D82A}">
+                    <a16:rowId xmlns:a16="http://schemas.microsoft.com/office/drawing/2014/main" val="595393080"/>
+                  </a:ext>
+                </a:extLst>
+              </a:tr>
+              <a:tr h="288000">
+                <a:tc>
+                  <a:txBody>
+                    <a:bodyPr/>
+                    <a:lstStyle/>
+                    <a:p>
+                      <a:pPr algn="ctr" latinLnBrk="1"/>
+                      <a:r>
+                        <a:rPr lang="ko-KR" altLang="en-US" sz="1100" dirty="0" smtClean="0">
+                          <a:latin typeface="삼성긴고딕OTF Regular" panose="020B0600000101010101" pitchFamily="34" charset="-127"/>
+                          <a:ea typeface="삼성긴고딕OTF Regular" panose="020B0600000101010101" pitchFamily="34" charset="-127"/>
+                        </a:rPr>
+                        <a:t>모던 자바 인 액션</a:t>
+                      </a:r>
+                      <a:endParaRPr lang="ko-KR" altLang="en-US" sz="1100" dirty="0">
+                        <a:latin typeface="삼성긴고딕OTF Regular" panose="020B0600000101010101" pitchFamily="34" charset="-127"/>
+                        <a:ea typeface="삼성긴고딕OTF Regular" panose="020B0600000101010101" pitchFamily="34" charset="-127"/>
+                      </a:endParaRPr>
+                    </a:p>
+                  </a:txBody>
+                  <a:tcPr>
+                    <a:lnL w="6350" cap="flat" cmpd="sng" algn="ctr">
+                      <a:solidFill>
+                        <a:schemeClr val="tx1"/>
+                      </a:solidFill>
+                      <a:prstDash val="solid"/>
+                      <a:round/>
+                      <a:headEnd type="none" w="med" len="med"/>
+                      <a:tailEnd type="none" w="med" len="med"/>
+                    </a:lnL>
+                    <a:lnR w="6350" cap="flat" cmpd="sng" algn="ctr">
+                      <a:solidFill>
+                        <a:schemeClr val="tx1"/>
+                      </a:solidFill>
+                      <a:prstDash val="solid"/>
+                      <a:round/>
+                      <a:headEnd type="none" w="med" len="med"/>
+                      <a:tailEnd type="none" w="med" len="med"/>
+                    </a:lnR>
+                    <a:lnT w="6350" cap="flat" cmpd="sng" algn="ctr">
+                      <a:solidFill>
+                        <a:schemeClr val="tx1"/>
+                      </a:solidFill>
+                      <a:prstDash val="solid"/>
+                      <a:round/>
+                      <a:headEnd type="none" w="med" len="med"/>
+                      <a:tailEnd type="none" w="med" len="med"/>
+                    </a:lnT>
+                    <a:lnB w="6350" cap="flat" cmpd="sng" algn="ctr">
+                      <a:solidFill>
+                        <a:schemeClr val="tx1"/>
+                      </a:solidFill>
+                      <a:prstDash val="solid"/>
+                      <a:round/>
+                      <a:headEnd type="none" w="med" len="med"/>
+                      <a:tailEnd type="none" w="med" len="med"/>
+                    </a:lnB>
+                    <a:solidFill>
+                      <a:srgbClr val="F6F8FC"/>
+                    </a:solidFill>
+                  </a:tcPr>
+                </a:tc>
+                <a:tc>
+                  <a:txBody>
+                    <a:bodyPr/>
+                    <a:lstStyle/>
+                    <a:p>
+                      <a:pPr algn="ctr" latinLnBrk="1"/>
+                      <a:r>
+                        <a:rPr lang="ko-KR" altLang="en-US" sz="1100" dirty="0" smtClean="0">
+                          <a:latin typeface="삼성긴고딕OTF Regular" panose="020B0600000101010101" pitchFamily="34" charset="-127"/>
+                          <a:ea typeface="삼성긴고딕OTF Regular" panose="020B0600000101010101" pitchFamily="34" charset="-127"/>
+                        </a:rPr>
+                        <a:t>알라딘</a:t>
+                      </a:r>
+                      <a:endParaRPr lang="ko-KR" altLang="en-US" sz="1100" dirty="0">
+                        <a:latin typeface="삼성긴고딕OTF Regular" panose="020B0600000101010101" pitchFamily="34" charset="-127"/>
+                        <a:ea typeface="삼성긴고딕OTF Regular" panose="020B0600000101010101" pitchFamily="34" charset="-127"/>
+                      </a:endParaRPr>
+                    </a:p>
+                  </a:txBody>
+                  <a:tcPr>
+                    <a:lnL w="6350" cap="flat" cmpd="sng" algn="ctr">
+                      <a:solidFill>
+                        <a:schemeClr val="tx1"/>
+                      </a:solidFill>
+                      <a:prstDash val="solid"/>
+                      <a:round/>
+                      <a:headEnd type="none" w="med" len="med"/>
+                      <a:tailEnd type="none" w="med" len="med"/>
+                    </a:lnL>
+                    <a:lnR w="6350" cap="flat" cmpd="sng" algn="ctr">
+                      <a:solidFill>
+                        <a:schemeClr val="tx1"/>
+                      </a:solidFill>
+                      <a:prstDash val="solid"/>
+                      <a:round/>
+                      <a:headEnd type="none" w="med" len="med"/>
+                      <a:tailEnd type="none" w="med" len="med"/>
+                    </a:lnR>
+                    <a:lnT w="6350" cap="flat" cmpd="sng" algn="ctr">
+                      <a:solidFill>
+                        <a:schemeClr val="tx1"/>
+                      </a:solidFill>
+                      <a:prstDash val="solid"/>
+                      <a:round/>
+                      <a:headEnd type="none" w="med" len="med"/>
+                      <a:tailEnd type="none" w="med" len="med"/>
+                    </a:lnT>
+                    <a:lnB w="6350" cap="flat" cmpd="sng" algn="ctr">
+                      <a:solidFill>
+                        <a:schemeClr val="tx1"/>
+                      </a:solidFill>
+                      <a:prstDash val="solid"/>
+                      <a:round/>
+                      <a:headEnd type="none" w="med" len="med"/>
+                      <a:tailEnd type="none" w="med" len="med"/>
+                    </a:lnB>
+                    <a:solidFill>
+                      <a:srgbClr val="F6F8FC"/>
+                    </a:solidFill>
+                  </a:tcPr>
+                </a:tc>
+                <a:tc>
+                  <a:txBody>
+                    <a:bodyPr/>
+                    <a:lstStyle/>
+                    <a:p>
+                      <a:pPr algn="ctr" latinLnBrk="1"/>
+                      <a:r>
+                        <a:rPr lang="en-US" altLang="ko-KR" sz="1100" dirty="0" smtClean="0">
+                          <a:latin typeface="삼성긴고딕OTF Regular" panose="020B0600000101010101" pitchFamily="34" charset="-127"/>
+                          <a:ea typeface="삼성긴고딕OTF Regular" panose="020B0600000101010101" pitchFamily="34" charset="-127"/>
+                        </a:rPr>
+                        <a:t>33,000</a:t>
+                      </a:r>
+                      <a:r>
+                        <a:rPr lang="ko-KR" altLang="en-US" sz="1100" dirty="0" smtClean="0">
+                          <a:latin typeface="삼성긴고딕OTF Regular" panose="020B0600000101010101" pitchFamily="34" charset="-127"/>
+                          <a:ea typeface="삼성긴고딕OTF Regular" panose="020B0600000101010101" pitchFamily="34" charset="-127"/>
+                        </a:rPr>
+                        <a:t>원</a:t>
+                      </a:r>
+                      <a:endParaRPr lang="ko-KR" altLang="en-US" sz="1100" dirty="0">
+                        <a:latin typeface="삼성긴고딕OTF Regular" panose="020B0600000101010101" pitchFamily="34" charset="-127"/>
+                        <a:ea typeface="삼성긴고딕OTF Regular" panose="020B0600000101010101" pitchFamily="34" charset="-127"/>
+                      </a:endParaRPr>
+                    </a:p>
+                  </a:txBody>
+                  <a:tcPr>
+                    <a:lnL w="6350" cap="flat" cmpd="sng" algn="ctr">
+                      <a:solidFill>
+                        <a:schemeClr val="tx1"/>
+                      </a:solidFill>
+                      <a:prstDash val="solid"/>
+                      <a:round/>
+                      <a:headEnd type="none" w="med" len="med"/>
+                      <a:tailEnd type="none" w="med" len="med"/>
+                    </a:lnL>
+                    <a:lnR w="6350" cap="flat" cmpd="sng" algn="ctr">
+                      <a:solidFill>
+                        <a:schemeClr val="tx1"/>
+                      </a:solidFill>
+                      <a:prstDash val="solid"/>
+                      <a:round/>
+                      <a:headEnd type="none" w="med" len="med"/>
+                      <a:tailEnd type="none" w="med" len="med"/>
+                    </a:lnR>
+                    <a:lnT w="6350" cap="flat" cmpd="sng" algn="ctr">
+                      <a:solidFill>
+                        <a:schemeClr val="tx1"/>
+                      </a:solidFill>
+                      <a:prstDash val="solid"/>
+                      <a:round/>
+                      <a:headEnd type="none" w="med" len="med"/>
+                      <a:tailEnd type="none" w="med" len="med"/>
+                    </a:lnT>
+                    <a:lnB w="6350" cap="flat" cmpd="sng" algn="ctr">
+                      <a:solidFill>
+                        <a:schemeClr val="tx1"/>
+                      </a:solidFill>
+                      <a:prstDash val="solid"/>
+                      <a:round/>
+                      <a:headEnd type="none" w="med" len="med"/>
+                      <a:tailEnd type="none" w="med" len="med"/>
+                    </a:lnB>
+                    <a:solidFill>
+                      <a:srgbClr val="F6F8FC"/>
+                    </a:solidFill>
+                  </a:tcPr>
+                </a:tc>
+                <a:tc>
+                  <a:txBody>
+                    <a:bodyPr/>
+                    <a:lstStyle/>
+                    <a:p>
+                      <a:pPr algn="ctr" latinLnBrk="1"/>
+                      <a:r>
+                        <a:rPr lang="en-US" altLang="ko-KR" sz="1100" dirty="0" smtClean="0">
+                          <a:latin typeface="삼성긴고딕OTF Regular" panose="020B0600000101010101" pitchFamily="34" charset="-127"/>
+                          <a:ea typeface="삼성긴고딕OTF Regular" panose="020B0600000101010101" pitchFamily="34" charset="-127"/>
+                        </a:rPr>
+                        <a:t>31,200</a:t>
+                      </a:r>
+                      <a:r>
+                        <a:rPr lang="ko-KR" altLang="en-US" sz="1100" dirty="0" smtClean="0">
+                          <a:latin typeface="삼성긴고딕OTF Regular" panose="020B0600000101010101" pitchFamily="34" charset="-127"/>
+                          <a:ea typeface="삼성긴고딕OTF Regular" panose="020B0600000101010101" pitchFamily="34" charset="-127"/>
+                        </a:rPr>
+                        <a:t>원</a:t>
+                      </a:r>
+                      <a:endParaRPr lang="ko-KR" altLang="en-US" sz="1100" dirty="0">
+                        <a:latin typeface="삼성긴고딕OTF Regular" panose="020B0600000101010101" pitchFamily="34" charset="-127"/>
+                        <a:ea typeface="삼성긴고딕OTF Regular" panose="020B0600000101010101" pitchFamily="34" charset="-127"/>
+                      </a:endParaRPr>
+                    </a:p>
+                  </a:txBody>
+                  <a:tcPr>
+                    <a:lnL w="6350" cap="flat" cmpd="sng" algn="ctr">
+                      <a:solidFill>
+                        <a:schemeClr val="tx1"/>
+                      </a:solidFill>
+                      <a:prstDash val="solid"/>
+                      <a:round/>
+                      <a:headEnd type="none" w="med" len="med"/>
+                      <a:tailEnd type="none" w="med" len="med"/>
+                    </a:lnL>
+                    <a:lnR w="6350" cap="flat" cmpd="sng" algn="ctr">
+                      <a:solidFill>
+                        <a:schemeClr val="tx1"/>
+                      </a:solidFill>
+                      <a:prstDash val="solid"/>
+                      <a:round/>
+                      <a:headEnd type="none" w="med" len="med"/>
+                      <a:tailEnd type="none" w="med" len="med"/>
+                    </a:lnR>
+                    <a:lnT w="6350" cap="flat" cmpd="sng" algn="ctr">
+                      <a:solidFill>
+                        <a:schemeClr val="tx1"/>
+                      </a:solidFill>
+                      <a:prstDash val="solid"/>
+                      <a:round/>
+                      <a:headEnd type="none" w="med" len="med"/>
+                      <a:tailEnd type="none" w="med" len="med"/>
+                    </a:lnT>
+                    <a:lnB w="6350" cap="flat" cmpd="sng" algn="ctr">
+                      <a:solidFill>
+                        <a:schemeClr val="tx1"/>
+                      </a:solidFill>
+                      <a:prstDash val="solid"/>
+                      <a:round/>
+                      <a:headEnd type="none" w="med" len="med"/>
+                      <a:tailEnd type="none" w="med" len="med"/>
+                    </a:lnB>
+                    <a:solidFill>
+                      <a:srgbClr val="F6F8FC"/>
+                    </a:solidFill>
+                  </a:tcPr>
+                </a:tc>
+                <a:extLst>
+                  <a:ext uri="{0D108BD9-81ED-4DB2-BD59-A6C34878D82A}">
+                    <a16:rowId xmlns:a16="http://schemas.microsoft.com/office/drawing/2014/main" val="412800240"/>
+                  </a:ext>
+                </a:extLst>
+              </a:tr>
+              <a:tr h="288000">
+                <a:tc>
+                  <a:txBody>
+                    <a:bodyPr/>
+                    <a:lstStyle/>
+                    <a:p>
+                      <a:pPr algn="ctr" latinLnBrk="1"/>
+                      <a:r>
+                        <a:rPr lang="ko-KR" altLang="en-US" sz="1100" dirty="0" smtClean="0">
+                          <a:latin typeface="삼성긴고딕OTF Regular" panose="020B0600000101010101" pitchFamily="34" charset="-127"/>
+                          <a:ea typeface="삼성긴고딕OTF Regular" panose="020B0600000101010101" pitchFamily="34" charset="-127"/>
+                        </a:rPr>
+                        <a:t>알고리즘 문제 해결 전략</a:t>
+                      </a:r>
+                      <a:endParaRPr lang="ko-KR" altLang="en-US" sz="1100" dirty="0">
+                        <a:latin typeface="삼성긴고딕OTF Regular" panose="020B0600000101010101" pitchFamily="34" charset="-127"/>
+                        <a:ea typeface="삼성긴고딕OTF Regular" panose="020B0600000101010101" pitchFamily="34" charset="-127"/>
+                      </a:endParaRPr>
+                    </a:p>
+                  </a:txBody>
+                  <a:tcPr>
+                    <a:lnL w="6350" cap="flat" cmpd="sng" algn="ctr">
+                      <a:solidFill>
+                        <a:schemeClr val="tx1"/>
+                      </a:solidFill>
+                      <a:prstDash val="solid"/>
+                      <a:round/>
+                      <a:headEnd type="none" w="med" len="med"/>
+                      <a:tailEnd type="none" w="med" len="med"/>
+                    </a:lnL>
+                    <a:lnR w="6350" cap="flat" cmpd="sng" algn="ctr">
+                      <a:solidFill>
+                        <a:schemeClr val="tx1"/>
+                      </a:solidFill>
+                      <a:prstDash val="solid"/>
+                      <a:round/>
+                      <a:headEnd type="none" w="med" len="med"/>
+                      <a:tailEnd type="none" w="med" len="med"/>
+                    </a:lnR>
+                    <a:lnT w="6350" cap="flat" cmpd="sng" algn="ctr">
+                      <a:solidFill>
+                        <a:schemeClr val="tx1"/>
+                      </a:solidFill>
+                      <a:prstDash val="solid"/>
+                      <a:round/>
+                      <a:headEnd type="none" w="med" len="med"/>
+                      <a:tailEnd type="none" w="med" len="med"/>
+                    </a:lnT>
+                    <a:lnB w="6350" cap="flat" cmpd="sng" algn="ctr">
+                      <a:solidFill>
+                        <a:schemeClr val="tx1"/>
+                      </a:solidFill>
+                      <a:prstDash val="solid"/>
+                      <a:round/>
+                      <a:headEnd type="none" w="med" len="med"/>
+                      <a:tailEnd type="none" w="med" len="med"/>
+                    </a:lnB>
+                    <a:solidFill>
+                      <a:srgbClr val="F6F8FC"/>
+                    </a:solidFill>
+                  </a:tcPr>
+                </a:tc>
+                <a:tc>
+                  <a:txBody>
+                    <a:bodyPr/>
+                    <a:lstStyle/>
+                    <a:p>
+                      <a:pPr algn="ctr" latinLnBrk="1"/>
+                      <a:r>
+                        <a:rPr lang="ko-KR" altLang="en-US" sz="1100" dirty="0" err="1" smtClean="0">
+                          <a:latin typeface="삼성긴고딕OTF Regular" panose="020B0600000101010101" pitchFamily="34" charset="-127"/>
+                          <a:ea typeface="삼성긴고딕OTF Regular" panose="020B0600000101010101" pitchFamily="34" charset="-127"/>
+                        </a:rPr>
+                        <a:t>교보문고</a:t>
+                      </a:r>
+                      <a:endParaRPr lang="ko-KR" altLang="en-US" sz="1100" dirty="0">
+                        <a:latin typeface="삼성긴고딕OTF Regular" panose="020B0600000101010101" pitchFamily="34" charset="-127"/>
+                        <a:ea typeface="삼성긴고딕OTF Regular" panose="020B0600000101010101" pitchFamily="34" charset="-127"/>
+                      </a:endParaRPr>
+                    </a:p>
+                  </a:txBody>
+                  <a:tcPr>
+                    <a:lnL w="6350" cap="flat" cmpd="sng" algn="ctr">
+                      <a:solidFill>
+                        <a:schemeClr val="tx1"/>
+                      </a:solidFill>
+                      <a:prstDash val="solid"/>
+                      <a:round/>
+                      <a:headEnd type="none" w="med" len="med"/>
+                      <a:tailEnd type="none" w="med" len="med"/>
+                    </a:lnL>
+                    <a:lnR w="6350" cap="flat" cmpd="sng" algn="ctr">
+                      <a:solidFill>
+                        <a:schemeClr val="tx1"/>
+                      </a:solidFill>
+                      <a:prstDash val="solid"/>
+                      <a:round/>
+                      <a:headEnd type="none" w="med" len="med"/>
+                      <a:tailEnd type="none" w="med" len="med"/>
+                    </a:lnR>
+                    <a:lnT w="6350" cap="flat" cmpd="sng" algn="ctr">
+                      <a:solidFill>
+                        <a:schemeClr val="tx1"/>
+                      </a:solidFill>
+                      <a:prstDash val="solid"/>
+                      <a:round/>
+                      <a:headEnd type="none" w="med" len="med"/>
+                      <a:tailEnd type="none" w="med" len="med"/>
+                    </a:lnT>
+                    <a:lnB w="6350" cap="flat" cmpd="sng" algn="ctr">
+                      <a:solidFill>
+                        <a:schemeClr val="tx1"/>
+                      </a:solidFill>
+                      <a:prstDash val="solid"/>
+                      <a:round/>
+                      <a:headEnd type="none" w="med" len="med"/>
+                      <a:tailEnd type="none" w="med" len="med"/>
+                    </a:lnB>
+                    <a:solidFill>
+                      <a:srgbClr val="F6F8FC"/>
+                    </a:solidFill>
+                  </a:tcPr>
+                </a:tc>
+                <a:tc>
+                  <a:txBody>
+                    <a:bodyPr/>
+                    <a:lstStyle/>
+                    <a:p>
+                      <a:pPr algn="ctr" latinLnBrk="1"/>
+                      <a:r>
+                        <a:rPr lang="en-US" altLang="ko-KR" sz="1100" dirty="0" smtClean="0">
+                          <a:latin typeface="삼성긴고딕OTF Regular" panose="020B0600000101010101" pitchFamily="34" charset="-127"/>
+                          <a:ea typeface="삼성긴고딕OTF Regular" panose="020B0600000101010101" pitchFamily="34" charset="-127"/>
+                        </a:rPr>
+                        <a:t>35,000</a:t>
+                      </a:r>
+                      <a:r>
+                        <a:rPr lang="ko-KR" altLang="en-US" sz="1100" dirty="0" smtClean="0">
+                          <a:latin typeface="삼성긴고딕OTF Regular" panose="020B0600000101010101" pitchFamily="34" charset="-127"/>
+                          <a:ea typeface="삼성긴고딕OTF Regular" panose="020B0600000101010101" pitchFamily="34" charset="-127"/>
+                        </a:rPr>
+                        <a:t>원</a:t>
+                      </a:r>
+                      <a:endParaRPr lang="ko-KR" altLang="en-US" sz="1100" dirty="0">
+                        <a:latin typeface="삼성긴고딕OTF Regular" panose="020B0600000101010101" pitchFamily="34" charset="-127"/>
+                        <a:ea typeface="삼성긴고딕OTF Regular" panose="020B0600000101010101" pitchFamily="34" charset="-127"/>
+                      </a:endParaRPr>
+                    </a:p>
+                  </a:txBody>
+                  <a:tcPr>
+                    <a:lnL w="6350" cap="flat" cmpd="sng" algn="ctr">
+                      <a:solidFill>
+                        <a:schemeClr val="tx1"/>
+                      </a:solidFill>
+                      <a:prstDash val="solid"/>
+                      <a:round/>
+                      <a:headEnd type="none" w="med" len="med"/>
+                      <a:tailEnd type="none" w="med" len="med"/>
+                    </a:lnL>
+                    <a:lnR w="6350" cap="flat" cmpd="sng" algn="ctr">
+                      <a:solidFill>
+                        <a:schemeClr val="tx1"/>
+                      </a:solidFill>
+                      <a:prstDash val="solid"/>
+                      <a:round/>
+                      <a:headEnd type="none" w="med" len="med"/>
+                      <a:tailEnd type="none" w="med" len="med"/>
+                    </a:lnR>
+                    <a:lnT w="6350" cap="flat" cmpd="sng" algn="ctr">
+                      <a:solidFill>
+                        <a:schemeClr val="tx1"/>
+                      </a:solidFill>
+                      <a:prstDash val="solid"/>
+                      <a:round/>
+                      <a:headEnd type="none" w="med" len="med"/>
+                      <a:tailEnd type="none" w="med" len="med"/>
+                    </a:lnT>
+                    <a:lnB w="6350" cap="flat" cmpd="sng" algn="ctr">
+                      <a:solidFill>
+                        <a:schemeClr val="tx1"/>
+                      </a:solidFill>
+                      <a:prstDash val="solid"/>
+                      <a:round/>
+                      <a:headEnd type="none" w="med" len="med"/>
+                      <a:tailEnd type="none" w="med" len="med"/>
+                    </a:lnB>
+                    <a:solidFill>
+                      <a:srgbClr val="F6F8FC"/>
+                    </a:solidFill>
+                  </a:tcPr>
+                </a:tc>
+                <a:tc>
+                  <a:txBody>
+                    <a:bodyPr/>
+                    <a:lstStyle/>
+                    <a:p>
+                      <a:pPr algn="ctr" latinLnBrk="1"/>
+                      <a:r>
+                        <a:rPr lang="en-US" altLang="ko-KR" sz="1100" dirty="0" smtClean="0">
+                          <a:latin typeface="삼성긴고딕OTF Regular" panose="020B0600000101010101" pitchFamily="34" charset="-127"/>
+                          <a:ea typeface="삼성긴고딕OTF Regular" panose="020B0600000101010101" pitchFamily="34" charset="-127"/>
+                        </a:rPr>
+                        <a:t>29,800</a:t>
+                      </a:r>
+                      <a:r>
+                        <a:rPr lang="ko-KR" altLang="en-US" sz="1100" dirty="0" smtClean="0">
+                          <a:latin typeface="삼성긴고딕OTF Regular" panose="020B0600000101010101" pitchFamily="34" charset="-127"/>
+                          <a:ea typeface="삼성긴고딕OTF Regular" panose="020B0600000101010101" pitchFamily="34" charset="-127"/>
+                        </a:rPr>
+                        <a:t>원</a:t>
+                      </a:r>
+                      <a:endParaRPr lang="ko-KR" altLang="en-US" sz="1100" dirty="0">
+                        <a:latin typeface="삼성긴고딕OTF Regular" panose="020B0600000101010101" pitchFamily="34" charset="-127"/>
+                        <a:ea typeface="삼성긴고딕OTF Regular" panose="020B0600000101010101" pitchFamily="34" charset="-127"/>
+                      </a:endParaRPr>
+                    </a:p>
+                  </a:txBody>
+                  <a:tcPr>
+                    <a:lnL w="6350" cap="flat" cmpd="sng" algn="ctr">
+                      <a:solidFill>
+                        <a:schemeClr val="tx1"/>
+                      </a:solidFill>
+                      <a:prstDash val="solid"/>
+                      <a:round/>
+                      <a:headEnd type="none" w="med" len="med"/>
+                      <a:tailEnd type="none" w="med" len="med"/>
+                    </a:lnL>
+                    <a:lnR w="6350" cap="flat" cmpd="sng" algn="ctr">
+                      <a:solidFill>
+                        <a:schemeClr val="tx1"/>
+                      </a:solidFill>
+                      <a:prstDash val="solid"/>
+                      <a:round/>
+                      <a:headEnd type="none" w="med" len="med"/>
+                      <a:tailEnd type="none" w="med" len="med"/>
+                    </a:lnR>
+                    <a:lnT w="6350" cap="flat" cmpd="sng" algn="ctr">
+                      <a:solidFill>
+                        <a:schemeClr val="tx1"/>
+                      </a:solidFill>
+                      <a:prstDash val="solid"/>
+                      <a:round/>
+                      <a:headEnd type="none" w="med" len="med"/>
+                      <a:tailEnd type="none" w="med" len="med"/>
+                    </a:lnT>
+                    <a:lnB w="6350" cap="flat" cmpd="sng" algn="ctr">
+                      <a:solidFill>
+                        <a:schemeClr val="tx1"/>
+                      </a:solidFill>
+                      <a:prstDash val="solid"/>
+                      <a:round/>
+                      <a:headEnd type="none" w="med" len="med"/>
+                      <a:tailEnd type="none" w="med" len="med"/>
+                    </a:lnB>
+                    <a:solidFill>
+                      <a:srgbClr val="F6F8FC"/>
+                    </a:solidFill>
+                  </a:tcPr>
+                </a:tc>
+                <a:extLst>
+                  <a:ext uri="{0D108BD9-81ED-4DB2-BD59-A6C34878D82A}">
+                    <a16:rowId xmlns:a16="http://schemas.microsoft.com/office/drawing/2014/main" val="2689796579"/>
+                  </a:ext>
+                </a:extLst>
+              </a:tr>
+              <a:tr h="288000">
+                <a:tc>
+                  <a:txBody>
+                    <a:bodyPr/>
+                    <a:lstStyle/>
+                    <a:p>
+                      <a:pPr algn="ctr" latinLnBrk="1"/>
+                      <a:r>
+                        <a:rPr lang="ko-KR" altLang="en-US" sz="1100" dirty="0" smtClean="0">
+                          <a:latin typeface="삼성긴고딕OTF Regular" panose="020B0600000101010101" pitchFamily="34" charset="-127"/>
+                          <a:ea typeface="삼성긴고딕OTF Regular" panose="020B0600000101010101" pitchFamily="34" charset="-127"/>
+                        </a:rPr>
+                        <a:t>알고리즘 문제 해결 전략</a:t>
+                      </a:r>
+                      <a:endParaRPr lang="ko-KR" altLang="en-US" sz="1100" dirty="0">
+                        <a:latin typeface="삼성긴고딕OTF Regular" panose="020B0600000101010101" pitchFamily="34" charset="-127"/>
+                        <a:ea typeface="삼성긴고딕OTF Regular" panose="020B0600000101010101" pitchFamily="34" charset="-127"/>
+                      </a:endParaRPr>
+                    </a:p>
+                  </a:txBody>
+                  <a:tcPr>
+                    <a:lnL w="6350" cap="flat" cmpd="sng" algn="ctr">
+                      <a:solidFill>
+                        <a:schemeClr val="tx1"/>
+                      </a:solidFill>
+                      <a:prstDash val="solid"/>
+                      <a:round/>
+                      <a:headEnd type="none" w="med" len="med"/>
+                      <a:tailEnd type="none" w="med" len="med"/>
+                    </a:lnL>
+                    <a:lnR w="6350" cap="flat" cmpd="sng" algn="ctr">
+                      <a:solidFill>
+                        <a:schemeClr val="tx1"/>
+                      </a:solidFill>
+                      <a:prstDash val="solid"/>
+                      <a:round/>
+                      <a:headEnd type="none" w="med" len="med"/>
+                      <a:tailEnd type="none" w="med" len="med"/>
+                    </a:lnR>
+                    <a:lnT w="6350" cap="flat" cmpd="sng" algn="ctr">
+                      <a:solidFill>
+                        <a:schemeClr val="tx1"/>
+                      </a:solidFill>
+                      <a:prstDash val="solid"/>
+                      <a:round/>
+                      <a:headEnd type="none" w="med" len="med"/>
+                      <a:tailEnd type="none" w="med" len="med"/>
+                    </a:lnT>
+                    <a:lnB w="6350" cap="flat" cmpd="sng" algn="ctr">
+                      <a:solidFill>
+                        <a:schemeClr val="tx1"/>
+                      </a:solidFill>
+                      <a:prstDash val="solid"/>
+                      <a:round/>
+                      <a:headEnd type="none" w="med" len="med"/>
+                      <a:tailEnd type="none" w="med" len="med"/>
+                    </a:lnB>
+                    <a:solidFill>
+                      <a:srgbClr val="F6F8FC"/>
+                    </a:solidFill>
+                  </a:tcPr>
+                </a:tc>
+                <a:tc>
+                  <a:txBody>
+                    <a:bodyPr/>
+                    <a:lstStyle/>
+                    <a:p>
+                      <a:pPr algn="ctr" latinLnBrk="1"/>
+                      <a:r>
+                        <a:rPr lang="en-US" altLang="ko-KR" sz="1100" dirty="0" smtClean="0">
+                          <a:latin typeface="삼성긴고딕OTF Regular" panose="020B0600000101010101" pitchFamily="34" charset="-127"/>
+                          <a:ea typeface="삼성긴고딕OTF Regular" panose="020B0600000101010101" pitchFamily="34" charset="-127"/>
+                        </a:rPr>
+                        <a:t>YES</a:t>
+                      </a:r>
+                      <a:r>
+                        <a:rPr lang="en-US" altLang="ko-KR" sz="1100" baseline="0" dirty="0" smtClean="0">
+                          <a:latin typeface="삼성긴고딕OTF Regular" panose="020B0600000101010101" pitchFamily="34" charset="-127"/>
+                          <a:ea typeface="삼성긴고딕OTF Regular" panose="020B0600000101010101" pitchFamily="34" charset="-127"/>
+                        </a:rPr>
+                        <a:t> 24</a:t>
+                      </a:r>
+                      <a:endParaRPr lang="ko-KR" altLang="en-US" sz="1100" dirty="0">
+                        <a:latin typeface="삼성긴고딕OTF Regular" panose="020B0600000101010101" pitchFamily="34" charset="-127"/>
+                        <a:ea typeface="삼성긴고딕OTF Regular" panose="020B0600000101010101" pitchFamily="34" charset="-127"/>
+                      </a:endParaRPr>
+                    </a:p>
+                  </a:txBody>
+                  <a:tcPr>
+                    <a:lnL w="6350" cap="flat" cmpd="sng" algn="ctr">
+                      <a:solidFill>
+                        <a:schemeClr val="tx1"/>
+                      </a:solidFill>
+                      <a:prstDash val="solid"/>
+                      <a:round/>
+                      <a:headEnd type="none" w="med" len="med"/>
+                      <a:tailEnd type="none" w="med" len="med"/>
+                    </a:lnL>
+                    <a:lnR w="6350" cap="flat" cmpd="sng" algn="ctr">
+                      <a:solidFill>
+                        <a:schemeClr val="tx1"/>
+                      </a:solidFill>
+                      <a:prstDash val="solid"/>
+                      <a:round/>
+                      <a:headEnd type="none" w="med" len="med"/>
+                      <a:tailEnd type="none" w="med" len="med"/>
+                    </a:lnR>
+                    <a:lnT w="6350" cap="flat" cmpd="sng" algn="ctr">
+                      <a:solidFill>
+                        <a:schemeClr val="tx1"/>
+                      </a:solidFill>
+                      <a:prstDash val="solid"/>
+                      <a:round/>
+                      <a:headEnd type="none" w="med" len="med"/>
+                      <a:tailEnd type="none" w="med" len="med"/>
+                    </a:lnT>
+                    <a:lnB w="6350" cap="flat" cmpd="sng" algn="ctr">
+                      <a:solidFill>
+                        <a:schemeClr val="tx1"/>
+                      </a:solidFill>
+                      <a:prstDash val="solid"/>
+                      <a:round/>
+                      <a:headEnd type="none" w="med" len="med"/>
+                      <a:tailEnd type="none" w="med" len="med"/>
+                    </a:lnB>
+                    <a:solidFill>
+                      <a:srgbClr val="F6F8FC"/>
+                    </a:solidFill>
+                  </a:tcPr>
+                </a:tc>
+                <a:tc>
+                  <a:txBody>
+                    <a:bodyPr/>
+                    <a:lstStyle/>
+                    <a:p>
+                      <a:pPr algn="ctr" latinLnBrk="1"/>
+                      <a:r>
+                        <a:rPr lang="en-US" altLang="ko-KR" sz="1100" dirty="0" smtClean="0">
+                          <a:latin typeface="삼성긴고딕OTF Regular" panose="020B0600000101010101" pitchFamily="34" charset="-127"/>
+                          <a:ea typeface="삼성긴고딕OTF Regular" panose="020B0600000101010101" pitchFamily="34" charset="-127"/>
+                        </a:rPr>
+                        <a:t>35,000</a:t>
+                      </a:r>
+                      <a:r>
+                        <a:rPr lang="ko-KR" altLang="en-US" sz="1100" dirty="0" smtClean="0">
+                          <a:latin typeface="삼성긴고딕OTF Regular" panose="020B0600000101010101" pitchFamily="34" charset="-127"/>
+                          <a:ea typeface="삼성긴고딕OTF Regular" panose="020B0600000101010101" pitchFamily="34" charset="-127"/>
+                        </a:rPr>
+                        <a:t>원</a:t>
+                      </a:r>
+                      <a:endParaRPr lang="ko-KR" altLang="en-US" sz="1100" dirty="0">
+                        <a:latin typeface="삼성긴고딕OTF Regular" panose="020B0600000101010101" pitchFamily="34" charset="-127"/>
+                        <a:ea typeface="삼성긴고딕OTF Regular" panose="020B0600000101010101" pitchFamily="34" charset="-127"/>
+                      </a:endParaRPr>
+                    </a:p>
+                  </a:txBody>
+                  <a:tcPr>
+                    <a:lnL w="6350" cap="flat" cmpd="sng" algn="ctr">
+                      <a:solidFill>
+                        <a:schemeClr val="tx1"/>
+                      </a:solidFill>
+                      <a:prstDash val="solid"/>
+                      <a:round/>
+                      <a:headEnd type="none" w="med" len="med"/>
+                      <a:tailEnd type="none" w="med" len="med"/>
+                    </a:lnL>
+                    <a:lnR w="6350" cap="flat" cmpd="sng" algn="ctr">
+                      <a:solidFill>
+                        <a:schemeClr val="tx1"/>
+                      </a:solidFill>
+                      <a:prstDash val="solid"/>
+                      <a:round/>
+                      <a:headEnd type="none" w="med" len="med"/>
+                      <a:tailEnd type="none" w="med" len="med"/>
+                    </a:lnR>
+                    <a:lnT w="6350" cap="flat" cmpd="sng" algn="ctr">
+                      <a:solidFill>
+                        <a:schemeClr val="tx1"/>
+                      </a:solidFill>
+                      <a:prstDash val="solid"/>
+                      <a:round/>
+                      <a:headEnd type="none" w="med" len="med"/>
+                      <a:tailEnd type="none" w="med" len="med"/>
+                    </a:lnT>
+                    <a:lnB w="6350" cap="flat" cmpd="sng" algn="ctr">
+                      <a:solidFill>
+                        <a:schemeClr val="tx1"/>
+                      </a:solidFill>
+                      <a:prstDash val="solid"/>
+                      <a:round/>
+                      <a:headEnd type="none" w="med" len="med"/>
+                      <a:tailEnd type="none" w="med" len="med"/>
+                    </a:lnB>
+                    <a:solidFill>
+                      <a:srgbClr val="F6F8FC"/>
+                    </a:solidFill>
+                  </a:tcPr>
+                </a:tc>
+                <a:tc>
+                  <a:txBody>
+                    <a:bodyPr/>
+                    <a:lstStyle/>
+                    <a:p>
+                      <a:pPr algn="ctr" latinLnBrk="1"/>
+                      <a:r>
+                        <a:rPr lang="en-US" altLang="ko-KR" sz="1100" dirty="0" smtClean="0">
+                          <a:latin typeface="삼성긴고딕OTF Regular" panose="020B0600000101010101" pitchFamily="34" charset="-127"/>
+                          <a:ea typeface="삼성긴고딕OTF Regular" panose="020B0600000101010101" pitchFamily="34" charset="-127"/>
+                        </a:rPr>
+                        <a:t>32,500</a:t>
+                      </a:r>
+                      <a:r>
+                        <a:rPr lang="ko-KR" altLang="en-US" sz="1100" dirty="0" smtClean="0">
+                          <a:latin typeface="삼성긴고딕OTF Regular" panose="020B0600000101010101" pitchFamily="34" charset="-127"/>
+                          <a:ea typeface="삼성긴고딕OTF Regular" panose="020B0600000101010101" pitchFamily="34" charset="-127"/>
+                        </a:rPr>
+                        <a:t>원</a:t>
+                      </a:r>
+                      <a:endParaRPr lang="ko-KR" altLang="en-US" sz="1100" dirty="0">
+                        <a:latin typeface="삼성긴고딕OTF Regular" panose="020B0600000101010101" pitchFamily="34" charset="-127"/>
+                        <a:ea typeface="삼성긴고딕OTF Regular" panose="020B0600000101010101" pitchFamily="34" charset="-127"/>
+                      </a:endParaRPr>
+                    </a:p>
+                  </a:txBody>
+                  <a:tcPr>
+                    <a:lnL w="6350" cap="flat" cmpd="sng" algn="ctr">
+                      <a:solidFill>
+                        <a:schemeClr val="tx1"/>
+                      </a:solidFill>
+                      <a:prstDash val="solid"/>
+                      <a:round/>
+                      <a:headEnd type="none" w="med" len="med"/>
+                      <a:tailEnd type="none" w="med" len="med"/>
+                    </a:lnL>
+                    <a:lnR w="6350" cap="flat" cmpd="sng" algn="ctr">
+                      <a:solidFill>
+                        <a:schemeClr val="tx1"/>
+                      </a:solidFill>
+                      <a:prstDash val="solid"/>
+                      <a:round/>
+                      <a:headEnd type="none" w="med" len="med"/>
+                      <a:tailEnd type="none" w="med" len="med"/>
+                    </a:lnR>
+                    <a:lnT w="6350" cap="flat" cmpd="sng" algn="ctr">
+                      <a:solidFill>
+                        <a:schemeClr val="tx1"/>
+                      </a:solidFill>
+                      <a:prstDash val="solid"/>
+                      <a:round/>
+                      <a:headEnd type="none" w="med" len="med"/>
+                      <a:tailEnd type="none" w="med" len="med"/>
+                    </a:lnT>
+                    <a:lnB w="6350" cap="flat" cmpd="sng" algn="ctr">
+                      <a:solidFill>
+                        <a:schemeClr val="tx1"/>
+                      </a:solidFill>
+                      <a:prstDash val="solid"/>
+                      <a:round/>
+                      <a:headEnd type="none" w="med" len="med"/>
+                      <a:tailEnd type="none" w="med" len="med"/>
+                    </a:lnB>
+                    <a:solidFill>
+                      <a:srgbClr val="F6F8FC"/>
+                    </a:solidFill>
+                  </a:tcPr>
+                </a:tc>
+                <a:extLst>
+                  <a:ext uri="{0D108BD9-81ED-4DB2-BD59-A6C34878D82A}">
+                    <a16:rowId xmlns:a16="http://schemas.microsoft.com/office/drawing/2014/main" val="1134691192"/>
+                  </a:ext>
+                </a:extLst>
+              </a:tr>
+              <a:tr h="288000">
+                <a:tc>
+                  <a:txBody>
+                    <a:bodyPr/>
+                    <a:lstStyle/>
+                    <a:p>
+                      <a:pPr algn="ctr" latinLnBrk="1"/>
+                      <a:r>
+                        <a:rPr lang="ko-KR" altLang="en-US" sz="1100" dirty="0" smtClean="0">
+                          <a:latin typeface="삼성긴고딕OTF Regular" panose="020B0600000101010101" pitchFamily="34" charset="-127"/>
+                          <a:ea typeface="삼성긴고딕OTF Regular" panose="020B0600000101010101" pitchFamily="34" charset="-127"/>
+                        </a:rPr>
+                        <a:t>알고리즘 문제 해결 전략</a:t>
+                      </a:r>
+                      <a:endParaRPr lang="ko-KR" altLang="en-US" sz="1100" dirty="0">
+                        <a:latin typeface="삼성긴고딕OTF Regular" panose="020B0600000101010101" pitchFamily="34" charset="-127"/>
+                        <a:ea typeface="삼성긴고딕OTF Regular" panose="020B0600000101010101" pitchFamily="34" charset="-127"/>
+                      </a:endParaRPr>
+                    </a:p>
+                  </a:txBody>
+                  <a:tcPr>
+                    <a:lnL w="6350" cap="flat" cmpd="sng" algn="ctr">
+                      <a:solidFill>
+                        <a:schemeClr val="tx1"/>
+                      </a:solidFill>
+                      <a:prstDash val="solid"/>
+                      <a:round/>
+                      <a:headEnd type="none" w="med" len="med"/>
+                      <a:tailEnd type="none" w="med" len="med"/>
+                    </a:lnL>
+                    <a:lnR w="6350" cap="flat" cmpd="sng" algn="ctr">
+                      <a:solidFill>
+                        <a:schemeClr val="tx1"/>
+                      </a:solidFill>
+                      <a:prstDash val="solid"/>
+                      <a:round/>
+                      <a:headEnd type="none" w="med" len="med"/>
+                      <a:tailEnd type="none" w="med" len="med"/>
+                    </a:lnR>
+                    <a:lnT w="6350" cap="flat" cmpd="sng" algn="ctr">
+                      <a:solidFill>
+                        <a:schemeClr val="tx1"/>
+                      </a:solidFill>
+                      <a:prstDash val="solid"/>
+                      <a:round/>
+                      <a:headEnd type="none" w="med" len="med"/>
+                      <a:tailEnd type="none" w="med" len="med"/>
+                    </a:lnT>
+                    <a:lnB w="6350" cap="flat" cmpd="sng" algn="ctr">
+                      <a:solidFill>
+                        <a:schemeClr val="tx1"/>
+                      </a:solidFill>
+                      <a:prstDash val="solid"/>
+                      <a:round/>
+                      <a:headEnd type="none" w="med" len="med"/>
+                      <a:tailEnd type="none" w="med" len="med"/>
+                    </a:lnB>
+                    <a:solidFill>
+                      <a:srgbClr val="F6F8FC"/>
+                    </a:solidFill>
+                  </a:tcPr>
+                </a:tc>
+                <a:tc>
+                  <a:txBody>
+                    <a:bodyPr/>
+                    <a:lstStyle/>
+                    <a:p>
+                      <a:pPr algn="ctr" latinLnBrk="1"/>
+                      <a:r>
+                        <a:rPr lang="ko-KR" altLang="en-US" sz="1100" dirty="0" smtClean="0">
+                          <a:latin typeface="삼성긴고딕OTF Regular" panose="020B0600000101010101" pitchFamily="34" charset="-127"/>
+                          <a:ea typeface="삼성긴고딕OTF Regular" panose="020B0600000101010101" pitchFamily="34" charset="-127"/>
+                        </a:rPr>
+                        <a:t>알라딘</a:t>
+                      </a:r>
+                      <a:endParaRPr lang="ko-KR" altLang="en-US" sz="1100" dirty="0">
+                        <a:latin typeface="삼성긴고딕OTF Regular" panose="020B0600000101010101" pitchFamily="34" charset="-127"/>
+                        <a:ea typeface="삼성긴고딕OTF Regular" panose="020B0600000101010101" pitchFamily="34" charset="-127"/>
+                      </a:endParaRPr>
+                    </a:p>
+                  </a:txBody>
+                  <a:tcPr>
+                    <a:lnL w="6350" cap="flat" cmpd="sng" algn="ctr">
+                      <a:solidFill>
+                        <a:schemeClr val="tx1"/>
+                      </a:solidFill>
+                      <a:prstDash val="solid"/>
+                      <a:round/>
+                      <a:headEnd type="none" w="med" len="med"/>
+                      <a:tailEnd type="none" w="med" len="med"/>
+                    </a:lnL>
+                    <a:lnR w="6350" cap="flat" cmpd="sng" algn="ctr">
+                      <a:solidFill>
+                        <a:schemeClr val="tx1"/>
+                      </a:solidFill>
+                      <a:prstDash val="solid"/>
+                      <a:round/>
+                      <a:headEnd type="none" w="med" len="med"/>
+                      <a:tailEnd type="none" w="med" len="med"/>
+                    </a:lnR>
+                    <a:lnT w="6350" cap="flat" cmpd="sng" algn="ctr">
+                      <a:solidFill>
+                        <a:schemeClr val="tx1"/>
+                      </a:solidFill>
+                      <a:prstDash val="solid"/>
+                      <a:round/>
+                      <a:headEnd type="none" w="med" len="med"/>
+                      <a:tailEnd type="none" w="med" len="med"/>
+                    </a:lnT>
+                    <a:lnB w="6350" cap="flat" cmpd="sng" algn="ctr">
+                      <a:solidFill>
+                        <a:schemeClr val="tx1"/>
+                      </a:solidFill>
+                      <a:prstDash val="solid"/>
+                      <a:round/>
+                      <a:headEnd type="none" w="med" len="med"/>
+                      <a:tailEnd type="none" w="med" len="med"/>
+                    </a:lnB>
+                    <a:solidFill>
+                      <a:srgbClr val="F6F8FC"/>
+                    </a:solidFill>
+                  </a:tcPr>
+                </a:tc>
+                <a:tc>
+                  <a:txBody>
+                    <a:bodyPr/>
+                    <a:lstStyle/>
+                    <a:p>
+                      <a:pPr algn="ctr" latinLnBrk="1"/>
+                      <a:r>
+                        <a:rPr lang="en-US" altLang="ko-KR" sz="1100" dirty="0" smtClean="0">
+                          <a:latin typeface="삼성긴고딕OTF Regular" panose="020B0600000101010101" pitchFamily="34" charset="-127"/>
+                          <a:ea typeface="삼성긴고딕OTF Regular" panose="020B0600000101010101" pitchFamily="34" charset="-127"/>
+                        </a:rPr>
+                        <a:t>35,000</a:t>
+                      </a:r>
+                      <a:r>
+                        <a:rPr lang="ko-KR" altLang="en-US" sz="1100" dirty="0" smtClean="0">
+                          <a:latin typeface="삼성긴고딕OTF Regular" panose="020B0600000101010101" pitchFamily="34" charset="-127"/>
+                          <a:ea typeface="삼성긴고딕OTF Regular" panose="020B0600000101010101" pitchFamily="34" charset="-127"/>
+                        </a:rPr>
+                        <a:t>원</a:t>
+                      </a:r>
+                      <a:endParaRPr lang="ko-KR" altLang="en-US" sz="1100" dirty="0">
+                        <a:latin typeface="삼성긴고딕OTF Regular" panose="020B0600000101010101" pitchFamily="34" charset="-127"/>
+                        <a:ea typeface="삼성긴고딕OTF Regular" panose="020B0600000101010101" pitchFamily="34" charset="-127"/>
+                      </a:endParaRPr>
+                    </a:p>
+                  </a:txBody>
+                  <a:tcPr>
+                    <a:lnL w="6350" cap="flat" cmpd="sng" algn="ctr">
+                      <a:solidFill>
+                        <a:schemeClr val="tx1"/>
+                      </a:solidFill>
+                      <a:prstDash val="solid"/>
+                      <a:round/>
+                      <a:headEnd type="none" w="med" len="med"/>
+                      <a:tailEnd type="none" w="med" len="med"/>
+                    </a:lnL>
+                    <a:lnR w="6350" cap="flat" cmpd="sng" algn="ctr">
+                      <a:solidFill>
+                        <a:schemeClr val="tx1"/>
+                      </a:solidFill>
+                      <a:prstDash val="solid"/>
+                      <a:round/>
+                      <a:headEnd type="none" w="med" len="med"/>
+                      <a:tailEnd type="none" w="med" len="med"/>
+                    </a:lnR>
+                    <a:lnT w="6350" cap="flat" cmpd="sng" algn="ctr">
+                      <a:solidFill>
+                        <a:schemeClr val="tx1"/>
+                      </a:solidFill>
+                      <a:prstDash val="solid"/>
+                      <a:round/>
+                      <a:headEnd type="none" w="med" len="med"/>
+                      <a:tailEnd type="none" w="med" len="med"/>
+                    </a:lnT>
+                    <a:lnB w="6350" cap="flat" cmpd="sng" algn="ctr">
+                      <a:solidFill>
+                        <a:schemeClr val="tx1"/>
+                      </a:solidFill>
+                      <a:prstDash val="solid"/>
+                      <a:round/>
+                      <a:headEnd type="none" w="med" len="med"/>
+                      <a:tailEnd type="none" w="med" len="med"/>
+                    </a:lnB>
+                    <a:solidFill>
+                      <a:srgbClr val="F6F8FC"/>
+                    </a:solidFill>
+                  </a:tcPr>
+                </a:tc>
+                <a:tc>
+                  <a:txBody>
+                    <a:bodyPr/>
+                    <a:lstStyle/>
+                    <a:p>
+                      <a:pPr algn="ctr" latinLnBrk="1"/>
+                      <a:r>
+                        <a:rPr lang="en-US" altLang="ko-KR" sz="1100" dirty="0" smtClean="0">
+                          <a:latin typeface="삼성긴고딕OTF Regular" panose="020B0600000101010101" pitchFamily="34" charset="-127"/>
+                          <a:ea typeface="삼성긴고딕OTF Regular" panose="020B0600000101010101" pitchFamily="34" charset="-127"/>
+                        </a:rPr>
+                        <a:t>28,500</a:t>
+                      </a:r>
+                      <a:r>
+                        <a:rPr lang="ko-KR" altLang="en-US" sz="1100" dirty="0" smtClean="0">
+                          <a:latin typeface="삼성긴고딕OTF Regular" panose="020B0600000101010101" pitchFamily="34" charset="-127"/>
+                          <a:ea typeface="삼성긴고딕OTF Regular" panose="020B0600000101010101" pitchFamily="34" charset="-127"/>
+                        </a:rPr>
+                        <a:t>원</a:t>
+                      </a:r>
+                      <a:endParaRPr lang="ko-KR" altLang="en-US" sz="1100" dirty="0">
+                        <a:latin typeface="삼성긴고딕OTF Regular" panose="020B0600000101010101" pitchFamily="34" charset="-127"/>
+                        <a:ea typeface="삼성긴고딕OTF Regular" panose="020B0600000101010101" pitchFamily="34" charset="-127"/>
+                      </a:endParaRPr>
+                    </a:p>
+                  </a:txBody>
+                  <a:tcPr>
+                    <a:lnL w="6350" cap="flat" cmpd="sng" algn="ctr">
+                      <a:solidFill>
+                        <a:schemeClr val="tx1"/>
+                      </a:solidFill>
+                      <a:prstDash val="solid"/>
+                      <a:round/>
+                      <a:headEnd type="none" w="med" len="med"/>
+                      <a:tailEnd type="none" w="med" len="med"/>
+                    </a:lnL>
+                    <a:lnR w="6350" cap="flat" cmpd="sng" algn="ctr">
+                      <a:solidFill>
+                        <a:schemeClr val="tx1"/>
+                      </a:solidFill>
+                      <a:prstDash val="solid"/>
+                      <a:round/>
+                      <a:headEnd type="none" w="med" len="med"/>
+                      <a:tailEnd type="none" w="med" len="med"/>
+                    </a:lnR>
+                    <a:lnT w="6350" cap="flat" cmpd="sng" algn="ctr">
+                      <a:solidFill>
+                        <a:schemeClr val="tx1"/>
+                      </a:solidFill>
+                      <a:prstDash val="solid"/>
+                      <a:round/>
+                      <a:headEnd type="none" w="med" len="med"/>
+                      <a:tailEnd type="none" w="med" len="med"/>
+                    </a:lnT>
+                    <a:lnB w="6350" cap="flat" cmpd="sng" algn="ctr">
+                      <a:solidFill>
+                        <a:schemeClr val="tx1"/>
+                      </a:solidFill>
+                      <a:prstDash val="solid"/>
+                      <a:round/>
+                      <a:headEnd type="none" w="med" len="med"/>
+                      <a:tailEnd type="none" w="med" len="med"/>
+                    </a:lnB>
+                    <a:solidFill>
+                      <a:srgbClr val="F6F8FC"/>
+                    </a:solidFill>
+                  </a:tcPr>
+                </a:tc>
+                <a:extLst>
+                  <a:ext uri="{0D108BD9-81ED-4DB2-BD59-A6C34878D82A}">
+                    <a16:rowId xmlns:a16="http://schemas.microsoft.com/office/drawing/2014/main" val="4078697995"/>
+                  </a:ext>
+                </a:extLst>
+              </a:tr>
+            </a:tbl>
+          </a:graphicData>
+        </a:graphic>
+      </p:graphicFrame>
+      <p:sp>
+        <p:nvSpPr>
+          <p:cNvPr id="10" name="직사각형 9"/>
+          <p:cNvSpPr/>
+          <p:nvPr/>
+        </p:nvSpPr>
+        <p:spPr>
+          <a:xfrm>
+            <a:off x="192950" y="4033616"/>
+            <a:ext cx="4212000" cy="828000"/>
+          </a:xfrm>
+          <a:prstGeom prst="rect">
+            <a:avLst/>
+          </a:prstGeom>
+          <a:noFill/>
+          <a:ln w="19050">
+            <a:solidFill>
+              <a:srgbClr val="FF0000"/>
+            </a:solidFill>
+            <a:prstDash val="dash"/>
+          </a:ln>
+        </p:spPr>
+        <p:style>
+          <a:lnRef idx="2">
+            <a:schemeClr val="accent1">
+              <a:shade val="50000"/>
+            </a:schemeClr>
+          </a:lnRef>
+          <a:fillRef idx="1">
+            <a:schemeClr val="accent1"/>
+          </a:fillRef>
+          <a:effectRef idx="0">
+            <a:schemeClr val="accent1"/>
+          </a:effectRef>
+          <a:fontRef idx="minor">
+            <a:schemeClr val="lt1"/>
+          </a:fontRef>
+        </p:style>
+        <p:txBody>
+          <a:bodyPr rtlCol="0" anchor="ctr"/>
+          <a:lstStyle/>
+          <a:p>
+            <a:pPr algn="ctr"/>
+            <a:endParaRPr lang="ko-KR" altLang="en-US"/>
+          </a:p>
+        </p:txBody>
+      </p:sp>
+      <p:sp>
+        <p:nvSpPr>
+          <p:cNvPr id="11" name="직사각형 10"/>
+          <p:cNvSpPr/>
+          <p:nvPr/>
+        </p:nvSpPr>
+        <p:spPr>
+          <a:xfrm>
+            <a:off x="192950" y="4895800"/>
+            <a:ext cx="4212000" cy="828000"/>
+          </a:xfrm>
+          <a:prstGeom prst="rect">
+            <a:avLst/>
+          </a:prstGeom>
+          <a:noFill/>
+          <a:ln w="19050">
+            <a:solidFill>
+              <a:srgbClr val="15D3B2"/>
+            </a:solidFill>
+            <a:prstDash val="dash"/>
+          </a:ln>
+        </p:spPr>
+        <p:style>
+          <a:lnRef idx="2">
+            <a:schemeClr val="accent1">
+              <a:shade val="50000"/>
+            </a:schemeClr>
+          </a:lnRef>
+          <a:fillRef idx="1">
+            <a:schemeClr val="accent1"/>
+          </a:fillRef>
+          <a:effectRef idx="0">
+            <a:schemeClr val="accent1"/>
+          </a:effectRef>
+          <a:fontRef idx="minor">
+            <a:schemeClr val="lt1"/>
+          </a:fontRef>
+        </p:style>
+        <p:txBody>
+          <a:bodyPr rtlCol="0" anchor="ctr"/>
+          <a:lstStyle/>
+          <a:p>
+            <a:pPr algn="ctr"/>
+            <a:endParaRPr lang="ko-KR" altLang="en-US"/>
+          </a:p>
+        </p:txBody>
+      </p:sp>
+      <p:sp>
+        <p:nvSpPr>
+          <p:cNvPr id="12" name="직사각형 11"/>
+          <p:cNvSpPr/>
+          <p:nvPr/>
+        </p:nvSpPr>
+        <p:spPr>
+          <a:xfrm>
+            <a:off x="192950" y="5764647"/>
+            <a:ext cx="4212000" cy="828000"/>
+          </a:xfrm>
+          <a:prstGeom prst="rect">
+            <a:avLst/>
+          </a:prstGeom>
+          <a:noFill/>
+          <a:ln w="19050">
+            <a:solidFill>
+              <a:srgbClr val="1D75E5"/>
+            </a:solidFill>
+            <a:prstDash val="dash"/>
+          </a:ln>
+        </p:spPr>
+        <p:style>
+          <a:lnRef idx="2">
+            <a:schemeClr val="accent1">
+              <a:shade val="50000"/>
+            </a:schemeClr>
+          </a:lnRef>
+          <a:fillRef idx="1">
+            <a:schemeClr val="accent1"/>
+          </a:fillRef>
+          <a:effectRef idx="0">
+            <a:schemeClr val="accent1"/>
+          </a:effectRef>
+          <a:fontRef idx="minor">
+            <a:schemeClr val="lt1"/>
+          </a:fontRef>
+        </p:style>
+        <p:txBody>
+          <a:bodyPr rtlCol="0" anchor="ctr"/>
+          <a:lstStyle/>
+          <a:p>
+            <a:pPr algn="ctr"/>
+            <a:endParaRPr lang="ko-KR" altLang="en-US"/>
+          </a:p>
+        </p:txBody>
+      </p:sp>
+      <p:graphicFrame>
+        <p:nvGraphicFramePr>
+          <p:cNvPr id="13" name="표 12"/>
+          <p:cNvGraphicFramePr>
+            <a:graphicFrameLocks noGrp="1"/>
+          </p:cNvGraphicFramePr>
+          <p:nvPr>
+            <p:extLst>
+              <p:ext uri="{D42A27DB-BD31-4B8C-83A1-F6EECF244321}">
+                <p14:modId xmlns:p14="http://schemas.microsoft.com/office/powerpoint/2010/main" val="3660647300"/>
+              </p:ext>
+            </p:extLst>
+          </p:nvPr>
+        </p:nvGraphicFramePr>
+        <p:xfrm>
+          <a:off x="5730625" y="4733800"/>
+          <a:ext cx="4356000" cy="1152000"/>
+        </p:xfrm>
+        <a:graphic>
+          <a:graphicData uri="http://schemas.openxmlformats.org/drawingml/2006/table">
+            <a:tbl>
+              <a:tblPr firstRow="1" bandRow="1">
+                <a:tableStyleId>{5C22544A-7EE6-4342-B048-85BDC9FD1C3A}</a:tableStyleId>
+              </a:tblPr>
+              <a:tblGrid>
+                <a:gridCol w="1548000">
+                  <a:extLst>
+                    <a:ext uri="{9D8B030D-6E8A-4147-A177-3AD203B41FA5}">
+                      <a16:colId xmlns:a16="http://schemas.microsoft.com/office/drawing/2014/main" val="3463867517"/>
+                    </a:ext>
+                  </a:extLst>
+                </a:gridCol>
+                <a:gridCol w="900000">
+                  <a:extLst>
+                    <a:ext uri="{9D8B030D-6E8A-4147-A177-3AD203B41FA5}">
+                      <a16:colId xmlns:a16="http://schemas.microsoft.com/office/drawing/2014/main" val="3302509317"/>
+                    </a:ext>
+                  </a:extLst>
+                </a:gridCol>
+                <a:gridCol w="900000">
+                  <a:extLst>
+                    <a:ext uri="{9D8B030D-6E8A-4147-A177-3AD203B41FA5}">
+                      <a16:colId xmlns:a16="http://schemas.microsoft.com/office/drawing/2014/main" val="524061593"/>
+                    </a:ext>
+                  </a:extLst>
+                </a:gridCol>
+                <a:gridCol w="1008000">
+                  <a:extLst>
+                    <a:ext uri="{9D8B030D-6E8A-4147-A177-3AD203B41FA5}">
+                      <a16:colId xmlns:a16="http://schemas.microsoft.com/office/drawing/2014/main" val="2410042222"/>
+                    </a:ext>
+                  </a:extLst>
+                </a:gridCol>
+              </a:tblGrid>
+              <a:tr h="288000">
+                <a:tc>
+                  <a:txBody>
+                    <a:bodyPr/>
+                    <a:lstStyle/>
+                    <a:p>
+                      <a:pPr algn="ctr" latinLnBrk="1"/>
+                      <a:r>
+                        <a:rPr lang="ko-KR" altLang="en-US" sz="1200" b="0" dirty="0" smtClean="0">
+                          <a:latin typeface="삼성긴고딕OTF Medium" panose="020B0600000101010101" pitchFamily="34" charset="-127"/>
+                          <a:ea typeface="삼성긴고딕OTF Medium" panose="020B0600000101010101" pitchFamily="34" charset="-127"/>
+                        </a:rPr>
+                        <a:t>상품명</a:t>
+                      </a:r>
+                      <a:endParaRPr lang="ko-KR" altLang="en-US" sz="1200" b="0" dirty="0">
+                        <a:latin typeface="삼성긴고딕OTF Medium" panose="020B0600000101010101" pitchFamily="34" charset="-127"/>
+                        <a:ea typeface="삼성긴고딕OTF Medium" panose="020B0600000101010101" pitchFamily="34" charset="-127"/>
+                      </a:endParaRPr>
+                    </a:p>
+                  </a:txBody>
+                  <a:tcPr>
+                    <a:lnL w="6350" cap="flat" cmpd="sng" algn="ctr">
+                      <a:solidFill>
+                        <a:schemeClr val="tx1"/>
+                      </a:solidFill>
+                      <a:prstDash val="solid"/>
+                      <a:round/>
+                      <a:headEnd type="none" w="med" len="med"/>
+                      <a:tailEnd type="none" w="med" len="med"/>
+                    </a:lnL>
+                    <a:lnR w="6350" cap="flat" cmpd="sng" algn="ctr">
+                      <a:solidFill>
+                        <a:schemeClr val="tx1"/>
+                      </a:solidFill>
+                      <a:prstDash val="solid"/>
+                      <a:round/>
+                      <a:headEnd type="none" w="med" len="med"/>
+                      <a:tailEnd type="none" w="med" len="med"/>
+                    </a:lnR>
+                    <a:lnT w="6350" cap="flat" cmpd="sng" algn="ctr">
+                      <a:solidFill>
+                        <a:schemeClr val="tx1"/>
+                      </a:solidFill>
+                      <a:prstDash val="solid"/>
+                      <a:round/>
+                      <a:headEnd type="none" w="med" len="med"/>
+                      <a:tailEnd type="none" w="med" len="med"/>
+                    </a:lnT>
+                    <a:lnB w="6350" cap="flat" cmpd="sng" algn="ctr">
+                      <a:solidFill>
+                        <a:schemeClr val="tx1"/>
+                      </a:solidFill>
+                      <a:prstDash val="solid"/>
+                      <a:round/>
+                      <a:headEnd type="none" w="med" len="med"/>
+                      <a:tailEnd type="none" w="med" len="med"/>
+                    </a:lnB>
+                    <a:solidFill>
+                      <a:srgbClr val="15D3B2"/>
+                    </a:solidFill>
+                  </a:tcPr>
+                </a:tc>
+                <a:tc>
+                  <a:txBody>
+                    <a:bodyPr/>
+                    <a:lstStyle/>
+                    <a:p>
+                      <a:pPr algn="ctr" latinLnBrk="1"/>
+                      <a:r>
+                        <a:rPr lang="ko-KR" altLang="en-US" sz="1200" b="0" dirty="0" smtClean="0">
+                          <a:latin typeface="삼성긴고딕OTF Medium" panose="020B0600000101010101" pitchFamily="34" charset="-127"/>
+                          <a:ea typeface="삼성긴고딕OTF Medium" panose="020B0600000101010101" pitchFamily="34" charset="-127"/>
+                        </a:rPr>
+                        <a:t>판매처</a:t>
+                      </a:r>
+                      <a:endParaRPr lang="ko-KR" altLang="en-US" sz="1200" b="0" dirty="0">
+                        <a:latin typeface="삼성긴고딕OTF Medium" panose="020B0600000101010101" pitchFamily="34" charset="-127"/>
+                        <a:ea typeface="삼성긴고딕OTF Medium" panose="020B0600000101010101" pitchFamily="34" charset="-127"/>
+                      </a:endParaRPr>
+                    </a:p>
+                  </a:txBody>
+                  <a:tcPr>
+                    <a:lnL w="6350" cap="flat" cmpd="sng" algn="ctr">
+                      <a:solidFill>
+                        <a:schemeClr val="tx1"/>
+                      </a:solidFill>
+                      <a:prstDash val="solid"/>
+                      <a:round/>
+                      <a:headEnd type="none" w="med" len="med"/>
+                      <a:tailEnd type="none" w="med" len="med"/>
+                    </a:lnL>
+                    <a:lnR w="6350" cap="flat" cmpd="sng" algn="ctr">
+                      <a:solidFill>
+                        <a:schemeClr val="tx1"/>
+                      </a:solidFill>
+                      <a:prstDash val="solid"/>
+                      <a:round/>
+                      <a:headEnd type="none" w="med" len="med"/>
+                      <a:tailEnd type="none" w="med" len="med"/>
+                    </a:lnR>
+                    <a:lnT w="6350" cap="flat" cmpd="sng" algn="ctr">
+                      <a:solidFill>
+                        <a:schemeClr val="tx1"/>
+                      </a:solidFill>
+                      <a:prstDash val="solid"/>
+                      <a:round/>
+                      <a:headEnd type="none" w="med" len="med"/>
+                      <a:tailEnd type="none" w="med" len="med"/>
+                    </a:lnT>
+                    <a:lnB w="6350" cap="flat" cmpd="sng" algn="ctr">
+                      <a:solidFill>
+                        <a:schemeClr val="tx1"/>
+                      </a:solidFill>
+                      <a:prstDash val="solid"/>
+                      <a:round/>
+                      <a:headEnd type="none" w="med" len="med"/>
+                      <a:tailEnd type="none" w="med" len="med"/>
+                    </a:lnB>
+                    <a:solidFill>
+                      <a:srgbClr val="15D3B2"/>
+                    </a:solidFill>
+                  </a:tcPr>
+                </a:tc>
+                <a:tc>
+                  <a:txBody>
+                    <a:bodyPr/>
+                    <a:lstStyle/>
+                    <a:p>
+                      <a:pPr algn="ctr" latinLnBrk="1"/>
+                      <a:r>
+                        <a:rPr lang="ko-KR" altLang="en-US" sz="1200" b="0" dirty="0" smtClean="0">
+                          <a:latin typeface="삼성긴고딕OTF Medium" panose="020B0600000101010101" pitchFamily="34" charset="-127"/>
+                          <a:ea typeface="삼성긴고딕OTF Medium" panose="020B0600000101010101" pitchFamily="34" charset="-127"/>
+                        </a:rPr>
+                        <a:t>가격</a:t>
+                      </a:r>
+                      <a:endParaRPr lang="ko-KR" altLang="en-US" sz="1200" b="0" dirty="0">
+                        <a:latin typeface="삼성긴고딕OTF Medium" panose="020B0600000101010101" pitchFamily="34" charset="-127"/>
+                        <a:ea typeface="삼성긴고딕OTF Medium" panose="020B0600000101010101" pitchFamily="34" charset="-127"/>
+                      </a:endParaRPr>
+                    </a:p>
+                  </a:txBody>
+                  <a:tcPr>
+                    <a:lnL w="6350" cap="flat" cmpd="sng" algn="ctr">
+                      <a:solidFill>
+                        <a:schemeClr val="tx1"/>
+                      </a:solidFill>
+                      <a:prstDash val="solid"/>
+                      <a:round/>
+                      <a:headEnd type="none" w="med" len="med"/>
+                      <a:tailEnd type="none" w="med" len="med"/>
+                    </a:lnL>
+                    <a:lnR w="6350" cap="flat" cmpd="sng" algn="ctr">
+                      <a:solidFill>
+                        <a:schemeClr val="tx1"/>
+                      </a:solidFill>
+                      <a:prstDash val="solid"/>
+                      <a:round/>
+                      <a:headEnd type="none" w="med" len="med"/>
+                      <a:tailEnd type="none" w="med" len="med"/>
+                    </a:lnR>
+                    <a:lnT w="6350" cap="flat" cmpd="sng" algn="ctr">
+                      <a:solidFill>
+                        <a:schemeClr val="tx1"/>
+                      </a:solidFill>
+                      <a:prstDash val="solid"/>
+                      <a:round/>
+                      <a:headEnd type="none" w="med" len="med"/>
+                      <a:tailEnd type="none" w="med" len="med"/>
+                    </a:lnT>
+                    <a:lnB w="6350" cap="flat" cmpd="sng" algn="ctr">
+                      <a:solidFill>
+                        <a:schemeClr val="tx1"/>
+                      </a:solidFill>
+                      <a:prstDash val="solid"/>
+                      <a:round/>
+                      <a:headEnd type="none" w="med" len="med"/>
+                      <a:tailEnd type="none" w="med" len="med"/>
+                    </a:lnB>
+                    <a:solidFill>
+                      <a:srgbClr val="15D3B2"/>
+                    </a:solidFill>
+                  </a:tcPr>
+                </a:tc>
+                <a:tc>
+                  <a:txBody>
+                    <a:bodyPr/>
+                    <a:lstStyle/>
+                    <a:p>
+                      <a:pPr algn="ctr" latinLnBrk="1"/>
+                      <a:r>
+                        <a:rPr lang="en-US" altLang="ko-KR" sz="1200" b="0" dirty="0" smtClean="0">
+                          <a:latin typeface="삼성긴고딕OTF Medium" panose="020B0600000101010101" pitchFamily="34" charset="-127"/>
+                          <a:ea typeface="삼성긴고딕OTF Medium" panose="020B0600000101010101" pitchFamily="34" charset="-127"/>
+                        </a:rPr>
+                        <a:t>MAX(</a:t>
+                      </a:r>
+                      <a:r>
+                        <a:rPr lang="ko-KR" altLang="en-US" sz="1200" b="0" dirty="0" smtClean="0">
+                          <a:latin typeface="삼성긴고딕OTF Medium" panose="020B0600000101010101" pitchFamily="34" charset="-127"/>
+                          <a:ea typeface="삼성긴고딕OTF Medium" panose="020B0600000101010101" pitchFamily="34" charset="-127"/>
+                        </a:rPr>
+                        <a:t>할인가</a:t>
+                      </a:r>
+                      <a:r>
+                        <a:rPr lang="en-US" altLang="ko-KR" sz="1200" b="0" dirty="0" smtClean="0">
+                          <a:latin typeface="삼성긴고딕OTF Medium" panose="020B0600000101010101" pitchFamily="34" charset="-127"/>
+                          <a:ea typeface="삼성긴고딕OTF Medium" panose="020B0600000101010101" pitchFamily="34" charset="-127"/>
+                        </a:rPr>
+                        <a:t>)</a:t>
+                      </a:r>
+                      <a:endParaRPr lang="ko-KR" altLang="en-US" sz="1200" b="0" dirty="0">
+                        <a:latin typeface="삼성긴고딕OTF Medium" panose="020B0600000101010101" pitchFamily="34" charset="-127"/>
+                        <a:ea typeface="삼성긴고딕OTF Medium" panose="020B0600000101010101" pitchFamily="34" charset="-127"/>
+                      </a:endParaRPr>
+                    </a:p>
+                  </a:txBody>
+                  <a:tcPr>
+                    <a:lnL w="6350" cap="flat" cmpd="sng" algn="ctr">
+                      <a:solidFill>
+                        <a:schemeClr val="tx1"/>
+                      </a:solidFill>
+                      <a:prstDash val="solid"/>
+                      <a:round/>
+                      <a:headEnd type="none" w="med" len="med"/>
+                      <a:tailEnd type="none" w="med" len="med"/>
+                    </a:lnL>
+                    <a:lnR w="6350" cap="flat" cmpd="sng" algn="ctr">
+                      <a:solidFill>
+                        <a:schemeClr val="tx1"/>
+                      </a:solidFill>
+                      <a:prstDash val="solid"/>
+                      <a:round/>
+                      <a:headEnd type="none" w="med" len="med"/>
+                      <a:tailEnd type="none" w="med" len="med"/>
+                    </a:lnR>
+                    <a:lnT w="6350" cap="flat" cmpd="sng" algn="ctr">
+                      <a:solidFill>
+                        <a:schemeClr val="tx1"/>
+                      </a:solidFill>
+                      <a:prstDash val="solid"/>
+                      <a:round/>
+                      <a:headEnd type="none" w="med" len="med"/>
+                      <a:tailEnd type="none" w="med" len="med"/>
+                    </a:lnT>
+                    <a:lnB w="6350" cap="flat" cmpd="sng" algn="ctr">
+                      <a:solidFill>
+                        <a:schemeClr val="tx1"/>
+                      </a:solidFill>
+                      <a:prstDash val="solid"/>
+                      <a:round/>
+                      <a:headEnd type="none" w="med" len="med"/>
+                      <a:tailEnd type="none" w="med" len="med"/>
+                    </a:lnB>
+                    <a:solidFill>
+                      <a:schemeClr val="accent6"/>
+                    </a:solidFill>
+                  </a:tcPr>
+                </a:tc>
+                <a:extLst>
+                  <a:ext uri="{0D108BD9-81ED-4DB2-BD59-A6C34878D82A}">
+                    <a16:rowId xmlns:a16="http://schemas.microsoft.com/office/drawing/2014/main" val="278685539"/>
+                  </a:ext>
+                </a:extLst>
+              </a:tr>
+              <a:tr h="288000">
+                <a:tc>
+                  <a:txBody>
+                    <a:bodyPr/>
+                    <a:lstStyle/>
+                    <a:p>
+                      <a:pPr marL="0" marR="0" indent="0" algn="ctr" defTabSz="914400" rtl="0" eaLnBrk="1" fontAlgn="auto" latinLnBrk="1" hangingPunct="1">
+                        <a:lnSpc>
+                          <a:spcPct val="100000"/>
+                        </a:lnSpc>
+                        <a:spcBef>
+                          <a:spcPts val="0"/>
+                        </a:spcBef>
+                        <a:spcAft>
+                          <a:spcPts val="0"/>
+                        </a:spcAft>
+                        <a:buClrTx/>
+                        <a:buSzTx/>
+                        <a:buFontTx/>
+                        <a:buNone/>
+                        <a:tabLst/>
+                        <a:defRPr/>
+                      </a:pPr>
+                      <a:r>
+                        <a:rPr lang="ko-KR" altLang="en-US" sz="1100" dirty="0" err="1" smtClean="0">
+                          <a:latin typeface="삼성긴고딕OTF Regular" panose="020B0600000101010101" pitchFamily="34" charset="-127"/>
+                          <a:ea typeface="삼성긴고딕OTF Regular" panose="020B0600000101010101" pitchFamily="34" charset="-127"/>
+                        </a:rPr>
+                        <a:t>이펙티브</a:t>
+                      </a:r>
+                      <a:r>
+                        <a:rPr lang="ko-KR" altLang="en-US" sz="1100" dirty="0" smtClean="0">
+                          <a:latin typeface="삼성긴고딕OTF Regular" panose="020B0600000101010101" pitchFamily="34" charset="-127"/>
+                          <a:ea typeface="삼성긴고딕OTF Regular" panose="020B0600000101010101" pitchFamily="34" charset="-127"/>
+                        </a:rPr>
+                        <a:t> 자바</a:t>
+                      </a:r>
+                    </a:p>
+                  </a:txBody>
+                  <a:tcPr>
+                    <a:lnL w="6350" cap="flat" cmpd="sng" algn="ctr">
+                      <a:solidFill>
+                        <a:schemeClr val="tx1"/>
+                      </a:solidFill>
+                      <a:prstDash val="solid"/>
+                      <a:round/>
+                      <a:headEnd type="none" w="med" len="med"/>
+                      <a:tailEnd type="none" w="med" len="med"/>
+                    </a:lnL>
+                    <a:lnR w="6350" cap="flat" cmpd="sng" algn="ctr">
+                      <a:solidFill>
+                        <a:schemeClr val="tx1"/>
+                      </a:solidFill>
+                      <a:prstDash val="solid"/>
+                      <a:round/>
+                      <a:headEnd type="none" w="med" len="med"/>
+                      <a:tailEnd type="none" w="med" len="med"/>
+                    </a:lnR>
+                    <a:lnT w="6350" cap="flat" cmpd="sng" algn="ctr">
+                      <a:solidFill>
+                        <a:schemeClr val="tx1"/>
+                      </a:solidFill>
+                      <a:prstDash val="solid"/>
+                      <a:round/>
+                      <a:headEnd type="none" w="med" len="med"/>
+                      <a:tailEnd type="none" w="med" len="med"/>
+                    </a:lnT>
+                    <a:lnB w="6350" cap="flat" cmpd="sng" algn="ctr">
+                      <a:solidFill>
+                        <a:schemeClr val="tx1"/>
+                      </a:solidFill>
+                      <a:prstDash val="solid"/>
+                      <a:round/>
+                      <a:headEnd type="none" w="med" len="med"/>
+                      <a:tailEnd type="none" w="med" len="med"/>
+                    </a:lnB>
+                    <a:solidFill>
+                      <a:srgbClr val="F6F8FC"/>
+                    </a:solidFill>
+                  </a:tcPr>
+                </a:tc>
+                <a:tc>
+                  <a:txBody>
+                    <a:bodyPr/>
+                    <a:lstStyle/>
+                    <a:p>
+                      <a:pPr algn="ctr" latinLnBrk="1"/>
+                      <a:r>
+                        <a:rPr lang="ko-KR" altLang="en-US" sz="1100" dirty="0" smtClean="0">
+                          <a:latin typeface="삼성긴고딕OTF Regular" panose="020B0600000101010101" pitchFamily="34" charset="-127"/>
+                          <a:ea typeface="삼성긴고딕OTF Regular" panose="020B0600000101010101" pitchFamily="34" charset="-127"/>
+                        </a:rPr>
+                        <a:t>알라딘</a:t>
+                      </a:r>
+                      <a:endParaRPr lang="ko-KR" altLang="en-US" sz="1100" dirty="0">
+                        <a:latin typeface="삼성긴고딕OTF Regular" panose="020B0600000101010101" pitchFamily="34" charset="-127"/>
+                        <a:ea typeface="삼성긴고딕OTF Regular" panose="020B0600000101010101" pitchFamily="34" charset="-127"/>
+                      </a:endParaRPr>
+                    </a:p>
+                  </a:txBody>
+                  <a:tcPr>
+                    <a:lnL w="6350" cap="flat" cmpd="sng" algn="ctr">
+                      <a:solidFill>
+                        <a:schemeClr val="tx1"/>
+                      </a:solidFill>
+                      <a:prstDash val="solid"/>
+                      <a:round/>
+                      <a:headEnd type="none" w="med" len="med"/>
+                      <a:tailEnd type="none" w="med" len="med"/>
+                    </a:lnL>
+                    <a:lnR w="6350" cap="flat" cmpd="sng" algn="ctr">
+                      <a:solidFill>
+                        <a:schemeClr val="tx1"/>
+                      </a:solidFill>
+                      <a:prstDash val="solid"/>
+                      <a:round/>
+                      <a:headEnd type="none" w="med" len="med"/>
+                      <a:tailEnd type="none" w="med" len="med"/>
+                    </a:lnR>
+                    <a:lnT w="6350" cap="flat" cmpd="sng" algn="ctr">
+                      <a:solidFill>
+                        <a:schemeClr val="tx1"/>
+                      </a:solidFill>
+                      <a:prstDash val="solid"/>
+                      <a:round/>
+                      <a:headEnd type="none" w="med" len="med"/>
+                      <a:tailEnd type="none" w="med" len="med"/>
+                    </a:lnT>
+                    <a:lnB w="6350" cap="flat" cmpd="sng" algn="ctr">
+                      <a:solidFill>
+                        <a:schemeClr val="tx1"/>
+                      </a:solidFill>
+                      <a:prstDash val="solid"/>
+                      <a:round/>
+                      <a:headEnd type="none" w="med" len="med"/>
+                      <a:tailEnd type="none" w="med" len="med"/>
+                    </a:lnB>
+                    <a:solidFill>
+                      <a:srgbClr val="F6F8FC"/>
+                    </a:solidFill>
+                  </a:tcPr>
+                </a:tc>
+                <a:tc>
+                  <a:txBody>
+                    <a:bodyPr/>
+                    <a:lstStyle/>
+                    <a:p>
+                      <a:pPr algn="ctr" latinLnBrk="1"/>
+                      <a:r>
+                        <a:rPr lang="en-US" altLang="ko-KR" sz="1100" dirty="0" smtClean="0">
+                          <a:latin typeface="삼성긴고딕OTF Regular" panose="020B0600000101010101" pitchFamily="34" charset="-127"/>
+                          <a:ea typeface="삼성긴고딕OTF Regular" panose="020B0600000101010101" pitchFamily="34" charset="-127"/>
+                        </a:rPr>
+                        <a:t>36,000</a:t>
+                      </a:r>
+                      <a:r>
+                        <a:rPr lang="ko-KR" altLang="en-US" sz="1100" dirty="0" smtClean="0">
+                          <a:latin typeface="삼성긴고딕OTF Regular" panose="020B0600000101010101" pitchFamily="34" charset="-127"/>
+                          <a:ea typeface="삼성긴고딕OTF Regular" panose="020B0600000101010101" pitchFamily="34" charset="-127"/>
+                        </a:rPr>
+                        <a:t>원</a:t>
+                      </a:r>
+                      <a:endParaRPr lang="ko-KR" altLang="en-US" sz="1100" dirty="0">
+                        <a:latin typeface="삼성긴고딕OTF Regular" panose="020B0600000101010101" pitchFamily="34" charset="-127"/>
+                        <a:ea typeface="삼성긴고딕OTF Regular" panose="020B0600000101010101" pitchFamily="34" charset="-127"/>
+                      </a:endParaRPr>
+                    </a:p>
+                  </a:txBody>
+                  <a:tcPr>
+                    <a:lnL w="6350" cap="flat" cmpd="sng" algn="ctr">
+                      <a:solidFill>
+                        <a:schemeClr val="tx1"/>
+                      </a:solidFill>
+                      <a:prstDash val="solid"/>
+                      <a:round/>
+                      <a:headEnd type="none" w="med" len="med"/>
+                      <a:tailEnd type="none" w="med" len="med"/>
+                    </a:lnL>
+                    <a:lnR w="6350" cap="flat" cmpd="sng" algn="ctr">
+                      <a:solidFill>
+                        <a:schemeClr val="tx1"/>
+                      </a:solidFill>
+                      <a:prstDash val="solid"/>
+                      <a:round/>
+                      <a:headEnd type="none" w="med" len="med"/>
+                      <a:tailEnd type="none" w="med" len="med"/>
+                    </a:lnR>
+                    <a:lnT w="6350" cap="flat" cmpd="sng" algn="ctr">
+                      <a:solidFill>
+                        <a:schemeClr val="tx1"/>
+                      </a:solidFill>
+                      <a:prstDash val="solid"/>
+                      <a:round/>
+                      <a:headEnd type="none" w="med" len="med"/>
+                      <a:tailEnd type="none" w="med" len="med"/>
+                    </a:lnT>
+                    <a:lnB w="6350" cap="flat" cmpd="sng" algn="ctr">
+                      <a:solidFill>
+                        <a:schemeClr val="tx1"/>
+                      </a:solidFill>
+                      <a:prstDash val="solid"/>
+                      <a:round/>
+                      <a:headEnd type="none" w="med" len="med"/>
+                      <a:tailEnd type="none" w="med" len="med"/>
+                    </a:lnB>
+                    <a:solidFill>
+                      <a:srgbClr val="F6F8FC"/>
+                    </a:solidFill>
+                  </a:tcPr>
+                </a:tc>
+                <a:tc>
+                  <a:txBody>
+                    <a:bodyPr/>
+                    <a:lstStyle/>
+                    <a:p>
+                      <a:pPr algn="ctr" latinLnBrk="1"/>
+                      <a:r>
+                        <a:rPr lang="en-US" altLang="ko-KR" sz="1100" dirty="0" smtClean="0">
+                          <a:latin typeface="삼성긴고딕OTF Regular" panose="020B0600000101010101" pitchFamily="34" charset="-127"/>
+                          <a:ea typeface="삼성긴고딕OTF Regular" panose="020B0600000101010101" pitchFamily="34" charset="-127"/>
+                        </a:rPr>
+                        <a:t>33,000</a:t>
+                      </a:r>
+                      <a:r>
+                        <a:rPr lang="ko-KR" altLang="en-US" sz="1100" dirty="0" smtClean="0">
+                          <a:latin typeface="삼성긴고딕OTF Regular" panose="020B0600000101010101" pitchFamily="34" charset="-127"/>
+                          <a:ea typeface="삼성긴고딕OTF Regular" panose="020B0600000101010101" pitchFamily="34" charset="-127"/>
+                        </a:rPr>
+                        <a:t>원</a:t>
+                      </a:r>
+                      <a:endParaRPr lang="ko-KR" altLang="en-US" sz="1100" dirty="0">
+                        <a:latin typeface="삼성긴고딕OTF Regular" panose="020B0600000101010101" pitchFamily="34" charset="-127"/>
+                        <a:ea typeface="삼성긴고딕OTF Regular" panose="020B0600000101010101" pitchFamily="34" charset="-127"/>
+                      </a:endParaRPr>
+                    </a:p>
+                  </a:txBody>
+                  <a:tcPr>
+                    <a:lnL w="6350" cap="flat" cmpd="sng" algn="ctr">
+                      <a:solidFill>
+                        <a:schemeClr val="tx1"/>
+                      </a:solidFill>
+                      <a:prstDash val="solid"/>
+                      <a:round/>
+                      <a:headEnd type="none" w="med" len="med"/>
+                      <a:tailEnd type="none" w="med" len="med"/>
+                    </a:lnL>
+                    <a:lnR w="6350" cap="flat" cmpd="sng" algn="ctr">
+                      <a:solidFill>
+                        <a:schemeClr val="tx1"/>
+                      </a:solidFill>
+                      <a:prstDash val="solid"/>
+                      <a:round/>
+                      <a:headEnd type="none" w="med" len="med"/>
+                      <a:tailEnd type="none" w="med" len="med"/>
+                    </a:lnR>
+                    <a:lnT w="6350" cap="flat" cmpd="sng" algn="ctr">
+                      <a:solidFill>
+                        <a:schemeClr val="tx1"/>
+                      </a:solidFill>
+                      <a:prstDash val="solid"/>
+                      <a:round/>
+                      <a:headEnd type="none" w="med" len="med"/>
+                      <a:tailEnd type="none" w="med" len="med"/>
+                    </a:lnT>
+                    <a:lnB w="6350" cap="flat" cmpd="sng" algn="ctr">
+                      <a:solidFill>
+                        <a:schemeClr val="tx1"/>
+                      </a:solidFill>
+                      <a:prstDash val="solid"/>
+                      <a:round/>
+                      <a:headEnd type="none" w="med" len="med"/>
+                      <a:tailEnd type="none" w="med" len="med"/>
+                    </a:lnB>
+                    <a:solidFill>
+                      <a:srgbClr val="F6F8FC"/>
+                    </a:solidFill>
+                  </a:tcPr>
+                </a:tc>
+                <a:extLst>
+                  <a:ext uri="{0D108BD9-81ED-4DB2-BD59-A6C34878D82A}">
+                    <a16:rowId xmlns:a16="http://schemas.microsoft.com/office/drawing/2014/main" val="322647196"/>
+                  </a:ext>
+                </a:extLst>
+              </a:tr>
+              <a:tr h="288000">
+                <a:tc>
+                  <a:txBody>
+                    <a:bodyPr/>
+                    <a:lstStyle/>
+                    <a:p>
+                      <a:pPr algn="ctr" latinLnBrk="1"/>
+                      <a:r>
+                        <a:rPr lang="ko-KR" altLang="en-US" sz="1100" dirty="0" smtClean="0">
+                          <a:latin typeface="삼성긴고딕OTF Regular" panose="020B0600000101010101" pitchFamily="34" charset="-127"/>
+                          <a:ea typeface="삼성긴고딕OTF Regular" panose="020B0600000101010101" pitchFamily="34" charset="-127"/>
+                        </a:rPr>
+                        <a:t>모던 자바 인 액션</a:t>
+                      </a:r>
+                      <a:endParaRPr lang="ko-KR" altLang="en-US" sz="1100" dirty="0">
+                        <a:latin typeface="삼성긴고딕OTF Regular" panose="020B0600000101010101" pitchFamily="34" charset="-127"/>
+                        <a:ea typeface="삼성긴고딕OTF Regular" panose="020B0600000101010101" pitchFamily="34" charset="-127"/>
+                      </a:endParaRPr>
+                    </a:p>
+                  </a:txBody>
+                  <a:tcPr>
+                    <a:lnL w="6350" cap="flat" cmpd="sng" algn="ctr">
+                      <a:solidFill>
+                        <a:schemeClr val="tx1"/>
+                      </a:solidFill>
+                      <a:prstDash val="solid"/>
+                      <a:round/>
+                      <a:headEnd type="none" w="med" len="med"/>
+                      <a:tailEnd type="none" w="med" len="med"/>
+                    </a:lnL>
+                    <a:lnR w="6350" cap="flat" cmpd="sng" algn="ctr">
+                      <a:solidFill>
+                        <a:schemeClr val="tx1"/>
+                      </a:solidFill>
+                      <a:prstDash val="solid"/>
+                      <a:round/>
+                      <a:headEnd type="none" w="med" len="med"/>
+                      <a:tailEnd type="none" w="med" len="med"/>
+                    </a:lnR>
+                    <a:lnT w="6350" cap="flat" cmpd="sng" algn="ctr">
+                      <a:solidFill>
+                        <a:schemeClr val="tx1"/>
+                      </a:solidFill>
+                      <a:prstDash val="solid"/>
+                      <a:round/>
+                      <a:headEnd type="none" w="med" len="med"/>
+                      <a:tailEnd type="none" w="med" len="med"/>
+                    </a:lnT>
+                    <a:lnB w="6350" cap="flat" cmpd="sng" algn="ctr">
+                      <a:solidFill>
+                        <a:schemeClr val="tx1"/>
+                      </a:solidFill>
+                      <a:prstDash val="solid"/>
+                      <a:round/>
+                      <a:headEnd type="none" w="med" len="med"/>
+                      <a:tailEnd type="none" w="med" len="med"/>
+                    </a:lnB>
+                    <a:solidFill>
+                      <a:srgbClr val="F6F8FC"/>
+                    </a:solidFill>
+                  </a:tcPr>
+                </a:tc>
+                <a:tc>
+                  <a:txBody>
+                    <a:bodyPr/>
+                    <a:lstStyle/>
+                    <a:p>
+                      <a:pPr algn="ctr" latinLnBrk="1"/>
+                      <a:r>
+                        <a:rPr lang="ko-KR" altLang="en-US" sz="1100" dirty="0" smtClean="0">
+                          <a:latin typeface="삼성긴고딕OTF Regular" panose="020B0600000101010101" pitchFamily="34" charset="-127"/>
+                          <a:ea typeface="삼성긴고딕OTF Regular" panose="020B0600000101010101" pitchFamily="34" charset="-127"/>
+                        </a:rPr>
+                        <a:t>알라딘</a:t>
+                      </a:r>
+                      <a:endParaRPr lang="ko-KR" altLang="en-US" sz="1100" dirty="0">
+                        <a:latin typeface="삼성긴고딕OTF Regular" panose="020B0600000101010101" pitchFamily="34" charset="-127"/>
+                        <a:ea typeface="삼성긴고딕OTF Regular" panose="020B0600000101010101" pitchFamily="34" charset="-127"/>
+                      </a:endParaRPr>
+                    </a:p>
+                  </a:txBody>
+                  <a:tcPr>
+                    <a:lnL w="6350" cap="flat" cmpd="sng" algn="ctr">
+                      <a:solidFill>
+                        <a:schemeClr val="tx1"/>
+                      </a:solidFill>
+                      <a:prstDash val="solid"/>
+                      <a:round/>
+                      <a:headEnd type="none" w="med" len="med"/>
+                      <a:tailEnd type="none" w="med" len="med"/>
+                    </a:lnL>
+                    <a:lnR w="6350" cap="flat" cmpd="sng" algn="ctr">
+                      <a:solidFill>
+                        <a:schemeClr val="tx1"/>
+                      </a:solidFill>
+                      <a:prstDash val="solid"/>
+                      <a:round/>
+                      <a:headEnd type="none" w="med" len="med"/>
+                      <a:tailEnd type="none" w="med" len="med"/>
+                    </a:lnR>
+                    <a:lnT w="6350" cap="flat" cmpd="sng" algn="ctr">
+                      <a:solidFill>
+                        <a:schemeClr val="tx1"/>
+                      </a:solidFill>
+                      <a:prstDash val="solid"/>
+                      <a:round/>
+                      <a:headEnd type="none" w="med" len="med"/>
+                      <a:tailEnd type="none" w="med" len="med"/>
+                    </a:lnT>
+                    <a:lnB w="6350" cap="flat" cmpd="sng" algn="ctr">
+                      <a:solidFill>
+                        <a:schemeClr val="tx1"/>
+                      </a:solidFill>
+                      <a:prstDash val="solid"/>
+                      <a:round/>
+                      <a:headEnd type="none" w="med" len="med"/>
+                      <a:tailEnd type="none" w="med" len="med"/>
+                    </a:lnB>
+                    <a:solidFill>
+                      <a:srgbClr val="F6F8FC"/>
+                    </a:solidFill>
+                  </a:tcPr>
+                </a:tc>
+                <a:tc>
+                  <a:txBody>
+                    <a:bodyPr/>
+                    <a:lstStyle/>
+                    <a:p>
+                      <a:pPr algn="ctr" latinLnBrk="1"/>
+                      <a:r>
+                        <a:rPr lang="en-US" altLang="ko-KR" sz="1100" dirty="0" smtClean="0">
+                          <a:latin typeface="삼성긴고딕OTF Regular" panose="020B0600000101010101" pitchFamily="34" charset="-127"/>
+                          <a:ea typeface="삼성긴고딕OTF Regular" panose="020B0600000101010101" pitchFamily="34" charset="-127"/>
+                        </a:rPr>
+                        <a:t>33,000</a:t>
+                      </a:r>
+                      <a:r>
+                        <a:rPr lang="ko-KR" altLang="en-US" sz="1100" dirty="0" smtClean="0">
+                          <a:latin typeface="삼성긴고딕OTF Regular" panose="020B0600000101010101" pitchFamily="34" charset="-127"/>
+                          <a:ea typeface="삼성긴고딕OTF Regular" panose="020B0600000101010101" pitchFamily="34" charset="-127"/>
+                        </a:rPr>
+                        <a:t>원</a:t>
+                      </a:r>
+                      <a:endParaRPr lang="ko-KR" altLang="en-US" sz="1100" dirty="0">
+                        <a:latin typeface="삼성긴고딕OTF Regular" panose="020B0600000101010101" pitchFamily="34" charset="-127"/>
+                        <a:ea typeface="삼성긴고딕OTF Regular" panose="020B0600000101010101" pitchFamily="34" charset="-127"/>
+                      </a:endParaRPr>
+                    </a:p>
+                  </a:txBody>
+                  <a:tcPr>
+                    <a:lnL w="6350" cap="flat" cmpd="sng" algn="ctr">
+                      <a:solidFill>
+                        <a:schemeClr val="tx1"/>
+                      </a:solidFill>
+                      <a:prstDash val="solid"/>
+                      <a:round/>
+                      <a:headEnd type="none" w="med" len="med"/>
+                      <a:tailEnd type="none" w="med" len="med"/>
+                    </a:lnL>
+                    <a:lnR w="6350" cap="flat" cmpd="sng" algn="ctr">
+                      <a:solidFill>
+                        <a:schemeClr val="tx1"/>
+                      </a:solidFill>
+                      <a:prstDash val="solid"/>
+                      <a:round/>
+                      <a:headEnd type="none" w="med" len="med"/>
+                      <a:tailEnd type="none" w="med" len="med"/>
+                    </a:lnR>
+                    <a:lnT w="6350" cap="flat" cmpd="sng" algn="ctr">
+                      <a:solidFill>
+                        <a:schemeClr val="tx1"/>
+                      </a:solidFill>
+                      <a:prstDash val="solid"/>
+                      <a:round/>
+                      <a:headEnd type="none" w="med" len="med"/>
+                      <a:tailEnd type="none" w="med" len="med"/>
+                    </a:lnT>
+                    <a:lnB w="6350" cap="flat" cmpd="sng" algn="ctr">
+                      <a:solidFill>
+                        <a:schemeClr val="tx1"/>
+                      </a:solidFill>
+                      <a:prstDash val="solid"/>
+                      <a:round/>
+                      <a:headEnd type="none" w="med" len="med"/>
+                      <a:tailEnd type="none" w="med" len="med"/>
+                    </a:lnB>
+                    <a:solidFill>
+                      <a:srgbClr val="F6F8FC"/>
+                    </a:solidFill>
+                  </a:tcPr>
+                </a:tc>
+                <a:tc>
+                  <a:txBody>
+                    <a:bodyPr/>
+                    <a:lstStyle/>
+                    <a:p>
+                      <a:pPr algn="ctr" latinLnBrk="1"/>
+                      <a:r>
+                        <a:rPr lang="en-US" altLang="ko-KR" sz="1100" dirty="0" smtClean="0">
+                          <a:latin typeface="삼성긴고딕OTF Regular" panose="020B0600000101010101" pitchFamily="34" charset="-127"/>
+                          <a:ea typeface="삼성긴고딕OTF Regular" panose="020B0600000101010101" pitchFamily="34" charset="-127"/>
+                        </a:rPr>
+                        <a:t>31,200</a:t>
+                      </a:r>
+                      <a:r>
+                        <a:rPr lang="ko-KR" altLang="en-US" sz="1100" dirty="0" smtClean="0">
+                          <a:latin typeface="삼성긴고딕OTF Regular" panose="020B0600000101010101" pitchFamily="34" charset="-127"/>
+                          <a:ea typeface="삼성긴고딕OTF Regular" panose="020B0600000101010101" pitchFamily="34" charset="-127"/>
+                        </a:rPr>
+                        <a:t>원</a:t>
+                      </a:r>
+                      <a:endParaRPr lang="ko-KR" altLang="en-US" sz="1100" dirty="0">
+                        <a:latin typeface="삼성긴고딕OTF Regular" panose="020B0600000101010101" pitchFamily="34" charset="-127"/>
+                        <a:ea typeface="삼성긴고딕OTF Regular" panose="020B0600000101010101" pitchFamily="34" charset="-127"/>
+                      </a:endParaRPr>
+                    </a:p>
+                  </a:txBody>
+                  <a:tcPr>
+                    <a:lnL w="6350" cap="flat" cmpd="sng" algn="ctr">
+                      <a:solidFill>
+                        <a:schemeClr val="tx1"/>
+                      </a:solidFill>
+                      <a:prstDash val="solid"/>
+                      <a:round/>
+                      <a:headEnd type="none" w="med" len="med"/>
+                      <a:tailEnd type="none" w="med" len="med"/>
+                    </a:lnL>
+                    <a:lnR w="6350" cap="flat" cmpd="sng" algn="ctr">
+                      <a:solidFill>
+                        <a:schemeClr val="tx1"/>
+                      </a:solidFill>
+                      <a:prstDash val="solid"/>
+                      <a:round/>
+                      <a:headEnd type="none" w="med" len="med"/>
+                      <a:tailEnd type="none" w="med" len="med"/>
+                    </a:lnR>
+                    <a:lnT w="6350" cap="flat" cmpd="sng" algn="ctr">
+                      <a:solidFill>
+                        <a:schemeClr val="tx1"/>
+                      </a:solidFill>
+                      <a:prstDash val="solid"/>
+                      <a:round/>
+                      <a:headEnd type="none" w="med" len="med"/>
+                      <a:tailEnd type="none" w="med" len="med"/>
+                    </a:lnT>
+                    <a:lnB w="6350" cap="flat" cmpd="sng" algn="ctr">
+                      <a:solidFill>
+                        <a:schemeClr val="tx1"/>
+                      </a:solidFill>
+                      <a:prstDash val="solid"/>
+                      <a:round/>
+                      <a:headEnd type="none" w="med" len="med"/>
+                      <a:tailEnd type="none" w="med" len="med"/>
+                    </a:lnB>
+                    <a:solidFill>
+                      <a:srgbClr val="F6F8FC"/>
+                    </a:solidFill>
+                  </a:tcPr>
+                </a:tc>
+                <a:extLst>
+                  <a:ext uri="{0D108BD9-81ED-4DB2-BD59-A6C34878D82A}">
+                    <a16:rowId xmlns:a16="http://schemas.microsoft.com/office/drawing/2014/main" val="412800240"/>
+                  </a:ext>
+                </a:extLst>
+              </a:tr>
+              <a:tr h="288000">
+                <a:tc>
+                  <a:txBody>
+                    <a:bodyPr/>
+                    <a:lstStyle/>
+                    <a:p>
+                      <a:pPr algn="ctr" latinLnBrk="1"/>
+                      <a:r>
+                        <a:rPr lang="ko-KR" altLang="en-US" sz="1100" dirty="0" smtClean="0">
+                          <a:latin typeface="삼성긴고딕OTF Regular" panose="020B0600000101010101" pitchFamily="34" charset="-127"/>
+                          <a:ea typeface="삼성긴고딕OTF Regular" panose="020B0600000101010101" pitchFamily="34" charset="-127"/>
+                        </a:rPr>
+                        <a:t>알고리즘 문제 해결 전략</a:t>
+                      </a:r>
+                      <a:endParaRPr lang="ko-KR" altLang="en-US" sz="1100" dirty="0">
+                        <a:latin typeface="삼성긴고딕OTF Regular" panose="020B0600000101010101" pitchFamily="34" charset="-127"/>
+                        <a:ea typeface="삼성긴고딕OTF Regular" panose="020B0600000101010101" pitchFamily="34" charset="-127"/>
+                      </a:endParaRPr>
+                    </a:p>
+                  </a:txBody>
+                  <a:tcPr>
+                    <a:lnL w="6350" cap="flat" cmpd="sng" algn="ctr">
+                      <a:solidFill>
+                        <a:schemeClr val="tx1"/>
+                      </a:solidFill>
+                      <a:prstDash val="solid"/>
+                      <a:round/>
+                      <a:headEnd type="none" w="med" len="med"/>
+                      <a:tailEnd type="none" w="med" len="med"/>
+                    </a:lnL>
+                    <a:lnR w="6350" cap="flat" cmpd="sng" algn="ctr">
+                      <a:solidFill>
+                        <a:schemeClr val="tx1"/>
+                      </a:solidFill>
+                      <a:prstDash val="solid"/>
+                      <a:round/>
+                      <a:headEnd type="none" w="med" len="med"/>
+                      <a:tailEnd type="none" w="med" len="med"/>
+                    </a:lnR>
+                    <a:lnT w="6350" cap="flat" cmpd="sng" algn="ctr">
+                      <a:solidFill>
+                        <a:schemeClr val="tx1"/>
+                      </a:solidFill>
+                      <a:prstDash val="solid"/>
+                      <a:round/>
+                      <a:headEnd type="none" w="med" len="med"/>
+                      <a:tailEnd type="none" w="med" len="med"/>
+                    </a:lnT>
+                    <a:lnB w="6350" cap="flat" cmpd="sng" algn="ctr">
+                      <a:solidFill>
+                        <a:schemeClr val="tx1"/>
+                      </a:solidFill>
+                      <a:prstDash val="solid"/>
+                      <a:round/>
+                      <a:headEnd type="none" w="med" len="med"/>
+                      <a:tailEnd type="none" w="med" len="med"/>
+                    </a:lnB>
+                    <a:solidFill>
+                      <a:srgbClr val="F6F8FC"/>
+                    </a:solidFill>
+                  </a:tcPr>
+                </a:tc>
+                <a:tc>
+                  <a:txBody>
+                    <a:bodyPr/>
+                    <a:lstStyle/>
+                    <a:p>
+                      <a:pPr algn="ctr" latinLnBrk="1"/>
+                      <a:r>
+                        <a:rPr lang="en-US" altLang="ko-KR" sz="1100" dirty="0" smtClean="0">
+                          <a:latin typeface="삼성긴고딕OTF Regular" panose="020B0600000101010101" pitchFamily="34" charset="-127"/>
+                          <a:ea typeface="삼성긴고딕OTF Regular" panose="020B0600000101010101" pitchFamily="34" charset="-127"/>
+                        </a:rPr>
+                        <a:t>YES</a:t>
+                      </a:r>
+                      <a:r>
+                        <a:rPr lang="en-US" altLang="ko-KR" sz="1100" baseline="0" dirty="0" smtClean="0">
+                          <a:latin typeface="삼성긴고딕OTF Regular" panose="020B0600000101010101" pitchFamily="34" charset="-127"/>
+                          <a:ea typeface="삼성긴고딕OTF Regular" panose="020B0600000101010101" pitchFamily="34" charset="-127"/>
+                        </a:rPr>
+                        <a:t> 24</a:t>
+                      </a:r>
+                      <a:endParaRPr lang="ko-KR" altLang="en-US" sz="1100" dirty="0">
+                        <a:latin typeface="삼성긴고딕OTF Regular" panose="020B0600000101010101" pitchFamily="34" charset="-127"/>
+                        <a:ea typeface="삼성긴고딕OTF Regular" panose="020B0600000101010101" pitchFamily="34" charset="-127"/>
+                      </a:endParaRPr>
+                    </a:p>
+                  </a:txBody>
+                  <a:tcPr>
+                    <a:lnL w="6350" cap="flat" cmpd="sng" algn="ctr">
+                      <a:solidFill>
+                        <a:schemeClr val="tx1"/>
+                      </a:solidFill>
+                      <a:prstDash val="solid"/>
+                      <a:round/>
+                      <a:headEnd type="none" w="med" len="med"/>
+                      <a:tailEnd type="none" w="med" len="med"/>
+                    </a:lnL>
+                    <a:lnR w="6350" cap="flat" cmpd="sng" algn="ctr">
+                      <a:solidFill>
+                        <a:schemeClr val="tx1"/>
+                      </a:solidFill>
+                      <a:prstDash val="solid"/>
+                      <a:round/>
+                      <a:headEnd type="none" w="med" len="med"/>
+                      <a:tailEnd type="none" w="med" len="med"/>
+                    </a:lnR>
+                    <a:lnT w="6350" cap="flat" cmpd="sng" algn="ctr">
+                      <a:solidFill>
+                        <a:schemeClr val="tx1"/>
+                      </a:solidFill>
+                      <a:prstDash val="solid"/>
+                      <a:round/>
+                      <a:headEnd type="none" w="med" len="med"/>
+                      <a:tailEnd type="none" w="med" len="med"/>
+                    </a:lnT>
+                    <a:lnB w="6350" cap="flat" cmpd="sng" algn="ctr">
+                      <a:solidFill>
+                        <a:schemeClr val="tx1"/>
+                      </a:solidFill>
+                      <a:prstDash val="solid"/>
+                      <a:round/>
+                      <a:headEnd type="none" w="med" len="med"/>
+                      <a:tailEnd type="none" w="med" len="med"/>
+                    </a:lnB>
+                    <a:solidFill>
+                      <a:srgbClr val="F6F8FC"/>
+                    </a:solidFill>
+                  </a:tcPr>
+                </a:tc>
+                <a:tc>
+                  <a:txBody>
+                    <a:bodyPr/>
+                    <a:lstStyle/>
+                    <a:p>
+                      <a:pPr algn="ctr" latinLnBrk="1"/>
+                      <a:r>
+                        <a:rPr lang="en-US" altLang="ko-KR" sz="1100" dirty="0" smtClean="0">
+                          <a:latin typeface="삼성긴고딕OTF Regular" panose="020B0600000101010101" pitchFamily="34" charset="-127"/>
+                          <a:ea typeface="삼성긴고딕OTF Regular" panose="020B0600000101010101" pitchFamily="34" charset="-127"/>
+                        </a:rPr>
+                        <a:t>35,000</a:t>
+                      </a:r>
+                      <a:r>
+                        <a:rPr lang="ko-KR" altLang="en-US" sz="1100" dirty="0" smtClean="0">
+                          <a:latin typeface="삼성긴고딕OTF Regular" panose="020B0600000101010101" pitchFamily="34" charset="-127"/>
+                          <a:ea typeface="삼성긴고딕OTF Regular" panose="020B0600000101010101" pitchFamily="34" charset="-127"/>
+                        </a:rPr>
+                        <a:t>원</a:t>
+                      </a:r>
+                      <a:endParaRPr lang="ko-KR" altLang="en-US" sz="1100" dirty="0">
+                        <a:latin typeface="삼성긴고딕OTF Regular" panose="020B0600000101010101" pitchFamily="34" charset="-127"/>
+                        <a:ea typeface="삼성긴고딕OTF Regular" panose="020B0600000101010101" pitchFamily="34" charset="-127"/>
+                      </a:endParaRPr>
+                    </a:p>
+                  </a:txBody>
+                  <a:tcPr>
+                    <a:lnL w="6350" cap="flat" cmpd="sng" algn="ctr">
+                      <a:solidFill>
+                        <a:schemeClr val="tx1"/>
+                      </a:solidFill>
+                      <a:prstDash val="solid"/>
+                      <a:round/>
+                      <a:headEnd type="none" w="med" len="med"/>
+                      <a:tailEnd type="none" w="med" len="med"/>
+                    </a:lnL>
+                    <a:lnR w="6350" cap="flat" cmpd="sng" algn="ctr">
+                      <a:solidFill>
+                        <a:schemeClr val="tx1"/>
+                      </a:solidFill>
+                      <a:prstDash val="solid"/>
+                      <a:round/>
+                      <a:headEnd type="none" w="med" len="med"/>
+                      <a:tailEnd type="none" w="med" len="med"/>
+                    </a:lnR>
+                    <a:lnT w="6350" cap="flat" cmpd="sng" algn="ctr">
+                      <a:solidFill>
+                        <a:schemeClr val="tx1"/>
+                      </a:solidFill>
+                      <a:prstDash val="solid"/>
+                      <a:round/>
+                      <a:headEnd type="none" w="med" len="med"/>
+                      <a:tailEnd type="none" w="med" len="med"/>
+                    </a:lnT>
+                    <a:lnB w="6350" cap="flat" cmpd="sng" algn="ctr">
+                      <a:solidFill>
+                        <a:schemeClr val="tx1"/>
+                      </a:solidFill>
+                      <a:prstDash val="solid"/>
+                      <a:round/>
+                      <a:headEnd type="none" w="med" len="med"/>
+                      <a:tailEnd type="none" w="med" len="med"/>
+                    </a:lnB>
+                    <a:solidFill>
+                      <a:srgbClr val="F6F8FC"/>
+                    </a:solidFill>
+                  </a:tcPr>
+                </a:tc>
+                <a:tc>
+                  <a:txBody>
+                    <a:bodyPr/>
+                    <a:lstStyle/>
+                    <a:p>
+                      <a:pPr algn="ctr" latinLnBrk="1"/>
+                      <a:r>
+                        <a:rPr lang="en-US" altLang="ko-KR" sz="1100" dirty="0" smtClean="0">
+                          <a:latin typeface="삼성긴고딕OTF Regular" panose="020B0600000101010101" pitchFamily="34" charset="-127"/>
+                          <a:ea typeface="삼성긴고딕OTF Regular" panose="020B0600000101010101" pitchFamily="34" charset="-127"/>
+                        </a:rPr>
+                        <a:t>32,500</a:t>
+                      </a:r>
+                      <a:r>
+                        <a:rPr lang="ko-KR" altLang="en-US" sz="1100" dirty="0" smtClean="0">
+                          <a:latin typeface="삼성긴고딕OTF Regular" panose="020B0600000101010101" pitchFamily="34" charset="-127"/>
+                          <a:ea typeface="삼성긴고딕OTF Regular" panose="020B0600000101010101" pitchFamily="34" charset="-127"/>
+                        </a:rPr>
+                        <a:t>원</a:t>
+                      </a:r>
+                      <a:endParaRPr lang="ko-KR" altLang="en-US" sz="1100" dirty="0">
+                        <a:latin typeface="삼성긴고딕OTF Regular" panose="020B0600000101010101" pitchFamily="34" charset="-127"/>
+                        <a:ea typeface="삼성긴고딕OTF Regular" panose="020B0600000101010101" pitchFamily="34" charset="-127"/>
+                      </a:endParaRPr>
+                    </a:p>
+                  </a:txBody>
+                  <a:tcPr>
+                    <a:lnL w="6350" cap="flat" cmpd="sng" algn="ctr">
+                      <a:solidFill>
+                        <a:schemeClr val="tx1"/>
+                      </a:solidFill>
+                      <a:prstDash val="solid"/>
+                      <a:round/>
+                      <a:headEnd type="none" w="med" len="med"/>
+                      <a:tailEnd type="none" w="med" len="med"/>
+                    </a:lnL>
+                    <a:lnR w="6350" cap="flat" cmpd="sng" algn="ctr">
+                      <a:solidFill>
+                        <a:schemeClr val="tx1"/>
+                      </a:solidFill>
+                      <a:prstDash val="solid"/>
+                      <a:round/>
+                      <a:headEnd type="none" w="med" len="med"/>
+                      <a:tailEnd type="none" w="med" len="med"/>
+                    </a:lnR>
+                    <a:lnT w="6350" cap="flat" cmpd="sng" algn="ctr">
+                      <a:solidFill>
+                        <a:schemeClr val="tx1"/>
+                      </a:solidFill>
+                      <a:prstDash val="solid"/>
+                      <a:round/>
+                      <a:headEnd type="none" w="med" len="med"/>
+                      <a:tailEnd type="none" w="med" len="med"/>
+                    </a:lnT>
+                    <a:lnB w="6350" cap="flat" cmpd="sng" algn="ctr">
+                      <a:solidFill>
+                        <a:schemeClr val="tx1"/>
+                      </a:solidFill>
+                      <a:prstDash val="solid"/>
+                      <a:round/>
+                      <a:headEnd type="none" w="med" len="med"/>
+                      <a:tailEnd type="none" w="med" len="med"/>
+                    </a:lnB>
+                    <a:solidFill>
+                      <a:srgbClr val="F6F8FC"/>
+                    </a:solidFill>
+                  </a:tcPr>
+                </a:tc>
+                <a:extLst>
+                  <a:ext uri="{0D108BD9-81ED-4DB2-BD59-A6C34878D82A}">
+                    <a16:rowId xmlns:a16="http://schemas.microsoft.com/office/drawing/2014/main" val="1134691192"/>
+                  </a:ext>
+                </a:extLst>
+              </a:tr>
+            </a:tbl>
+          </a:graphicData>
+        </a:graphic>
+      </p:graphicFrame>
+      <p:graphicFrame>
+        <p:nvGraphicFramePr>
+          <p:cNvPr id="14" name="표 13"/>
+          <p:cNvGraphicFramePr>
+            <a:graphicFrameLocks noGrp="1"/>
+          </p:cNvGraphicFramePr>
+          <p:nvPr>
+            <p:extLst>
+              <p:ext uri="{D42A27DB-BD31-4B8C-83A1-F6EECF244321}">
+                <p14:modId xmlns:p14="http://schemas.microsoft.com/office/powerpoint/2010/main" val="1275624264"/>
+              </p:ext>
+            </p:extLst>
+          </p:nvPr>
+        </p:nvGraphicFramePr>
+        <p:xfrm>
+          <a:off x="6747574" y="887918"/>
+          <a:ext cx="4248000" cy="2016000"/>
+        </p:xfrm>
+        <a:graphic>
+          <a:graphicData uri="http://schemas.openxmlformats.org/drawingml/2006/table">
+            <a:tbl>
+              <a:tblPr firstRow="1" bandRow="1">
+                <a:tableStyleId>{5C22544A-7EE6-4342-B048-85BDC9FD1C3A}</a:tableStyleId>
+              </a:tblPr>
+              <a:tblGrid>
+                <a:gridCol w="1548000">
+                  <a:extLst>
+                    <a:ext uri="{9D8B030D-6E8A-4147-A177-3AD203B41FA5}">
+                      <a16:colId xmlns:a16="http://schemas.microsoft.com/office/drawing/2014/main" val="3463867517"/>
+                    </a:ext>
+                  </a:extLst>
+                </a:gridCol>
+                <a:gridCol w="900000">
+                  <a:extLst>
+                    <a:ext uri="{9D8B030D-6E8A-4147-A177-3AD203B41FA5}">
+                      <a16:colId xmlns:a16="http://schemas.microsoft.com/office/drawing/2014/main" val="3302509317"/>
+                    </a:ext>
+                  </a:extLst>
+                </a:gridCol>
+                <a:gridCol w="900000">
+                  <a:extLst>
+                    <a:ext uri="{9D8B030D-6E8A-4147-A177-3AD203B41FA5}">
+                      <a16:colId xmlns:a16="http://schemas.microsoft.com/office/drawing/2014/main" val="524061593"/>
+                    </a:ext>
+                  </a:extLst>
+                </a:gridCol>
+                <a:gridCol w="900000">
+                  <a:extLst>
+                    <a:ext uri="{9D8B030D-6E8A-4147-A177-3AD203B41FA5}">
+                      <a16:colId xmlns:a16="http://schemas.microsoft.com/office/drawing/2014/main" val="2410042222"/>
+                    </a:ext>
+                  </a:extLst>
+                </a:gridCol>
+              </a:tblGrid>
+              <a:tr h="288000">
+                <a:tc>
+                  <a:txBody>
+                    <a:bodyPr/>
+                    <a:lstStyle/>
+                    <a:p>
+                      <a:pPr algn="ctr" latinLnBrk="1"/>
+                      <a:r>
+                        <a:rPr lang="ko-KR" altLang="en-US" sz="1200" b="0" dirty="0" smtClean="0">
+                          <a:latin typeface="삼성긴고딕OTF Medium" panose="020B0600000101010101" pitchFamily="34" charset="-127"/>
+                          <a:ea typeface="삼성긴고딕OTF Medium" panose="020B0600000101010101" pitchFamily="34" charset="-127"/>
+                        </a:rPr>
+                        <a:t>상품명</a:t>
+                      </a:r>
+                      <a:endParaRPr lang="ko-KR" altLang="en-US" sz="1200" b="0" dirty="0">
+                        <a:latin typeface="삼성긴고딕OTF Medium" panose="020B0600000101010101" pitchFamily="34" charset="-127"/>
+                        <a:ea typeface="삼성긴고딕OTF Medium" panose="020B0600000101010101" pitchFamily="34" charset="-127"/>
+                      </a:endParaRPr>
+                    </a:p>
+                  </a:txBody>
+                  <a:tcPr>
+                    <a:lnL w="6350" cap="flat" cmpd="sng" algn="ctr">
+                      <a:solidFill>
+                        <a:schemeClr val="tx1"/>
+                      </a:solidFill>
+                      <a:prstDash val="solid"/>
+                      <a:round/>
+                      <a:headEnd type="none" w="med" len="med"/>
+                      <a:tailEnd type="none" w="med" len="med"/>
+                    </a:lnL>
+                    <a:lnR w="6350" cap="flat" cmpd="sng" algn="ctr">
+                      <a:solidFill>
+                        <a:schemeClr val="tx1"/>
+                      </a:solidFill>
+                      <a:prstDash val="solid"/>
+                      <a:round/>
+                      <a:headEnd type="none" w="med" len="med"/>
+                      <a:tailEnd type="none" w="med" len="med"/>
+                    </a:lnR>
+                    <a:lnT w="6350" cap="flat" cmpd="sng" algn="ctr">
+                      <a:solidFill>
+                        <a:schemeClr val="tx1"/>
+                      </a:solidFill>
+                      <a:prstDash val="solid"/>
+                      <a:round/>
+                      <a:headEnd type="none" w="med" len="med"/>
+                      <a:tailEnd type="none" w="med" len="med"/>
+                    </a:lnT>
+                    <a:lnB w="6350" cap="flat" cmpd="sng" algn="ctr">
+                      <a:solidFill>
+                        <a:schemeClr val="tx1"/>
+                      </a:solidFill>
+                      <a:prstDash val="solid"/>
+                      <a:round/>
+                      <a:headEnd type="none" w="med" len="med"/>
+                      <a:tailEnd type="none" w="med" len="med"/>
+                    </a:lnB>
+                    <a:solidFill>
+                      <a:schemeClr val="accent4"/>
+                    </a:solidFill>
+                  </a:tcPr>
+                </a:tc>
+                <a:tc>
+                  <a:txBody>
+                    <a:bodyPr/>
+                    <a:lstStyle/>
+                    <a:p>
+                      <a:pPr algn="ctr" latinLnBrk="1"/>
+                      <a:r>
+                        <a:rPr lang="ko-KR" altLang="en-US" sz="1200" b="0" dirty="0" smtClean="0">
+                          <a:latin typeface="삼성긴고딕OTF Medium" panose="020B0600000101010101" pitchFamily="34" charset="-127"/>
+                          <a:ea typeface="삼성긴고딕OTF Medium" panose="020B0600000101010101" pitchFamily="34" charset="-127"/>
+                        </a:rPr>
+                        <a:t>판매처</a:t>
+                      </a:r>
+                      <a:endParaRPr lang="ko-KR" altLang="en-US" sz="1200" b="0" dirty="0">
+                        <a:latin typeface="삼성긴고딕OTF Medium" panose="020B0600000101010101" pitchFamily="34" charset="-127"/>
+                        <a:ea typeface="삼성긴고딕OTF Medium" panose="020B0600000101010101" pitchFamily="34" charset="-127"/>
+                      </a:endParaRPr>
+                    </a:p>
+                  </a:txBody>
+                  <a:tcPr>
+                    <a:lnL w="6350" cap="flat" cmpd="sng" algn="ctr">
+                      <a:solidFill>
+                        <a:schemeClr val="tx1"/>
+                      </a:solidFill>
+                      <a:prstDash val="solid"/>
+                      <a:round/>
+                      <a:headEnd type="none" w="med" len="med"/>
+                      <a:tailEnd type="none" w="med" len="med"/>
+                    </a:lnL>
+                    <a:lnR w="6350" cap="flat" cmpd="sng" algn="ctr">
+                      <a:solidFill>
+                        <a:schemeClr val="tx1"/>
+                      </a:solidFill>
+                      <a:prstDash val="solid"/>
+                      <a:round/>
+                      <a:headEnd type="none" w="med" len="med"/>
+                      <a:tailEnd type="none" w="med" len="med"/>
+                    </a:lnR>
+                    <a:lnT w="6350" cap="flat" cmpd="sng" algn="ctr">
+                      <a:solidFill>
+                        <a:schemeClr val="tx1"/>
+                      </a:solidFill>
+                      <a:prstDash val="solid"/>
+                      <a:round/>
+                      <a:headEnd type="none" w="med" len="med"/>
+                      <a:tailEnd type="none" w="med" len="med"/>
+                    </a:lnT>
+                    <a:lnB w="6350" cap="flat" cmpd="sng" algn="ctr">
+                      <a:solidFill>
+                        <a:schemeClr val="tx1"/>
+                      </a:solidFill>
+                      <a:prstDash val="solid"/>
+                      <a:round/>
+                      <a:headEnd type="none" w="med" len="med"/>
+                      <a:tailEnd type="none" w="med" len="med"/>
+                    </a:lnB>
+                    <a:solidFill>
+                      <a:schemeClr val="accent4"/>
+                    </a:solidFill>
+                  </a:tcPr>
+                </a:tc>
+                <a:tc>
+                  <a:txBody>
+                    <a:bodyPr/>
+                    <a:lstStyle/>
+                    <a:p>
+                      <a:pPr algn="ctr" latinLnBrk="1"/>
+                      <a:r>
+                        <a:rPr lang="ko-KR" altLang="en-US" sz="1200" b="0" dirty="0" smtClean="0">
+                          <a:latin typeface="삼성긴고딕OTF Medium" panose="020B0600000101010101" pitchFamily="34" charset="-127"/>
+                          <a:ea typeface="삼성긴고딕OTF Medium" panose="020B0600000101010101" pitchFamily="34" charset="-127"/>
+                        </a:rPr>
+                        <a:t>가격</a:t>
+                      </a:r>
+                      <a:endParaRPr lang="ko-KR" altLang="en-US" sz="1200" b="0" dirty="0">
+                        <a:latin typeface="삼성긴고딕OTF Medium" panose="020B0600000101010101" pitchFamily="34" charset="-127"/>
+                        <a:ea typeface="삼성긴고딕OTF Medium" panose="020B0600000101010101" pitchFamily="34" charset="-127"/>
+                      </a:endParaRPr>
+                    </a:p>
+                  </a:txBody>
+                  <a:tcPr>
+                    <a:lnL w="6350" cap="flat" cmpd="sng" algn="ctr">
+                      <a:solidFill>
+                        <a:schemeClr val="tx1"/>
+                      </a:solidFill>
+                      <a:prstDash val="solid"/>
+                      <a:round/>
+                      <a:headEnd type="none" w="med" len="med"/>
+                      <a:tailEnd type="none" w="med" len="med"/>
+                    </a:lnL>
+                    <a:lnR w="6350" cap="flat" cmpd="sng" algn="ctr">
+                      <a:solidFill>
+                        <a:schemeClr val="tx1"/>
+                      </a:solidFill>
+                      <a:prstDash val="solid"/>
+                      <a:round/>
+                      <a:headEnd type="none" w="med" len="med"/>
+                      <a:tailEnd type="none" w="med" len="med"/>
+                    </a:lnR>
+                    <a:lnT w="6350" cap="flat" cmpd="sng" algn="ctr">
+                      <a:solidFill>
+                        <a:schemeClr val="tx1"/>
+                      </a:solidFill>
+                      <a:prstDash val="solid"/>
+                      <a:round/>
+                      <a:headEnd type="none" w="med" len="med"/>
+                      <a:tailEnd type="none" w="med" len="med"/>
+                    </a:lnT>
+                    <a:lnB w="6350" cap="flat" cmpd="sng" algn="ctr">
+                      <a:solidFill>
+                        <a:schemeClr val="tx1"/>
+                      </a:solidFill>
+                      <a:prstDash val="solid"/>
+                      <a:round/>
+                      <a:headEnd type="none" w="med" len="med"/>
+                      <a:tailEnd type="none" w="med" len="med"/>
+                    </a:lnB>
+                    <a:solidFill>
+                      <a:schemeClr val="accent4"/>
+                    </a:solidFill>
+                  </a:tcPr>
+                </a:tc>
+                <a:tc>
+                  <a:txBody>
+                    <a:bodyPr/>
+                    <a:lstStyle/>
+                    <a:p>
+                      <a:pPr algn="ctr" latinLnBrk="1"/>
+                      <a:r>
+                        <a:rPr lang="ko-KR" altLang="en-US" sz="1200" b="0" dirty="0" smtClean="0">
+                          <a:latin typeface="삼성긴고딕OTF Medium" panose="020B0600000101010101" pitchFamily="34" charset="-127"/>
+                          <a:ea typeface="삼성긴고딕OTF Medium" panose="020B0600000101010101" pitchFamily="34" charset="-127"/>
+                        </a:rPr>
+                        <a:t>할인가</a:t>
+                      </a:r>
+                      <a:endParaRPr lang="ko-KR" altLang="en-US" sz="1200" b="0" dirty="0">
+                        <a:latin typeface="삼성긴고딕OTF Medium" panose="020B0600000101010101" pitchFamily="34" charset="-127"/>
+                        <a:ea typeface="삼성긴고딕OTF Medium" panose="020B0600000101010101" pitchFamily="34" charset="-127"/>
+                      </a:endParaRPr>
+                    </a:p>
+                  </a:txBody>
+                  <a:tcPr>
+                    <a:lnL w="6350" cap="flat" cmpd="sng" algn="ctr">
+                      <a:solidFill>
+                        <a:schemeClr val="tx1"/>
+                      </a:solidFill>
+                      <a:prstDash val="solid"/>
+                      <a:round/>
+                      <a:headEnd type="none" w="med" len="med"/>
+                      <a:tailEnd type="none" w="med" len="med"/>
+                    </a:lnL>
+                    <a:lnR w="6350" cap="flat" cmpd="sng" algn="ctr">
+                      <a:solidFill>
+                        <a:schemeClr val="tx1"/>
+                      </a:solidFill>
+                      <a:prstDash val="solid"/>
+                      <a:round/>
+                      <a:headEnd type="none" w="med" len="med"/>
+                      <a:tailEnd type="none" w="med" len="med"/>
+                    </a:lnR>
+                    <a:lnT w="6350" cap="flat" cmpd="sng" algn="ctr">
+                      <a:solidFill>
+                        <a:schemeClr val="tx1"/>
+                      </a:solidFill>
+                      <a:prstDash val="solid"/>
+                      <a:round/>
+                      <a:headEnd type="none" w="med" len="med"/>
+                      <a:tailEnd type="none" w="med" len="med"/>
+                    </a:lnT>
+                    <a:lnB w="6350" cap="flat" cmpd="sng" algn="ctr">
+                      <a:solidFill>
+                        <a:schemeClr val="tx1"/>
+                      </a:solidFill>
+                      <a:prstDash val="solid"/>
+                      <a:round/>
+                      <a:headEnd type="none" w="med" len="med"/>
+                      <a:tailEnd type="none" w="med" len="med"/>
+                    </a:lnB>
+                    <a:solidFill>
+                      <a:schemeClr val="accent4"/>
+                    </a:solidFill>
+                  </a:tcPr>
+                </a:tc>
+                <a:extLst>
+                  <a:ext uri="{0D108BD9-81ED-4DB2-BD59-A6C34878D82A}">
+                    <a16:rowId xmlns:a16="http://schemas.microsoft.com/office/drawing/2014/main" val="278685539"/>
+                  </a:ext>
+                </a:extLst>
+              </a:tr>
+              <a:tr h="288000">
+                <a:tc>
+                  <a:txBody>
+                    <a:bodyPr/>
+                    <a:lstStyle/>
+                    <a:p>
+                      <a:pPr algn="ctr" latinLnBrk="1"/>
+                      <a:r>
+                        <a:rPr lang="ko-KR" altLang="en-US" sz="1100" dirty="0" err="1" smtClean="0">
+                          <a:latin typeface="삼성긴고딕OTF Regular" panose="020B0600000101010101" pitchFamily="34" charset="-127"/>
+                          <a:ea typeface="삼성긴고딕OTF Regular" panose="020B0600000101010101" pitchFamily="34" charset="-127"/>
+                        </a:rPr>
+                        <a:t>이펙티브</a:t>
+                      </a:r>
+                      <a:r>
+                        <a:rPr lang="ko-KR" altLang="en-US" sz="1100" dirty="0" smtClean="0">
+                          <a:latin typeface="삼성긴고딕OTF Regular" panose="020B0600000101010101" pitchFamily="34" charset="-127"/>
+                          <a:ea typeface="삼성긴고딕OTF Regular" panose="020B0600000101010101" pitchFamily="34" charset="-127"/>
+                        </a:rPr>
+                        <a:t> 자바</a:t>
+                      </a:r>
+                      <a:endParaRPr lang="ko-KR" altLang="en-US" sz="1100" dirty="0">
+                        <a:latin typeface="삼성긴고딕OTF Regular" panose="020B0600000101010101" pitchFamily="34" charset="-127"/>
+                        <a:ea typeface="삼성긴고딕OTF Regular" panose="020B0600000101010101" pitchFamily="34" charset="-127"/>
+                      </a:endParaRPr>
+                    </a:p>
+                  </a:txBody>
+                  <a:tcPr>
+                    <a:lnL w="6350" cap="flat" cmpd="sng" algn="ctr">
+                      <a:solidFill>
+                        <a:schemeClr val="tx1"/>
+                      </a:solidFill>
+                      <a:prstDash val="solid"/>
+                      <a:round/>
+                      <a:headEnd type="none" w="med" len="med"/>
+                      <a:tailEnd type="none" w="med" len="med"/>
+                    </a:lnL>
+                    <a:lnR w="6350" cap="flat" cmpd="sng" algn="ctr">
+                      <a:solidFill>
+                        <a:schemeClr val="tx1"/>
+                      </a:solidFill>
+                      <a:prstDash val="solid"/>
+                      <a:round/>
+                      <a:headEnd type="none" w="med" len="med"/>
+                      <a:tailEnd type="none" w="med" len="med"/>
+                    </a:lnR>
+                    <a:lnT w="6350" cap="flat" cmpd="sng" algn="ctr">
+                      <a:solidFill>
+                        <a:schemeClr val="tx1"/>
+                      </a:solidFill>
+                      <a:prstDash val="solid"/>
+                      <a:round/>
+                      <a:headEnd type="none" w="med" len="med"/>
+                      <a:tailEnd type="none" w="med" len="med"/>
+                    </a:lnT>
+                    <a:lnB w="6350" cap="flat" cmpd="sng" algn="ctr">
+                      <a:solidFill>
+                        <a:schemeClr val="tx1"/>
+                      </a:solidFill>
+                      <a:prstDash val="solid"/>
+                      <a:round/>
+                      <a:headEnd type="none" w="med" len="med"/>
+                      <a:tailEnd type="none" w="med" len="med"/>
+                    </a:lnB>
+                    <a:solidFill>
+                      <a:srgbClr val="F6F8FC"/>
+                    </a:solidFill>
+                  </a:tcPr>
+                </a:tc>
+                <a:tc>
+                  <a:txBody>
+                    <a:bodyPr/>
+                    <a:lstStyle/>
+                    <a:p>
+                      <a:pPr algn="ctr" latinLnBrk="1"/>
+                      <a:r>
+                        <a:rPr lang="en-US" altLang="ko-KR" sz="1100" dirty="0" smtClean="0">
+                          <a:latin typeface="삼성긴고딕OTF Regular" panose="020B0600000101010101" pitchFamily="34" charset="-127"/>
+                          <a:ea typeface="삼성긴고딕OTF Regular" panose="020B0600000101010101" pitchFamily="34" charset="-127"/>
+                        </a:rPr>
+                        <a:t>YES</a:t>
+                      </a:r>
+                      <a:r>
+                        <a:rPr lang="en-US" altLang="ko-KR" sz="1100" baseline="0" dirty="0" smtClean="0">
+                          <a:latin typeface="삼성긴고딕OTF Regular" panose="020B0600000101010101" pitchFamily="34" charset="-127"/>
+                          <a:ea typeface="삼성긴고딕OTF Regular" panose="020B0600000101010101" pitchFamily="34" charset="-127"/>
+                        </a:rPr>
+                        <a:t> 24</a:t>
+                      </a:r>
+                      <a:endParaRPr lang="ko-KR" altLang="en-US" sz="1100" dirty="0">
+                        <a:latin typeface="삼성긴고딕OTF Regular" panose="020B0600000101010101" pitchFamily="34" charset="-127"/>
+                        <a:ea typeface="삼성긴고딕OTF Regular" panose="020B0600000101010101" pitchFamily="34" charset="-127"/>
+                      </a:endParaRPr>
+                    </a:p>
+                  </a:txBody>
+                  <a:tcPr>
+                    <a:lnL w="6350" cap="flat" cmpd="sng" algn="ctr">
+                      <a:solidFill>
+                        <a:schemeClr val="tx1"/>
+                      </a:solidFill>
+                      <a:prstDash val="solid"/>
+                      <a:round/>
+                      <a:headEnd type="none" w="med" len="med"/>
+                      <a:tailEnd type="none" w="med" len="med"/>
+                    </a:lnL>
+                    <a:lnR w="6350" cap="flat" cmpd="sng" algn="ctr">
+                      <a:solidFill>
+                        <a:schemeClr val="tx1"/>
+                      </a:solidFill>
+                      <a:prstDash val="solid"/>
+                      <a:round/>
+                      <a:headEnd type="none" w="med" len="med"/>
+                      <a:tailEnd type="none" w="med" len="med"/>
+                    </a:lnR>
+                    <a:lnT w="6350" cap="flat" cmpd="sng" algn="ctr">
+                      <a:solidFill>
+                        <a:schemeClr val="tx1"/>
+                      </a:solidFill>
+                      <a:prstDash val="solid"/>
+                      <a:round/>
+                      <a:headEnd type="none" w="med" len="med"/>
+                      <a:tailEnd type="none" w="med" len="med"/>
+                    </a:lnT>
+                    <a:lnB w="6350" cap="flat" cmpd="sng" algn="ctr">
+                      <a:solidFill>
+                        <a:schemeClr val="tx1"/>
+                      </a:solidFill>
+                      <a:prstDash val="solid"/>
+                      <a:round/>
+                      <a:headEnd type="none" w="med" len="med"/>
+                      <a:tailEnd type="none" w="med" len="med"/>
+                    </a:lnB>
+                    <a:solidFill>
+                      <a:srgbClr val="F6F8FC"/>
+                    </a:solidFill>
+                  </a:tcPr>
+                </a:tc>
+                <a:tc>
+                  <a:txBody>
+                    <a:bodyPr/>
+                    <a:lstStyle/>
+                    <a:p>
+                      <a:pPr algn="ctr" latinLnBrk="1"/>
+                      <a:r>
+                        <a:rPr lang="en-US" altLang="ko-KR" sz="1100" dirty="0" smtClean="0">
+                          <a:latin typeface="삼성긴고딕OTF Regular" panose="020B0600000101010101" pitchFamily="34" charset="-127"/>
+                          <a:ea typeface="삼성긴고딕OTF Regular" panose="020B0600000101010101" pitchFamily="34" charset="-127"/>
+                        </a:rPr>
+                        <a:t>36,000</a:t>
+                      </a:r>
+                      <a:r>
+                        <a:rPr lang="ko-KR" altLang="en-US" sz="1100" dirty="0" smtClean="0">
+                          <a:latin typeface="삼성긴고딕OTF Regular" panose="020B0600000101010101" pitchFamily="34" charset="-127"/>
+                          <a:ea typeface="삼성긴고딕OTF Regular" panose="020B0600000101010101" pitchFamily="34" charset="-127"/>
+                        </a:rPr>
+                        <a:t>원</a:t>
+                      </a:r>
+                      <a:endParaRPr lang="ko-KR" altLang="en-US" sz="1100" dirty="0">
+                        <a:latin typeface="삼성긴고딕OTF Regular" panose="020B0600000101010101" pitchFamily="34" charset="-127"/>
+                        <a:ea typeface="삼성긴고딕OTF Regular" panose="020B0600000101010101" pitchFamily="34" charset="-127"/>
+                      </a:endParaRPr>
+                    </a:p>
+                  </a:txBody>
+                  <a:tcPr>
+                    <a:lnL w="6350" cap="flat" cmpd="sng" algn="ctr">
+                      <a:solidFill>
+                        <a:schemeClr val="tx1"/>
+                      </a:solidFill>
+                      <a:prstDash val="solid"/>
+                      <a:round/>
+                      <a:headEnd type="none" w="med" len="med"/>
+                      <a:tailEnd type="none" w="med" len="med"/>
+                    </a:lnL>
+                    <a:lnR w="6350" cap="flat" cmpd="sng" algn="ctr">
+                      <a:solidFill>
+                        <a:schemeClr val="tx1"/>
+                      </a:solidFill>
+                      <a:prstDash val="solid"/>
+                      <a:round/>
+                      <a:headEnd type="none" w="med" len="med"/>
+                      <a:tailEnd type="none" w="med" len="med"/>
+                    </a:lnR>
+                    <a:lnT w="6350" cap="flat" cmpd="sng" algn="ctr">
+                      <a:solidFill>
+                        <a:schemeClr val="tx1"/>
+                      </a:solidFill>
+                      <a:prstDash val="solid"/>
+                      <a:round/>
+                      <a:headEnd type="none" w="med" len="med"/>
+                      <a:tailEnd type="none" w="med" len="med"/>
+                    </a:lnT>
+                    <a:lnB w="6350" cap="flat" cmpd="sng" algn="ctr">
+                      <a:solidFill>
+                        <a:schemeClr val="tx1"/>
+                      </a:solidFill>
+                      <a:prstDash val="solid"/>
+                      <a:round/>
+                      <a:headEnd type="none" w="med" len="med"/>
+                      <a:tailEnd type="none" w="med" len="med"/>
+                    </a:lnB>
+                    <a:solidFill>
+                      <a:srgbClr val="F6F8FC"/>
+                    </a:solidFill>
+                  </a:tcPr>
+                </a:tc>
+                <a:tc>
+                  <a:txBody>
+                    <a:bodyPr/>
+                    <a:lstStyle/>
+                    <a:p>
+                      <a:pPr algn="ctr" latinLnBrk="1"/>
+                      <a:r>
+                        <a:rPr lang="en-US" altLang="ko-KR" sz="1100" dirty="0" smtClean="0">
+                          <a:latin typeface="삼성긴고딕OTF Regular" panose="020B0600000101010101" pitchFamily="34" charset="-127"/>
+                          <a:ea typeface="삼성긴고딕OTF Regular" panose="020B0600000101010101" pitchFamily="34" charset="-127"/>
+                        </a:rPr>
+                        <a:t>32,000</a:t>
+                      </a:r>
+                      <a:r>
+                        <a:rPr lang="ko-KR" altLang="en-US" sz="1100" dirty="0" smtClean="0">
+                          <a:latin typeface="삼성긴고딕OTF Regular" panose="020B0600000101010101" pitchFamily="34" charset="-127"/>
+                          <a:ea typeface="삼성긴고딕OTF Regular" panose="020B0600000101010101" pitchFamily="34" charset="-127"/>
+                        </a:rPr>
+                        <a:t>원</a:t>
+                      </a:r>
+                      <a:endParaRPr lang="ko-KR" altLang="en-US" sz="1100" dirty="0">
+                        <a:latin typeface="삼성긴고딕OTF Regular" panose="020B0600000101010101" pitchFamily="34" charset="-127"/>
+                        <a:ea typeface="삼성긴고딕OTF Regular" panose="020B0600000101010101" pitchFamily="34" charset="-127"/>
+                      </a:endParaRPr>
+                    </a:p>
+                  </a:txBody>
+                  <a:tcPr>
+                    <a:lnL w="6350" cap="flat" cmpd="sng" algn="ctr">
+                      <a:solidFill>
+                        <a:schemeClr val="tx1"/>
+                      </a:solidFill>
+                      <a:prstDash val="solid"/>
+                      <a:round/>
+                      <a:headEnd type="none" w="med" len="med"/>
+                      <a:tailEnd type="none" w="med" len="med"/>
+                    </a:lnL>
+                    <a:lnR w="6350" cap="flat" cmpd="sng" algn="ctr">
+                      <a:solidFill>
+                        <a:schemeClr val="tx1"/>
+                      </a:solidFill>
+                      <a:prstDash val="solid"/>
+                      <a:round/>
+                      <a:headEnd type="none" w="med" len="med"/>
+                      <a:tailEnd type="none" w="med" len="med"/>
+                    </a:lnR>
+                    <a:lnT w="6350" cap="flat" cmpd="sng" algn="ctr">
+                      <a:solidFill>
+                        <a:schemeClr val="tx1"/>
+                      </a:solidFill>
+                      <a:prstDash val="solid"/>
+                      <a:round/>
+                      <a:headEnd type="none" w="med" len="med"/>
+                      <a:tailEnd type="none" w="med" len="med"/>
+                    </a:lnT>
+                    <a:lnB w="6350" cap="flat" cmpd="sng" algn="ctr">
+                      <a:solidFill>
+                        <a:schemeClr val="tx1"/>
+                      </a:solidFill>
+                      <a:prstDash val="solid"/>
+                      <a:round/>
+                      <a:headEnd type="none" w="med" len="med"/>
+                      <a:tailEnd type="none" w="med" len="med"/>
+                    </a:lnB>
+                    <a:solidFill>
+                      <a:srgbClr val="F6F8FC"/>
+                    </a:solidFill>
+                  </a:tcPr>
+                </a:tc>
+                <a:extLst>
+                  <a:ext uri="{0D108BD9-81ED-4DB2-BD59-A6C34878D82A}">
+                    <a16:rowId xmlns:a16="http://schemas.microsoft.com/office/drawing/2014/main" val="1316063722"/>
+                  </a:ext>
+                </a:extLst>
+              </a:tr>
+              <a:tr h="288000">
+                <a:tc>
+                  <a:txBody>
+                    <a:bodyPr/>
+                    <a:lstStyle/>
+                    <a:p>
+                      <a:pPr algn="ctr" latinLnBrk="1"/>
+                      <a:r>
+                        <a:rPr lang="ko-KR" altLang="en-US" sz="1100" dirty="0" smtClean="0">
+                          <a:latin typeface="삼성긴고딕OTF Regular" panose="020B0600000101010101" pitchFamily="34" charset="-127"/>
+                          <a:ea typeface="삼성긴고딕OTF Regular" panose="020B0600000101010101" pitchFamily="34" charset="-127"/>
+                        </a:rPr>
+                        <a:t>모던 자바 인 액션</a:t>
+                      </a:r>
+                      <a:endParaRPr lang="ko-KR" altLang="en-US" sz="1100" dirty="0">
+                        <a:latin typeface="삼성긴고딕OTF Regular" panose="020B0600000101010101" pitchFamily="34" charset="-127"/>
+                        <a:ea typeface="삼성긴고딕OTF Regular" panose="020B0600000101010101" pitchFamily="34" charset="-127"/>
+                      </a:endParaRPr>
+                    </a:p>
+                  </a:txBody>
+                  <a:tcPr>
+                    <a:lnL w="6350" cap="flat" cmpd="sng" algn="ctr">
+                      <a:solidFill>
+                        <a:schemeClr val="tx1"/>
+                      </a:solidFill>
+                      <a:prstDash val="solid"/>
+                      <a:round/>
+                      <a:headEnd type="none" w="med" len="med"/>
+                      <a:tailEnd type="none" w="med" len="med"/>
+                    </a:lnL>
+                    <a:lnR w="6350" cap="flat" cmpd="sng" algn="ctr">
+                      <a:solidFill>
+                        <a:schemeClr val="tx1"/>
+                      </a:solidFill>
+                      <a:prstDash val="solid"/>
+                      <a:round/>
+                      <a:headEnd type="none" w="med" len="med"/>
+                      <a:tailEnd type="none" w="med" len="med"/>
+                    </a:lnR>
+                    <a:lnT w="6350" cap="flat" cmpd="sng" algn="ctr">
+                      <a:solidFill>
+                        <a:schemeClr val="tx1"/>
+                      </a:solidFill>
+                      <a:prstDash val="solid"/>
+                      <a:round/>
+                      <a:headEnd type="none" w="med" len="med"/>
+                      <a:tailEnd type="none" w="med" len="med"/>
+                    </a:lnT>
+                    <a:lnB w="6350" cap="flat" cmpd="sng" algn="ctr">
+                      <a:solidFill>
+                        <a:schemeClr val="tx1"/>
+                      </a:solidFill>
+                      <a:prstDash val="solid"/>
+                      <a:round/>
+                      <a:headEnd type="none" w="med" len="med"/>
+                      <a:tailEnd type="none" w="med" len="med"/>
+                    </a:lnB>
+                    <a:solidFill>
+                      <a:srgbClr val="F6F8FC"/>
+                    </a:solidFill>
+                  </a:tcPr>
+                </a:tc>
+                <a:tc>
+                  <a:txBody>
+                    <a:bodyPr/>
+                    <a:lstStyle/>
+                    <a:p>
+                      <a:pPr algn="ctr" latinLnBrk="1"/>
+                      <a:r>
+                        <a:rPr lang="ko-KR" altLang="en-US" sz="1100" dirty="0" err="1" smtClean="0">
+                          <a:latin typeface="삼성긴고딕OTF Regular" panose="020B0600000101010101" pitchFamily="34" charset="-127"/>
+                          <a:ea typeface="삼성긴고딕OTF Regular" panose="020B0600000101010101" pitchFamily="34" charset="-127"/>
+                        </a:rPr>
+                        <a:t>교보문고</a:t>
+                      </a:r>
+                      <a:endParaRPr lang="ko-KR" altLang="en-US" sz="1100" dirty="0">
+                        <a:latin typeface="삼성긴고딕OTF Regular" panose="020B0600000101010101" pitchFamily="34" charset="-127"/>
+                        <a:ea typeface="삼성긴고딕OTF Regular" panose="020B0600000101010101" pitchFamily="34" charset="-127"/>
+                      </a:endParaRPr>
+                    </a:p>
+                  </a:txBody>
+                  <a:tcPr>
+                    <a:lnL w="6350" cap="flat" cmpd="sng" algn="ctr">
+                      <a:solidFill>
+                        <a:schemeClr val="tx1"/>
+                      </a:solidFill>
+                      <a:prstDash val="solid"/>
+                      <a:round/>
+                      <a:headEnd type="none" w="med" len="med"/>
+                      <a:tailEnd type="none" w="med" len="med"/>
+                    </a:lnL>
+                    <a:lnR w="6350" cap="flat" cmpd="sng" algn="ctr">
+                      <a:solidFill>
+                        <a:schemeClr val="tx1"/>
+                      </a:solidFill>
+                      <a:prstDash val="solid"/>
+                      <a:round/>
+                      <a:headEnd type="none" w="med" len="med"/>
+                      <a:tailEnd type="none" w="med" len="med"/>
+                    </a:lnR>
+                    <a:lnT w="6350" cap="flat" cmpd="sng" algn="ctr">
+                      <a:solidFill>
+                        <a:schemeClr val="tx1"/>
+                      </a:solidFill>
+                      <a:prstDash val="solid"/>
+                      <a:round/>
+                      <a:headEnd type="none" w="med" len="med"/>
+                      <a:tailEnd type="none" w="med" len="med"/>
+                    </a:lnT>
+                    <a:lnB w="6350" cap="flat" cmpd="sng" algn="ctr">
+                      <a:solidFill>
+                        <a:schemeClr val="tx1"/>
+                      </a:solidFill>
+                      <a:prstDash val="solid"/>
+                      <a:round/>
+                      <a:headEnd type="none" w="med" len="med"/>
+                      <a:tailEnd type="none" w="med" len="med"/>
+                    </a:lnB>
+                    <a:solidFill>
+                      <a:srgbClr val="F6F8FC"/>
+                    </a:solidFill>
+                  </a:tcPr>
+                </a:tc>
+                <a:tc>
+                  <a:txBody>
+                    <a:bodyPr/>
+                    <a:lstStyle/>
+                    <a:p>
+                      <a:pPr algn="ctr" latinLnBrk="1"/>
+                      <a:r>
+                        <a:rPr lang="en-US" altLang="ko-KR" sz="1100" dirty="0" smtClean="0">
+                          <a:latin typeface="삼성긴고딕OTF Regular" panose="020B0600000101010101" pitchFamily="34" charset="-127"/>
+                          <a:ea typeface="삼성긴고딕OTF Regular" panose="020B0600000101010101" pitchFamily="34" charset="-127"/>
+                        </a:rPr>
+                        <a:t>33,000</a:t>
+                      </a:r>
+                      <a:r>
+                        <a:rPr lang="ko-KR" altLang="en-US" sz="1100" dirty="0" smtClean="0">
+                          <a:latin typeface="삼성긴고딕OTF Regular" panose="020B0600000101010101" pitchFamily="34" charset="-127"/>
+                          <a:ea typeface="삼성긴고딕OTF Regular" panose="020B0600000101010101" pitchFamily="34" charset="-127"/>
+                        </a:rPr>
+                        <a:t>원</a:t>
+                      </a:r>
+                      <a:endParaRPr lang="ko-KR" altLang="en-US" sz="1100" dirty="0">
+                        <a:latin typeface="삼성긴고딕OTF Regular" panose="020B0600000101010101" pitchFamily="34" charset="-127"/>
+                        <a:ea typeface="삼성긴고딕OTF Regular" panose="020B0600000101010101" pitchFamily="34" charset="-127"/>
+                      </a:endParaRPr>
+                    </a:p>
+                  </a:txBody>
+                  <a:tcPr>
+                    <a:lnL w="6350" cap="flat" cmpd="sng" algn="ctr">
+                      <a:solidFill>
+                        <a:schemeClr val="tx1"/>
+                      </a:solidFill>
+                      <a:prstDash val="solid"/>
+                      <a:round/>
+                      <a:headEnd type="none" w="med" len="med"/>
+                      <a:tailEnd type="none" w="med" len="med"/>
+                    </a:lnL>
+                    <a:lnR w="6350" cap="flat" cmpd="sng" algn="ctr">
+                      <a:solidFill>
+                        <a:schemeClr val="tx1"/>
+                      </a:solidFill>
+                      <a:prstDash val="solid"/>
+                      <a:round/>
+                      <a:headEnd type="none" w="med" len="med"/>
+                      <a:tailEnd type="none" w="med" len="med"/>
+                    </a:lnR>
+                    <a:lnT w="6350" cap="flat" cmpd="sng" algn="ctr">
+                      <a:solidFill>
+                        <a:schemeClr val="tx1"/>
+                      </a:solidFill>
+                      <a:prstDash val="solid"/>
+                      <a:round/>
+                      <a:headEnd type="none" w="med" len="med"/>
+                      <a:tailEnd type="none" w="med" len="med"/>
+                    </a:lnT>
+                    <a:lnB w="6350" cap="flat" cmpd="sng" algn="ctr">
+                      <a:solidFill>
+                        <a:schemeClr val="tx1"/>
+                      </a:solidFill>
+                      <a:prstDash val="solid"/>
+                      <a:round/>
+                      <a:headEnd type="none" w="med" len="med"/>
+                      <a:tailEnd type="none" w="med" len="med"/>
+                    </a:lnB>
+                    <a:solidFill>
+                      <a:srgbClr val="F6F8FC"/>
+                    </a:solidFill>
+                  </a:tcPr>
+                </a:tc>
+                <a:tc>
+                  <a:txBody>
+                    <a:bodyPr/>
+                    <a:lstStyle/>
+                    <a:p>
+                      <a:pPr algn="ctr" latinLnBrk="1"/>
+                      <a:r>
+                        <a:rPr lang="en-US" altLang="ko-KR" sz="1100" dirty="0" smtClean="0">
+                          <a:latin typeface="삼성긴고딕OTF Regular" panose="020B0600000101010101" pitchFamily="34" charset="-127"/>
+                          <a:ea typeface="삼성긴고딕OTF Regular" panose="020B0600000101010101" pitchFamily="34" charset="-127"/>
+                        </a:rPr>
+                        <a:t>30,200</a:t>
+                      </a:r>
+                      <a:r>
+                        <a:rPr lang="ko-KR" altLang="en-US" sz="1100" dirty="0" smtClean="0">
+                          <a:latin typeface="삼성긴고딕OTF Regular" panose="020B0600000101010101" pitchFamily="34" charset="-127"/>
+                          <a:ea typeface="삼성긴고딕OTF Regular" panose="020B0600000101010101" pitchFamily="34" charset="-127"/>
+                        </a:rPr>
+                        <a:t>원</a:t>
+                      </a:r>
+                      <a:endParaRPr lang="ko-KR" altLang="en-US" sz="1100" dirty="0">
+                        <a:latin typeface="삼성긴고딕OTF Regular" panose="020B0600000101010101" pitchFamily="34" charset="-127"/>
+                        <a:ea typeface="삼성긴고딕OTF Regular" panose="020B0600000101010101" pitchFamily="34" charset="-127"/>
+                      </a:endParaRPr>
+                    </a:p>
+                  </a:txBody>
+                  <a:tcPr>
+                    <a:lnL w="6350" cap="flat" cmpd="sng" algn="ctr">
+                      <a:solidFill>
+                        <a:schemeClr val="tx1"/>
+                      </a:solidFill>
+                      <a:prstDash val="solid"/>
+                      <a:round/>
+                      <a:headEnd type="none" w="med" len="med"/>
+                      <a:tailEnd type="none" w="med" len="med"/>
+                    </a:lnL>
+                    <a:lnR w="6350" cap="flat" cmpd="sng" algn="ctr">
+                      <a:solidFill>
+                        <a:schemeClr val="tx1"/>
+                      </a:solidFill>
+                      <a:prstDash val="solid"/>
+                      <a:round/>
+                      <a:headEnd type="none" w="med" len="med"/>
+                      <a:tailEnd type="none" w="med" len="med"/>
+                    </a:lnR>
+                    <a:lnT w="6350" cap="flat" cmpd="sng" algn="ctr">
+                      <a:solidFill>
+                        <a:schemeClr val="tx1"/>
+                      </a:solidFill>
+                      <a:prstDash val="solid"/>
+                      <a:round/>
+                      <a:headEnd type="none" w="med" len="med"/>
+                      <a:tailEnd type="none" w="med" len="med"/>
+                    </a:lnT>
+                    <a:lnB w="6350" cap="flat" cmpd="sng" algn="ctr">
+                      <a:solidFill>
+                        <a:schemeClr val="tx1"/>
+                      </a:solidFill>
+                      <a:prstDash val="solid"/>
+                      <a:round/>
+                      <a:headEnd type="none" w="med" len="med"/>
+                      <a:tailEnd type="none" w="med" len="med"/>
+                    </a:lnB>
+                    <a:solidFill>
+                      <a:srgbClr val="F6F8FC"/>
+                    </a:solidFill>
+                  </a:tcPr>
+                </a:tc>
+                <a:extLst>
+                  <a:ext uri="{0D108BD9-81ED-4DB2-BD59-A6C34878D82A}">
+                    <a16:rowId xmlns:a16="http://schemas.microsoft.com/office/drawing/2014/main" val="2287395797"/>
+                  </a:ext>
+                </a:extLst>
+              </a:tr>
+              <a:tr h="288000">
+                <a:tc>
+                  <a:txBody>
+                    <a:bodyPr/>
+                    <a:lstStyle/>
+                    <a:p>
+                      <a:pPr algn="ctr" latinLnBrk="1"/>
+                      <a:r>
+                        <a:rPr lang="ko-KR" altLang="en-US" sz="1100" dirty="0" smtClean="0">
+                          <a:latin typeface="삼성긴고딕OTF Regular" panose="020B0600000101010101" pitchFamily="34" charset="-127"/>
+                          <a:ea typeface="삼성긴고딕OTF Regular" panose="020B0600000101010101" pitchFamily="34" charset="-127"/>
+                        </a:rPr>
+                        <a:t>모던 자바 인 액션</a:t>
+                      </a:r>
+                      <a:endParaRPr lang="ko-KR" altLang="en-US" sz="1100" dirty="0">
+                        <a:latin typeface="삼성긴고딕OTF Regular" panose="020B0600000101010101" pitchFamily="34" charset="-127"/>
+                        <a:ea typeface="삼성긴고딕OTF Regular" panose="020B0600000101010101" pitchFamily="34" charset="-127"/>
+                      </a:endParaRPr>
+                    </a:p>
+                  </a:txBody>
+                  <a:tcPr>
+                    <a:lnL w="6350" cap="flat" cmpd="sng" algn="ctr">
+                      <a:solidFill>
+                        <a:schemeClr val="tx1"/>
+                      </a:solidFill>
+                      <a:prstDash val="solid"/>
+                      <a:round/>
+                      <a:headEnd type="none" w="med" len="med"/>
+                      <a:tailEnd type="none" w="med" len="med"/>
+                    </a:lnL>
+                    <a:lnR w="6350" cap="flat" cmpd="sng" algn="ctr">
+                      <a:solidFill>
+                        <a:schemeClr val="tx1"/>
+                      </a:solidFill>
+                      <a:prstDash val="solid"/>
+                      <a:round/>
+                      <a:headEnd type="none" w="med" len="med"/>
+                      <a:tailEnd type="none" w="med" len="med"/>
+                    </a:lnR>
+                    <a:lnT w="6350" cap="flat" cmpd="sng" algn="ctr">
+                      <a:solidFill>
+                        <a:schemeClr val="tx1"/>
+                      </a:solidFill>
+                      <a:prstDash val="solid"/>
+                      <a:round/>
+                      <a:headEnd type="none" w="med" len="med"/>
+                      <a:tailEnd type="none" w="med" len="med"/>
+                    </a:lnT>
+                    <a:lnB w="6350" cap="flat" cmpd="sng" algn="ctr">
+                      <a:solidFill>
+                        <a:schemeClr val="tx1"/>
+                      </a:solidFill>
+                      <a:prstDash val="solid"/>
+                      <a:round/>
+                      <a:headEnd type="none" w="med" len="med"/>
+                      <a:tailEnd type="none" w="med" len="med"/>
+                    </a:lnB>
+                    <a:solidFill>
+                      <a:srgbClr val="F6F8FC"/>
+                    </a:solidFill>
+                  </a:tcPr>
+                </a:tc>
+                <a:tc>
+                  <a:txBody>
+                    <a:bodyPr/>
+                    <a:lstStyle/>
+                    <a:p>
+                      <a:pPr algn="ctr" latinLnBrk="1"/>
+                      <a:r>
+                        <a:rPr lang="en-US" altLang="ko-KR" sz="1100" dirty="0" smtClean="0">
+                          <a:latin typeface="삼성긴고딕OTF Regular" panose="020B0600000101010101" pitchFamily="34" charset="-127"/>
+                          <a:ea typeface="삼성긴고딕OTF Regular" panose="020B0600000101010101" pitchFamily="34" charset="-127"/>
+                        </a:rPr>
+                        <a:t>YES 24</a:t>
+                      </a:r>
+                      <a:endParaRPr lang="ko-KR" altLang="en-US" sz="1100" dirty="0">
+                        <a:latin typeface="삼성긴고딕OTF Regular" panose="020B0600000101010101" pitchFamily="34" charset="-127"/>
+                        <a:ea typeface="삼성긴고딕OTF Regular" panose="020B0600000101010101" pitchFamily="34" charset="-127"/>
+                      </a:endParaRPr>
+                    </a:p>
+                  </a:txBody>
+                  <a:tcPr>
+                    <a:lnL w="6350" cap="flat" cmpd="sng" algn="ctr">
+                      <a:solidFill>
+                        <a:schemeClr val="tx1"/>
+                      </a:solidFill>
+                      <a:prstDash val="solid"/>
+                      <a:round/>
+                      <a:headEnd type="none" w="med" len="med"/>
+                      <a:tailEnd type="none" w="med" len="med"/>
+                    </a:lnL>
+                    <a:lnR w="6350" cap="flat" cmpd="sng" algn="ctr">
+                      <a:solidFill>
+                        <a:schemeClr val="tx1"/>
+                      </a:solidFill>
+                      <a:prstDash val="solid"/>
+                      <a:round/>
+                      <a:headEnd type="none" w="med" len="med"/>
+                      <a:tailEnd type="none" w="med" len="med"/>
+                    </a:lnR>
+                    <a:lnT w="6350" cap="flat" cmpd="sng" algn="ctr">
+                      <a:solidFill>
+                        <a:schemeClr val="tx1"/>
+                      </a:solidFill>
+                      <a:prstDash val="solid"/>
+                      <a:round/>
+                      <a:headEnd type="none" w="med" len="med"/>
+                      <a:tailEnd type="none" w="med" len="med"/>
+                    </a:lnT>
+                    <a:lnB w="6350" cap="flat" cmpd="sng" algn="ctr">
+                      <a:solidFill>
+                        <a:schemeClr val="tx1"/>
+                      </a:solidFill>
+                      <a:prstDash val="solid"/>
+                      <a:round/>
+                      <a:headEnd type="none" w="med" len="med"/>
+                      <a:tailEnd type="none" w="med" len="med"/>
+                    </a:lnB>
+                    <a:solidFill>
+                      <a:srgbClr val="F6F8FC"/>
+                    </a:solidFill>
+                  </a:tcPr>
+                </a:tc>
+                <a:tc>
+                  <a:txBody>
+                    <a:bodyPr/>
+                    <a:lstStyle/>
+                    <a:p>
+                      <a:pPr algn="ctr" latinLnBrk="1"/>
+                      <a:r>
+                        <a:rPr lang="en-US" altLang="ko-KR" sz="1100" dirty="0" smtClean="0">
+                          <a:latin typeface="삼성긴고딕OTF Regular" panose="020B0600000101010101" pitchFamily="34" charset="-127"/>
+                          <a:ea typeface="삼성긴고딕OTF Regular" panose="020B0600000101010101" pitchFamily="34" charset="-127"/>
+                        </a:rPr>
+                        <a:t>33,000</a:t>
+                      </a:r>
+                      <a:r>
+                        <a:rPr lang="ko-KR" altLang="en-US" sz="1100" dirty="0" smtClean="0">
+                          <a:latin typeface="삼성긴고딕OTF Regular" panose="020B0600000101010101" pitchFamily="34" charset="-127"/>
+                          <a:ea typeface="삼성긴고딕OTF Regular" panose="020B0600000101010101" pitchFamily="34" charset="-127"/>
+                        </a:rPr>
+                        <a:t>원</a:t>
+                      </a:r>
+                      <a:endParaRPr lang="ko-KR" altLang="en-US" sz="1100" dirty="0">
+                        <a:latin typeface="삼성긴고딕OTF Regular" panose="020B0600000101010101" pitchFamily="34" charset="-127"/>
+                        <a:ea typeface="삼성긴고딕OTF Regular" panose="020B0600000101010101" pitchFamily="34" charset="-127"/>
+                      </a:endParaRPr>
+                    </a:p>
+                  </a:txBody>
+                  <a:tcPr>
+                    <a:lnL w="6350" cap="flat" cmpd="sng" algn="ctr">
+                      <a:solidFill>
+                        <a:schemeClr val="tx1"/>
+                      </a:solidFill>
+                      <a:prstDash val="solid"/>
+                      <a:round/>
+                      <a:headEnd type="none" w="med" len="med"/>
+                      <a:tailEnd type="none" w="med" len="med"/>
+                    </a:lnL>
+                    <a:lnR w="6350" cap="flat" cmpd="sng" algn="ctr">
+                      <a:solidFill>
+                        <a:schemeClr val="tx1"/>
+                      </a:solidFill>
+                      <a:prstDash val="solid"/>
+                      <a:round/>
+                      <a:headEnd type="none" w="med" len="med"/>
+                      <a:tailEnd type="none" w="med" len="med"/>
+                    </a:lnR>
+                    <a:lnT w="6350" cap="flat" cmpd="sng" algn="ctr">
+                      <a:solidFill>
+                        <a:schemeClr val="tx1"/>
+                      </a:solidFill>
+                      <a:prstDash val="solid"/>
+                      <a:round/>
+                      <a:headEnd type="none" w="med" len="med"/>
+                      <a:tailEnd type="none" w="med" len="med"/>
+                    </a:lnT>
+                    <a:lnB w="6350" cap="flat" cmpd="sng" algn="ctr">
+                      <a:solidFill>
+                        <a:schemeClr val="tx1"/>
+                      </a:solidFill>
+                      <a:prstDash val="solid"/>
+                      <a:round/>
+                      <a:headEnd type="none" w="med" len="med"/>
+                      <a:tailEnd type="none" w="med" len="med"/>
+                    </a:lnB>
+                    <a:solidFill>
+                      <a:srgbClr val="F6F8FC"/>
+                    </a:solidFill>
+                  </a:tcPr>
+                </a:tc>
+                <a:tc>
+                  <a:txBody>
+                    <a:bodyPr/>
+                    <a:lstStyle/>
+                    <a:p>
+                      <a:pPr algn="ctr" latinLnBrk="1"/>
+                      <a:r>
+                        <a:rPr lang="en-US" altLang="ko-KR" sz="1100" dirty="0" smtClean="0">
+                          <a:latin typeface="삼성긴고딕OTF Regular" panose="020B0600000101010101" pitchFamily="34" charset="-127"/>
+                          <a:ea typeface="삼성긴고딕OTF Regular" panose="020B0600000101010101" pitchFamily="34" charset="-127"/>
+                        </a:rPr>
+                        <a:t>30,000</a:t>
+                      </a:r>
+                      <a:r>
+                        <a:rPr lang="ko-KR" altLang="en-US" sz="1100" dirty="0" smtClean="0">
+                          <a:latin typeface="삼성긴고딕OTF Regular" panose="020B0600000101010101" pitchFamily="34" charset="-127"/>
+                          <a:ea typeface="삼성긴고딕OTF Regular" panose="020B0600000101010101" pitchFamily="34" charset="-127"/>
+                        </a:rPr>
+                        <a:t>원</a:t>
+                      </a:r>
+                      <a:endParaRPr lang="ko-KR" altLang="en-US" sz="1100" dirty="0">
+                        <a:latin typeface="삼성긴고딕OTF Regular" panose="020B0600000101010101" pitchFamily="34" charset="-127"/>
+                        <a:ea typeface="삼성긴고딕OTF Regular" panose="020B0600000101010101" pitchFamily="34" charset="-127"/>
+                      </a:endParaRPr>
+                    </a:p>
+                  </a:txBody>
+                  <a:tcPr>
+                    <a:lnL w="6350" cap="flat" cmpd="sng" algn="ctr">
+                      <a:solidFill>
+                        <a:schemeClr val="tx1"/>
+                      </a:solidFill>
+                      <a:prstDash val="solid"/>
+                      <a:round/>
+                      <a:headEnd type="none" w="med" len="med"/>
+                      <a:tailEnd type="none" w="med" len="med"/>
+                    </a:lnL>
+                    <a:lnR w="6350" cap="flat" cmpd="sng" algn="ctr">
+                      <a:solidFill>
+                        <a:schemeClr val="tx1"/>
+                      </a:solidFill>
+                      <a:prstDash val="solid"/>
+                      <a:round/>
+                      <a:headEnd type="none" w="med" len="med"/>
+                      <a:tailEnd type="none" w="med" len="med"/>
+                    </a:lnR>
+                    <a:lnT w="6350" cap="flat" cmpd="sng" algn="ctr">
+                      <a:solidFill>
+                        <a:schemeClr val="tx1"/>
+                      </a:solidFill>
+                      <a:prstDash val="solid"/>
+                      <a:round/>
+                      <a:headEnd type="none" w="med" len="med"/>
+                      <a:tailEnd type="none" w="med" len="med"/>
+                    </a:lnT>
+                    <a:lnB w="6350" cap="flat" cmpd="sng" algn="ctr">
+                      <a:solidFill>
+                        <a:schemeClr val="tx1"/>
+                      </a:solidFill>
+                      <a:prstDash val="solid"/>
+                      <a:round/>
+                      <a:headEnd type="none" w="med" len="med"/>
+                      <a:tailEnd type="none" w="med" len="med"/>
+                    </a:lnB>
+                    <a:solidFill>
+                      <a:srgbClr val="F6F8FC"/>
+                    </a:solidFill>
+                  </a:tcPr>
+                </a:tc>
+                <a:extLst>
+                  <a:ext uri="{0D108BD9-81ED-4DB2-BD59-A6C34878D82A}">
+                    <a16:rowId xmlns:a16="http://schemas.microsoft.com/office/drawing/2014/main" val="595393080"/>
+                  </a:ext>
+                </a:extLst>
+              </a:tr>
+              <a:tr h="288000">
+                <a:tc>
+                  <a:txBody>
+                    <a:bodyPr/>
+                    <a:lstStyle/>
+                    <a:p>
+                      <a:pPr algn="ctr" latinLnBrk="1"/>
+                      <a:r>
+                        <a:rPr lang="ko-KR" altLang="en-US" sz="1100" dirty="0" smtClean="0">
+                          <a:latin typeface="삼성긴고딕OTF Regular" panose="020B0600000101010101" pitchFamily="34" charset="-127"/>
+                          <a:ea typeface="삼성긴고딕OTF Regular" panose="020B0600000101010101" pitchFamily="34" charset="-127"/>
+                        </a:rPr>
+                        <a:t>모던 자바 인 액션</a:t>
+                      </a:r>
+                      <a:endParaRPr lang="ko-KR" altLang="en-US" sz="1100" dirty="0">
+                        <a:latin typeface="삼성긴고딕OTF Regular" panose="020B0600000101010101" pitchFamily="34" charset="-127"/>
+                        <a:ea typeface="삼성긴고딕OTF Regular" panose="020B0600000101010101" pitchFamily="34" charset="-127"/>
+                      </a:endParaRPr>
+                    </a:p>
+                  </a:txBody>
+                  <a:tcPr>
+                    <a:lnL w="6350" cap="flat" cmpd="sng" algn="ctr">
+                      <a:solidFill>
+                        <a:schemeClr val="tx1"/>
+                      </a:solidFill>
+                      <a:prstDash val="solid"/>
+                      <a:round/>
+                      <a:headEnd type="none" w="med" len="med"/>
+                      <a:tailEnd type="none" w="med" len="med"/>
+                    </a:lnL>
+                    <a:lnR w="6350" cap="flat" cmpd="sng" algn="ctr">
+                      <a:solidFill>
+                        <a:schemeClr val="tx1"/>
+                      </a:solidFill>
+                      <a:prstDash val="solid"/>
+                      <a:round/>
+                      <a:headEnd type="none" w="med" len="med"/>
+                      <a:tailEnd type="none" w="med" len="med"/>
+                    </a:lnR>
+                    <a:lnT w="6350" cap="flat" cmpd="sng" algn="ctr">
+                      <a:solidFill>
+                        <a:schemeClr val="tx1"/>
+                      </a:solidFill>
+                      <a:prstDash val="solid"/>
+                      <a:round/>
+                      <a:headEnd type="none" w="med" len="med"/>
+                      <a:tailEnd type="none" w="med" len="med"/>
+                    </a:lnT>
+                    <a:lnB w="6350" cap="flat" cmpd="sng" algn="ctr">
+                      <a:solidFill>
+                        <a:schemeClr val="tx1"/>
+                      </a:solidFill>
+                      <a:prstDash val="solid"/>
+                      <a:round/>
+                      <a:headEnd type="none" w="med" len="med"/>
+                      <a:tailEnd type="none" w="med" len="med"/>
+                    </a:lnB>
+                    <a:solidFill>
+                      <a:srgbClr val="F6F8FC"/>
+                    </a:solidFill>
+                  </a:tcPr>
+                </a:tc>
+                <a:tc>
+                  <a:txBody>
+                    <a:bodyPr/>
+                    <a:lstStyle/>
+                    <a:p>
+                      <a:pPr algn="ctr" latinLnBrk="1"/>
+                      <a:r>
+                        <a:rPr lang="ko-KR" altLang="en-US" sz="1100" dirty="0" smtClean="0">
+                          <a:latin typeface="삼성긴고딕OTF Regular" panose="020B0600000101010101" pitchFamily="34" charset="-127"/>
+                          <a:ea typeface="삼성긴고딕OTF Regular" panose="020B0600000101010101" pitchFamily="34" charset="-127"/>
+                        </a:rPr>
+                        <a:t>알라딘</a:t>
+                      </a:r>
+                      <a:endParaRPr lang="ko-KR" altLang="en-US" sz="1100" dirty="0">
+                        <a:latin typeface="삼성긴고딕OTF Regular" panose="020B0600000101010101" pitchFamily="34" charset="-127"/>
+                        <a:ea typeface="삼성긴고딕OTF Regular" panose="020B0600000101010101" pitchFamily="34" charset="-127"/>
+                      </a:endParaRPr>
+                    </a:p>
+                  </a:txBody>
+                  <a:tcPr>
+                    <a:lnL w="6350" cap="flat" cmpd="sng" algn="ctr">
+                      <a:solidFill>
+                        <a:schemeClr val="tx1"/>
+                      </a:solidFill>
+                      <a:prstDash val="solid"/>
+                      <a:round/>
+                      <a:headEnd type="none" w="med" len="med"/>
+                      <a:tailEnd type="none" w="med" len="med"/>
+                    </a:lnL>
+                    <a:lnR w="6350" cap="flat" cmpd="sng" algn="ctr">
+                      <a:solidFill>
+                        <a:schemeClr val="tx1"/>
+                      </a:solidFill>
+                      <a:prstDash val="solid"/>
+                      <a:round/>
+                      <a:headEnd type="none" w="med" len="med"/>
+                      <a:tailEnd type="none" w="med" len="med"/>
+                    </a:lnR>
+                    <a:lnT w="6350" cap="flat" cmpd="sng" algn="ctr">
+                      <a:solidFill>
+                        <a:schemeClr val="tx1"/>
+                      </a:solidFill>
+                      <a:prstDash val="solid"/>
+                      <a:round/>
+                      <a:headEnd type="none" w="med" len="med"/>
+                      <a:tailEnd type="none" w="med" len="med"/>
+                    </a:lnT>
+                    <a:lnB w="6350" cap="flat" cmpd="sng" algn="ctr">
+                      <a:solidFill>
+                        <a:schemeClr val="tx1"/>
+                      </a:solidFill>
+                      <a:prstDash val="solid"/>
+                      <a:round/>
+                      <a:headEnd type="none" w="med" len="med"/>
+                      <a:tailEnd type="none" w="med" len="med"/>
+                    </a:lnB>
+                    <a:solidFill>
+                      <a:srgbClr val="F6F8FC"/>
+                    </a:solidFill>
+                  </a:tcPr>
+                </a:tc>
+                <a:tc>
+                  <a:txBody>
+                    <a:bodyPr/>
+                    <a:lstStyle/>
+                    <a:p>
+                      <a:pPr algn="ctr" latinLnBrk="1"/>
+                      <a:r>
+                        <a:rPr lang="en-US" altLang="ko-KR" sz="1100" dirty="0" smtClean="0">
+                          <a:latin typeface="삼성긴고딕OTF Regular" panose="020B0600000101010101" pitchFamily="34" charset="-127"/>
+                          <a:ea typeface="삼성긴고딕OTF Regular" panose="020B0600000101010101" pitchFamily="34" charset="-127"/>
+                        </a:rPr>
+                        <a:t>33,000</a:t>
+                      </a:r>
+                      <a:r>
+                        <a:rPr lang="ko-KR" altLang="en-US" sz="1100" dirty="0" smtClean="0">
+                          <a:latin typeface="삼성긴고딕OTF Regular" panose="020B0600000101010101" pitchFamily="34" charset="-127"/>
+                          <a:ea typeface="삼성긴고딕OTF Regular" panose="020B0600000101010101" pitchFamily="34" charset="-127"/>
+                        </a:rPr>
+                        <a:t>원</a:t>
+                      </a:r>
+                      <a:endParaRPr lang="ko-KR" altLang="en-US" sz="1100" dirty="0">
+                        <a:latin typeface="삼성긴고딕OTF Regular" panose="020B0600000101010101" pitchFamily="34" charset="-127"/>
+                        <a:ea typeface="삼성긴고딕OTF Regular" panose="020B0600000101010101" pitchFamily="34" charset="-127"/>
+                      </a:endParaRPr>
+                    </a:p>
+                  </a:txBody>
+                  <a:tcPr>
+                    <a:lnL w="6350" cap="flat" cmpd="sng" algn="ctr">
+                      <a:solidFill>
+                        <a:schemeClr val="tx1"/>
+                      </a:solidFill>
+                      <a:prstDash val="solid"/>
+                      <a:round/>
+                      <a:headEnd type="none" w="med" len="med"/>
+                      <a:tailEnd type="none" w="med" len="med"/>
+                    </a:lnL>
+                    <a:lnR w="6350" cap="flat" cmpd="sng" algn="ctr">
+                      <a:solidFill>
+                        <a:schemeClr val="tx1"/>
+                      </a:solidFill>
+                      <a:prstDash val="solid"/>
+                      <a:round/>
+                      <a:headEnd type="none" w="med" len="med"/>
+                      <a:tailEnd type="none" w="med" len="med"/>
+                    </a:lnR>
+                    <a:lnT w="6350" cap="flat" cmpd="sng" algn="ctr">
+                      <a:solidFill>
+                        <a:schemeClr val="tx1"/>
+                      </a:solidFill>
+                      <a:prstDash val="solid"/>
+                      <a:round/>
+                      <a:headEnd type="none" w="med" len="med"/>
+                      <a:tailEnd type="none" w="med" len="med"/>
+                    </a:lnT>
+                    <a:lnB w="6350" cap="flat" cmpd="sng" algn="ctr">
+                      <a:solidFill>
+                        <a:schemeClr val="tx1"/>
+                      </a:solidFill>
+                      <a:prstDash val="solid"/>
+                      <a:round/>
+                      <a:headEnd type="none" w="med" len="med"/>
+                      <a:tailEnd type="none" w="med" len="med"/>
+                    </a:lnB>
+                    <a:solidFill>
+                      <a:srgbClr val="F6F8FC"/>
+                    </a:solidFill>
+                  </a:tcPr>
+                </a:tc>
+                <a:tc>
+                  <a:txBody>
+                    <a:bodyPr/>
+                    <a:lstStyle/>
+                    <a:p>
+                      <a:pPr algn="ctr" latinLnBrk="1"/>
+                      <a:r>
+                        <a:rPr lang="en-US" altLang="ko-KR" sz="1100" dirty="0" smtClean="0">
+                          <a:latin typeface="삼성긴고딕OTF Regular" panose="020B0600000101010101" pitchFamily="34" charset="-127"/>
+                          <a:ea typeface="삼성긴고딕OTF Regular" panose="020B0600000101010101" pitchFamily="34" charset="-127"/>
+                        </a:rPr>
+                        <a:t>31,200</a:t>
+                      </a:r>
+                      <a:r>
+                        <a:rPr lang="ko-KR" altLang="en-US" sz="1100" dirty="0" smtClean="0">
+                          <a:latin typeface="삼성긴고딕OTF Regular" panose="020B0600000101010101" pitchFamily="34" charset="-127"/>
+                          <a:ea typeface="삼성긴고딕OTF Regular" panose="020B0600000101010101" pitchFamily="34" charset="-127"/>
+                        </a:rPr>
+                        <a:t>원</a:t>
+                      </a:r>
+                      <a:endParaRPr lang="ko-KR" altLang="en-US" sz="1100" dirty="0">
+                        <a:latin typeface="삼성긴고딕OTF Regular" panose="020B0600000101010101" pitchFamily="34" charset="-127"/>
+                        <a:ea typeface="삼성긴고딕OTF Regular" panose="020B0600000101010101" pitchFamily="34" charset="-127"/>
+                      </a:endParaRPr>
+                    </a:p>
+                  </a:txBody>
+                  <a:tcPr>
+                    <a:lnL w="6350" cap="flat" cmpd="sng" algn="ctr">
+                      <a:solidFill>
+                        <a:schemeClr val="tx1"/>
+                      </a:solidFill>
+                      <a:prstDash val="solid"/>
+                      <a:round/>
+                      <a:headEnd type="none" w="med" len="med"/>
+                      <a:tailEnd type="none" w="med" len="med"/>
+                    </a:lnL>
+                    <a:lnR w="6350" cap="flat" cmpd="sng" algn="ctr">
+                      <a:solidFill>
+                        <a:schemeClr val="tx1"/>
+                      </a:solidFill>
+                      <a:prstDash val="solid"/>
+                      <a:round/>
+                      <a:headEnd type="none" w="med" len="med"/>
+                      <a:tailEnd type="none" w="med" len="med"/>
+                    </a:lnR>
+                    <a:lnT w="6350" cap="flat" cmpd="sng" algn="ctr">
+                      <a:solidFill>
+                        <a:schemeClr val="tx1"/>
+                      </a:solidFill>
+                      <a:prstDash val="solid"/>
+                      <a:round/>
+                      <a:headEnd type="none" w="med" len="med"/>
+                      <a:tailEnd type="none" w="med" len="med"/>
+                    </a:lnT>
+                    <a:lnB w="6350" cap="flat" cmpd="sng" algn="ctr">
+                      <a:solidFill>
+                        <a:schemeClr val="tx1"/>
+                      </a:solidFill>
+                      <a:prstDash val="solid"/>
+                      <a:round/>
+                      <a:headEnd type="none" w="med" len="med"/>
+                      <a:tailEnd type="none" w="med" len="med"/>
+                    </a:lnB>
+                    <a:solidFill>
+                      <a:srgbClr val="F6F8FC"/>
+                    </a:solidFill>
+                  </a:tcPr>
+                </a:tc>
+                <a:extLst>
+                  <a:ext uri="{0D108BD9-81ED-4DB2-BD59-A6C34878D82A}">
+                    <a16:rowId xmlns:a16="http://schemas.microsoft.com/office/drawing/2014/main" val="412800240"/>
+                  </a:ext>
+                </a:extLst>
+              </a:tr>
+              <a:tr h="288000">
+                <a:tc>
+                  <a:txBody>
+                    <a:bodyPr/>
+                    <a:lstStyle/>
+                    <a:p>
+                      <a:pPr algn="ctr" latinLnBrk="1"/>
+                      <a:r>
+                        <a:rPr lang="ko-KR" altLang="en-US" sz="1100" dirty="0" smtClean="0">
+                          <a:latin typeface="삼성긴고딕OTF Regular" panose="020B0600000101010101" pitchFamily="34" charset="-127"/>
+                          <a:ea typeface="삼성긴고딕OTF Regular" panose="020B0600000101010101" pitchFamily="34" charset="-127"/>
+                        </a:rPr>
+                        <a:t>알고리즘 문제 해결 전략</a:t>
+                      </a:r>
+                      <a:endParaRPr lang="ko-KR" altLang="en-US" sz="1100" dirty="0">
+                        <a:latin typeface="삼성긴고딕OTF Regular" panose="020B0600000101010101" pitchFamily="34" charset="-127"/>
+                        <a:ea typeface="삼성긴고딕OTF Regular" panose="020B0600000101010101" pitchFamily="34" charset="-127"/>
+                      </a:endParaRPr>
+                    </a:p>
+                  </a:txBody>
+                  <a:tcPr>
+                    <a:lnL w="6350" cap="flat" cmpd="sng" algn="ctr">
+                      <a:solidFill>
+                        <a:schemeClr val="tx1"/>
+                      </a:solidFill>
+                      <a:prstDash val="solid"/>
+                      <a:round/>
+                      <a:headEnd type="none" w="med" len="med"/>
+                      <a:tailEnd type="none" w="med" len="med"/>
+                    </a:lnL>
+                    <a:lnR w="6350" cap="flat" cmpd="sng" algn="ctr">
+                      <a:solidFill>
+                        <a:schemeClr val="tx1"/>
+                      </a:solidFill>
+                      <a:prstDash val="solid"/>
+                      <a:round/>
+                      <a:headEnd type="none" w="med" len="med"/>
+                      <a:tailEnd type="none" w="med" len="med"/>
+                    </a:lnR>
+                    <a:lnT w="6350" cap="flat" cmpd="sng" algn="ctr">
+                      <a:solidFill>
+                        <a:schemeClr val="tx1"/>
+                      </a:solidFill>
+                      <a:prstDash val="solid"/>
+                      <a:round/>
+                      <a:headEnd type="none" w="med" len="med"/>
+                      <a:tailEnd type="none" w="med" len="med"/>
+                    </a:lnT>
+                    <a:lnB w="6350" cap="flat" cmpd="sng" algn="ctr">
+                      <a:solidFill>
+                        <a:schemeClr val="tx1"/>
+                      </a:solidFill>
+                      <a:prstDash val="solid"/>
+                      <a:round/>
+                      <a:headEnd type="none" w="med" len="med"/>
+                      <a:tailEnd type="none" w="med" len="med"/>
+                    </a:lnB>
+                    <a:solidFill>
+                      <a:srgbClr val="F6F8FC"/>
+                    </a:solidFill>
+                  </a:tcPr>
+                </a:tc>
+                <a:tc>
+                  <a:txBody>
+                    <a:bodyPr/>
+                    <a:lstStyle/>
+                    <a:p>
+                      <a:pPr algn="ctr" latinLnBrk="1"/>
+                      <a:r>
+                        <a:rPr lang="ko-KR" altLang="en-US" sz="1100" dirty="0" err="1" smtClean="0">
+                          <a:latin typeface="삼성긴고딕OTF Regular" panose="020B0600000101010101" pitchFamily="34" charset="-127"/>
+                          <a:ea typeface="삼성긴고딕OTF Regular" panose="020B0600000101010101" pitchFamily="34" charset="-127"/>
+                        </a:rPr>
+                        <a:t>교보문고</a:t>
+                      </a:r>
+                      <a:endParaRPr lang="ko-KR" altLang="en-US" sz="1100" dirty="0">
+                        <a:latin typeface="삼성긴고딕OTF Regular" panose="020B0600000101010101" pitchFamily="34" charset="-127"/>
+                        <a:ea typeface="삼성긴고딕OTF Regular" panose="020B0600000101010101" pitchFamily="34" charset="-127"/>
+                      </a:endParaRPr>
+                    </a:p>
+                  </a:txBody>
+                  <a:tcPr>
+                    <a:lnL w="6350" cap="flat" cmpd="sng" algn="ctr">
+                      <a:solidFill>
+                        <a:schemeClr val="tx1"/>
+                      </a:solidFill>
+                      <a:prstDash val="solid"/>
+                      <a:round/>
+                      <a:headEnd type="none" w="med" len="med"/>
+                      <a:tailEnd type="none" w="med" len="med"/>
+                    </a:lnL>
+                    <a:lnR w="6350" cap="flat" cmpd="sng" algn="ctr">
+                      <a:solidFill>
+                        <a:schemeClr val="tx1"/>
+                      </a:solidFill>
+                      <a:prstDash val="solid"/>
+                      <a:round/>
+                      <a:headEnd type="none" w="med" len="med"/>
+                      <a:tailEnd type="none" w="med" len="med"/>
+                    </a:lnR>
+                    <a:lnT w="6350" cap="flat" cmpd="sng" algn="ctr">
+                      <a:solidFill>
+                        <a:schemeClr val="tx1"/>
+                      </a:solidFill>
+                      <a:prstDash val="solid"/>
+                      <a:round/>
+                      <a:headEnd type="none" w="med" len="med"/>
+                      <a:tailEnd type="none" w="med" len="med"/>
+                    </a:lnT>
+                    <a:lnB w="6350" cap="flat" cmpd="sng" algn="ctr">
+                      <a:solidFill>
+                        <a:schemeClr val="tx1"/>
+                      </a:solidFill>
+                      <a:prstDash val="solid"/>
+                      <a:round/>
+                      <a:headEnd type="none" w="med" len="med"/>
+                      <a:tailEnd type="none" w="med" len="med"/>
+                    </a:lnB>
+                    <a:solidFill>
+                      <a:srgbClr val="F6F8FC"/>
+                    </a:solidFill>
+                  </a:tcPr>
+                </a:tc>
+                <a:tc>
+                  <a:txBody>
+                    <a:bodyPr/>
+                    <a:lstStyle/>
+                    <a:p>
+                      <a:pPr algn="ctr" latinLnBrk="1"/>
+                      <a:r>
+                        <a:rPr lang="en-US" altLang="ko-KR" sz="1100" dirty="0" smtClean="0">
+                          <a:latin typeface="삼성긴고딕OTF Regular" panose="020B0600000101010101" pitchFamily="34" charset="-127"/>
+                          <a:ea typeface="삼성긴고딕OTF Regular" panose="020B0600000101010101" pitchFamily="34" charset="-127"/>
+                        </a:rPr>
+                        <a:t>35,000</a:t>
+                      </a:r>
+                      <a:r>
+                        <a:rPr lang="ko-KR" altLang="en-US" sz="1100" dirty="0" smtClean="0">
+                          <a:latin typeface="삼성긴고딕OTF Regular" panose="020B0600000101010101" pitchFamily="34" charset="-127"/>
+                          <a:ea typeface="삼성긴고딕OTF Regular" panose="020B0600000101010101" pitchFamily="34" charset="-127"/>
+                        </a:rPr>
+                        <a:t>원</a:t>
+                      </a:r>
+                      <a:endParaRPr lang="ko-KR" altLang="en-US" sz="1100" dirty="0">
+                        <a:latin typeface="삼성긴고딕OTF Regular" panose="020B0600000101010101" pitchFamily="34" charset="-127"/>
+                        <a:ea typeface="삼성긴고딕OTF Regular" panose="020B0600000101010101" pitchFamily="34" charset="-127"/>
+                      </a:endParaRPr>
+                    </a:p>
+                  </a:txBody>
+                  <a:tcPr>
+                    <a:lnL w="6350" cap="flat" cmpd="sng" algn="ctr">
+                      <a:solidFill>
+                        <a:schemeClr val="tx1"/>
+                      </a:solidFill>
+                      <a:prstDash val="solid"/>
+                      <a:round/>
+                      <a:headEnd type="none" w="med" len="med"/>
+                      <a:tailEnd type="none" w="med" len="med"/>
+                    </a:lnL>
+                    <a:lnR w="6350" cap="flat" cmpd="sng" algn="ctr">
+                      <a:solidFill>
+                        <a:schemeClr val="tx1"/>
+                      </a:solidFill>
+                      <a:prstDash val="solid"/>
+                      <a:round/>
+                      <a:headEnd type="none" w="med" len="med"/>
+                      <a:tailEnd type="none" w="med" len="med"/>
+                    </a:lnR>
+                    <a:lnT w="6350" cap="flat" cmpd="sng" algn="ctr">
+                      <a:solidFill>
+                        <a:schemeClr val="tx1"/>
+                      </a:solidFill>
+                      <a:prstDash val="solid"/>
+                      <a:round/>
+                      <a:headEnd type="none" w="med" len="med"/>
+                      <a:tailEnd type="none" w="med" len="med"/>
+                    </a:lnT>
+                    <a:lnB w="6350" cap="flat" cmpd="sng" algn="ctr">
+                      <a:solidFill>
+                        <a:schemeClr val="tx1"/>
+                      </a:solidFill>
+                      <a:prstDash val="solid"/>
+                      <a:round/>
+                      <a:headEnd type="none" w="med" len="med"/>
+                      <a:tailEnd type="none" w="med" len="med"/>
+                    </a:lnB>
+                    <a:solidFill>
+                      <a:srgbClr val="F6F8FC"/>
+                    </a:solidFill>
+                  </a:tcPr>
+                </a:tc>
+                <a:tc>
+                  <a:txBody>
+                    <a:bodyPr/>
+                    <a:lstStyle/>
+                    <a:p>
+                      <a:pPr algn="ctr" latinLnBrk="1"/>
+                      <a:r>
+                        <a:rPr lang="en-US" altLang="ko-KR" sz="1100" dirty="0" smtClean="0">
+                          <a:latin typeface="삼성긴고딕OTF Regular" panose="020B0600000101010101" pitchFamily="34" charset="-127"/>
+                          <a:ea typeface="삼성긴고딕OTF Regular" panose="020B0600000101010101" pitchFamily="34" charset="-127"/>
+                        </a:rPr>
+                        <a:t>29,800</a:t>
+                      </a:r>
+                      <a:r>
+                        <a:rPr lang="ko-KR" altLang="en-US" sz="1100" dirty="0" smtClean="0">
+                          <a:latin typeface="삼성긴고딕OTF Regular" panose="020B0600000101010101" pitchFamily="34" charset="-127"/>
+                          <a:ea typeface="삼성긴고딕OTF Regular" panose="020B0600000101010101" pitchFamily="34" charset="-127"/>
+                        </a:rPr>
+                        <a:t>원</a:t>
+                      </a:r>
+                      <a:endParaRPr lang="ko-KR" altLang="en-US" sz="1100" dirty="0">
+                        <a:latin typeface="삼성긴고딕OTF Regular" panose="020B0600000101010101" pitchFamily="34" charset="-127"/>
+                        <a:ea typeface="삼성긴고딕OTF Regular" panose="020B0600000101010101" pitchFamily="34" charset="-127"/>
+                      </a:endParaRPr>
+                    </a:p>
+                  </a:txBody>
+                  <a:tcPr>
+                    <a:lnL w="6350" cap="flat" cmpd="sng" algn="ctr">
+                      <a:solidFill>
+                        <a:schemeClr val="tx1"/>
+                      </a:solidFill>
+                      <a:prstDash val="solid"/>
+                      <a:round/>
+                      <a:headEnd type="none" w="med" len="med"/>
+                      <a:tailEnd type="none" w="med" len="med"/>
+                    </a:lnL>
+                    <a:lnR w="6350" cap="flat" cmpd="sng" algn="ctr">
+                      <a:solidFill>
+                        <a:schemeClr val="tx1"/>
+                      </a:solidFill>
+                      <a:prstDash val="solid"/>
+                      <a:round/>
+                      <a:headEnd type="none" w="med" len="med"/>
+                      <a:tailEnd type="none" w="med" len="med"/>
+                    </a:lnR>
+                    <a:lnT w="6350" cap="flat" cmpd="sng" algn="ctr">
+                      <a:solidFill>
+                        <a:schemeClr val="tx1"/>
+                      </a:solidFill>
+                      <a:prstDash val="solid"/>
+                      <a:round/>
+                      <a:headEnd type="none" w="med" len="med"/>
+                      <a:tailEnd type="none" w="med" len="med"/>
+                    </a:lnT>
+                    <a:lnB w="6350" cap="flat" cmpd="sng" algn="ctr">
+                      <a:solidFill>
+                        <a:schemeClr val="tx1"/>
+                      </a:solidFill>
+                      <a:prstDash val="solid"/>
+                      <a:round/>
+                      <a:headEnd type="none" w="med" len="med"/>
+                      <a:tailEnd type="none" w="med" len="med"/>
+                    </a:lnB>
+                    <a:solidFill>
+                      <a:srgbClr val="F6F8FC"/>
+                    </a:solidFill>
+                  </a:tcPr>
+                </a:tc>
+                <a:extLst>
+                  <a:ext uri="{0D108BD9-81ED-4DB2-BD59-A6C34878D82A}">
+                    <a16:rowId xmlns:a16="http://schemas.microsoft.com/office/drawing/2014/main" val="2689796579"/>
+                  </a:ext>
+                </a:extLst>
+              </a:tr>
+              <a:tr h="288000">
+                <a:tc>
+                  <a:txBody>
+                    <a:bodyPr/>
+                    <a:lstStyle/>
+                    <a:p>
+                      <a:pPr algn="ctr" latinLnBrk="1"/>
+                      <a:r>
+                        <a:rPr lang="ko-KR" altLang="en-US" sz="1100" dirty="0" smtClean="0">
+                          <a:latin typeface="삼성긴고딕OTF Regular" panose="020B0600000101010101" pitchFamily="34" charset="-127"/>
+                          <a:ea typeface="삼성긴고딕OTF Regular" panose="020B0600000101010101" pitchFamily="34" charset="-127"/>
+                        </a:rPr>
+                        <a:t>알고리즘 문제 해결 전략</a:t>
+                      </a:r>
+                      <a:endParaRPr lang="ko-KR" altLang="en-US" sz="1100" dirty="0">
+                        <a:latin typeface="삼성긴고딕OTF Regular" panose="020B0600000101010101" pitchFamily="34" charset="-127"/>
+                        <a:ea typeface="삼성긴고딕OTF Regular" panose="020B0600000101010101" pitchFamily="34" charset="-127"/>
+                      </a:endParaRPr>
+                    </a:p>
+                  </a:txBody>
+                  <a:tcPr>
+                    <a:lnL w="6350" cap="flat" cmpd="sng" algn="ctr">
+                      <a:solidFill>
+                        <a:schemeClr val="tx1"/>
+                      </a:solidFill>
+                      <a:prstDash val="solid"/>
+                      <a:round/>
+                      <a:headEnd type="none" w="med" len="med"/>
+                      <a:tailEnd type="none" w="med" len="med"/>
+                    </a:lnL>
+                    <a:lnR w="6350" cap="flat" cmpd="sng" algn="ctr">
+                      <a:solidFill>
+                        <a:schemeClr val="tx1"/>
+                      </a:solidFill>
+                      <a:prstDash val="solid"/>
+                      <a:round/>
+                      <a:headEnd type="none" w="med" len="med"/>
+                      <a:tailEnd type="none" w="med" len="med"/>
+                    </a:lnR>
+                    <a:lnT w="6350" cap="flat" cmpd="sng" algn="ctr">
+                      <a:solidFill>
+                        <a:schemeClr val="tx1"/>
+                      </a:solidFill>
+                      <a:prstDash val="solid"/>
+                      <a:round/>
+                      <a:headEnd type="none" w="med" len="med"/>
+                      <a:tailEnd type="none" w="med" len="med"/>
+                    </a:lnT>
+                    <a:lnB w="6350" cap="flat" cmpd="sng" algn="ctr">
+                      <a:solidFill>
+                        <a:schemeClr val="tx1"/>
+                      </a:solidFill>
+                      <a:prstDash val="solid"/>
+                      <a:round/>
+                      <a:headEnd type="none" w="med" len="med"/>
+                      <a:tailEnd type="none" w="med" len="med"/>
+                    </a:lnB>
+                    <a:solidFill>
+                      <a:srgbClr val="F6F8FC"/>
+                    </a:solidFill>
+                  </a:tcPr>
+                </a:tc>
+                <a:tc>
+                  <a:txBody>
+                    <a:bodyPr/>
+                    <a:lstStyle/>
+                    <a:p>
+                      <a:pPr algn="ctr" latinLnBrk="1"/>
+                      <a:r>
+                        <a:rPr lang="ko-KR" altLang="en-US" sz="1100" dirty="0" smtClean="0">
+                          <a:latin typeface="삼성긴고딕OTF Regular" panose="020B0600000101010101" pitchFamily="34" charset="-127"/>
+                          <a:ea typeface="삼성긴고딕OTF Regular" panose="020B0600000101010101" pitchFamily="34" charset="-127"/>
+                        </a:rPr>
+                        <a:t>알라딘</a:t>
+                      </a:r>
+                      <a:endParaRPr lang="ko-KR" altLang="en-US" sz="1100" dirty="0">
+                        <a:latin typeface="삼성긴고딕OTF Regular" panose="020B0600000101010101" pitchFamily="34" charset="-127"/>
+                        <a:ea typeface="삼성긴고딕OTF Regular" panose="020B0600000101010101" pitchFamily="34" charset="-127"/>
+                      </a:endParaRPr>
+                    </a:p>
+                  </a:txBody>
+                  <a:tcPr>
+                    <a:lnL w="6350" cap="flat" cmpd="sng" algn="ctr">
+                      <a:solidFill>
+                        <a:schemeClr val="tx1"/>
+                      </a:solidFill>
+                      <a:prstDash val="solid"/>
+                      <a:round/>
+                      <a:headEnd type="none" w="med" len="med"/>
+                      <a:tailEnd type="none" w="med" len="med"/>
+                    </a:lnL>
+                    <a:lnR w="6350" cap="flat" cmpd="sng" algn="ctr">
+                      <a:solidFill>
+                        <a:schemeClr val="tx1"/>
+                      </a:solidFill>
+                      <a:prstDash val="solid"/>
+                      <a:round/>
+                      <a:headEnd type="none" w="med" len="med"/>
+                      <a:tailEnd type="none" w="med" len="med"/>
+                    </a:lnR>
+                    <a:lnT w="6350" cap="flat" cmpd="sng" algn="ctr">
+                      <a:solidFill>
+                        <a:schemeClr val="tx1"/>
+                      </a:solidFill>
+                      <a:prstDash val="solid"/>
+                      <a:round/>
+                      <a:headEnd type="none" w="med" len="med"/>
+                      <a:tailEnd type="none" w="med" len="med"/>
+                    </a:lnT>
+                    <a:lnB w="6350" cap="flat" cmpd="sng" algn="ctr">
+                      <a:solidFill>
+                        <a:schemeClr val="tx1"/>
+                      </a:solidFill>
+                      <a:prstDash val="solid"/>
+                      <a:round/>
+                      <a:headEnd type="none" w="med" len="med"/>
+                      <a:tailEnd type="none" w="med" len="med"/>
+                    </a:lnB>
+                    <a:solidFill>
+                      <a:srgbClr val="F6F8FC"/>
+                    </a:solidFill>
+                  </a:tcPr>
+                </a:tc>
+                <a:tc>
+                  <a:txBody>
+                    <a:bodyPr/>
+                    <a:lstStyle/>
+                    <a:p>
+                      <a:pPr algn="ctr" latinLnBrk="1"/>
+                      <a:r>
+                        <a:rPr lang="en-US" altLang="ko-KR" sz="1100" dirty="0" smtClean="0">
+                          <a:latin typeface="삼성긴고딕OTF Regular" panose="020B0600000101010101" pitchFamily="34" charset="-127"/>
+                          <a:ea typeface="삼성긴고딕OTF Regular" panose="020B0600000101010101" pitchFamily="34" charset="-127"/>
+                        </a:rPr>
+                        <a:t>35,000</a:t>
+                      </a:r>
+                      <a:r>
+                        <a:rPr lang="ko-KR" altLang="en-US" sz="1100" dirty="0" smtClean="0">
+                          <a:latin typeface="삼성긴고딕OTF Regular" panose="020B0600000101010101" pitchFamily="34" charset="-127"/>
+                          <a:ea typeface="삼성긴고딕OTF Regular" panose="020B0600000101010101" pitchFamily="34" charset="-127"/>
+                        </a:rPr>
+                        <a:t>원</a:t>
+                      </a:r>
+                      <a:endParaRPr lang="ko-KR" altLang="en-US" sz="1100" dirty="0">
+                        <a:latin typeface="삼성긴고딕OTF Regular" panose="020B0600000101010101" pitchFamily="34" charset="-127"/>
+                        <a:ea typeface="삼성긴고딕OTF Regular" panose="020B0600000101010101" pitchFamily="34" charset="-127"/>
+                      </a:endParaRPr>
+                    </a:p>
+                  </a:txBody>
+                  <a:tcPr>
+                    <a:lnL w="6350" cap="flat" cmpd="sng" algn="ctr">
+                      <a:solidFill>
+                        <a:schemeClr val="tx1"/>
+                      </a:solidFill>
+                      <a:prstDash val="solid"/>
+                      <a:round/>
+                      <a:headEnd type="none" w="med" len="med"/>
+                      <a:tailEnd type="none" w="med" len="med"/>
+                    </a:lnL>
+                    <a:lnR w="6350" cap="flat" cmpd="sng" algn="ctr">
+                      <a:solidFill>
+                        <a:schemeClr val="tx1"/>
+                      </a:solidFill>
+                      <a:prstDash val="solid"/>
+                      <a:round/>
+                      <a:headEnd type="none" w="med" len="med"/>
+                      <a:tailEnd type="none" w="med" len="med"/>
+                    </a:lnR>
+                    <a:lnT w="6350" cap="flat" cmpd="sng" algn="ctr">
+                      <a:solidFill>
+                        <a:schemeClr val="tx1"/>
+                      </a:solidFill>
+                      <a:prstDash val="solid"/>
+                      <a:round/>
+                      <a:headEnd type="none" w="med" len="med"/>
+                      <a:tailEnd type="none" w="med" len="med"/>
+                    </a:lnT>
+                    <a:lnB w="6350" cap="flat" cmpd="sng" algn="ctr">
+                      <a:solidFill>
+                        <a:schemeClr val="tx1"/>
+                      </a:solidFill>
+                      <a:prstDash val="solid"/>
+                      <a:round/>
+                      <a:headEnd type="none" w="med" len="med"/>
+                      <a:tailEnd type="none" w="med" len="med"/>
+                    </a:lnB>
+                    <a:solidFill>
+                      <a:srgbClr val="F6F8FC"/>
+                    </a:solidFill>
+                  </a:tcPr>
+                </a:tc>
+                <a:tc>
+                  <a:txBody>
+                    <a:bodyPr/>
+                    <a:lstStyle/>
+                    <a:p>
+                      <a:pPr algn="ctr" latinLnBrk="1"/>
+                      <a:r>
+                        <a:rPr lang="en-US" altLang="ko-KR" sz="1100" dirty="0" smtClean="0">
+                          <a:latin typeface="삼성긴고딕OTF Regular" panose="020B0600000101010101" pitchFamily="34" charset="-127"/>
+                          <a:ea typeface="삼성긴고딕OTF Regular" panose="020B0600000101010101" pitchFamily="34" charset="-127"/>
+                        </a:rPr>
+                        <a:t>28,500</a:t>
+                      </a:r>
+                      <a:r>
+                        <a:rPr lang="ko-KR" altLang="en-US" sz="1100" dirty="0" smtClean="0">
+                          <a:latin typeface="삼성긴고딕OTF Regular" panose="020B0600000101010101" pitchFamily="34" charset="-127"/>
+                          <a:ea typeface="삼성긴고딕OTF Regular" panose="020B0600000101010101" pitchFamily="34" charset="-127"/>
+                        </a:rPr>
+                        <a:t>원</a:t>
+                      </a:r>
+                      <a:endParaRPr lang="ko-KR" altLang="en-US" sz="1100" dirty="0">
+                        <a:latin typeface="삼성긴고딕OTF Regular" panose="020B0600000101010101" pitchFamily="34" charset="-127"/>
+                        <a:ea typeface="삼성긴고딕OTF Regular" panose="020B0600000101010101" pitchFamily="34" charset="-127"/>
+                      </a:endParaRPr>
+                    </a:p>
+                  </a:txBody>
+                  <a:tcPr>
+                    <a:lnL w="6350" cap="flat" cmpd="sng" algn="ctr">
+                      <a:solidFill>
+                        <a:schemeClr val="tx1"/>
+                      </a:solidFill>
+                      <a:prstDash val="solid"/>
+                      <a:round/>
+                      <a:headEnd type="none" w="med" len="med"/>
+                      <a:tailEnd type="none" w="med" len="med"/>
+                    </a:lnL>
+                    <a:lnR w="6350" cap="flat" cmpd="sng" algn="ctr">
+                      <a:solidFill>
+                        <a:schemeClr val="tx1"/>
+                      </a:solidFill>
+                      <a:prstDash val="solid"/>
+                      <a:round/>
+                      <a:headEnd type="none" w="med" len="med"/>
+                      <a:tailEnd type="none" w="med" len="med"/>
+                    </a:lnR>
+                    <a:lnT w="6350" cap="flat" cmpd="sng" algn="ctr">
+                      <a:solidFill>
+                        <a:schemeClr val="tx1"/>
+                      </a:solidFill>
+                      <a:prstDash val="solid"/>
+                      <a:round/>
+                      <a:headEnd type="none" w="med" len="med"/>
+                      <a:tailEnd type="none" w="med" len="med"/>
+                    </a:lnT>
+                    <a:lnB w="6350" cap="flat" cmpd="sng" algn="ctr">
+                      <a:solidFill>
+                        <a:schemeClr val="tx1"/>
+                      </a:solidFill>
+                      <a:prstDash val="solid"/>
+                      <a:round/>
+                      <a:headEnd type="none" w="med" len="med"/>
+                      <a:tailEnd type="none" w="med" len="med"/>
+                    </a:lnB>
+                    <a:solidFill>
+                      <a:srgbClr val="F6F8FC"/>
+                    </a:solidFill>
+                  </a:tcPr>
+                </a:tc>
+                <a:extLst>
+                  <a:ext uri="{0D108BD9-81ED-4DB2-BD59-A6C34878D82A}">
+                    <a16:rowId xmlns:a16="http://schemas.microsoft.com/office/drawing/2014/main" val="4078697995"/>
+                  </a:ext>
+                </a:extLst>
+              </a:tr>
+            </a:tbl>
+          </a:graphicData>
+        </a:graphic>
+      </p:graphicFrame>
+    </p:spTree>
+    <p:extLst>
+      <p:ext uri="{BB962C8B-B14F-4D97-AF65-F5344CB8AC3E}">
+        <p14:creationId xmlns:p14="http://schemas.microsoft.com/office/powerpoint/2010/main" val="2745665798"/>
+      </p:ext>
+    </p:extLst>
+  </p:cSld>
+  <p:clrMapOvr>
+    <a:masterClrMapping/>
+  </p:clrMapOvr>
+  <p:timing>
+    <p:tnLst>
+      <p:par>
+        <p:cTn id="1" dur="indefinite" restart="never" nodeType="tmRoot"/>
+      </p:par>
+    </p:tnLst>
+  </p:timing>
+</p:sld>
+</file>
+
+<file path=ppt/slides/slide4.xml><?xml version="1.0" encoding="utf-8"?>
 <p:sld xmlns:a="http://schemas.openxmlformats.org/drawingml/2006/main" xmlns:r="http://schemas.openxmlformats.org/officeDocument/2006/relationships" xmlns:p="http://schemas.openxmlformats.org/presentationml/2006/main">
   <p:cSld>
     <p:spTree>
@@ -10708,7 +19426,7 @@
 </p:sld>
 </file>
 
-<file path=ppt/slides/slide4.xml><?xml version="1.0" encoding="utf-8"?>
+<file path=ppt/slides/slide5.xml><?xml version="1.0" encoding="utf-8"?>
 <p:sld xmlns:a="http://schemas.openxmlformats.org/drawingml/2006/main" xmlns:r="http://schemas.openxmlformats.org/officeDocument/2006/relationships" xmlns:p="http://schemas.openxmlformats.org/presentationml/2006/main">
   <p:cSld>
     <p:spTree>
@@ -13157,7 +21875,7 @@
 </p:sld>
 </file>
 
-<file path=ppt/slides/slide5.xml><?xml version="1.0" encoding="utf-8"?>
+<file path=ppt/slides/slide6.xml><?xml version="1.0" encoding="utf-8"?>
 <p:sld xmlns:a="http://schemas.openxmlformats.org/drawingml/2006/main" xmlns:r="http://schemas.openxmlformats.org/officeDocument/2006/relationships" xmlns:p="http://schemas.openxmlformats.org/presentationml/2006/main">
   <p:cSld>
     <p:spTree>
@@ -13806,17 +22524,7 @@
                 <a:latin typeface="삼성긴고딕OTF Medium" panose="020B0600000101010101" pitchFamily="34" charset="-127"/>
                 <a:ea typeface="삼성긴고딕OTF Medium" panose="020B0600000101010101" pitchFamily="34" charset="-127"/>
               </a:rPr>
-              <a:t>자형으로 </a:t>
-            </a:r>
-            <a:r>
-              <a:rPr lang="ko-KR" altLang="en-US" dirty="0" smtClean="0">
-                <a:solidFill>
-                  <a:schemeClr val="tx1"/>
-                </a:solidFill>
-                <a:latin typeface="삼성긴고딕OTF Medium" panose="020B0600000101010101" pitchFamily="34" charset="-127"/>
-                <a:ea typeface="삼성긴고딕OTF Medium" panose="020B0600000101010101" pitchFamily="34" charset="-127"/>
-              </a:rPr>
-              <a:t>영역을 구분했기 때문에 </a:t>
+              <a:t>자형으로 영역을 구분했기 때문에 </a:t>
             </a:r>
             <a:r>
               <a:rPr lang="en-US" altLang="ko-KR" dirty="0" smtClean="0">
@@ -13922,17 +22630,7 @@
                 <a:latin typeface="삼성긴고딕OTF Medium" panose="020B0600000101010101" pitchFamily="34" charset="-127"/>
                 <a:ea typeface="삼성긴고딕OTF Medium" panose="020B0600000101010101" pitchFamily="34" charset="-127"/>
               </a:rPr>
-              <a:t>(static</a:t>
-            </a:r>
-            <a:r>
-              <a:rPr lang="en-US" altLang="ko-KR" dirty="0" smtClean="0">
-                <a:solidFill>
-                  <a:schemeClr val="tx1"/>
-                </a:solidFill>
-                <a:latin typeface="삼성긴고딕OTF Medium" panose="020B0600000101010101" pitchFamily="34" charset="-127"/>
-                <a:ea typeface="삼성긴고딕OTF Medium" panose="020B0600000101010101" pitchFamily="34" charset="-127"/>
-              </a:rPr>
-              <a:t>) </a:t>
+              <a:t>(static) </a:t>
             </a:r>
             <a:r>
               <a:rPr lang="ko-KR" altLang="en-US" dirty="0" smtClean="0">
@@ -14057,17 +22755,7 @@
                 <a:latin typeface="삼성긴고딕OTF Medium" panose="020B0600000101010101" pitchFamily="34" charset="-127"/>
                 <a:ea typeface="삼성긴고딕OTF Medium" panose="020B0600000101010101" pitchFamily="34" charset="-127"/>
               </a:rPr>
-              <a:t>(stack</a:t>
-            </a:r>
-            <a:r>
-              <a:rPr lang="en-US" altLang="ko-KR" dirty="0" smtClean="0">
-                <a:solidFill>
-                  <a:schemeClr val="tx1"/>
-                </a:solidFill>
-                <a:latin typeface="삼성긴고딕OTF Medium" panose="020B0600000101010101" pitchFamily="34" charset="-127"/>
-                <a:ea typeface="삼성긴고딕OTF Medium" panose="020B0600000101010101" pitchFamily="34" charset="-127"/>
-              </a:rPr>
-              <a:t>) </a:t>
+              <a:t>(stack) </a:t>
             </a:r>
             <a:r>
               <a:rPr lang="ko-KR" altLang="en-US" dirty="0" smtClean="0">
@@ -14183,17 +22871,7 @@
                 <a:latin typeface="삼성긴고딕OTF Medium" panose="020B0600000101010101" pitchFamily="34" charset="-127"/>
                 <a:ea typeface="삼성긴고딕OTF Medium" panose="020B0600000101010101" pitchFamily="34" charset="-127"/>
               </a:rPr>
-              <a:t>(heap</a:t>
-            </a:r>
-            <a:r>
-              <a:rPr lang="en-US" altLang="ko-KR" dirty="0" smtClean="0">
-                <a:solidFill>
-                  <a:schemeClr val="tx1"/>
-                </a:solidFill>
-                <a:latin typeface="삼성긴고딕OTF Medium" panose="020B0600000101010101" pitchFamily="34" charset="-127"/>
-                <a:ea typeface="삼성긴고딕OTF Medium" panose="020B0600000101010101" pitchFamily="34" charset="-127"/>
-              </a:rPr>
-              <a:t>) </a:t>
+              <a:t>(heap) </a:t>
             </a:r>
             <a:r>
               <a:rPr lang="ko-KR" altLang="en-US" dirty="0" smtClean="0">
@@ -14317,17 +22995,7 @@
                 <a:latin typeface="삼성긴고딕OTF Medium" panose="020B0600000101010101" pitchFamily="34" charset="-127"/>
                 <a:ea typeface="삼성긴고딕OTF Medium" panose="020B0600000101010101" pitchFamily="34" charset="-127"/>
               </a:rPr>
-              <a:t>(static</a:t>
-            </a:r>
-            <a:r>
-              <a:rPr lang="en-US" altLang="ko-KR" sz="1400" dirty="0" smtClean="0">
-                <a:solidFill>
-                  <a:schemeClr val="tx1"/>
-                </a:solidFill>
-                <a:latin typeface="삼성긴고딕OTF Medium" panose="020B0600000101010101" pitchFamily="34" charset="-127"/>
-                <a:ea typeface="삼성긴고딕OTF Medium" panose="020B0600000101010101" pitchFamily="34" charset="-127"/>
-              </a:rPr>
-              <a:t>) </a:t>
+              <a:t>(static) </a:t>
             </a:r>
             <a:r>
               <a:rPr lang="ko-KR" altLang="en-US" sz="1400" dirty="0" smtClean="0">
@@ -14412,17 +23080,7 @@
                 <a:latin typeface="삼성긴고딕OTF Medium" panose="020B0600000101010101" pitchFamily="34" charset="-127"/>
                 <a:ea typeface="삼성긴고딕OTF Medium" panose="020B0600000101010101" pitchFamily="34" charset="-127"/>
               </a:rPr>
-              <a:t>(stack</a:t>
-            </a:r>
-            <a:r>
-              <a:rPr lang="en-US" altLang="ko-KR" sz="1400" dirty="0" smtClean="0">
-                <a:solidFill>
-                  <a:schemeClr val="tx1"/>
-                </a:solidFill>
-                <a:latin typeface="삼성긴고딕OTF Medium" panose="020B0600000101010101" pitchFamily="34" charset="-127"/>
-                <a:ea typeface="삼성긴고딕OTF Medium" panose="020B0600000101010101" pitchFamily="34" charset="-127"/>
-              </a:rPr>
-              <a:t>) </a:t>
+              <a:t>(stack) </a:t>
             </a:r>
             <a:r>
               <a:rPr lang="ko-KR" altLang="en-US" sz="1400" dirty="0" smtClean="0">
@@ -14500,17 +23158,7 @@
                 <a:latin typeface="삼성긴고딕OTF Medium" panose="020B0600000101010101" pitchFamily="34" charset="-127"/>
                 <a:ea typeface="삼성긴고딕OTF Medium" panose="020B0600000101010101" pitchFamily="34" charset="-127"/>
               </a:rPr>
-              <a:t>(heap</a:t>
-            </a:r>
-            <a:r>
-              <a:rPr lang="en-US" altLang="ko-KR" sz="1400" dirty="0" smtClean="0">
-                <a:solidFill>
-                  <a:schemeClr val="tx1"/>
-                </a:solidFill>
-                <a:latin typeface="삼성긴고딕OTF Medium" panose="020B0600000101010101" pitchFamily="34" charset="-127"/>
-                <a:ea typeface="삼성긴고딕OTF Medium" panose="020B0600000101010101" pitchFamily="34" charset="-127"/>
-              </a:rPr>
-              <a:t>) </a:t>
+              <a:t>(heap) </a:t>
             </a:r>
             <a:r>
               <a:rPr lang="ko-KR" altLang="en-US" sz="1400" dirty="0" smtClean="0">
@@ -14855,7 +23503,7 @@
 </p:sld>
 </file>
 
-<file path=ppt/slides/slide6.xml><?xml version="1.0" encoding="utf-8"?>
+<file path=ppt/slides/slide7.xml><?xml version="1.0" encoding="utf-8"?>
 <p:sld xmlns:a="http://schemas.openxmlformats.org/drawingml/2006/main" xmlns:r="http://schemas.openxmlformats.org/officeDocument/2006/relationships" xmlns:p="http://schemas.openxmlformats.org/presentationml/2006/main">
   <p:cSld>
     <p:spTree>
@@ -14935,17 +23583,7 @@
                 <a:latin typeface="삼성긴고딕OTF Medium" panose="020B0600000101010101" pitchFamily="34" charset="-127"/>
                 <a:ea typeface="삼성긴고딕OTF Medium" panose="020B0600000101010101" pitchFamily="34" charset="-127"/>
               </a:rPr>
-              <a:t>(static</a:t>
-            </a:r>
-            <a:r>
-              <a:rPr lang="en-US" altLang="ko-KR" sz="1400" dirty="0" smtClean="0">
-                <a:solidFill>
-                  <a:schemeClr val="tx1"/>
-                </a:solidFill>
-                <a:latin typeface="삼성긴고딕OTF Medium" panose="020B0600000101010101" pitchFamily="34" charset="-127"/>
-                <a:ea typeface="삼성긴고딕OTF Medium" panose="020B0600000101010101" pitchFamily="34" charset="-127"/>
-              </a:rPr>
-              <a:t>) </a:t>
+              <a:t>(static) </a:t>
             </a:r>
             <a:r>
               <a:rPr lang="ko-KR" altLang="en-US" sz="1400" dirty="0" smtClean="0">
@@ -15030,17 +23668,7 @@
                 <a:latin typeface="삼성긴고딕OTF Medium" panose="020B0600000101010101" pitchFamily="34" charset="-127"/>
                 <a:ea typeface="삼성긴고딕OTF Medium" panose="020B0600000101010101" pitchFamily="34" charset="-127"/>
               </a:rPr>
-              <a:t>(stack</a:t>
-            </a:r>
-            <a:r>
-              <a:rPr lang="en-US" altLang="ko-KR" sz="1400" dirty="0" smtClean="0">
-                <a:solidFill>
-                  <a:schemeClr val="tx1"/>
-                </a:solidFill>
-                <a:latin typeface="삼성긴고딕OTF Medium" panose="020B0600000101010101" pitchFamily="34" charset="-127"/>
-                <a:ea typeface="삼성긴고딕OTF Medium" panose="020B0600000101010101" pitchFamily="34" charset="-127"/>
-              </a:rPr>
-              <a:t>) </a:t>
+              <a:t>(stack) </a:t>
             </a:r>
             <a:r>
               <a:rPr lang="ko-KR" altLang="en-US" sz="1400" dirty="0" smtClean="0">
@@ -15118,17 +23746,7 @@
                 <a:latin typeface="삼성긴고딕OTF Medium" panose="020B0600000101010101" pitchFamily="34" charset="-127"/>
                 <a:ea typeface="삼성긴고딕OTF Medium" panose="020B0600000101010101" pitchFamily="34" charset="-127"/>
               </a:rPr>
-              <a:t>(heap</a:t>
-            </a:r>
-            <a:r>
-              <a:rPr lang="en-US" altLang="ko-KR" sz="1400" dirty="0" smtClean="0">
-                <a:solidFill>
-                  <a:schemeClr val="tx1"/>
-                </a:solidFill>
-                <a:latin typeface="삼성긴고딕OTF Medium" panose="020B0600000101010101" pitchFamily="34" charset="-127"/>
-                <a:ea typeface="삼성긴고딕OTF Medium" panose="020B0600000101010101" pitchFamily="34" charset="-127"/>
-              </a:rPr>
-              <a:t>) </a:t>
+              <a:t>(heap) </a:t>
             </a:r>
             <a:r>
               <a:rPr lang="ko-KR" altLang="en-US" sz="1400" dirty="0" smtClean="0">
@@ -15678,17 +24296,7 @@
                 <a:latin typeface="삼성긴고딕OTF Medium" panose="020B0600000101010101" pitchFamily="34" charset="-127"/>
                 <a:ea typeface="삼성긴고딕OTF Medium" panose="020B0600000101010101" pitchFamily="34" charset="-127"/>
               </a:rPr>
-              <a:t>(static</a:t>
-            </a:r>
-            <a:r>
-              <a:rPr lang="en-US" altLang="ko-KR" sz="1400" dirty="0" smtClean="0">
-                <a:solidFill>
-                  <a:schemeClr val="tx1"/>
-                </a:solidFill>
-                <a:latin typeface="삼성긴고딕OTF Medium" panose="020B0600000101010101" pitchFamily="34" charset="-127"/>
-                <a:ea typeface="삼성긴고딕OTF Medium" panose="020B0600000101010101" pitchFamily="34" charset="-127"/>
-              </a:rPr>
-              <a:t>) </a:t>
+              <a:t>(static) </a:t>
             </a:r>
             <a:r>
               <a:rPr lang="ko-KR" altLang="en-US" sz="1400" dirty="0" smtClean="0">
@@ -15773,17 +24381,7 @@
                 <a:latin typeface="삼성긴고딕OTF Medium" panose="020B0600000101010101" pitchFamily="34" charset="-127"/>
                 <a:ea typeface="삼성긴고딕OTF Medium" panose="020B0600000101010101" pitchFamily="34" charset="-127"/>
               </a:rPr>
-              <a:t>(stack</a:t>
-            </a:r>
-            <a:r>
-              <a:rPr lang="en-US" altLang="ko-KR" sz="1400" dirty="0" smtClean="0">
-                <a:solidFill>
-                  <a:schemeClr val="tx1"/>
-                </a:solidFill>
-                <a:latin typeface="삼성긴고딕OTF Medium" panose="020B0600000101010101" pitchFamily="34" charset="-127"/>
-                <a:ea typeface="삼성긴고딕OTF Medium" panose="020B0600000101010101" pitchFamily="34" charset="-127"/>
-              </a:rPr>
-              <a:t>) </a:t>
+              <a:t>(stack) </a:t>
             </a:r>
             <a:r>
               <a:rPr lang="ko-KR" altLang="en-US" sz="1400" dirty="0" smtClean="0">
@@ -15861,17 +24459,7 @@
                 <a:latin typeface="삼성긴고딕OTF Medium" panose="020B0600000101010101" pitchFamily="34" charset="-127"/>
                 <a:ea typeface="삼성긴고딕OTF Medium" panose="020B0600000101010101" pitchFamily="34" charset="-127"/>
               </a:rPr>
-              <a:t>(heap</a:t>
-            </a:r>
-            <a:r>
-              <a:rPr lang="en-US" altLang="ko-KR" sz="1400" dirty="0" smtClean="0">
-                <a:solidFill>
-                  <a:schemeClr val="tx1"/>
-                </a:solidFill>
-                <a:latin typeface="삼성긴고딕OTF Medium" panose="020B0600000101010101" pitchFamily="34" charset="-127"/>
-                <a:ea typeface="삼성긴고딕OTF Medium" panose="020B0600000101010101" pitchFamily="34" charset="-127"/>
-              </a:rPr>
-              <a:t>) </a:t>
+              <a:t>(heap) </a:t>
             </a:r>
             <a:r>
               <a:rPr lang="ko-KR" altLang="en-US" sz="1400" dirty="0" smtClean="0">
@@ -16568,17 +25156,7 @@
                 <a:latin typeface="삼성긴고딕OTF Medium" panose="020B0600000101010101" pitchFamily="34" charset="-127"/>
                 <a:ea typeface="삼성긴고딕OTF Medium" panose="020B0600000101010101" pitchFamily="34" charset="-127"/>
               </a:rPr>
-              <a:t>(static</a:t>
-            </a:r>
-            <a:r>
-              <a:rPr lang="en-US" altLang="ko-KR" sz="1400" dirty="0" smtClean="0">
-                <a:solidFill>
-                  <a:schemeClr val="tx1"/>
-                </a:solidFill>
-                <a:latin typeface="삼성긴고딕OTF Medium" panose="020B0600000101010101" pitchFamily="34" charset="-127"/>
-                <a:ea typeface="삼성긴고딕OTF Medium" panose="020B0600000101010101" pitchFamily="34" charset="-127"/>
-              </a:rPr>
-              <a:t>) </a:t>
+              <a:t>(static) </a:t>
             </a:r>
             <a:r>
               <a:rPr lang="ko-KR" altLang="en-US" sz="1400" dirty="0" smtClean="0">
@@ -16663,17 +25241,7 @@
                 <a:latin typeface="삼성긴고딕OTF Medium" panose="020B0600000101010101" pitchFamily="34" charset="-127"/>
                 <a:ea typeface="삼성긴고딕OTF Medium" panose="020B0600000101010101" pitchFamily="34" charset="-127"/>
               </a:rPr>
-              <a:t>(stack</a:t>
-            </a:r>
-            <a:r>
-              <a:rPr lang="en-US" altLang="ko-KR" sz="1400" dirty="0" smtClean="0">
-                <a:solidFill>
-                  <a:schemeClr val="tx1"/>
-                </a:solidFill>
-                <a:latin typeface="삼성긴고딕OTF Medium" panose="020B0600000101010101" pitchFamily="34" charset="-127"/>
-                <a:ea typeface="삼성긴고딕OTF Medium" panose="020B0600000101010101" pitchFamily="34" charset="-127"/>
-              </a:rPr>
-              <a:t>) </a:t>
+              <a:t>(stack) </a:t>
             </a:r>
             <a:r>
               <a:rPr lang="ko-KR" altLang="en-US" sz="1400" dirty="0" smtClean="0">
@@ -16751,17 +25319,7 @@
                 <a:latin typeface="삼성긴고딕OTF Medium" panose="020B0600000101010101" pitchFamily="34" charset="-127"/>
                 <a:ea typeface="삼성긴고딕OTF Medium" panose="020B0600000101010101" pitchFamily="34" charset="-127"/>
               </a:rPr>
-              <a:t>(heap</a:t>
-            </a:r>
-            <a:r>
-              <a:rPr lang="en-US" altLang="ko-KR" sz="1400" dirty="0" smtClean="0">
-                <a:solidFill>
-                  <a:schemeClr val="tx1"/>
-                </a:solidFill>
-                <a:latin typeface="삼성긴고딕OTF Medium" panose="020B0600000101010101" pitchFamily="34" charset="-127"/>
-                <a:ea typeface="삼성긴고딕OTF Medium" panose="020B0600000101010101" pitchFamily="34" charset="-127"/>
-              </a:rPr>
-              <a:t>) </a:t>
+              <a:t>(heap) </a:t>
             </a:r>
             <a:r>
               <a:rPr lang="ko-KR" altLang="en-US" sz="1400" dirty="0" smtClean="0">
@@ -17569,7 +26127,7 @@
 </p:sld>
 </file>
 
-<file path=ppt/slides/slide7.xml><?xml version="1.0" encoding="utf-8"?>
+<file path=ppt/slides/slide8.xml><?xml version="1.0" encoding="utf-8"?>
 <p:sld xmlns:a="http://schemas.openxmlformats.org/drawingml/2006/main" xmlns:r="http://schemas.openxmlformats.org/officeDocument/2006/relationships" xmlns:p="http://schemas.openxmlformats.org/presentationml/2006/main">
   <p:cSld>
     <p:spTree>
@@ -17649,17 +26207,7 @@
                 <a:latin typeface="삼성긴고딕OTF Medium" panose="020B0600000101010101" pitchFamily="34" charset="-127"/>
                 <a:ea typeface="삼성긴고딕OTF Medium" panose="020B0600000101010101" pitchFamily="34" charset="-127"/>
               </a:rPr>
-              <a:t>(static</a:t>
-            </a:r>
-            <a:r>
-              <a:rPr lang="en-US" altLang="ko-KR" sz="1400" dirty="0" smtClean="0">
-                <a:solidFill>
-                  <a:schemeClr val="tx1"/>
-                </a:solidFill>
-                <a:latin typeface="삼성긴고딕OTF Medium" panose="020B0600000101010101" pitchFamily="34" charset="-127"/>
-                <a:ea typeface="삼성긴고딕OTF Medium" panose="020B0600000101010101" pitchFamily="34" charset="-127"/>
-              </a:rPr>
-              <a:t>) </a:t>
+              <a:t>(static) </a:t>
             </a:r>
             <a:r>
               <a:rPr lang="ko-KR" altLang="en-US" sz="1400" dirty="0" smtClean="0">
@@ -17744,17 +26292,7 @@
                 <a:latin typeface="삼성긴고딕OTF Medium" panose="020B0600000101010101" pitchFamily="34" charset="-127"/>
                 <a:ea typeface="삼성긴고딕OTF Medium" panose="020B0600000101010101" pitchFamily="34" charset="-127"/>
               </a:rPr>
-              <a:t>(stack</a:t>
-            </a:r>
-            <a:r>
-              <a:rPr lang="en-US" altLang="ko-KR" sz="1400" dirty="0" smtClean="0">
-                <a:solidFill>
-                  <a:schemeClr val="tx1"/>
-                </a:solidFill>
-                <a:latin typeface="삼성긴고딕OTF Medium" panose="020B0600000101010101" pitchFamily="34" charset="-127"/>
-                <a:ea typeface="삼성긴고딕OTF Medium" panose="020B0600000101010101" pitchFamily="34" charset="-127"/>
-              </a:rPr>
-              <a:t>) </a:t>
+              <a:t>(stack) </a:t>
             </a:r>
             <a:r>
               <a:rPr lang="ko-KR" altLang="en-US" sz="1400" dirty="0" smtClean="0">
@@ -17832,17 +26370,7 @@
                 <a:latin typeface="삼성긴고딕OTF Medium" panose="020B0600000101010101" pitchFamily="34" charset="-127"/>
                 <a:ea typeface="삼성긴고딕OTF Medium" panose="020B0600000101010101" pitchFamily="34" charset="-127"/>
               </a:rPr>
-              <a:t>(heap</a:t>
-            </a:r>
-            <a:r>
-              <a:rPr lang="en-US" altLang="ko-KR" sz="1400" dirty="0" smtClean="0">
-                <a:solidFill>
-                  <a:schemeClr val="tx1"/>
-                </a:solidFill>
-                <a:latin typeface="삼성긴고딕OTF Medium" panose="020B0600000101010101" pitchFamily="34" charset="-127"/>
-                <a:ea typeface="삼성긴고딕OTF Medium" panose="020B0600000101010101" pitchFamily="34" charset="-127"/>
-              </a:rPr>
-              <a:t>) </a:t>
+              <a:t>(heap) </a:t>
             </a:r>
             <a:r>
               <a:rPr lang="ko-KR" altLang="en-US" sz="1400" dirty="0" smtClean="0">

--- a/PPT_Image.pptx
+++ b/PPT_Image.pptx
@@ -15,6 +15,7 @@
     <p:sldId id="260" r:id="rId9"/>
     <p:sldId id="261" r:id="rId10"/>
     <p:sldId id="262" r:id="rId11"/>
+    <p:sldId id="266" r:id="rId12"/>
   </p:sldIdLst>
   <p:sldSz cx="12192000" cy="6858000"/>
   <p:notesSz cx="6858000" cy="9144000"/>
@@ -252,7 +253,7 @@
           <a:p>
             <a:fld id="{5C3F47B3-2A9D-4524-A859-E9ED1EDC8D04}" type="datetimeFigureOut">
               <a:rPr lang="ko-KR" altLang="en-US" smtClean="0"/>
-              <a:t>2023-07-17</a:t>
+              <a:t>2023-07-26</a:t>
             </a:fld>
             <a:endParaRPr lang="ko-KR" altLang="en-US"/>
           </a:p>
@@ -422,7 +423,7 @@
           <a:p>
             <a:fld id="{5C3F47B3-2A9D-4524-A859-E9ED1EDC8D04}" type="datetimeFigureOut">
               <a:rPr lang="ko-KR" altLang="en-US" smtClean="0"/>
-              <a:t>2023-07-17</a:t>
+              <a:t>2023-07-26</a:t>
             </a:fld>
             <a:endParaRPr lang="ko-KR" altLang="en-US"/>
           </a:p>
@@ -602,7 +603,7 @@
           <a:p>
             <a:fld id="{5C3F47B3-2A9D-4524-A859-E9ED1EDC8D04}" type="datetimeFigureOut">
               <a:rPr lang="ko-KR" altLang="en-US" smtClean="0"/>
-              <a:t>2023-07-17</a:t>
+              <a:t>2023-07-26</a:t>
             </a:fld>
             <a:endParaRPr lang="ko-KR" altLang="en-US"/>
           </a:p>
@@ -772,7 +773,7 @@
           <a:p>
             <a:fld id="{5C3F47B3-2A9D-4524-A859-E9ED1EDC8D04}" type="datetimeFigureOut">
               <a:rPr lang="ko-KR" altLang="en-US" smtClean="0"/>
-              <a:t>2023-07-17</a:t>
+              <a:t>2023-07-26</a:t>
             </a:fld>
             <a:endParaRPr lang="ko-KR" altLang="en-US"/>
           </a:p>
@@ -1018,7 +1019,7 @@
           <a:p>
             <a:fld id="{5C3F47B3-2A9D-4524-A859-E9ED1EDC8D04}" type="datetimeFigureOut">
               <a:rPr lang="ko-KR" altLang="en-US" smtClean="0"/>
-              <a:t>2023-07-17</a:t>
+              <a:t>2023-07-26</a:t>
             </a:fld>
             <a:endParaRPr lang="ko-KR" altLang="en-US"/>
           </a:p>
@@ -1250,7 +1251,7 @@
           <a:p>
             <a:fld id="{5C3F47B3-2A9D-4524-A859-E9ED1EDC8D04}" type="datetimeFigureOut">
               <a:rPr lang="ko-KR" altLang="en-US" smtClean="0"/>
-              <a:t>2023-07-17</a:t>
+              <a:t>2023-07-26</a:t>
             </a:fld>
             <a:endParaRPr lang="ko-KR" altLang="en-US"/>
           </a:p>
@@ -1617,7 +1618,7 @@
           <a:p>
             <a:fld id="{5C3F47B3-2A9D-4524-A859-E9ED1EDC8D04}" type="datetimeFigureOut">
               <a:rPr lang="ko-KR" altLang="en-US" smtClean="0"/>
-              <a:t>2023-07-17</a:t>
+              <a:t>2023-07-26</a:t>
             </a:fld>
             <a:endParaRPr lang="ko-KR" altLang="en-US"/>
           </a:p>
@@ -1735,7 +1736,7 @@
           <a:p>
             <a:fld id="{5C3F47B3-2A9D-4524-A859-E9ED1EDC8D04}" type="datetimeFigureOut">
               <a:rPr lang="ko-KR" altLang="en-US" smtClean="0"/>
-              <a:t>2023-07-17</a:t>
+              <a:t>2023-07-26</a:t>
             </a:fld>
             <a:endParaRPr lang="ko-KR" altLang="en-US"/>
           </a:p>
@@ -1830,7 +1831,7 @@
           <a:p>
             <a:fld id="{5C3F47B3-2A9D-4524-A859-E9ED1EDC8D04}" type="datetimeFigureOut">
               <a:rPr lang="ko-KR" altLang="en-US" smtClean="0"/>
-              <a:t>2023-07-17</a:t>
+              <a:t>2023-07-26</a:t>
             </a:fld>
             <a:endParaRPr lang="ko-KR" altLang="en-US"/>
           </a:p>
@@ -2107,7 +2108,7 @@
           <a:p>
             <a:fld id="{5C3F47B3-2A9D-4524-A859-E9ED1EDC8D04}" type="datetimeFigureOut">
               <a:rPr lang="ko-KR" altLang="en-US" smtClean="0"/>
-              <a:t>2023-07-17</a:t>
+              <a:t>2023-07-26</a:t>
             </a:fld>
             <a:endParaRPr lang="ko-KR" altLang="en-US"/>
           </a:p>
@@ -2360,7 +2361,7 @@
           <a:p>
             <a:fld id="{5C3F47B3-2A9D-4524-A859-E9ED1EDC8D04}" type="datetimeFigureOut">
               <a:rPr lang="ko-KR" altLang="en-US" smtClean="0"/>
-              <a:t>2023-07-17</a:t>
+              <a:t>2023-07-26</a:t>
             </a:fld>
             <a:endParaRPr lang="ko-KR" altLang="en-US"/>
           </a:p>
@@ -2573,7 +2574,7 @@
           <a:p>
             <a:fld id="{5C3F47B3-2A9D-4524-A859-E9ED1EDC8D04}" type="datetimeFigureOut">
               <a:rPr lang="ko-KR" altLang="en-US" smtClean="0"/>
-              <a:t>2023-07-17</a:t>
+              <a:t>2023-07-26</a:t>
             </a:fld>
             <a:endParaRPr lang="ko-KR" altLang="en-US"/>
           </a:p>
@@ -5010,6 +5011,3377 @@
     <p:extLst>
       <p:ext uri="{BB962C8B-B14F-4D97-AF65-F5344CB8AC3E}">
         <p14:creationId xmlns:p14="http://schemas.microsoft.com/office/powerpoint/2010/main" val="3634365811"/>
+      </p:ext>
+    </p:extLst>
+  </p:cSld>
+  <p:clrMapOvr>
+    <a:masterClrMapping/>
+  </p:clrMapOvr>
+  <p:timing>
+    <p:tnLst>
+      <p:par>
+        <p:cTn id="1" dur="indefinite" restart="never" nodeType="tmRoot"/>
+      </p:par>
+    </p:tnLst>
+  </p:timing>
+</p:sld>
+</file>
+
+<file path=ppt/slides/slide11.xml><?xml version="1.0" encoding="utf-8"?>
+<p:sld xmlns:a="http://schemas.openxmlformats.org/drawingml/2006/main" xmlns:r="http://schemas.openxmlformats.org/officeDocument/2006/relationships" xmlns:p="http://schemas.openxmlformats.org/presentationml/2006/main">
+  <p:cSld>
+    <p:spTree>
+      <p:nvGrpSpPr>
+        <p:cNvPr id="1" name=""/>
+        <p:cNvGrpSpPr/>
+        <p:nvPr/>
+      </p:nvGrpSpPr>
+      <p:grpSpPr>
+        <a:xfrm>
+          <a:off x="0" y="0"/>
+          <a:ext cx="0" cy="0"/>
+          <a:chOff x="0" y="0"/>
+          <a:chExt cx="0" cy="0"/>
+        </a:xfrm>
+      </p:grpSpPr>
+      <p:grpSp>
+        <p:nvGrpSpPr>
+          <p:cNvPr id="8" name="그룹 7"/>
+          <p:cNvGrpSpPr/>
+          <p:nvPr/>
+        </p:nvGrpSpPr>
+        <p:grpSpPr>
+          <a:xfrm>
+            <a:off x="520756" y="923918"/>
+            <a:ext cx="972000" cy="1080000"/>
+            <a:chOff x="520756" y="1103918"/>
+            <a:chExt cx="972000" cy="1080000"/>
+          </a:xfrm>
+        </p:grpSpPr>
+        <p:pic>
+          <p:nvPicPr>
+            <p:cNvPr id="4" name="Picture 6" descr="https://cdn-icons-png.flaticon.com/512/3126/3126647.png"/>
+            <p:cNvPicPr>
+              <a:picLocks noChangeAspect="1" noChangeArrowheads="1"/>
+            </p:cNvPicPr>
+            <p:nvPr/>
+          </p:nvPicPr>
+          <p:blipFill>
+            <a:blip r:embed="rId2" cstate="print">
+              <a:extLst>
+                <a:ext uri="{28A0092B-C50C-407E-A947-70E740481C1C}">
+                  <a14:useLocalDpi xmlns:a14="http://schemas.microsoft.com/office/drawing/2010/main" val="0"/>
+                </a:ext>
+              </a:extLst>
+            </a:blip>
+            <a:srcRect/>
+            <a:stretch>
+              <a:fillRect/>
+            </a:stretch>
+          </p:blipFill>
+          <p:spPr bwMode="auto">
+            <a:xfrm>
+              <a:off x="646756" y="1103918"/>
+              <a:ext cx="720000" cy="720000"/>
+            </a:xfrm>
+            <a:prstGeom prst="rect">
+              <a:avLst/>
+            </a:prstGeom>
+            <a:noFill/>
+            <a:extLst>
+              <a:ext uri="{909E8E84-426E-40DD-AFC4-6F175D3DCCD1}">
+                <a14:hiddenFill xmlns:a14="http://schemas.microsoft.com/office/drawing/2010/main">
+                  <a:solidFill>
+                    <a:srgbClr val="FFFFFF"/>
+                  </a:solidFill>
+                </a14:hiddenFill>
+              </a:ext>
+            </a:extLst>
+          </p:spPr>
+        </p:pic>
+        <p:sp>
+          <p:nvSpPr>
+            <p:cNvPr id="5" name="직사각형 4"/>
+            <p:cNvSpPr/>
+            <p:nvPr/>
+          </p:nvSpPr>
+          <p:spPr>
+            <a:xfrm>
+              <a:off x="520756" y="1823918"/>
+              <a:ext cx="972000" cy="360000"/>
+            </a:xfrm>
+            <a:prstGeom prst="rect">
+              <a:avLst/>
+            </a:prstGeom>
+            <a:noFill/>
+            <a:ln>
+              <a:noFill/>
+            </a:ln>
+          </p:spPr>
+          <p:style>
+            <a:lnRef idx="2">
+              <a:schemeClr val="accent1">
+                <a:shade val="50000"/>
+              </a:schemeClr>
+            </a:lnRef>
+            <a:fillRef idx="1">
+              <a:schemeClr val="accent1"/>
+            </a:fillRef>
+            <a:effectRef idx="0">
+              <a:schemeClr val="accent1"/>
+            </a:effectRef>
+            <a:fontRef idx="minor">
+              <a:schemeClr val="lt1"/>
+            </a:fontRef>
+          </p:style>
+          <p:txBody>
+            <a:bodyPr rtlCol="0" anchor="ctr"/>
+            <a:lstStyle/>
+            <a:p>
+              <a:pPr algn="ctr"/>
+              <a:r>
+                <a:rPr lang="en-US" altLang="ko-KR" sz="1200" dirty="0" smtClean="0">
+                  <a:solidFill>
+                    <a:schemeClr val="tx1"/>
+                  </a:solidFill>
+                  <a:latin typeface="삼성긴고딕OTF Bold" panose="020B0600000101010101" pitchFamily="34" charset="-127"/>
+                  <a:ea typeface="삼성긴고딕OTF Bold" panose="020B0600000101010101" pitchFamily="34" charset="-127"/>
+                </a:rPr>
+                <a:t>Client</a:t>
+              </a:r>
+              <a:endParaRPr lang="ko-KR" altLang="en-US" sz="1200" dirty="0">
+                <a:solidFill>
+                  <a:schemeClr val="tx1"/>
+                </a:solidFill>
+                <a:latin typeface="삼성긴고딕OTF Bold" panose="020B0600000101010101" pitchFamily="34" charset="-127"/>
+                <a:ea typeface="삼성긴고딕OTF Bold" panose="020B0600000101010101" pitchFamily="34" charset="-127"/>
+              </a:endParaRPr>
+            </a:p>
+          </p:txBody>
+        </p:sp>
+      </p:grpSp>
+      <p:graphicFrame>
+        <p:nvGraphicFramePr>
+          <p:cNvPr id="6" name="표 5"/>
+          <p:cNvGraphicFramePr>
+            <a:graphicFrameLocks noGrp="1"/>
+          </p:cNvGraphicFramePr>
+          <p:nvPr>
+            <p:extLst>
+              <p:ext uri="{D42A27DB-BD31-4B8C-83A1-F6EECF244321}">
+                <p14:modId xmlns:p14="http://schemas.microsoft.com/office/powerpoint/2010/main" val="4077609315"/>
+              </p:ext>
+            </p:extLst>
+          </p:nvPr>
+        </p:nvGraphicFramePr>
+        <p:xfrm>
+          <a:off x="2312307" y="887918"/>
+          <a:ext cx="2160000" cy="1152000"/>
+        </p:xfrm>
+        <a:graphic>
+          <a:graphicData uri="http://schemas.openxmlformats.org/drawingml/2006/table">
+            <a:tbl>
+              <a:tblPr firstRow="1" bandRow="1">
+                <a:tableStyleId>{5C22544A-7EE6-4342-B048-85BDC9FD1C3A}</a:tableStyleId>
+              </a:tblPr>
+              <a:tblGrid>
+                <a:gridCol w="1440000">
+                  <a:extLst>
+                    <a:ext uri="{9D8B030D-6E8A-4147-A177-3AD203B41FA5}">
+                      <a16:colId xmlns:a16="http://schemas.microsoft.com/office/drawing/2014/main" val="3463867517"/>
+                    </a:ext>
+                  </a:extLst>
+                </a:gridCol>
+                <a:gridCol w="720000">
+                  <a:extLst>
+                    <a:ext uri="{9D8B030D-6E8A-4147-A177-3AD203B41FA5}">
+                      <a16:colId xmlns:a16="http://schemas.microsoft.com/office/drawing/2014/main" val="2410042222"/>
+                    </a:ext>
+                  </a:extLst>
+                </a:gridCol>
+              </a:tblGrid>
+              <a:tr h="288000">
+                <a:tc>
+                  <a:txBody>
+                    <a:bodyPr/>
+                    <a:lstStyle/>
+                    <a:p>
+                      <a:pPr algn="ctr" latinLnBrk="1"/>
+                      <a:r>
+                        <a:rPr lang="ko-KR" altLang="en-US" sz="1000" b="0" dirty="0" smtClean="0">
+                          <a:latin typeface="삼성긴고딕OTF Medium" panose="020B0600000101010101" pitchFamily="34" charset="-127"/>
+                          <a:ea typeface="삼성긴고딕OTF Medium" panose="020B0600000101010101" pitchFamily="34" charset="-127"/>
+                        </a:rPr>
+                        <a:t>상품명</a:t>
+                      </a:r>
+                      <a:endParaRPr lang="ko-KR" altLang="en-US" sz="1000" b="0" dirty="0">
+                        <a:latin typeface="삼성긴고딕OTF Medium" panose="020B0600000101010101" pitchFamily="34" charset="-127"/>
+                        <a:ea typeface="삼성긴고딕OTF Medium" panose="020B0600000101010101" pitchFamily="34" charset="-127"/>
+                      </a:endParaRPr>
+                    </a:p>
+                  </a:txBody>
+                  <a:tcPr>
+                    <a:lnL w="6350" cap="flat" cmpd="sng" algn="ctr">
+                      <a:solidFill>
+                        <a:schemeClr val="tx1"/>
+                      </a:solidFill>
+                      <a:prstDash val="solid"/>
+                      <a:round/>
+                      <a:headEnd type="none" w="med" len="med"/>
+                      <a:tailEnd type="none" w="med" len="med"/>
+                    </a:lnL>
+                    <a:lnR w="6350" cap="flat" cmpd="sng" algn="ctr">
+                      <a:solidFill>
+                        <a:schemeClr val="tx1"/>
+                      </a:solidFill>
+                      <a:prstDash val="solid"/>
+                      <a:round/>
+                      <a:headEnd type="none" w="med" len="med"/>
+                      <a:tailEnd type="none" w="med" len="med"/>
+                    </a:lnR>
+                    <a:lnT w="6350" cap="flat" cmpd="sng" algn="ctr">
+                      <a:solidFill>
+                        <a:schemeClr val="tx1"/>
+                      </a:solidFill>
+                      <a:prstDash val="solid"/>
+                      <a:round/>
+                      <a:headEnd type="none" w="med" len="med"/>
+                      <a:tailEnd type="none" w="med" len="med"/>
+                    </a:lnT>
+                    <a:lnB w="6350" cap="flat" cmpd="sng" algn="ctr">
+                      <a:solidFill>
+                        <a:schemeClr val="tx1"/>
+                      </a:solidFill>
+                      <a:prstDash val="solid"/>
+                      <a:round/>
+                      <a:headEnd type="none" w="med" len="med"/>
+                      <a:tailEnd type="none" w="med" len="med"/>
+                    </a:lnB>
+                    <a:solidFill>
+                      <a:schemeClr val="accent4"/>
+                    </a:solidFill>
+                  </a:tcPr>
+                </a:tc>
+                <a:tc>
+                  <a:txBody>
+                    <a:bodyPr/>
+                    <a:lstStyle/>
+                    <a:p>
+                      <a:pPr algn="ctr" latinLnBrk="1"/>
+                      <a:r>
+                        <a:rPr lang="ko-KR" altLang="en-US" sz="1000" b="0" dirty="0" smtClean="0">
+                          <a:latin typeface="삼성긴고딕OTF Medium" panose="020B0600000101010101" pitchFamily="34" charset="-127"/>
+                          <a:ea typeface="삼성긴고딕OTF Medium" panose="020B0600000101010101" pitchFamily="34" charset="-127"/>
+                        </a:rPr>
+                        <a:t>할인가</a:t>
+                      </a:r>
+                      <a:endParaRPr lang="ko-KR" altLang="en-US" sz="1000" b="0" dirty="0">
+                        <a:latin typeface="삼성긴고딕OTF Medium" panose="020B0600000101010101" pitchFamily="34" charset="-127"/>
+                        <a:ea typeface="삼성긴고딕OTF Medium" panose="020B0600000101010101" pitchFamily="34" charset="-127"/>
+                      </a:endParaRPr>
+                    </a:p>
+                  </a:txBody>
+                  <a:tcPr>
+                    <a:lnL w="6350" cap="flat" cmpd="sng" algn="ctr">
+                      <a:solidFill>
+                        <a:schemeClr val="tx1"/>
+                      </a:solidFill>
+                      <a:prstDash val="solid"/>
+                      <a:round/>
+                      <a:headEnd type="none" w="med" len="med"/>
+                      <a:tailEnd type="none" w="med" len="med"/>
+                    </a:lnL>
+                    <a:lnR w="6350" cap="flat" cmpd="sng" algn="ctr">
+                      <a:solidFill>
+                        <a:schemeClr val="tx1"/>
+                      </a:solidFill>
+                      <a:prstDash val="solid"/>
+                      <a:round/>
+                      <a:headEnd type="none" w="med" len="med"/>
+                      <a:tailEnd type="none" w="med" len="med"/>
+                    </a:lnR>
+                    <a:lnT w="6350" cap="flat" cmpd="sng" algn="ctr">
+                      <a:solidFill>
+                        <a:schemeClr val="tx1"/>
+                      </a:solidFill>
+                      <a:prstDash val="solid"/>
+                      <a:round/>
+                      <a:headEnd type="none" w="med" len="med"/>
+                      <a:tailEnd type="none" w="med" len="med"/>
+                    </a:lnT>
+                    <a:lnB w="6350" cap="flat" cmpd="sng" algn="ctr">
+                      <a:solidFill>
+                        <a:schemeClr val="tx1"/>
+                      </a:solidFill>
+                      <a:prstDash val="solid"/>
+                      <a:round/>
+                      <a:headEnd type="none" w="med" len="med"/>
+                      <a:tailEnd type="none" w="med" len="med"/>
+                    </a:lnB>
+                    <a:solidFill>
+                      <a:schemeClr val="accent4"/>
+                    </a:solidFill>
+                  </a:tcPr>
+                </a:tc>
+                <a:extLst>
+                  <a:ext uri="{0D108BD9-81ED-4DB2-BD59-A6C34878D82A}">
+                    <a16:rowId xmlns:a16="http://schemas.microsoft.com/office/drawing/2014/main" val="278685539"/>
+                  </a:ext>
+                </a:extLst>
+              </a:tr>
+              <a:tr h="288000">
+                <a:tc>
+                  <a:txBody>
+                    <a:bodyPr/>
+                    <a:lstStyle/>
+                    <a:p>
+                      <a:pPr algn="ctr" latinLnBrk="1"/>
+                      <a:r>
+                        <a:rPr lang="ko-KR" altLang="en-US" sz="1000" dirty="0" err="1" smtClean="0">
+                          <a:latin typeface="삼성긴고딕OTF Regular" panose="020B0600000101010101" pitchFamily="34" charset="-127"/>
+                          <a:ea typeface="삼성긴고딕OTF Regular" panose="020B0600000101010101" pitchFamily="34" charset="-127"/>
+                        </a:rPr>
+                        <a:t>이펙티브</a:t>
+                      </a:r>
+                      <a:r>
+                        <a:rPr lang="ko-KR" altLang="en-US" sz="1000" dirty="0" smtClean="0">
+                          <a:latin typeface="삼성긴고딕OTF Regular" panose="020B0600000101010101" pitchFamily="34" charset="-127"/>
+                          <a:ea typeface="삼성긴고딕OTF Regular" panose="020B0600000101010101" pitchFamily="34" charset="-127"/>
+                        </a:rPr>
+                        <a:t> 자바</a:t>
+                      </a:r>
+                      <a:endParaRPr lang="ko-KR" altLang="en-US" sz="1000" dirty="0">
+                        <a:latin typeface="삼성긴고딕OTF Regular" panose="020B0600000101010101" pitchFamily="34" charset="-127"/>
+                        <a:ea typeface="삼성긴고딕OTF Regular" panose="020B0600000101010101" pitchFamily="34" charset="-127"/>
+                      </a:endParaRPr>
+                    </a:p>
+                  </a:txBody>
+                  <a:tcPr>
+                    <a:lnL w="6350" cap="flat" cmpd="sng" algn="ctr">
+                      <a:solidFill>
+                        <a:schemeClr val="tx1"/>
+                      </a:solidFill>
+                      <a:prstDash val="solid"/>
+                      <a:round/>
+                      <a:headEnd type="none" w="med" len="med"/>
+                      <a:tailEnd type="none" w="med" len="med"/>
+                    </a:lnL>
+                    <a:lnR w="6350" cap="flat" cmpd="sng" algn="ctr">
+                      <a:solidFill>
+                        <a:schemeClr val="tx1"/>
+                      </a:solidFill>
+                      <a:prstDash val="solid"/>
+                      <a:round/>
+                      <a:headEnd type="none" w="med" len="med"/>
+                      <a:tailEnd type="none" w="med" len="med"/>
+                    </a:lnR>
+                    <a:lnT w="6350" cap="flat" cmpd="sng" algn="ctr">
+                      <a:solidFill>
+                        <a:schemeClr val="tx1"/>
+                      </a:solidFill>
+                      <a:prstDash val="solid"/>
+                      <a:round/>
+                      <a:headEnd type="none" w="med" len="med"/>
+                      <a:tailEnd type="none" w="med" len="med"/>
+                    </a:lnT>
+                    <a:lnB w="6350" cap="flat" cmpd="sng" algn="ctr">
+                      <a:solidFill>
+                        <a:schemeClr val="tx1"/>
+                      </a:solidFill>
+                      <a:prstDash val="solid"/>
+                      <a:round/>
+                      <a:headEnd type="none" w="med" len="med"/>
+                      <a:tailEnd type="none" w="med" len="med"/>
+                    </a:lnB>
+                    <a:solidFill>
+                      <a:srgbClr val="F6F8FC"/>
+                    </a:solidFill>
+                  </a:tcPr>
+                </a:tc>
+                <a:tc>
+                  <a:txBody>
+                    <a:bodyPr/>
+                    <a:lstStyle/>
+                    <a:p>
+                      <a:pPr algn="ctr" latinLnBrk="1"/>
+                      <a:r>
+                        <a:rPr lang="en-US" altLang="ko-KR" sz="1000" dirty="0" smtClean="0">
+                          <a:latin typeface="삼성긴고딕OTF Regular" panose="020B0600000101010101" pitchFamily="34" charset="-127"/>
+                          <a:ea typeface="삼성긴고딕OTF Regular" panose="020B0600000101010101" pitchFamily="34" charset="-127"/>
+                        </a:rPr>
+                        <a:t>32,000</a:t>
+                      </a:r>
+                      <a:r>
+                        <a:rPr lang="ko-KR" altLang="en-US" sz="1000" dirty="0" smtClean="0">
+                          <a:latin typeface="삼성긴고딕OTF Regular" panose="020B0600000101010101" pitchFamily="34" charset="-127"/>
+                          <a:ea typeface="삼성긴고딕OTF Regular" panose="020B0600000101010101" pitchFamily="34" charset="-127"/>
+                        </a:rPr>
+                        <a:t>원</a:t>
+                      </a:r>
+                      <a:endParaRPr lang="ko-KR" altLang="en-US" sz="1000" dirty="0">
+                        <a:latin typeface="삼성긴고딕OTF Regular" panose="020B0600000101010101" pitchFamily="34" charset="-127"/>
+                        <a:ea typeface="삼성긴고딕OTF Regular" panose="020B0600000101010101" pitchFamily="34" charset="-127"/>
+                      </a:endParaRPr>
+                    </a:p>
+                  </a:txBody>
+                  <a:tcPr>
+                    <a:lnL w="6350" cap="flat" cmpd="sng" algn="ctr">
+                      <a:solidFill>
+                        <a:schemeClr val="tx1"/>
+                      </a:solidFill>
+                      <a:prstDash val="solid"/>
+                      <a:round/>
+                      <a:headEnd type="none" w="med" len="med"/>
+                      <a:tailEnd type="none" w="med" len="med"/>
+                    </a:lnL>
+                    <a:lnR w="6350" cap="flat" cmpd="sng" algn="ctr">
+                      <a:solidFill>
+                        <a:schemeClr val="tx1"/>
+                      </a:solidFill>
+                      <a:prstDash val="solid"/>
+                      <a:round/>
+                      <a:headEnd type="none" w="med" len="med"/>
+                      <a:tailEnd type="none" w="med" len="med"/>
+                    </a:lnR>
+                    <a:lnT w="6350" cap="flat" cmpd="sng" algn="ctr">
+                      <a:solidFill>
+                        <a:schemeClr val="tx1"/>
+                      </a:solidFill>
+                      <a:prstDash val="solid"/>
+                      <a:round/>
+                      <a:headEnd type="none" w="med" len="med"/>
+                      <a:tailEnd type="none" w="med" len="med"/>
+                    </a:lnT>
+                    <a:lnB w="6350" cap="flat" cmpd="sng" algn="ctr">
+                      <a:solidFill>
+                        <a:schemeClr val="tx1"/>
+                      </a:solidFill>
+                      <a:prstDash val="solid"/>
+                      <a:round/>
+                      <a:headEnd type="none" w="med" len="med"/>
+                      <a:tailEnd type="none" w="med" len="med"/>
+                    </a:lnB>
+                    <a:solidFill>
+                      <a:srgbClr val="F6F8FC"/>
+                    </a:solidFill>
+                  </a:tcPr>
+                </a:tc>
+                <a:extLst>
+                  <a:ext uri="{0D108BD9-81ED-4DB2-BD59-A6C34878D82A}">
+                    <a16:rowId xmlns:a16="http://schemas.microsoft.com/office/drawing/2014/main" val="1316063722"/>
+                  </a:ext>
+                </a:extLst>
+              </a:tr>
+              <a:tr h="288000">
+                <a:tc>
+                  <a:txBody>
+                    <a:bodyPr/>
+                    <a:lstStyle/>
+                    <a:p>
+                      <a:pPr algn="ctr" latinLnBrk="1"/>
+                      <a:r>
+                        <a:rPr lang="ko-KR" altLang="en-US" sz="1000" dirty="0" smtClean="0">
+                          <a:latin typeface="삼성긴고딕OTF Regular" panose="020B0600000101010101" pitchFamily="34" charset="-127"/>
+                          <a:ea typeface="삼성긴고딕OTF Regular" panose="020B0600000101010101" pitchFamily="34" charset="-127"/>
+                        </a:rPr>
+                        <a:t>모던 자바 인 액션</a:t>
+                      </a:r>
+                      <a:endParaRPr lang="ko-KR" altLang="en-US" sz="1000" dirty="0">
+                        <a:latin typeface="삼성긴고딕OTF Regular" panose="020B0600000101010101" pitchFamily="34" charset="-127"/>
+                        <a:ea typeface="삼성긴고딕OTF Regular" panose="020B0600000101010101" pitchFamily="34" charset="-127"/>
+                      </a:endParaRPr>
+                    </a:p>
+                  </a:txBody>
+                  <a:tcPr>
+                    <a:lnL w="6350" cap="flat" cmpd="sng" algn="ctr">
+                      <a:solidFill>
+                        <a:schemeClr val="tx1"/>
+                      </a:solidFill>
+                      <a:prstDash val="solid"/>
+                      <a:round/>
+                      <a:headEnd type="none" w="med" len="med"/>
+                      <a:tailEnd type="none" w="med" len="med"/>
+                    </a:lnL>
+                    <a:lnR w="6350" cap="flat" cmpd="sng" algn="ctr">
+                      <a:solidFill>
+                        <a:schemeClr val="tx1"/>
+                      </a:solidFill>
+                      <a:prstDash val="solid"/>
+                      <a:round/>
+                      <a:headEnd type="none" w="med" len="med"/>
+                      <a:tailEnd type="none" w="med" len="med"/>
+                    </a:lnR>
+                    <a:lnT w="6350" cap="flat" cmpd="sng" algn="ctr">
+                      <a:solidFill>
+                        <a:schemeClr val="tx1"/>
+                      </a:solidFill>
+                      <a:prstDash val="solid"/>
+                      <a:round/>
+                      <a:headEnd type="none" w="med" len="med"/>
+                      <a:tailEnd type="none" w="med" len="med"/>
+                    </a:lnT>
+                    <a:lnB w="6350" cap="flat" cmpd="sng" algn="ctr">
+                      <a:solidFill>
+                        <a:schemeClr val="tx1"/>
+                      </a:solidFill>
+                      <a:prstDash val="solid"/>
+                      <a:round/>
+                      <a:headEnd type="none" w="med" len="med"/>
+                      <a:tailEnd type="none" w="med" len="med"/>
+                    </a:lnB>
+                    <a:solidFill>
+                      <a:srgbClr val="F6F8FC"/>
+                    </a:solidFill>
+                  </a:tcPr>
+                </a:tc>
+                <a:tc>
+                  <a:txBody>
+                    <a:bodyPr/>
+                    <a:lstStyle/>
+                    <a:p>
+                      <a:pPr algn="ctr" latinLnBrk="1"/>
+                      <a:r>
+                        <a:rPr lang="en-US" altLang="ko-KR" sz="1000" dirty="0" smtClean="0">
+                          <a:latin typeface="삼성긴고딕OTF Regular" panose="020B0600000101010101" pitchFamily="34" charset="-127"/>
+                          <a:ea typeface="삼성긴고딕OTF Regular" panose="020B0600000101010101" pitchFamily="34" charset="-127"/>
+                        </a:rPr>
+                        <a:t>31,200</a:t>
+                      </a:r>
+                      <a:r>
+                        <a:rPr lang="ko-KR" altLang="en-US" sz="1000" dirty="0" smtClean="0">
+                          <a:latin typeface="삼성긴고딕OTF Regular" panose="020B0600000101010101" pitchFamily="34" charset="-127"/>
+                          <a:ea typeface="삼성긴고딕OTF Regular" panose="020B0600000101010101" pitchFamily="34" charset="-127"/>
+                        </a:rPr>
+                        <a:t>원</a:t>
+                      </a:r>
+                      <a:endParaRPr lang="ko-KR" altLang="en-US" sz="1000" dirty="0">
+                        <a:latin typeface="삼성긴고딕OTF Regular" panose="020B0600000101010101" pitchFamily="34" charset="-127"/>
+                        <a:ea typeface="삼성긴고딕OTF Regular" panose="020B0600000101010101" pitchFamily="34" charset="-127"/>
+                      </a:endParaRPr>
+                    </a:p>
+                  </a:txBody>
+                  <a:tcPr>
+                    <a:lnL w="6350" cap="flat" cmpd="sng" algn="ctr">
+                      <a:solidFill>
+                        <a:schemeClr val="tx1"/>
+                      </a:solidFill>
+                      <a:prstDash val="solid"/>
+                      <a:round/>
+                      <a:headEnd type="none" w="med" len="med"/>
+                      <a:tailEnd type="none" w="med" len="med"/>
+                    </a:lnL>
+                    <a:lnR w="6350" cap="flat" cmpd="sng" algn="ctr">
+                      <a:solidFill>
+                        <a:schemeClr val="tx1"/>
+                      </a:solidFill>
+                      <a:prstDash val="solid"/>
+                      <a:round/>
+                      <a:headEnd type="none" w="med" len="med"/>
+                      <a:tailEnd type="none" w="med" len="med"/>
+                    </a:lnR>
+                    <a:lnT w="6350" cap="flat" cmpd="sng" algn="ctr">
+                      <a:solidFill>
+                        <a:schemeClr val="tx1"/>
+                      </a:solidFill>
+                      <a:prstDash val="solid"/>
+                      <a:round/>
+                      <a:headEnd type="none" w="med" len="med"/>
+                      <a:tailEnd type="none" w="med" len="med"/>
+                    </a:lnT>
+                    <a:lnB w="6350" cap="flat" cmpd="sng" algn="ctr">
+                      <a:solidFill>
+                        <a:schemeClr val="tx1"/>
+                      </a:solidFill>
+                      <a:prstDash val="solid"/>
+                      <a:round/>
+                      <a:headEnd type="none" w="med" len="med"/>
+                      <a:tailEnd type="none" w="med" len="med"/>
+                    </a:lnB>
+                    <a:solidFill>
+                      <a:srgbClr val="F6F8FC"/>
+                    </a:solidFill>
+                  </a:tcPr>
+                </a:tc>
+                <a:extLst>
+                  <a:ext uri="{0D108BD9-81ED-4DB2-BD59-A6C34878D82A}">
+                    <a16:rowId xmlns:a16="http://schemas.microsoft.com/office/drawing/2014/main" val="412800240"/>
+                  </a:ext>
+                </a:extLst>
+              </a:tr>
+              <a:tr h="288000">
+                <a:tc>
+                  <a:txBody>
+                    <a:bodyPr/>
+                    <a:lstStyle/>
+                    <a:p>
+                      <a:pPr algn="ctr" latinLnBrk="1"/>
+                      <a:r>
+                        <a:rPr lang="ko-KR" altLang="en-US" sz="1000" dirty="0" smtClean="0">
+                          <a:latin typeface="삼성긴고딕OTF Regular" panose="020B0600000101010101" pitchFamily="34" charset="-127"/>
+                          <a:ea typeface="삼성긴고딕OTF Regular" panose="020B0600000101010101" pitchFamily="34" charset="-127"/>
+                        </a:rPr>
+                        <a:t>알고리즘 문제 해결 전략</a:t>
+                      </a:r>
+                      <a:endParaRPr lang="ko-KR" altLang="en-US" sz="1000" dirty="0">
+                        <a:latin typeface="삼성긴고딕OTF Regular" panose="020B0600000101010101" pitchFamily="34" charset="-127"/>
+                        <a:ea typeface="삼성긴고딕OTF Regular" panose="020B0600000101010101" pitchFamily="34" charset="-127"/>
+                      </a:endParaRPr>
+                    </a:p>
+                  </a:txBody>
+                  <a:tcPr>
+                    <a:lnL w="6350" cap="flat" cmpd="sng" algn="ctr">
+                      <a:solidFill>
+                        <a:schemeClr val="tx1"/>
+                      </a:solidFill>
+                      <a:prstDash val="solid"/>
+                      <a:round/>
+                      <a:headEnd type="none" w="med" len="med"/>
+                      <a:tailEnd type="none" w="med" len="med"/>
+                    </a:lnL>
+                    <a:lnR w="6350" cap="flat" cmpd="sng" algn="ctr">
+                      <a:solidFill>
+                        <a:schemeClr val="tx1"/>
+                      </a:solidFill>
+                      <a:prstDash val="solid"/>
+                      <a:round/>
+                      <a:headEnd type="none" w="med" len="med"/>
+                      <a:tailEnd type="none" w="med" len="med"/>
+                    </a:lnR>
+                    <a:lnT w="6350" cap="flat" cmpd="sng" algn="ctr">
+                      <a:solidFill>
+                        <a:schemeClr val="tx1"/>
+                      </a:solidFill>
+                      <a:prstDash val="solid"/>
+                      <a:round/>
+                      <a:headEnd type="none" w="med" len="med"/>
+                      <a:tailEnd type="none" w="med" len="med"/>
+                    </a:lnT>
+                    <a:lnB w="6350" cap="flat" cmpd="sng" algn="ctr">
+                      <a:solidFill>
+                        <a:schemeClr val="tx1"/>
+                      </a:solidFill>
+                      <a:prstDash val="solid"/>
+                      <a:round/>
+                      <a:headEnd type="none" w="med" len="med"/>
+                      <a:tailEnd type="none" w="med" len="med"/>
+                    </a:lnB>
+                    <a:solidFill>
+                      <a:srgbClr val="F6F8FC"/>
+                    </a:solidFill>
+                  </a:tcPr>
+                </a:tc>
+                <a:tc>
+                  <a:txBody>
+                    <a:bodyPr/>
+                    <a:lstStyle/>
+                    <a:p>
+                      <a:pPr algn="ctr" latinLnBrk="1"/>
+                      <a:r>
+                        <a:rPr lang="en-US" altLang="ko-KR" sz="1000" dirty="0" smtClean="0">
+                          <a:latin typeface="삼성긴고딕OTF Regular" panose="020B0600000101010101" pitchFamily="34" charset="-127"/>
+                          <a:ea typeface="삼성긴고딕OTF Regular" panose="020B0600000101010101" pitchFamily="34" charset="-127"/>
+                        </a:rPr>
+                        <a:t>28,500</a:t>
+                      </a:r>
+                      <a:r>
+                        <a:rPr lang="ko-KR" altLang="en-US" sz="1000" dirty="0" smtClean="0">
+                          <a:latin typeface="삼성긴고딕OTF Regular" panose="020B0600000101010101" pitchFamily="34" charset="-127"/>
+                          <a:ea typeface="삼성긴고딕OTF Regular" panose="020B0600000101010101" pitchFamily="34" charset="-127"/>
+                        </a:rPr>
+                        <a:t>원</a:t>
+                      </a:r>
+                      <a:endParaRPr lang="ko-KR" altLang="en-US" sz="1000" dirty="0">
+                        <a:latin typeface="삼성긴고딕OTF Regular" panose="020B0600000101010101" pitchFamily="34" charset="-127"/>
+                        <a:ea typeface="삼성긴고딕OTF Regular" panose="020B0600000101010101" pitchFamily="34" charset="-127"/>
+                      </a:endParaRPr>
+                    </a:p>
+                  </a:txBody>
+                  <a:tcPr>
+                    <a:lnL w="6350" cap="flat" cmpd="sng" algn="ctr">
+                      <a:solidFill>
+                        <a:schemeClr val="tx1"/>
+                      </a:solidFill>
+                      <a:prstDash val="solid"/>
+                      <a:round/>
+                      <a:headEnd type="none" w="med" len="med"/>
+                      <a:tailEnd type="none" w="med" len="med"/>
+                    </a:lnL>
+                    <a:lnR w="6350" cap="flat" cmpd="sng" algn="ctr">
+                      <a:solidFill>
+                        <a:schemeClr val="tx1"/>
+                      </a:solidFill>
+                      <a:prstDash val="solid"/>
+                      <a:round/>
+                      <a:headEnd type="none" w="med" len="med"/>
+                      <a:tailEnd type="none" w="med" len="med"/>
+                    </a:lnR>
+                    <a:lnT w="6350" cap="flat" cmpd="sng" algn="ctr">
+                      <a:solidFill>
+                        <a:schemeClr val="tx1"/>
+                      </a:solidFill>
+                      <a:prstDash val="solid"/>
+                      <a:round/>
+                      <a:headEnd type="none" w="med" len="med"/>
+                      <a:tailEnd type="none" w="med" len="med"/>
+                    </a:lnT>
+                    <a:lnB w="6350" cap="flat" cmpd="sng" algn="ctr">
+                      <a:solidFill>
+                        <a:schemeClr val="tx1"/>
+                      </a:solidFill>
+                      <a:prstDash val="solid"/>
+                      <a:round/>
+                      <a:headEnd type="none" w="med" len="med"/>
+                      <a:tailEnd type="none" w="med" len="med"/>
+                    </a:lnB>
+                    <a:solidFill>
+                      <a:srgbClr val="F6F8FC"/>
+                    </a:solidFill>
+                  </a:tcPr>
+                </a:tc>
+                <a:extLst>
+                  <a:ext uri="{0D108BD9-81ED-4DB2-BD59-A6C34878D82A}">
+                    <a16:rowId xmlns:a16="http://schemas.microsoft.com/office/drawing/2014/main" val="4078697995"/>
+                  </a:ext>
+                </a:extLst>
+              </a:tr>
+            </a:tbl>
+          </a:graphicData>
+        </a:graphic>
+      </p:graphicFrame>
+      <p:graphicFrame>
+        <p:nvGraphicFramePr>
+          <p:cNvPr id="7" name="표 6"/>
+          <p:cNvGraphicFramePr>
+            <a:graphicFrameLocks noGrp="1"/>
+          </p:cNvGraphicFramePr>
+          <p:nvPr>
+            <p:extLst>
+              <p:ext uri="{D42A27DB-BD31-4B8C-83A1-F6EECF244321}">
+                <p14:modId xmlns:p14="http://schemas.microsoft.com/office/powerpoint/2010/main" val="3270701108"/>
+              </p:ext>
+            </p:extLst>
+          </p:nvPr>
+        </p:nvGraphicFramePr>
+        <p:xfrm>
+          <a:off x="5371701" y="887918"/>
+          <a:ext cx="3600000" cy="1152000"/>
+        </p:xfrm>
+        <a:graphic>
+          <a:graphicData uri="http://schemas.openxmlformats.org/drawingml/2006/table">
+            <a:tbl>
+              <a:tblPr firstRow="1" bandRow="1">
+                <a:tableStyleId>{5C22544A-7EE6-4342-B048-85BDC9FD1C3A}</a:tableStyleId>
+              </a:tblPr>
+              <a:tblGrid>
+                <a:gridCol w="1440000">
+                  <a:extLst>
+                    <a:ext uri="{9D8B030D-6E8A-4147-A177-3AD203B41FA5}">
+                      <a16:colId xmlns:a16="http://schemas.microsoft.com/office/drawing/2014/main" val="3463867517"/>
+                    </a:ext>
+                  </a:extLst>
+                </a:gridCol>
+                <a:gridCol w="720000">
+                  <a:extLst>
+                    <a:ext uri="{9D8B030D-6E8A-4147-A177-3AD203B41FA5}">
+                      <a16:colId xmlns:a16="http://schemas.microsoft.com/office/drawing/2014/main" val="3302509317"/>
+                    </a:ext>
+                  </a:extLst>
+                </a:gridCol>
+                <a:gridCol w="720000">
+                  <a:extLst>
+                    <a:ext uri="{9D8B030D-6E8A-4147-A177-3AD203B41FA5}">
+                      <a16:colId xmlns:a16="http://schemas.microsoft.com/office/drawing/2014/main" val="524061593"/>
+                    </a:ext>
+                  </a:extLst>
+                </a:gridCol>
+                <a:gridCol w="720000">
+                  <a:extLst>
+                    <a:ext uri="{9D8B030D-6E8A-4147-A177-3AD203B41FA5}">
+                      <a16:colId xmlns:a16="http://schemas.microsoft.com/office/drawing/2014/main" val="2410042222"/>
+                    </a:ext>
+                  </a:extLst>
+                </a:gridCol>
+              </a:tblGrid>
+              <a:tr h="288000">
+                <a:tc>
+                  <a:txBody>
+                    <a:bodyPr/>
+                    <a:lstStyle/>
+                    <a:p>
+                      <a:pPr algn="ctr" latinLnBrk="1"/>
+                      <a:r>
+                        <a:rPr lang="ko-KR" altLang="en-US" sz="1000" b="0" dirty="0" smtClean="0">
+                          <a:latin typeface="삼성긴고딕OTF Medium" panose="020B0600000101010101" pitchFamily="34" charset="-127"/>
+                          <a:ea typeface="삼성긴고딕OTF Medium" panose="020B0600000101010101" pitchFamily="34" charset="-127"/>
+                        </a:rPr>
+                        <a:t>상품명</a:t>
+                      </a:r>
+                      <a:endParaRPr lang="ko-KR" altLang="en-US" sz="1000" b="0" dirty="0">
+                        <a:latin typeface="삼성긴고딕OTF Medium" panose="020B0600000101010101" pitchFamily="34" charset="-127"/>
+                        <a:ea typeface="삼성긴고딕OTF Medium" panose="020B0600000101010101" pitchFamily="34" charset="-127"/>
+                      </a:endParaRPr>
+                    </a:p>
+                  </a:txBody>
+                  <a:tcPr>
+                    <a:lnL w="6350" cap="flat" cmpd="sng" algn="ctr">
+                      <a:solidFill>
+                        <a:schemeClr val="tx1"/>
+                      </a:solidFill>
+                      <a:prstDash val="solid"/>
+                      <a:round/>
+                      <a:headEnd type="none" w="med" len="med"/>
+                      <a:tailEnd type="none" w="med" len="med"/>
+                    </a:lnL>
+                    <a:lnR w="6350" cap="flat" cmpd="sng" algn="ctr">
+                      <a:solidFill>
+                        <a:schemeClr val="tx1"/>
+                      </a:solidFill>
+                      <a:prstDash val="solid"/>
+                      <a:round/>
+                      <a:headEnd type="none" w="med" len="med"/>
+                      <a:tailEnd type="none" w="med" len="med"/>
+                    </a:lnR>
+                    <a:lnT w="6350" cap="flat" cmpd="sng" algn="ctr">
+                      <a:solidFill>
+                        <a:schemeClr val="tx1"/>
+                      </a:solidFill>
+                      <a:prstDash val="solid"/>
+                      <a:round/>
+                      <a:headEnd type="none" w="med" len="med"/>
+                      <a:tailEnd type="none" w="med" len="med"/>
+                    </a:lnT>
+                    <a:lnB w="6350" cap="flat" cmpd="sng" algn="ctr">
+                      <a:solidFill>
+                        <a:schemeClr val="tx1"/>
+                      </a:solidFill>
+                      <a:prstDash val="solid"/>
+                      <a:round/>
+                      <a:headEnd type="none" w="med" len="med"/>
+                      <a:tailEnd type="none" w="med" len="med"/>
+                    </a:lnB>
+                    <a:solidFill>
+                      <a:srgbClr val="1D75E5"/>
+                    </a:solidFill>
+                  </a:tcPr>
+                </a:tc>
+                <a:tc>
+                  <a:txBody>
+                    <a:bodyPr/>
+                    <a:lstStyle/>
+                    <a:p>
+                      <a:pPr algn="ctr" latinLnBrk="1"/>
+                      <a:r>
+                        <a:rPr lang="ko-KR" altLang="en-US" sz="1000" b="0" dirty="0" smtClean="0">
+                          <a:latin typeface="삼성긴고딕OTF Medium" panose="020B0600000101010101" pitchFamily="34" charset="-127"/>
+                          <a:ea typeface="삼성긴고딕OTF Medium" panose="020B0600000101010101" pitchFamily="34" charset="-127"/>
+                        </a:rPr>
+                        <a:t>판매처</a:t>
+                      </a:r>
+                      <a:endParaRPr lang="ko-KR" altLang="en-US" sz="1000" b="0" dirty="0">
+                        <a:latin typeface="삼성긴고딕OTF Medium" panose="020B0600000101010101" pitchFamily="34" charset="-127"/>
+                        <a:ea typeface="삼성긴고딕OTF Medium" panose="020B0600000101010101" pitchFamily="34" charset="-127"/>
+                      </a:endParaRPr>
+                    </a:p>
+                  </a:txBody>
+                  <a:tcPr>
+                    <a:lnL w="6350" cap="flat" cmpd="sng" algn="ctr">
+                      <a:solidFill>
+                        <a:schemeClr val="tx1"/>
+                      </a:solidFill>
+                      <a:prstDash val="solid"/>
+                      <a:round/>
+                      <a:headEnd type="none" w="med" len="med"/>
+                      <a:tailEnd type="none" w="med" len="med"/>
+                    </a:lnL>
+                    <a:lnR w="6350" cap="flat" cmpd="sng" algn="ctr">
+                      <a:solidFill>
+                        <a:schemeClr val="tx1"/>
+                      </a:solidFill>
+                      <a:prstDash val="solid"/>
+                      <a:round/>
+                      <a:headEnd type="none" w="med" len="med"/>
+                      <a:tailEnd type="none" w="med" len="med"/>
+                    </a:lnR>
+                    <a:lnT w="6350" cap="flat" cmpd="sng" algn="ctr">
+                      <a:solidFill>
+                        <a:schemeClr val="tx1"/>
+                      </a:solidFill>
+                      <a:prstDash val="solid"/>
+                      <a:round/>
+                      <a:headEnd type="none" w="med" len="med"/>
+                      <a:tailEnd type="none" w="med" len="med"/>
+                    </a:lnT>
+                    <a:lnB w="6350" cap="flat" cmpd="sng" algn="ctr">
+                      <a:solidFill>
+                        <a:schemeClr val="tx1"/>
+                      </a:solidFill>
+                      <a:prstDash val="solid"/>
+                      <a:round/>
+                      <a:headEnd type="none" w="med" len="med"/>
+                      <a:tailEnd type="none" w="med" len="med"/>
+                    </a:lnB>
+                    <a:solidFill>
+                      <a:srgbClr val="1D75E5"/>
+                    </a:solidFill>
+                  </a:tcPr>
+                </a:tc>
+                <a:tc>
+                  <a:txBody>
+                    <a:bodyPr/>
+                    <a:lstStyle/>
+                    <a:p>
+                      <a:pPr algn="ctr" latinLnBrk="1"/>
+                      <a:r>
+                        <a:rPr lang="ko-KR" altLang="en-US" sz="1000" b="0" dirty="0" smtClean="0">
+                          <a:latin typeface="삼성긴고딕OTF Medium" panose="020B0600000101010101" pitchFamily="34" charset="-127"/>
+                          <a:ea typeface="삼성긴고딕OTF Medium" panose="020B0600000101010101" pitchFamily="34" charset="-127"/>
+                        </a:rPr>
+                        <a:t>가격</a:t>
+                      </a:r>
+                      <a:endParaRPr lang="ko-KR" altLang="en-US" sz="1000" b="0" dirty="0">
+                        <a:latin typeface="삼성긴고딕OTF Medium" panose="020B0600000101010101" pitchFamily="34" charset="-127"/>
+                        <a:ea typeface="삼성긴고딕OTF Medium" panose="020B0600000101010101" pitchFamily="34" charset="-127"/>
+                      </a:endParaRPr>
+                    </a:p>
+                  </a:txBody>
+                  <a:tcPr>
+                    <a:lnL w="6350" cap="flat" cmpd="sng" algn="ctr">
+                      <a:solidFill>
+                        <a:schemeClr val="tx1"/>
+                      </a:solidFill>
+                      <a:prstDash val="solid"/>
+                      <a:round/>
+                      <a:headEnd type="none" w="med" len="med"/>
+                      <a:tailEnd type="none" w="med" len="med"/>
+                    </a:lnL>
+                    <a:lnR w="6350" cap="flat" cmpd="sng" algn="ctr">
+                      <a:solidFill>
+                        <a:schemeClr val="tx1"/>
+                      </a:solidFill>
+                      <a:prstDash val="solid"/>
+                      <a:round/>
+                      <a:headEnd type="none" w="med" len="med"/>
+                      <a:tailEnd type="none" w="med" len="med"/>
+                    </a:lnR>
+                    <a:lnT w="6350" cap="flat" cmpd="sng" algn="ctr">
+                      <a:solidFill>
+                        <a:schemeClr val="tx1"/>
+                      </a:solidFill>
+                      <a:prstDash val="solid"/>
+                      <a:round/>
+                      <a:headEnd type="none" w="med" len="med"/>
+                      <a:tailEnd type="none" w="med" len="med"/>
+                    </a:lnT>
+                    <a:lnB w="6350" cap="flat" cmpd="sng" algn="ctr">
+                      <a:solidFill>
+                        <a:schemeClr val="tx1"/>
+                      </a:solidFill>
+                      <a:prstDash val="solid"/>
+                      <a:round/>
+                      <a:headEnd type="none" w="med" len="med"/>
+                      <a:tailEnd type="none" w="med" len="med"/>
+                    </a:lnB>
+                    <a:solidFill>
+                      <a:srgbClr val="1D75E5"/>
+                    </a:solidFill>
+                  </a:tcPr>
+                </a:tc>
+                <a:tc>
+                  <a:txBody>
+                    <a:bodyPr/>
+                    <a:lstStyle/>
+                    <a:p>
+                      <a:pPr algn="ctr" latinLnBrk="1"/>
+                      <a:r>
+                        <a:rPr lang="ko-KR" altLang="en-US" sz="1000" b="0" dirty="0" smtClean="0">
+                          <a:latin typeface="삼성긴고딕OTF Medium" panose="020B0600000101010101" pitchFamily="34" charset="-127"/>
+                          <a:ea typeface="삼성긴고딕OTF Medium" panose="020B0600000101010101" pitchFamily="34" charset="-127"/>
+                        </a:rPr>
+                        <a:t>할인가</a:t>
+                      </a:r>
+                      <a:endParaRPr lang="ko-KR" altLang="en-US" sz="1000" b="0" dirty="0">
+                        <a:latin typeface="삼성긴고딕OTF Medium" panose="020B0600000101010101" pitchFamily="34" charset="-127"/>
+                        <a:ea typeface="삼성긴고딕OTF Medium" panose="020B0600000101010101" pitchFamily="34" charset="-127"/>
+                      </a:endParaRPr>
+                    </a:p>
+                  </a:txBody>
+                  <a:tcPr>
+                    <a:lnL w="6350" cap="flat" cmpd="sng" algn="ctr">
+                      <a:solidFill>
+                        <a:schemeClr val="tx1"/>
+                      </a:solidFill>
+                      <a:prstDash val="solid"/>
+                      <a:round/>
+                      <a:headEnd type="none" w="med" len="med"/>
+                      <a:tailEnd type="none" w="med" len="med"/>
+                    </a:lnL>
+                    <a:lnR w="6350" cap="flat" cmpd="sng" algn="ctr">
+                      <a:solidFill>
+                        <a:schemeClr val="tx1"/>
+                      </a:solidFill>
+                      <a:prstDash val="solid"/>
+                      <a:round/>
+                      <a:headEnd type="none" w="med" len="med"/>
+                      <a:tailEnd type="none" w="med" len="med"/>
+                    </a:lnR>
+                    <a:lnT w="6350" cap="flat" cmpd="sng" algn="ctr">
+                      <a:solidFill>
+                        <a:schemeClr val="tx1"/>
+                      </a:solidFill>
+                      <a:prstDash val="solid"/>
+                      <a:round/>
+                      <a:headEnd type="none" w="med" len="med"/>
+                      <a:tailEnd type="none" w="med" len="med"/>
+                    </a:lnT>
+                    <a:lnB w="6350" cap="flat" cmpd="sng" algn="ctr">
+                      <a:solidFill>
+                        <a:schemeClr val="tx1"/>
+                      </a:solidFill>
+                      <a:prstDash val="solid"/>
+                      <a:round/>
+                      <a:headEnd type="none" w="med" len="med"/>
+                      <a:tailEnd type="none" w="med" len="med"/>
+                    </a:lnB>
+                    <a:solidFill>
+                      <a:srgbClr val="1D75E5"/>
+                    </a:solidFill>
+                  </a:tcPr>
+                </a:tc>
+                <a:extLst>
+                  <a:ext uri="{0D108BD9-81ED-4DB2-BD59-A6C34878D82A}">
+                    <a16:rowId xmlns:a16="http://schemas.microsoft.com/office/drawing/2014/main" val="278685539"/>
+                  </a:ext>
+                </a:extLst>
+              </a:tr>
+              <a:tr h="288000">
+                <a:tc>
+                  <a:txBody>
+                    <a:bodyPr/>
+                    <a:lstStyle/>
+                    <a:p>
+                      <a:pPr algn="ctr" latinLnBrk="1"/>
+                      <a:r>
+                        <a:rPr lang="ko-KR" altLang="en-US" sz="1000" dirty="0" err="1" smtClean="0">
+                          <a:latin typeface="삼성긴고딕OTF Regular" panose="020B0600000101010101" pitchFamily="34" charset="-127"/>
+                          <a:ea typeface="삼성긴고딕OTF Regular" panose="020B0600000101010101" pitchFamily="34" charset="-127"/>
+                        </a:rPr>
+                        <a:t>이펙티브</a:t>
+                      </a:r>
+                      <a:r>
+                        <a:rPr lang="ko-KR" altLang="en-US" sz="1000" dirty="0" smtClean="0">
+                          <a:latin typeface="삼성긴고딕OTF Regular" panose="020B0600000101010101" pitchFamily="34" charset="-127"/>
+                          <a:ea typeface="삼성긴고딕OTF Regular" panose="020B0600000101010101" pitchFamily="34" charset="-127"/>
+                        </a:rPr>
+                        <a:t> 자바</a:t>
+                      </a:r>
+                      <a:endParaRPr lang="ko-KR" altLang="en-US" sz="1000" dirty="0">
+                        <a:latin typeface="삼성긴고딕OTF Regular" panose="020B0600000101010101" pitchFamily="34" charset="-127"/>
+                        <a:ea typeface="삼성긴고딕OTF Regular" panose="020B0600000101010101" pitchFamily="34" charset="-127"/>
+                      </a:endParaRPr>
+                    </a:p>
+                  </a:txBody>
+                  <a:tcPr>
+                    <a:lnL w="6350" cap="flat" cmpd="sng" algn="ctr">
+                      <a:solidFill>
+                        <a:schemeClr val="tx1"/>
+                      </a:solidFill>
+                      <a:prstDash val="solid"/>
+                      <a:round/>
+                      <a:headEnd type="none" w="med" len="med"/>
+                      <a:tailEnd type="none" w="med" len="med"/>
+                    </a:lnL>
+                    <a:lnR w="6350" cap="flat" cmpd="sng" algn="ctr">
+                      <a:solidFill>
+                        <a:schemeClr val="tx1"/>
+                      </a:solidFill>
+                      <a:prstDash val="solid"/>
+                      <a:round/>
+                      <a:headEnd type="none" w="med" len="med"/>
+                      <a:tailEnd type="none" w="med" len="med"/>
+                    </a:lnR>
+                    <a:lnT w="6350" cap="flat" cmpd="sng" algn="ctr">
+                      <a:solidFill>
+                        <a:schemeClr val="tx1"/>
+                      </a:solidFill>
+                      <a:prstDash val="solid"/>
+                      <a:round/>
+                      <a:headEnd type="none" w="med" len="med"/>
+                      <a:tailEnd type="none" w="med" len="med"/>
+                    </a:lnT>
+                    <a:lnB w="6350" cap="flat" cmpd="sng" algn="ctr">
+                      <a:solidFill>
+                        <a:schemeClr val="tx1"/>
+                      </a:solidFill>
+                      <a:prstDash val="solid"/>
+                      <a:round/>
+                      <a:headEnd type="none" w="med" len="med"/>
+                      <a:tailEnd type="none" w="med" len="med"/>
+                    </a:lnB>
+                    <a:solidFill>
+                      <a:srgbClr val="F6F8FC"/>
+                    </a:solidFill>
+                  </a:tcPr>
+                </a:tc>
+                <a:tc>
+                  <a:txBody>
+                    <a:bodyPr/>
+                    <a:lstStyle/>
+                    <a:p>
+                      <a:pPr algn="ctr" latinLnBrk="1"/>
+                      <a:r>
+                        <a:rPr lang="en-US" altLang="ko-KR" sz="1000" dirty="0" smtClean="0">
+                          <a:latin typeface="삼성긴고딕OTF Regular" panose="020B0600000101010101" pitchFamily="34" charset="-127"/>
+                          <a:ea typeface="삼성긴고딕OTF Regular" panose="020B0600000101010101" pitchFamily="34" charset="-127"/>
+                        </a:rPr>
+                        <a:t>YES</a:t>
+                      </a:r>
+                      <a:r>
+                        <a:rPr lang="en-US" altLang="ko-KR" sz="1000" baseline="0" dirty="0" smtClean="0">
+                          <a:latin typeface="삼성긴고딕OTF Regular" panose="020B0600000101010101" pitchFamily="34" charset="-127"/>
+                          <a:ea typeface="삼성긴고딕OTF Regular" panose="020B0600000101010101" pitchFamily="34" charset="-127"/>
+                        </a:rPr>
+                        <a:t> 24</a:t>
+                      </a:r>
+                      <a:endParaRPr lang="ko-KR" altLang="en-US" sz="1000" dirty="0">
+                        <a:latin typeface="삼성긴고딕OTF Regular" panose="020B0600000101010101" pitchFamily="34" charset="-127"/>
+                        <a:ea typeface="삼성긴고딕OTF Regular" panose="020B0600000101010101" pitchFamily="34" charset="-127"/>
+                      </a:endParaRPr>
+                    </a:p>
+                  </a:txBody>
+                  <a:tcPr>
+                    <a:lnL w="6350" cap="flat" cmpd="sng" algn="ctr">
+                      <a:solidFill>
+                        <a:schemeClr val="tx1"/>
+                      </a:solidFill>
+                      <a:prstDash val="solid"/>
+                      <a:round/>
+                      <a:headEnd type="none" w="med" len="med"/>
+                      <a:tailEnd type="none" w="med" len="med"/>
+                    </a:lnL>
+                    <a:lnR w="6350" cap="flat" cmpd="sng" algn="ctr">
+                      <a:solidFill>
+                        <a:schemeClr val="tx1"/>
+                      </a:solidFill>
+                      <a:prstDash val="solid"/>
+                      <a:round/>
+                      <a:headEnd type="none" w="med" len="med"/>
+                      <a:tailEnd type="none" w="med" len="med"/>
+                    </a:lnR>
+                    <a:lnT w="6350" cap="flat" cmpd="sng" algn="ctr">
+                      <a:solidFill>
+                        <a:schemeClr val="tx1"/>
+                      </a:solidFill>
+                      <a:prstDash val="solid"/>
+                      <a:round/>
+                      <a:headEnd type="none" w="med" len="med"/>
+                      <a:tailEnd type="none" w="med" len="med"/>
+                    </a:lnT>
+                    <a:lnB w="6350" cap="flat" cmpd="sng" algn="ctr">
+                      <a:solidFill>
+                        <a:schemeClr val="tx1"/>
+                      </a:solidFill>
+                      <a:prstDash val="solid"/>
+                      <a:round/>
+                      <a:headEnd type="none" w="med" len="med"/>
+                      <a:tailEnd type="none" w="med" len="med"/>
+                    </a:lnB>
+                    <a:solidFill>
+                      <a:srgbClr val="F6F8FC"/>
+                    </a:solidFill>
+                  </a:tcPr>
+                </a:tc>
+                <a:tc>
+                  <a:txBody>
+                    <a:bodyPr/>
+                    <a:lstStyle/>
+                    <a:p>
+                      <a:pPr algn="ctr" latinLnBrk="1"/>
+                      <a:r>
+                        <a:rPr lang="en-US" altLang="ko-KR" sz="1000" dirty="0" smtClean="0">
+                          <a:latin typeface="삼성긴고딕OTF Regular" panose="020B0600000101010101" pitchFamily="34" charset="-127"/>
+                          <a:ea typeface="삼성긴고딕OTF Regular" panose="020B0600000101010101" pitchFamily="34" charset="-127"/>
+                        </a:rPr>
+                        <a:t>36,000</a:t>
+                      </a:r>
+                      <a:r>
+                        <a:rPr lang="ko-KR" altLang="en-US" sz="1000" dirty="0" smtClean="0">
+                          <a:latin typeface="삼성긴고딕OTF Regular" panose="020B0600000101010101" pitchFamily="34" charset="-127"/>
+                          <a:ea typeface="삼성긴고딕OTF Regular" panose="020B0600000101010101" pitchFamily="34" charset="-127"/>
+                        </a:rPr>
+                        <a:t>원</a:t>
+                      </a:r>
+                      <a:endParaRPr lang="ko-KR" altLang="en-US" sz="1000" dirty="0">
+                        <a:latin typeface="삼성긴고딕OTF Regular" panose="020B0600000101010101" pitchFamily="34" charset="-127"/>
+                        <a:ea typeface="삼성긴고딕OTF Regular" panose="020B0600000101010101" pitchFamily="34" charset="-127"/>
+                      </a:endParaRPr>
+                    </a:p>
+                  </a:txBody>
+                  <a:tcPr>
+                    <a:lnL w="6350" cap="flat" cmpd="sng" algn="ctr">
+                      <a:solidFill>
+                        <a:schemeClr val="tx1"/>
+                      </a:solidFill>
+                      <a:prstDash val="solid"/>
+                      <a:round/>
+                      <a:headEnd type="none" w="med" len="med"/>
+                      <a:tailEnd type="none" w="med" len="med"/>
+                    </a:lnL>
+                    <a:lnR w="6350" cap="flat" cmpd="sng" algn="ctr">
+                      <a:solidFill>
+                        <a:schemeClr val="tx1"/>
+                      </a:solidFill>
+                      <a:prstDash val="solid"/>
+                      <a:round/>
+                      <a:headEnd type="none" w="med" len="med"/>
+                      <a:tailEnd type="none" w="med" len="med"/>
+                    </a:lnR>
+                    <a:lnT w="6350" cap="flat" cmpd="sng" algn="ctr">
+                      <a:solidFill>
+                        <a:schemeClr val="tx1"/>
+                      </a:solidFill>
+                      <a:prstDash val="solid"/>
+                      <a:round/>
+                      <a:headEnd type="none" w="med" len="med"/>
+                      <a:tailEnd type="none" w="med" len="med"/>
+                    </a:lnT>
+                    <a:lnB w="6350" cap="flat" cmpd="sng" algn="ctr">
+                      <a:solidFill>
+                        <a:schemeClr val="tx1"/>
+                      </a:solidFill>
+                      <a:prstDash val="solid"/>
+                      <a:round/>
+                      <a:headEnd type="none" w="med" len="med"/>
+                      <a:tailEnd type="none" w="med" len="med"/>
+                    </a:lnB>
+                    <a:solidFill>
+                      <a:srgbClr val="F6F8FC"/>
+                    </a:solidFill>
+                  </a:tcPr>
+                </a:tc>
+                <a:tc>
+                  <a:txBody>
+                    <a:bodyPr/>
+                    <a:lstStyle/>
+                    <a:p>
+                      <a:pPr algn="ctr" latinLnBrk="1"/>
+                      <a:r>
+                        <a:rPr lang="en-US" altLang="ko-KR" sz="1000" dirty="0" smtClean="0">
+                          <a:latin typeface="삼성긴고딕OTF Regular" panose="020B0600000101010101" pitchFamily="34" charset="-127"/>
+                          <a:ea typeface="삼성긴고딕OTF Regular" panose="020B0600000101010101" pitchFamily="34" charset="-127"/>
+                        </a:rPr>
+                        <a:t>32,000</a:t>
+                      </a:r>
+                      <a:r>
+                        <a:rPr lang="ko-KR" altLang="en-US" sz="1000" dirty="0" smtClean="0">
+                          <a:latin typeface="삼성긴고딕OTF Regular" panose="020B0600000101010101" pitchFamily="34" charset="-127"/>
+                          <a:ea typeface="삼성긴고딕OTF Regular" panose="020B0600000101010101" pitchFamily="34" charset="-127"/>
+                        </a:rPr>
+                        <a:t>원</a:t>
+                      </a:r>
+                      <a:endParaRPr lang="ko-KR" altLang="en-US" sz="1000" dirty="0">
+                        <a:latin typeface="삼성긴고딕OTF Regular" panose="020B0600000101010101" pitchFamily="34" charset="-127"/>
+                        <a:ea typeface="삼성긴고딕OTF Regular" panose="020B0600000101010101" pitchFamily="34" charset="-127"/>
+                      </a:endParaRPr>
+                    </a:p>
+                  </a:txBody>
+                  <a:tcPr>
+                    <a:lnL w="6350" cap="flat" cmpd="sng" algn="ctr">
+                      <a:solidFill>
+                        <a:schemeClr val="tx1"/>
+                      </a:solidFill>
+                      <a:prstDash val="solid"/>
+                      <a:round/>
+                      <a:headEnd type="none" w="med" len="med"/>
+                      <a:tailEnd type="none" w="med" len="med"/>
+                    </a:lnL>
+                    <a:lnR w="6350" cap="flat" cmpd="sng" algn="ctr">
+                      <a:solidFill>
+                        <a:schemeClr val="tx1"/>
+                      </a:solidFill>
+                      <a:prstDash val="solid"/>
+                      <a:round/>
+                      <a:headEnd type="none" w="med" len="med"/>
+                      <a:tailEnd type="none" w="med" len="med"/>
+                    </a:lnR>
+                    <a:lnT w="6350" cap="flat" cmpd="sng" algn="ctr">
+                      <a:solidFill>
+                        <a:schemeClr val="tx1"/>
+                      </a:solidFill>
+                      <a:prstDash val="solid"/>
+                      <a:round/>
+                      <a:headEnd type="none" w="med" len="med"/>
+                      <a:tailEnd type="none" w="med" len="med"/>
+                    </a:lnT>
+                    <a:lnB w="6350" cap="flat" cmpd="sng" algn="ctr">
+                      <a:solidFill>
+                        <a:schemeClr val="tx1"/>
+                      </a:solidFill>
+                      <a:prstDash val="solid"/>
+                      <a:round/>
+                      <a:headEnd type="none" w="med" len="med"/>
+                      <a:tailEnd type="none" w="med" len="med"/>
+                    </a:lnB>
+                    <a:solidFill>
+                      <a:srgbClr val="F6F8FC"/>
+                    </a:solidFill>
+                  </a:tcPr>
+                </a:tc>
+                <a:extLst>
+                  <a:ext uri="{0D108BD9-81ED-4DB2-BD59-A6C34878D82A}">
+                    <a16:rowId xmlns:a16="http://schemas.microsoft.com/office/drawing/2014/main" val="1316063722"/>
+                  </a:ext>
+                </a:extLst>
+              </a:tr>
+              <a:tr h="288000">
+                <a:tc>
+                  <a:txBody>
+                    <a:bodyPr/>
+                    <a:lstStyle/>
+                    <a:p>
+                      <a:pPr algn="ctr" latinLnBrk="1"/>
+                      <a:r>
+                        <a:rPr lang="ko-KR" altLang="en-US" sz="1000" dirty="0" smtClean="0">
+                          <a:latin typeface="삼성긴고딕OTF Regular" panose="020B0600000101010101" pitchFamily="34" charset="-127"/>
+                          <a:ea typeface="삼성긴고딕OTF Regular" panose="020B0600000101010101" pitchFamily="34" charset="-127"/>
+                        </a:rPr>
+                        <a:t>모던 자바 인 액션</a:t>
+                      </a:r>
+                      <a:endParaRPr lang="ko-KR" altLang="en-US" sz="1000" dirty="0">
+                        <a:latin typeface="삼성긴고딕OTF Regular" panose="020B0600000101010101" pitchFamily="34" charset="-127"/>
+                        <a:ea typeface="삼성긴고딕OTF Regular" panose="020B0600000101010101" pitchFamily="34" charset="-127"/>
+                      </a:endParaRPr>
+                    </a:p>
+                  </a:txBody>
+                  <a:tcPr>
+                    <a:lnL w="6350" cap="flat" cmpd="sng" algn="ctr">
+                      <a:solidFill>
+                        <a:schemeClr val="tx1"/>
+                      </a:solidFill>
+                      <a:prstDash val="solid"/>
+                      <a:round/>
+                      <a:headEnd type="none" w="med" len="med"/>
+                      <a:tailEnd type="none" w="med" len="med"/>
+                    </a:lnL>
+                    <a:lnR w="6350" cap="flat" cmpd="sng" algn="ctr">
+                      <a:solidFill>
+                        <a:schemeClr val="tx1"/>
+                      </a:solidFill>
+                      <a:prstDash val="solid"/>
+                      <a:round/>
+                      <a:headEnd type="none" w="med" len="med"/>
+                      <a:tailEnd type="none" w="med" len="med"/>
+                    </a:lnR>
+                    <a:lnT w="6350" cap="flat" cmpd="sng" algn="ctr">
+                      <a:solidFill>
+                        <a:schemeClr val="tx1"/>
+                      </a:solidFill>
+                      <a:prstDash val="solid"/>
+                      <a:round/>
+                      <a:headEnd type="none" w="med" len="med"/>
+                      <a:tailEnd type="none" w="med" len="med"/>
+                    </a:lnT>
+                    <a:lnB w="6350" cap="flat" cmpd="sng" algn="ctr">
+                      <a:solidFill>
+                        <a:schemeClr val="tx1"/>
+                      </a:solidFill>
+                      <a:prstDash val="solid"/>
+                      <a:round/>
+                      <a:headEnd type="none" w="med" len="med"/>
+                      <a:tailEnd type="none" w="med" len="med"/>
+                    </a:lnB>
+                    <a:solidFill>
+                      <a:srgbClr val="F6F8FC"/>
+                    </a:solidFill>
+                  </a:tcPr>
+                </a:tc>
+                <a:tc>
+                  <a:txBody>
+                    <a:bodyPr/>
+                    <a:lstStyle/>
+                    <a:p>
+                      <a:pPr algn="ctr" latinLnBrk="1"/>
+                      <a:r>
+                        <a:rPr lang="ko-KR" altLang="en-US" sz="1000" dirty="0" smtClean="0">
+                          <a:latin typeface="삼성긴고딕OTF Regular" panose="020B0600000101010101" pitchFamily="34" charset="-127"/>
+                          <a:ea typeface="삼성긴고딕OTF Regular" panose="020B0600000101010101" pitchFamily="34" charset="-127"/>
+                        </a:rPr>
+                        <a:t>알라딘</a:t>
+                      </a:r>
+                      <a:endParaRPr lang="ko-KR" altLang="en-US" sz="1000" dirty="0">
+                        <a:latin typeface="삼성긴고딕OTF Regular" panose="020B0600000101010101" pitchFamily="34" charset="-127"/>
+                        <a:ea typeface="삼성긴고딕OTF Regular" panose="020B0600000101010101" pitchFamily="34" charset="-127"/>
+                      </a:endParaRPr>
+                    </a:p>
+                  </a:txBody>
+                  <a:tcPr>
+                    <a:lnL w="6350" cap="flat" cmpd="sng" algn="ctr">
+                      <a:solidFill>
+                        <a:schemeClr val="tx1"/>
+                      </a:solidFill>
+                      <a:prstDash val="solid"/>
+                      <a:round/>
+                      <a:headEnd type="none" w="med" len="med"/>
+                      <a:tailEnd type="none" w="med" len="med"/>
+                    </a:lnL>
+                    <a:lnR w="6350" cap="flat" cmpd="sng" algn="ctr">
+                      <a:solidFill>
+                        <a:schemeClr val="tx1"/>
+                      </a:solidFill>
+                      <a:prstDash val="solid"/>
+                      <a:round/>
+                      <a:headEnd type="none" w="med" len="med"/>
+                      <a:tailEnd type="none" w="med" len="med"/>
+                    </a:lnR>
+                    <a:lnT w="6350" cap="flat" cmpd="sng" algn="ctr">
+                      <a:solidFill>
+                        <a:schemeClr val="tx1"/>
+                      </a:solidFill>
+                      <a:prstDash val="solid"/>
+                      <a:round/>
+                      <a:headEnd type="none" w="med" len="med"/>
+                      <a:tailEnd type="none" w="med" len="med"/>
+                    </a:lnT>
+                    <a:lnB w="6350" cap="flat" cmpd="sng" algn="ctr">
+                      <a:solidFill>
+                        <a:schemeClr val="tx1"/>
+                      </a:solidFill>
+                      <a:prstDash val="solid"/>
+                      <a:round/>
+                      <a:headEnd type="none" w="med" len="med"/>
+                      <a:tailEnd type="none" w="med" len="med"/>
+                    </a:lnB>
+                    <a:solidFill>
+                      <a:srgbClr val="F6F8FC"/>
+                    </a:solidFill>
+                  </a:tcPr>
+                </a:tc>
+                <a:tc>
+                  <a:txBody>
+                    <a:bodyPr/>
+                    <a:lstStyle/>
+                    <a:p>
+                      <a:pPr algn="ctr" latinLnBrk="1"/>
+                      <a:r>
+                        <a:rPr lang="en-US" altLang="ko-KR" sz="1000" dirty="0" smtClean="0">
+                          <a:latin typeface="삼성긴고딕OTF Regular" panose="020B0600000101010101" pitchFamily="34" charset="-127"/>
+                          <a:ea typeface="삼성긴고딕OTF Regular" panose="020B0600000101010101" pitchFamily="34" charset="-127"/>
+                        </a:rPr>
+                        <a:t>33,000</a:t>
+                      </a:r>
+                      <a:r>
+                        <a:rPr lang="ko-KR" altLang="en-US" sz="1000" dirty="0" smtClean="0">
+                          <a:latin typeface="삼성긴고딕OTF Regular" panose="020B0600000101010101" pitchFamily="34" charset="-127"/>
+                          <a:ea typeface="삼성긴고딕OTF Regular" panose="020B0600000101010101" pitchFamily="34" charset="-127"/>
+                        </a:rPr>
+                        <a:t>원</a:t>
+                      </a:r>
+                      <a:endParaRPr lang="ko-KR" altLang="en-US" sz="1000" dirty="0">
+                        <a:latin typeface="삼성긴고딕OTF Regular" panose="020B0600000101010101" pitchFamily="34" charset="-127"/>
+                        <a:ea typeface="삼성긴고딕OTF Regular" panose="020B0600000101010101" pitchFamily="34" charset="-127"/>
+                      </a:endParaRPr>
+                    </a:p>
+                  </a:txBody>
+                  <a:tcPr>
+                    <a:lnL w="6350" cap="flat" cmpd="sng" algn="ctr">
+                      <a:solidFill>
+                        <a:schemeClr val="tx1"/>
+                      </a:solidFill>
+                      <a:prstDash val="solid"/>
+                      <a:round/>
+                      <a:headEnd type="none" w="med" len="med"/>
+                      <a:tailEnd type="none" w="med" len="med"/>
+                    </a:lnL>
+                    <a:lnR w="6350" cap="flat" cmpd="sng" algn="ctr">
+                      <a:solidFill>
+                        <a:schemeClr val="tx1"/>
+                      </a:solidFill>
+                      <a:prstDash val="solid"/>
+                      <a:round/>
+                      <a:headEnd type="none" w="med" len="med"/>
+                      <a:tailEnd type="none" w="med" len="med"/>
+                    </a:lnR>
+                    <a:lnT w="6350" cap="flat" cmpd="sng" algn="ctr">
+                      <a:solidFill>
+                        <a:schemeClr val="tx1"/>
+                      </a:solidFill>
+                      <a:prstDash val="solid"/>
+                      <a:round/>
+                      <a:headEnd type="none" w="med" len="med"/>
+                      <a:tailEnd type="none" w="med" len="med"/>
+                    </a:lnT>
+                    <a:lnB w="6350" cap="flat" cmpd="sng" algn="ctr">
+                      <a:solidFill>
+                        <a:schemeClr val="tx1"/>
+                      </a:solidFill>
+                      <a:prstDash val="solid"/>
+                      <a:round/>
+                      <a:headEnd type="none" w="med" len="med"/>
+                      <a:tailEnd type="none" w="med" len="med"/>
+                    </a:lnB>
+                    <a:solidFill>
+                      <a:srgbClr val="F6F8FC"/>
+                    </a:solidFill>
+                  </a:tcPr>
+                </a:tc>
+                <a:tc>
+                  <a:txBody>
+                    <a:bodyPr/>
+                    <a:lstStyle/>
+                    <a:p>
+                      <a:pPr algn="ctr" latinLnBrk="1"/>
+                      <a:r>
+                        <a:rPr lang="en-US" altLang="ko-KR" sz="1000" dirty="0" smtClean="0">
+                          <a:latin typeface="삼성긴고딕OTF Regular" panose="020B0600000101010101" pitchFamily="34" charset="-127"/>
+                          <a:ea typeface="삼성긴고딕OTF Regular" panose="020B0600000101010101" pitchFamily="34" charset="-127"/>
+                        </a:rPr>
+                        <a:t>31,200</a:t>
+                      </a:r>
+                      <a:r>
+                        <a:rPr lang="ko-KR" altLang="en-US" sz="1000" dirty="0" smtClean="0">
+                          <a:latin typeface="삼성긴고딕OTF Regular" panose="020B0600000101010101" pitchFamily="34" charset="-127"/>
+                          <a:ea typeface="삼성긴고딕OTF Regular" panose="020B0600000101010101" pitchFamily="34" charset="-127"/>
+                        </a:rPr>
+                        <a:t>원</a:t>
+                      </a:r>
+                      <a:endParaRPr lang="ko-KR" altLang="en-US" sz="1000" dirty="0">
+                        <a:latin typeface="삼성긴고딕OTF Regular" panose="020B0600000101010101" pitchFamily="34" charset="-127"/>
+                        <a:ea typeface="삼성긴고딕OTF Regular" panose="020B0600000101010101" pitchFamily="34" charset="-127"/>
+                      </a:endParaRPr>
+                    </a:p>
+                  </a:txBody>
+                  <a:tcPr>
+                    <a:lnL w="6350" cap="flat" cmpd="sng" algn="ctr">
+                      <a:solidFill>
+                        <a:schemeClr val="tx1"/>
+                      </a:solidFill>
+                      <a:prstDash val="solid"/>
+                      <a:round/>
+                      <a:headEnd type="none" w="med" len="med"/>
+                      <a:tailEnd type="none" w="med" len="med"/>
+                    </a:lnL>
+                    <a:lnR w="6350" cap="flat" cmpd="sng" algn="ctr">
+                      <a:solidFill>
+                        <a:schemeClr val="tx1"/>
+                      </a:solidFill>
+                      <a:prstDash val="solid"/>
+                      <a:round/>
+                      <a:headEnd type="none" w="med" len="med"/>
+                      <a:tailEnd type="none" w="med" len="med"/>
+                    </a:lnR>
+                    <a:lnT w="6350" cap="flat" cmpd="sng" algn="ctr">
+                      <a:solidFill>
+                        <a:schemeClr val="tx1"/>
+                      </a:solidFill>
+                      <a:prstDash val="solid"/>
+                      <a:round/>
+                      <a:headEnd type="none" w="med" len="med"/>
+                      <a:tailEnd type="none" w="med" len="med"/>
+                    </a:lnT>
+                    <a:lnB w="6350" cap="flat" cmpd="sng" algn="ctr">
+                      <a:solidFill>
+                        <a:schemeClr val="tx1"/>
+                      </a:solidFill>
+                      <a:prstDash val="solid"/>
+                      <a:round/>
+                      <a:headEnd type="none" w="med" len="med"/>
+                      <a:tailEnd type="none" w="med" len="med"/>
+                    </a:lnB>
+                    <a:solidFill>
+                      <a:srgbClr val="F6F8FC"/>
+                    </a:solidFill>
+                  </a:tcPr>
+                </a:tc>
+                <a:extLst>
+                  <a:ext uri="{0D108BD9-81ED-4DB2-BD59-A6C34878D82A}">
+                    <a16:rowId xmlns:a16="http://schemas.microsoft.com/office/drawing/2014/main" val="412800240"/>
+                  </a:ext>
+                </a:extLst>
+              </a:tr>
+              <a:tr h="288000">
+                <a:tc>
+                  <a:txBody>
+                    <a:bodyPr/>
+                    <a:lstStyle/>
+                    <a:p>
+                      <a:pPr algn="ctr" latinLnBrk="1"/>
+                      <a:r>
+                        <a:rPr lang="ko-KR" altLang="en-US" sz="1000" dirty="0" smtClean="0">
+                          <a:latin typeface="삼성긴고딕OTF Regular" panose="020B0600000101010101" pitchFamily="34" charset="-127"/>
+                          <a:ea typeface="삼성긴고딕OTF Regular" panose="020B0600000101010101" pitchFamily="34" charset="-127"/>
+                        </a:rPr>
+                        <a:t>알고리즘 문제 해결 전략</a:t>
+                      </a:r>
+                      <a:endParaRPr lang="ko-KR" altLang="en-US" sz="1000" dirty="0">
+                        <a:latin typeface="삼성긴고딕OTF Regular" panose="020B0600000101010101" pitchFamily="34" charset="-127"/>
+                        <a:ea typeface="삼성긴고딕OTF Regular" panose="020B0600000101010101" pitchFamily="34" charset="-127"/>
+                      </a:endParaRPr>
+                    </a:p>
+                  </a:txBody>
+                  <a:tcPr>
+                    <a:lnL w="6350" cap="flat" cmpd="sng" algn="ctr">
+                      <a:solidFill>
+                        <a:schemeClr val="tx1"/>
+                      </a:solidFill>
+                      <a:prstDash val="solid"/>
+                      <a:round/>
+                      <a:headEnd type="none" w="med" len="med"/>
+                      <a:tailEnd type="none" w="med" len="med"/>
+                    </a:lnL>
+                    <a:lnR w="6350" cap="flat" cmpd="sng" algn="ctr">
+                      <a:solidFill>
+                        <a:schemeClr val="tx1"/>
+                      </a:solidFill>
+                      <a:prstDash val="solid"/>
+                      <a:round/>
+                      <a:headEnd type="none" w="med" len="med"/>
+                      <a:tailEnd type="none" w="med" len="med"/>
+                    </a:lnR>
+                    <a:lnT w="6350" cap="flat" cmpd="sng" algn="ctr">
+                      <a:solidFill>
+                        <a:schemeClr val="tx1"/>
+                      </a:solidFill>
+                      <a:prstDash val="solid"/>
+                      <a:round/>
+                      <a:headEnd type="none" w="med" len="med"/>
+                      <a:tailEnd type="none" w="med" len="med"/>
+                    </a:lnT>
+                    <a:lnB w="6350" cap="flat" cmpd="sng" algn="ctr">
+                      <a:solidFill>
+                        <a:schemeClr val="tx1"/>
+                      </a:solidFill>
+                      <a:prstDash val="solid"/>
+                      <a:round/>
+                      <a:headEnd type="none" w="med" len="med"/>
+                      <a:tailEnd type="none" w="med" len="med"/>
+                    </a:lnB>
+                    <a:solidFill>
+                      <a:srgbClr val="F6F8FC"/>
+                    </a:solidFill>
+                  </a:tcPr>
+                </a:tc>
+                <a:tc>
+                  <a:txBody>
+                    <a:bodyPr/>
+                    <a:lstStyle/>
+                    <a:p>
+                      <a:pPr algn="ctr" latinLnBrk="1"/>
+                      <a:r>
+                        <a:rPr lang="ko-KR" altLang="en-US" sz="1000" dirty="0" err="1" smtClean="0">
+                          <a:latin typeface="삼성긴고딕OTF Regular" panose="020B0600000101010101" pitchFamily="34" charset="-127"/>
+                          <a:ea typeface="삼성긴고딕OTF Regular" panose="020B0600000101010101" pitchFamily="34" charset="-127"/>
+                        </a:rPr>
+                        <a:t>교보문고</a:t>
+                      </a:r>
+                      <a:endParaRPr lang="ko-KR" altLang="en-US" sz="1000" dirty="0">
+                        <a:latin typeface="삼성긴고딕OTF Regular" panose="020B0600000101010101" pitchFamily="34" charset="-127"/>
+                        <a:ea typeface="삼성긴고딕OTF Regular" panose="020B0600000101010101" pitchFamily="34" charset="-127"/>
+                      </a:endParaRPr>
+                    </a:p>
+                  </a:txBody>
+                  <a:tcPr>
+                    <a:lnL w="6350" cap="flat" cmpd="sng" algn="ctr">
+                      <a:solidFill>
+                        <a:schemeClr val="tx1"/>
+                      </a:solidFill>
+                      <a:prstDash val="solid"/>
+                      <a:round/>
+                      <a:headEnd type="none" w="med" len="med"/>
+                      <a:tailEnd type="none" w="med" len="med"/>
+                    </a:lnL>
+                    <a:lnR w="6350" cap="flat" cmpd="sng" algn="ctr">
+                      <a:solidFill>
+                        <a:schemeClr val="tx1"/>
+                      </a:solidFill>
+                      <a:prstDash val="solid"/>
+                      <a:round/>
+                      <a:headEnd type="none" w="med" len="med"/>
+                      <a:tailEnd type="none" w="med" len="med"/>
+                    </a:lnR>
+                    <a:lnT w="6350" cap="flat" cmpd="sng" algn="ctr">
+                      <a:solidFill>
+                        <a:schemeClr val="tx1"/>
+                      </a:solidFill>
+                      <a:prstDash val="solid"/>
+                      <a:round/>
+                      <a:headEnd type="none" w="med" len="med"/>
+                      <a:tailEnd type="none" w="med" len="med"/>
+                    </a:lnT>
+                    <a:lnB w="6350" cap="flat" cmpd="sng" algn="ctr">
+                      <a:solidFill>
+                        <a:schemeClr val="tx1"/>
+                      </a:solidFill>
+                      <a:prstDash val="solid"/>
+                      <a:round/>
+                      <a:headEnd type="none" w="med" len="med"/>
+                      <a:tailEnd type="none" w="med" len="med"/>
+                    </a:lnB>
+                    <a:solidFill>
+                      <a:srgbClr val="F6F8FC"/>
+                    </a:solidFill>
+                  </a:tcPr>
+                </a:tc>
+                <a:tc>
+                  <a:txBody>
+                    <a:bodyPr/>
+                    <a:lstStyle/>
+                    <a:p>
+                      <a:pPr algn="ctr" latinLnBrk="1"/>
+                      <a:r>
+                        <a:rPr lang="en-US" altLang="ko-KR" sz="1000" dirty="0" smtClean="0">
+                          <a:latin typeface="삼성긴고딕OTF Regular" panose="020B0600000101010101" pitchFamily="34" charset="-127"/>
+                          <a:ea typeface="삼성긴고딕OTF Regular" panose="020B0600000101010101" pitchFamily="34" charset="-127"/>
+                        </a:rPr>
+                        <a:t>35,000</a:t>
+                      </a:r>
+                      <a:r>
+                        <a:rPr lang="ko-KR" altLang="en-US" sz="1000" dirty="0" smtClean="0">
+                          <a:latin typeface="삼성긴고딕OTF Regular" panose="020B0600000101010101" pitchFamily="34" charset="-127"/>
+                          <a:ea typeface="삼성긴고딕OTF Regular" panose="020B0600000101010101" pitchFamily="34" charset="-127"/>
+                        </a:rPr>
+                        <a:t>원</a:t>
+                      </a:r>
+                      <a:endParaRPr lang="ko-KR" altLang="en-US" sz="1000" dirty="0">
+                        <a:latin typeface="삼성긴고딕OTF Regular" panose="020B0600000101010101" pitchFamily="34" charset="-127"/>
+                        <a:ea typeface="삼성긴고딕OTF Regular" panose="020B0600000101010101" pitchFamily="34" charset="-127"/>
+                      </a:endParaRPr>
+                    </a:p>
+                  </a:txBody>
+                  <a:tcPr>
+                    <a:lnL w="6350" cap="flat" cmpd="sng" algn="ctr">
+                      <a:solidFill>
+                        <a:schemeClr val="tx1"/>
+                      </a:solidFill>
+                      <a:prstDash val="solid"/>
+                      <a:round/>
+                      <a:headEnd type="none" w="med" len="med"/>
+                      <a:tailEnd type="none" w="med" len="med"/>
+                    </a:lnL>
+                    <a:lnR w="6350" cap="flat" cmpd="sng" algn="ctr">
+                      <a:solidFill>
+                        <a:schemeClr val="tx1"/>
+                      </a:solidFill>
+                      <a:prstDash val="solid"/>
+                      <a:round/>
+                      <a:headEnd type="none" w="med" len="med"/>
+                      <a:tailEnd type="none" w="med" len="med"/>
+                    </a:lnR>
+                    <a:lnT w="6350" cap="flat" cmpd="sng" algn="ctr">
+                      <a:solidFill>
+                        <a:schemeClr val="tx1"/>
+                      </a:solidFill>
+                      <a:prstDash val="solid"/>
+                      <a:round/>
+                      <a:headEnd type="none" w="med" len="med"/>
+                      <a:tailEnd type="none" w="med" len="med"/>
+                    </a:lnT>
+                    <a:lnB w="6350" cap="flat" cmpd="sng" algn="ctr">
+                      <a:solidFill>
+                        <a:schemeClr val="tx1"/>
+                      </a:solidFill>
+                      <a:prstDash val="solid"/>
+                      <a:round/>
+                      <a:headEnd type="none" w="med" len="med"/>
+                      <a:tailEnd type="none" w="med" len="med"/>
+                    </a:lnB>
+                    <a:solidFill>
+                      <a:srgbClr val="F6F8FC"/>
+                    </a:solidFill>
+                  </a:tcPr>
+                </a:tc>
+                <a:tc>
+                  <a:txBody>
+                    <a:bodyPr/>
+                    <a:lstStyle/>
+                    <a:p>
+                      <a:pPr algn="ctr" latinLnBrk="1"/>
+                      <a:r>
+                        <a:rPr lang="en-US" altLang="ko-KR" sz="1000" dirty="0" smtClean="0">
+                          <a:latin typeface="삼성긴고딕OTF Regular" panose="020B0600000101010101" pitchFamily="34" charset="-127"/>
+                          <a:ea typeface="삼성긴고딕OTF Regular" panose="020B0600000101010101" pitchFamily="34" charset="-127"/>
+                        </a:rPr>
+                        <a:t>28,500</a:t>
+                      </a:r>
+                      <a:r>
+                        <a:rPr lang="ko-KR" altLang="en-US" sz="1000" dirty="0" smtClean="0">
+                          <a:latin typeface="삼성긴고딕OTF Regular" panose="020B0600000101010101" pitchFamily="34" charset="-127"/>
+                          <a:ea typeface="삼성긴고딕OTF Regular" panose="020B0600000101010101" pitchFamily="34" charset="-127"/>
+                        </a:rPr>
+                        <a:t>원</a:t>
+                      </a:r>
+                      <a:endParaRPr lang="ko-KR" altLang="en-US" sz="1000" dirty="0">
+                        <a:latin typeface="삼성긴고딕OTF Regular" panose="020B0600000101010101" pitchFamily="34" charset="-127"/>
+                        <a:ea typeface="삼성긴고딕OTF Regular" panose="020B0600000101010101" pitchFamily="34" charset="-127"/>
+                      </a:endParaRPr>
+                    </a:p>
+                  </a:txBody>
+                  <a:tcPr>
+                    <a:lnL w="6350" cap="flat" cmpd="sng" algn="ctr">
+                      <a:solidFill>
+                        <a:schemeClr val="tx1"/>
+                      </a:solidFill>
+                      <a:prstDash val="solid"/>
+                      <a:round/>
+                      <a:headEnd type="none" w="med" len="med"/>
+                      <a:tailEnd type="none" w="med" len="med"/>
+                    </a:lnL>
+                    <a:lnR w="6350" cap="flat" cmpd="sng" algn="ctr">
+                      <a:solidFill>
+                        <a:schemeClr val="tx1"/>
+                      </a:solidFill>
+                      <a:prstDash val="solid"/>
+                      <a:round/>
+                      <a:headEnd type="none" w="med" len="med"/>
+                      <a:tailEnd type="none" w="med" len="med"/>
+                    </a:lnR>
+                    <a:lnT w="6350" cap="flat" cmpd="sng" algn="ctr">
+                      <a:solidFill>
+                        <a:schemeClr val="tx1"/>
+                      </a:solidFill>
+                      <a:prstDash val="solid"/>
+                      <a:round/>
+                      <a:headEnd type="none" w="med" len="med"/>
+                      <a:tailEnd type="none" w="med" len="med"/>
+                    </a:lnT>
+                    <a:lnB w="6350" cap="flat" cmpd="sng" algn="ctr">
+                      <a:solidFill>
+                        <a:schemeClr val="tx1"/>
+                      </a:solidFill>
+                      <a:prstDash val="solid"/>
+                      <a:round/>
+                      <a:headEnd type="none" w="med" len="med"/>
+                      <a:tailEnd type="none" w="med" len="med"/>
+                    </a:lnB>
+                    <a:solidFill>
+                      <a:srgbClr val="F6F8FC"/>
+                    </a:solidFill>
+                  </a:tcPr>
+                </a:tc>
+                <a:extLst>
+                  <a:ext uri="{0D108BD9-81ED-4DB2-BD59-A6C34878D82A}">
+                    <a16:rowId xmlns:a16="http://schemas.microsoft.com/office/drawing/2014/main" val="4078697995"/>
+                  </a:ext>
+                </a:extLst>
+              </a:tr>
+            </a:tbl>
+          </a:graphicData>
+        </a:graphic>
+      </p:graphicFrame>
+      <p:cxnSp>
+        <p:nvCxnSpPr>
+          <p:cNvPr id="10" name="구부러진 연결선 9"/>
+          <p:cNvCxnSpPr/>
+          <p:nvPr/>
+        </p:nvCxnSpPr>
+        <p:spPr>
+          <a:xfrm rot="5400000" flipH="1" flipV="1">
+            <a:off x="4071228" y="-2289467"/>
+            <a:ext cx="36000" cy="6164945"/>
+          </a:xfrm>
+          <a:prstGeom prst="curvedConnector3">
+            <a:avLst>
+              <a:gd name="adj1" fmla="val 1447147"/>
+            </a:avLst>
+          </a:prstGeom>
+          <a:ln w="12700">
+            <a:solidFill>
+              <a:srgbClr val="FF0000"/>
+            </a:solidFill>
+            <a:tailEnd type="triangle"/>
+          </a:ln>
+        </p:spPr>
+        <p:style>
+          <a:lnRef idx="1">
+            <a:schemeClr val="accent1"/>
+          </a:lnRef>
+          <a:fillRef idx="0">
+            <a:schemeClr val="accent1"/>
+          </a:fillRef>
+          <a:effectRef idx="0">
+            <a:schemeClr val="accent1"/>
+          </a:effectRef>
+          <a:fontRef idx="minor">
+            <a:schemeClr val="tx1"/>
+          </a:fontRef>
+        </p:style>
+      </p:cxnSp>
+      <p:sp>
+        <p:nvSpPr>
+          <p:cNvPr id="13" name="직사각형 12"/>
+          <p:cNvSpPr/>
+          <p:nvPr/>
+        </p:nvSpPr>
+        <p:spPr>
+          <a:xfrm>
+            <a:off x="3603228" y="302093"/>
+            <a:ext cx="972000" cy="360000"/>
+          </a:xfrm>
+          <a:prstGeom prst="rect">
+            <a:avLst/>
+          </a:prstGeom>
+          <a:noFill/>
+          <a:ln>
+            <a:noFill/>
+          </a:ln>
+        </p:spPr>
+        <p:style>
+          <a:lnRef idx="2">
+            <a:schemeClr val="accent1">
+              <a:shade val="50000"/>
+            </a:schemeClr>
+          </a:lnRef>
+          <a:fillRef idx="1">
+            <a:schemeClr val="accent1"/>
+          </a:fillRef>
+          <a:effectRef idx="0">
+            <a:schemeClr val="accent1"/>
+          </a:effectRef>
+          <a:fontRef idx="minor">
+            <a:schemeClr val="lt1"/>
+          </a:fontRef>
+        </p:style>
+        <p:txBody>
+          <a:bodyPr rtlCol="0" anchor="ctr"/>
+          <a:lstStyle/>
+          <a:p>
+            <a:pPr algn="ctr"/>
+            <a:r>
+              <a:rPr lang="ko-KR" altLang="en-US" sz="1200" dirty="0" smtClean="0">
+                <a:solidFill>
+                  <a:srgbClr val="FF0000"/>
+                </a:solidFill>
+                <a:latin typeface="삼성긴고딕OTF Bold" panose="020B0600000101010101" pitchFamily="34" charset="-127"/>
+                <a:ea typeface="삼성긴고딕OTF Bold" panose="020B0600000101010101" pitchFamily="34" charset="-127"/>
+              </a:rPr>
+              <a:t>접근 불가</a:t>
+            </a:r>
+            <a:endParaRPr lang="ko-KR" altLang="en-US" sz="1200" dirty="0">
+              <a:solidFill>
+                <a:srgbClr val="FF0000"/>
+              </a:solidFill>
+              <a:latin typeface="삼성긴고딕OTF Bold" panose="020B0600000101010101" pitchFamily="34" charset="-127"/>
+              <a:ea typeface="삼성긴고딕OTF Bold" panose="020B0600000101010101" pitchFamily="34" charset="-127"/>
+            </a:endParaRPr>
+          </a:p>
+        </p:txBody>
+      </p:sp>
+      <p:cxnSp>
+        <p:nvCxnSpPr>
+          <p:cNvPr id="15" name="구부러진 연결선 14"/>
+          <p:cNvCxnSpPr/>
+          <p:nvPr/>
+        </p:nvCxnSpPr>
+        <p:spPr>
+          <a:xfrm rot="16200000" flipH="1">
+            <a:off x="2181532" y="906055"/>
+            <a:ext cx="36000" cy="2385551"/>
+          </a:xfrm>
+          <a:prstGeom prst="curvedConnector3">
+            <a:avLst>
+              <a:gd name="adj1" fmla="val 735000"/>
+            </a:avLst>
+          </a:prstGeom>
+          <a:ln w="12700">
+            <a:solidFill>
+              <a:srgbClr val="1D75E5"/>
+            </a:solidFill>
+            <a:tailEnd type="triangle"/>
+          </a:ln>
+        </p:spPr>
+        <p:style>
+          <a:lnRef idx="1">
+            <a:schemeClr val="accent1"/>
+          </a:lnRef>
+          <a:fillRef idx="0">
+            <a:schemeClr val="accent1"/>
+          </a:fillRef>
+          <a:effectRef idx="0">
+            <a:schemeClr val="accent1"/>
+          </a:effectRef>
+          <a:fontRef idx="minor">
+            <a:schemeClr val="tx1"/>
+          </a:fontRef>
+        </p:style>
+      </p:cxnSp>
+      <p:sp>
+        <p:nvSpPr>
+          <p:cNvPr id="19" name="직사각형 18"/>
+          <p:cNvSpPr/>
+          <p:nvPr/>
+        </p:nvSpPr>
+        <p:spPr>
+          <a:xfrm>
+            <a:off x="1713532" y="2395813"/>
+            <a:ext cx="972000" cy="360000"/>
+          </a:xfrm>
+          <a:prstGeom prst="rect">
+            <a:avLst/>
+          </a:prstGeom>
+          <a:noFill/>
+          <a:ln>
+            <a:noFill/>
+          </a:ln>
+        </p:spPr>
+        <p:style>
+          <a:lnRef idx="2">
+            <a:schemeClr val="accent1">
+              <a:shade val="50000"/>
+            </a:schemeClr>
+          </a:lnRef>
+          <a:fillRef idx="1">
+            <a:schemeClr val="accent1"/>
+          </a:fillRef>
+          <a:effectRef idx="0">
+            <a:schemeClr val="accent1"/>
+          </a:effectRef>
+          <a:fontRef idx="minor">
+            <a:schemeClr val="lt1"/>
+          </a:fontRef>
+        </p:style>
+        <p:txBody>
+          <a:bodyPr rtlCol="0" anchor="ctr"/>
+          <a:lstStyle/>
+          <a:p>
+            <a:pPr algn="ctr"/>
+            <a:r>
+              <a:rPr lang="ko-KR" altLang="en-US" sz="1200" dirty="0" smtClean="0">
+                <a:solidFill>
+                  <a:srgbClr val="1D75E5"/>
+                </a:solidFill>
+                <a:latin typeface="삼성긴고딕OTF Bold" panose="020B0600000101010101" pitchFamily="34" charset="-127"/>
+                <a:ea typeface="삼성긴고딕OTF Bold" panose="020B0600000101010101" pitchFamily="34" charset="-127"/>
+              </a:rPr>
+              <a:t>접근 가능</a:t>
+            </a:r>
+            <a:endParaRPr lang="ko-KR" altLang="en-US" sz="1200" dirty="0">
+              <a:solidFill>
+                <a:srgbClr val="1D75E5"/>
+              </a:solidFill>
+              <a:latin typeface="삼성긴고딕OTF Bold" panose="020B0600000101010101" pitchFamily="34" charset="-127"/>
+              <a:ea typeface="삼성긴고딕OTF Bold" panose="020B0600000101010101" pitchFamily="34" charset="-127"/>
+            </a:endParaRPr>
+          </a:p>
+        </p:txBody>
+      </p:sp>
+      <p:sp>
+        <p:nvSpPr>
+          <p:cNvPr id="20" name="왼쪽 화살표 19"/>
+          <p:cNvSpPr/>
+          <p:nvPr/>
+        </p:nvSpPr>
+        <p:spPr>
+          <a:xfrm>
+            <a:off x="4661357" y="1305764"/>
+            <a:ext cx="521293" cy="338154"/>
+          </a:xfrm>
+          <a:prstGeom prst="leftArrow">
+            <a:avLst/>
+          </a:prstGeom>
+          <a:solidFill>
+            <a:srgbClr val="15D3B2"/>
+          </a:solidFill>
+          <a:ln>
+            <a:noFill/>
+          </a:ln>
+          <a:effectLst>
+            <a:outerShdw blurRad="50800" dist="38100" dir="2700000" algn="tl" rotWithShape="0">
+              <a:prstClr val="black">
+                <a:alpha val="40000"/>
+              </a:prstClr>
+            </a:outerShdw>
+          </a:effectLst>
+        </p:spPr>
+        <p:style>
+          <a:lnRef idx="2">
+            <a:schemeClr val="accent1">
+              <a:shade val="50000"/>
+            </a:schemeClr>
+          </a:lnRef>
+          <a:fillRef idx="1">
+            <a:schemeClr val="accent1"/>
+          </a:fillRef>
+          <a:effectRef idx="0">
+            <a:schemeClr val="accent1"/>
+          </a:effectRef>
+          <a:fontRef idx="minor">
+            <a:schemeClr val="lt1"/>
+          </a:fontRef>
+        </p:style>
+        <p:txBody>
+          <a:bodyPr rtlCol="0" anchor="ctr"/>
+          <a:lstStyle/>
+          <a:p>
+            <a:pPr algn="ctr"/>
+            <a:endParaRPr lang="ko-KR" altLang="en-US"/>
+          </a:p>
+        </p:txBody>
+      </p:sp>
+      <p:sp>
+        <p:nvSpPr>
+          <p:cNvPr id="21" name="직사각형 20"/>
+          <p:cNvSpPr/>
+          <p:nvPr/>
+        </p:nvSpPr>
+        <p:spPr>
+          <a:xfrm>
+            <a:off x="4436003" y="1700374"/>
+            <a:ext cx="972000" cy="360000"/>
+          </a:xfrm>
+          <a:prstGeom prst="rect">
+            <a:avLst/>
+          </a:prstGeom>
+          <a:noFill/>
+          <a:ln>
+            <a:noFill/>
+          </a:ln>
+        </p:spPr>
+        <p:style>
+          <a:lnRef idx="2">
+            <a:schemeClr val="accent1">
+              <a:shade val="50000"/>
+            </a:schemeClr>
+          </a:lnRef>
+          <a:fillRef idx="1">
+            <a:schemeClr val="accent1"/>
+          </a:fillRef>
+          <a:effectRef idx="0">
+            <a:schemeClr val="accent1"/>
+          </a:effectRef>
+          <a:fontRef idx="minor">
+            <a:schemeClr val="lt1"/>
+          </a:fontRef>
+        </p:style>
+        <p:txBody>
+          <a:bodyPr rtlCol="0" anchor="ctr"/>
+          <a:lstStyle/>
+          <a:p>
+            <a:pPr algn="ctr"/>
+            <a:r>
+              <a:rPr lang="ko-KR" altLang="en-US" sz="1200" dirty="0" smtClean="0">
+                <a:solidFill>
+                  <a:srgbClr val="15D3B2"/>
+                </a:solidFill>
+                <a:latin typeface="삼성긴고딕OTF Bold" panose="020B0600000101010101" pitchFamily="34" charset="-127"/>
+                <a:ea typeface="삼성긴고딕OTF Bold" panose="020B0600000101010101" pitchFamily="34" charset="-127"/>
+              </a:rPr>
+              <a:t>생성</a:t>
+            </a:r>
+            <a:endParaRPr lang="ko-KR" altLang="en-US" sz="1200" dirty="0">
+              <a:solidFill>
+                <a:srgbClr val="15D3B2"/>
+              </a:solidFill>
+              <a:latin typeface="삼성긴고딕OTF Bold" panose="020B0600000101010101" pitchFamily="34" charset="-127"/>
+              <a:ea typeface="삼성긴고딕OTF Bold" panose="020B0600000101010101" pitchFamily="34" charset="-127"/>
+            </a:endParaRPr>
+          </a:p>
+        </p:txBody>
+      </p:sp>
+      <p:sp>
+        <p:nvSpPr>
+          <p:cNvPr id="22" name="모서리가 둥근 직사각형 21"/>
+          <p:cNvSpPr/>
+          <p:nvPr/>
+        </p:nvSpPr>
+        <p:spPr>
+          <a:xfrm>
+            <a:off x="1042755" y="4315425"/>
+            <a:ext cx="1080000" cy="540000"/>
+          </a:xfrm>
+          <a:prstGeom prst="roundRect">
+            <a:avLst/>
+          </a:prstGeom>
+          <a:solidFill>
+            <a:schemeClr val="bg1"/>
+          </a:solidFill>
+          <a:ln w="9525">
+            <a:solidFill>
+              <a:schemeClr val="tx1"/>
+            </a:solidFill>
+          </a:ln>
+          <a:effectLst>
+            <a:outerShdw blurRad="50800" dist="38100" dir="2700000" algn="tl" rotWithShape="0">
+              <a:prstClr val="black">
+                <a:alpha val="40000"/>
+              </a:prstClr>
+            </a:outerShdw>
+          </a:effectLst>
+        </p:spPr>
+        <p:style>
+          <a:lnRef idx="2">
+            <a:schemeClr val="accent1">
+              <a:shade val="50000"/>
+            </a:schemeClr>
+          </a:lnRef>
+          <a:fillRef idx="1">
+            <a:schemeClr val="accent1"/>
+          </a:fillRef>
+          <a:effectRef idx="0">
+            <a:schemeClr val="accent1"/>
+          </a:effectRef>
+          <a:fontRef idx="minor">
+            <a:schemeClr val="lt1"/>
+          </a:fontRef>
+        </p:style>
+        <p:txBody>
+          <a:bodyPr lIns="36000" tIns="36000" rIns="36000" bIns="36000" rtlCol="0" anchor="ctr"/>
+          <a:lstStyle/>
+          <a:p>
+            <a:pPr algn="ctr"/>
+            <a:r>
+              <a:rPr lang="ko-KR" altLang="en-US" sz="1400" dirty="0" smtClean="0">
+                <a:solidFill>
+                  <a:schemeClr val="tx1"/>
+                </a:solidFill>
+                <a:latin typeface="삼성긴고딕OTF Medium" panose="020B0600000101010101" pitchFamily="34" charset="-127"/>
+                <a:ea typeface="삼성긴고딕OTF Medium" panose="020B0600000101010101" pitchFamily="34" charset="-127"/>
+              </a:rPr>
+              <a:t>활성</a:t>
+            </a:r>
+            <a:r>
+              <a:rPr lang="en-US" altLang="ko-KR" sz="1400" dirty="0" smtClean="0">
+                <a:solidFill>
+                  <a:schemeClr val="tx1"/>
+                </a:solidFill>
+                <a:latin typeface="삼성긴고딕OTF Medium" panose="020B0600000101010101" pitchFamily="34" charset="-127"/>
+                <a:ea typeface="삼성긴고딕OTF Medium" panose="020B0600000101010101" pitchFamily="34" charset="-127"/>
+              </a:rPr>
+              <a:t/>
+            </a:r>
+            <a:br>
+              <a:rPr lang="en-US" altLang="ko-KR" sz="1400" dirty="0" smtClean="0">
+                <a:solidFill>
+                  <a:schemeClr val="tx1"/>
+                </a:solidFill>
+                <a:latin typeface="삼성긴고딕OTF Medium" panose="020B0600000101010101" pitchFamily="34" charset="-127"/>
+                <a:ea typeface="삼성긴고딕OTF Medium" panose="020B0600000101010101" pitchFamily="34" charset="-127"/>
+              </a:rPr>
+            </a:br>
+            <a:r>
+              <a:rPr lang="en-US" altLang="ko-KR" sz="1400" dirty="0" smtClean="0">
+                <a:solidFill>
+                  <a:schemeClr val="tx1"/>
+                </a:solidFill>
+                <a:latin typeface="삼성긴고딕OTF Medium" panose="020B0600000101010101" pitchFamily="34" charset="-127"/>
+                <a:ea typeface="삼성긴고딕OTF Medium" panose="020B0600000101010101" pitchFamily="34" charset="-127"/>
+              </a:rPr>
+              <a:t>(Active)</a:t>
+            </a:r>
+            <a:endParaRPr lang="ko-KR" altLang="en-US" sz="1400" dirty="0">
+              <a:solidFill>
+                <a:schemeClr val="tx1"/>
+              </a:solidFill>
+              <a:latin typeface="삼성긴고딕OTF Medium" panose="020B0600000101010101" pitchFamily="34" charset="-127"/>
+              <a:ea typeface="삼성긴고딕OTF Medium" panose="020B0600000101010101" pitchFamily="34" charset="-127"/>
+            </a:endParaRPr>
+          </a:p>
+        </p:txBody>
+      </p:sp>
+      <p:sp>
+        <p:nvSpPr>
+          <p:cNvPr id="23" name="모서리가 둥근 직사각형 22"/>
+          <p:cNvSpPr/>
+          <p:nvPr/>
+        </p:nvSpPr>
+        <p:spPr>
+          <a:xfrm>
+            <a:off x="3002869" y="3769795"/>
+            <a:ext cx="1800000" cy="540000"/>
+          </a:xfrm>
+          <a:prstGeom prst="roundRect">
+            <a:avLst/>
+          </a:prstGeom>
+          <a:solidFill>
+            <a:schemeClr val="bg1"/>
+          </a:solidFill>
+          <a:ln w="9525">
+            <a:solidFill>
+              <a:srgbClr val="15D3B2"/>
+            </a:solidFill>
+          </a:ln>
+          <a:effectLst>
+            <a:outerShdw blurRad="50800" dist="38100" dir="2700000" algn="tl" rotWithShape="0">
+              <a:prstClr val="black">
+                <a:alpha val="40000"/>
+              </a:prstClr>
+            </a:outerShdw>
+          </a:effectLst>
+        </p:spPr>
+        <p:style>
+          <a:lnRef idx="2">
+            <a:schemeClr val="accent1">
+              <a:shade val="50000"/>
+            </a:schemeClr>
+          </a:lnRef>
+          <a:fillRef idx="1">
+            <a:schemeClr val="accent1"/>
+          </a:fillRef>
+          <a:effectRef idx="0">
+            <a:schemeClr val="accent1"/>
+          </a:effectRef>
+          <a:fontRef idx="minor">
+            <a:schemeClr val="lt1"/>
+          </a:fontRef>
+        </p:style>
+        <p:txBody>
+          <a:bodyPr lIns="36000" tIns="36000" rIns="36000" bIns="36000" rtlCol="0" anchor="ctr"/>
+          <a:lstStyle/>
+          <a:p>
+            <a:pPr algn="ctr"/>
+            <a:r>
+              <a:rPr lang="ko-KR" altLang="en-US" sz="1400" dirty="0" smtClean="0">
+                <a:solidFill>
+                  <a:schemeClr val="tx1"/>
+                </a:solidFill>
+                <a:latin typeface="삼성긴고딕OTF Medium" panose="020B0600000101010101" pitchFamily="34" charset="-127"/>
+                <a:ea typeface="삼성긴고딕OTF Medium" panose="020B0600000101010101" pitchFamily="34" charset="-127"/>
+              </a:rPr>
+              <a:t>부분 완료</a:t>
+            </a:r>
+            <a:r>
+              <a:rPr lang="en-US" altLang="ko-KR" sz="1400" dirty="0" smtClean="0">
+                <a:solidFill>
+                  <a:schemeClr val="tx1"/>
+                </a:solidFill>
+                <a:latin typeface="삼성긴고딕OTF Medium" panose="020B0600000101010101" pitchFamily="34" charset="-127"/>
+                <a:ea typeface="삼성긴고딕OTF Medium" panose="020B0600000101010101" pitchFamily="34" charset="-127"/>
+              </a:rPr>
+              <a:t/>
+            </a:r>
+            <a:br>
+              <a:rPr lang="en-US" altLang="ko-KR" sz="1400" dirty="0" smtClean="0">
+                <a:solidFill>
+                  <a:schemeClr val="tx1"/>
+                </a:solidFill>
+                <a:latin typeface="삼성긴고딕OTF Medium" panose="020B0600000101010101" pitchFamily="34" charset="-127"/>
+                <a:ea typeface="삼성긴고딕OTF Medium" panose="020B0600000101010101" pitchFamily="34" charset="-127"/>
+              </a:rPr>
+            </a:br>
+            <a:r>
+              <a:rPr lang="en-US" altLang="ko-KR" sz="1400" dirty="0" smtClean="0">
+                <a:solidFill>
+                  <a:schemeClr val="tx1"/>
+                </a:solidFill>
+                <a:latin typeface="삼성긴고딕OTF Medium" panose="020B0600000101010101" pitchFamily="34" charset="-127"/>
+                <a:ea typeface="삼성긴고딕OTF Medium" panose="020B0600000101010101" pitchFamily="34" charset="-127"/>
+              </a:rPr>
+              <a:t>(Partially Committed)</a:t>
+            </a:r>
+            <a:endParaRPr lang="ko-KR" altLang="en-US" sz="1400" dirty="0">
+              <a:solidFill>
+                <a:schemeClr val="tx1"/>
+              </a:solidFill>
+              <a:latin typeface="삼성긴고딕OTF Medium" panose="020B0600000101010101" pitchFamily="34" charset="-127"/>
+              <a:ea typeface="삼성긴고딕OTF Medium" panose="020B0600000101010101" pitchFamily="34" charset="-127"/>
+            </a:endParaRPr>
+          </a:p>
+        </p:txBody>
+      </p:sp>
+      <p:sp>
+        <p:nvSpPr>
+          <p:cNvPr id="24" name="모서리가 둥근 직사각형 23"/>
+          <p:cNvSpPr/>
+          <p:nvPr/>
+        </p:nvSpPr>
+        <p:spPr>
+          <a:xfrm>
+            <a:off x="3002869" y="4861055"/>
+            <a:ext cx="1800000" cy="540000"/>
+          </a:xfrm>
+          <a:prstGeom prst="roundRect">
+            <a:avLst/>
+          </a:prstGeom>
+          <a:solidFill>
+            <a:schemeClr val="bg1"/>
+          </a:solidFill>
+          <a:ln w="9525">
+            <a:solidFill>
+              <a:srgbClr val="E62154"/>
+            </a:solidFill>
+          </a:ln>
+          <a:effectLst>
+            <a:outerShdw blurRad="50800" dist="38100" dir="2700000" algn="tl" rotWithShape="0">
+              <a:prstClr val="black">
+                <a:alpha val="40000"/>
+              </a:prstClr>
+            </a:outerShdw>
+          </a:effectLst>
+        </p:spPr>
+        <p:style>
+          <a:lnRef idx="2">
+            <a:schemeClr val="accent1">
+              <a:shade val="50000"/>
+            </a:schemeClr>
+          </a:lnRef>
+          <a:fillRef idx="1">
+            <a:schemeClr val="accent1"/>
+          </a:fillRef>
+          <a:effectRef idx="0">
+            <a:schemeClr val="accent1"/>
+          </a:effectRef>
+          <a:fontRef idx="minor">
+            <a:schemeClr val="lt1"/>
+          </a:fontRef>
+        </p:style>
+        <p:txBody>
+          <a:bodyPr lIns="36000" tIns="36000" rIns="36000" bIns="36000" rtlCol="0" anchor="ctr"/>
+          <a:lstStyle/>
+          <a:p>
+            <a:pPr algn="ctr"/>
+            <a:r>
+              <a:rPr lang="ko-KR" altLang="en-US" sz="1400" dirty="0" smtClean="0">
+                <a:solidFill>
+                  <a:schemeClr val="tx1"/>
+                </a:solidFill>
+                <a:latin typeface="삼성긴고딕OTF Medium" panose="020B0600000101010101" pitchFamily="34" charset="-127"/>
+                <a:ea typeface="삼성긴고딕OTF Medium" panose="020B0600000101010101" pitchFamily="34" charset="-127"/>
+              </a:rPr>
+              <a:t>실패</a:t>
+            </a:r>
+            <a:r>
+              <a:rPr lang="en-US" altLang="ko-KR" sz="1400" dirty="0" smtClean="0">
+                <a:solidFill>
+                  <a:schemeClr val="tx1"/>
+                </a:solidFill>
+                <a:latin typeface="삼성긴고딕OTF Medium" panose="020B0600000101010101" pitchFamily="34" charset="-127"/>
+                <a:ea typeface="삼성긴고딕OTF Medium" panose="020B0600000101010101" pitchFamily="34" charset="-127"/>
+              </a:rPr>
+              <a:t/>
+            </a:r>
+            <a:br>
+              <a:rPr lang="en-US" altLang="ko-KR" sz="1400" dirty="0" smtClean="0">
+                <a:solidFill>
+                  <a:schemeClr val="tx1"/>
+                </a:solidFill>
+                <a:latin typeface="삼성긴고딕OTF Medium" panose="020B0600000101010101" pitchFamily="34" charset="-127"/>
+                <a:ea typeface="삼성긴고딕OTF Medium" panose="020B0600000101010101" pitchFamily="34" charset="-127"/>
+              </a:rPr>
+            </a:br>
+            <a:r>
+              <a:rPr lang="en-US" altLang="ko-KR" sz="1400" dirty="0" smtClean="0">
+                <a:solidFill>
+                  <a:schemeClr val="tx1"/>
+                </a:solidFill>
+                <a:latin typeface="삼성긴고딕OTF Medium" panose="020B0600000101010101" pitchFamily="34" charset="-127"/>
+                <a:ea typeface="삼성긴고딕OTF Medium" panose="020B0600000101010101" pitchFamily="34" charset="-127"/>
+              </a:rPr>
+              <a:t>(Failed)</a:t>
+            </a:r>
+            <a:endParaRPr lang="ko-KR" altLang="en-US" sz="1400" dirty="0">
+              <a:solidFill>
+                <a:schemeClr val="tx1"/>
+              </a:solidFill>
+              <a:latin typeface="삼성긴고딕OTF Medium" panose="020B0600000101010101" pitchFamily="34" charset="-127"/>
+              <a:ea typeface="삼성긴고딕OTF Medium" panose="020B0600000101010101" pitchFamily="34" charset="-127"/>
+            </a:endParaRPr>
+          </a:p>
+        </p:txBody>
+      </p:sp>
+      <p:sp>
+        <p:nvSpPr>
+          <p:cNvPr id="25" name="모서리가 둥근 직사각형 24"/>
+          <p:cNvSpPr/>
+          <p:nvPr/>
+        </p:nvSpPr>
+        <p:spPr>
+          <a:xfrm>
+            <a:off x="5583699" y="3769795"/>
+            <a:ext cx="1260000" cy="540000"/>
+          </a:xfrm>
+          <a:prstGeom prst="roundRect">
+            <a:avLst/>
+          </a:prstGeom>
+          <a:solidFill>
+            <a:schemeClr val="bg1"/>
+          </a:solidFill>
+          <a:ln w="9525">
+            <a:solidFill>
+              <a:srgbClr val="1D75E5"/>
+            </a:solidFill>
+          </a:ln>
+          <a:effectLst>
+            <a:outerShdw blurRad="50800" dist="38100" dir="2700000" algn="tl" rotWithShape="0">
+              <a:prstClr val="black">
+                <a:alpha val="40000"/>
+              </a:prstClr>
+            </a:outerShdw>
+          </a:effectLst>
+        </p:spPr>
+        <p:style>
+          <a:lnRef idx="2">
+            <a:schemeClr val="accent1">
+              <a:shade val="50000"/>
+            </a:schemeClr>
+          </a:lnRef>
+          <a:fillRef idx="1">
+            <a:schemeClr val="accent1"/>
+          </a:fillRef>
+          <a:effectRef idx="0">
+            <a:schemeClr val="accent1"/>
+          </a:effectRef>
+          <a:fontRef idx="minor">
+            <a:schemeClr val="lt1"/>
+          </a:fontRef>
+        </p:style>
+        <p:txBody>
+          <a:bodyPr lIns="36000" tIns="36000" rIns="36000" bIns="36000" rtlCol="0" anchor="ctr"/>
+          <a:lstStyle/>
+          <a:p>
+            <a:pPr algn="ctr"/>
+            <a:r>
+              <a:rPr lang="ko-KR" altLang="en-US" sz="1400" dirty="0" smtClean="0">
+                <a:solidFill>
+                  <a:schemeClr val="tx1"/>
+                </a:solidFill>
+                <a:latin typeface="삼성긴고딕OTF Medium" panose="020B0600000101010101" pitchFamily="34" charset="-127"/>
+                <a:ea typeface="삼성긴고딕OTF Medium" panose="020B0600000101010101" pitchFamily="34" charset="-127"/>
+              </a:rPr>
+              <a:t>완료</a:t>
+            </a:r>
+            <a:r>
+              <a:rPr lang="en-US" altLang="ko-KR" sz="1400" dirty="0" smtClean="0">
+                <a:solidFill>
+                  <a:schemeClr val="tx1"/>
+                </a:solidFill>
+                <a:latin typeface="삼성긴고딕OTF Medium" panose="020B0600000101010101" pitchFamily="34" charset="-127"/>
+                <a:ea typeface="삼성긴고딕OTF Medium" panose="020B0600000101010101" pitchFamily="34" charset="-127"/>
+              </a:rPr>
+              <a:t/>
+            </a:r>
+            <a:br>
+              <a:rPr lang="en-US" altLang="ko-KR" sz="1400" dirty="0" smtClean="0">
+                <a:solidFill>
+                  <a:schemeClr val="tx1"/>
+                </a:solidFill>
+                <a:latin typeface="삼성긴고딕OTF Medium" panose="020B0600000101010101" pitchFamily="34" charset="-127"/>
+                <a:ea typeface="삼성긴고딕OTF Medium" panose="020B0600000101010101" pitchFamily="34" charset="-127"/>
+              </a:rPr>
+            </a:br>
+            <a:r>
+              <a:rPr lang="en-US" altLang="ko-KR" sz="1400" dirty="0" smtClean="0">
+                <a:solidFill>
+                  <a:schemeClr val="tx1"/>
+                </a:solidFill>
+                <a:latin typeface="삼성긴고딕OTF Medium" panose="020B0600000101010101" pitchFamily="34" charset="-127"/>
+                <a:ea typeface="삼성긴고딕OTF Medium" panose="020B0600000101010101" pitchFamily="34" charset="-127"/>
+              </a:rPr>
+              <a:t>(Committed)</a:t>
+            </a:r>
+            <a:endParaRPr lang="ko-KR" altLang="en-US" sz="1400" dirty="0">
+              <a:solidFill>
+                <a:schemeClr val="tx1"/>
+              </a:solidFill>
+              <a:latin typeface="삼성긴고딕OTF Medium" panose="020B0600000101010101" pitchFamily="34" charset="-127"/>
+              <a:ea typeface="삼성긴고딕OTF Medium" panose="020B0600000101010101" pitchFamily="34" charset="-127"/>
+            </a:endParaRPr>
+          </a:p>
+        </p:txBody>
+      </p:sp>
+      <p:sp>
+        <p:nvSpPr>
+          <p:cNvPr id="26" name="모서리가 둥근 직사각형 25"/>
+          <p:cNvSpPr/>
+          <p:nvPr/>
+        </p:nvSpPr>
+        <p:spPr>
+          <a:xfrm>
+            <a:off x="5583699" y="4861055"/>
+            <a:ext cx="1260000" cy="540000"/>
+          </a:xfrm>
+          <a:prstGeom prst="roundRect">
+            <a:avLst/>
+          </a:prstGeom>
+          <a:solidFill>
+            <a:schemeClr val="bg1"/>
+          </a:solidFill>
+          <a:ln w="9525">
+            <a:solidFill>
+              <a:srgbClr val="7030A0"/>
+            </a:solidFill>
+          </a:ln>
+          <a:effectLst>
+            <a:outerShdw blurRad="50800" dist="38100" dir="2700000" algn="tl" rotWithShape="0">
+              <a:prstClr val="black">
+                <a:alpha val="40000"/>
+              </a:prstClr>
+            </a:outerShdw>
+          </a:effectLst>
+        </p:spPr>
+        <p:style>
+          <a:lnRef idx="2">
+            <a:schemeClr val="accent1">
+              <a:shade val="50000"/>
+            </a:schemeClr>
+          </a:lnRef>
+          <a:fillRef idx="1">
+            <a:schemeClr val="accent1"/>
+          </a:fillRef>
+          <a:effectRef idx="0">
+            <a:schemeClr val="accent1"/>
+          </a:effectRef>
+          <a:fontRef idx="minor">
+            <a:schemeClr val="lt1"/>
+          </a:fontRef>
+        </p:style>
+        <p:txBody>
+          <a:bodyPr lIns="36000" tIns="36000" rIns="36000" bIns="36000" rtlCol="0" anchor="ctr"/>
+          <a:lstStyle/>
+          <a:p>
+            <a:pPr algn="ctr"/>
+            <a:r>
+              <a:rPr lang="ko-KR" altLang="en-US" sz="1400" dirty="0" smtClean="0">
+                <a:solidFill>
+                  <a:schemeClr val="tx1"/>
+                </a:solidFill>
+                <a:latin typeface="삼성긴고딕OTF Medium" panose="020B0600000101010101" pitchFamily="34" charset="-127"/>
+                <a:ea typeface="삼성긴고딕OTF Medium" panose="020B0600000101010101" pitchFamily="34" charset="-127"/>
+              </a:rPr>
+              <a:t>철회</a:t>
+            </a:r>
+            <a:r>
+              <a:rPr lang="en-US" altLang="ko-KR" sz="1400" dirty="0" smtClean="0">
+                <a:solidFill>
+                  <a:schemeClr val="tx1"/>
+                </a:solidFill>
+                <a:latin typeface="삼성긴고딕OTF Medium" panose="020B0600000101010101" pitchFamily="34" charset="-127"/>
+                <a:ea typeface="삼성긴고딕OTF Medium" panose="020B0600000101010101" pitchFamily="34" charset="-127"/>
+              </a:rPr>
+              <a:t/>
+            </a:r>
+            <a:br>
+              <a:rPr lang="en-US" altLang="ko-KR" sz="1400" dirty="0" smtClean="0">
+                <a:solidFill>
+                  <a:schemeClr val="tx1"/>
+                </a:solidFill>
+                <a:latin typeface="삼성긴고딕OTF Medium" panose="020B0600000101010101" pitchFamily="34" charset="-127"/>
+                <a:ea typeface="삼성긴고딕OTF Medium" panose="020B0600000101010101" pitchFamily="34" charset="-127"/>
+              </a:rPr>
+            </a:br>
+            <a:r>
+              <a:rPr lang="en-US" altLang="ko-KR" sz="1400" dirty="0" smtClean="0">
+                <a:solidFill>
+                  <a:schemeClr val="tx1"/>
+                </a:solidFill>
+                <a:latin typeface="삼성긴고딕OTF Medium" panose="020B0600000101010101" pitchFamily="34" charset="-127"/>
+                <a:ea typeface="삼성긴고딕OTF Medium" panose="020B0600000101010101" pitchFamily="34" charset="-127"/>
+              </a:rPr>
+              <a:t>(Aborted)</a:t>
+            </a:r>
+            <a:endParaRPr lang="ko-KR" altLang="en-US" sz="1400" dirty="0">
+              <a:solidFill>
+                <a:schemeClr val="tx1"/>
+              </a:solidFill>
+              <a:latin typeface="삼성긴고딕OTF Medium" panose="020B0600000101010101" pitchFamily="34" charset="-127"/>
+              <a:ea typeface="삼성긴고딕OTF Medium" panose="020B0600000101010101" pitchFamily="34" charset="-127"/>
+            </a:endParaRPr>
+          </a:p>
+        </p:txBody>
+      </p:sp>
+      <p:cxnSp>
+        <p:nvCxnSpPr>
+          <p:cNvPr id="27" name="구부러진 연결선 26"/>
+          <p:cNvCxnSpPr>
+            <a:stCxn id="23" idx="2"/>
+            <a:endCxn id="24" idx="0"/>
+          </p:cNvCxnSpPr>
+          <p:nvPr/>
+        </p:nvCxnSpPr>
+        <p:spPr>
+          <a:xfrm>
+            <a:off x="3902869" y="4309795"/>
+            <a:ext cx="0" cy="551260"/>
+          </a:xfrm>
+          <a:prstGeom prst="straightConnector1">
+            <a:avLst/>
+          </a:prstGeom>
+          <a:ln w="9525">
+            <a:solidFill>
+              <a:srgbClr val="E62154"/>
+            </a:solidFill>
+            <a:tailEnd type="triangle"/>
+          </a:ln>
+        </p:spPr>
+        <p:style>
+          <a:lnRef idx="1">
+            <a:schemeClr val="accent1"/>
+          </a:lnRef>
+          <a:fillRef idx="0">
+            <a:schemeClr val="accent1"/>
+          </a:fillRef>
+          <a:effectRef idx="0">
+            <a:schemeClr val="accent1"/>
+          </a:effectRef>
+          <a:fontRef idx="minor">
+            <a:schemeClr val="tx1"/>
+          </a:fontRef>
+        </p:style>
+      </p:cxnSp>
+      <p:sp>
+        <p:nvSpPr>
+          <p:cNvPr id="41" name="타원 40"/>
+          <p:cNvSpPr/>
+          <p:nvPr/>
+        </p:nvSpPr>
+        <p:spPr>
+          <a:xfrm>
+            <a:off x="9349693" y="2840461"/>
+            <a:ext cx="360000" cy="360000"/>
+          </a:xfrm>
+          <a:prstGeom prst="ellipse">
+            <a:avLst/>
+          </a:prstGeom>
+          <a:solidFill>
+            <a:srgbClr val="1CC9E4"/>
+          </a:solidFill>
+          <a:ln>
+            <a:noFill/>
+          </a:ln>
+        </p:spPr>
+        <p:style>
+          <a:lnRef idx="2">
+            <a:schemeClr val="accent1">
+              <a:shade val="50000"/>
+            </a:schemeClr>
+          </a:lnRef>
+          <a:fillRef idx="1">
+            <a:schemeClr val="accent1"/>
+          </a:fillRef>
+          <a:effectRef idx="0">
+            <a:schemeClr val="accent1"/>
+          </a:effectRef>
+          <a:fontRef idx="minor">
+            <a:schemeClr val="lt1"/>
+          </a:fontRef>
+        </p:style>
+        <p:txBody>
+          <a:bodyPr lIns="0" tIns="0" rIns="0" bIns="0" rtlCol="0" anchor="ctr"/>
+          <a:lstStyle/>
+          <a:p>
+            <a:pPr algn="ctr"/>
+            <a:endParaRPr lang="ko-KR" altLang="en-US" sz="1200" dirty="0">
+              <a:solidFill>
+                <a:schemeClr val="accent5"/>
+              </a:solidFill>
+              <a:latin typeface="삼성긴고딕OTF Medium" panose="020B0600000101010101" pitchFamily="34" charset="-127"/>
+              <a:ea typeface="삼성긴고딕OTF Medium" panose="020B0600000101010101" pitchFamily="34" charset="-127"/>
+            </a:endParaRPr>
+          </a:p>
+        </p:txBody>
+      </p:sp>
+      <p:sp>
+        <p:nvSpPr>
+          <p:cNvPr id="39" name="타원 38"/>
+          <p:cNvSpPr/>
+          <p:nvPr/>
+        </p:nvSpPr>
+        <p:spPr>
+          <a:xfrm>
+            <a:off x="10623017" y="1820803"/>
+            <a:ext cx="360000" cy="360000"/>
+          </a:xfrm>
+          <a:prstGeom prst="ellipse">
+            <a:avLst/>
+          </a:prstGeom>
+          <a:solidFill>
+            <a:srgbClr val="15D3B2"/>
+          </a:solidFill>
+          <a:ln>
+            <a:noFill/>
+          </a:ln>
+        </p:spPr>
+        <p:style>
+          <a:lnRef idx="2">
+            <a:schemeClr val="accent1">
+              <a:shade val="50000"/>
+            </a:schemeClr>
+          </a:lnRef>
+          <a:fillRef idx="1">
+            <a:schemeClr val="accent1"/>
+          </a:fillRef>
+          <a:effectRef idx="0">
+            <a:schemeClr val="accent1"/>
+          </a:effectRef>
+          <a:fontRef idx="minor">
+            <a:schemeClr val="lt1"/>
+          </a:fontRef>
+        </p:style>
+        <p:txBody>
+          <a:bodyPr lIns="0" tIns="0" rIns="0" bIns="0" rtlCol="0" anchor="ctr"/>
+          <a:lstStyle/>
+          <a:p>
+            <a:pPr algn="ctr"/>
+            <a:endParaRPr lang="ko-KR" altLang="en-US" sz="1200" dirty="0">
+              <a:solidFill>
+                <a:schemeClr val="accent5"/>
+              </a:solidFill>
+              <a:latin typeface="삼성긴고딕OTF Medium" panose="020B0600000101010101" pitchFamily="34" charset="-127"/>
+              <a:ea typeface="삼성긴고딕OTF Medium" panose="020B0600000101010101" pitchFamily="34" charset="-127"/>
+            </a:endParaRPr>
+          </a:p>
+        </p:txBody>
+      </p:sp>
+      <p:sp>
+        <p:nvSpPr>
+          <p:cNvPr id="37" name="타원 36"/>
+          <p:cNvSpPr/>
+          <p:nvPr/>
+        </p:nvSpPr>
+        <p:spPr>
+          <a:xfrm>
+            <a:off x="10623017" y="2338953"/>
+            <a:ext cx="360000" cy="360000"/>
+          </a:xfrm>
+          <a:prstGeom prst="ellipse">
+            <a:avLst/>
+          </a:prstGeom>
+          <a:solidFill>
+            <a:srgbClr val="1D75E5"/>
+          </a:solidFill>
+          <a:ln>
+            <a:noFill/>
+          </a:ln>
+        </p:spPr>
+        <p:style>
+          <a:lnRef idx="2">
+            <a:schemeClr val="accent1">
+              <a:shade val="50000"/>
+            </a:schemeClr>
+          </a:lnRef>
+          <a:fillRef idx="1">
+            <a:schemeClr val="accent1"/>
+          </a:fillRef>
+          <a:effectRef idx="0">
+            <a:schemeClr val="accent1"/>
+          </a:effectRef>
+          <a:fontRef idx="minor">
+            <a:schemeClr val="lt1"/>
+          </a:fontRef>
+        </p:style>
+        <p:txBody>
+          <a:bodyPr lIns="0" tIns="0" rIns="0" bIns="0" rtlCol="0" anchor="ctr"/>
+          <a:lstStyle/>
+          <a:p>
+            <a:pPr algn="ctr"/>
+            <a:endParaRPr lang="ko-KR" altLang="en-US" sz="1200" dirty="0">
+              <a:solidFill>
+                <a:schemeClr val="accent5"/>
+              </a:solidFill>
+              <a:latin typeface="삼성긴고딕OTF Medium" panose="020B0600000101010101" pitchFamily="34" charset="-127"/>
+              <a:ea typeface="삼성긴고딕OTF Medium" panose="020B0600000101010101" pitchFamily="34" charset="-127"/>
+            </a:endParaRPr>
+          </a:p>
+        </p:txBody>
+      </p:sp>
+      <p:sp>
+        <p:nvSpPr>
+          <p:cNvPr id="35" name="타원 34"/>
+          <p:cNvSpPr/>
+          <p:nvPr/>
+        </p:nvSpPr>
+        <p:spPr>
+          <a:xfrm>
+            <a:off x="10623017" y="2840461"/>
+            <a:ext cx="360000" cy="360000"/>
+          </a:xfrm>
+          <a:prstGeom prst="ellipse">
+            <a:avLst/>
+          </a:prstGeom>
+          <a:solidFill>
+            <a:srgbClr val="E62154"/>
+          </a:solidFill>
+          <a:ln>
+            <a:noFill/>
+          </a:ln>
+        </p:spPr>
+        <p:style>
+          <a:lnRef idx="2">
+            <a:schemeClr val="accent1">
+              <a:shade val="50000"/>
+            </a:schemeClr>
+          </a:lnRef>
+          <a:fillRef idx="1">
+            <a:schemeClr val="accent1"/>
+          </a:fillRef>
+          <a:effectRef idx="0">
+            <a:schemeClr val="accent1"/>
+          </a:effectRef>
+          <a:fontRef idx="minor">
+            <a:schemeClr val="lt1"/>
+          </a:fontRef>
+        </p:style>
+        <p:txBody>
+          <a:bodyPr lIns="0" tIns="0" rIns="0" bIns="0" rtlCol="0" anchor="ctr"/>
+          <a:lstStyle/>
+          <a:p>
+            <a:pPr algn="ctr"/>
+            <a:endParaRPr lang="ko-KR" altLang="en-US" sz="1200" dirty="0">
+              <a:solidFill>
+                <a:schemeClr val="accent5"/>
+              </a:solidFill>
+              <a:latin typeface="삼성긴고딕OTF Medium" panose="020B0600000101010101" pitchFamily="34" charset="-127"/>
+              <a:ea typeface="삼성긴고딕OTF Medium" panose="020B0600000101010101" pitchFamily="34" charset="-127"/>
+            </a:endParaRPr>
+          </a:p>
+        </p:txBody>
+      </p:sp>
+      <p:cxnSp>
+        <p:nvCxnSpPr>
+          <p:cNvPr id="43" name="구부러진 연결선 26"/>
+          <p:cNvCxnSpPr>
+            <a:stCxn id="22" idx="3"/>
+            <a:endCxn id="23" idx="1"/>
+          </p:cNvCxnSpPr>
+          <p:nvPr/>
+        </p:nvCxnSpPr>
+        <p:spPr>
+          <a:xfrm flipV="1">
+            <a:off x="2122755" y="4039795"/>
+            <a:ext cx="880114" cy="545630"/>
+          </a:xfrm>
+          <a:prstGeom prst="straightConnector1">
+            <a:avLst/>
+          </a:prstGeom>
+          <a:ln w="9525">
+            <a:solidFill>
+              <a:srgbClr val="15D3B2"/>
+            </a:solidFill>
+            <a:tailEnd type="triangle"/>
+          </a:ln>
+        </p:spPr>
+        <p:style>
+          <a:lnRef idx="1">
+            <a:schemeClr val="accent1"/>
+          </a:lnRef>
+          <a:fillRef idx="0">
+            <a:schemeClr val="accent1"/>
+          </a:fillRef>
+          <a:effectRef idx="0">
+            <a:schemeClr val="accent1"/>
+          </a:effectRef>
+          <a:fontRef idx="minor">
+            <a:schemeClr val="tx1"/>
+          </a:fontRef>
+        </p:style>
+      </p:cxnSp>
+      <p:cxnSp>
+        <p:nvCxnSpPr>
+          <p:cNvPr id="46" name="구부러진 연결선 26"/>
+          <p:cNvCxnSpPr>
+            <a:stCxn id="22" idx="3"/>
+            <a:endCxn id="24" idx="1"/>
+          </p:cNvCxnSpPr>
+          <p:nvPr/>
+        </p:nvCxnSpPr>
+        <p:spPr>
+          <a:xfrm>
+            <a:off x="2122755" y="4585425"/>
+            <a:ext cx="880114" cy="545630"/>
+          </a:xfrm>
+          <a:prstGeom prst="straightConnector1">
+            <a:avLst/>
+          </a:prstGeom>
+          <a:ln w="9525">
+            <a:solidFill>
+              <a:srgbClr val="E62154"/>
+            </a:solidFill>
+            <a:tailEnd type="triangle"/>
+          </a:ln>
+        </p:spPr>
+        <p:style>
+          <a:lnRef idx="1">
+            <a:schemeClr val="accent1"/>
+          </a:lnRef>
+          <a:fillRef idx="0">
+            <a:schemeClr val="accent1"/>
+          </a:fillRef>
+          <a:effectRef idx="0">
+            <a:schemeClr val="accent1"/>
+          </a:effectRef>
+          <a:fontRef idx="minor">
+            <a:schemeClr val="tx1"/>
+          </a:fontRef>
+        </p:style>
+      </p:cxnSp>
+      <p:cxnSp>
+        <p:nvCxnSpPr>
+          <p:cNvPr id="49" name="구부러진 연결선 26"/>
+          <p:cNvCxnSpPr>
+            <a:stCxn id="23" idx="3"/>
+            <a:endCxn id="25" idx="1"/>
+          </p:cNvCxnSpPr>
+          <p:nvPr/>
+        </p:nvCxnSpPr>
+        <p:spPr>
+          <a:xfrm>
+            <a:off x="4802869" y="4039795"/>
+            <a:ext cx="780830" cy="0"/>
+          </a:xfrm>
+          <a:prstGeom prst="straightConnector1">
+            <a:avLst/>
+          </a:prstGeom>
+          <a:ln w="9525">
+            <a:solidFill>
+              <a:srgbClr val="1D75E5"/>
+            </a:solidFill>
+            <a:tailEnd type="triangle"/>
+          </a:ln>
+        </p:spPr>
+        <p:style>
+          <a:lnRef idx="1">
+            <a:schemeClr val="accent1"/>
+          </a:lnRef>
+          <a:fillRef idx="0">
+            <a:schemeClr val="accent1"/>
+          </a:fillRef>
+          <a:effectRef idx="0">
+            <a:schemeClr val="accent1"/>
+          </a:effectRef>
+          <a:fontRef idx="minor">
+            <a:schemeClr val="tx1"/>
+          </a:fontRef>
+        </p:style>
+      </p:cxnSp>
+      <p:cxnSp>
+        <p:nvCxnSpPr>
+          <p:cNvPr id="52" name="구부러진 연결선 26"/>
+          <p:cNvCxnSpPr>
+            <a:stCxn id="24" idx="3"/>
+            <a:endCxn id="26" idx="1"/>
+          </p:cNvCxnSpPr>
+          <p:nvPr/>
+        </p:nvCxnSpPr>
+        <p:spPr>
+          <a:xfrm>
+            <a:off x="4802869" y="5131055"/>
+            <a:ext cx="780830" cy="0"/>
+          </a:xfrm>
+          <a:prstGeom prst="straightConnector1">
+            <a:avLst/>
+          </a:prstGeom>
+          <a:ln w="9525">
+            <a:solidFill>
+              <a:srgbClr val="7030A0"/>
+            </a:solidFill>
+            <a:tailEnd type="triangle"/>
+          </a:ln>
+        </p:spPr>
+        <p:style>
+          <a:lnRef idx="1">
+            <a:schemeClr val="accent1"/>
+          </a:lnRef>
+          <a:fillRef idx="0">
+            <a:schemeClr val="accent1"/>
+          </a:fillRef>
+          <a:effectRef idx="0">
+            <a:schemeClr val="accent1"/>
+          </a:effectRef>
+          <a:fontRef idx="minor">
+            <a:schemeClr val="tx1"/>
+          </a:fontRef>
+        </p:style>
+      </p:cxnSp>
+      <p:sp>
+        <p:nvSpPr>
+          <p:cNvPr id="55" name="직사각형 54"/>
+          <p:cNvSpPr/>
+          <p:nvPr/>
+        </p:nvSpPr>
+        <p:spPr>
+          <a:xfrm>
+            <a:off x="2102869" y="3859795"/>
+            <a:ext cx="720000" cy="360000"/>
+          </a:xfrm>
+          <a:prstGeom prst="rect">
+            <a:avLst/>
+          </a:prstGeom>
+          <a:noFill/>
+          <a:ln>
+            <a:noFill/>
+          </a:ln>
+        </p:spPr>
+        <p:style>
+          <a:lnRef idx="2">
+            <a:schemeClr val="accent1">
+              <a:shade val="50000"/>
+            </a:schemeClr>
+          </a:lnRef>
+          <a:fillRef idx="1">
+            <a:schemeClr val="accent1"/>
+          </a:fillRef>
+          <a:effectRef idx="0">
+            <a:schemeClr val="accent1"/>
+          </a:effectRef>
+          <a:fontRef idx="minor">
+            <a:schemeClr val="lt1"/>
+          </a:fontRef>
+        </p:style>
+        <p:txBody>
+          <a:bodyPr rtlCol="0" anchor="ctr"/>
+          <a:lstStyle/>
+          <a:p>
+            <a:pPr algn="ctr"/>
+            <a:r>
+              <a:rPr lang="ko-KR" altLang="en-US" sz="1200" dirty="0" smtClean="0">
+                <a:solidFill>
+                  <a:srgbClr val="15D3B2"/>
+                </a:solidFill>
+                <a:latin typeface="삼성긴고딕OTF Medium" panose="020B0600000101010101" pitchFamily="34" charset="-127"/>
+                <a:ea typeface="삼성긴고딕OTF Medium" panose="020B0600000101010101" pitchFamily="34" charset="-127"/>
+              </a:rPr>
+              <a:t>성공</a:t>
+            </a:r>
+            <a:endParaRPr lang="ko-KR" altLang="en-US" sz="1200" dirty="0">
+              <a:solidFill>
+                <a:srgbClr val="15D3B2"/>
+              </a:solidFill>
+              <a:latin typeface="삼성긴고딕OTF Medium" panose="020B0600000101010101" pitchFamily="34" charset="-127"/>
+              <a:ea typeface="삼성긴고딕OTF Medium" panose="020B0600000101010101" pitchFamily="34" charset="-127"/>
+            </a:endParaRPr>
+          </a:p>
+        </p:txBody>
+      </p:sp>
+      <p:sp>
+        <p:nvSpPr>
+          <p:cNvPr id="56" name="직사각형 55"/>
+          <p:cNvSpPr/>
+          <p:nvPr/>
+        </p:nvSpPr>
+        <p:spPr>
+          <a:xfrm>
+            <a:off x="2102869" y="4945425"/>
+            <a:ext cx="720000" cy="360000"/>
+          </a:xfrm>
+          <a:prstGeom prst="rect">
+            <a:avLst/>
+          </a:prstGeom>
+          <a:noFill/>
+          <a:ln>
+            <a:noFill/>
+          </a:ln>
+        </p:spPr>
+        <p:style>
+          <a:lnRef idx="2">
+            <a:schemeClr val="accent1">
+              <a:shade val="50000"/>
+            </a:schemeClr>
+          </a:lnRef>
+          <a:fillRef idx="1">
+            <a:schemeClr val="accent1"/>
+          </a:fillRef>
+          <a:effectRef idx="0">
+            <a:schemeClr val="accent1"/>
+          </a:effectRef>
+          <a:fontRef idx="minor">
+            <a:schemeClr val="lt1"/>
+          </a:fontRef>
+        </p:style>
+        <p:txBody>
+          <a:bodyPr rtlCol="0" anchor="ctr"/>
+          <a:lstStyle/>
+          <a:p>
+            <a:pPr algn="ctr"/>
+            <a:r>
+              <a:rPr lang="ko-KR" altLang="en-US" sz="1200" dirty="0" smtClean="0">
+                <a:solidFill>
+                  <a:srgbClr val="E62154"/>
+                </a:solidFill>
+                <a:latin typeface="삼성긴고딕OTF Medium" panose="020B0600000101010101" pitchFamily="34" charset="-127"/>
+                <a:ea typeface="삼성긴고딕OTF Medium" panose="020B0600000101010101" pitchFamily="34" charset="-127"/>
+              </a:rPr>
+              <a:t>오류</a:t>
+            </a:r>
+            <a:endParaRPr lang="ko-KR" altLang="en-US" sz="1200" dirty="0">
+              <a:solidFill>
+                <a:srgbClr val="E62154"/>
+              </a:solidFill>
+              <a:latin typeface="삼성긴고딕OTF Medium" panose="020B0600000101010101" pitchFamily="34" charset="-127"/>
+              <a:ea typeface="삼성긴고딕OTF Medium" panose="020B0600000101010101" pitchFamily="34" charset="-127"/>
+            </a:endParaRPr>
+          </a:p>
+        </p:txBody>
+      </p:sp>
+      <p:sp>
+        <p:nvSpPr>
+          <p:cNvPr id="57" name="직사각형 56"/>
+          <p:cNvSpPr/>
+          <p:nvPr/>
+        </p:nvSpPr>
+        <p:spPr>
+          <a:xfrm>
+            <a:off x="3855228" y="4405425"/>
+            <a:ext cx="720000" cy="360000"/>
+          </a:xfrm>
+          <a:prstGeom prst="rect">
+            <a:avLst/>
+          </a:prstGeom>
+          <a:noFill/>
+          <a:ln>
+            <a:noFill/>
+          </a:ln>
+        </p:spPr>
+        <p:style>
+          <a:lnRef idx="2">
+            <a:schemeClr val="accent1">
+              <a:shade val="50000"/>
+            </a:schemeClr>
+          </a:lnRef>
+          <a:fillRef idx="1">
+            <a:schemeClr val="accent1"/>
+          </a:fillRef>
+          <a:effectRef idx="0">
+            <a:schemeClr val="accent1"/>
+          </a:effectRef>
+          <a:fontRef idx="minor">
+            <a:schemeClr val="lt1"/>
+          </a:fontRef>
+        </p:style>
+        <p:txBody>
+          <a:bodyPr rtlCol="0" anchor="ctr"/>
+          <a:lstStyle/>
+          <a:p>
+            <a:pPr algn="ctr"/>
+            <a:r>
+              <a:rPr lang="ko-KR" altLang="en-US" sz="1200" dirty="0" smtClean="0">
+                <a:solidFill>
+                  <a:srgbClr val="E62154"/>
+                </a:solidFill>
+                <a:latin typeface="삼성긴고딕OTF Medium" panose="020B0600000101010101" pitchFamily="34" charset="-127"/>
+                <a:ea typeface="삼성긴고딕OTF Medium" panose="020B0600000101010101" pitchFamily="34" charset="-127"/>
+              </a:rPr>
+              <a:t>중단</a:t>
+            </a:r>
+            <a:endParaRPr lang="ko-KR" altLang="en-US" sz="1200" dirty="0">
+              <a:solidFill>
+                <a:srgbClr val="E62154"/>
+              </a:solidFill>
+              <a:latin typeface="삼성긴고딕OTF Medium" panose="020B0600000101010101" pitchFamily="34" charset="-127"/>
+              <a:ea typeface="삼성긴고딕OTF Medium" panose="020B0600000101010101" pitchFamily="34" charset="-127"/>
+            </a:endParaRPr>
+          </a:p>
+        </p:txBody>
+      </p:sp>
+      <p:sp>
+        <p:nvSpPr>
+          <p:cNvPr id="58" name="직사각형 57"/>
+          <p:cNvSpPr/>
+          <p:nvPr/>
+        </p:nvSpPr>
+        <p:spPr>
+          <a:xfrm>
+            <a:off x="4833284" y="3679795"/>
+            <a:ext cx="720000" cy="360000"/>
+          </a:xfrm>
+          <a:prstGeom prst="rect">
+            <a:avLst/>
+          </a:prstGeom>
+          <a:noFill/>
+          <a:ln>
+            <a:noFill/>
+          </a:ln>
+        </p:spPr>
+        <p:style>
+          <a:lnRef idx="2">
+            <a:schemeClr val="accent1">
+              <a:shade val="50000"/>
+            </a:schemeClr>
+          </a:lnRef>
+          <a:fillRef idx="1">
+            <a:schemeClr val="accent1"/>
+          </a:fillRef>
+          <a:effectRef idx="0">
+            <a:schemeClr val="accent1"/>
+          </a:effectRef>
+          <a:fontRef idx="minor">
+            <a:schemeClr val="lt1"/>
+          </a:fontRef>
+        </p:style>
+        <p:txBody>
+          <a:bodyPr rtlCol="0" anchor="ctr"/>
+          <a:lstStyle/>
+          <a:p>
+            <a:pPr algn="ctr"/>
+            <a:r>
+              <a:rPr lang="ko-KR" altLang="en-US" sz="1200" dirty="0" smtClean="0">
+                <a:solidFill>
+                  <a:srgbClr val="1D75E5"/>
+                </a:solidFill>
+                <a:latin typeface="삼성긴고딕OTF Medium" panose="020B0600000101010101" pitchFamily="34" charset="-127"/>
+                <a:ea typeface="삼성긴고딕OTF Medium" panose="020B0600000101010101" pitchFamily="34" charset="-127"/>
+              </a:rPr>
+              <a:t>확정</a:t>
+            </a:r>
+            <a:endParaRPr lang="ko-KR" altLang="en-US" sz="1200" dirty="0">
+              <a:solidFill>
+                <a:srgbClr val="1D75E5"/>
+              </a:solidFill>
+              <a:latin typeface="삼성긴고딕OTF Medium" panose="020B0600000101010101" pitchFamily="34" charset="-127"/>
+              <a:ea typeface="삼성긴고딕OTF Medium" panose="020B0600000101010101" pitchFamily="34" charset="-127"/>
+            </a:endParaRPr>
+          </a:p>
+        </p:txBody>
+      </p:sp>
+      <p:sp>
+        <p:nvSpPr>
+          <p:cNvPr id="59" name="직사각형 58"/>
+          <p:cNvSpPr/>
+          <p:nvPr/>
+        </p:nvSpPr>
+        <p:spPr>
+          <a:xfrm>
+            <a:off x="4833284" y="4765425"/>
+            <a:ext cx="720000" cy="360000"/>
+          </a:xfrm>
+          <a:prstGeom prst="rect">
+            <a:avLst/>
+          </a:prstGeom>
+          <a:noFill/>
+          <a:ln>
+            <a:noFill/>
+          </a:ln>
+        </p:spPr>
+        <p:style>
+          <a:lnRef idx="2">
+            <a:schemeClr val="accent1">
+              <a:shade val="50000"/>
+            </a:schemeClr>
+          </a:lnRef>
+          <a:fillRef idx="1">
+            <a:schemeClr val="accent1"/>
+          </a:fillRef>
+          <a:effectRef idx="0">
+            <a:schemeClr val="accent1"/>
+          </a:effectRef>
+          <a:fontRef idx="minor">
+            <a:schemeClr val="lt1"/>
+          </a:fontRef>
+        </p:style>
+        <p:txBody>
+          <a:bodyPr rtlCol="0" anchor="ctr"/>
+          <a:lstStyle/>
+          <a:p>
+            <a:pPr algn="ctr"/>
+            <a:r>
+              <a:rPr lang="ko-KR" altLang="en-US" sz="1200" dirty="0" smtClean="0">
+                <a:solidFill>
+                  <a:srgbClr val="7030A0"/>
+                </a:solidFill>
+                <a:latin typeface="삼성긴고딕OTF Medium" panose="020B0600000101010101" pitchFamily="34" charset="-127"/>
+                <a:ea typeface="삼성긴고딕OTF Medium" panose="020B0600000101010101" pitchFamily="34" charset="-127"/>
+              </a:rPr>
+              <a:t>롤백</a:t>
+            </a:r>
+            <a:endParaRPr lang="ko-KR" altLang="en-US" sz="1200" dirty="0">
+              <a:solidFill>
+                <a:srgbClr val="7030A0"/>
+              </a:solidFill>
+              <a:latin typeface="삼성긴고딕OTF Medium" panose="020B0600000101010101" pitchFamily="34" charset="-127"/>
+              <a:ea typeface="삼성긴고딕OTF Medium" panose="020B0600000101010101" pitchFamily="34" charset="-127"/>
+            </a:endParaRPr>
+          </a:p>
+        </p:txBody>
+      </p:sp>
+    </p:spTree>
+    <p:extLst>
+      <p:ext uri="{BB962C8B-B14F-4D97-AF65-F5344CB8AC3E}">
+        <p14:creationId xmlns:p14="http://schemas.microsoft.com/office/powerpoint/2010/main" val="1000714030"/>
       </p:ext>
     </p:extLst>
   </p:cSld>

--- a/PPT_Image.pptx
+++ b/PPT_Image.pptx
@@ -16,6 +16,7 @@
     <p:sldId id="261" r:id="rId10"/>
     <p:sldId id="262" r:id="rId11"/>
     <p:sldId id="266" r:id="rId12"/>
+    <p:sldId id="267" r:id="rId13"/>
   </p:sldIdLst>
   <p:sldSz cx="12192000" cy="6858000"/>
   <p:notesSz cx="6858000" cy="9144000"/>
@@ -253,7 +254,7 @@
           <a:p>
             <a:fld id="{5C3F47B3-2A9D-4524-A859-E9ED1EDC8D04}" type="datetimeFigureOut">
               <a:rPr lang="ko-KR" altLang="en-US" smtClean="0"/>
-              <a:t>2023-07-26</a:t>
+              <a:t>2023-07-30</a:t>
             </a:fld>
             <a:endParaRPr lang="ko-KR" altLang="en-US"/>
           </a:p>
@@ -423,7 +424,7 @@
           <a:p>
             <a:fld id="{5C3F47B3-2A9D-4524-A859-E9ED1EDC8D04}" type="datetimeFigureOut">
               <a:rPr lang="ko-KR" altLang="en-US" smtClean="0"/>
-              <a:t>2023-07-26</a:t>
+              <a:t>2023-07-30</a:t>
             </a:fld>
             <a:endParaRPr lang="ko-KR" altLang="en-US"/>
           </a:p>
@@ -603,7 +604,7 @@
           <a:p>
             <a:fld id="{5C3F47B3-2A9D-4524-A859-E9ED1EDC8D04}" type="datetimeFigureOut">
               <a:rPr lang="ko-KR" altLang="en-US" smtClean="0"/>
-              <a:t>2023-07-26</a:t>
+              <a:t>2023-07-30</a:t>
             </a:fld>
             <a:endParaRPr lang="ko-KR" altLang="en-US"/>
           </a:p>
@@ -773,7 +774,7 @@
           <a:p>
             <a:fld id="{5C3F47B3-2A9D-4524-A859-E9ED1EDC8D04}" type="datetimeFigureOut">
               <a:rPr lang="ko-KR" altLang="en-US" smtClean="0"/>
-              <a:t>2023-07-26</a:t>
+              <a:t>2023-07-30</a:t>
             </a:fld>
             <a:endParaRPr lang="ko-KR" altLang="en-US"/>
           </a:p>
@@ -1019,7 +1020,7 @@
           <a:p>
             <a:fld id="{5C3F47B3-2A9D-4524-A859-E9ED1EDC8D04}" type="datetimeFigureOut">
               <a:rPr lang="ko-KR" altLang="en-US" smtClean="0"/>
-              <a:t>2023-07-26</a:t>
+              <a:t>2023-07-30</a:t>
             </a:fld>
             <a:endParaRPr lang="ko-KR" altLang="en-US"/>
           </a:p>
@@ -1251,7 +1252,7 @@
           <a:p>
             <a:fld id="{5C3F47B3-2A9D-4524-A859-E9ED1EDC8D04}" type="datetimeFigureOut">
               <a:rPr lang="ko-KR" altLang="en-US" smtClean="0"/>
-              <a:t>2023-07-26</a:t>
+              <a:t>2023-07-30</a:t>
             </a:fld>
             <a:endParaRPr lang="ko-KR" altLang="en-US"/>
           </a:p>
@@ -1618,7 +1619,7 @@
           <a:p>
             <a:fld id="{5C3F47B3-2A9D-4524-A859-E9ED1EDC8D04}" type="datetimeFigureOut">
               <a:rPr lang="ko-KR" altLang="en-US" smtClean="0"/>
-              <a:t>2023-07-26</a:t>
+              <a:t>2023-07-30</a:t>
             </a:fld>
             <a:endParaRPr lang="ko-KR" altLang="en-US"/>
           </a:p>
@@ -1736,7 +1737,7 @@
           <a:p>
             <a:fld id="{5C3F47B3-2A9D-4524-A859-E9ED1EDC8D04}" type="datetimeFigureOut">
               <a:rPr lang="ko-KR" altLang="en-US" smtClean="0"/>
-              <a:t>2023-07-26</a:t>
+              <a:t>2023-07-30</a:t>
             </a:fld>
             <a:endParaRPr lang="ko-KR" altLang="en-US"/>
           </a:p>
@@ -1831,7 +1832,7 @@
           <a:p>
             <a:fld id="{5C3F47B3-2A9D-4524-A859-E9ED1EDC8D04}" type="datetimeFigureOut">
               <a:rPr lang="ko-KR" altLang="en-US" smtClean="0"/>
-              <a:t>2023-07-26</a:t>
+              <a:t>2023-07-30</a:t>
             </a:fld>
             <a:endParaRPr lang="ko-KR" altLang="en-US"/>
           </a:p>
@@ -2108,7 +2109,7 @@
           <a:p>
             <a:fld id="{5C3F47B3-2A9D-4524-A859-E9ED1EDC8D04}" type="datetimeFigureOut">
               <a:rPr lang="ko-KR" altLang="en-US" smtClean="0"/>
-              <a:t>2023-07-26</a:t>
+              <a:t>2023-07-30</a:t>
             </a:fld>
             <a:endParaRPr lang="ko-KR" altLang="en-US"/>
           </a:p>
@@ -2361,7 +2362,7 @@
           <a:p>
             <a:fld id="{5C3F47B3-2A9D-4524-A859-E9ED1EDC8D04}" type="datetimeFigureOut">
               <a:rPr lang="ko-KR" altLang="en-US" smtClean="0"/>
-              <a:t>2023-07-26</a:t>
+              <a:t>2023-07-30</a:t>
             </a:fld>
             <a:endParaRPr lang="ko-KR" altLang="en-US"/>
           </a:p>
@@ -2574,7 +2575,7 @@
           <a:p>
             <a:fld id="{5C3F47B3-2A9D-4524-A859-E9ED1EDC8D04}" type="datetimeFigureOut">
               <a:rPr lang="ko-KR" altLang="en-US" smtClean="0"/>
-              <a:t>2023-07-26</a:t>
+              <a:t>2023-07-30</a:t>
             </a:fld>
             <a:endParaRPr lang="ko-KR" altLang="en-US"/>
           </a:p>
@@ -8382,6 +8383,2492 @@
     <p:extLst>
       <p:ext uri="{BB962C8B-B14F-4D97-AF65-F5344CB8AC3E}">
         <p14:creationId xmlns:p14="http://schemas.microsoft.com/office/powerpoint/2010/main" val="1000714030"/>
+      </p:ext>
+    </p:extLst>
+  </p:cSld>
+  <p:clrMapOvr>
+    <a:masterClrMapping/>
+  </p:clrMapOvr>
+  <p:timing>
+    <p:tnLst>
+      <p:par>
+        <p:cTn id="1" dur="indefinite" restart="never" nodeType="tmRoot"/>
+      </p:par>
+    </p:tnLst>
+  </p:timing>
+</p:sld>
+</file>
+
+<file path=ppt/slides/slide12.xml><?xml version="1.0" encoding="utf-8"?>
+<p:sld xmlns:a="http://schemas.openxmlformats.org/drawingml/2006/main" xmlns:r="http://schemas.openxmlformats.org/officeDocument/2006/relationships" xmlns:p="http://schemas.openxmlformats.org/presentationml/2006/main">
+  <p:cSld>
+    <p:spTree>
+      <p:nvGrpSpPr>
+        <p:cNvPr id="1" name=""/>
+        <p:cNvGrpSpPr/>
+        <p:nvPr/>
+      </p:nvGrpSpPr>
+      <p:grpSpPr>
+        <a:xfrm>
+          <a:off x="0" y="0"/>
+          <a:ext cx="0" cy="0"/>
+          <a:chOff x="0" y="0"/>
+          <a:chExt cx="0" cy="0"/>
+        </a:xfrm>
+      </p:grpSpPr>
+      <p:pic>
+        <p:nvPicPr>
+          <p:cNvPr id="5" name="Picture 6" descr="https://cdn-icons-png.flaticon.com/512/3126/3126647.png"/>
+          <p:cNvPicPr>
+            <a:picLocks noChangeAspect="1" noChangeArrowheads="1"/>
+          </p:cNvPicPr>
+          <p:nvPr/>
+        </p:nvPicPr>
+        <p:blipFill>
+          <a:blip r:embed="rId2" cstate="print">
+            <a:extLst>
+              <a:ext uri="{28A0092B-C50C-407E-A947-70E740481C1C}">
+                <a14:useLocalDpi xmlns:a14="http://schemas.microsoft.com/office/drawing/2010/main" val="0"/>
+              </a:ext>
+            </a:extLst>
+          </a:blip>
+          <a:srcRect/>
+          <a:stretch>
+            <a:fillRect/>
+          </a:stretch>
+        </p:blipFill>
+        <p:spPr bwMode="auto">
+          <a:xfrm>
+            <a:off x="381836" y="1286326"/>
+            <a:ext cx="432000" cy="432000"/>
+          </a:xfrm>
+          <a:prstGeom prst="rect">
+            <a:avLst/>
+          </a:prstGeom>
+          <a:noFill/>
+          <a:extLst>
+            <a:ext uri="{909E8E84-426E-40DD-AFC4-6F175D3DCCD1}">
+              <a14:hiddenFill xmlns:a14="http://schemas.microsoft.com/office/drawing/2010/main">
+                <a:solidFill>
+                  <a:srgbClr val="FFFFFF"/>
+                </a:solidFill>
+              </a14:hiddenFill>
+            </a:ext>
+          </a:extLst>
+        </p:spPr>
+      </p:pic>
+      <p:pic>
+        <p:nvPicPr>
+          <p:cNvPr id="8" name="Picture 4" descr="https://cdn-icons-png.flaticon.com/512/5738/5738898.png"/>
+          <p:cNvPicPr>
+            <a:picLocks noChangeAspect="1" noChangeArrowheads="1"/>
+          </p:cNvPicPr>
+          <p:nvPr/>
+        </p:nvPicPr>
+        <p:blipFill>
+          <a:blip r:embed="rId3" cstate="print">
+            <a:extLst>
+              <a:ext uri="{28A0092B-C50C-407E-A947-70E740481C1C}">
+                <a14:useLocalDpi xmlns:a14="http://schemas.microsoft.com/office/drawing/2010/main" val="0"/>
+              </a:ext>
+            </a:extLst>
+          </a:blip>
+          <a:srcRect/>
+          <a:stretch>
+            <a:fillRect/>
+          </a:stretch>
+        </p:blipFill>
+        <p:spPr bwMode="auto">
+          <a:xfrm>
+            <a:off x="11341595" y="74721"/>
+            <a:ext cx="767224" cy="767224"/>
+          </a:xfrm>
+          <a:prstGeom prst="rect">
+            <a:avLst/>
+          </a:prstGeom>
+          <a:noFill/>
+          <a:extLst>
+            <a:ext uri="{909E8E84-426E-40DD-AFC4-6F175D3DCCD1}">
+              <a14:hiddenFill xmlns:a14="http://schemas.microsoft.com/office/drawing/2010/main">
+                <a:solidFill>
+                  <a:srgbClr val="FFFFFF"/>
+                </a:solidFill>
+              </a14:hiddenFill>
+            </a:ext>
+          </a:extLst>
+        </p:spPr>
+      </p:pic>
+      <p:graphicFrame>
+        <p:nvGraphicFramePr>
+          <p:cNvPr id="9" name="표 8"/>
+          <p:cNvGraphicFramePr>
+            <a:graphicFrameLocks noGrp="1"/>
+          </p:cNvGraphicFramePr>
+          <p:nvPr>
+            <p:extLst>
+              <p:ext uri="{D42A27DB-BD31-4B8C-83A1-F6EECF244321}">
+                <p14:modId xmlns:p14="http://schemas.microsoft.com/office/powerpoint/2010/main" val="4187110688"/>
+              </p:ext>
+            </p:extLst>
+          </p:nvPr>
+        </p:nvGraphicFramePr>
+        <p:xfrm>
+          <a:off x="1983376" y="1070326"/>
+          <a:ext cx="864000" cy="864000"/>
+        </p:xfrm>
+        <a:graphic>
+          <a:graphicData uri="http://schemas.openxmlformats.org/drawingml/2006/table">
+            <a:tbl>
+              <a:tblPr firstRow="1" bandRow="1">
+                <a:tableStyleId>{5C22544A-7EE6-4342-B048-85BDC9FD1C3A}</a:tableStyleId>
+              </a:tblPr>
+              <a:tblGrid>
+                <a:gridCol w="288000">
+                  <a:extLst>
+                    <a:ext uri="{9D8B030D-6E8A-4147-A177-3AD203B41FA5}">
+                      <a16:colId xmlns:a16="http://schemas.microsoft.com/office/drawing/2014/main" val="3463867517"/>
+                    </a:ext>
+                  </a:extLst>
+                </a:gridCol>
+                <a:gridCol w="288000">
+                  <a:extLst>
+                    <a:ext uri="{9D8B030D-6E8A-4147-A177-3AD203B41FA5}">
+                      <a16:colId xmlns:a16="http://schemas.microsoft.com/office/drawing/2014/main" val="2784962363"/>
+                    </a:ext>
+                  </a:extLst>
+                </a:gridCol>
+                <a:gridCol w="288000">
+                  <a:extLst>
+                    <a:ext uri="{9D8B030D-6E8A-4147-A177-3AD203B41FA5}">
+                      <a16:colId xmlns:a16="http://schemas.microsoft.com/office/drawing/2014/main" val="1715836946"/>
+                    </a:ext>
+                  </a:extLst>
+                </a:gridCol>
+              </a:tblGrid>
+              <a:tr h="288000">
+                <a:tc>
+                  <a:txBody>
+                    <a:bodyPr/>
+                    <a:lstStyle/>
+                    <a:p>
+                      <a:endParaRPr lang="ko-KR" altLang="en-US" sz="1000" dirty="0">
+                        <a:latin typeface="삼성긴고딕OTF Medium" panose="020B0600000101010101" pitchFamily="34" charset="-127"/>
+                        <a:ea typeface="삼성긴고딕OTF Medium" panose="020B0600000101010101" pitchFamily="34" charset="-127"/>
+                      </a:endParaRPr>
+                    </a:p>
+                  </a:txBody>
+                  <a:tcPr>
+                    <a:lnL w="6350" cap="flat" cmpd="sng" algn="ctr">
+                      <a:solidFill>
+                        <a:schemeClr val="tx1"/>
+                      </a:solidFill>
+                      <a:prstDash val="solid"/>
+                      <a:round/>
+                      <a:headEnd type="none" w="med" len="med"/>
+                      <a:tailEnd type="none" w="med" len="med"/>
+                    </a:lnL>
+                    <a:lnR w="6350" cap="flat" cmpd="sng" algn="ctr">
+                      <a:solidFill>
+                        <a:schemeClr val="tx1"/>
+                      </a:solidFill>
+                      <a:prstDash val="solid"/>
+                      <a:round/>
+                      <a:headEnd type="none" w="med" len="med"/>
+                      <a:tailEnd type="none" w="med" len="med"/>
+                    </a:lnR>
+                    <a:lnT w="6350" cap="flat" cmpd="sng" algn="ctr">
+                      <a:solidFill>
+                        <a:schemeClr val="tx1"/>
+                      </a:solidFill>
+                      <a:prstDash val="solid"/>
+                      <a:round/>
+                      <a:headEnd type="none" w="med" len="med"/>
+                      <a:tailEnd type="none" w="med" len="med"/>
+                    </a:lnT>
+                    <a:lnB w="6350" cap="flat" cmpd="sng" algn="ctr">
+                      <a:solidFill>
+                        <a:schemeClr val="tx1"/>
+                      </a:solidFill>
+                      <a:prstDash val="solid"/>
+                      <a:round/>
+                      <a:headEnd type="none" w="med" len="med"/>
+                      <a:tailEnd type="none" w="med" len="med"/>
+                    </a:lnB>
+                    <a:solidFill>
+                      <a:srgbClr val="F6F8FC"/>
+                    </a:solidFill>
+                  </a:tcPr>
+                </a:tc>
+                <a:tc>
+                  <a:txBody>
+                    <a:bodyPr/>
+                    <a:lstStyle/>
+                    <a:p>
+                      <a:endParaRPr lang="ko-KR" altLang="en-US" sz="1000" dirty="0">
+                        <a:latin typeface="삼성긴고딕OTF Medium" panose="020B0600000101010101" pitchFamily="34" charset="-127"/>
+                        <a:ea typeface="삼성긴고딕OTF Medium" panose="020B0600000101010101" pitchFamily="34" charset="-127"/>
+                      </a:endParaRPr>
+                    </a:p>
+                  </a:txBody>
+                  <a:tcPr>
+                    <a:lnL w="6350" cap="flat" cmpd="sng" algn="ctr">
+                      <a:solidFill>
+                        <a:schemeClr val="tx1"/>
+                      </a:solidFill>
+                      <a:prstDash val="solid"/>
+                      <a:round/>
+                      <a:headEnd type="none" w="med" len="med"/>
+                      <a:tailEnd type="none" w="med" len="med"/>
+                    </a:lnL>
+                    <a:lnR w="6350" cap="flat" cmpd="sng" algn="ctr">
+                      <a:solidFill>
+                        <a:schemeClr val="tx1"/>
+                      </a:solidFill>
+                      <a:prstDash val="solid"/>
+                      <a:round/>
+                      <a:headEnd type="none" w="med" len="med"/>
+                      <a:tailEnd type="none" w="med" len="med"/>
+                    </a:lnR>
+                    <a:lnT w="6350" cap="flat" cmpd="sng" algn="ctr">
+                      <a:solidFill>
+                        <a:schemeClr val="tx1"/>
+                      </a:solidFill>
+                      <a:prstDash val="solid"/>
+                      <a:round/>
+                      <a:headEnd type="none" w="med" len="med"/>
+                      <a:tailEnd type="none" w="med" len="med"/>
+                    </a:lnT>
+                    <a:lnB w="6350" cap="flat" cmpd="sng" algn="ctr">
+                      <a:solidFill>
+                        <a:schemeClr val="tx1"/>
+                      </a:solidFill>
+                      <a:prstDash val="solid"/>
+                      <a:round/>
+                      <a:headEnd type="none" w="med" len="med"/>
+                      <a:tailEnd type="none" w="med" len="med"/>
+                    </a:lnB>
+                    <a:solidFill>
+                      <a:srgbClr val="F6F8FC"/>
+                    </a:solidFill>
+                  </a:tcPr>
+                </a:tc>
+                <a:tc>
+                  <a:txBody>
+                    <a:bodyPr/>
+                    <a:lstStyle/>
+                    <a:p>
+                      <a:pPr algn="ctr" latinLnBrk="1"/>
+                      <a:endParaRPr lang="ko-KR" altLang="en-US" sz="1000" dirty="0">
+                        <a:latin typeface="삼성긴고딕OTF Medium" panose="020B0600000101010101" pitchFamily="34" charset="-127"/>
+                        <a:ea typeface="삼성긴고딕OTF Medium" panose="020B0600000101010101" pitchFamily="34" charset="-127"/>
+                      </a:endParaRPr>
+                    </a:p>
+                  </a:txBody>
+                  <a:tcPr>
+                    <a:lnL w="6350" cap="flat" cmpd="sng" algn="ctr">
+                      <a:solidFill>
+                        <a:schemeClr val="tx1"/>
+                      </a:solidFill>
+                      <a:prstDash val="solid"/>
+                      <a:round/>
+                      <a:headEnd type="none" w="med" len="med"/>
+                      <a:tailEnd type="none" w="med" len="med"/>
+                    </a:lnL>
+                    <a:lnR w="6350" cap="flat" cmpd="sng" algn="ctr">
+                      <a:solidFill>
+                        <a:schemeClr val="tx1"/>
+                      </a:solidFill>
+                      <a:prstDash val="solid"/>
+                      <a:round/>
+                      <a:headEnd type="none" w="med" len="med"/>
+                      <a:tailEnd type="none" w="med" len="med"/>
+                    </a:lnR>
+                    <a:lnT w="6350" cap="flat" cmpd="sng" algn="ctr">
+                      <a:solidFill>
+                        <a:schemeClr val="tx1"/>
+                      </a:solidFill>
+                      <a:prstDash val="solid"/>
+                      <a:round/>
+                      <a:headEnd type="none" w="med" len="med"/>
+                      <a:tailEnd type="none" w="med" len="med"/>
+                    </a:lnT>
+                    <a:lnB w="6350" cap="flat" cmpd="sng" algn="ctr">
+                      <a:solidFill>
+                        <a:schemeClr val="tx1"/>
+                      </a:solidFill>
+                      <a:prstDash val="solid"/>
+                      <a:round/>
+                      <a:headEnd type="none" w="med" len="med"/>
+                      <a:tailEnd type="none" w="med" len="med"/>
+                    </a:lnB>
+                    <a:solidFill>
+                      <a:srgbClr val="F6F8FC"/>
+                    </a:solidFill>
+                  </a:tcPr>
+                </a:tc>
+                <a:extLst>
+                  <a:ext uri="{0D108BD9-81ED-4DB2-BD59-A6C34878D82A}">
+                    <a16:rowId xmlns:a16="http://schemas.microsoft.com/office/drawing/2014/main" val="4035602949"/>
+                  </a:ext>
+                </a:extLst>
+              </a:tr>
+              <a:tr h="288000">
+                <a:tc>
+                  <a:txBody>
+                    <a:bodyPr/>
+                    <a:lstStyle/>
+                    <a:p>
+                      <a:endParaRPr lang="ko-KR" altLang="en-US" sz="1000">
+                        <a:latin typeface="삼성긴고딕OTF Medium" panose="020B0600000101010101" pitchFamily="34" charset="-127"/>
+                        <a:ea typeface="삼성긴고딕OTF Medium" panose="020B0600000101010101" pitchFamily="34" charset="-127"/>
+                      </a:endParaRPr>
+                    </a:p>
+                  </a:txBody>
+                  <a:tcPr>
+                    <a:lnL w="6350" cap="flat" cmpd="sng" algn="ctr">
+                      <a:solidFill>
+                        <a:schemeClr val="tx1"/>
+                      </a:solidFill>
+                      <a:prstDash val="solid"/>
+                      <a:round/>
+                      <a:headEnd type="none" w="med" len="med"/>
+                      <a:tailEnd type="none" w="med" len="med"/>
+                    </a:lnL>
+                    <a:lnR w="6350" cap="flat" cmpd="sng" algn="ctr">
+                      <a:solidFill>
+                        <a:schemeClr val="tx1"/>
+                      </a:solidFill>
+                      <a:prstDash val="solid"/>
+                      <a:round/>
+                      <a:headEnd type="none" w="med" len="med"/>
+                      <a:tailEnd type="none" w="med" len="med"/>
+                    </a:lnR>
+                    <a:lnT w="6350" cap="flat" cmpd="sng" algn="ctr">
+                      <a:solidFill>
+                        <a:schemeClr val="tx1"/>
+                      </a:solidFill>
+                      <a:prstDash val="solid"/>
+                      <a:round/>
+                      <a:headEnd type="none" w="med" len="med"/>
+                      <a:tailEnd type="none" w="med" len="med"/>
+                    </a:lnT>
+                    <a:lnB w="6350" cap="flat" cmpd="sng" algn="ctr">
+                      <a:solidFill>
+                        <a:schemeClr val="tx1"/>
+                      </a:solidFill>
+                      <a:prstDash val="solid"/>
+                      <a:round/>
+                      <a:headEnd type="none" w="med" len="med"/>
+                      <a:tailEnd type="none" w="med" len="med"/>
+                    </a:lnB>
+                    <a:solidFill>
+                      <a:srgbClr val="F6F8FC"/>
+                    </a:solidFill>
+                  </a:tcPr>
+                </a:tc>
+                <a:tc>
+                  <a:txBody>
+                    <a:bodyPr/>
+                    <a:lstStyle/>
+                    <a:p>
+                      <a:endParaRPr lang="ko-KR" altLang="en-US" sz="1000" dirty="0">
+                        <a:latin typeface="삼성긴고딕OTF Medium" panose="020B0600000101010101" pitchFamily="34" charset="-127"/>
+                        <a:ea typeface="삼성긴고딕OTF Medium" panose="020B0600000101010101" pitchFamily="34" charset="-127"/>
+                      </a:endParaRPr>
+                    </a:p>
+                  </a:txBody>
+                  <a:tcPr>
+                    <a:lnL w="6350" cap="flat" cmpd="sng" algn="ctr">
+                      <a:solidFill>
+                        <a:schemeClr val="tx1"/>
+                      </a:solidFill>
+                      <a:prstDash val="solid"/>
+                      <a:round/>
+                      <a:headEnd type="none" w="med" len="med"/>
+                      <a:tailEnd type="none" w="med" len="med"/>
+                    </a:lnL>
+                    <a:lnR w="6350" cap="flat" cmpd="sng" algn="ctr">
+                      <a:solidFill>
+                        <a:schemeClr val="tx1"/>
+                      </a:solidFill>
+                      <a:prstDash val="solid"/>
+                      <a:round/>
+                      <a:headEnd type="none" w="med" len="med"/>
+                      <a:tailEnd type="none" w="med" len="med"/>
+                    </a:lnR>
+                    <a:lnT w="6350" cap="flat" cmpd="sng" algn="ctr">
+                      <a:solidFill>
+                        <a:schemeClr val="tx1"/>
+                      </a:solidFill>
+                      <a:prstDash val="solid"/>
+                      <a:round/>
+                      <a:headEnd type="none" w="med" len="med"/>
+                      <a:tailEnd type="none" w="med" len="med"/>
+                    </a:lnT>
+                    <a:lnB w="6350" cap="flat" cmpd="sng" algn="ctr">
+                      <a:solidFill>
+                        <a:schemeClr val="tx1"/>
+                      </a:solidFill>
+                      <a:prstDash val="solid"/>
+                      <a:round/>
+                      <a:headEnd type="none" w="med" len="med"/>
+                      <a:tailEnd type="none" w="med" len="med"/>
+                    </a:lnB>
+                    <a:solidFill>
+                      <a:srgbClr val="F6F8FC"/>
+                    </a:solidFill>
+                  </a:tcPr>
+                </a:tc>
+                <a:tc>
+                  <a:txBody>
+                    <a:bodyPr/>
+                    <a:lstStyle/>
+                    <a:p>
+                      <a:pPr algn="ctr" latinLnBrk="1"/>
+                      <a:endParaRPr lang="ko-KR" altLang="en-US" sz="1000" dirty="0">
+                        <a:latin typeface="삼성긴고딕OTF Medium" panose="020B0600000101010101" pitchFamily="34" charset="-127"/>
+                        <a:ea typeface="삼성긴고딕OTF Medium" panose="020B0600000101010101" pitchFamily="34" charset="-127"/>
+                      </a:endParaRPr>
+                    </a:p>
+                  </a:txBody>
+                  <a:tcPr>
+                    <a:lnL w="6350" cap="flat" cmpd="sng" algn="ctr">
+                      <a:solidFill>
+                        <a:schemeClr val="tx1"/>
+                      </a:solidFill>
+                      <a:prstDash val="solid"/>
+                      <a:round/>
+                      <a:headEnd type="none" w="med" len="med"/>
+                      <a:tailEnd type="none" w="med" len="med"/>
+                    </a:lnL>
+                    <a:lnR w="6350" cap="flat" cmpd="sng" algn="ctr">
+                      <a:solidFill>
+                        <a:schemeClr val="tx1"/>
+                      </a:solidFill>
+                      <a:prstDash val="solid"/>
+                      <a:round/>
+                      <a:headEnd type="none" w="med" len="med"/>
+                      <a:tailEnd type="none" w="med" len="med"/>
+                    </a:lnR>
+                    <a:lnT w="6350" cap="flat" cmpd="sng" algn="ctr">
+                      <a:solidFill>
+                        <a:schemeClr val="tx1"/>
+                      </a:solidFill>
+                      <a:prstDash val="solid"/>
+                      <a:round/>
+                      <a:headEnd type="none" w="med" len="med"/>
+                      <a:tailEnd type="none" w="med" len="med"/>
+                    </a:lnT>
+                    <a:lnB w="6350" cap="flat" cmpd="sng" algn="ctr">
+                      <a:solidFill>
+                        <a:schemeClr val="tx1"/>
+                      </a:solidFill>
+                      <a:prstDash val="solid"/>
+                      <a:round/>
+                      <a:headEnd type="none" w="med" len="med"/>
+                      <a:tailEnd type="none" w="med" len="med"/>
+                    </a:lnB>
+                    <a:solidFill>
+                      <a:srgbClr val="F6F8FC"/>
+                    </a:solidFill>
+                  </a:tcPr>
+                </a:tc>
+                <a:extLst>
+                  <a:ext uri="{0D108BD9-81ED-4DB2-BD59-A6C34878D82A}">
+                    <a16:rowId xmlns:a16="http://schemas.microsoft.com/office/drawing/2014/main" val="2506902562"/>
+                  </a:ext>
+                </a:extLst>
+              </a:tr>
+              <a:tr h="288000">
+                <a:tc>
+                  <a:txBody>
+                    <a:bodyPr/>
+                    <a:lstStyle/>
+                    <a:p>
+                      <a:endParaRPr lang="ko-KR" altLang="en-US" sz="1000">
+                        <a:latin typeface="삼성긴고딕OTF Medium" panose="020B0600000101010101" pitchFamily="34" charset="-127"/>
+                        <a:ea typeface="삼성긴고딕OTF Medium" panose="020B0600000101010101" pitchFamily="34" charset="-127"/>
+                      </a:endParaRPr>
+                    </a:p>
+                  </a:txBody>
+                  <a:tcPr>
+                    <a:lnL w="6350" cap="flat" cmpd="sng" algn="ctr">
+                      <a:solidFill>
+                        <a:schemeClr val="tx1"/>
+                      </a:solidFill>
+                      <a:prstDash val="solid"/>
+                      <a:round/>
+                      <a:headEnd type="none" w="med" len="med"/>
+                      <a:tailEnd type="none" w="med" len="med"/>
+                    </a:lnL>
+                    <a:lnR w="6350" cap="flat" cmpd="sng" algn="ctr">
+                      <a:solidFill>
+                        <a:schemeClr val="tx1"/>
+                      </a:solidFill>
+                      <a:prstDash val="solid"/>
+                      <a:round/>
+                      <a:headEnd type="none" w="med" len="med"/>
+                      <a:tailEnd type="none" w="med" len="med"/>
+                    </a:lnR>
+                    <a:lnT w="6350" cap="flat" cmpd="sng" algn="ctr">
+                      <a:solidFill>
+                        <a:schemeClr val="tx1"/>
+                      </a:solidFill>
+                      <a:prstDash val="solid"/>
+                      <a:round/>
+                      <a:headEnd type="none" w="med" len="med"/>
+                      <a:tailEnd type="none" w="med" len="med"/>
+                    </a:lnT>
+                    <a:lnB w="6350" cap="flat" cmpd="sng" algn="ctr">
+                      <a:solidFill>
+                        <a:schemeClr val="tx1"/>
+                      </a:solidFill>
+                      <a:prstDash val="solid"/>
+                      <a:round/>
+                      <a:headEnd type="none" w="med" len="med"/>
+                      <a:tailEnd type="none" w="med" len="med"/>
+                    </a:lnB>
+                    <a:solidFill>
+                      <a:srgbClr val="F6F8FC"/>
+                    </a:solidFill>
+                  </a:tcPr>
+                </a:tc>
+                <a:tc>
+                  <a:txBody>
+                    <a:bodyPr/>
+                    <a:lstStyle/>
+                    <a:p>
+                      <a:endParaRPr lang="ko-KR" altLang="en-US" sz="1000" dirty="0">
+                        <a:latin typeface="삼성긴고딕OTF Medium" panose="020B0600000101010101" pitchFamily="34" charset="-127"/>
+                        <a:ea typeface="삼성긴고딕OTF Medium" panose="020B0600000101010101" pitchFamily="34" charset="-127"/>
+                      </a:endParaRPr>
+                    </a:p>
+                  </a:txBody>
+                  <a:tcPr>
+                    <a:lnL w="6350" cap="flat" cmpd="sng" algn="ctr">
+                      <a:solidFill>
+                        <a:schemeClr val="tx1"/>
+                      </a:solidFill>
+                      <a:prstDash val="solid"/>
+                      <a:round/>
+                      <a:headEnd type="none" w="med" len="med"/>
+                      <a:tailEnd type="none" w="med" len="med"/>
+                    </a:lnL>
+                    <a:lnR w="6350" cap="flat" cmpd="sng" algn="ctr">
+                      <a:solidFill>
+                        <a:schemeClr val="tx1"/>
+                      </a:solidFill>
+                      <a:prstDash val="solid"/>
+                      <a:round/>
+                      <a:headEnd type="none" w="med" len="med"/>
+                      <a:tailEnd type="none" w="med" len="med"/>
+                    </a:lnR>
+                    <a:lnT w="6350" cap="flat" cmpd="sng" algn="ctr">
+                      <a:solidFill>
+                        <a:schemeClr val="tx1"/>
+                      </a:solidFill>
+                      <a:prstDash val="solid"/>
+                      <a:round/>
+                      <a:headEnd type="none" w="med" len="med"/>
+                      <a:tailEnd type="none" w="med" len="med"/>
+                    </a:lnT>
+                    <a:lnB w="6350" cap="flat" cmpd="sng" algn="ctr">
+                      <a:solidFill>
+                        <a:schemeClr val="tx1"/>
+                      </a:solidFill>
+                      <a:prstDash val="solid"/>
+                      <a:round/>
+                      <a:headEnd type="none" w="med" len="med"/>
+                      <a:tailEnd type="none" w="med" len="med"/>
+                    </a:lnB>
+                    <a:solidFill>
+                      <a:srgbClr val="F6F8FC"/>
+                    </a:solidFill>
+                  </a:tcPr>
+                </a:tc>
+                <a:tc>
+                  <a:txBody>
+                    <a:bodyPr/>
+                    <a:lstStyle/>
+                    <a:p>
+                      <a:pPr algn="ctr" latinLnBrk="1"/>
+                      <a:endParaRPr lang="ko-KR" altLang="en-US" sz="1000" dirty="0">
+                        <a:latin typeface="삼성긴고딕OTF Medium" panose="020B0600000101010101" pitchFamily="34" charset="-127"/>
+                        <a:ea typeface="삼성긴고딕OTF Medium" panose="020B0600000101010101" pitchFamily="34" charset="-127"/>
+                      </a:endParaRPr>
+                    </a:p>
+                  </a:txBody>
+                  <a:tcPr>
+                    <a:lnL w="6350" cap="flat" cmpd="sng" algn="ctr">
+                      <a:solidFill>
+                        <a:schemeClr val="tx1"/>
+                      </a:solidFill>
+                      <a:prstDash val="solid"/>
+                      <a:round/>
+                      <a:headEnd type="none" w="med" len="med"/>
+                      <a:tailEnd type="none" w="med" len="med"/>
+                    </a:lnL>
+                    <a:lnR w="6350" cap="flat" cmpd="sng" algn="ctr">
+                      <a:solidFill>
+                        <a:schemeClr val="tx1"/>
+                      </a:solidFill>
+                      <a:prstDash val="solid"/>
+                      <a:round/>
+                      <a:headEnd type="none" w="med" len="med"/>
+                      <a:tailEnd type="none" w="med" len="med"/>
+                    </a:lnR>
+                    <a:lnT w="6350" cap="flat" cmpd="sng" algn="ctr">
+                      <a:solidFill>
+                        <a:schemeClr val="tx1"/>
+                      </a:solidFill>
+                      <a:prstDash val="solid"/>
+                      <a:round/>
+                      <a:headEnd type="none" w="med" len="med"/>
+                      <a:tailEnd type="none" w="med" len="med"/>
+                    </a:lnT>
+                    <a:lnB w="6350" cap="flat" cmpd="sng" algn="ctr">
+                      <a:solidFill>
+                        <a:schemeClr val="tx1"/>
+                      </a:solidFill>
+                      <a:prstDash val="solid"/>
+                      <a:round/>
+                      <a:headEnd type="none" w="med" len="med"/>
+                      <a:tailEnd type="none" w="med" len="med"/>
+                    </a:lnB>
+                    <a:solidFill>
+                      <a:srgbClr val="F6F8FC"/>
+                    </a:solidFill>
+                  </a:tcPr>
+                </a:tc>
+                <a:extLst>
+                  <a:ext uri="{0D108BD9-81ED-4DB2-BD59-A6C34878D82A}">
+                    <a16:rowId xmlns:a16="http://schemas.microsoft.com/office/drawing/2014/main" val="3618485213"/>
+                  </a:ext>
+                </a:extLst>
+              </a:tr>
+            </a:tbl>
+          </a:graphicData>
+        </a:graphic>
+      </p:graphicFrame>
+      <p:sp>
+        <p:nvSpPr>
+          <p:cNvPr id="10" name="직사각형 9"/>
+          <p:cNvSpPr/>
+          <p:nvPr/>
+        </p:nvSpPr>
+        <p:spPr>
+          <a:xfrm>
+            <a:off x="1983376" y="710326"/>
+            <a:ext cx="864000" cy="360000"/>
+          </a:xfrm>
+          <a:prstGeom prst="rect">
+            <a:avLst/>
+          </a:prstGeom>
+          <a:noFill/>
+          <a:ln>
+            <a:noFill/>
+          </a:ln>
+        </p:spPr>
+        <p:style>
+          <a:lnRef idx="2">
+            <a:schemeClr val="accent1">
+              <a:shade val="50000"/>
+            </a:schemeClr>
+          </a:lnRef>
+          <a:fillRef idx="1">
+            <a:schemeClr val="accent1"/>
+          </a:fillRef>
+          <a:effectRef idx="0">
+            <a:schemeClr val="accent1"/>
+          </a:effectRef>
+          <a:fontRef idx="minor">
+            <a:schemeClr val="lt1"/>
+          </a:fontRef>
+        </p:style>
+        <p:txBody>
+          <a:bodyPr rtlCol="0" anchor="ctr"/>
+          <a:lstStyle/>
+          <a:p>
+            <a:pPr algn="ctr"/>
+            <a:r>
+              <a:rPr lang="ko-KR" altLang="en-US" sz="1100" dirty="0" smtClean="0">
+                <a:solidFill>
+                  <a:srgbClr val="1D75E5"/>
+                </a:solidFill>
+                <a:latin typeface="삼성긴고딕OTF Bold" panose="020B0600000101010101" pitchFamily="34" charset="-127"/>
+                <a:ea typeface="삼성긴고딕OTF Bold" panose="020B0600000101010101" pitchFamily="34" charset="-127"/>
+              </a:rPr>
+              <a:t>구매 테이블</a:t>
+            </a:r>
+            <a:endParaRPr lang="ko-KR" altLang="en-US" sz="1100" dirty="0">
+              <a:solidFill>
+                <a:srgbClr val="1D75E5"/>
+              </a:solidFill>
+              <a:latin typeface="삼성긴고딕OTF Bold" panose="020B0600000101010101" pitchFamily="34" charset="-127"/>
+              <a:ea typeface="삼성긴고딕OTF Bold" panose="020B0600000101010101" pitchFamily="34" charset="-127"/>
+            </a:endParaRPr>
+          </a:p>
+        </p:txBody>
+      </p:sp>
+      <p:sp>
+        <p:nvSpPr>
+          <p:cNvPr id="11" name="직사각형 10"/>
+          <p:cNvSpPr/>
+          <p:nvPr/>
+        </p:nvSpPr>
+        <p:spPr>
+          <a:xfrm>
+            <a:off x="111836" y="1814699"/>
+            <a:ext cx="972000" cy="360000"/>
+          </a:xfrm>
+          <a:prstGeom prst="rect">
+            <a:avLst/>
+          </a:prstGeom>
+          <a:noFill/>
+          <a:ln>
+            <a:noFill/>
+          </a:ln>
+        </p:spPr>
+        <p:style>
+          <a:lnRef idx="2">
+            <a:schemeClr val="accent1">
+              <a:shade val="50000"/>
+            </a:schemeClr>
+          </a:lnRef>
+          <a:fillRef idx="1">
+            <a:schemeClr val="accent1"/>
+          </a:fillRef>
+          <a:effectRef idx="0">
+            <a:schemeClr val="accent1"/>
+          </a:effectRef>
+          <a:fontRef idx="minor">
+            <a:schemeClr val="lt1"/>
+          </a:fontRef>
+        </p:style>
+        <p:txBody>
+          <a:bodyPr rtlCol="0" anchor="ctr"/>
+          <a:lstStyle/>
+          <a:p>
+            <a:pPr algn="ctr" latinLnBrk="0"/>
+            <a:r>
+              <a:rPr lang="ko-KR" altLang="en-US" sz="1100" dirty="0" smtClean="0">
+                <a:solidFill>
+                  <a:schemeClr val="tx1"/>
+                </a:solidFill>
+                <a:latin typeface="삼성긴고딕OTF Bold" panose="020B0600000101010101" pitchFamily="34" charset="-127"/>
+                <a:ea typeface="삼성긴고딕OTF Bold" panose="020B0600000101010101" pitchFamily="34" charset="-127"/>
+              </a:rPr>
+              <a:t>사용자가 물건을 구매</a:t>
+            </a:r>
+            <a:endParaRPr lang="ko-KR" altLang="en-US" sz="1100" dirty="0">
+              <a:solidFill>
+                <a:schemeClr val="tx1"/>
+              </a:solidFill>
+              <a:latin typeface="삼성긴고딕OTF Bold" panose="020B0600000101010101" pitchFamily="34" charset="-127"/>
+              <a:ea typeface="삼성긴고딕OTF Bold" panose="020B0600000101010101" pitchFamily="34" charset="-127"/>
+            </a:endParaRPr>
+          </a:p>
+        </p:txBody>
+      </p:sp>
+      <p:graphicFrame>
+        <p:nvGraphicFramePr>
+          <p:cNvPr id="12" name="표 11"/>
+          <p:cNvGraphicFramePr>
+            <a:graphicFrameLocks noGrp="1"/>
+          </p:cNvGraphicFramePr>
+          <p:nvPr>
+            <p:extLst>
+              <p:ext uri="{D42A27DB-BD31-4B8C-83A1-F6EECF244321}">
+                <p14:modId xmlns:p14="http://schemas.microsoft.com/office/powerpoint/2010/main" val="587227417"/>
+              </p:ext>
+            </p:extLst>
+          </p:nvPr>
+        </p:nvGraphicFramePr>
+        <p:xfrm>
+          <a:off x="3746916" y="1070326"/>
+          <a:ext cx="864000" cy="864000"/>
+        </p:xfrm>
+        <a:graphic>
+          <a:graphicData uri="http://schemas.openxmlformats.org/drawingml/2006/table">
+            <a:tbl>
+              <a:tblPr firstRow="1" bandRow="1">
+                <a:tableStyleId>{5C22544A-7EE6-4342-B048-85BDC9FD1C3A}</a:tableStyleId>
+              </a:tblPr>
+              <a:tblGrid>
+                <a:gridCol w="288000">
+                  <a:extLst>
+                    <a:ext uri="{9D8B030D-6E8A-4147-A177-3AD203B41FA5}">
+                      <a16:colId xmlns:a16="http://schemas.microsoft.com/office/drawing/2014/main" val="3463867517"/>
+                    </a:ext>
+                  </a:extLst>
+                </a:gridCol>
+                <a:gridCol w="288000">
+                  <a:extLst>
+                    <a:ext uri="{9D8B030D-6E8A-4147-A177-3AD203B41FA5}">
+                      <a16:colId xmlns:a16="http://schemas.microsoft.com/office/drawing/2014/main" val="2784962363"/>
+                    </a:ext>
+                  </a:extLst>
+                </a:gridCol>
+                <a:gridCol w="288000">
+                  <a:extLst>
+                    <a:ext uri="{9D8B030D-6E8A-4147-A177-3AD203B41FA5}">
+                      <a16:colId xmlns:a16="http://schemas.microsoft.com/office/drawing/2014/main" val="1715836946"/>
+                    </a:ext>
+                  </a:extLst>
+                </a:gridCol>
+              </a:tblGrid>
+              <a:tr h="288000">
+                <a:tc>
+                  <a:txBody>
+                    <a:bodyPr/>
+                    <a:lstStyle/>
+                    <a:p>
+                      <a:endParaRPr lang="ko-KR" altLang="en-US" sz="1000" dirty="0">
+                        <a:latin typeface="삼성긴고딕OTF Medium" panose="020B0600000101010101" pitchFamily="34" charset="-127"/>
+                        <a:ea typeface="삼성긴고딕OTF Medium" panose="020B0600000101010101" pitchFamily="34" charset="-127"/>
+                      </a:endParaRPr>
+                    </a:p>
+                  </a:txBody>
+                  <a:tcPr>
+                    <a:lnL w="6350" cap="flat" cmpd="sng" algn="ctr">
+                      <a:solidFill>
+                        <a:schemeClr val="tx1"/>
+                      </a:solidFill>
+                      <a:prstDash val="solid"/>
+                      <a:round/>
+                      <a:headEnd type="none" w="med" len="med"/>
+                      <a:tailEnd type="none" w="med" len="med"/>
+                    </a:lnL>
+                    <a:lnR w="6350" cap="flat" cmpd="sng" algn="ctr">
+                      <a:solidFill>
+                        <a:schemeClr val="tx1"/>
+                      </a:solidFill>
+                      <a:prstDash val="solid"/>
+                      <a:round/>
+                      <a:headEnd type="none" w="med" len="med"/>
+                      <a:tailEnd type="none" w="med" len="med"/>
+                    </a:lnR>
+                    <a:lnT w="6350" cap="flat" cmpd="sng" algn="ctr">
+                      <a:solidFill>
+                        <a:schemeClr val="tx1"/>
+                      </a:solidFill>
+                      <a:prstDash val="solid"/>
+                      <a:round/>
+                      <a:headEnd type="none" w="med" len="med"/>
+                      <a:tailEnd type="none" w="med" len="med"/>
+                    </a:lnT>
+                    <a:lnB w="6350" cap="flat" cmpd="sng" algn="ctr">
+                      <a:solidFill>
+                        <a:schemeClr val="tx1"/>
+                      </a:solidFill>
+                      <a:prstDash val="solid"/>
+                      <a:round/>
+                      <a:headEnd type="none" w="med" len="med"/>
+                      <a:tailEnd type="none" w="med" len="med"/>
+                    </a:lnB>
+                    <a:solidFill>
+                      <a:srgbClr val="F6F8FC"/>
+                    </a:solidFill>
+                  </a:tcPr>
+                </a:tc>
+                <a:tc>
+                  <a:txBody>
+                    <a:bodyPr/>
+                    <a:lstStyle/>
+                    <a:p>
+                      <a:endParaRPr lang="ko-KR" altLang="en-US" sz="1000" dirty="0">
+                        <a:latin typeface="삼성긴고딕OTF Medium" panose="020B0600000101010101" pitchFamily="34" charset="-127"/>
+                        <a:ea typeface="삼성긴고딕OTF Medium" panose="020B0600000101010101" pitchFamily="34" charset="-127"/>
+                      </a:endParaRPr>
+                    </a:p>
+                  </a:txBody>
+                  <a:tcPr>
+                    <a:lnL w="6350" cap="flat" cmpd="sng" algn="ctr">
+                      <a:solidFill>
+                        <a:schemeClr val="tx1"/>
+                      </a:solidFill>
+                      <a:prstDash val="solid"/>
+                      <a:round/>
+                      <a:headEnd type="none" w="med" len="med"/>
+                      <a:tailEnd type="none" w="med" len="med"/>
+                    </a:lnL>
+                    <a:lnR w="6350" cap="flat" cmpd="sng" algn="ctr">
+                      <a:solidFill>
+                        <a:schemeClr val="tx1"/>
+                      </a:solidFill>
+                      <a:prstDash val="solid"/>
+                      <a:round/>
+                      <a:headEnd type="none" w="med" len="med"/>
+                      <a:tailEnd type="none" w="med" len="med"/>
+                    </a:lnR>
+                    <a:lnT w="6350" cap="flat" cmpd="sng" algn="ctr">
+                      <a:solidFill>
+                        <a:schemeClr val="tx1"/>
+                      </a:solidFill>
+                      <a:prstDash val="solid"/>
+                      <a:round/>
+                      <a:headEnd type="none" w="med" len="med"/>
+                      <a:tailEnd type="none" w="med" len="med"/>
+                    </a:lnT>
+                    <a:lnB w="6350" cap="flat" cmpd="sng" algn="ctr">
+                      <a:solidFill>
+                        <a:schemeClr val="tx1"/>
+                      </a:solidFill>
+                      <a:prstDash val="solid"/>
+                      <a:round/>
+                      <a:headEnd type="none" w="med" len="med"/>
+                      <a:tailEnd type="none" w="med" len="med"/>
+                    </a:lnB>
+                    <a:solidFill>
+                      <a:srgbClr val="F6F8FC"/>
+                    </a:solidFill>
+                  </a:tcPr>
+                </a:tc>
+                <a:tc>
+                  <a:txBody>
+                    <a:bodyPr/>
+                    <a:lstStyle/>
+                    <a:p>
+                      <a:pPr algn="ctr" latinLnBrk="1"/>
+                      <a:endParaRPr lang="ko-KR" altLang="en-US" sz="1000" dirty="0">
+                        <a:latin typeface="삼성긴고딕OTF Medium" panose="020B0600000101010101" pitchFamily="34" charset="-127"/>
+                        <a:ea typeface="삼성긴고딕OTF Medium" panose="020B0600000101010101" pitchFamily="34" charset="-127"/>
+                      </a:endParaRPr>
+                    </a:p>
+                  </a:txBody>
+                  <a:tcPr>
+                    <a:lnL w="6350" cap="flat" cmpd="sng" algn="ctr">
+                      <a:solidFill>
+                        <a:schemeClr val="tx1"/>
+                      </a:solidFill>
+                      <a:prstDash val="solid"/>
+                      <a:round/>
+                      <a:headEnd type="none" w="med" len="med"/>
+                      <a:tailEnd type="none" w="med" len="med"/>
+                    </a:lnL>
+                    <a:lnR w="6350" cap="flat" cmpd="sng" algn="ctr">
+                      <a:solidFill>
+                        <a:schemeClr val="tx1"/>
+                      </a:solidFill>
+                      <a:prstDash val="solid"/>
+                      <a:round/>
+                      <a:headEnd type="none" w="med" len="med"/>
+                      <a:tailEnd type="none" w="med" len="med"/>
+                    </a:lnR>
+                    <a:lnT w="6350" cap="flat" cmpd="sng" algn="ctr">
+                      <a:solidFill>
+                        <a:schemeClr val="tx1"/>
+                      </a:solidFill>
+                      <a:prstDash val="solid"/>
+                      <a:round/>
+                      <a:headEnd type="none" w="med" len="med"/>
+                      <a:tailEnd type="none" w="med" len="med"/>
+                    </a:lnT>
+                    <a:lnB w="6350" cap="flat" cmpd="sng" algn="ctr">
+                      <a:solidFill>
+                        <a:schemeClr val="tx1"/>
+                      </a:solidFill>
+                      <a:prstDash val="solid"/>
+                      <a:round/>
+                      <a:headEnd type="none" w="med" len="med"/>
+                      <a:tailEnd type="none" w="med" len="med"/>
+                    </a:lnB>
+                    <a:solidFill>
+                      <a:srgbClr val="F6F8FC"/>
+                    </a:solidFill>
+                  </a:tcPr>
+                </a:tc>
+                <a:extLst>
+                  <a:ext uri="{0D108BD9-81ED-4DB2-BD59-A6C34878D82A}">
+                    <a16:rowId xmlns:a16="http://schemas.microsoft.com/office/drawing/2014/main" val="4035602949"/>
+                  </a:ext>
+                </a:extLst>
+              </a:tr>
+              <a:tr h="288000">
+                <a:tc>
+                  <a:txBody>
+                    <a:bodyPr/>
+                    <a:lstStyle/>
+                    <a:p>
+                      <a:endParaRPr lang="ko-KR" altLang="en-US" sz="1000">
+                        <a:latin typeface="삼성긴고딕OTF Medium" panose="020B0600000101010101" pitchFamily="34" charset="-127"/>
+                        <a:ea typeface="삼성긴고딕OTF Medium" panose="020B0600000101010101" pitchFamily="34" charset="-127"/>
+                      </a:endParaRPr>
+                    </a:p>
+                  </a:txBody>
+                  <a:tcPr>
+                    <a:lnL w="6350" cap="flat" cmpd="sng" algn="ctr">
+                      <a:solidFill>
+                        <a:schemeClr val="tx1"/>
+                      </a:solidFill>
+                      <a:prstDash val="solid"/>
+                      <a:round/>
+                      <a:headEnd type="none" w="med" len="med"/>
+                      <a:tailEnd type="none" w="med" len="med"/>
+                    </a:lnL>
+                    <a:lnR w="6350" cap="flat" cmpd="sng" algn="ctr">
+                      <a:solidFill>
+                        <a:schemeClr val="tx1"/>
+                      </a:solidFill>
+                      <a:prstDash val="solid"/>
+                      <a:round/>
+                      <a:headEnd type="none" w="med" len="med"/>
+                      <a:tailEnd type="none" w="med" len="med"/>
+                    </a:lnR>
+                    <a:lnT w="6350" cap="flat" cmpd="sng" algn="ctr">
+                      <a:solidFill>
+                        <a:schemeClr val="tx1"/>
+                      </a:solidFill>
+                      <a:prstDash val="solid"/>
+                      <a:round/>
+                      <a:headEnd type="none" w="med" len="med"/>
+                      <a:tailEnd type="none" w="med" len="med"/>
+                    </a:lnT>
+                    <a:lnB w="6350" cap="flat" cmpd="sng" algn="ctr">
+                      <a:solidFill>
+                        <a:schemeClr val="tx1"/>
+                      </a:solidFill>
+                      <a:prstDash val="solid"/>
+                      <a:round/>
+                      <a:headEnd type="none" w="med" len="med"/>
+                      <a:tailEnd type="none" w="med" len="med"/>
+                    </a:lnB>
+                    <a:solidFill>
+                      <a:srgbClr val="F6F8FC"/>
+                    </a:solidFill>
+                  </a:tcPr>
+                </a:tc>
+                <a:tc>
+                  <a:txBody>
+                    <a:bodyPr/>
+                    <a:lstStyle/>
+                    <a:p>
+                      <a:endParaRPr lang="ko-KR" altLang="en-US" sz="1000" dirty="0">
+                        <a:latin typeface="삼성긴고딕OTF Medium" panose="020B0600000101010101" pitchFamily="34" charset="-127"/>
+                        <a:ea typeface="삼성긴고딕OTF Medium" panose="020B0600000101010101" pitchFamily="34" charset="-127"/>
+                      </a:endParaRPr>
+                    </a:p>
+                  </a:txBody>
+                  <a:tcPr>
+                    <a:lnL w="6350" cap="flat" cmpd="sng" algn="ctr">
+                      <a:solidFill>
+                        <a:schemeClr val="tx1"/>
+                      </a:solidFill>
+                      <a:prstDash val="solid"/>
+                      <a:round/>
+                      <a:headEnd type="none" w="med" len="med"/>
+                      <a:tailEnd type="none" w="med" len="med"/>
+                    </a:lnL>
+                    <a:lnR w="6350" cap="flat" cmpd="sng" algn="ctr">
+                      <a:solidFill>
+                        <a:schemeClr val="tx1"/>
+                      </a:solidFill>
+                      <a:prstDash val="solid"/>
+                      <a:round/>
+                      <a:headEnd type="none" w="med" len="med"/>
+                      <a:tailEnd type="none" w="med" len="med"/>
+                    </a:lnR>
+                    <a:lnT w="6350" cap="flat" cmpd="sng" algn="ctr">
+                      <a:solidFill>
+                        <a:schemeClr val="tx1"/>
+                      </a:solidFill>
+                      <a:prstDash val="solid"/>
+                      <a:round/>
+                      <a:headEnd type="none" w="med" len="med"/>
+                      <a:tailEnd type="none" w="med" len="med"/>
+                    </a:lnT>
+                    <a:lnB w="6350" cap="flat" cmpd="sng" algn="ctr">
+                      <a:solidFill>
+                        <a:schemeClr val="tx1"/>
+                      </a:solidFill>
+                      <a:prstDash val="solid"/>
+                      <a:round/>
+                      <a:headEnd type="none" w="med" len="med"/>
+                      <a:tailEnd type="none" w="med" len="med"/>
+                    </a:lnB>
+                    <a:solidFill>
+                      <a:srgbClr val="F6F8FC"/>
+                    </a:solidFill>
+                  </a:tcPr>
+                </a:tc>
+                <a:tc>
+                  <a:txBody>
+                    <a:bodyPr/>
+                    <a:lstStyle/>
+                    <a:p>
+                      <a:pPr algn="ctr" latinLnBrk="1"/>
+                      <a:endParaRPr lang="ko-KR" altLang="en-US" sz="1000" dirty="0">
+                        <a:latin typeface="삼성긴고딕OTF Medium" panose="020B0600000101010101" pitchFamily="34" charset="-127"/>
+                        <a:ea typeface="삼성긴고딕OTF Medium" panose="020B0600000101010101" pitchFamily="34" charset="-127"/>
+                      </a:endParaRPr>
+                    </a:p>
+                  </a:txBody>
+                  <a:tcPr>
+                    <a:lnL w="6350" cap="flat" cmpd="sng" algn="ctr">
+                      <a:solidFill>
+                        <a:schemeClr val="tx1"/>
+                      </a:solidFill>
+                      <a:prstDash val="solid"/>
+                      <a:round/>
+                      <a:headEnd type="none" w="med" len="med"/>
+                      <a:tailEnd type="none" w="med" len="med"/>
+                    </a:lnL>
+                    <a:lnR w="6350" cap="flat" cmpd="sng" algn="ctr">
+                      <a:solidFill>
+                        <a:schemeClr val="tx1"/>
+                      </a:solidFill>
+                      <a:prstDash val="solid"/>
+                      <a:round/>
+                      <a:headEnd type="none" w="med" len="med"/>
+                      <a:tailEnd type="none" w="med" len="med"/>
+                    </a:lnR>
+                    <a:lnT w="6350" cap="flat" cmpd="sng" algn="ctr">
+                      <a:solidFill>
+                        <a:schemeClr val="tx1"/>
+                      </a:solidFill>
+                      <a:prstDash val="solid"/>
+                      <a:round/>
+                      <a:headEnd type="none" w="med" len="med"/>
+                      <a:tailEnd type="none" w="med" len="med"/>
+                    </a:lnT>
+                    <a:lnB w="6350" cap="flat" cmpd="sng" algn="ctr">
+                      <a:solidFill>
+                        <a:schemeClr val="tx1"/>
+                      </a:solidFill>
+                      <a:prstDash val="solid"/>
+                      <a:round/>
+                      <a:headEnd type="none" w="med" len="med"/>
+                      <a:tailEnd type="none" w="med" len="med"/>
+                    </a:lnB>
+                    <a:solidFill>
+                      <a:srgbClr val="F6F8FC"/>
+                    </a:solidFill>
+                  </a:tcPr>
+                </a:tc>
+                <a:extLst>
+                  <a:ext uri="{0D108BD9-81ED-4DB2-BD59-A6C34878D82A}">
+                    <a16:rowId xmlns:a16="http://schemas.microsoft.com/office/drawing/2014/main" val="2506902562"/>
+                  </a:ext>
+                </a:extLst>
+              </a:tr>
+              <a:tr h="288000">
+                <a:tc>
+                  <a:txBody>
+                    <a:bodyPr/>
+                    <a:lstStyle/>
+                    <a:p>
+                      <a:endParaRPr lang="ko-KR" altLang="en-US" sz="1000">
+                        <a:latin typeface="삼성긴고딕OTF Medium" panose="020B0600000101010101" pitchFamily="34" charset="-127"/>
+                        <a:ea typeface="삼성긴고딕OTF Medium" panose="020B0600000101010101" pitchFamily="34" charset="-127"/>
+                      </a:endParaRPr>
+                    </a:p>
+                  </a:txBody>
+                  <a:tcPr>
+                    <a:lnL w="6350" cap="flat" cmpd="sng" algn="ctr">
+                      <a:solidFill>
+                        <a:schemeClr val="tx1"/>
+                      </a:solidFill>
+                      <a:prstDash val="solid"/>
+                      <a:round/>
+                      <a:headEnd type="none" w="med" len="med"/>
+                      <a:tailEnd type="none" w="med" len="med"/>
+                    </a:lnL>
+                    <a:lnR w="6350" cap="flat" cmpd="sng" algn="ctr">
+                      <a:solidFill>
+                        <a:schemeClr val="tx1"/>
+                      </a:solidFill>
+                      <a:prstDash val="solid"/>
+                      <a:round/>
+                      <a:headEnd type="none" w="med" len="med"/>
+                      <a:tailEnd type="none" w="med" len="med"/>
+                    </a:lnR>
+                    <a:lnT w="6350" cap="flat" cmpd="sng" algn="ctr">
+                      <a:solidFill>
+                        <a:schemeClr val="tx1"/>
+                      </a:solidFill>
+                      <a:prstDash val="solid"/>
+                      <a:round/>
+                      <a:headEnd type="none" w="med" len="med"/>
+                      <a:tailEnd type="none" w="med" len="med"/>
+                    </a:lnT>
+                    <a:lnB w="6350" cap="flat" cmpd="sng" algn="ctr">
+                      <a:solidFill>
+                        <a:schemeClr val="tx1"/>
+                      </a:solidFill>
+                      <a:prstDash val="solid"/>
+                      <a:round/>
+                      <a:headEnd type="none" w="med" len="med"/>
+                      <a:tailEnd type="none" w="med" len="med"/>
+                    </a:lnB>
+                    <a:solidFill>
+                      <a:srgbClr val="F6F8FC"/>
+                    </a:solidFill>
+                  </a:tcPr>
+                </a:tc>
+                <a:tc>
+                  <a:txBody>
+                    <a:bodyPr/>
+                    <a:lstStyle/>
+                    <a:p>
+                      <a:endParaRPr lang="ko-KR" altLang="en-US" sz="1000" dirty="0">
+                        <a:latin typeface="삼성긴고딕OTF Medium" panose="020B0600000101010101" pitchFamily="34" charset="-127"/>
+                        <a:ea typeface="삼성긴고딕OTF Medium" panose="020B0600000101010101" pitchFamily="34" charset="-127"/>
+                      </a:endParaRPr>
+                    </a:p>
+                  </a:txBody>
+                  <a:tcPr>
+                    <a:lnL w="6350" cap="flat" cmpd="sng" algn="ctr">
+                      <a:solidFill>
+                        <a:schemeClr val="tx1"/>
+                      </a:solidFill>
+                      <a:prstDash val="solid"/>
+                      <a:round/>
+                      <a:headEnd type="none" w="med" len="med"/>
+                      <a:tailEnd type="none" w="med" len="med"/>
+                    </a:lnL>
+                    <a:lnR w="6350" cap="flat" cmpd="sng" algn="ctr">
+                      <a:solidFill>
+                        <a:schemeClr val="tx1"/>
+                      </a:solidFill>
+                      <a:prstDash val="solid"/>
+                      <a:round/>
+                      <a:headEnd type="none" w="med" len="med"/>
+                      <a:tailEnd type="none" w="med" len="med"/>
+                    </a:lnR>
+                    <a:lnT w="6350" cap="flat" cmpd="sng" algn="ctr">
+                      <a:solidFill>
+                        <a:schemeClr val="tx1"/>
+                      </a:solidFill>
+                      <a:prstDash val="solid"/>
+                      <a:round/>
+                      <a:headEnd type="none" w="med" len="med"/>
+                      <a:tailEnd type="none" w="med" len="med"/>
+                    </a:lnT>
+                    <a:lnB w="6350" cap="flat" cmpd="sng" algn="ctr">
+                      <a:solidFill>
+                        <a:schemeClr val="tx1"/>
+                      </a:solidFill>
+                      <a:prstDash val="solid"/>
+                      <a:round/>
+                      <a:headEnd type="none" w="med" len="med"/>
+                      <a:tailEnd type="none" w="med" len="med"/>
+                    </a:lnB>
+                    <a:solidFill>
+                      <a:srgbClr val="F6F8FC"/>
+                    </a:solidFill>
+                  </a:tcPr>
+                </a:tc>
+                <a:tc>
+                  <a:txBody>
+                    <a:bodyPr/>
+                    <a:lstStyle/>
+                    <a:p>
+                      <a:pPr algn="ctr" latinLnBrk="1"/>
+                      <a:endParaRPr lang="ko-KR" altLang="en-US" sz="1000" dirty="0">
+                        <a:latin typeface="삼성긴고딕OTF Medium" panose="020B0600000101010101" pitchFamily="34" charset="-127"/>
+                        <a:ea typeface="삼성긴고딕OTF Medium" panose="020B0600000101010101" pitchFamily="34" charset="-127"/>
+                      </a:endParaRPr>
+                    </a:p>
+                  </a:txBody>
+                  <a:tcPr>
+                    <a:lnL w="6350" cap="flat" cmpd="sng" algn="ctr">
+                      <a:solidFill>
+                        <a:schemeClr val="tx1"/>
+                      </a:solidFill>
+                      <a:prstDash val="solid"/>
+                      <a:round/>
+                      <a:headEnd type="none" w="med" len="med"/>
+                      <a:tailEnd type="none" w="med" len="med"/>
+                    </a:lnL>
+                    <a:lnR w="6350" cap="flat" cmpd="sng" algn="ctr">
+                      <a:solidFill>
+                        <a:schemeClr val="tx1"/>
+                      </a:solidFill>
+                      <a:prstDash val="solid"/>
+                      <a:round/>
+                      <a:headEnd type="none" w="med" len="med"/>
+                      <a:tailEnd type="none" w="med" len="med"/>
+                    </a:lnR>
+                    <a:lnT w="6350" cap="flat" cmpd="sng" algn="ctr">
+                      <a:solidFill>
+                        <a:schemeClr val="tx1"/>
+                      </a:solidFill>
+                      <a:prstDash val="solid"/>
+                      <a:round/>
+                      <a:headEnd type="none" w="med" len="med"/>
+                      <a:tailEnd type="none" w="med" len="med"/>
+                    </a:lnT>
+                    <a:lnB w="6350" cap="flat" cmpd="sng" algn="ctr">
+                      <a:solidFill>
+                        <a:schemeClr val="tx1"/>
+                      </a:solidFill>
+                      <a:prstDash val="solid"/>
+                      <a:round/>
+                      <a:headEnd type="none" w="med" len="med"/>
+                      <a:tailEnd type="none" w="med" len="med"/>
+                    </a:lnB>
+                    <a:solidFill>
+                      <a:srgbClr val="F6F8FC"/>
+                    </a:solidFill>
+                  </a:tcPr>
+                </a:tc>
+                <a:extLst>
+                  <a:ext uri="{0D108BD9-81ED-4DB2-BD59-A6C34878D82A}">
+                    <a16:rowId xmlns:a16="http://schemas.microsoft.com/office/drawing/2014/main" val="3618485213"/>
+                  </a:ext>
+                </a:extLst>
+              </a:tr>
+            </a:tbl>
+          </a:graphicData>
+        </a:graphic>
+      </p:graphicFrame>
+      <p:sp>
+        <p:nvSpPr>
+          <p:cNvPr id="13" name="직사각형 12"/>
+          <p:cNvSpPr/>
+          <p:nvPr/>
+        </p:nvSpPr>
+        <p:spPr>
+          <a:xfrm>
+            <a:off x="3746916" y="710326"/>
+            <a:ext cx="864000" cy="360000"/>
+          </a:xfrm>
+          <a:prstGeom prst="rect">
+            <a:avLst/>
+          </a:prstGeom>
+          <a:noFill/>
+          <a:ln>
+            <a:noFill/>
+          </a:ln>
+        </p:spPr>
+        <p:style>
+          <a:lnRef idx="2">
+            <a:schemeClr val="accent1">
+              <a:shade val="50000"/>
+            </a:schemeClr>
+          </a:lnRef>
+          <a:fillRef idx="1">
+            <a:schemeClr val="accent1"/>
+          </a:fillRef>
+          <a:effectRef idx="0">
+            <a:schemeClr val="accent1"/>
+          </a:effectRef>
+          <a:fontRef idx="minor">
+            <a:schemeClr val="lt1"/>
+          </a:fontRef>
+        </p:style>
+        <p:txBody>
+          <a:bodyPr rtlCol="0" anchor="ctr"/>
+          <a:lstStyle/>
+          <a:p>
+            <a:pPr algn="ctr"/>
+            <a:r>
+              <a:rPr lang="ko-KR" altLang="en-US" sz="1100" dirty="0" smtClean="0">
+                <a:solidFill>
+                  <a:srgbClr val="15D3B2"/>
+                </a:solidFill>
+                <a:latin typeface="삼성긴고딕OTF Bold" panose="020B0600000101010101" pitchFamily="34" charset="-127"/>
+                <a:ea typeface="삼성긴고딕OTF Bold" panose="020B0600000101010101" pitchFamily="34" charset="-127"/>
+              </a:rPr>
+              <a:t>물품 테이블</a:t>
+            </a:r>
+            <a:endParaRPr lang="ko-KR" altLang="en-US" sz="1100" dirty="0">
+              <a:solidFill>
+                <a:srgbClr val="15D3B2"/>
+              </a:solidFill>
+              <a:latin typeface="삼성긴고딕OTF Bold" panose="020B0600000101010101" pitchFamily="34" charset="-127"/>
+              <a:ea typeface="삼성긴고딕OTF Bold" panose="020B0600000101010101" pitchFamily="34" charset="-127"/>
+            </a:endParaRPr>
+          </a:p>
+        </p:txBody>
+      </p:sp>
+      <p:graphicFrame>
+        <p:nvGraphicFramePr>
+          <p:cNvPr id="14" name="표 13"/>
+          <p:cNvGraphicFramePr>
+            <a:graphicFrameLocks noGrp="1"/>
+          </p:cNvGraphicFramePr>
+          <p:nvPr>
+            <p:extLst>
+              <p:ext uri="{D42A27DB-BD31-4B8C-83A1-F6EECF244321}">
+                <p14:modId xmlns:p14="http://schemas.microsoft.com/office/powerpoint/2010/main" val="1089163015"/>
+              </p:ext>
+            </p:extLst>
+          </p:nvPr>
+        </p:nvGraphicFramePr>
+        <p:xfrm>
+          <a:off x="5510456" y="1070326"/>
+          <a:ext cx="864000" cy="864000"/>
+        </p:xfrm>
+        <a:graphic>
+          <a:graphicData uri="http://schemas.openxmlformats.org/drawingml/2006/table">
+            <a:tbl>
+              <a:tblPr firstRow="1" bandRow="1">
+                <a:tableStyleId>{5C22544A-7EE6-4342-B048-85BDC9FD1C3A}</a:tableStyleId>
+              </a:tblPr>
+              <a:tblGrid>
+                <a:gridCol w="288000">
+                  <a:extLst>
+                    <a:ext uri="{9D8B030D-6E8A-4147-A177-3AD203B41FA5}">
+                      <a16:colId xmlns:a16="http://schemas.microsoft.com/office/drawing/2014/main" val="3463867517"/>
+                    </a:ext>
+                  </a:extLst>
+                </a:gridCol>
+                <a:gridCol w="288000">
+                  <a:extLst>
+                    <a:ext uri="{9D8B030D-6E8A-4147-A177-3AD203B41FA5}">
+                      <a16:colId xmlns:a16="http://schemas.microsoft.com/office/drawing/2014/main" val="2784962363"/>
+                    </a:ext>
+                  </a:extLst>
+                </a:gridCol>
+                <a:gridCol w="288000">
+                  <a:extLst>
+                    <a:ext uri="{9D8B030D-6E8A-4147-A177-3AD203B41FA5}">
+                      <a16:colId xmlns:a16="http://schemas.microsoft.com/office/drawing/2014/main" val="1715836946"/>
+                    </a:ext>
+                  </a:extLst>
+                </a:gridCol>
+              </a:tblGrid>
+              <a:tr h="288000">
+                <a:tc>
+                  <a:txBody>
+                    <a:bodyPr/>
+                    <a:lstStyle/>
+                    <a:p>
+                      <a:endParaRPr lang="ko-KR" altLang="en-US" sz="1000" dirty="0">
+                        <a:latin typeface="삼성긴고딕OTF Medium" panose="020B0600000101010101" pitchFamily="34" charset="-127"/>
+                        <a:ea typeface="삼성긴고딕OTF Medium" panose="020B0600000101010101" pitchFamily="34" charset="-127"/>
+                      </a:endParaRPr>
+                    </a:p>
+                  </a:txBody>
+                  <a:tcPr>
+                    <a:lnL w="6350" cap="flat" cmpd="sng" algn="ctr">
+                      <a:solidFill>
+                        <a:schemeClr val="tx1"/>
+                      </a:solidFill>
+                      <a:prstDash val="solid"/>
+                      <a:round/>
+                      <a:headEnd type="none" w="med" len="med"/>
+                      <a:tailEnd type="none" w="med" len="med"/>
+                    </a:lnL>
+                    <a:lnR w="6350" cap="flat" cmpd="sng" algn="ctr">
+                      <a:solidFill>
+                        <a:schemeClr val="tx1"/>
+                      </a:solidFill>
+                      <a:prstDash val="solid"/>
+                      <a:round/>
+                      <a:headEnd type="none" w="med" len="med"/>
+                      <a:tailEnd type="none" w="med" len="med"/>
+                    </a:lnR>
+                    <a:lnT w="6350" cap="flat" cmpd="sng" algn="ctr">
+                      <a:solidFill>
+                        <a:schemeClr val="tx1"/>
+                      </a:solidFill>
+                      <a:prstDash val="solid"/>
+                      <a:round/>
+                      <a:headEnd type="none" w="med" len="med"/>
+                      <a:tailEnd type="none" w="med" len="med"/>
+                    </a:lnT>
+                    <a:lnB w="6350" cap="flat" cmpd="sng" algn="ctr">
+                      <a:solidFill>
+                        <a:schemeClr val="tx1"/>
+                      </a:solidFill>
+                      <a:prstDash val="solid"/>
+                      <a:round/>
+                      <a:headEnd type="none" w="med" len="med"/>
+                      <a:tailEnd type="none" w="med" len="med"/>
+                    </a:lnB>
+                    <a:solidFill>
+                      <a:srgbClr val="F6F8FC"/>
+                    </a:solidFill>
+                  </a:tcPr>
+                </a:tc>
+                <a:tc>
+                  <a:txBody>
+                    <a:bodyPr/>
+                    <a:lstStyle/>
+                    <a:p>
+                      <a:endParaRPr lang="ko-KR" altLang="en-US" sz="1000" dirty="0">
+                        <a:latin typeface="삼성긴고딕OTF Medium" panose="020B0600000101010101" pitchFamily="34" charset="-127"/>
+                        <a:ea typeface="삼성긴고딕OTF Medium" panose="020B0600000101010101" pitchFamily="34" charset="-127"/>
+                      </a:endParaRPr>
+                    </a:p>
+                  </a:txBody>
+                  <a:tcPr>
+                    <a:lnL w="6350" cap="flat" cmpd="sng" algn="ctr">
+                      <a:solidFill>
+                        <a:schemeClr val="tx1"/>
+                      </a:solidFill>
+                      <a:prstDash val="solid"/>
+                      <a:round/>
+                      <a:headEnd type="none" w="med" len="med"/>
+                      <a:tailEnd type="none" w="med" len="med"/>
+                    </a:lnL>
+                    <a:lnR w="6350" cap="flat" cmpd="sng" algn="ctr">
+                      <a:solidFill>
+                        <a:schemeClr val="tx1"/>
+                      </a:solidFill>
+                      <a:prstDash val="solid"/>
+                      <a:round/>
+                      <a:headEnd type="none" w="med" len="med"/>
+                      <a:tailEnd type="none" w="med" len="med"/>
+                    </a:lnR>
+                    <a:lnT w="6350" cap="flat" cmpd="sng" algn="ctr">
+                      <a:solidFill>
+                        <a:schemeClr val="tx1"/>
+                      </a:solidFill>
+                      <a:prstDash val="solid"/>
+                      <a:round/>
+                      <a:headEnd type="none" w="med" len="med"/>
+                      <a:tailEnd type="none" w="med" len="med"/>
+                    </a:lnT>
+                    <a:lnB w="6350" cap="flat" cmpd="sng" algn="ctr">
+                      <a:solidFill>
+                        <a:schemeClr val="tx1"/>
+                      </a:solidFill>
+                      <a:prstDash val="solid"/>
+                      <a:round/>
+                      <a:headEnd type="none" w="med" len="med"/>
+                      <a:tailEnd type="none" w="med" len="med"/>
+                    </a:lnB>
+                    <a:solidFill>
+                      <a:srgbClr val="F6F8FC"/>
+                    </a:solidFill>
+                  </a:tcPr>
+                </a:tc>
+                <a:tc>
+                  <a:txBody>
+                    <a:bodyPr/>
+                    <a:lstStyle/>
+                    <a:p>
+                      <a:pPr algn="ctr" latinLnBrk="1"/>
+                      <a:endParaRPr lang="ko-KR" altLang="en-US" sz="1000" dirty="0">
+                        <a:latin typeface="삼성긴고딕OTF Medium" panose="020B0600000101010101" pitchFamily="34" charset="-127"/>
+                        <a:ea typeface="삼성긴고딕OTF Medium" panose="020B0600000101010101" pitchFamily="34" charset="-127"/>
+                      </a:endParaRPr>
+                    </a:p>
+                  </a:txBody>
+                  <a:tcPr>
+                    <a:lnL w="6350" cap="flat" cmpd="sng" algn="ctr">
+                      <a:solidFill>
+                        <a:schemeClr val="tx1"/>
+                      </a:solidFill>
+                      <a:prstDash val="solid"/>
+                      <a:round/>
+                      <a:headEnd type="none" w="med" len="med"/>
+                      <a:tailEnd type="none" w="med" len="med"/>
+                    </a:lnL>
+                    <a:lnR w="6350" cap="flat" cmpd="sng" algn="ctr">
+                      <a:solidFill>
+                        <a:schemeClr val="tx1"/>
+                      </a:solidFill>
+                      <a:prstDash val="solid"/>
+                      <a:round/>
+                      <a:headEnd type="none" w="med" len="med"/>
+                      <a:tailEnd type="none" w="med" len="med"/>
+                    </a:lnR>
+                    <a:lnT w="6350" cap="flat" cmpd="sng" algn="ctr">
+                      <a:solidFill>
+                        <a:schemeClr val="tx1"/>
+                      </a:solidFill>
+                      <a:prstDash val="solid"/>
+                      <a:round/>
+                      <a:headEnd type="none" w="med" len="med"/>
+                      <a:tailEnd type="none" w="med" len="med"/>
+                    </a:lnT>
+                    <a:lnB w="6350" cap="flat" cmpd="sng" algn="ctr">
+                      <a:solidFill>
+                        <a:schemeClr val="tx1"/>
+                      </a:solidFill>
+                      <a:prstDash val="solid"/>
+                      <a:round/>
+                      <a:headEnd type="none" w="med" len="med"/>
+                      <a:tailEnd type="none" w="med" len="med"/>
+                    </a:lnB>
+                    <a:solidFill>
+                      <a:srgbClr val="F6F8FC"/>
+                    </a:solidFill>
+                  </a:tcPr>
+                </a:tc>
+                <a:extLst>
+                  <a:ext uri="{0D108BD9-81ED-4DB2-BD59-A6C34878D82A}">
+                    <a16:rowId xmlns:a16="http://schemas.microsoft.com/office/drawing/2014/main" val="4035602949"/>
+                  </a:ext>
+                </a:extLst>
+              </a:tr>
+              <a:tr h="288000">
+                <a:tc>
+                  <a:txBody>
+                    <a:bodyPr/>
+                    <a:lstStyle/>
+                    <a:p>
+                      <a:endParaRPr lang="ko-KR" altLang="en-US" sz="1000">
+                        <a:latin typeface="삼성긴고딕OTF Medium" panose="020B0600000101010101" pitchFamily="34" charset="-127"/>
+                        <a:ea typeface="삼성긴고딕OTF Medium" panose="020B0600000101010101" pitchFamily="34" charset="-127"/>
+                      </a:endParaRPr>
+                    </a:p>
+                  </a:txBody>
+                  <a:tcPr>
+                    <a:lnL w="6350" cap="flat" cmpd="sng" algn="ctr">
+                      <a:solidFill>
+                        <a:schemeClr val="tx1"/>
+                      </a:solidFill>
+                      <a:prstDash val="solid"/>
+                      <a:round/>
+                      <a:headEnd type="none" w="med" len="med"/>
+                      <a:tailEnd type="none" w="med" len="med"/>
+                    </a:lnL>
+                    <a:lnR w="6350" cap="flat" cmpd="sng" algn="ctr">
+                      <a:solidFill>
+                        <a:schemeClr val="tx1"/>
+                      </a:solidFill>
+                      <a:prstDash val="solid"/>
+                      <a:round/>
+                      <a:headEnd type="none" w="med" len="med"/>
+                      <a:tailEnd type="none" w="med" len="med"/>
+                    </a:lnR>
+                    <a:lnT w="6350" cap="flat" cmpd="sng" algn="ctr">
+                      <a:solidFill>
+                        <a:schemeClr val="tx1"/>
+                      </a:solidFill>
+                      <a:prstDash val="solid"/>
+                      <a:round/>
+                      <a:headEnd type="none" w="med" len="med"/>
+                      <a:tailEnd type="none" w="med" len="med"/>
+                    </a:lnT>
+                    <a:lnB w="6350" cap="flat" cmpd="sng" algn="ctr">
+                      <a:solidFill>
+                        <a:schemeClr val="tx1"/>
+                      </a:solidFill>
+                      <a:prstDash val="solid"/>
+                      <a:round/>
+                      <a:headEnd type="none" w="med" len="med"/>
+                      <a:tailEnd type="none" w="med" len="med"/>
+                    </a:lnB>
+                    <a:solidFill>
+                      <a:srgbClr val="F6F8FC"/>
+                    </a:solidFill>
+                  </a:tcPr>
+                </a:tc>
+                <a:tc>
+                  <a:txBody>
+                    <a:bodyPr/>
+                    <a:lstStyle/>
+                    <a:p>
+                      <a:endParaRPr lang="ko-KR" altLang="en-US" sz="1000" dirty="0">
+                        <a:latin typeface="삼성긴고딕OTF Medium" panose="020B0600000101010101" pitchFamily="34" charset="-127"/>
+                        <a:ea typeface="삼성긴고딕OTF Medium" panose="020B0600000101010101" pitchFamily="34" charset="-127"/>
+                      </a:endParaRPr>
+                    </a:p>
+                  </a:txBody>
+                  <a:tcPr>
+                    <a:lnL w="6350" cap="flat" cmpd="sng" algn="ctr">
+                      <a:solidFill>
+                        <a:schemeClr val="tx1"/>
+                      </a:solidFill>
+                      <a:prstDash val="solid"/>
+                      <a:round/>
+                      <a:headEnd type="none" w="med" len="med"/>
+                      <a:tailEnd type="none" w="med" len="med"/>
+                    </a:lnL>
+                    <a:lnR w="6350" cap="flat" cmpd="sng" algn="ctr">
+                      <a:solidFill>
+                        <a:schemeClr val="tx1"/>
+                      </a:solidFill>
+                      <a:prstDash val="solid"/>
+                      <a:round/>
+                      <a:headEnd type="none" w="med" len="med"/>
+                      <a:tailEnd type="none" w="med" len="med"/>
+                    </a:lnR>
+                    <a:lnT w="6350" cap="flat" cmpd="sng" algn="ctr">
+                      <a:solidFill>
+                        <a:schemeClr val="tx1"/>
+                      </a:solidFill>
+                      <a:prstDash val="solid"/>
+                      <a:round/>
+                      <a:headEnd type="none" w="med" len="med"/>
+                      <a:tailEnd type="none" w="med" len="med"/>
+                    </a:lnT>
+                    <a:lnB w="6350" cap="flat" cmpd="sng" algn="ctr">
+                      <a:solidFill>
+                        <a:schemeClr val="tx1"/>
+                      </a:solidFill>
+                      <a:prstDash val="solid"/>
+                      <a:round/>
+                      <a:headEnd type="none" w="med" len="med"/>
+                      <a:tailEnd type="none" w="med" len="med"/>
+                    </a:lnB>
+                    <a:solidFill>
+                      <a:srgbClr val="F6F8FC"/>
+                    </a:solidFill>
+                  </a:tcPr>
+                </a:tc>
+                <a:tc>
+                  <a:txBody>
+                    <a:bodyPr/>
+                    <a:lstStyle/>
+                    <a:p>
+                      <a:pPr algn="ctr" latinLnBrk="1"/>
+                      <a:endParaRPr lang="ko-KR" altLang="en-US" sz="1000" dirty="0">
+                        <a:latin typeface="삼성긴고딕OTF Medium" panose="020B0600000101010101" pitchFamily="34" charset="-127"/>
+                        <a:ea typeface="삼성긴고딕OTF Medium" panose="020B0600000101010101" pitchFamily="34" charset="-127"/>
+                      </a:endParaRPr>
+                    </a:p>
+                  </a:txBody>
+                  <a:tcPr>
+                    <a:lnL w="6350" cap="flat" cmpd="sng" algn="ctr">
+                      <a:solidFill>
+                        <a:schemeClr val="tx1"/>
+                      </a:solidFill>
+                      <a:prstDash val="solid"/>
+                      <a:round/>
+                      <a:headEnd type="none" w="med" len="med"/>
+                      <a:tailEnd type="none" w="med" len="med"/>
+                    </a:lnL>
+                    <a:lnR w="6350" cap="flat" cmpd="sng" algn="ctr">
+                      <a:solidFill>
+                        <a:schemeClr val="tx1"/>
+                      </a:solidFill>
+                      <a:prstDash val="solid"/>
+                      <a:round/>
+                      <a:headEnd type="none" w="med" len="med"/>
+                      <a:tailEnd type="none" w="med" len="med"/>
+                    </a:lnR>
+                    <a:lnT w="6350" cap="flat" cmpd="sng" algn="ctr">
+                      <a:solidFill>
+                        <a:schemeClr val="tx1"/>
+                      </a:solidFill>
+                      <a:prstDash val="solid"/>
+                      <a:round/>
+                      <a:headEnd type="none" w="med" len="med"/>
+                      <a:tailEnd type="none" w="med" len="med"/>
+                    </a:lnT>
+                    <a:lnB w="6350" cap="flat" cmpd="sng" algn="ctr">
+                      <a:solidFill>
+                        <a:schemeClr val="tx1"/>
+                      </a:solidFill>
+                      <a:prstDash val="solid"/>
+                      <a:round/>
+                      <a:headEnd type="none" w="med" len="med"/>
+                      <a:tailEnd type="none" w="med" len="med"/>
+                    </a:lnB>
+                    <a:solidFill>
+                      <a:srgbClr val="F6F8FC"/>
+                    </a:solidFill>
+                  </a:tcPr>
+                </a:tc>
+                <a:extLst>
+                  <a:ext uri="{0D108BD9-81ED-4DB2-BD59-A6C34878D82A}">
+                    <a16:rowId xmlns:a16="http://schemas.microsoft.com/office/drawing/2014/main" val="2506902562"/>
+                  </a:ext>
+                </a:extLst>
+              </a:tr>
+              <a:tr h="288000">
+                <a:tc>
+                  <a:txBody>
+                    <a:bodyPr/>
+                    <a:lstStyle/>
+                    <a:p>
+                      <a:endParaRPr lang="ko-KR" altLang="en-US" sz="1000">
+                        <a:latin typeface="삼성긴고딕OTF Medium" panose="020B0600000101010101" pitchFamily="34" charset="-127"/>
+                        <a:ea typeface="삼성긴고딕OTF Medium" panose="020B0600000101010101" pitchFamily="34" charset="-127"/>
+                      </a:endParaRPr>
+                    </a:p>
+                  </a:txBody>
+                  <a:tcPr>
+                    <a:lnL w="6350" cap="flat" cmpd="sng" algn="ctr">
+                      <a:solidFill>
+                        <a:schemeClr val="tx1"/>
+                      </a:solidFill>
+                      <a:prstDash val="solid"/>
+                      <a:round/>
+                      <a:headEnd type="none" w="med" len="med"/>
+                      <a:tailEnd type="none" w="med" len="med"/>
+                    </a:lnL>
+                    <a:lnR w="6350" cap="flat" cmpd="sng" algn="ctr">
+                      <a:solidFill>
+                        <a:schemeClr val="tx1"/>
+                      </a:solidFill>
+                      <a:prstDash val="solid"/>
+                      <a:round/>
+                      <a:headEnd type="none" w="med" len="med"/>
+                      <a:tailEnd type="none" w="med" len="med"/>
+                    </a:lnR>
+                    <a:lnT w="6350" cap="flat" cmpd="sng" algn="ctr">
+                      <a:solidFill>
+                        <a:schemeClr val="tx1"/>
+                      </a:solidFill>
+                      <a:prstDash val="solid"/>
+                      <a:round/>
+                      <a:headEnd type="none" w="med" len="med"/>
+                      <a:tailEnd type="none" w="med" len="med"/>
+                    </a:lnT>
+                    <a:lnB w="6350" cap="flat" cmpd="sng" algn="ctr">
+                      <a:solidFill>
+                        <a:schemeClr val="tx1"/>
+                      </a:solidFill>
+                      <a:prstDash val="solid"/>
+                      <a:round/>
+                      <a:headEnd type="none" w="med" len="med"/>
+                      <a:tailEnd type="none" w="med" len="med"/>
+                    </a:lnB>
+                    <a:solidFill>
+                      <a:srgbClr val="F6F8FC"/>
+                    </a:solidFill>
+                  </a:tcPr>
+                </a:tc>
+                <a:tc>
+                  <a:txBody>
+                    <a:bodyPr/>
+                    <a:lstStyle/>
+                    <a:p>
+                      <a:endParaRPr lang="ko-KR" altLang="en-US" sz="1000" dirty="0">
+                        <a:latin typeface="삼성긴고딕OTF Medium" panose="020B0600000101010101" pitchFamily="34" charset="-127"/>
+                        <a:ea typeface="삼성긴고딕OTF Medium" panose="020B0600000101010101" pitchFamily="34" charset="-127"/>
+                      </a:endParaRPr>
+                    </a:p>
+                  </a:txBody>
+                  <a:tcPr>
+                    <a:lnL w="6350" cap="flat" cmpd="sng" algn="ctr">
+                      <a:solidFill>
+                        <a:schemeClr val="tx1"/>
+                      </a:solidFill>
+                      <a:prstDash val="solid"/>
+                      <a:round/>
+                      <a:headEnd type="none" w="med" len="med"/>
+                      <a:tailEnd type="none" w="med" len="med"/>
+                    </a:lnL>
+                    <a:lnR w="6350" cap="flat" cmpd="sng" algn="ctr">
+                      <a:solidFill>
+                        <a:schemeClr val="tx1"/>
+                      </a:solidFill>
+                      <a:prstDash val="solid"/>
+                      <a:round/>
+                      <a:headEnd type="none" w="med" len="med"/>
+                      <a:tailEnd type="none" w="med" len="med"/>
+                    </a:lnR>
+                    <a:lnT w="6350" cap="flat" cmpd="sng" algn="ctr">
+                      <a:solidFill>
+                        <a:schemeClr val="tx1"/>
+                      </a:solidFill>
+                      <a:prstDash val="solid"/>
+                      <a:round/>
+                      <a:headEnd type="none" w="med" len="med"/>
+                      <a:tailEnd type="none" w="med" len="med"/>
+                    </a:lnT>
+                    <a:lnB w="6350" cap="flat" cmpd="sng" algn="ctr">
+                      <a:solidFill>
+                        <a:schemeClr val="tx1"/>
+                      </a:solidFill>
+                      <a:prstDash val="solid"/>
+                      <a:round/>
+                      <a:headEnd type="none" w="med" len="med"/>
+                      <a:tailEnd type="none" w="med" len="med"/>
+                    </a:lnB>
+                    <a:solidFill>
+                      <a:srgbClr val="F6F8FC"/>
+                    </a:solidFill>
+                  </a:tcPr>
+                </a:tc>
+                <a:tc>
+                  <a:txBody>
+                    <a:bodyPr/>
+                    <a:lstStyle/>
+                    <a:p>
+                      <a:pPr algn="ctr" latinLnBrk="1"/>
+                      <a:endParaRPr lang="ko-KR" altLang="en-US" sz="1000" dirty="0">
+                        <a:latin typeface="삼성긴고딕OTF Medium" panose="020B0600000101010101" pitchFamily="34" charset="-127"/>
+                        <a:ea typeface="삼성긴고딕OTF Medium" panose="020B0600000101010101" pitchFamily="34" charset="-127"/>
+                      </a:endParaRPr>
+                    </a:p>
+                  </a:txBody>
+                  <a:tcPr>
+                    <a:lnL w="6350" cap="flat" cmpd="sng" algn="ctr">
+                      <a:solidFill>
+                        <a:schemeClr val="tx1"/>
+                      </a:solidFill>
+                      <a:prstDash val="solid"/>
+                      <a:round/>
+                      <a:headEnd type="none" w="med" len="med"/>
+                      <a:tailEnd type="none" w="med" len="med"/>
+                    </a:lnL>
+                    <a:lnR w="6350" cap="flat" cmpd="sng" algn="ctr">
+                      <a:solidFill>
+                        <a:schemeClr val="tx1"/>
+                      </a:solidFill>
+                      <a:prstDash val="solid"/>
+                      <a:round/>
+                      <a:headEnd type="none" w="med" len="med"/>
+                      <a:tailEnd type="none" w="med" len="med"/>
+                    </a:lnR>
+                    <a:lnT w="6350" cap="flat" cmpd="sng" algn="ctr">
+                      <a:solidFill>
+                        <a:schemeClr val="tx1"/>
+                      </a:solidFill>
+                      <a:prstDash val="solid"/>
+                      <a:round/>
+                      <a:headEnd type="none" w="med" len="med"/>
+                      <a:tailEnd type="none" w="med" len="med"/>
+                    </a:lnT>
+                    <a:lnB w="6350" cap="flat" cmpd="sng" algn="ctr">
+                      <a:solidFill>
+                        <a:schemeClr val="tx1"/>
+                      </a:solidFill>
+                      <a:prstDash val="solid"/>
+                      <a:round/>
+                      <a:headEnd type="none" w="med" len="med"/>
+                      <a:tailEnd type="none" w="med" len="med"/>
+                    </a:lnB>
+                    <a:solidFill>
+                      <a:srgbClr val="F6F8FC"/>
+                    </a:solidFill>
+                  </a:tcPr>
+                </a:tc>
+                <a:extLst>
+                  <a:ext uri="{0D108BD9-81ED-4DB2-BD59-A6C34878D82A}">
+                    <a16:rowId xmlns:a16="http://schemas.microsoft.com/office/drawing/2014/main" val="3618485213"/>
+                  </a:ext>
+                </a:extLst>
+              </a:tr>
+            </a:tbl>
+          </a:graphicData>
+        </a:graphic>
+      </p:graphicFrame>
+      <p:sp>
+        <p:nvSpPr>
+          <p:cNvPr id="15" name="직사각형 14"/>
+          <p:cNvSpPr/>
+          <p:nvPr/>
+        </p:nvSpPr>
+        <p:spPr>
+          <a:xfrm>
+            <a:off x="5510456" y="710326"/>
+            <a:ext cx="864000" cy="360000"/>
+          </a:xfrm>
+          <a:prstGeom prst="rect">
+            <a:avLst/>
+          </a:prstGeom>
+          <a:noFill/>
+          <a:ln>
+            <a:noFill/>
+          </a:ln>
+        </p:spPr>
+        <p:style>
+          <a:lnRef idx="2">
+            <a:schemeClr val="accent1">
+              <a:shade val="50000"/>
+            </a:schemeClr>
+          </a:lnRef>
+          <a:fillRef idx="1">
+            <a:schemeClr val="accent1"/>
+          </a:fillRef>
+          <a:effectRef idx="0">
+            <a:schemeClr val="accent1"/>
+          </a:effectRef>
+          <a:fontRef idx="minor">
+            <a:schemeClr val="lt1"/>
+          </a:fontRef>
+        </p:style>
+        <p:txBody>
+          <a:bodyPr rtlCol="0" anchor="ctr"/>
+          <a:lstStyle/>
+          <a:p>
+            <a:pPr algn="ctr"/>
+            <a:r>
+              <a:rPr lang="ko-KR" altLang="en-US" sz="1100" dirty="0" smtClean="0">
+                <a:solidFill>
+                  <a:schemeClr val="accent4"/>
+                </a:solidFill>
+                <a:latin typeface="삼성긴고딕OTF Bold" panose="020B0600000101010101" pitchFamily="34" charset="-127"/>
+                <a:ea typeface="삼성긴고딕OTF Bold" panose="020B0600000101010101" pitchFamily="34" charset="-127"/>
+              </a:rPr>
+              <a:t>배송 테이블</a:t>
+            </a:r>
+            <a:endParaRPr lang="ko-KR" altLang="en-US" sz="1100" dirty="0">
+              <a:solidFill>
+                <a:schemeClr val="accent4"/>
+              </a:solidFill>
+              <a:latin typeface="삼성긴고딕OTF Bold" panose="020B0600000101010101" pitchFamily="34" charset="-127"/>
+              <a:ea typeface="삼성긴고딕OTF Bold" panose="020B0600000101010101" pitchFamily="34" charset="-127"/>
+            </a:endParaRPr>
+          </a:p>
+        </p:txBody>
+      </p:sp>
+      <p:sp>
+        <p:nvSpPr>
+          <p:cNvPr id="16" name="왼쪽 화살표 15"/>
+          <p:cNvSpPr/>
+          <p:nvPr/>
+        </p:nvSpPr>
+        <p:spPr>
+          <a:xfrm rot="10800000">
+            <a:off x="1192083" y="1380172"/>
+            <a:ext cx="521293" cy="338154"/>
+          </a:xfrm>
+          <a:prstGeom prst="leftArrow">
+            <a:avLst/>
+          </a:prstGeom>
+          <a:solidFill>
+            <a:srgbClr val="1D75E5"/>
+          </a:solidFill>
+          <a:ln>
+            <a:noFill/>
+          </a:ln>
+          <a:effectLst>
+            <a:outerShdw blurRad="50800" dist="38100" dir="2700000" algn="tl" rotWithShape="0">
+              <a:prstClr val="black">
+                <a:alpha val="40000"/>
+              </a:prstClr>
+            </a:outerShdw>
+          </a:effectLst>
+        </p:spPr>
+        <p:style>
+          <a:lnRef idx="2">
+            <a:schemeClr val="accent1">
+              <a:shade val="50000"/>
+            </a:schemeClr>
+          </a:lnRef>
+          <a:fillRef idx="1">
+            <a:schemeClr val="accent1"/>
+          </a:fillRef>
+          <a:effectRef idx="0">
+            <a:schemeClr val="accent1"/>
+          </a:effectRef>
+          <a:fontRef idx="minor">
+            <a:schemeClr val="lt1"/>
+          </a:fontRef>
+        </p:style>
+        <p:txBody>
+          <a:bodyPr rtlCol="0" anchor="ctr"/>
+          <a:lstStyle/>
+          <a:p>
+            <a:pPr algn="ctr"/>
+            <a:endParaRPr lang="ko-KR" altLang="en-US"/>
+          </a:p>
+        </p:txBody>
+      </p:sp>
+      <p:sp>
+        <p:nvSpPr>
+          <p:cNvPr id="17" name="직사각형 16"/>
+          <p:cNvSpPr/>
+          <p:nvPr/>
+        </p:nvSpPr>
+        <p:spPr>
+          <a:xfrm>
+            <a:off x="948606" y="1020172"/>
+            <a:ext cx="900000" cy="360000"/>
+          </a:xfrm>
+          <a:prstGeom prst="rect">
+            <a:avLst/>
+          </a:prstGeom>
+          <a:noFill/>
+          <a:ln>
+            <a:noFill/>
+          </a:ln>
+        </p:spPr>
+        <p:style>
+          <a:lnRef idx="2">
+            <a:schemeClr val="accent1">
+              <a:shade val="50000"/>
+            </a:schemeClr>
+          </a:lnRef>
+          <a:fillRef idx="1">
+            <a:schemeClr val="accent1"/>
+          </a:fillRef>
+          <a:effectRef idx="0">
+            <a:schemeClr val="accent1"/>
+          </a:effectRef>
+          <a:fontRef idx="minor">
+            <a:schemeClr val="lt1"/>
+          </a:fontRef>
+        </p:style>
+        <p:txBody>
+          <a:bodyPr rtlCol="0" anchor="ctr"/>
+          <a:lstStyle/>
+          <a:p>
+            <a:pPr algn="ctr"/>
+            <a:r>
+              <a:rPr lang="ko-KR" altLang="en-US" sz="1200" dirty="0" smtClean="0">
+                <a:solidFill>
+                  <a:srgbClr val="FF0000"/>
+                </a:solidFill>
+                <a:latin typeface="삼성긴고딕OTF Bold" panose="020B0600000101010101" pitchFamily="34" charset="-127"/>
+                <a:ea typeface="삼성긴고딕OTF Bold" panose="020B0600000101010101" pitchFamily="34" charset="-127"/>
+              </a:rPr>
+              <a:t>① </a:t>
+            </a:r>
+            <a:r>
+              <a:rPr lang="en-US" altLang="ko-KR" sz="1200" dirty="0" smtClean="0">
+                <a:solidFill>
+                  <a:srgbClr val="FF0000"/>
+                </a:solidFill>
+                <a:latin typeface="삼성긴고딕OTF Bold" panose="020B0600000101010101" pitchFamily="34" charset="-127"/>
+                <a:ea typeface="삼성긴고딕OTF Bold" panose="020B0600000101010101" pitchFamily="34" charset="-127"/>
+              </a:rPr>
+              <a:t>INSERT</a:t>
+            </a:r>
+            <a:endParaRPr lang="ko-KR" altLang="en-US" sz="1200" dirty="0">
+              <a:solidFill>
+                <a:srgbClr val="FF0000"/>
+              </a:solidFill>
+              <a:latin typeface="삼성긴고딕OTF Bold" panose="020B0600000101010101" pitchFamily="34" charset="-127"/>
+              <a:ea typeface="삼성긴고딕OTF Bold" panose="020B0600000101010101" pitchFamily="34" charset="-127"/>
+            </a:endParaRPr>
+          </a:p>
+        </p:txBody>
+      </p:sp>
+      <p:sp>
+        <p:nvSpPr>
+          <p:cNvPr id="18" name="타원 17"/>
+          <p:cNvSpPr/>
+          <p:nvPr/>
+        </p:nvSpPr>
+        <p:spPr>
+          <a:xfrm>
+            <a:off x="2141583" y="1814699"/>
+            <a:ext cx="1296000" cy="782146"/>
+          </a:xfrm>
+          <a:prstGeom prst="ellipse">
+            <a:avLst/>
+          </a:prstGeom>
+          <a:solidFill>
+            <a:schemeClr val="bg1"/>
+          </a:solidFill>
+          <a:ln w="9525">
+            <a:solidFill>
+              <a:srgbClr val="15D3B2"/>
+            </a:solidFill>
+          </a:ln>
+        </p:spPr>
+        <p:style>
+          <a:lnRef idx="2">
+            <a:schemeClr val="accent1">
+              <a:shade val="50000"/>
+            </a:schemeClr>
+          </a:lnRef>
+          <a:fillRef idx="1">
+            <a:schemeClr val="accent1"/>
+          </a:fillRef>
+          <a:effectRef idx="0">
+            <a:schemeClr val="accent1"/>
+          </a:effectRef>
+          <a:fontRef idx="minor">
+            <a:schemeClr val="lt1"/>
+          </a:fontRef>
+        </p:style>
+        <p:txBody>
+          <a:bodyPr lIns="0" tIns="0" rIns="0" bIns="0" rtlCol="0" anchor="ctr"/>
+          <a:lstStyle/>
+          <a:p>
+            <a:pPr algn="ctr" latinLnBrk="0"/>
+            <a:r>
+              <a:rPr lang="ko-KR" altLang="en-US" sz="1100" dirty="0" smtClean="0">
+                <a:solidFill>
+                  <a:schemeClr val="tx1"/>
+                </a:solidFill>
+                <a:latin typeface="삼성긴고딕OTF Medium" panose="020B0600000101010101" pitchFamily="34" charset="-127"/>
+                <a:ea typeface="삼성긴고딕OTF Medium" panose="020B0600000101010101" pitchFamily="34" charset="-127"/>
+              </a:rPr>
+              <a:t>물품 테이블에서 남은 개수 감소</a:t>
+            </a:r>
+            <a:endParaRPr lang="ko-KR" altLang="en-US" sz="1100" dirty="0">
+              <a:solidFill>
+                <a:schemeClr val="tx1"/>
+              </a:solidFill>
+              <a:latin typeface="삼성긴고딕OTF Medium" panose="020B0600000101010101" pitchFamily="34" charset="-127"/>
+              <a:ea typeface="삼성긴고딕OTF Medium" panose="020B0600000101010101" pitchFamily="34" charset="-127"/>
+            </a:endParaRPr>
+          </a:p>
+        </p:txBody>
+      </p:sp>
+      <p:sp>
+        <p:nvSpPr>
+          <p:cNvPr id="19" name="타원 18"/>
+          <p:cNvSpPr/>
+          <p:nvPr/>
+        </p:nvSpPr>
+        <p:spPr>
+          <a:xfrm>
+            <a:off x="3909679" y="1783626"/>
+            <a:ext cx="1296000" cy="782146"/>
+          </a:xfrm>
+          <a:prstGeom prst="ellipse">
+            <a:avLst/>
+          </a:prstGeom>
+          <a:solidFill>
+            <a:schemeClr val="bg1"/>
+          </a:solidFill>
+          <a:ln w="9525">
+            <a:solidFill>
+              <a:schemeClr val="accent4"/>
+            </a:solidFill>
+          </a:ln>
+        </p:spPr>
+        <p:style>
+          <a:lnRef idx="2">
+            <a:schemeClr val="accent1">
+              <a:shade val="50000"/>
+            </a:schemeClr>
+          </a:lnRef>
+          <a:fillRef idx="1">
+            <a:schemeClr val="accent1"/>
+          </a:fillRef>
+          <a:effectRef idx="0">
+            <a:schemeClr val="accent1"/>
+          </a:effectRef>
+          <a:fontRef idx="minor">
+            <a:schemeClr val="lt1"/>
+          </a:fontRef>
+        </p:style>
+        <p:txBody>
+          <a:bodyPr lIns="0" tIns="0" rIns="0" bIns="0" rtlCol="0" anchor="ctr"/>
+          <a:lstStyle/>
+          <a:p>
+            <a:pPr algn="ctr" latinLnBrk="0"/>
+            <a:r>
+              <a:rPr lang="ko-KR" altLang="en-US" sz="1100" dirty="0" smtClean="0">
+                <a:solidFill>
+                  <a:schemeClr val="tx1"/>
+                </a:solidFill>
+                <a:latin typeface="삼성긴고딕OTF Medium" panose="020B0600000101010101" pitchFamily="34" charset="-127"/>
+                <a:ea typeface="삼성긴고딕OTF Medium" panose="020B0600000101010101" pitchFamily="34" charset="-127"/>
+              </a:rPr>
+              <a:t>배송 테이블에서 새 배송 건수 생성</a:t>
+            </a:r>
+            <a:endParaRPr lang="ko-KR" altLang="en-US" sz="1100" dirty="0">
+              <a:solidFill>
+                <a:schemeClr val="tx1"/>
+              </a:solidFill>
+              <a:latin typeface="삼성긴고딕OTF Medium" panose="020B0600000101010101" pitchFamily="34" charset="-127"/>
+              <a:ea typeface="삼성긴고딕OTF Medium" panose="020B0600000101010101" pitchFamily="34" charset="-127"/>
+            </a:endParaRPr>
+          </a:p>
+        </p:txBody>
+      </p:sp>
+      <p:cxnSp>
+        <p:nvCxnSpPr>
+          <p:cNvPr id="20" name="구부러진 연결선 26"/>
+          <p:cNvCxnSpPr>
+            <a:stCxn id="18" idx="7"/>
+            <a:endCxn id="12" idx="1"/>
+          </p:cNvCxnSpPr>
+          <p:nvPr/>
+        </p:nvCxnSpPr>
+        <p:spPr>
+          <a:xfrm flipV="1">
+            <a:off x="3247788" y="1502326"/>
+            <a:ext cx="499128" cy="426916"/>
+          </a:xfrm>
+          <a:prstGeom prst="straightConnector1">
+            <a:avLst/>
+          </a:prstGeom>
+          <a:ln w="9525">
+            <a:solidFill>
+              <a:srgbClr val="15D3B2"/>
+            </a:solidFill>
+            <a:prstDash val="dash"/>
+            <a:tailEnd type="triangle"/>
+          </a:ln>
+        </p:spPr>
+        <p:style>
+          <a:lnRef idx="1">
+            <a:schemeClr val="accent1"/>
+          </a:lnRef>
+          <a:fillRef idx="0">
+            <a:schemeClr val="accent1"/>
+          </a:fillRef>
+          <a:effectRef idx="0">
+            <a:schemeClr val="accent1"/>
+          </a:effectRef>
+          <a:fontRef idx="minor">
+            <a:schemeClr val="tx1"/>
+          </a:fontRef>
+        </p:style>
+      </p:cxnSp>
+      <p:cxnSp>
+        <p:nvCxnSpPr>
+          <p:cNvPr id="23" name="구부러진 연결선 26"/>
+          <p:cNvCxnSpPr>
+            <a:stCxn id="19" idx="7"/>
+            <a:endCxn id="14" idx="1"/>
+          </p:cNvCxnSpPr>
+          <p:nvPr/>
+        </p:nvCxnSpPr>
+        <p:spPr>
+          <a:xfrm flipV="1">
+            <a:off x="5015884" y="1502326"/>
+            <a:ext cx="494572" cy="395843"/>
+          </a:xfrm>
+          <a:prstGeom prst="straightConnector1">
+            <a:avLst/>
+          </a:prstGeom>
+          <a:ln w="9525">
+            <a:solidFill>
+              <a:schemeClr val="accent4"/>
+            </a:solidFill>
+            <a:prstDash val="dash"/>
+            <a:tailEnd type="triangle"/>
+          </a:ln>
+        </p:spPr>
+        <p:style>
+          <a:lnRef idx="1">
+            <a:schemeClr val="accent1"/>
+          </a:lnRef>
+          <a:fillRef idx="0">
+            <a:schemeClr val="accent1"/>
+          </a:fillRef>
+          <a:effectRef idx="0">
+            <a:schemeClr val="accent1"/>
+          </a:effectRef>
+          <a:fontRef idx="minor">
+            <a:schemeClr val="tx1"/>
+          </a:fontRef>
+        </p:style>
+      </p:cxnSp>
+      <p:sp>
+        <p:nvSpPr>
+          <p:cNvPr id="31" name="직사각형 30"/>
+          <p:cNvSpPr/>
+          <p:nvPr/>
+        </p:nvSpPr>
+        <p:spPr>
+          <a:xfrm>
+            <a:off x="4610686" y="1304995"/>
+            <a:ext cx="900000" cy="360000"/>
+          </a:xfrm>
+          <a:prstGeom prst="rect">
+            <a:avLst/>
+          </a:prstGeom>
+          <a:noFill/>
+          <a:ln>
+            <a:noFill/>
+          </a:ln>
+        </p:spPr>
+        <p:style>
+          <a:lnRef idx="2">
+            <a:schemeClr val="accent1">
+              <a:shade val="50000"/>
+            </a:schemeClr>
+          </a:lnRef>
+          <a:fillRef idx="1">
+            <a:schemeClr val="accent1"/>
+          </a:fillRef>
+          <a:effectRef idx="0">
+            <a:schemeClr val="accent1"/>
+          </a:effectRef>
+          <a:fontRef idx="minor">
+            <a:schemeClr val="lt1"/>
+          </a:fontRef>
+        </p:style>
+        <p:txBody>
+          <a:bodyPr rtlCol="0" anchor="ctr"/>
+          <a:lstStyle/>
+          <a:p>
+            <a:pPr algn="ctr"/>
+            <a:r>
+              <a:rPr lang="ko-KR" altLang="en-US" sz="1200" dirty="0" smtClean="0">
+                <a:solidFill>
+                  <a:srgbClr val="FF0000"/>
+                </a:solidFill>
+                <a:latin typeface="삼성긴고딕OTF Bold" panose="020B0600000101010101" pitchFamily="34" charset="-127"/>
+                <a:ea typeface="삼성긴고딕OTF Bold" panose="020B0600000101010101" pitchFamily="34" charset="-127"/>
+              </a:rPr>
+              <a:t>③ </a:t>
+            </a:r>
+            <a:r>
+              <a:rPr lang="en-US" altLang="ko-KR" sz="1200" dirty="0" smtClean="0">
+                <a:solidFill>
+                  <a:srgbClr val="FF0000"/>
+                </a:solidFill>
+                <a:latin typeface="삼성긴고딕OTF Bold" panose="020B0600000101010101" pitchFamily="34" charset="-127"/>
+                <a:ea typeface="삼성긴고딕OTF Bold" panose="020B0600000101010101" pitchFamily="34" charset="-127"/>
+              </a:rPr>
+              <a:t>INSERT</a:t>
+            </a:r>
+            <a:endParaRPr lang="ko-KR" altLang="en-US" sz="1200" dirty="0">
+              <a:solidFill>
+                <a:srgbClr val="FF0000"/>
+              </a:solidFill>
+              <a:latin typeface="삼성긴고딕OTF Bold" panose="020B0600000101010101" pitchFamily="34" charset="-127"/>
+              <a:ea typeface="삼성긴고딕OTF Bold" panose="020B0600000101010101" pitchFamily="34" charset="-127"/>
+            </a:endParaRPr>
+          </a:p>
+        </p:txBody>
+      </p:sp>
+      <p:sp>
+        <p:nvSpPr>
+          <p:cNvPr id="32" name="직사각형 31"/>
+          <p:cNvSpPr/>
+          <p:nvPr/>
+        </p:nvSpPr>
+        <p:spPr>
+          <a:xfrm>
+            <a:off x="2827047" y="1304995"/>
+            <a:ext cx="936000" cy="360000"/>
+          </a:xfrm>
+          <a:prstGeom prst="rect">
+            <a:avLst/>
+          </a:prstGeom>
+          <a:noFill/>
+          <a:ln>
+            <a:noFill/>
+          </a:ln>
+        </p:spPr>
+        <p:style>
+          <a:lnRef idx="2">
+            <a:schemeClr val="accent1">
+              <a:shade val="50000"/>
+            </a:schemeClr>
+          </a:lnRef>
+          <a:fillRef idx="1">
+            <a:schemeClr val="accent1"/>
+          </a:fillRef>
+          <a:effectRef idx="0">
+            <a:schemeClr val="accent1"/>
+          </a:effectRef>
+          <a:fontRef idx="minor">
+            <a:schemeClr val="lt1"/>
+          </a:fontRef>
+        </p:style>
+        <p:txBody>
+          <a:bodyPr rtlCol="0" anchor="ctr"/>
+          <a:lstStyle/>
+          <a:p>
+            <a:pPr algn="ctr"/>
+            <a:r>
+              <a:rPr lang="ko-KR" altLang="en-US" sz="1200" dirty="0" smtClean="0">
+                <a:solidFill>
+                  <a:srgbClr val="FF0000"/>
+                </a:solidFill>
+                <a:latin typeface="삼성긴고딕OTF Bold" panose="020B0600000101010101" pitchFamily="34" charset="-127"/>
+                <a:ea typeface="삼성긴고딕OTF Bold" panose="020B0600000101010101" pitchFamily="34" charset="-127"/>
+              </a:rPr>
+              <a:t>② </a:t>
+            </a:r>
+            <a:r>
+              <a:rPr lang="en-US" altLang="ko-KR" sz="1200" dirty="0" smtClean="0">
+                <a:solidFill>
+                  <a:srgbClr val="FF0000"/>
+                </a:solidFill>
+                <a:latin typeface="삼성긴고딕OTF Bold" panose="020B0600000101010101" pitchFamily="34" charset="-127"/>
+                <a:ea typeface="삼성긴고딕OTF Bold" panose="020B0600000101010101" pitchFamily="34" charset="-127"/>
+              </a:rPr>
+              <a:t>UPDATE</a:t>
+            </a:r>
+            <a:endParaRPr lang="ko-KR" altLang="en-US" sz="1200" dirty="0">
+              <a:solidFill>
+                <a:srgbClr val="FF0000"/>
+              </a:solidFill>
+              <a:latin typeface="삼성긴고딕OTF Bold" panose="020B0600000101010101" pitchFamily="34" charset="-127"/>
+              <a:ea typeface="삼성긴고딕OTF Bold" panose="020B0600000101010101" pitchFamily="34" charset="-127"/>
+            </a:endParaRPr>
+          </a:p>
+        </p:txBody>
+      </p:sp>
+    </p:spTree>
+    <p:extLst>
+      <p:ext uri="{BB962C8B-B14F-4D97-AF65-F5344CB8AC3E}">
+        <p14:creationId xmlns:p14="http://schemas.microsoft.com/office/powerpoint/2010/main" val="2666109758"/>
       </p:ext>
     </p:extLst>
   </p:cSld>
